--- a/MongoDB.pptx
+++ b/MongoDB.pptx
@@ -5,7 +5,7 @@
     <p:sldMasterId id="2147483720" r:id="rId1"/>
   </p:sldMasterIdLst>
   <p:notesMasterIdLst>
-    <p:notesMasterId r:id="rId54"/>
+    <p:notesMasterId r:id="rId62"/>
   </p:notesMasterIdLst>
   <p:sldIdLst>
     <p:sldId id="497" r:id="rId2"/>
@@ -24,42 +24,50 @@
     <p:sldId id="1133" r:id="rId15"/>
     <p:sldId id="1135" r:id="rId16"/>
     <p:sldId id="1136" r:id="rId17"/>
-    <p:sldId id="1098" r:id="rId18"/>
-    <p:sldId id="1090" r:id="rId19"/>
-    <p:sldId id="1099" r:id="rId20"/>
-    <p:sldId id="1092" r:id="rId21"/>
-    <p:sldId id="1102" r:id="rId22"/>
-    <p:sldId id="1103" r:id="rId23"/>
-    <p:sldId id="1104" r:id="rId24"/>
-    <p:sldId id="1105" r:id="rId25"/>
-    <p:sldId id="1106" r:id="rId26"/>
-    <p:sldId id="1107" r:id="rId27"/>
-    <p:sldId id="1108" r:id="rId28"/>
-    <p:sldId id="1109" r:id="rId29"/>
-    <p:sldId id="1110" r:id="rId30"/>
-    <p:sldId id="1111" r:id="rId31"/>
-    <p:sldId id="1112" r:id="rId32"/>
-    <p:sldId id="1113" r:id="rId33"/>
-    <p:sldId id="1114" r:id="rId34"/>
-    <p:sldId id="1115" r:id="rId35"/>
-    <p:sldId id="1116" r:id="rId36"/>
-    <p:sldId id="1117" r:id="rId37"/>
-    <p:sldId id="1118" r:id="rId38"/>
-    <p:sldId id="1119" r:id="rId39"/>
-    <p:sldId id="1120" r:id="rId40"/>
-    <p:sldId id="1121" r:id="rId41"/>
-    <p:sldId id="1122" r:id="rId42"/>
-    <p:sldId id="1123" r:id="rId43"/>
-    <p:sldId id="1124" r:id="rId44"/>
-    <p:sldId id="1125" r:id="rId45"/>
-    <p:sldId id="1126" r:id="rId46"/>
-    <p:sldId id="1127" r:id="rId47"/>
-    <p:sldId id="1128" r:id="rId48"/>
-    <p:sldId id="1129" r:id="rId49"/>
-    <p:sldId id="954" r:id="rId50"/>
-    <p:sldId id="788" r:id="rId51"/>
-    <p:sldId id="1071" r:id="rId52"/>
-    <p:sldId id="1087" r:id="rId53"/>
+    <p:sldId id="1137" r:id="rId18"/>
+    <p:sldId id="1138" r:id="rId19"/>
+    <p:sldId id="1139" r:id="rId20"/>
+    <p:sldId id="1140" r:id="rId21"/>
+    <p:sldId id="1141" r:id="rId22"/>
+    <p:sldId id="1142" r:id="rId23"/>
+    <p:sldId id="1143" r:id="rId24"/>
+    <p:sldId id="1144" r:id="rId25"/>
+    <p:sldId id="1098" r:id="rId26"/>
+    <p:sldId id="1090" r:id="rId27"/>
+    <p:sldId id="1099" r:id="rId28"/>
+    <p:sldId id="1092" r:id="rId29"/>
+    <p:sldId id="1102" r:id="rId30"/>
+    <p:sldId id="1103" r:id="rId31"/>
+    <p:sldId id="1104" r:id="rId32"/>
+    <p:sldId id="1105" r:id="rId33"/>
+    <p:sldId id="1106" r:id="rId34"/>
+    <p:sldId id="1107" r:id="rId35"/>
+    <p:sldId id="1108" r:id="rId36"/>
+    <p:sldId id="1109" r:id="rId37"/>
+    <p:sldId id="1110" r:id="rId38"/>
+    <p:sldId id="1111" r:id="rId39"/>
+    <p:sldId id="1112" r:id="rId40"/>
+    <p:sldId id="1113" r:id="rId41"/>
+    <p:sldId id="1114" r:id="rId42"/>
+    <p:sldId id="1115" r:id="rId43"/>
+    <p:sldId id="1116" r:id="rId44"/>
+    <p:sldId id="1117" r:id="rId45"/>
+    <p:sldId id="1118" r:id="rId46"/>
+    <p:sldId id="1119" r:id="rId47"/>
+    <p:sldId id="1120" r:id="rId48"/>
+    <p:sldId id="1121" r:id="rId49"/>
+    <p:sldId id="1122" r:id="rId50"/>
+    <p:sldId id="1123" r:id="rId51"/>
+    <p:sldId id="1124" r:id="rId52"/>
+    <p:sldId id="1125" r:id="rId53"/>
+    <p:sldId id="1126" r:id="rId54"/>
+    <p:sldId id="1127" r:id="rId55"/>
+    <p:sldId id="1128" r:id="rId56"/>
+    <p:sldId id="1129" r:id="rId57"/>
+    <p:sldId id="954" r:id="rId58"/>
+    <p:sldId id="788" r:id="rId59"/>
+    <p:sldId id="1071" r:id="rId60"/>
+    <p:sldId id="1087" r:id="rId61"/>
   </p:sldIdLst>
   <p:sldSz cx="9144000" cy="6858000" type="screen4x3"/>
   <p:notesSz cx="6858000" cy="9144000"/>
@@ -6978,17 +6986,7 @@
                 <a:latin typeface="Arial" pitchFamily="34" charset="0"/>
                 <a:cs typeface="Arial" pitchFamily="34" charset="0"/>
               </a:rPr>
-              <a:t>logical </a:t>
-            </a:r>
-            <a:r>
-              <a:rPr lang="en-IN" sz="3200" b="1" i="1" dirty="0" smtClean="0">
-                <a:solidFill>
-                  <a:srgbClr val="FFFF00"/>
-                </a:solidFill>
-                <a:latin typeface="Arial" pitchFamily="34" charset="0"/>
-                <a:cs typeface="Arial" pitchFamily="34" charset="0"/>
-              </a:rPr>
-              <a:t>operator</a:t>
+              <a:t>logical operator</a:t>
             </a:r>
             <a:endParaRPr lang="en-IN" sz="3200" b="1" i="1" dirty="0">
               <a:solidFill>
@@ -7534,17 +7532,7 @@
                 <a:latin typeface="Arial" pitchFamily="34" charset="0"/>
                 <a:cs typeface="Arial" pitchFamily="34" charset="0"/>
               </a:rPr>
-              <a:t>logical </a:t>
-            </a:r>
-            <a:r>
-              <a:rPr lang="en-IN" sz="3200" b="1" i="1" dirty="0" smtClean="0">
-                <a:solidFill>
-                  <a:srgbClr val="FFFF00"/>
-                </a:solidFill>
-                <a:latin typeface="Arial" pitchFamily="34" charset="0"/>
-                <a:cs typeface="Arial" pitchFamily="34" charset="0"/>
-              </a:rPr>
-              <a:t>operator</a:t>
+              <a:t>logical operator</a:t>
             </a:r>
             <a:endParaRPr lang="en-IN" sz="3200" b="1" i="1" dirty="0">
               <a:solidFill>
@@ -7606,14 +7594,14 @@
         <p:spPr>
           <a:xfrm>
             <a:off x="152400" y="1192887"/>
-            <a:ext cx="7896714" cy="430887"/>
-          </a:xfrm>
-          <a:prstGeom prst="rect">
-            <a:avLst/>
-          </a:prstGeom>
-        </p:spPr>
-        <p:txBody>
-          <a:bodyPr wrap="none">
+            <a:ext cx="8342152" cy="430887"/>
+          </a:xfrm>
+          <a:prstGeom prst="rect">
+            <a:avLst/>
+          </a:prstGeom>
+        </p:spPr>
+        <p:txBody>
+          <a:bodyPr wrap="square">
             <a:spAutoFit/>
           </a:bodyPr>
           <a:lstStyle/>
@@ -7640,7 +7628,7 @@
         </p:nvSpPr>
         <p:spPr>
           <a:xfrm>
-            <a:off x="168234" y="2061181"/>
+            <a:off x="168234" y="2648928"/>
             <a:ext cx="756938" cy="430887"/>
           </a:xfrm>
           <a:prstGeom prst="rect">
@@ -7681,7 +7669,7 @@
         </p:nvSpPr>
         <p:spPr>
           <a:xfrm>
-            <a:off x="168234" y="2486713"/>
+            <a:off x="168234" y="3074460"/>
             <a:ext cx="8326318" cy="430887"/>
           </a:xfrm>
           <a:prstGeom prst="rect">
@@ -7736,7 +7724,7 @@
         </p:nvSpPr>
         <p:spPr>
           <a:xfrm>
-            <a:off x="168234" y="3355007"/>
+            <a:off x="168234" y="4459069"/>
             <a:ext cx="718466" cy="430887"/>
           </a:xfrm>
           <a:prstGeom prst="rect">
@@ -7777,15 +7765,15 @@
         </p:nvSpPr>
         <p:spPr>
           <a:xfrm>
-            <a:off x="168234" y="3780539"/>
-            <a:ext cx="8138766" cy="430887"/>
-          </a:xfrm>
-          <a:prstGeom prst="rect">
-            <a:avLst/>
-          </a:prstGeom>
-        </p:spPr>
-        <p:txBody>
-          <a:bodyPr wrap="none">
+            <a:off x="168234" y="4884601"/>
+            <a:ext cx="8326318" cy="430887"/>
+          </a:xfrm>
+          <a:prstGeom prst="rect">
+            <a:avLst/>
+          </a:prstGeom>
+        </p:spPr>
+        <p:txBody>
+          <a:bodyPr wrap="square">
             <a:spAutoFit/>
           </a:bodyPr>
           <a:lstStyle/>
@@ -7798,29 +7786,153 @@
                 <a:latin typeface="Calibri" panose="020F0502020204030204" pitchFamily="34" charset="0"/>
                 <a:cs typeface="Calibri" panose="020F0502020204030204" pitchFamily="34" charset="0"/>
               </a:rPr>
-              <a:t>{ </a:t>
+              <a:t>{ field: { $not: { &lt;operator-expression&gt; } } }</a:t>
+            </a:r>
+            <a:endParaRPr lang="en-US" sz="2200" dirty="0"/>
+          </a:p>
+        </p:txBody>
+      </p:sp>
+      <p:sp>
+        <p:nvSpPr>
+          <p:cNvPr id="2" name="Rectangle 1"/>
+          <p:cNvSpPr/>
+          <p:nvPr/>
+        </p:nvSpPr>
+        <p:spPr>
+          <a:xfrm>
+            <a:off x="141514" y="5498068"/>
+            <a:ext cx="8850086" cy="430887"/>
+          </a:xfrm>
+          <a:prstGeom prst="rect">
+            <a:avLst/>
+          </a:prstGeom>
+        </p:spPr>
+        <p:txBody>
+          <a:bodyPr wrap="square">
+            <a:spAutoFit/>
+          </a:bodyPr>
+          <a:lstStyle/>
+          <a:p>
+            <a:r>
+              <a:rPr lang="en-US" sz="2200" dirty="0">
+                <a:solidFill>
+                  <a:srgbClr val="FC6F0D"/>
+                </a:solidFill>
+              </a:rPr>
+              <a:t>db.emp.find({ job: {$not: {$eq</a:t>
             </a:r>
             <a:r>
               <a:rPr lang="en-US" sz="2200" dirty="0" smtClean="0">
                 <a:solidFill>
-                  <a:srgbClr val="049DC8"/>
-                </a:solidFill>
-                <a:latin typeface="Calibri" panose="020F0502020204030204" pitchFamily="34" charset="0"/>
-                <a:cs typeface="Calibri" panose="020F0502020204030204" pitchFamily="34" charset="0"/>
-              </a:rPr>
-              <a:t>$not: </a:t>
+                  <a:srgbClr val="FC6F0D"/>
+                </a:solidFill>
+              </a:rPr>
+              <a:t>: 'MANAGER</a:t>
             </a:r>
             <a:r>
               <a:rPr lang="en-US" sz="2200" dirty="0">
                 <a:solidFill>
-                  <a:srgbClr val="049DC8"/>
-                </a:solidFill>
-                <a:latin typeface="Calibri" panose="020F0502020204030204" pitchFamily="34" charset="0"/>
-                <a:cs typeface="Calibri" panose="020F0502020204030204" pitchFamily="34" charset="0"/>
-              </a:rPr>
-              <a:t>[ { &lt;expression1&gt; }, { &lt;expression2&gt; }, ... , { &lt;expressionN&gt; } ] }</a:t>
-            </a:r>
-            <a:endParaRPr lang="en-US" sz="2200" dirty="0"/>
+                  <a:srgbClr val="FC6F0D"/>
+                </a:solidFill>
+              </a:rPr>
+              <a:t>'}}})</a:t>
+            </a:r>
+          </a:p>
+        </p:txBody>
+      </p:sp>
+      <p:sp>
+        <p:nvSpPr>
+          <p:cNvPr id="3" name="Rectangle 2"/>
+          <p:cNvSpPr/>
+          <p:nvPr/>
+        </p:nvSpPr>
+        <p:spPr>
+          <a:xfrm>
+            <a:off x="141514" y="1773697"/>
+            <a:ext cx="8823366" cy="430887"/>
+          </a:xfrm>
+          <a:prstGeom prst="rect">
+            <a:avLst/>
+          </a:prstGeom>
+        </p:spPr>
+        <p:txBody>
+          <a:bodyPr wrap="square">
+            <a:spAutoFit/>
+          </a:bodyPr>
+          <a:lstStyle/>
+          <a:p>
+            <a:r>
+              <a:rPr lang="en-US" sz="2200" dirty="0">
+                <a:solidFill>
+                  <a:srgbClr val="FC6F0D"/>
+                </a:solidFill>
+              </a:rPr>
+              <a:t>db.emp.find({$or: [{job</a:t>
+            </a:r>
+            <a:r>
+              <a:rPr lang="en-US" sz="2200" dirty="0" smtClean="0">
+                <a:solidFill>
+                  <a:srgbClr val="FC6F0D"/>
+                </a:solidFill>
+              </a:rPr>
+              <a:t>: 'manager</a:t>
+            </a:r>
+            <a:r>
+              <a:rPr lang="en-US" sz="2200" dirty="0">
+                <a:solidFill>
+                  <a:srgbClr val="FC6F0D"/>
+                </a:solidFill>
+              </a:rPr>
+              <a:t>'}, {job</a:t>
+            </a:r>
+            <a:r>
+              <a:rPr lang="en-US" sz="2200" dirty="0" smtClean="0">
+                <a:solidFill>
+                  <a:srgbClr val="FC6F0D"/>
+                </a:solidFill>
+              </a:rPr>
+              <a:t>: 'salesman</a:t>
+            </a:r>
+            <a:r>
+              <a:rPr lang="en-US" sz="2200" dirty="0">
+                <a:solidFill>
+                  <a:srgbClr val="FC6F0D"/>
+                </a:solidFill>
+              </a:rPr>
+              <a:t>'}]})</a:t>
+            </a:r>
+          </a:p>
+        </p:txBody>
+      </p:sp>
+      <p:sp>
+        <p:nvSpPr>
+          <p:cNvPr id="7" name="Rectangle 6"/>
+          <p:cNvSpPr/>
+          <p:nvPr/>
+        </p:nvSpPr>
+        <p:spPr>
+          <a:xfrm>
+            <a:off x="108856" y="3607713"/>
+            <a:ext cx="8856023" cy="430887"/>
+          </a:xfrm>
+          <a:prstGeom prst="rect">
+            <a:avLst/>
+          </a:prstGeom>
+        </p:spPr>
+        <p:txBody>
+          <a:bodyPr wrap="square">
+            <a:spAutoFit/>
+          </a:bodyPr>
+          <a:lstStyle/>
+          <a:p>
+            <a:r>
+              <a:rPr lang="en-US" sz="2200" dirty="0">
+                <a:solidFill>
+                  <a:srgbClr val="FC6F0D"/>
+                </a:solidFill>
+              </a:rPr>
+              <a:t>db.emp.find({$and: [{job:'manager'}, {sal:3400}]})</a:t>
+            </a:r>
           </a:p>
         </p:txBody>
       </p:sp>
@@ -7863,21 +7975,69 @@
       </p:grpSpPr>
       <p:sp>
         <p:nvSpPr>
-          <p:cNvPr id="18" name="Rectangle 17"/>
+          <p:cNvPr id="2" name="Title 1"/>
+          <p:cNvSpPr txBox="1">
+            <a:spLocks/>
+          </p:cNvSpPr>
+          <p:nvPr/>
+        </p:nvSpPr>
+        <p:spPr>
+          <a:xfrm>
+            <a:off x="152400" y="2057400"/>
+            <a:ext cx="8839200" cy="838200"/>
+          </a:xfrm>
+          <a:prstGeom prst="rect">
+            <a:avLst/>
+          </a:prstGeom>
+        </p:spPr>
+        <p:txBody>
+          <a:bodyPr>
+            <a:noAutofit/>
+          </a:bodyPr>
+          <a:lstStyle>
+            <a:defPPr>
+              <a:defRPr lang="en-US"/>
+            </a:defPPr>
+            <a:lvl1pPr lvl="0" algn="ctr">
+              <a:spcBef>
+                <a:spcPct val="0"/>
+              </a:spcBef>
+              <a:defRPr sz="4800">
+                <a:solidFill>
+                  <a:srgbClr val="7EEEE3"/>
+                </a:solidFill>
+                <a:latin typeface="Segoe UI Light" panose="020B0502040204020203" pitchFamily="34" charset="0"/>
+                <a:cs typeface="Segoe UI Light" panose="020B0502040204020203" pitchFamily="34" charset="0"/>
+              </a:defRPr>
+            </a:lvl1pPr>
+          </a:lstStyle>
+          <a:p>
+            <a:r>
+              <a:rPr lang="en-IN" dirty="0" smtClean="0"/>
+              <a:t>list databases</a:t>
+            </a:r>
+            <a:endParaRPr lang="en-US" dirty="0"/>
+          </a:p>
+        </p:txBody>
+      </p:sp>
+      <p:sp>
+        <p:nvSpPr>
+          <p:cNvPr id="3" name="Rectangle 2"/>
           <p:cNvSpPr/>
           <p:nvPr/>
         </p:nvSpPr>
         <p:spPr>
           <a:xfrm>
-            <a:off x="0" y="0"/>
-            <a:ext cx="9144000" cy="584775"/>
+            <a:off x="419100" y="2861953"/>
+            <a:ext cx="8305800" cy="369332"/>
           </a:xfrm>
           <a:prstGeom prst="rect">
             <a:avLst/>
           </a:prstGeom>
           <a:solidFill>
-            <a:schemeClr val="accent4">
-              <a:lumMod val="75000"/>
+            <a:schemeClr val="accent6">
+              <a:lumMod val="20000"/>
+              <a:lumOff val="80000"/>
             </a:schemeClr>
           </a:solidFill>
         </p:spPr>
@@ -7887,51 +8047,37 @@
           </a:bodyPr>
           <a:lstStyle/>
           <a:p>
-            <a:pPr algn="r">
-              <a:spcBef>
-                <a:spcPct val="0"/>
-              </a:spcBef>
-            </a:pPr>
-            <a:r>
-              <a:rPr lang="en-IN" sz="3200" b="1" i="1" dirty="0" smtClean="0">
-                <a:solidFill>
-                  <a:srgbClr val="FFFF00"/>
-                </a:solidFill>
-                <a:latin typeface="Arial" pitchFamily="34" charset="0"/>
-                <a:cs typeface="Arial" pitchFamily="34" charset="0"/>
-              </a:rPr>
-              <a:t>logical </a:t>
-            </a:r>
-            <a:r>
-              <a:rPr lang="en-IN" sz="3200" b="1" i="1" dirty="0" smtClean="0">
-                <a:solidFill>
-                  <a:srgbClr val="FFFF00"/>
-                </a:solidFill>
-                <a:latin typeface="Arial" pitchFamily="34" charset="0"/>
-                <a:cs typeface="Arial" pitchFamily="34" charset="0"/>
-              </a:rPr>
-              <a:t>operator</a:t>
-            </a:r>
-            <a:endParaRPr lang="en-IN" sz="3200" b="1" i="1" dirty="0">
-              <a:solidFill>
-                <a:srgbClr val="FFFF00"/>
-              </a:solidFill>
-              <a:latin typeface="Arial" pitchFamily="34" charset="0"/>
-              <a:cs typeface="Arial" pitchFamily="34" charset="0"/>
-            </a:endParaRPr>
+            <a:r>
+              <a:rPr lang="en-US" dirty="0" smtClean="0">
+                <a:solidFill>
+                  <a:srgbClr val="222222"/>
+                </a:solidFill>
+                <a:latin typeface="arial" panose="020B0604020202020204" pitchFamily="34" charset="0"/>
+              </a:rPr>
+              <a:t>TODO</a:t>
+            </a:r>
+            <a:endParaRPr lang="en-US" dirty="0"/>
           </a:p>
         </p:txBody>
       </p:sp>
     </p:spTree>
     <p:extLst>
       <p:ext uri="{BB962C8B-B14F-4D97-AF65-F5344CB8AC3E}">
-        <p14:creationId xmlns:p14="http://schemas.microsoft.com/office/powerpoint/2010/main" val="1881883035"/>
+        <p14:creationId xmlns:p14="http://schemas.microsoft.com/office/powerpoint/2010/main" val="128580422"/>
       </p:ext>
     </p:extLst>
   </p:cSld>
   <p:clrMapOvr>
     <a:masterClrMapping/>
   </p:clrMapOvr>
+  <mc:AlternateContent xmlns:mc="http://schemas.openxmlformats.org/markup-compatibility/2006">
+    <mc:Choice xmlns:p14="http://schemas.microsoft.com/office/powerpoint/2010/main" Requires="p14">
+      <p:transition spd="slow" p14:dur="2000"/>
+    </mc:Choice>
+    <mc:Fallback>
+      <p:transition spd="slow"/>
+    </mc:Fallback>
+  </mc:AlternateContent>
   <p:timing>
     <p:tnLst>
       <p:par>
@@ -7961,71 +8107,72 @@
       </p:grpSpPr>
       <p:sp>
         <p:nvSpPr>
-          <p:cNvPr id="2" name="Title 1"/>
-          <p:cNvSpPr txBox="1">
-            <a:spLocks/>
-          </p:cNvSpPr>
-          <p:nvPr/>
-        </p:nvSpPr>
-        <p:spPr>
-          <a:xfrm>
-            <a:off x="152400" y="2057400"/>
-            <a:ext cx="8839200" cy="838200"/>
-          </a:xfrm>
-          <a:prstGeom prst="rect">
-            <a:avLst/>
-          </a:prstGeom>
-        </p:spPr>
-        <p:txBody>
-          <a:bodyPr>
-            <a:noAutofit/>
+          <p:cNvPr id="6" name="Rectangle 5"/>
+          <p:cNvSpPr/>
+          <p:nvPr/>
+        </p:nvSpPr>
+        <p:spPr>
+          <a:xfrm>
+            <a:off x="0" y="0"/>
+            <a:ext cx="9144000" cy="584775"/>
+          </a:xfrm>
+          <a:prstGeom prst="rect">
+            <a:avLst/>
+          </a:prstGeom>
+          <a:solidFill>
+            <a:schemeClr val="accent4">
+              <a:lumMod val="75000"/>
+            </a:schemeClr>
+          </a:solidFill>
+        </p:spPr>
+        <p:txBody>
+          <a:bodyPr wrap="square">
+            <a:spAutoFit/>
           </a:bodyPr>
-          <a:lstStyle>
-            <a:defPPr>
-              <a:defRPr lang="en-US"/>
-            </a:defPPr>
-            <a:lvl1pPr lvl="0" algn="ctr">
+          <a:lstStyle/>
+          <a:p>
+            <a:pPr algn="r">
               <a:spcBef>
                 <a:spcPct val="0"/>
               </a:spcBef>
-              <a:defRPr sz="4800">
-                <a:solidFill>
-                  <a:srgbClr val="7EEEE3"/>
-                </a:solidFill>
-                <a:latin typeface="Segoe UI Light" panose="020B0502040204020203" pitchFamily="34" charset="0"/>
-                <a:cs typeface="Segoe UI Light" panose="020B0502040204020203" pitchFamily="34" charset="0"/>
-              </a:defRPr>
-            </a:lvl1pPr>
-          </a:lstStyle>
-          <a:p>
-            <a:r>
-              <a:rPr lang="en-IN" dirty="0" smtClean="0"/>
-              <a:t>document</a:t>
-            </a:r>
-            <a:endParaRPr lang="en-US" dirty="0"/>
-          </a:p>
-        </p:txBody>
-      </p:sp>
-      <p:sp>
-        <p:nvSpPr>
-          <p:cNvPr id="3" name="Rectangle 2"/>
+            </a:pPr>
+            <a:r>
+              <a:rPr lang="en-IN" sz="3200" b="1" i="1" dirty="0" smtClean="0">
+                <a:solidFill>
+                  <a:srgbClr val="FFFF00"/>
+                </a:solidFill>
+                <a:latin typeface="Arial" pitchFamily="34" charset="0"/>
+                <a:cs typeface="Arial" pitchFamily="34" charset="0"/>
+              </a:rPr>
+              <a:t>list database</a:t>
+            </a:r>
+            <a:r>
+              <a:rPr lang="en-IN" sz="3200" b="1" i="1" dirty="0">
+                <a:solidFill>
+                  <a:srgbClr val="FFFF00"/>
+                </a:solidFill>
+                <a:latin typeface="Arial" pitchFamily="34" charset="0"/>
+                <a:cs typeface="Arial" pitchFamily="34" charset="0"/>
+              </a:rPr>
+              <a:t> </a:t>
+            </a:r>
+          </a:p>
+        </p:txBody>
+      </p:sp>
+      <p:sp>
+        <p:nvSpPr>
+          <p:cNvPr id="7" name="Rectangle 6"/>
           <p:cNvSpPr/>
           <p:nvPr/>
         </p:nvSpPr>
         <p:spPr>
           <a:xfrm>
-            <a:off x="419100" y="2861953"/>
-            <a:ext cx="8305800" cy="646331"/>
-          </a:xfrm>
-          <a:prstGeom prst="rect">
-            <a:avLst/>
-          </a:prstGeom>
-          <a:solidFill>
-            <a:schemeClr val="accent6">
-              <a:lumMod val="20000"/>
-              <a:lumOff val="80000"/>
-            </a:schemeClr>
-          </a:solidFill>
+            <a:off x="149188" y="762000"/>
+            <a:ext cx="8845624" cy="369332"/>
+          </a:xfrm>
+          <a:prstGeom prst="rect">
+            <a:avLst/>
+          </a:prstGeom>
         </p:spPr>
         <p:txBody>
           <a:bodyPr wrap="square">
@@ -8034,36 +8181,150 @@
           <a:lstStyle/>
           <a:p>
             <a:r>
-              <a:rPr lang="en-US" dirty="0">
-                <a:solidFill>
-                  <a:srgbClr val="222222"/>
-                </a:solidFill>
-                <a:latin typeface="arial" panose="020B0604020202020204" pitchFamily="34" charset="0"/>
-              </a:rPr>
-              <a:t>MongoDB stores data as BSON documents. BSON is a binary representation of JSON documents.</a:t>
+              <a:rPr lang="en-US" dirty="0"/>
+              <a:t>Print a list of all databases on the </a:t>
+            </a:r>
+            <a:r>
+              <a:rPr lang="en-US" dirty="0" smtClean="0"/>
+              <a:t>server.</a:t>
             </a:r>
             <a:endParaRPr lang="en-US" dirty="0"/>
+          </a:p>
+        </p:txBody>
+      </p:sp>
+      <p:sp>
+        <p:nvSpPr>
+          <p:cNvPr id="4" name="Rectangle 3"/>
+          <p:cNvSpPr/>
+          <p:nvPr/>
+        </p:nvSpPr>
+        <p:spPr>
+          <a:xfrm>
+            <a:off x="3505200" y="5791200"/>
+            <a:ext cx="4572000" cy="369332"/>
+          </a:xfrm>
+          <a:prstGeom prst="rect">
+            <a:avLst/>
+          </a:prstGeom>
+        </p:spPr>
+        <p:txBody>
+          <a:bodyPr>
+            <a:spAutoFit/>
+          </a:bodyPr>
+          <a:lstStyle/>
+          <a:p>
+            <a:r>
+              <a:rPr lang="en-US" dirty="0"/>
+              <a:t>		</a:t>
+            </a:r>
+          </a:p>
+        </p:txBody>
+      </p:sp>
+      <p:sp>
+        <p:nvSpPr>
+          <p:cNvPr id="5" name="Rectangle 4"/>
+          <p:cNvSpPr/>
+          <p:nvPr/>
+        </p:nvSpPr>
+        <p:spPr>
+          <a:xfrm>
+            <a:off x="304800" y="1383966"/>
+            <a:ext cx="2083455" cy="1055545"/>
+          </a:xfrm>
+          <a:prstGeom prst="rect">
+            <a:avLst/>
+          </a:prstGeom>
+        </p:spPr>
+        <p:txBody>
+          <a:bodyPr wrap="none">
+            <a:spAutoFit/>
+          </a:bodyPr>
+          <a:lstStyle/>
+          <a:p>
+            <a:pPr>
+              <a:lnSpc>
+                <a:spcPct val="150000"/>
+              </a:lnSpc>
+            </a:pPr>
+            <a:r>
+              <a:rPr lang="en-US" sz="2200" dirty="0">
+                <a:solidFill>
+                  <a:srgbClr val="049DC8"/>
+                </a:solidFill>
+                <a:latin typeface="Calibri" panose="020F0502020204030204" pitchFamily="34" charset="0"/>
+                <a:cs typeface="Calibri" panose="020F0502020204030204" pitchFamily="34" charset="0"/>
+              </a:rPr>
+              <a:t>show</a:t>
+            </a:r>
+            <a:r>
+              <a:rPr lang="en-US" sz="2000" dirty="0">
+                <a:latin typeface="Consolas" panose="020B0609020204030204" pitchFamily="49" charset="0"/>
+              </a:rPr>
+              <a:t> </a:t>
+            </a:r>
+            <a:r>
+              <a:rPr lang="en-US" sz="2200" dirty="0" smtClean="0">
+                <a:solidFill>
+                  <a:srgbClr val="049DC8"/>
+                </a:solidFill>
+                <a:latin typeface="Calibri" panose="020F0502020204030204" pitchFamily="34" charset="0"/>
+                <a:cs typeface="Calibri" panose="020F0502020204030204" pitchFamily="34" charset="0"/>
+              </a:rPr>
+              <a:t>dbs</a:t>
+            </a:r>
+          </a:p>
+          <a:p>
+            <a:pPr>
+              <a:lnSpc>
+                <a:spcPct val="150000"/>
+              </a:lnSpc>
+            </a:pPr>
+            <a:r>
+              <a:rPr lang="en-US" sz="2200" dirty="0">
+                <a:solidFill>
+                  <a:srgbClr val="049DC8"/>
+                </a:solidFill>
+                <a:latin typeface="Calibri" panose="020F0502020204030204" pitchFamily="34" charset="0"/>
+                <a:cs typeface="Calibri" panose="020F0502020204030204" pitchFamily="34" charset="0"/>
+              </a:rPr>
+              <a:t>show</a:t>
+            </a:r>
+            <a:r>
+              <a:rPr lang="en-US" sz="2000" dirty="0">
+                <a:latin typeface="Consolas" panose="020B0609020204030204" pitchFamily="49" charset="0"/>
+              </a:rPr>
+              <a:t> </a:t>
+            </a:r>
+            <a:r>
+              <a:rPr lang="en-US" sz="2200" dirty="0" smtClean="0">
+                <a:solidFill>
+                  <a:srgbClr val="049DC8"/>
+                </a:solidFill>
+                <a:latin typeface="Calibri" panose="020F0502020204030204" pitchFamily="34" charset="0"/>
+                <a:cs typeface="Calibri" panose="020F0502020204030204" pitchFamily="34" charset="0"/>
+              </a:rPr>
+              <a:t>databases</a:t>
+            </a:r>
+            <a:endParaRPr lang="en-US" sz="2200" dirty="0">
+              <a:solidFill>
+                <a:srgbClr val="049DC8"/>
+              </a:solidFill>
+              <a:latin typeface="Calibri" panose="020F0502020204030204" pitchFamily="34" charset="0"/>
+              <a:cs typeface="Calibri" panose="020F0502020204030204" pitchFamily="34" charset="0"/>
+            </a:endParaRPr>
           </a:p>
         </p:txBody>
       </p:sp>
     </p:spTree>
     <p:extLst>
       <p:ext uri="{BB962C8B-B14F-4D97-AF65-F5344CB8AC3E}">
-        <p14:creationId xmlns:p14="http://schemas.microsoft.com/office/powerpoint/2010/main" val="316225766"/>
+        <p14:creationId xmlns:p14="http://schemas.microsoft.com/office/powerpoint/2010/main" val="3595211561"/>
       </p:ext>
     </p:extLst>
   </p:cSld>
   <p:clrMapOvr>
     <a:masterClrMapping/>
   </p:clrMapOvr>
-  <mc:AlternateContent xmlns:mc="http://schemas.openxmlformats.org/markup-compatibility/2006">
-    <mc:Choice xmlns:p14="http://schemas.microsoft.com/office/powerpoint/2010/main" Requires="p14">
-      <p:transition spd="slow" p14:dur="2000"/>
-    </mc:Choice>
-    <mc:Fallback>
-      <p:transition spd="slow"/>
-    </mc:Fallback>
-  </mc:AlternateContent>
   <p:timing>
     <p:tnLst>
       <p:par>
@@ -8093,21 +8354,69 @@
       </p:grpSpPr>
       <p:sp>
         <p:nvSpPr>
-          <p:cNvPr id="6" name="Rectangle 5"/>
+          <p:cNvPr id="2" name="Title 1"/>
+          <p:cNvSpPr txBox="1">
+            <a:spLocks/>
+          </p:cNvSpPr>
+          <p:nvPr/>
+        </p:nvSpPr>
+        <p:spPr>
+          <a:xfrm>
+            <a:off x="152400" y="2057400"/>
+            <a:ext cx="8839200" cy="838200"/>
+          </a:xfrm>
+          <a:prstGeom prst="rect">
+            <a:avLst/>
+          </a:prstGeom>
+        </p:spPr>
+        <p:txBody>
+          <a:bodyPr>
+            <a:noAutofit/>
+          </a:bodyPr>
+          <a:lstStyle>
+            <a:defPPr>
+              <a:defRPr lang="en-US"/>
+            </a:defPPr>
+            <a:lvl1pPr lvl="0" algn="ctr">
+              <a:spcBef>
+                <a:spcPct val="0"/>
+              </a:spcBef>
+              <a:defRPr sz="4800">
+                <a:solidFill>
+                  <a:srgbClr val="7EEEE3"/>
+                </a:solidFill>
+                <a:latin typeface="Segoe UI Light" panose="020B0502040204020203" pitchFamily="34" charset="0"/>
+                <a:cs typeface="Segoe UI Light" panose="020B0502040204020203" pitchFamily="34" charset="0"/>
+              </a:defRPr>
+            </a:lvl1pPr>
+          </a:lstStyle>
+          <a:p>
+            <a:r>
+              <a:rPr lang="en-IN" dirty="0" smtClean="0"/>
+              <a:t>use database</a:t>
+            </a:r>
+            <a:endParaRPr lang="en-US" dirty="0"/>
+          </a:p>
+        </p:txBody>
+      </p:sp>
+      <p:sp>
+        <p:nvSpPr>
+          <p:cNvPr id="3" name="Rectangle 2"/>
           <p:cNvSpPr/>
           <p:nvPr/>
         </p:nvSpPr>
         <p:spPr>
           <a:xfrm>
-            <a:off x="0" y="0"/>
-            <a:ext cx="9144000" cy="584775"/>
+            <a:off x="419100" y="2861953"/>
+            <a:ext cx="8305800" cy="369332"/>
           </a:xfrm>
           <a:prstGeom prst="rect">
             <a:avLst/>
           </a:prstGeom>
           <a:solidFill>
-            <a:schemeClr val="accent4">
-              <a:lumMod val="75000"/>
+            <a:schemeClr val="accent6">
+              <a:lumMod val="20000"/>
+              <a:lumOff val="80000"/>
             </a:schemeClr>
           </a:solidFill>
         </p:spPr>
@@ -8117,252 +8426,37 @@
           </a:bodyPr>
           <a:lstStyle/>
           <a:p>
-            <a:pPr algn="r">
-              <a:spcBef>
-                <a:spcPct val="0"/>
-              </a:spcBef>
-            </a:pPr>
-            <a:r>
-              <a:rPr lang="en-IN" sz="3200" b="1" i="1" dirty="0" smtClean="0">
-                <a:solidFill>
-                  <a:srgbClr val="FFFF00"/>
-                </a:solidFill>
-                <a:latin typeface="Arial" pitchFamily="34" charset="0"/>
-                <a:cs typeface="Arial" pitchFamily="34" charset="0"/>
-              </a:rPr>
-              <a:t>document</a:t>
-            </a:r>
-            <a:r>
-              <a:rPr lang="en-IN" sz="3200" b="1" i="1" dirty="0">
-                <a:solidFill>
-                  <a:srgbClr val="FFFF00"/>
-                </a:solidFill>
-                <a:latin typeface="Arial" pitchFamily="34" charset="0"/>
-                <a:cs typeface="Arial" pitchFamily="34" charset="0"/>
-              </a:rPr>
-              <a:t> </a:t>
-            </a:r>
-          </a:p>
-        </p:txBody>
-      </p:sp>
-      <p:sp>
-        <p:nvSpPr>
-          <p:cNvPr id="7" name="Rectangle 6"/>
-          <p:cNvSpPr/>
-          <p:nvPr/>
-        </p:nvSpPr>
-        <p:spPr>
-          <a:xfrm>
-            <a:off x="149188" y="762000"/>
-            <a:ext cx="8845624" cy="923330"/>
-          </a:xfrm>
-          <a:prstGeom prst="rect">
-            <a:avLst/>
-          </a:prstGeom>
-        </p:spPr>
-        <p:txBody>
-          <a:bodyPr wrap="square">
-            <a:spAutoFit/>
-          </a:bodyPr>
-          <a:lstStyle/>
-          <a:p>
-            <a:r>
-              <a:rPr lang="en-US" dirty="0"/>
-              <a:t>MongoDB documents are composed of </a:t>
-            </a:r>
-            <a:r>
-              <a:rPr lang="en-US" b="1" i="1" dirty="0">
-                <a:solidFill>
-                  <a:srgbClr val="036883"/>
-                </a:solidFill>
-              </a:rPr>
-              <a:t>field-and-value</a:t>
-            </a:r>
-            <a:r>
-              <a:rPr lang="en-US" dirty="0"/>
-              <a:t> pairs. The value of a field can be any of the BSON data types, including other documents, arrays, and arrays of documents.</a:t>
-            </a:r>
-            <a:endParaRPr lang="en-IN" dirty="0"/>
-          </a:p>
-        </p:txBody>
-      </p:sp>
-      <p:sp>
-        <p:nvSpPr>
-          <p:cNvPr id="2" name="Rectangle 1"/>
-          <p:cNvSpPr/>
-          <p:nvPr/>
-        </p:nvSpPr>
-        <p:spPr>
-          <a:xfrm>
-            <a:off x="149188" y="1875420"/>
-            <a:ext cx="8845624" cy="646331"/>
-          </a:xfrm>
-          <a:prstGeom prst="rect">
-            <a:avLst/>
-          </a:prstGeom>
-        </p:spPr>
-        <p:txBody>
-          <a:bodyPr wrap="square">
-            <a:spAutoFit/>
-          </a:bodyPr>
-          <a:lstStyle/>
-          <a:p>
-            <a:r>
-              <a:rPr lang="en-US" dirty="0"/>
-              <a:t>The </a:t>
-            </a:r>
-            <a:r>
-              <a:rPr lang="en-US" b="1" i="1" dirty="0">
-                <a:solidFill>
-                  <a:srgbClr val="036883"/>
-                </a:solidFill>
-              </a:rPr>
-              <a:t>field name</a:t>
-            </a:r>
-            <a:r>
-              <a:rPr lang="en-US" dirty="0"/>
-              <a:t> </a:t>
-            </a:r>
-            <a:r>
-              <a:rPr lang="en-US" b="1" i="1" dirty="0">
-                <a:solidFill>
-                  <a:srgbClr val="C00000"/>
-                </a:solidFill>
-              </a:rPr>
-              <a:t>_</a:t>
-            </a:r>
-            <a:r>
-              <a:rPr lang="en-US" b="1" dirty="0">
-                <a:solidFill>
-                  <a:srgbClr val="C00000"/>
-                </a:solidFill>
-              </a:rPr>
-              <a:t>id</a:t>
-            </a:r>
-            <a:r>
-              <a:rPr lang="en-US" b="1" i="1" dirty="0">
-                <a:solidFill>
-                  <a:srgbClr val="C00000"/>
-                </a:solidFill>
-              </a:rPr>
-              <a:t> </a:t>
-            </a:r>
-            <a:r>
-              <a:rPr lang="en-US" dirty="0"/>
-              <a:t>is reserved for use as a primary key; its value must be unique in the collection, is immutable, and may be of any type other than an array.</a:t>
-            </a:r>
-          </a:p>
-        </p:txBody>
-      </p:sp>
-      <p:sp>
-        <p:nvSpPr>
-          <p:cNvPr id="3" name="Rectangle 2"/>
-          <p:cNvSpPr/>
-          <p:nvPr/>
-        </p:nvSpPr>
-        <p:spPr>
-          <a:xfrm>
-            <a:off x="184814" y="2971800"/>
-            <a:ext cx="8809998" cy="2031325"/>
-          </a:xfrm>
-          <a:prstGeom prst="rect">
-            <a:avLst/>
-          </a:prstGeom>
-        </p:spPr>
-        <p:txBody>
-          <a:bodyPr wrap="square">
-            <a:spAutoFit/>
-          </a:bodyPr>
-          <a:lstStyle/>
-          <a:p>
-            <a:r>
-              <a:rPr lang="en-US" dirty="0">
-                <a:solidFill>
-                  <a:srgbClr val="036883"/>
-                </a:solidFill>
-                <a:latin typeface="Consolas" panose="020B0609020204030204" pitchFamily="49" charset="0"/>
-              </a:rPr>
-              <a:t>{</a:t>
-            </a:r>
-          </a:p>
-          <a:p>
-            <a:r>
-              <a:rPr lang="en-US" dirty="0">
-                <a:solidFill>
-                  <a:srgbClr val="036883"/>
-                </a:solidFill>
-                <a:latin typeface="Consolas" panose="020B0609020204030204" pitchFamily="49" charset="0"/>
-              </a:rPr>
-              <a:t>   field1: value1,</a:t>
-            </a:r>
-          </a:p>
-          <a:p>
-            <a:r>
-              <a:rPr lang="en-US" dirty="0">
-                <a:solidFill>
-                  <a:srgbClr val="036883"/>
-                </a:solidFill>
-                <a:latin typeface="Consolas" panose="020B0609020204030204" pitchFamily="49" charset="0"/>
-              </a:rPr>
-              <a:t>   field2: value2,</a:t>
-            </a:r>
-          </a:p>
-          <a:p>
-            <a:r>
-              <a:rPr lang="en-US" dirty="0">
-                <a:solidFill>
-                  <a:srgbClr val="036883"/>
-                </a:solidFill>
-                <a:latin typeface="Consolas" panose="020B0609020204030204" pitchFamily="49" charset="0"/>
-              </a:rPr>
-              <a:t>   field3: value3,</a:t>
-            </a:r>
-          </a:p>
-          <a:p>
-            <a:r>
-              <a:rPr lang="en-US" dirty="0">
-                <a:solidFill>
-                  <a:srgbClr val="036883"/>
-                </a:solidFill>
-                <a:latin typeface="Consolas" panose="020B0609020204030204" pitchFamily="49" charset="0"/>
-              </a:rPr>
-              <a:t>   ...</a:t>
-            </a:r>
-          </a:p>
-          <a:p>
-            <a:r>
-              <a:rPr lang="en-US" dirty="0">
-                <a:solidFill>
-                  <a:srgbClr val="036883"/>
-                </a:solidFill>
-                <a:latin typeface="Consolas" panose="020B0609020204030204" pitchFamily="49" charset="0"/>
-              </a:rPr>
-              <a:t>   fieldN: valueN</a:t>
-            </a:r>
-          </a:p>
-          <a:p>
-            <a:r>
-              <a:rPr lang="en-US" dirty="0">
-                <a:solidFill>
-                  <a:srgbClr val="036883"/>
-                </a:solidFill>
-                <a:latin typeface="Consolas" panose="020B0609020204030204" pitchFamily="49" charset="0"/>
-              </a:rPr>
-              <a:t>}</a:t>
-            </a:r>
+            <a:r>
+              <a:rPr lang="en-US" dirty="0" smtClean="0">
+                <a:solidFill>
+                  <a:srgbClr val="222222"/>
+                </a:solidFill>
+                <a:latin typeface="arial" panose="020B0604020202020204" pitchFamily="34" charset="0"/>
+              </a:rPr>
+              <a:t>TODO</a:t>
+            </a:r>
+            <a:endParaRPr lang="en-US" dirty="0"/>
           </a:p>
         </p:txBody>
       </p:sp>
     </p:spTree>
     <p:extLst>
       <p:ext uri="{BB962C8B-B14F-4D97-AF65-F5344CB8AC3E}">
-        <p14:creationId xmlns:p14="http://schemas.microsoft.com/office/powerpoint/2010/main" val="1707159998"/>
+        <p14:creationId xmlns:p14="http://schemas.microsoft.com/office/powerpoint/2010/main" val="2907334560"/>
       </p:ext>
     </p:extLst>
   </p:cSld>
   <p:clrMapOvr>
     <a:masterClrMapping/>
   </p:clrMapOvr>
+  <mc:AlternateContent xmlns:mc="http://schemas.openxmlformats.org/markup-compatibility/2006">
+    <mc:Choice xmlns:p14="http://schemas.microsoft.com/office/powerpoint/2010/main" Requires="p14">
+      <p:transition spd="slow" p14:dur="2000"/>
+    </mc:Choice>
+    <mc:Fallback>
+      <p:transition spd="slow"/>
+    </mc:Fallback>
+  </mc:AlternateContent>
   <p:timing>
     <p:tnLst>
       <p:par>
@@ -8429,7 +8523,7 @@
                 <a:latin typeface="Arial" pitchFamily="34" charset="0"/>
                 <a:cs typeface="Arial" pitchFamily="34" charset="0"/>
               </a:rPr>
-              <a:t>document</a:t>
+              <a:t>use database</a:t>
             </a:r>
             <a:r>
               <a:rPr lang="en-IN" sz="3200" b="1" i="1" dirty="0">
@@ -8453,7 +8547,7 @@
         <p:spPr>
           <a:xfrm>
             <a:off x="149188" y="762000"/>
-            <a:ext cx="8845624" cy="369332"/>
+            <a:ext cx="8845624" cy="646331"/>
           </a:xfrm>
           <a:prstGeom prst="rect">
             <a:avLst/>
@@ -8466,17 +8560,127 @@
           <a:lstStyle/>
           <a:p>
             <a:r>
-              <a:rPr lang="en-US" dirty="0" smtClean="0"/>
-              <a:t>TODO</a:t>
-            </a:r>
-            <a:endParaRPr lang="en-IN" dirty="0"/>
+              <a:rPr lang="en-US" dirty="0"/>
+              <a:t>Switch current database to &lt;db&gt;. The mongo shell variable db is set to the current database.</a:t>
+            </a:r>
+          </a:p>
+        </p:txBody>
+      </p:sp>
+      <p:sp>
+        <p:nvSpPr>
+          <p:cNvPr id="4" name="Rectangle 3"/>
+          <p:cNvSpPr/>
+          <p:nvPr/>
+        </p:nvSpPr>
+        <p:spPr>
+          <a:xfrm>
+            <a:off x="3505200" y="5791200"/>
+            <a:ext cx="4572000" cy="369332"/>
+          </a:xfrm>
+          <a:prstGeom prst="rect">
+            <a:avLst/>
+          </a:prstGeom>
+        </p:spPr>
+        <p:txBody>
+          <a:bodyPr>
+            <a:spAutoFit/>
+          </a:bodyPr>
+          <a:lstStyle/>
+          <a:p>
+            <a:r>
+              <a:rPr lang="en-US" dirty="0"/>
+              <a:t>		</a:t>
+            </a:r>
+          </a:p>
+        </p:txBody>
+      </p:sp>
+      <p:sp>
+        <p:nvSpPr>
+          <p:cNvPr id="5" name="Rectangle 4"/>
+          <p:cNvSpPr/>
+          <p:nvPr/>
+        </p:nvSpPr>
+        <p:spPr>
+          <a:xfrm>
+            <a:off x="304800" y="1566753"/>
+            <a:ext cx="1225015" cy="547714"/>
+          </a:xfrm>
+          <a:prstGeom prst="rect">
+            <a:avLst/>
+          </a:prstGeom>
+        </p:spPr>
+        <p:txBody>
+          <a:bodyPr wrap="none">
+            <a:spAutoFit/>
+          </a:bodyPr>
+          <a:lstStyle/>
+          <a:p>
+            <a:pPr>
+              <a:lnSpc>
+                <a:spcPct val="150000"/>
+              </a:lnSpc>
+            </a:pPr>
+            <a:r>
+              <a:rPr lang="en-US" sz="2200" dirty="0" smtClean="0">
+                <a:solidFill>
+                  <a:srgbClr val="049DC8"/>
+                </a:solidFill>
+                <a:latin typeface="Calibri" panose="020F0502020204030204" pitchFamily="34" charset="0"/>
+                <a:cs typeface="Calibri" panose="020F0502020204030204" pitchFamily="34" charset="0"/>
+              </a:rPr>
+              <a:t>use &lt;db&gt;</a:t>
+            </a:r>
+            <a:endParaRPr lang="en-US" sz="2200" dirty="0">
+              <a:solidFill>
+                <a:srgbClr val="049DC8"/>
+              </a:solidFill>
+              <a:latin typeface="Calibri" panose="020F0502020204030204" pitchFamily="34" charset="0"/>
+              <a:cs typeface="Calibri" panose="020F0502020204030204" pitchFamily="34" charset="0"/>
+            </a:endParaRPr>
+          </a:p>
+        </p:txBody>
+      </p:sp>
+      <p:sp>
+        <p:nvSpPr>
+          <p:cNvPr id="8" name="Rectangle 7"/>
+          <p:cNvSpPr/>
+          <p:nvPr/>
+        </p:nvSpPr>
+        <p:spPr>
+          <a:xfrm>
+            <a:off x="287977" y="2560766"/>
+            <a:ext cx="8856023" cy="430887"/>
+          </a:xfrm>
+          <a:prstGeom prst="rect">
+            <a:avLst/>
+          </a:prstGeom>
+        </p:spPr>
+        <p:txBody>
+          <a:bodyPr wrap="square">
+            <a:spAutoFit/>
+          </a:bodyPr>
+          <a:lstStyle/>
+          <a:p>
+            <a:r>
+              <a:rPr lang="en-US" sz="2200" dirty="0" smtClean="0">
+                <a:solidFill>
+                  <a:srgbClr val="FC6F0D"/>
+                </a:solidFill>
+              </a:rPr>
+              <a:t>use db1</a:t>
+            </a:r>
+            <a:endParaRPr lang="en-US" sz="2200" dirty="0">
+              <a:solidFill>
+                <a:srgbClr val="FC6F0D"/>
+              </a:solidFill>
+            </a:endParaRPr>
           </a:p>
         </p:txBody>
       </p:sp>
     </p:spTree>
     <p:extLst>
       <p:ext uri="{BB962C8B-B14F-4D97-AF65-F5344CB8AC3E}">
-        <p14:creationId xmlns:p14="http://schemas.microsoft.com/office/powerpoint/2010/main" val="3587670722"/>
+        <p14:creationId xmlns:p14="http://schemas.microsoft.com/office/powerpoint/2010/main" val="1389759744"/>
       </p:ext>
     </p:extLst>
   </p:cSld>
@@ -8651,21 +8855,69 @@
       </p:grpSpPr>
       <p:sp>
         <p:nvSpPr>
-          <p:cNvPr id="6" name="Rectangle 5"/>
+          <p:cNvPr id="2" name="Title 1"/>
+          <p:cNvSpPr txBox="1">
+            <a:spLocks/>
+          </p:cNvSpPr>
+          <p:nvPr/>
+        </p:nvSpPr>
+        <p:spPr>
+          <a:xfrm>
+            <a:off x="152400" y="2057400"/>
+            <a:ext cx="8839200" cy="838200"/>
+          </a:xfrm>
+          <a:prstGeom prst="rect">
+            <a:avLst/>
+          </a:prstGeom>
+        </p:spPr>
+        <p:txBody>
+          <a:bodyPr>
+            <a:noAutofit/>
+          </a:bodyPr>
+          <a:lstStyle>
+            <a:defPPr>
+              <a:defRPr lang="en-US"/>
+            </a:defPPr>
+            <a:lvl1pPr lvl="0" algn="ctr">
+              <a:spcBef>
+                <a:spcPct val="0"/>
+              </a:spcBef>
+              <a:defRPr sz="4800">
+                <a:solidFill>
+                  <a:srgbClr val="7EEEE3"/>
+                </a:solidFill>
+                <a:latin typeface="Segoe UI Light" panose="020B0502040204020203" pitchFamily="34" charset="0"/>
+                <a:cs typeface="Segoe UI Light" panose="020B0502040204020203" pitchFamily="34" charset="0"/>
+              </a:defRPr>
+            </a:lvl1pPr>
+          </a:lstStyle>
+          <a:p>
+            <a:r>
+              <a:rPr lang="en-IN" dirty="0" smtClean="0"/>
+              <a:t>list all collections</a:t>
+            </a:r>
+            <a:endParaRPr lang="en-US" dirty="0"/>
+          </a:p>
+        </p:txBody>
+      </p:sp>
+      <p:sp>
+        <p:nvSpPr>
+          <p:cNvPr id="3" name="Rectangle 2"/>
           <p:cNvSpPr/>
           <p:nvPr/>
         </p:nvSpPr>
         <p:spPr>
           <a:xfrm>
-            <a:off x="0" y="0"/>
-            <a:ext cx="9144000" cy="584775"/>
+            <a:off x="419100" y="2861953"/>
+            <a:ext cx="8305800" cy="369332"/>
           </a:xfrm>
           <a:prstGeom prst="rect">
             <a:avLst/>
           </a:prstGeom>
           <a:solidFill>
-            <a:schemeClr val="accent4">
-              <a:lumMod val="75000"/>
+            <a:schemeClr val="accent6">
+              <a:lumMod val="20000"/>
+              <a:lumOff val="80000"/>
             </a:schemeClr>
           </a:solidFill>
         </p:spPr>
@@ -8675,83 +8927,37 @@
           </a:bodyPr>
           <a:lstStyle/>
           <a:p>
-            <a:pPr algn="r">
-              <a:spcBef>
-                <a:spcPct val="0"/>
-              </a:spcBef>
-            </a:pPr>
-            <a:r>
-              <a:rPr lang="en-IN" sz="3200" b="1" i="1" dirty="0" smtClean="0">
-                <a:solidFill>
-                  <a:srgbClr val="FFFF00"/>
-                </a:solidFill>
-                <a:latin typeface="Arial" pitchFamily="34" charset="0"/>
-                <a:cs typeface="Arial" pitchFamily="34" charset="0"/>
-              </a:rPr>
-              <a:t>MongoDB</a:t>
-            </a:r>
-            <a:r>
-              <a:rPr lang="en-US" sz="3200" b="1" i="1" dirty="0" smtClean="0">
-                <a:solidFill>
-                  <a:srgbClr val="FFFF00"/>
-                </a:solidFill>
-                <a:latin typeface="Arial" pitchFamily="34" charset="0"/>
-                <a:cs typeface="Arial" pitchFamily="34" charset="0"/>
-              </a:rPr>
-              <a:t> </a:t>
-            </a:r>
-            <a:r>
-              <a:rPr lang="en-IN" sz="3200" b="1" i="1" dirty="0">
-                <a:solidFill>
-                  <a:srgbClr val="FFFF00"/>
-                </a:solidFill>
-                <a:latin typeface="Arial" pitchFamily="34" charset="0"/>
-                <a:cs typeface="Arial" pitchFamily="34" charset="0"/>
-              </a:rPr>
-              <a:t> </a:t>
-            </a:r>
-          </a:p>
-        </p:txBody>
-      </p:sp>
-      <p:sp>
-        <p:nvSpPr>
-          <p:cNvPr id="7" name="Rectangle 6"/>
-          <p:cNvSpPr/>
-          <p:nvPr/>
-        </p:nvSpPr>
-        <p:spPr>
-          <a:xfrm>
-            <a:off x="149188" y="762000"/>
-            <a:ext cx="8845624" cy="369332"/>
-          </a:xfrm>
-          <a:prstGeom prst="rect">
-            <a:avLst/>
-          </a:prstGeom>
-        </p:spPr>
-        <p:txBody>
-          <a:bodyPr wrap="square">
-            <a:spAutoFit/>
-          </a:bodyPr>
-          <a:lstStyle/>
-          <a:p>
-            <a:r>
-              <a:rPr lang="en-US" dirty="0" smtClean="0"/>
+            <a:r>
+              <a:rPr lang="en-US" dirty="0" smtClean="0">
+                <a:solidFill>
+                  <a:srgbClr val="222222"/>
+                </a:solidFill>
+                <a:latin typeface="arial" panose="020B0604020202020204" pitchFamily="34" charset="0"/>
+              </a:rPr>
               <a:t>TODO</a:t>
             </a:r>
-            <a:endParaRPr lang="en-IN" dirty="0"/>
+            <a:endParaRPr lang="en-US" dirty="0"/>
           </a:p>
         </p:txBody>
       </p:sp>
     </p:spTree>
     <p:extLst>
       <p:ext uri="{BB962C8B-B14F-4D97-AF65-F5344CB8AC3E}">
-        <p14:creationId xmlns:p14="http://schemas.microsoft.com/office/powerpoint/2010/main" val="250252946"/>
+        <p14:creationId xmlns:p14="http://schemas.microsoft.com/office/powerpoint/2010/main" val="3323673451"/>
       </p:ext>
     </p:extLst>
   </p:cSld>
   <p:clrMapOvr>
     <a:masterClrMapping/>
   </p:clrMapOvr>
+  <mc:AlternateContent xmlns:mc="http://schemas.openxmlformats.org/markup-compatibility/2006">
+    <mc:Choice xmlns:p14="http://schemas.microsoft.com/office/powerpoint/2010/main" Requires="p14">
+      <p:transition spd="slow" p14:dur="2000"/>
+    </mc:Choice>
+    <mc:Fallback>
+      <p:transition spd="slow"/>
+    </mc:Fallback>
+  </mc:AlternateContent>
   <p:timing>
     <p:tnLst>
       <p:par>
@@ -8818,17 +9024,7 @@
                 <a:latin typeface="Arial" pitchFamily="34" charset="0"/>
                 <a:cs typeface="Arial" pitchFamily="34" charset="0"/>
               </a:rPr>
-              <a:t>MongoDB</a:t>
-            </a:r>
-            <a:r>
-              <a:rPr lang="en-US" sz="3200" b="1" i="1" dirty="0" smtClean="0">
-                <a:solidFill>
-                  <a:srgbClr val="FFFF00"/>
-                </a:solidFill>
-                <a:latin typeface="Arial" pitchFamily="34" charset="0"/>
-                <a:cs typeface="Arial" pitchFamily="34" charset="0"/>
-              </a:rPr>
-              <a:t> </a:t>
+              <a:t>collection</a:t>
             </a:r>
             <a:r>
               <a:rPr lang="en-IN" sz="3200" b="1" i="1" dirty="0">
@@ -8865,17 +9061,96 @@
           <a:lstStyle/>
           <a:p>
             <a:r>
-              <a:rPr lang="en-US" dirty="0" smtClean="0"/>
-              <a:t>TODO</a:t>
+              <a:rPr lang="en-US" dirty="0"/>
+              <a:t>Print a list of all collections for current database.</a:t>
             </a:r>
             <a:endParaRPr lang="en-IN" dirty="0"/>
+          </a:p>
+        </p:txBody>
+      </p:sp>
+      <p:sp>
+        <p:nvSpPr>
+          <p:cNvPr id="8" name="Rectangle 7"/>
+          <p:cNvSpPr/>
+          <p:nvPr/>
+        </p:nvSpPr>
+        <p:spPr>
+          <a:xfrm>
+            <a:off x="304800" y="1383966"/>
+            <a:ext cx="3025893" cy="1107996"/>
+          </a:xfrm>
+          <a:prstGeom prst="rect">
+            <a:avLst/>
+          </a:prstGeom>
+        </p:spPr>
+        <p:txBody>
+          <a:bodyPr wrap="none">
+            <a:spAutoFit/>
+          </a:bodyPr>
+          <a:lstStyle/>
+          <a:p>
+            <a:pPr>
+              <a:lnSpc>
+                <a:spcPct val="150000"/>
+              </a:lnSpc>
+            </a:pPr>
+            <a:r>
+              <a:rPr lang="en-US" sz="2200" dirty="0">
+                <a:solidFill>
+                  <a:srgbClr val="049DC8"/>
+                </a:solidFill>
+                <a:latin typeface="Calibri" panose="020F0502020204030204" pitchFamily="34" charset="0"/>
+                <a:cs typeface="Calibri" panose="020F0502020204030204" pitchFamily="34" charset="0"/>
+              </a:rPr>
+              <a:t>show</a:t>
+            </a:r>
+            <a:r>
+              <a:rPr lang="en-US" sz="2000" dirty="0">
+                <a:latin typeface="Consolas" panose="020B0609020204030204" pitchFamily="49" charset="0"/>
+              </a:rPr>
+              <a:t> </a:t>
+            </a:r>
+            <a:r>
+              <a:rPr lang="en-US" sz="2200" dirty="0" smtClean="0">
+                <a:solidFill>
+                  <a:srgbClr val="049DC8"/>
+                </a:solidFill>
+                <a:latin typeface="Calibri" panose="020F0502020204030204" pitchFamily="34" charset="0"/>
+                <a:cs typeface="Calibri" panose="020F0502020204030204" pitchFamily="34" charset="0"/>
+              </a:rPr>
+              <a:t>collection</a:t>
+            </a:r>
+          </a:p>
+          <a:p>
+            <a:pPr>
+              <a:lnSpc>
+                <a:spcPct val="150000"/>
+              </a:lnSpc>
+            </a:pPr>
+            <a:r>
+              <a:rPr lang="en-US" sz="2200" dirty="0" smtClean="0">
+                <a:solidFill>
+                  <a:srgbClr val="049DC8"/>
+                </a:solidFill>
+                <a:latin typeface="Calibri" panose="020F0502020204030204" pitchFamily="34" charset="0"/>
+                <a:cs typeface="Calibri" panose="020F0502020204030204" pitchFamily="34" charset="0"/>
+              </a:rPr>
+              <a:t>db.getCollectionNames()</a:t>
+            </a:r>
+            <a:endParaRPr lang="en-US" sz="2200" dirty="0">
+              <a:solidFill>
+                <a:srgbClr val="049DC8"/>
+              </a:solidFill>
+              <a:latin typeface="Calibri" panose="020F0502020204030204" pitchFamily="34" charset="0"/>
+              <a:cs typeface="Calibri" panose="020F0502020204030204" pitchFamily="34" charset="0"/>
+            </a:endParaRPr>
           </a:p>
         </p:txBody>
       </p:sp>
     </p:spTree>
     <p:extLst>
       <p:ext uri="{BB962C8B-B14F-4D97-AF65-F5344CB8AC3E}">
-        <p14:creationId xmlns:p14="http://schemas.microsoft.com/office/powerpoint/2010/main" val="895975297"/>
+        <p14:creationId xmlns:p14="http://schemas.microsoft.com/office/powerpoint/2010/main" val="1066355711"/>
       </p:ext>
     </p:extLst>
   </p:cSld>
@@ -8911,21 +9186,69 @@
       </p:grpSpPr>
       <p:sp>
         <p:nvSpPr>
-          <p:cNvPr id="6" name="Rectangle 5"/>
+          <p:cNvPr id="2" name="Title 1"/>
+          <p:cNvSpPr txBox="1">
+            <a:spLocks/>
+          </p:cNvSpPr>
+          <p:nvPr/>
+        </p:nvSpPr>
+        <p:spPr>
+          <a:xfrm>
+            <a:off x="152400" y="2057400"/>
+            <a:ext cx="8839200" cy="838200"/>
+          </a:xfrm>
+          <a:prstGeom prst="rect">
+            <a:avLst/>
+          </a:prstGeom>
+        </p:spPr>
+        <p:txBody>
+          <a:bodyPr>
+            <a:noAutofit/>
+          </a:bodyPr>
+          <a:lstStyle>
+            <a:defPPr>
+              <a:defRPr lang="en-US"/>
+            </a:defPPr>
+            <a:lvl1pPr lvl="0" algn="ctr">
+              <a:spcBef>
+                <a:spcPct val="0"/>
+              </a:spcBef>
+              <a:defRPr sz="4800">
+                <a:solidFill>
+                  <a:srgbClr val="7EEEE3"/>
+                </a:solidFill>
+                <a:latin typeface="Segoe UI Light" panose="020B0502040204020203" pitchFamily="34" charset="0"/>
+                <a:cs typeface="Segoe UI Light" panose="020B0502040204020203" pitchFamily="34" charset="0"/>
+              </a:defRPr>
+            </a:lvl1pPr>
+          </a:lstStyle>
+          <a:p>
+            <a:r>
+              <a:rPr lang="en-IN" dirty="0" smtClean="0"/>
+              <a:t>find</a:t>
+            </a:r>
+            <a:endParaRPr lang="en-US" dirty="0"/>
+          </a:p>
+        </p:txBody>
+      </p:sp>
+      <p:sp>
+        <p:nvSpPr>
+          <p:cNvPr id="3" name="Rectangle 2"/>
           <p:cNvSpPr/>
           <p:nvPr/>
         </p:nvSpPr>
         <p:spPr>
           <a:xfrm>
-            <a:off x="0" y="0"/>
-            <a:ext cx="9144000" cy="584775"/>
+            <a:off x="419100" y="2861953"/>
+            <a:ext cx="8305800" cy="646331"/>
           </a:xfrm>
           <a:prstGeom prst="rect">
             <a:avLst/>
           </a:prstGeom>
           <a:solidFill>
-            <a:schemeClr val="accent4">
-              <a:lumMod val="75000"/>
+            <a:schemeClr val="accent6">
+              <a:lumMod val="20000"/>
+              <a:lumOff val="80000"/>
             </a:schemeClr>
           </a:solidFill>
         </p:spPr>
@@ -8935,83 +9258,45 @@
           </a:bodyPr>
           <a:lstStyle/>
           <a:p>
-            <a:pPr algn="r">
-              <a:spcBef>
-                <a:spcPct val="0"/>
-              </a:spcBef>
-            </a:pPr>
-            <a:r>
-              <a:rPr lang="en-IN" sz="3200" b="1" i="1" dirty="0" smtClean="0">
-                <a:solidFill>
-                  <a:srgbClr val="FFFF00"/>
-                </a:solidFill>
-                <a:latin typeface="Arial" pitchFamily="34" charset="0"/>
-                <a:cs typeface="Arial" pitchFamily="34" charset="0"/>
-              </a:rPr>
-              <a:t>MongoDB</a:t>
-            </a:r>
-            <a:r>
-              <a:rPr lang="en-US" sz="3200" b="1" i="1" dirty="0" smtClean="0">
-                <a:solidFill>
-                  <a:srgbClr val="FFFF00"/>
-                </a:solidFill>
-                <a:latin typeface="Arial" pitchFamily="34" charset="0"/>
-                <a:cs typeface="Arial" pitchFamily="34" charset="0"/>
-              </a:rPr>
-              <a:t> </a:t>
-            </a:r>
-            <a:r>
-              <a:rPr lang="en-IN" sz="3200" b="1" i="1" dirty="0">
-                <a:solidFill>
-                  <a:srgbClr val="FFFF00"/>
-                </a:solidFill>
-                <a:latin typeface="Arial" pitchFamily="34" charset="0"/>
-                <a:cs typeface="Arial" pitchFamily="34" charset="0"/>
-              </a:rPr>
-              <a:t> </a:t>
-            </a:r>
-          </a:p>
-        </p:txBody>
-      </p:sp>
-      <p:sp>
-        <p:nvSpPr>
-          <p:cNvPr id="7" name="Rectangle 6"/>
-          <p:cNvSpPr/>
-          <p:nvPr/>
-        </p:nvSpPr>
-        <p:spPr>
-          <a:xfrm>
-            <a:off x="149188" y="762000"/>
-            <a:ext cx="8845624" cy="369332"/>
-          </a:xfrm>
-          <a:prstGeom prst="rect">
-            <a:avLst/>
-          </a:prstGeom>
-        </p:spPr>
-        <p:txBody>
-          <a:bodyPr wrap="square">
-            <a:spAutoFit/>
-          </a:bodyPr>
-          <a:lstStyle/>
-          <a:p>
-            <a:r>
-              <a:rPr lang="en-US" dirty="0" smtClean="0"/>
-              <a:t>TODO</a:t>
-            </a:r>
-            <a:endParaRPr lang="en-IN" dirty="0"/>
+            <a:r>
+              <a:rPr lang="en-US" dirty="0">
+                <a:solidFill>
+                  <a:srgbClr val="222222"/>
+                </a:solidFill>
+                <a:latin typeface="arial" panose="020B0604020202020204" pitchFamily="34" charset="0"/>
+              </a:rPr>
+              <a:t>The find() method always returns the _id field unless you specify _id: 0 to suppress the field</a:t>
+            </a:r>
+            <a:r>
+              <a:rPr lang="en-US" dirty="0" smtClean="0">
+                <a:solidFill>
+                  <a:srgbClr val="222222"/>
+                </a:solidFill>
+                <a:latin typeface="arial" panose="020B0604020202020204" pitchFamily="34" charset="0"/>
+              </a:rPr>
+              <a:t>.</a:t>
+            </a:r>
           </a:p>
         </p:txBody>
       </p:sp>
     </p:spTree>
     <p:extLst>
       <p:ext uri="{BB962C8B-B14F-4D97-AF65-F5344CB8AC3E}">
-        <p14:creationId xmlns:p14="http://schemas.microsoft.com/office/powerpoint/2010/main" val="1785036271"/>
+        <p14:creationId xmlns:p14="http://schemas.microsoft.com/office/powerpoint/2010/main" val="3237465807"/>
       </p:ext>
     </p:extLst>
   </p:cSld>
   <p:clrMapOvr>
     <a:masterClrMapping/>
   </p:clrMapOvr>
+  <mc:AlternateContent xmlns:mc="http://schemas.openxmlformats.org/markup-compatibility/2006">
+    <mc:Choice xmlns:p14="http://schemas.microsoft.com/office/powerpoint/2010/main" Requires="p14">
+      <p:transition spd="slow" p14:dur="2000"/>
+    </mc:Choice>
+    <mc:Fallback>
+      <p:transition spd="slow"/>
+    </mc:Fallback>
+  </mc:AlternateContent>
   <p:timing>
     <p:tnLst>
       <p:par>
@@ -9078,17 +9363,7 @@
                 <a:latin typeface="Arial" pitchFamily="34" charset="0"/>
                 <a:cs typeface="Arial" pitchFamily="34" charset="0"/>
               </a:rPr>
-              <a:t>MongoDB</a:t>
-            </a:r>
-            <a:r>
-              <a:rPr lang="en-US" sz="3200" b="1" i="1" dirty="0" smtClean="0">
-                <a:solidFill>
-                  <a:srgbClr val="FFFF00"/>
-                </a:solidFill>
-                <a:latin typeface="Arial" pitchFamily="34" charset="0"/>
-                <a:cs typeface="Arial" pitchFamily="34" charset="0"/>
-              </a:rPr>
-              <a:t> </a:t>
+              <a:t>db.collection.find()</a:t>
             </a:r>
             <a:r>
               <a:rPr lang="en-IN" sz="3200" b="1" i="1" dirty="0">
@@ -9132,10 +9407,402 @@
           </a:p>
         </p:txBody>
       </p:sp>
+      <p:sp>
+        <p:nvSpPr>
+          <p:cNvPr id="4" name="Rectangle 3"/>
+          <p:cNvSpPr/>
+          <p:nvPr/>
+        </p:nvSpPr>
+        <p:spPr>
+          <a:xfrm>
+            <a:off x="154136" y="1371600"/>
+            <a:ext cx="4289188" cy="1107996"/>
+          </a:xfrm>
+          <a:prstGeom prst="rect">
+            <a:avLst/>
+          </a:prstGeom>
+        </p:spPr>
+        <p:txBody>
+          <a:bodyPr wrap="none">
+            <a:spAutoFit/>
+          </a:bodyPr>
+          <a:lstStyle/>
+          <a:p>
+            <a:pPr>
+              <a:lnSpc>
+                <a:spcPct val="150000"/>
+              </a:lnSpc>
+            </a:pPr>
+            <a:r>
+              <a:rPr lang="en-US" sz="2200" dirty="0">
+                <a:solidFill>
+                  <a:srgbClr val="049DC8"/>
+                </a:solidFill>
+                <a:latin typeface="Calibri" panose="020F0502020204030204" pitchFamily="34" charset="0"/>
+                <a:cs typeface="Calibri" panose="020F0502020204030204" pitchFamily="34" charset="0"/>
+              </a:rPr>
+              <a:t>db ['emp'].find </a:t>
+            </a:r>
+            <a:r>
+              <a:rPr lang="en-US" sz="2200" dirty="0" smtClean="0">
+                <a:solidFill>
+                  <a:srgbClr val="049DC8"/>
+                </a:solidFill>
+                <a:latin typeface="Calibri" panose="020F0502020204030204" pitchFamily="34" charset="0"/>
+                <a:cs typeface="Calibri" panose="020F0502020204030204" pitchFamily="34" charset="0"/>
+              </a:rPr>
+              <a:t>(</a:t>
+            </a:r>
+            <a:r>
+              <a:rPr lang="en-US" sz="2200" dirty="0">
+                <a:solidFill>
+                  <a:srgbClr val="049DC8"/>
+                </a:solidFill>
+                <a:latin typeface="Calibri" panose="020F0502020204030204" pitchFamily="34" charset="0"/>
+                <a:cs typeface="Calibri" panose="020F0502020204030204" pitchFamily="34" charset="0"/>
+              </a:rPr>
+              <a:t>query, projection</a:t>
+            </a:r>
+            <a:r>
+              <a:rPr lang="en-US" sz="2200" dirty="0" smtClean="0">
+                <a:solidFill>
+                  <a:srgbClr val="049DC8"/>
+                </a:solidFill>
+                <a:latin typeface="Calibri" panose="020F0502020204030204" pitchFamily="34" charset="0"/>
+                <a:cs typeface="Calibri" panose="020F0502020204030204" pitchFamily="34" charset="0"/>
+              </a:rPr>
+              <a:t>) </a:t>
+            </a:r>
+            <a:endParaRPr lang="en-US" sz="2200" dirty="0">
+              <a:solidFill>
+                <a:srgbClr val="049DC8"/>
+              </a:solidFill>
+              <a:latin typeface="Calibri" panose="020F0502020204030204" pitchFamily="34" charset="0"/>
+              <a:cs typeface="Calibri" panose="020F0502020204030204" pitchFamily="34" charset="0"/>
+            </a:endParaRPr>
+          </a:p>
+          <a:p>
+            <a:pPr>
+              <a:lnSpc>
+                <a:spcPct val="150000"/>
+              </a:lnSpc>
+            </a:pPr>
+            <a:r>
+              <a:rPr lang="en-US" sz="2200" dirty="0" smtClean="0">
+                <a:solidFill>
+                  <a:srgbClr val="049DC8"/>
+                </a:solidFill>
+                <a:latin typeface="Calibri" panose="020F0502020204030204" pitchFamily="34" charset="0"/>
+                <a:cs typeface="Calibri" panose="020F0502020204030204" pitchFamily="34" charset="0"/>
+              </a:rPr>
+              <a:t>db.collection.find(query</a:t>
+            </a:r>
+            <a:r>
+              <a:rPr lang="en-US" sz="2200" dirty="0">
+                <a:solidFill>
+                  <a:srgbClr val="049DC8"/>
+                </a:solidFill>
+                <a:latin typeface="Calibri" panose="020F0502020204030204" pitchFamily="34" charset="0"/>
+                <a:cs typeface="Calibri" panose="020F0502020204030204" pitchFamily="34" charset="0"/>
+              </a:rPr>
+              <a:t>, projection)</a:t>
+            </a:r>
+          </a:p>
+        </p:txBody>
+      </p:sp>
+      <p:sp>
+        <p:nvSpPr>
+          <p:cNvPr id="8" name="Rectangle 7"/>
+          <p:cNvSpPr/>
+          <p:nvPr/>
+        </p:nvSpPr>
+        <p:spPr>
+          <a:xfrm>
+            <a:off x="178876" y="2535217"/>
+            <a:ext cx="8845624" cy="1477328"/>
+          </a:xfrm>
+          <a:prstGeom prst="rect">
+            <a:avLst/>
+          </a:prstGeom>
+        </p:spPr>
+        <p:txBody>
+          <a:bodyPr wrap="square">
+            <a:spAutoFit/>
+          </a:bodyPr>
+          <a:lstStyle/>
+          <a:p>
+            <a:r>
+              <a:rPr lang="en-US" b="1" i="1" dirty="0">
+                <a:solidFill>
+                  <a:srgbClr val="036883"/>
+                </a:solidFill>
+              </a:rPr>
+              <a:t>query</a:t>
+            </a:r>
+            <a:r>
+              <a:rPr lang="en-US" dirty="0" smtClean="0"/>
+              <a:t>: Specifies </a:t>
+            </a:r>
+            <a:r>
+              <a:rPr lang="en-US" dirty="0"/>
+              <a:t>selection filter using query operators. To return all documents in a collection, omit this parameter or pass an empty document ({}).</a:t>
+            </a:r>
+          </a:p>
+          <a:p>
+            <a:endParaRPr lang="en-US" dirty="0"/>
+          </a:p>
+          <a:p>
+            <a:r>
+              <a:rPr lang="en-US" b="1" i="1" dirty="0">
+                <a:solidFill>
+                  <a:srgbClr val="036883"/>
+                </a:solidFill>
+              </a:rPr>
+              <a:t>projection</a:t>
+            </a:r>
+            <a:r>
+              <a:rPr lang="en-US" dirty="0" smtClean="0"/>
+              <a:t>: Specifies </a:t>
+            </a:r>
+            <a:r>
+              <a:rPr lang="en-US" dirty="0"/>
+              <a:t>the fields to return in the documents that match the query filter. To return all fields in the matching documents, omit this parameter.</a:t>
+            </a:r>
+          </a:p>
+        </p:txBody>
+      </p:sp>
+      <p:sp>
+        <p:nvSpPr>
+          <p:cNvPr id="12" name="Rectangle 11"/>
+          <p:cNvSpPr/>
+          <p:nvPr/>
+        </p:nvSpPr>
+        <p:spPr>
+          <a:xfrm>
+            <a:off x="178876" y="4226831"/>
+            <a:ext cx="1210588" cy="369332"/>
+          </a:xfrm>
+          <a:prstGeom prst="rect">
+            <a:avLst/>
+          </a:prstGeom>
+        </p:spPr>
+        <p:txBody>
+          <a:bodyPr wrap="none">
+            <a:spAutoFit/>
+          </a:bodyPr>
+          <a:lstStyle/>
+          <a:p>
+            <a:r>
+              <a:rPr lang="en-US" dirty="0" smtClean="0">
+                <a:solidFill>
+                  <a:srgbClr val="C00000"/>
+                </a:solidFill>
+              </a:rPr>
+              <a:t>Projection</a:t>
+            </a:r>
+            <a:endParaRPr lang="en-US" dirty="0">
+              <a:solidFill>
+                <a:srgbClr val="C00000"/>
+              </a:solidFill>
+            </a:endParaRPr>
+          </a:p>
+        </p:txBody>
+      </p:sp>
+      <p:sp>
+        <p:nvSpPr>
+          <p:cNvPr id="13" name="Rectangle 12"/>
+          <p:cNvSpPr/>
+          <p:nvPr/>
+        </p:nvSpPr>
+        <p:spPr>
+          <a:xfrm>
+            <a:off x="178876" y="4625783"/>
+            <a:ext cx="4254498" cy="547714"/>
+          </a:xfrm>
+          <a:prstGeom prst="rect">
+            <a:avLst/>
+          </a:prstGeom>
+        </p:spPr>
+        <p:txBody>
+          <a:bodyPr wrap="none">
+            <a:spAutoFit/>
+          </a:bodyPr>
+          <a:lstStyle/>
+          <a:p>
+            <a:pPr>
+              <a:lnSpc>
+                <a:spcPct val="150000"/>
+              </a:lnSpc>
+            </a:pPr>
+            <a:r>
+              <a:rPr lang="en-US" sz="2200" dirty="0">
+                <a:solidFill>
+                  <a:srgbClr val="049DC8"/>
+                </a:solidFill>
+                <a:latin typeface="Calibri" panose="020F0502020204030204" pitchFamily="34" charset="0"/>
+                <a:cs typeface="Calibri" panose="020F0502020204030204" pitchFamily="34" charset="0"/>
+              </a:rPr>
+              <a:t>{ </a:t>
+            </a:r>
+            <a:r>
+              <a:rPr lang="en-US" sz="2200" dirty="0">
+                <a:solidFill>
+                  <a:srgbClr val="049DC8"/>
+                </a:solidFill>
+                <a:latin typeface="Calibri" panose="020F0502020204030204" pitchFamily="34" charset="0"/>
+                <a:cs typeface="Calibri" panose="020F0502020204030204" pitchFamily="34" charset="0"/>
+              </a:rPr>
+              <a:t>field1</a:t>
+            </a:r>
+            <a:r>
+              <a:rPr lang="en-US" sz="2200" dirty="0">
+                <a:solidFill>
+                  <a:srgbClr val="049DC8"/>
+                </a:solidFill>
+                <a:latin typeface="Calibri" panose="020F0502020204030204" pitchFamily="34" charset="0"/>
+                <a:cs typeface="Calibri" panose="020F0502020204030204" pitchFamily="34" charset="0"/>
+              </a:rPr>
+              <a:t>: &lt;value&gt;, field2: &lt;value&gt; ... }</a:t>
+            </a:r>
+          </a:p>
+        </p:txBody>
+      </p:sp>
+      <p:sp>
+        <p:nvSpPr>
+          <p:cNvPr id="14" name="Rectangle 13"/>
+          <p:cNvSpPr/>
+          <p:nvPr/>
+        </p:nvSpPr>
+        <p:spPr>
+          <a:xfrm>
+            <a:off x="173928" y="5325070"/>
+            <a:ext cx="8820884" cy="923330"/>
+          </a:xfrm>
+          <a:prstGeom prst="rect">
+            <a:avLst/>
+          </a:prstGeom>
+        </p:spPr>
+        <p:txBody>
+          <a:bodyPr wrap="square">
+            <a:spAutoFit/>
+          </a:bodyPr>
+          <a:lstStyle/>
+          <a:p>
+            <a:pPr marL="285750" indent="-285750">
+              <a:lnSpc>
+                <a:spcPct val="150000"/>
+              </a:lnSpc>
+              <a:buFont typeface="Arial" panose="020B0604020202020204" pitchFamily="34" charset="0"/>
+              <a:buChar char="•"/>
+            </a:pPr>
+            <a:r>
+              <a:rPr lang="en-US" b="1" i="1" dirty="0">
+                <a:solidFill>
+                  <a:srgbClr val="036883"/>
+                </a:solidFill>
+              </a:rPr>
+              <a:t>1</a:t>
+            </a:r>
+            <a:r>
+              <a:rPr lang="en-US" dirty="0"/>
+              <a:t> or </a:t>
+            </a:r>
+            <a:r>
+              <a:rPr lang="en-US" b="1" i="1" dirty="0">
+                <a:solidFill>
+                  <a:srgbClr val="036883"/>
+                </a:solidFill>
+              </a:rPr>
+              <a:t>true</a:t>
+            </a:r>
+            <a:r>
+              <a:rPr lang="en-US" dirty="0"/>
+              <a:t> to include the field in the return documents.</a:t>
+            </a:r>
+          </a:p>
+          <a:p>
+            <a:pPr marL="285750" indent="-285750">
+              <a:lnSpc>
+                <a:spcPct val="150000"/>
+              </a:lnSpc>
+              <a:buFont typeface="Arial" panose="020B0604020202020204" pitchFamily="34" charset="0"/>
+              <a:buChar char="•"/>
+            </a:pPr>
+            <a:r>
+              <a:rPr lang="en-US" b="1" i="1" dirty="0">
+                <a:solidFill>
+                  <a:srgbClr val="036883"/>
+                </a:solidFill>
+              </a:rPr>
+              <a:t>0</a:t>
+            </a:r>
+            <a:r>
+              <a:rPr lang="en-US" dirty="0"/>
+              <a:t> or </a:t>
+            </a:r>
+            <a:r>
+              <a:rPr lang="en-US" b="1" i="1" dirty="0">
+                <a:solidFill>
+                  <a:srgbClr val="036883"/>
+                </a:solidFill>
+              </a:rPr>
+              <a:t>false</a:t>
+            </a:r>
+            <a:r>
+              <a:rPr lang="en-US" dirty="0"/>
+              <a:t> to exclude the field.</a:t>
+            </a:r>
+          </a:p>
+        </p:txBody>
+      </p:sp>
+      <p:sp>
+        <p:nvSpPr>
+          <p:cNvPr id="15" name="Rectangle 14"/>
+          <p:cNvSpPr/>
+          <p:nvPr/>
+        </p:nvSpPr>
+        <p:spPr>
+          <a:xfrm>
+            <a:off x="4819160" y="4284598"/>
+            <a:ext cx="4315934" cy="923330"/>
+          </a:xfrm>
+          <a:prstGeom prst="rect">
+            <a:avLst/>
+          </a:prstGeom>
+          <a:solidFill>
+            <a:schemeClr val="bg2"/>
+          </a:solidFill>
+        </p:spPr>
+        <p:txBody>
+          <a:bodyPr wrap="square">
+            <a:spAutoFit/>
+          </a:bodyPr>
+          <a:lstStyle/>
+          <a:p>
+            <a:r>
+              <a:rPr lang="en-US" dirty="0">
+                <a:solidFill>
+                  <a:schemeClr val="bg2">
+                    <a:lumMod val="25000"/>
+                  </a:schemeClr>
+                </a:solidFill>
+              </a:rPr>
+              <a:t>A projection cannot contain both include and exclude specifications, except for the exclusion of the _id field. </a:t>
+            </a:r>
+            <a:endParaRPr lang="en-US" dirty="0">
+              <a:solidFill>
+                <a:schemeClr val="bg2">
+                  <a:lumMod val="25000"/>
+                </a:schemeClr>
+              </a:solidFill>
+            </a:endParaRPr>
+          </a:p>
+        </p:txBody>
+      </p:sp>
     </p:spTree>
     <p:extLst>
       <p:ext uri="{BB962C8B-B14F-4D97-AF65-F5344CB8AC3E}">
-        <p14:creationId xmlns:p14="http://schemas.microsoft.com/office/powerpoint/2010/main" val="2324753550"/>
+        <p14:creationId xmlns:p14="http://schemas.microsoft.com/office/powerpoint/2010/main" val="639887221"/>
       </p:ext>
     </p:extLst>
   </p:cSld>
@@ -9208,17 +9875,7 @@
                 <a:latin typeface="Arial" pitchFamily="34" charset="0"/>
                 <a:cs typeface="Arial" pitchFamily="34" charset="0"/>
               </a:rPr>
-              <a:t>MongoDB</a:t>
-            </a:r>
-            <a:r>
-              <a:rPr lang="en-US" sz="3200" b="1" i="1" dirty="0" smtClean="0">
-                <a:solidFill>
-                  <a:srgbClr val="FFFF00"/>
-                </a:solidFill>
-                <a:latin typeface="Arial" pitchFamily="34" charset="0"/>
-                <a:cs typeface="Arial" pitchFamily="34" charset="0"/>
-              </a:rPr>
-              <a:t> </a:t>
+              <a:t>db.collection.find()</a:t>
             </a:r>
             <a:r>
               <a:rPr lang="en-IN" sz="3200" b="1" i="1" dirty="0">
@@ -9262,10 +9919,246 @@
           </a:p>
         </p:txBody>
       </p:sp>
+      <p:sp>
+        <p:nvSpPr>
+          <p:cNvPr id="4" name="Rectangle 3"/>
+          <p:cNvSpPr/>
+          <p:nvPr/>
+        </p:nvSpPr>
+        <p:spPr>
+          <a:xfrm>
+            <a:off x="154136" y="1524000"/>
+            <a:ext cx="4289188" cy="547714"/>
+          </a:xfrm>
+          <a:prstGeom prst="rect">
+            <a:avLst/>
+          </a:prstGeom>
+        </p:spPr>
+        <p:txBody>
+          <a:bodyPr wrap="none">
+            <a:spAutoFit/>
+          </a:bodyPr>
+          <a:lstStyle/>
+          <a:p>
+            <a:pPr>
+              <a:lnSpc>
+                <a:spcPct val="150000"/>
+              </a:lnSpc>
+            </a:pPr>
+            <a:r>
+              <a:rPr lang="en-US" sz="2200" dirty="0">
+                <a:solidFill>
+                  <a:srgbClr val="049DC8"/>
+                </a:solidFill>
+                <a:latin typeface="Calibri" panose="020F0502020204030204" pitchFamily="34" charset="0"/>
+                <a:cs typeface="Calibri" panose="020F0502020204030204" pitchFamily="34" charset="0"/>
+              </a:rPr>
+              <a:t>db.collection.find(query, projection)</a:t>
+            </a:r>
+          </a:p>
+        </p:txBody>
+      </p:sp>
+      <p:sp>
+        <p:nvSpPr>
+          <p:cNvPr id="9" name="Rectangle 8"/>
+          <p:cNvSpPr/>
+          <p:nvPr/>
+        </p:nvSpPr>
+        <p:spPr>
+          <a:xfrm>
+            <a:off x="149188" y="2329696"/>
+            <a:ext cx="8845624" cy="3076548"/>
+          </a:xfrm>
+          <a:prstGeom prst="rect">
+            <a:avLst/>
+          </a:prstGeom>
+        </p:spPr>
+        <p:txBody>
+          <a:bodyPr wrap="square">
+            <a:spAutoFit/>
+          </a:bodyPr>
+          <a:lstStyle/>
+          <a:p>
+            <a:pPr>
+              <a:lnSpc>
+                <a:spcPct val="150000"/>
+              </a:lnSpc>
+            </a:pPr>
+            <a:r>
+              <a:rPr lang="en-US" sz="2200" dirty="0">
+                <a:solidFill>
+                  <a:srgbClr val="FC6F0D"/>
+                </a:solidFill>
+              </a:rPr>
+              <a:t>db.emp.find</a:t>
+            </a:r>
+            <a:r>
+              <a:rPr lang="en-US" sz="2200" dirty="0" smtClean="0">
+                <a:solidFill>
+                  <a:srgbClr val="FC6F0D"/>
+                </a:solidFill>
+              </a:rPr>
+              <a:t>();</a:t>
+            </a:r>
+          </a:p>
+          <a:p>
+            <a:pPr>
+              <a:lnSpc>
+                <a:spcPct val="150000"/>
+              </a:lnSpc>
+            </a:pPr>
+            <a:r>
+              <a:rPr lang="en-US" sz="2200" dirty="0">
+                <a:solidFill>
+                  <a:srgbClr val="FC6F0D"/>
+                </a:solidFill>
+              </a:rPr>
+              <a:t>db ['emp'].find ()</a:t>
+            </a:r>
+            <a:endParaRPr lang="en-US" sz="2200" dirty="0">
+              <a:solidFill>
+                <a:srgbClr val="FC6F0D"/>
+              </a:solidFill>
+            </a:endParaRPr>
+          </a:p>
+          <a:p>
+            <a:pPr>
+              <a:lnSpc>
+                <a:spcPct val="150000"/>
+              </a:lnSpc>
+            </a:pPr>
+            <a:r>
+              <a:rPr lang="en-US" sz="2200" dirty="0">
+                <a:solidFill>
+                  <a:srgbClr val="FC6F0D"/>
+                </a:solidFill>
+              </a:rPr>
+              <a:t>db.emp.find</a:t>
+            </a:r>
+            <a:r>
+              <a:rPr lang="en-US" sz="2200" dirty="0" smtClean="0">
+                <a:solidFill>
+                  <a:srgbClr val="FC6F0D"/>
+                </a:solidFill>
+              </a:rPr>
+              <a:t>({job: 'manager'})</a:t>
+            </a:r>
+          </a:p>
+          <a:p>
+            <a:pPr>
+              <a:lnSpc>
+                <a:spcPct val="150000"/>
+              </a:lnSpc>
+            </a:pPr>
+            <a:r>
+              <a:rPr lang="en-US" sz="2200" dirty="0">
+                <a:solidFill>
+                  <a:srgbClr val="FC6F0D"/>
+                </a:solidFill>
+              </a:rPr>
+              <a:t>db.emp.find({}, </a:t>
+            </a:r>
+            <a:r>
+              <a:rPr lang="en-US" sz="2200" dirty="0" smtClean="0">
+                <a:solidFill>
+                  <a:srgbClr val="FC6F0D"/>
+                </a:solidFill>
+              </a:rPr>
+              <a:t>{ename:1</a:t>
+            </a:r>
+            <a:r>
+              <a:rPr lang="en-US" sz="2200" dirty="0">
+                <a:solidFill>
+                  <a:srgbClr val="FC6F0D"/>
+                </a:solidFill>
+              </a:rPr>
+              <a:t>, </a:t>
+            </a:r>
+            <a:r>
+              <a:rPr lang="en-US" sz="2200" dirty="0" smtClean="0">
+                <a:solidFill>
+                  <a:srgbClr val="FC6F0D"/>
+                </a:solidFill>
+              </a:rPr>
+              <a:t>job: true});</a:t>
+            </a:r>
+          </a:p>
+          <a:p>
+            <a:pPr>
+              <a:lnSpc>
+                <a:spcPct val="150000"/>
+              </a:lnSpc>
+            </a:pPr>
+            <a:r>
+              <a:rPr lang="en-US" sz="2200" dirty="0">
+                <a:solidFill>
+                  <a:srgbClr val="FC6F0D"/>
+                </a:solidFill>
+              </a:rPr>
+              <a:t>db.emp.find({job:'manager</a:t>
+            </a:r>
+            <a:r>
+              <a:rPr lang="en-US" sz="2200" dirty="0" smtClean="0">
+                <a:solidFill>
+                  <a:srgbClr val="FC6F0D"/>
+                </a:solidFill>
+              </a:rPr>
+              <a:t>'}, {</a:t>
+            </a:r>
+            <a:r>
+              <a:rPr lang="en-US" sz="2200" dirty="0">
+                <a:solidFill>
+                  <a:srgbClr val="FC6F0D"/>
+                </a:solidFill>
+              </a:rPr>
+              <a:t>ename:true, job:true</a:t>
+            </a:r>
+            <a:r>
+              <a:rPr lang="en-US" sz="2200" dirty="0" smtClean="0">
+                <a:solidFill>
+                  <a:srgbClr val="FC6F0D"/>
+                </a:solidFill>
+              </a:rPr>
+              <a:t>})</a:t>
+            </a:r>
+          </a:p>
+          <a:p>
+            <a:pPr>
+              <a:lnSpc>
+                <a:spcPct val="150000"/>
+              </a:lnSpc>
+            </a:pPr>
+            <a:r>
+              <a:rPr lang="en-US" sz="2200" dirty="0">
+                <a:solidFill>
+                  <a:srgbClr val="FC6F0D"/>
+                </a:solidFill>
+              </a:rPr>
+              <a:t>db.emp.find({job:'manager'}, </a:t>
+            </a:r>
+            <a:r>
+              <a:rPr lang="en-US" sz="2200" dirty="0" smtClean="0">
+                <a:solidFill>
+                  <a:srgbClr val="FC6F0D"/>
+                </a:solidFill>
+              </a:rPr>
+              <a:t>{_id:false, ename:true</a:t>
+            </a:r>
+            <a:r>
+              <a:rPr lang="en-US" sz="2200" dirty="0">
+                <a:solidFill>
+                  <a:srgbClr val="FC6F0D"/>
+                </a:solidFill>
+              </a:rPr>
+              <a:t>, job:true})</a:t>
+            </a:r>
+          </a:p>
+        </p:txBody>
+      </p:sp>
     </p:spTree>
     <p:extLst>
       <p:ext uri="{BB962C8B-B14F-4D97-AF65-F5344CB8AC3E}">
-        <p14:creationId xmlns:p14="http://schemas.microsoft.com/office/powerpoint/2010/main" val="159175200"/>
+        <p14:creationId xmlns:p14="http://schemas.microsoft.com/office/powerpoint/2010/main" val="635217269"/>
       </p:ext>
     </p:extLst>
   </p:cSld>
@@ -9301,21 +10194,69 @@
       </p:grpSpPr>
       <p:sp>
         <p:nvSpPr>
-          <p:cNvPr id="6" name="Rectangle 5"/>
+          <p:cNvPr id="2" name="Title 1"/>
+          <p:cNvSpPr txBox="1">
+            <a:spLocks/>
+          </p:cNvSpPr>
+          <p:nvPr/>
+        </p:nvSpPr>
+        <p:spPr>
+          <a:xfrm>
+            <a:off x="152400" y="2057400"/>
+            <a:ext cx="8839200" cy="838200"/>
+          </a:xfrm>
+          <a:prstGeom prst="rect">
+            <a:avLst/>
+          </a:prstGeom>
+        </p:spPr>
+        <p:txBody>
+          <a:bodyPr>
+            <a:noAutofit/>
+          </a:bodyPr>
+          <a:lstStyle>
+            <a:defPPr>
+              <a:defRPr lang="en-US"/>
+            </a:defPPr>
+            <a:lvl1pPr lvl="0" algn="ctr">
+              <a:spcBef>
+                <a:spcPct val="0"/>
+              </a:spcBef>
+              <a:defRPr sz="4800">
+                <a:solidFill>
+                  <a:srgbClr val="7EEEE3"/>
+                </a:solidFill>
+                <a:latin typeface="Segoe UI Light" panose="020B0502040204020203" pitchFamily="34" charset="0"/>
+                <a:cs typeface="Segoe UI Light" panose="020B0502040204020203" pitchFamily="34" charset="0"/>
+              </a:defRPr>
+            </a:lvl1pPr>
+          </a:lstStyle>
+          <a:p>
+            <a:r>
+              <a:rPr lang="en-IN" dirty="0" smtClean="0"/>
+              <a:t>document</a:t>
+            </a:r>
+            <a:endParaRPr lang="en-US" dirty="0"/>
+          </a:p>
+        </p:txBody>
+      </p:sp>
+      <p:sp>
+        <p:nvSpPr>
+          <p:cNvPr id="3" name="Rectangle 2"/>
           <p:cNvSpPr/>
           <p:nvPr/>
         </p:nvSpPr>
         <p:spPr>
           <a:xfrm>
-            <a:off x="0" y="0"/>
-            <a:ext cx="9144000" cy="584775"/>
+            <a:off x="419100" y="2861953"/>
+            <a:ext cx="8305800" cy="646331"/>
           </a:xfrm>
           <a:prstGeom prst="rect">
             <a:avLst/>
           </a:prstGeom>
           <a:solidFill>
-            <a:schemeClr val="accent4">
-              <a:lumMod val="75000"/>
+            <a:schemeClr val="accent6">
+              <a:lumMod val="20000"/>
+              <a:lumOff val="80000"/>
             </a:schemeClr>
           </a:solidFill>
         </p:spPr>
@@ -9325,83 +10266,37 @@
           </a:bodyPr>
           <a:lstStyle/>
           <a:p>
-            <a:pPr algn="r">
-              <a:spcBef>
-                <a:spcPct val="0"/>
-              </a:spcBef>
-            </a:pPr>
-            <a:r>
-              <a:rPr lang="en-IN" sz="3200" b="1" i="1" dirty="0" smtClean="0">
-                <a:solidFill>
-                  <a:srgbClr val="FFFF00"/>
-                </a:solidFill>
-                <a:latin typeface="Arial" pitchFamily="34" charset="0"/>
-                <a:cs typeface="Arial" pitchFamily="34" charset="0"/>
-              </a:rPr>
-              <a:t>MongoDB</a:t>
-            </a:r>
-            <a:r>
-              <a:rPr lang="en-US" sz="3200" b="1" i="1" dirty="0" smtClean="0">
-                <a:solidFill>
-                  <a:srgbClr val="FFFF00"/>
-                </a:solidFill>
-                <a:latin typeface="Arial" pitchFamily="34" charset="0"/>
-                <a:cs typeface="Arial" pitchFamily="34" charset="0"/>
-              </a:rPr>
-              <a:t> </a:t>
-            </a:r>
-            <a:r>
-              <a:rPr lang="en-IN" sz="3200" b="1" i="1" dirty="0">
-                <a:solidFill>
-                  <a:srgbClr val="FFFF00"/>
-                </a:solidFill>
-                <a:latin typeface="Arial" pitchFamily="34" charset="0"/>
-                <a:cs typeface="Arial" pitchFamily="34" charset="0"/>
-              </a:rPr>
-              <a:t> </a:t>
-            </a:r>
-          </a:p>
-        </p:txBody>
-      </p:sp>
-      <p:sp>
-        <p:nvSpPr>
-          <p:cNvPr id="7" name="Rectangle 6"/>
-          <p:cNvSpPr/>
-          <p:nvPr/>
-        </p:nvSpPr>
-        <p:spPr>
-          <a:xfrm>
-            <a:off x="149188" y="762000"/>
-            <a:ext cx="8845624" cy="369332"/>
-          </a:xfrm>
-          <a:prstGeom prst="rect">
-            <a:avLst/>
-          </a:prstGeom>
-        </p:spPr>
-        <p:txBody>
-          <a:bodyPr wrap="square">
-            <a:spAutoFit/>
-          </a:bodyPr>
-          <a:lstStyle/>
-          <a:p>
-            <a:r>
-              <a:rPr lang="en-US" dirty="0" smtClean="0"/>
-              <a:t>TODO</a:t>
-            </a:r>
-            <a:endParaRPr lang="en-IN" dirty="0"/>
+            <a:r>
+              <a:rPr lang="en-US" dirty="0">
+                <a:solidFill>
+                  <a:srgbClr val="222222"/>
+                </a:solidFill>
+                <a:latin typeface="arial" panose="020B0604020202020204" pitchFamily="34" charset="0"/>
+              </a:rPr>
+              <a:t>MongoDB stores data as BSON documents. BSON is a binary representation of JSON documents.</a:t>
+            </a:r>
+            <a:endParaRPr lang="en-US" dirty="0"/>
           </a:p>
         </p:txBody>
       </p:sp>
     </p:spTree>
     <p:extLst>
       <p:ext uri="{BB962C8B-B14F-4D97-AF65-F5344CB8AC3E}">
-        <p14:creationId xmlns:p14="http://schemas.microsoft.com/office/powerpoint/2010/main" val="4200858574"/>
+        <p14:creationId xmlns:p14="http://schemas.microsoft.com/office/powerpoint/2010/main" val="316225766"/>
       </p:ext>
     </p:extLst>
   </p:cSld>
   <p:clrMapOvr>
     <a:masterClrMapping/>
   </p:clrMapOvr>
+  <mc:AlternateContent xmlns:mc="http://schemas.openxmlformats.org/markup-compatibility/2006" xmlns:p14="http://schemas.microsoft.com/office/powerpoint/2010/main">
+    <mc:Choice Requires="p14">
+      <p:transition spd="slow" p14:dur="2000"/>
+    </mc:Choice>
+    <mc:Fallback xmlns="">
+      <p:transition spd="slow"/>
+    </mc:Fallback>
+  </mc:AlternateContent>
   <p:timing>
     <p:tnLst>
       <p:par>
@@ -9468,26 +10363,16 @@
                 <a:latin typeface="Arial" pitchFamily="34" charset="0"/>
                 <a:cs typeface="Arial" pitchFamily="34" charset="0"/>
               </a:rPr>
-              <a:t>MongoDB</a:t>
-            </a:r>
-            <a:r>
-              <a:rPr lang="en-US" sz="3200" b="1" i="1" dirty="0" smtClean="0">
+              <a:t>document</a:t>
+            </a:r>
+            <a:r>
+              <a:rPr lang="en-IN" sz="3200" b="1" i="1" dirty="0">
                 <a:solidFill>
                   <a:srgbClr val="FFFF00"/>
                 </a:solidFill>
                 <a:latin typeface="Arial" pitchFamily="34" charset="0"/>
                 <a:cs typeface="Arial" pitchFamily="34" charset="0"/>
               </a:rPr>
-              <a:t> </a:t>
-            </a:r>
-            <a:r>
-              <a:rPr lang="en-IN" sz="3200" b="1" i="1" dirty="0">
-                <a:solidFill>
-                  <a:srgbClr val="FFFF00"/>
-                </a:solidFill>
-                <a:latin typeface="Arial" pitchFamily="34" charset="0"/>
-                <a:cs typeface="Arial" pitchFamily="34" charset="0"/>
-              </a:rPr>
               <a:t> </a:t>
             </a:r>
           </a:p>
@@ -9502,7 +10387,7 @@
         <p:spPr>
           <a:xfrm>
             <a:off x="149188" y="762000"/>
-            <a:ext cx="8845624" cy="369332"/>
+            <a:ext cx="8845624" cy="923330"/>
           </a:xfrm>
           <a:prstGeom prst="rect">
             <a:avLst/>
@@ -9515,17 +10400,196 @@
           <a:lstStyle/>
           <a:p>
             <a:r>
-              <a:rPr lang="en-US" dirty="0" smtClean="0"/>
-              <a:t>TODO</a:t>
+              <a:rPr lang="en-US" dirty="0"/>
+              <a:t>MongoDB documents are composed of </a:t>
+            </a:r>
+            <a:r>
+              <a:rPr lang="en-US" b="1" i="1" dirty="0">
+                <a:solidFill>
+                  <a:srgbClr val="036883"/>
+                </a:solidFill>
+              </a:rPr>
+              <a:t>field-and-value</a:t>
+            </a:r>
+            <a:r>
+              <a:rPr lang="en-US" dirty="0"/>
+              <a:t> pairs. The value of a field can be any of the BSON data types, including other documents, arrays, and arrays of documents.</a:t>
             </a:r>
             <a:endParaRPr lang="en-IN" dirty="0"/>
+          </a:p>
+        </p:txBody>
+      </p:sp>
+      <p:sp>
+        <p:nvSpPr>
+          <p:cNvPr id="2" name="Rectangle 1"/>
+          <p:cNvSpPr/>
+          <p:nvPr/>
+        </p:nvSpPr>
+        <p:spPr>
+          <a:xfrm>
+            <a:off x="149188" y="1875420"/>
+            <a:ext cx="8845624" cy="646331"/>
+          </a:xfrm>
+          <a:prstGeom prst="rect">
+            <a:avLst/>
+          </a:prstGeom>
+        </p:spPr>
+        <p:txBody>
+          <a:bodyPr wrap="square">
+            <a:spAutoFit/>
+          </a:bodyPr>
+          <a:lstStyle/>
+          <a:p>
+            <a:r>
+              <a:rPr lang="en-US" dirty="0"/>
+              <a:t>The </a:t>
+            </a:r>
+            <a:r>
+              <a:rPr lang="en-US" b="1" i="1" dirty="0">
+                <a:solidFill>
+                  <a:srgbClr val="036883"/>
+                </a:solidFill>
+              </a:rPr>
+              <a:t>field name</a:t>
+            </a:r>
+            <a:r>
+              <a:rPr lang="en-US" dirty="0"/>
+              <a:t> </a:t>
+            </a:r>
+            <a:r>
+              <a:rPr lang="en-US" b="1" i="1" dirty="0">
+                <a:solidFill>
+                  <a:srgbClr val="C00000"/>
+                </a:solidFill>
+              </a:rPr>
+              <a:t>_</a:t>
+            </a:r>
+            <a:r>
+              <a:rPr lang="en-US" b="1" dirty="0">
+                <a:solidFill>
+                  <a:srgbClr val="C00000"/>
+                </a:solidFill>
+              </a:rPr>
+              <a:t>id</a:t>
+            </a:r>
+            <a:r>
+              <a:rPr lang="en-US" b="1" i="1" dirty="0">
+                <a:solidFill>
+                  <a:srgbClr val="C00000"/>
+                </a:solidFill>
+              </a:rPr>
+              <a:t> </a:t>
+            </a:r>
+            <a:r>
+              <a:rPr lang="en-US" dirty="0"/>
+              <a:t>is reserved for use as a primary key; its value must be unique in the collection, is immutable, and may be of any type other than an array.</a:t>
+            </a:r>
+          </a:p>
+        </p:txBody>
+      </p:sp>
+      <p:sp>
+        <p:nvSpPr>
+          <p:cNvPr id="3" name="Rectangle 2"/>
+          <p:cNvSpPr/>
+          <p:nvPr/>
+        </p:nvSpPr>
+        <p:spPr>
+          <a:xfrm>
+            <a:off x="184814" y="2971800"/>
+            <a:ext cx="8809998" cy="2031325"/>
+          </a:xfrm>
+          <a:prstGeom prst="rect">
+            <a:avLst/>
+          </a:prstGeom>
+        </p:spPr>
+        <p:txBody>
+          <a:bodyPr wrap="square">
+            <a:spAutoFit/>
+          </a:bodyPr>
+          <a:lstStyle/>
+          <a:p>
+            <a:r>
+              <a:rPr lang="en-US" dirty="0">
+                <a:solidFill>
+                  <a:srgbClr val="036883"/>
+                </a:solidFill>
+                <a:latin typeface="Consolas" panose="020B0609020204030204" pitchFamily="49" charset="0"/>
+              </a:rPr>
+              <a:t>{</a:t>
+            </a:r>
+          </a:p>
+          <a:p>
+            <a:r>
+              <a:rPr lang="en-US" dirty="0">
+                <a:solidFill>
+                  <a:srgbClr val="036883"/>
+                </a:solidFill>
+                <a:latin typeface="Consolas" panose="020B0609020204030204" pitchFamily="49" charset="0"/>
+              </a:rPr>
+              <a:t>   field1: value1,</a:t>
+            </a:r>
+          </a:p>
+          <a:p>
+            <a:r>
+              <a:rPr lang="en-US" dirty="0">
+                <a:solidFill>
+                  <a:srgbClr val="036883"/>
+                </a:solidFill>
+                <a:latin typeface="Consolas" panose="020B0609020204030204" pitchFamily="49" charset="0"/>
+              </a:rPr>
+              <a:t>   field2: value2,</a:t>
+            </a:r>
+          </a:p>
+          <a:p>
+            <a:r>
+              <a:rPr lang="en-US" dirty="0">
+                <a:solidFill>
+                  <a:srgbClr val="036883"/>
+                </a:solidFill>
+                <a:latin typeface="Consolas" panose="020B0609020204030204" pitchFamily="49" charset="0"/>
+              </a:rPr>
+              <a:t>   field3: value3,</a:t>
+            </a:r>
+          </a:p>
+          <a:p>
+            <a:r>
+              <a:rPr lang="en-US" dirty="0">
+                <a:solidFill>
+                  <a:srgbClr val="036883"/>
+                </a:solidFill>
+                <a:latin typeface="Consolas" panose="020B0609020204030204" pitchFamily="49" charset="0"/>
+              </a:rPr>
+              <a:t>   ...</a:t>
+            </a:r>
+          </a:p>
+          <a:p>
+            <a:r>
+              <a:rPr lang="en-US" dirty="0">
+                <a:solidFill>
+                  <a:srgbClr val="036883"/>
+                </a:solidFill>
+                <a:latin typeface="Consolas" panose="020B0609020204030204" pitchFamily="49" charset="0"/>
+              </a:rPr>
+              <a:t>   fieldN: valueN</a:t>
+            </a:r>
+          </a:p>
+          <a:p>
+            <a:r>
+              <a:rPr lang="en-US" dirty="0">
+                <a:solidFill>
+                  <a:srgbClr val="036883"/>
+                </a:solidFill>
+                <a:latin typeface="Consolas" panose="020B0609020204030204" pitchFamily="49" charset="0"/>
+              </a:rPr>
+              <a:t>}</a:t>
+            </a:r>
           </a:p>
         </p:txBody>
       </p:sp>
     </p:spTree>
     <p:extLst>
       <p:ext uri="{BB962C8B-B14F-4D97-AF65-F5344CB8AC3E}">
-        <p14:creationId xmlns:p14="http://schemas.microsoft.com/office/powerpoint/2010/main" val="2535387021"/>
+        <p14:creationId xmlns:p14="http://schemas.microsoft.com/office/powerpoint/2010/main" val="1707159998"/>
       </p:ext>
     </p:extLst>
   </p:cSld>
@@ -9598,17 +10662,7 @@
                 <a:latin typeface="Arial" pitchFamily="34" charset="0"/>
                 <a:cs typeface="Arial" pitchFamily="34" charset="0"/>
               </a:rPr>
-              <a:t>MongoDB</a:t>
-            </a:r>
-            <a:r>
-              <a:rPr lang="en-US" sz="3200" b="1" i="1" dirty="0" smtClean="0">
-                <a:solidFill>
-                  <a:srgbClr val="FFFF00"/>
-                </a:solidFill>
-                <a:latin typeface="Arial" pitchFamily="34" charset="0"/>
-                <a:cs typeface="Arial" pitchFamily="34" charset="0"/>
-              </a:rPr>
-              <a:t> </a:t>
+              <a:t>document</a:t>
             </a:r>
             <a:r>
               <a:rPr lang="en-IN" sz="3200" b="1" i="1" dirty="0">
@@ -9655,7 +10709,7 @@
     </p:spTree>
     <p:extLst>
       <p:ext uri="{BB962C8B-B14F-4D97-AF65-F5344CB8AC3E}">
-        <p14:creationId xmlns:p14="http://schemas.microsoft.com/office/powerpoint/2010/main" val="3372373110"/>
+        <p14:creationId xmlns:p14="http://schemas.microsoft.com/office/powerpoint/2010/main" val="3587670722"/>
       </p:ext>
     </p:extLst>
   </p:cSld>
@@ -9785,7 +10839,7 @@
     </p:spTree>
     <p:extLst>
       <p:ext uri="{BB962C8B-B14F-4D97-AF65-F5344CB8AC3E}">
-        <p14:creationId xmlns:p14="http://schemas.microsoft.com/office/powerpoint/2010/main" val="1298561359"/>
+        <p14:creationId xmlns:p14="http://schemas.microsoft.com/office/powerpoint/2010/main" val="250252946"/>
       </p:ext>
     </p:extLst>
   </p:cSld>
@@ -9915,7 +10969,7 @@
     </p:spTree>
     <p:extLst>
       <p:ext uri="{BB962C8B-B14F-4D97-AF65-F5344CB8AC3E}">
-        <p14:creationId xmlns:p14="http://schemas.microsoft.com/office/powerpoint/2010/main" val="2767122750"/>
+        <p14:creationId xmlns:p14="http://schemas.microsoft.com/office/powerpoint/2010/main" val="895975297"/>
       </p:ext>
     </p:extLst>
   </p:cSld>
@@ -10203,7 +11257,7 @@
     </p:spTree>
     <p:extLst>
       <p:ext uri="{BB962C8B-B14F-4D97-AF65-F5344CB8AC3E}">
-        <p14:creationId xmlns:p14="http://schemas.microsoft.com/office/powerpoint/2010/main" val="3923222660"/>
+        <p14:creationId xmlns:p14="http://schemas.microsoft.com/office/powerpoint/2010/main" val="1785036271"/>
       </p:ext>
     </p:extLst>
   </p:cSld>
@@ -10333,7 +11387,7 @@
     </p:spTree>
     <p:extLst>
       <p:ext uri="{BB962C8B-B14F-4D97-AF65-F5344CB8AC3E}">
-        <p14:creationId xmlns:p14="http://schemas.microsoft.com/office/powerpoint/2010/main" val="166747101"/>
+        <p14:creationId xmlns:p14="http://schemas.microsoft.com/office/powerpoint/2010/main" val="2324753550"/>
       </p:ext>
     </p:extLst>
   </p:cSld>
@@ -10463,7 +11517,7 @@
     </p:spTree>
     <p:extLst>
       <p:ext uri="{BB962C8B-B14F-4D97-AF65-F5344CB8AC3E}">
-        <p14:creationId xmlns:p14="http://schemas.microsoft.com/office/powerpoint/2010/main" val="924942284"/>
+        <p14:creationId xmlns:p14="http://schemas.microsoft.com/office/powerpoint/2010/main" val="159175200"/>
       </p:ext>
     </p:extLst>
   </p:cSld>
@@ -10593,7 +11647,7 @@
     </p:spTree>
     <p:extLst>
       <p:ext uri="{BB962C8B-B14F-4D97-AF65-F5344CB8AC3E}">
-        <p14:creationId xmlns:p14="http://schemas.microsoft.com/office/powerpoint/2010/main" val="3259065627"/>
+        <p14:creationId xmlns:p14="http://schemas.microsoft.com/office/powerpoint/2010/main" val="4200858574"/>
       </p:ext>
     </p:extLst>
   </p:cSld>
@@ -10723,7 +11777,7 @@
     </p:spTree>
     <p:extLst>
       <p:ext uri="{BB962C8B-B14F-4D97-AF65-F5344CB8AC3E}">
-        <p14:creationId xmlns:p14="http://schemas.microsoft.com/office/powerpoint/2010/main" val="3171492564"/>
+        <p14:creationId xmlns:p14="http://schemas.microsoft.com/office/powerpoint/2010/main" val="2535387021"/>
       </p:ext>
     </p:extLst>
   </p:cSld>
@@ -10853,7 +11907,7 @@
     </p:spTree>
     <p:extLst>
       <p:ext uri="{BB962C8B-B14F-4D97-AF65-F5344CB8AC3E}">
-        <p14:creationId xmlns:p14="http://schemas.microsoft.com/office/powerpoint/2010/main" val="2780407736"/>
+        <p14:creationId xmlns:p14="http://schemas.microsoft.com/office/powerpoint/2010/main" val="3372373110"/>
       </p:ext>
     </p:extLst>
   </p:cSld>
@@ -10983,7 +12037,7 @@
     </p:spTree>
     <p:extLst>
       <p:ext uri="{BB962C8B-B14F-4D97-AF65-F5344CB8AC3E}">
-        <p14:creationId xmlns:p14="http://schemas.microsoft.com/office/powerpoint/2010/main" val="848474725"/>
+        <p14:creationId xmlns:p14="http://schemas.microsoft.com/office/powerpoint/2010/main" val="1298561359"/>
       </p:ext>
     </p:extLst>
   </p:cSld>
@@ -11113,7 +12167,7 @@
     </p:spTree>
     <p:extLst>
       <p:ext uri="{BB962C8B-B14F-4D97-AF65-F5344CB8AC3E}">
-        <p14:creationId xmlns:p14="http://schemas.microsoft.com/office/powerpoint/2010/main" val="4030158449"/>
+        <p14:creationId xmlns:p14="http://schemas.microsoft.com/office/powerpoint/2010/main" val="2767122750"/>
       </p:ext>
     </p:extLst>
   </p:cSld>
@@ -11243,7 +12297,7 @@
     </p:spTree>
     <p:extLst>
       <p:ext uri="{BB962C8B-B14F-4D97-AF65-F5344CB8AC3E}">
-        <p14:creationId xmlns:p14="http://schemas.microsoft.com/office/powerpoint/2010/main" val="1708605334"/>
+        <p14:creationId xmlns:p14="http://schemas.microsoft.com/office/powerpoint/2010/main" val="3923222660"/>
       </p:ext>
     </p:extLst>
   </p:cSld>
@@ -11373,7 +12427,7 @@
     </p:spTree>
     <p:extLst>
       <p:ext uri="{BB962C8B-B14F-4D97-AF65-F5344CB8AC3E}">
-        <p14:creationId xmlns:p14="http://schemas.microsoft.com/office/powerpoint/2010/main" val="1478242473"/>
+        <p14:creationId xmlns:p14="http://schemas.microsoft.com/office/powerpoint/2010/main" val="166747101"/>
       </p:ext>
     </p:extLst>
   </p:cSld>
@@ -11749,7 +12803,7 @@
     </p:spTree>
     <p:extLst>
       <p:ext uri="{BB962C8B-B14F-4D97-AF65-F5344CB8AC3E}">
-        <p14:creationId xmlns:p14="http://schemas.microsoft.com/office/powerpoint/2010/main" val="2136286712"/>
+        <p14:creationId xmlns:p14="http://schemas.microsoft.com/office/powerpoint/2010/main" val="924942284"/>
       </p:ext>
     </p:extLst>
   </p:cSld>
@@ -11879,7 +12933,7 @@
     </p:spTree>
     <p:extLst>
       <p:ext uri="{BB962C8B-B14F-4D97-AF65-F5344CB8AC3E}">
-        <p14:creationId xmlns:p14="http://schemas.microsoft.com/office/powerpoint/2010/main" val="160110094"/>
+        <p14:creationId xmlns:p14="http://schemas.microsoft.com/office/powerpoint/2010/main" val="3259065627"/>
       </p:ext>
     </p:extLst>
   </p:cSld>
@@ -12009,7 +13063,7 @@
     </p:spTree>
     <p:extLst>
       <p:ext uri="{BB962C8B-B14F-4D97-AF65-F5344CB8AC3E}">
-        <p14:creationId xmlns:p14="http://schemas.microsoft.com/office/powerpoint/2010/main" val="1060267809"/>
+        <p14:creationId xmlns:p14="http://schemas.microsoft.com/office/powerpoint/2010/main" val="3171492564"/>
       </p:ext>
     </p:extLst>
   </p:cSld>
@@ -12139,7 +13193,7 @@
     </p:spTree>
     <p:extLst>
       <p:ext uri="{BB962C8B-B14F-4D97-AF65-F5344CB8AC3E}">
-        <p14:creationId xmlns:p14="http://schemas.microsoft.com/office/powerpoint/2010/main" val="1137647517"/>
+        <p14:creationId xmlns:p14="http://schemas.microsoft.com/office/powerpoint/2010/main" val="2780407736"/>
       </p:ext>
     </p:extLst>
   </p:cSld>
@@ -12269,7 +13323,7 @@
     </p:spTree>
     <p:extLst>
       <p:ext uri="{BB962C8B-B14F-4D97-AF65-F5344CB8AC3E}">
-        <p14:creationId xmlns:p14="http://schemas.microsoft.com/office/powerpoint/2010/main" val="3052086859"/>
+        <p14:creationId xmlns:p14="http://schemas.microsoft.com/office/powerpoint/2010/main" val="848474725"/>
       </p:ext>
     </p:extLst>
   </p:cSld>
@@ -12399,7 +13453,7 @@
     </p:spTree>
     <p:extLst>
       <p:ext uri="{BB962C8B-B14F-4D97-AF65-F5344CB8AC3E}">
-        <p14:creationId xmlns:p14="http://schemas.microsoft.com/office/powerpoint/2010/main" val="1097272351"/>
+        <p14:creationId xmlns:p14="http://schemas.microsoft.com/office/powerpoint/2010/main" val="4030158449"/>
       </p:ext>
     </p:extLst>
   </p:cSld>
@@ -12529,7 +13583,7 @@
     </p:spTree>
     <p:extLst>
       <p:ext uri="{BB962C8B-B14F-4D97-AF65-F5344CB8AC3E}">
-        <p14:creationId xmlns:p14="http://schemas.microsoft.com/office/powerpoint/2010/main" val="1587220367"/>
+        <p14:creationId xmlns:p14="http://schemas.microsoft.com/office/powerpoint/2010/main" val="1708605334"/>
       </p:ext>
     </p:extLst>
   </p:cSld>
@@ -12659,7 +13713,7 @@
     </p:spTree>
     <p:extLst>
       <p:ext uri="{BB962C8B-B14F-4D97-AF65-F5344CB8AC3E}">
-        <p14:creationId xmlns:p14="http://schemas.microsoft.com/office/powerpoint/2010/main" val="1863467568"/>
+        <p14:creationId xmlns:p14="http://schemas.microsoft.com/office/powerpoint/2010/main" val="1478242473"/>
       </p:ext>
     </p:extLst>
   </p:cSld>
@@ -12789,7 +13843,7 @@
     </p:spTree>
     <p:extLst>
       <p:ext uri="{BB962C8B-B14F-4D97-AF65-F5344CB8AC3E}">
-        <p14:creationId xmlns:p14="http://schemas.microsoft.com/office/powerpoint/2010/main" val="1971192509"/>
+        <p14:creationId xmlns:p14="http://schemas.microsoft.com/office/powerpoint/2010/main" val="2136286712"/>
       </p:ext>
     </p:extLst>
   </p:cSld>
@@ -12825,7 +13879,7 @@
       </p:grpSpPr>
       <p:sp>
         <p:nvSpPr>
-          <p:cNvPr id="4" name="Rectangle 3"/>
+          <p:cNvPr id="6" name="Rectangle 5"/>
           <p:cNvSpPr/>
           <p:nvPr/>
         </p:nvSpPr>
@@ -12838,8 +13892,8 @@
             <a:avLst/>
           </a:prstGeom>
           <a:solidFill>
-            <a:schemeClr val="bg2">
-              <a:lumMod val="10000"/>
+            <a:schemeClr val="accent4">
+              <a:lumMod val="75000"/>
             </a:schemeClr>
           </a:solidFill>
         </p:spPr>
@@ -12849,7 +13903,11 @@
           </a:bodyPr>
           <a:lstStyle/>
           <a:p>
-            <a:pPr algn="r"/>
+            <a:pPr algn="r">
+              <a:spcBef>
+                <a:spcPct val="0"/>
+              </a:spcBef>
+            </a:pPr>
             <a:r>
               <a:rPr lang="en-IN" sz="3200" b="1" i="1" dirty="0" smtClean="0">
                 <a:solidFill>
@@ -12858,27 +13916,40 @@
                 <a:latin typeface="Arial" pitchFamily="34" charset="0"/>
                 <a:cs typeface="Arial" pitchFamily="34" charset="0"/>
               </a:rPr>
-              <a:t>IMP</a:t>
-            </a:r>
-            <a:endParaRPr lang="en-IN" sz="3200" b="1" i="1" dirty="0">
-              <a:solidFill>
-                <a:srgbClr val="FFFF00"/>
-              </a:solidFill>
-              <a:latin typeface="Arial" pitchFamily="34" charset="0"/>
-              <a:cs typeface="Arial" pitchFamily="34" charset="0"/>
-            </a:endParaRPr>
-          </a:p>
-        </p:txBody>
-      </p:sp>
-      <p:sp>
-        <p:nvSpPr>
-          <p:cNvPr id="2" name="Rectangle 1"/>
+              <a:t>MongoDB</a:t>
+            </a:r>
+            <a:r>
+              <a:rPr lang="en-US" sz="3200" b="1" i="1" dirty="0" smtClean="0">
+                <a:solidFill>
+                  <a:srgbClr val="FFFF00"/>
+                </a:solidFill>
+                <a:latin typeface="Arial" pitchFamily="34" charset="0"/>
+                <a:cs typeface="Arial" pitchFamily="34" charset="0"/>
+              </a:rPr>
+              <a:t> </a:t>
+            </a:r>
+            <a:r>
+              <a:rPr lang="en-IN" sz="3200" b="1" i="1" dirty="0">
+                <a:solidFill>
+                  <a:srgbClr val="FFFF00"/>
+                </a:solidFill>
+                <a:latin typeface="Arial" pitchFamily="34" charset="0"/>
+                <a:cs typeface="Arial" pitchFamily="34" charset="0"/>
+              </a:rPr>
+              <a:t> </a:t>
+            </a:r>
+          </a:p>
+        </p:txBody>
+      </p:sp>
+      <p:sp>
+        <p:nvSpPr>
+          <p:cNvPr id="7" name="Rectangle 6"/>
           <p:cNvSpPr/>
           <p:nvPr/>
         </p:nvSpPr>
         <p:spPr>
           <a:xfrm>
-            <a:off x="145976" y="849264"/>
+            <a:off x="149188" y="762000"/>
             <a:ext cx="8845624" cy="369332"/>
           </a:xfrm>
           <a:prstGeom prst="rect">
@@ -12892,153 +13963,17 @@
           <a:lstStyle/>
           <a:p>
             <a:r>
-              <a:rPr lang="en-IN" dirty="0" smtClean="0">
-                <a:solidFill>
-                  <a:srgbClr val="222222"/>
-                </a:solidFill>
-                <a:latin typeface="Verdana" panose="020B0604030504040204" pitchFamily="34" charset="0"/>
-              </a:rPr>
-              <a:t>1. Think </a:t>
-            </a:r>
-            <a:r>
-              <a:rPr lang="en-IN" dirty="0">
-                <a:solidFill>
-                  <a:srgbClr val="222222"/>
-                </a:solidFill>
-                <a:latin typeface="Verdana" panose="020B0604030504040204" pitchFamily="34" charset="0"/>
-              </a:rPr>
-              <a:t>about how multiplication can be done without actually </a:t>
-            </a:r>
-            <a:r>
-              <a:rPr lang="en-IN" dirty="0" smtClean="0">
-                <a:solidFill>
-                  <a:srgbClr val="222222"/>
-                </a:solidFill>
-                <a:latin typeface="Verdana" panose="020B0604030504040204" pitchFamily="34" charset="0"/>
-              </a:rPr>
-              <a:t>multiplying </a:t>
+              <a:rPr lang="en-US" dirty="0" smtClean="0"/>
+              <a:t>TODO</a:t>
             </a:r>
             <a:endParaRPr lang="en-IN" dirty="0"/>
           </a:p>
         </p:txBody>
       </p:sp>
-      <p:sp>
-        <p:nvSpPr>
-          <p:cNvPr id="3" name="TextBox 2"/>
-          <p:cNvSpPr txBox="1"/>
-          <p:nvPr/>
-        </p:nvSpPr>
-        <p:spPr>
-          <a:xfrm>
-            <a:off x="990600" y="2514600"/>
-            <a:ext cx="184731" cy="369332"/>
-          </a:xfrm>
-          <a:prstGeom prst="rect">
-            <a:avLst/>
-          </a:prstGeom>
-          <a:noFill/>
-        </p:spPr>
-        <p:txBody>
-          <a:bodyPr wrap="none" rtlCol="0">
-            <a:spAutoFit/>
-          </a:bodyPr>
-          <a:lstStyle/>
-          <a:p>
-            <a:endParaRPr lang="en-IN" dirty="0"/>
-          </a:p>
-        </p:txBody>
-      </p:sp>
-      <p:pic>
-        <p:nvPicPr>
-          <p:cNvPr id="5" name="Picture 4"/>
-          <p:cNvPicPr>
-            <a:picLocks noChangeAspect="1"/>
-          </p:cNvPicPr>
-          <p:nvPr/>
-        </p:nvPicPr>
-        <p:blipFill>
-          <a:blip r:embed="rId2"/>
-          <a:stretch>
-            <a:fillRect/>
-          </a:stretch>
-        </p:blipFill>
-        <p:spPr>
-          <a:xfrm>
-            <a:off x="304800" y="3700361"/>
-            <a:ext cx="4648200" cy="2471839"/>
-          </a:xfrm>
-          <a:prstGeom prst="rect">
-            <a:avLst/>
-          </a:prstGeom>
-        </p:spPr>
-      </p:pic>
-      <p:sp>
-        <p:nvSpPr>
-          <p:cNvPr id="6" name="Rectangle 5"/>
-          <p:cNvSpPr/>
-          <p:nvPr/>
-        </p:nvSpPr>
-        <p:spPr>
-          <a:xfrm>
-            <a:off x="145976" y="3243552"/>
-            <a:ext cx="1317990" cy="369332"/>
-          </a:xfrm>
-          <a:prstGeom prst="rect">
-            <a:avLst/>
-          </a:prstGeom>
-        </p:spPr>
-        <p:txBody>
-          <a:bodyPr wrap="none">
-            <a:spAutoFit/>
-          </a:bodyPr>
-          <a:lstStyle/>
-          <a:p>
-            <a:r>
-              <a:rPr lang="en-IN" dirty="0" smtClean="0">
-                <a:solidFill>
-                  <a:srgbClr val="222222"/>
-                </a:solidFill>
-                <a:latin typeface="Verdana" panose="020B0604030504040204" pitchFamily="34" charset="0"/>
-              </a:rPr>
-              <a:t>2. Square</a:t>
-            </a:r>
-            <a:endParaRPr lang="en-IN" dirty="0">
-              <a:solidFill>
-                <a:srgbClr val="222222"/>
-              </a:solidFill>
-              <a:latin typeface="Verdana" panose="020B0604030504040204" pitchFamily="34" charset="0"/>
-            </a:endParaRPr>
-          </a:p>
-        </p:txBody>
-      </p:sp>
-      <p:pic>
-        <p:nvPicPr>
-          <p:cNvPr id="8" name="Picture 7"/>
-          <p:cNvPicPr>
-            <a:picLocks noChangeAspect="1"/>
-          </p:cNvPicPr>
-          <p:nvPr/>
-        </p:nvPicPr>
-        <p:blipFill>
-          <a:blip r:embed="rId3"/>
-          <a:stretch>
-            <a:fillRect/>
-          </a:stretch>
-        </p:blipFill>
-        <p:spPr>
-          <a:xfrm>
-            <a:off x="533400" y="1250647"/>
-            <a:ext cx="4495800" cy="1883657"/>
-          </a:xfrm>
-          <a:prstGeom prst="rect">
-            <a:avLst/>
-          </a:prstGeom>
-        </p:spPr>
-      </p:pic>
     </p:spTree>
     <p:extLst>
       <p:ext uri="{BB962C8B-B14F-4D97-AF65-F5344CB8AC3E}">
-        <p14:creationId xmlns:p14="http://schemas.microsoft.com/office/powerpoint/2010/main" val="3391323119"/>
+        <p14:creationId xmlns:p14="http://schemas.microsoft.com/office/powerpoint/2010/main" val="160110094"/>
       </p:ext>
     </p:extLst>
   </p:cSld>
@@ -13616,61 +14551,25 @@
           <a:chExt cx="0" cy="0"/>
         </a:xfrm>
       </p:grpSpPr>
-      <p:pic>
-        <p:nvPicPr>
-          <p:cNvPr id="1026" name="Picture 2" descr="http://www.bvctch.vn/vnt_upload/weblink/thks.jpg"/>
-          <p:cNvPicPr>
-            <a:picLocks noChangeAspect="1" noChangeArrowheads="1"/>
-          </p:cNvPicPr>
-          <p:nvPr/>
-        </p:nvPicPr>
-        <p:blipFill>
-          <a:blip r:embed="rId2">
-            <a:extLst>
-              <a:ext uri="{28A0092B-C50C-407E-A947-70E740481C1C}">
-                <a14:useLocalDpi xmlns:a14="http://schemas.microsoft.com/office/drawing/2010/main" val="0"/>
-              </a:ext>
-            </a:extLst>
-          </a:blip>
-          <a:srcRect/>
-          <a:stretch>
-            <a:fillRect/>
-          </a:stretch>
-        </p:blipFill>
-        <p:spPr bwMode="auto">
-          <a:xfrm>
-            <a:off x="2895600" y="757237"/>
-            <a:ext cx="3124200" cy="4881563"/>
-          </a:xfrm>
-          <a:prstGeom prst="rect">
-            <a:avLst/>
-          </a:prstGeom>
-          <a:noFill/>
-          <a:extLst>
-            <a:ext uri="{909E8E84-426E-40DD-AFC4-6F175D3DCCD1}">
-              <a14:hiddenFill xmlns:a14="http://schemas.microsoft.com/office/drawing/2010/main">
-                <a:solidFill>
-                  <a:srgbClr val="FFFFFF"/>
-                </a:solidFill>
-              </a14:hiddenFill>
-            </a:ext>
-          </a:extLst>
-        </p:spPr>
-      </p:pic>
-      <p:sp>
-        <p:nvSpPr>
-          <p:cNvPr id="3" name="Rectangle 2"/>
+      <p:sp>
+        <p:nvSpPr>
+          <p:cNvPr id="6" name="Rectangle 5"/>
           <p:cNvSpPr/>
           <p:nvPr/>
         </p:nvSpPr>
         <p:spPr>
           <a:xfrm>
-            <a:off x="304800" y="5105400"/>
-            <a:ext cx="8610600" cy="1077218"/>
-          </a:xfrm>
-          <a:prstGeom prst="rect">
-            <a:avLst/>
-          </a:prstGeom>
+            <a:off x="0" y="0"/>
+            <a:ext cx="9144000" cy="584775"/>
+          </a:xfrm>
+          <a:prstGeom prst="rect">
+            <a:avLst/>
+          </a:prstGeom>
+          <a:solidFill>
+            <a:schemeClr val="accent4">
+              <a:lumMod val="75000"/>
+            </a:schemeClr>
+          </a:solidFill>
         </p:spPr>
         <p:txBody>
           <a:bodyPr wrap="square">
@@ -13678,35 +14577,77 @@
           </a:bodyPr>
           <a:lstStyle/>
           <a:p>
-            <a:pPr algn="ctr"/>
-            <a:r>
-              <a:rPr lang="en-IN" sz="3200" dirty="0">
-                <a:solidFill>
-                  <a:srgbClr val="FE1212"/>
-                </a:solidFill>
-                <a:latin typeface="Segoe Print" panose="02000600000000000000" pitchFamily="2" charset="0"/>
-              </a:rPr>
-              <a:t>"Live as if you were to die tomorrow.</a:t>
-            </a:r>
-          </a:p>
-          <a:p>
-            <a:pPr algn="ctr"/>
-            <a:r>
-              <a:rPr lang="en-IN" sz="3200" dirty="0">
-                <a:solidFill>
-                  <a:srgbClr val="FE1212"/>
-                </a:solidFill>
-                <a:latin typeface="Segoe Print" panose="02000600000000000000" pitchFamily="2" charset="0"/>
-              </a:rPr>
-              <a:t>Learn as if you were to live forever"</a:t>
-            </a:r>
+            <a:pPr algn="r">
+              <a:spcBef>
+                <a:spcPct val="0"/>
+              </a:spcBef>
+            </a:pPr>
+            <a:r>
+              <a:rPr lang="en-IN" sz="3200" b="1" i="1" dirty="0" smtClean="0">
+                <a:solidFill>
+                  <a:srgbClr val="FFFF00"/>
+                </a:solidFill>
+                <a:latin typeface="Arial" pitchFamily="34" charset="0"/>
+                <a:cs typeface="Arial" pitchFamily="34" charset="0"/>
+              </a:rPr>
+              <a:t>MongoDB</a:t>
+            </a:r>
+            <a:r>
+              <a:rPr lang="en-US" sz="3200" b="1" i="1" dirty="0" smtClean="0">
+                <a:solidFill>
+                  <a:srgbClr val="FFFF00"/>
+                </a:solidFill>
+                <a:latin typeface="Arial" pitchFamily="34" charset="0"/>
+                <a:cs typeface="Arial" pitchFamily="34" charset="0"/>
+              </a:rPr>
+              <a:t> </a:t>
+            </a:r>
+            <a:r>
+              <a:rPr lang="en-IN" sz="3200" b="1" i="1" dirty="0">
+                <a:solidFill>
+                  <a:srgbClr val="FFFF00"/>
+                </a:solidFill>
+                <a:latin typeface="Arial" pitchFamily="34" charset="0"/>
+                <a:cs typeface="Arial" pitchFamily="34" charset="0"/>
+              </a:rPr>
+              <a:t> </a:t>
+            </a:r>
+          </a:p>
+        </p:txBody>
+      </p:sp>
+      <p:sp>
+        <p:nvSpPr>
+          <p:cNvPr id="7" name="Rectangle 6"/>
+          <p:cNvSpPr/>
+          <p:nvPr/>
+        </p:nvSpPr>
+        <p:spPr>
+          <a:xfrm>
+            <a:off x="149188" y="762000"/>
+            <a:ext cx="8845624" cy="369332"/>
+          </a:xfrm>
+          <a:prstGeom prst="rect">
+            <a:avLst/>
+          </a:prstGeom>
+        </p:spPr>
+        <p:txBody>
+          <a:bodyPr wrap="square">
+            <a:spAutoFit/>
+          </a:bodyPr>
+          <a:lstStyle/>
+          <a:p>
+            <a:r>
+              <a:rPr lang="en-US" dirty="0" smtClean="0"/>
+              <a:t>TODO</a:t>
+            </a:r>
+            <a:endParaRPr lang="en-IN" dirty="0"/>
           </a:p>
         </p:txBody>
       </p:sp>
     </p:spTree>
     <p:extLst>
       <p:ext uri="{BB962C8B-B14F-4D97-AF65-F5344CB8AC3E}">
-        <p14:creationId xmlns:p14="http://schemas.microsoft.com/office/powerpoint/2010/main" val="1148130326"/>
+        <p14:creationId xmlns:p14="http://schemas.microsoft.com/office/powerpoint/2010/main" val="1060267809"/>
       </p:ext>
     </p:extLst>
   </p:cSld>
@@ -13742,18 +14683,23 @@
       </p:grpSpPr>
       <p:sp>
         <p:nvSpPr>
-          <p:cNvPr id="3" name="Rectangle 2"/>
+          <p:cNvPr id="6" name="Rectangle 5"/>
           <p:cNvSpPr/>
           <p:nvPr/>
         </p:nvSpPr>
         <p:spPr>
           <a:xfrm>
-            <a:off x="304800" y="1981200"/>
-            <a:ext cx="8305800" cy="1754326"/>
-          </a:xfrm>
-          <a:prstGeom prst="rect">
-            <a:avLst/>
-          </a:prstGeom>
+            <a:off x="0" y="0"/>
+            <a:ext cx="9144000" cy="584775"/>
+          </a:xfrm>
+          <a:prstGeom prst="rect">
+            <a:avLst/>
+          </a:prstGeom>
+          <a:solidFill>
+            <a:schemeClr val="accent4">
+              <a:lumMod val="75000"/>
+            </a:schemeClr>
+          </a:solidFill>
         </p:spPr>
         <p:txBody>
           <a:bodyPr wrap="square">
@@ -13761,66 +14707,90 @@
           </a:bodyPr>
           <a:lstStyle/>
           <a:p>
-            <a:r>
-              <a:rPr lang="en-US" dirty="0"/>
-              <a:t>The ALTER TABLE...DROP UNUSED COLUMNS statement is the only action allowed on unused columns. It physically removes unused columns from the table and reclaims disk space</a:t>
-            </a:r>
+            <a:pPr algn="r">
+              <a:spcBef>
+                <a:spcPct val="0"/>
+              </a:spcBef>
+            </a:pPr>
+            <a:r>
+              <a:rPr lang="en-IN" sz="3200" b="1" i="1" dirty="0" smtClean="0">
+                <a:solidFill>
+                  <a:srgbClr val="FFFF00"/>
+                </a:solidFill>
+                <a:latin typeface="Arial" pitchFamily="34" charset="0"/>
+                <a:cs typeface="Arial" pitchFamily="34" charset="0"/>
+              </a:rPr>
+              <a:t>MongoDB</a:t>
+            </a:r>
+            <a:r>
+              <a:rPr lang="en-US" sz="3200" b="1" i="1" dirty="0" smtClean="0">
+                <a:solidFill>
+                  <a:srgbClr val="FFFF00"/>
+                </a:solidFill>
+                <a:latin typeface="Arial" pitchFamily="34" charset="0"/>
+                <a:cs typeface="Arial" pitchFamily="34" charset="0"/>
+              </a:rPr>
+              <a:t> </a:t>
+            </a:r>
+            <a:r>
+              <a:rPr lang="en-IN" sz="3200" b="1" i="1" dirty="0">
+                <a:solidFill>
+                  <a:srgbClr val="FFFF00"/>
+                </a:solidFill>
+                <a:latin typeface="Arial" pitchFamily="34" charset="0"/>
+                <a:cs typeface="Arial" pitchFamily="34" charset="0"/>
+              </a:rPr>
+              <a:t> </a:t>
+            </a:r>
+          </a:p>
+        </p:txBody>
+      </p:sp>
+      <p:sp>
+        <p:nvSpPr>
+          <p:cNvPr id="7" name="Rectangle 6"/>
+          <p:cNvSpPr/>
+          <p:nvPr/>
+        </p:nvSpPr>
+        <p:spPr>
+          <a:xfrm>
+            <a:off x="149188" y="762000"/>
+            <a:ext cx="8845624" cy="369332"/>
+          </a:xfrm>
+          <a:prstGeom prst="rect">
+            <a:avLst/>
+          </a:prstGeom>
+        </p:spPr>
+        <p:txBody>
+          <a:bodyPr wrap="square">
+            <a:spAutoFit/>
+          </a:bodyPr>
+          <a:lstStyle/>
+          <a:p>
             <a:r>
               <a:rPr lang="en-US" dirty="0" smtClean="0"/>
-              <a:t>.</a:t>
-            </a:r>
-          </a:p>
-          <a:p>
-            <a:endParaRPr lang="en-US" dirty="0" smtClean="0"/>
-          </a:p>
-          <a:p>
-            <a:r>
-              <a:rPr lang="en-US" dirty="0" smtClean="0">
-                <a:solidFill>
-                  <a:srgbClr val="FF0000"/>
-                </a:solidFill>
-              </a:rPr>
-              <a:t>alter </a:t>
-            </a:r>
-            <a:r>
-              <a:rPr lang="en-US" dirty="0">
-                <a:solidFill>
-                  <a:srgbClr val="FF0000"/>
-                </a:solidFill>
-              </a:rPr>
-              <a:t>table t set unused(c2);</a:t>
-            </a:r>
-          </a:p>
-          <a:p>
-            <a:r>
-              <a:rPr lang="en-US" dirty="0" smtClean="0">
-                <a:solidFill>
-                  <a:srgbClr val="FF0000"/>
-                </a:solidFill>
-              </a:rPr>
-              <a:t> </a:t>
-            </a:r>
-            <a:r>
-              <a:rPr lang="en-US" dirty="0">
-                <a:solidFill>
-                  <a:srgbClr val="FF0000"/>
-                </a:solidFill>
-              </a:rPr>
-              <a:t>alter table t drop unused column;</a:t>
-            </a:r>
+              <a:t>TODO</a:t>
+            </a:r>
+            <a:endParaRPr lang="en-IN" dirty="0"/>
           </a:p>
         </p:txBody>
       </p:sp>
     </p:spTree>
     <p:extLst>
       <p:ext uri="{BB962C8B-B14F-4D97-AF65-F5344CB8AC3E}">
-        <p14:creationId xmlns:p14="http://schemas.microsoft.com/office/powerpoint/2010/main" val="1183446369"/>
+        <p14:creationId xmlns:p14="http://schemas.microsoft.com/office/powerpoint/2010/main" val="1137647517"/>
       </p:ext>
     </p:extLst>
   </p:cSld>
   <p:clrMapOvr>
     <a:masterClrMapping/>
   </p:clrMapOvr>
+  <p:timing>
+    <p:tnLst>
+      <p:par>
+        <p:cTn id="1" dur="indefinite" restart="never" nodeType="tmRoot"/>
+      </p:par>
+    </p:tnLst>
+  </p:timing>
 </p:sld>
 </file>
 
@@ -13843,18 +14813,23 @@
       </p:grpSpPr>
       <p:sp>
         <p:nvSpPr>
-          <p:cNvPr id="2" name="Rectangle 1"/>
+          <p:cNvPr id="6" name="Rectangle 5"/>
           <p:cNvSpPr/>
           <p:nvPr/>
         </p:nvSpPr>
         <p:spPr>
           <a:xfrm>
-            <a:off x="152400" y="228600"/>
-            <a:ext cx="8763000" cy="2862322"/>
-          </a:xfrm>
-          <a:prstGeom prst="rect">
-            <a:avLst/>
-          </a:prstGeom>
+            <a:off x="0" y="0"/>
+            <a:ext cx="9144000" cy="584775"/>
+          </a:xfrm>
+          <a:prstGeom prst="rect">
+            <a:avLst/>
+          </a:prstGeom>
+          <a:solidFill>
+            <a:schemeClr val="accent4">
+              <a:lumMod val="75000"/>
+            </a:schemeClr>
+          </a:solidFill>
         </p:spPr>
         <p:txBody>
           <a:bodyPr wrap="square">
@@ -13862,96 +14837,1078 @@
           </a:bodyPr>
           <a:lstStyle/>
           <a:p>
-            <a:r>
-              <a:rPr lang="en-US" dirty="0"/>
-              <a:t>create table book (id raw(16) primary key, data clob check(data is json</a:t>
-            </a:r>
+            <a:pPr algn="r">
+              <a:spcBef>
+                <a:spcPct val="0"/>
+              </a:spcBef>
+            </a:pPr>
+            <a:r>
+              <a:rPr lang="en-IN" sz="3200" b="1" i="1" dirty="0" smtClean="0">
+                <a:solidFill>
+                  <a:srgbClr val="FFFF00"/>
+                </a:solidFill>
+                <a:latin typeface="Arial" pitchFamily="34" charset="0"/>
+                <a:cs typeface="Arial" pitchFamily="34" charset="0"/>
+              </a:rPr>
+              <a:t>MongoDB</a:t>
+            </a:r>
+            <a:r>
+              <a:rPr lang="en-US" sz="3200" b="1" i="1" dirty="0" smtClean="0">
+                <a:solidFill>
+                  <a:srgbClr val="FFFF00"/>
+                </a:solidFill>
+                <a:latin typeface="Arial" pitchFamily="34" charset="0"/>
+                <a:cs typeface="Arial" pitchFamily="34" charset="0"/>
+              </a:rPr>
+              <a:t> </a:t>
+            </a:r>
+            <a:r>
+              <a:rPr lang="en-IN" sz="3200" b="1" i="1" dirty="0">
+                <a:solidFill>
+                  <a:srgbClr val="FFFF00"/>
+                </a:solidFill>
+                <a:latin typeface="Arial" pitchFamily="34" charset="0"/>
+                <a:cs typeface="Arial" pitchFamily="34" charset="0"/>
+              </a:rPr>
+              <a:t> </a:t>
+            </a:r>
+          </a:p>
+        </p:txBody>
+      </p:sp>
+      <p:sp>
+        <p:nvSpPr>
+          <p:cNvPr id="7" name="Rectangle 6"/>
+          <p:cNvSpPr/>
+          <p:nvPr/>
+        </p:nvSpPr>
+        <p:spPr>
+          <a:xfrm>
+            <a:off x="149188" y="762000"/>
+            <a:ext cx="8845624" cy="369332"/>
+          </a:xfrm>
+          <a:prstGeom prst="rect">
+            <a:avLst/>
+          </a:prstGeom>
+        </p:spPr>
+        <p:txBody>
+          <a:bodyPr wrap="square">
+            <a:spAutoFit/>
+          </a:bodyPr>
+          <a:lstStyle/>
+          <a:p>
             <a:r>
               <a:rPr lang="en-US" dirty="0" smtClean="0"/>
-              <a:t>));</a:t>
-            </a:r>
-          </a:p>
-          <a:p>
-            <a:endParaRPr lang="en-US" dirty="0"/>
-          </a:p>
-          <a:p>
-            <a:r>
-              <a:rPr lang="en-US" dirty="0"/>
-              <a:t>select book.* </a:t>
-            </a:r>
-          </a:p>
-          <a:p>
-            <a:r>
-              <a:rPr lang="en-US" dirty="0"/>
-              <a:t>	from books,</a:t>
-            </a:r>
-          </a:p>
-          <a:p>
-            <a:r>
-              <a:rPr lang="en-US" dirty="0"/>
-              <a:t>	</a:t>
-            </a:r>
-            <a:r>
-              <a:rPr lang="en-US" dirty="0" err="1"/>
-              <a:t>json_table</a:t>
-            </a:r>
-            <a:r>
-              <a:rPr lang="en-US" dirty="0"/>
-              <a:t>(data,'$'</a:t>
-            </a:r>
-          </a:p>
-          <a:p>
-            <a:r>
-              <a:rPr lang="en-US" dirty="0"/>
-              <a:t>	columns(</a:t>
-            </a:r>
-            <a:r>
-              <a:rPr lang="en-US" dirty="0" err="1"/>
-              <a:t>isbn</a:t>
-            </a:r>
-            <a:r>
-              <a:rPr lang="en-US" dirty="0"/>
-              <a:t>   varchar2(20) path '$.</a:t>
-            </a:r>
-            <a:r>
-              <a:rPr lang="en-US" dirty="0" err="1"/>
-              <a:t>isbn</a:t>
-            </a:r>
-            <a:r>
-              <a:rPr lang="en-US" dirty="0"/>
-              <a:t>',</a:t>
-            </a:r>
-          </a:p>
-          <a:p>
-            <a:r>
-              <a:rPr lang="en-US" dirty="0"/>
-              <a:t>		title  varchar2(20) path '$.title',</a:t>
-            </a:r>
-          </a:p>
-          <a:p>
-            <a:r>
-              <a:rPr lang="en-US" dirty="0"/>
-              <a:t>		price  varchar2(10) path '$.price',</a:t>
-            </a:r>
-          </a:p>
-          <a:p>
-            <a:r>
-              <a:rPr lang="en-US" dirty="0"/>
-              <a:t>		author varchar2(20) path '$.author',</a:t>
-            </a:r>
-          </a:p>
-          <a:p>
-            <a:r>
-              <a:rPr lang="en-US" dirty="0"/>
-              <a:t>		phone  varchar2(10) path '$.phone')) book</a:t>
-            </a:r>
+              <a:t>TODO</a:t>
+            </a:r>
+            <a:endParaRPr lang="en-IN" dirty="0"/>
           </a:p>
         </p:txBody>
       </p:sp>
     </p:spTree>
     <p:extLst>
       <p:ext uri="{BB962C8B-B14F-4D97-AF65-F5344CB8AC3E}">
-        <p14:creationId xmlns:p14="http://schemas.microsoft.com/office/powerpoint/2010/main" val="1501210411"/>
+        <p14:creationId xmlns:p14="http://schemas.microsoft.com/office/powerpoint/2010/main" val="3052086859"/>
+      </p:ext>
+    </p:extLst>
+  </p:cSld>
+  <p:clrMapOvr>
+    <a:masterClrMapping/>
+  </p:clrMapOvr>
+  <p:timing>
+    <p:tnLst>
+      <p:par>
+        <p:cTn id="1" dur="indefinite" restart="never" nodeType="tmRoot"/>
+      </p:par>
+    </p:tnLst>
+  </p:timing>
+</p:sld>
+</file>
+
+<file path=ppt/slides/slide53.xml><?xml version="1.0" encoding="utf-8"?>
+<p:sld xmlns:a="http://schemas.openxmlformats.org/drawingml/2006/main" xmlns:r="http://schemas.openxmlformats.org/officeDocument/2006/relationships" xmlns:p="http://schemas.openxmlformats.org/presentationml/2006/main">
+  <p:cSld>
+    <p:spTree>
+      <p:nvGrpSpPr>
+        <p:cNvPr id="1" name=""/>
+        <p:cNvGrpSpPr/>
+        <p:nvPr/>
+      </p:nvGrpSpPr>
+      <p:grpSpPr>
+        <a:xfrm>
+          <a:off x="0" y="0"/>
+          <a:ext cx="0" cy="0"/>
+          <a:chOff x="0" y="0"/>
+          <a:chExt cx="0" cy="0"/>
+        </a:xfrm>
+      </p:grpSpPr>
+      <p:sp>
+        <p:nvSpPr>
+          <p:cNvPr id="6" name="Rectangle 5"/>
+          <p:cNvSpPr/>
+          <p:nvPr/>
+        </p:nvSpPr>
+        <p:spPr>
+          <a:xfrm>
+            <a:off x="0" y="0"/>
+            <a:ext cx="9144000" cy="584775"/>
+          </a:xfrm>
+          <a:prstGeom prst="rect">
+            <a:avLst/>
+          </a:prstGeom>
+          <a:solidFill>
+            <a:schemeClr val="accent4">
+              <a:lumMod val="75000"/>
+            </a:schemeClr>
+          </a:solidFill>
+        </p:spPr>
+        <p:txBody>
+          <a:bodyPr wrap="square">
+            <a:spAutoFit/>
+          </a:bodyPr>
+          <a:lstStyle/>
+          <a:p>
+            <a:pPr algn="r">
+              <a:spcBef>
+                <a:spcPct val="0"/>
+              </a:spcBef>
+            </a:pPr>
+            <a:r>
+              <a:rPr lang="en-IN" sz="3200" b="1" i="1" dirty="0" smtClean="0">
+                <a:solidFill>
+                  <a:srgbClr val="FFFF00"/>
+                </a:solidFill>
+                <a:latin typeface="Arial" pitchFamily="34" charset="0"/>
+                <a:cs typeface="Arial" pitchFamily="34" charset="0"/>
+              </a:rPr>
+              <a:t>MongoDB</a:t>
+            </a:r>
+            <a:r>
+              <a:rPr lang="en-US" sz="3200" b="1" i="1" dirty="0" smtClean="0">
+                <a:solidFill>
+                  <a:srgbClr val="FFFF00"/>
+                </a:solidFill>
+                <a:latin typeface="Arial" pitchFamily="34" charset="0"/>
+                <a:cs typeface="Arial" pitchFamily="34" charset="0"/>
+              </a:rPr>
+              <a:t> </a:t>
+            </a:r>
+            <a:r>
+              <a:rPr lang="en-IN" sz="3200" b="1" i="1" dirty="0">
+                <a:solidFill>
+                  <a:srgbClr val="FFFF00"/>
+                </a:solidFill>
+                <a:latin typeface="Arial" pitchFamily="34" charset="0"/>
+                <a:cs typeface="Arial" pitchFamily="34" charset="0"/>
+              </a:rPr>
+              <a:t> </a:t>
+            </a:r>
+          </a:p>
+        </p:txBody>
+      </p:sp>
+      <p:sp>
+        <p:nvSpPr>
+          <p:cNvPr id="7" name="Rectangle 6"/>
+          <p:cNvSpPr/>
+          <p:nvPr/>
+        </p:nvSpPr>
+        <p:spPr>
+          <a:xfrm>
+            <a:off x="149188" y="762000"/>
+            <a:ext cx="8845624" cy="369332"/>
+          </a:xfrm>
+          <a:prstGeom prst="rect">
+            <a:avLst/>
+          </a:prstGeom>
+        </p:spPr>
+        <p:txBody>
+          <a:bodyPr wrap="square">
+            <a:spAutoFit/>
+          </a:bodyPr>
+          <a:lstStyle/>
+          <a:p>
+            <a:r>
+              <a:rPr lang="en-US" dirty="0" smtClean="0"/>
+              <a:t>TODO</a:t>
+            </a:r>
+            <a:endParaRPr lang="en-IN" dirty="0"/>
+          </a:p>
+        </p:txBody>
+      </p:sp>
+    </p:spTree>
+    <p:extLst>
+      <p:ext uri="{BB962C8B-B14F-4D97-AF65-F5344CB8AC3E}">
+        <p14:creationId xmlns:p14="http://schemas.microsoft.com/office/powerpoint/2010/main" val="1097272351"/>
+      </p:ext>
+    </p:extLst>
+  </p:cSld>
+  <p:clrMapOvr>
+    <a:masterClrMapping/>
+  </p:clrMapOvr>
+  <p:timing>
+    <p:tnLst>
+      <p:par>
+        <p:cTn id="1" dur="indefinite" restart="never" nodeType="tmRoot"/>
+      </p:par>
+    </p:tnLst>
+  </p:timing>
+</p:sld>
+</file>
+
+<file path=ppt/slides/slide54.xml><?xml version="1.0" encoding="utf-8"?>
+<p:sld xmlns:a="http://schemas.openxmlformats.org/drawingml/2006/main" xmlns:r="http://schemas.openxmlformats.org/officeDocument/2006/relationships" xmlns:p="http://schemas.openxmlformats.org/presentationml/2006/main">
+  <p:cSld>
+    <p:spTree>
+      <p:nvGrpSpPr>
+        <p:cNvPr id="1" name=""/>
+        <p:cNvGrpSpPr/>
+        <p:nvPr/>
+      </p:nvGrpSpPr>
+      <p:grpSpPr>
+        <a:xfrm>
+          <a:off x="0" y="0"/>
+          <a:ext cx="0" cy="0"/>
+          <a:chOff x="0" y="0"/>
+          <a:chExt cx="0" cy="0"/>
+        </a:xfrm>
+      </p:grpSpPr>
+      <p:sp>
+        <p:nvSpPr>
+          <p:cNvPr id="6" name="Rectangle 5"/>
+          <p:cNvSpPr/>
+          <p:nvPr/>
+        </p:nvSpPr>
+        <p:spPr>
+          <a:xfrm>
+            <a:off x="0" y="0"/>
+            <a:ext cx="9144000" cy="584775"/>
+          </a:xfrm>
+          <a:prstGeom prst="rect">
+            <a:avLst/>
+          </a:prstGeom>
+          <a:solidFill>
+            <a:schemeClr val="accent4">
+              <a:lumMod val="75000"/>
+            </a:schemeClr>
+          </a:solidFill>
+        </p:spPr>
+        <p:txBody>
+          <a:bodyPr wrap="square">
+            <a:spAutoFit/>
+          </a:bodyPr>
+          <a:lstStyle/>
+          <a:p>
+            <a:pPr algn="r">
+              <a:spcBef>
+                <a:spcPct val="0"/>
+              </a:spcBef>
+            </a:pPr>
+            <a:r>
+              <a:rPr lang="en-IN" sz="3200" b="1" i="1" dirty="0" smtClean="0">
+                <a:solidFill>
+                  <a:srgbClr val="FFFF00"/>
+                </a:solidFill>
+                <a:latin typeface="Arial" pitchFamily="34" charset="0"/>
+                <a:cs typeface="Arial" pitchFamily="34" charset="0"/>
+              </a:rPr>
+              <a:t>MongoDB</a:t>
+            </a:r>
+            <a:r>
+              <a:rPr lang="en-US" sz="3200" b="1" i="1" dirty="0" smtClean="0">
+                <a:solidFill>
+                  <a:srgbClr val="FFFF00"/>
+                </a:solidFill>
+                <a:latin typeface="Arial" pitchFamily="34" charset="0"/>
+                <a:cs typeface="Arial" pitchFamily="34" charset="0"/>
+              </a:rPr>
+              <a:t> </a:t>
+            </a:r>
+            <a:r>
+              <a:rPr lang="en-IN" sz="3200" b="1" i="1" dirty="0">
+                <a:solidFill>
+                  <a:srgbClr val="FFFF00"/>
+                </a:solidFill>
+                <a:latin typeface="Arial" pitchFamily="34" charset="0"/>
+                <a:cs typeface="Arial" pitchFamily="34" charset="0"/>
+              </a:rPr>
+              <a:t> </a:t>
+            </a:r>
+          </a:p>
+        </p:txBody>
+      </p:sp>
+      <p:sp>
+        <p:nvSpPr>
+          <p:cNvPr id="7" name="Rectangle 6"/>
+          <p:cNvSpPr/>
+          <p:nvPr/>
+        </p:nvSpPr>
+        <p:spPr>
+          <a:xfrm>
+            <a:off x="149188" y="762000"/>
+            <a:ext cx="8845624" cy="369332"/>
+          </a:xfrm>
+          <a:prstGeom prst="rect">
+            <a:avLst/>
+          </a:prstGeom>
+        </p:spPr>
+        <p:txBody>
+          <a:bodyPr wrap="square">
+            <a:spAutoFit/>
+          </a:bodyPr>
+          <a:lstStyle/>
+          <a:p>
+            <a:r>
+              <a:rPr lang="en-US" dirty="0" smtClean="0"/>
+              <a:t>TODO</a:t>
+            </a:r>
+            <a:endParaRPr lang="en-IN" dirty="0"/>
+          </a:p>
+        </p:txBody>
+      </p:sp>
+    </p:spTree>
+    <p:extLst>
+      <p:ext uri="{BB962C8B-B14F-4D97-AF65-F5344CB8AC3E}">
+        <p14:creationId xmlns:p14="http://schemas.microsoft.com/office/powerpoint/2010/main" val="1587220367"/>
+      </p:ext>
+    </p:extLst>
+  </p:cSld>
+  <p:clrMapOvr>
+    <a:masterClrMapping/>
+  </p:clrMapOvr>
+  <p:timing>
+    <p:tnLst>
+      <p:par>
+        <p:cTn id="1" dur="indefinite" restart="never" nodeType="tmRoot"/>
+      </p:par>
+    </p:tnLst>
+  </p:timing>
+</p:sld>
+</file>
+
+<file path=ppt/slides/slide55.xml><?xml version="1.0" encoding="utf-8"?>
+<p:sld xmlns:a="http://schemas.openxmlformats.org/drawingml/2006/main" xmlns:r="http://schemas.openxmlformats.org/officeDocument/2006/relationships" xmlns:p="http://schemas.openxmlformats.org/presentationml/2006/main">
+  <p:cSld>
+    <p:spTree>
+      <p:nvGrpSpPr>
+        <p:cNvPr id="1" name=""/>
+        <p:cNvGrpSpPr/>
+        <p:nvPr/>
+      </p:nvGrpSpPr>
+      <p:grpSpPr>
+        <a:xfrm>
+          <a:off x="0" y="0"/>
+          <a:ext cx="0" cy="0"/>
+          <a:chOff x="0" y="0"/>
+          <a:chExt cx="0" cy="0"/>
+        </a:xfrm>
+      </p:grpSpPr>
+      <p:sp>
+        <p:nvSpPr>
+          <p:cNvPr id="6" name="Rectangle 5"/>
+          <p:cNvSpPr/>
+          <p:nvPr/>
+        </p:nvSpPr>
+        <p:spPr>
+          <a:xfrm>
+            <a:off x="0" y="0"/>
+            <a:ext cx="9144000" cy="584775"/>
+          </a:xfrm>
+          <a:prstGeom prst="rect">
+            <a:avLst/>
+          </a:prstGeom>
+          <a:solidFill>
+            <a:schemeClr val="accent4">
+              <a:lumMod val="75000"/>
+            </a:schemeClr>
+          </a:solidFill>
+        </p:spPr>
+        <p:txBody>
+          <a:bodyPr wrap="square">
+            <a:spAutoFit/>
+          </a:bodyPr>
+          <a:lstStyle/>
+          <a:p>
+            <a:pPr algn="r">
+              <a:spcBef>
+                <a:spcPct val="0"/>
+              </a:spcBef>
+            </a:pPr>
+            <a:r>
+              <a:rPr lang="en-IN" sz="3200" b="1" i="1" dirty="0" smtClean="0">
+                <a:solidFill>
+                  <a:srgbClr val="FFFF00"/>
+                </a:solidFill>
+                <a:latin typeface="Arial" pitchFamily="34" charset="0"/>
+                <a:cs typeface="Arial" pitchFamily="34" charset="0"/>
+              </a:rPr>
+              <a:t>MongoDB</a:t>
+            </a:r>
+            <a:r>
+              <a:rPr lang="en-US" sz="3200" b="1" i="1" dirty="0" smtClean="0">
+                <a:solidFill>
+                  <a:srgbClr val="FFFF00"/>
+                </a:solidFill>
+                <a:latin typeface="Arial" pitchFamily="34" charset="0"/>
+                <a:cs typeface="Arial" pitchFamily="34" charset="0"/>
+              </a:rPr>
+              <a:t> </a:t>
+            </a:r>
+            <a:r>
+              <a:rPr lang="en-IN" sz="3200" b="1" i="1" dirty="0">
+                <a:solidFill>
+                  <a:srgbClr val="FFFF00"/>
+                </a:solidFill>
+                <a:latin typeface="Arial" pitchFamily="34" charset="0"/>
+                <a:cs typeface="Arial" pitchFamily="34" charset="0"/>
+              </a:rPr>
+              <a:t> </a:t>
+            </a:r>
+          </a:p>
+        </p:txBody>
+      </p:sp>
+      <p:sp>
+        <p:nvSpPr>
+          <p:cNvPr id="7" name="Rectangle 6"/>
+          <p:cNvSpPr/>
+          <p:nvPr/>
+        </p:nvSpPr>
+        <p:spPr>
+          <a:xfrm>
+            <a:off x="149188" y="762000"/>
+            <a:ext cx="8845624" cy="369332"/>
+          </a:xfrm>
+          <a:prstGeom prst="rect">
+            <a:avLst/>
+          </a:prstGeom>
+        </p:spPr>
+        <p:txBody>
+          <a:bodyPr wrap="square">
+            <a:spAutoFit/>
+          </a:bodyPr>
+          <a:lstStyle/>
+          <a:p>
+            <a:r>
+              <a:rPr lang="en-US" dirty="0" smtClean="0"/>
+              <a:t>TODO</a:t>
+            </a:r>
+            <a:endParaRPr lang="en-IN" dirty="0"/>
+          </a:p>
+        </p:txBody>
+      </p:sp>
+    </p:spTree>
+    <p:extLst>
+      <p:ext uri="{BB962C8B-B14F-4D97-AF65-F5344CB8AC3E}">
+        <p14:creationId xmlns:p14="http://schemas.microsoft.com/office/powerpoint/2010/main" val="1863467568"/>
+      </p:ext>
+    </p:extLst>
+  </p:cSld>
+  <p:clrMapOvr>
+    <a:masterClrMapping/>
+  </p:clrMapOvr>
+  <p:timing>
+    <p:tnLst>
+      <p:par>
+        <p:cTn id="1" dur="indefinite" restart="never" nodeType="tmRoot"/>
+      </p:par>
+    </p:tnLst>
+  </p:timing>
+</p:sld>
+</file>
+
+<file path=ppt/slides/slide56.xml><?xml version="1.0" encoding="utf-8"?>
+<p:sld xmlns:a="http://schemas.openxmlformats.org/drawingml/2006/main" xmlns:r="http://schemas.openxmlformats.org/officeDocument/2006/relationships" xmlns:p="http://schemas.openxmlformats.org/presentationml/2006/main">
+  <p:cSld>
+    <p:spTree>
+      <p:nvGrpSpPr>
+        <p:cNvPr id="1" name=""/>
+        <p:cNvGrpSpPr/>
+        <p:nvPr/>
+      </p:nvGrpSpPr>
+      <p:grpSpPr>
+        <a:xfrm>
+          <a:off x="0" y="0"/>
+          <a:ext cx="0" cy="0"/>
+          <a:chOff x="0" y="0"/>
+          <a:chExt cx="0" cy="0"/>
+        </a:xfrm>
+      </p:grpSpPr>
+      <p:sp>
+        <p:nvSpPr>
+          <p:cNvPr id="6" name="Rectangle 5"/>
+          <p:cNvSpPr/>
+          <p:nvPr/>
+        </p:nvSpPr>
+        <p:spPr>
+          <a:xfrm>
+            <a:off x="0" y="0"/>
+            <a:ext cx="9144000" cy="584775"/>
+          </a:xfrm>
+          <a:prstGeom prst="rect">
+            <a:avLst/>
+          </a:prstGeom>
+          <a:solidFill>
+            <a:schemeClr val="accent4">
+              <a:lumMod val="75000"/>
+            </a:schemeClr>
+          </a:solidFill>
+        </p:spPr>
+        <p:txBody>
+          <a:bodyPr wrap="square">
+            <a:spAutoFit/>
+          </a:bodyPr>
+          <a:lstStyle/>
+          <a:p>
+            <a:pPr algn="r">
+              <a:spcBef>
+                <a:spcPct val="0"/>
+              </a:spcBef>
+            </a:pPr>
+            <a:r>
+              <a:rPr lang="en-IN" sz="3200" b="1" i="1" dirty="0" smtClean="0">
+                <a:solidFill>
+                  <a:srgbClr val="FFFF00"/>
+                </a:solidFill>
+                <a:latin typeface="Arial" pitchFamily="34" charset="0"/>
+                <a:cs typeface="Arial" pitchFamily="34" charset="0"/>
+              </a:rPr>
+              <a:t>MongoDB</a:t>
+            </a:r>
+            <a:r>
+              <a:rPr lang="en-US" sz="3200" b="1" i="1" dirty="0" smtClean="0">
+                <a:solidFill>
+                  <a:srgbClr val="FFFF00"/>
+                </a:solidFill>
+                <a:latin typeface="Arial" pitchFamily="34" charset="0"/>
+                <a:cs typeface="Arial" pitchFamily="34" charset="0"/>
+              </a:rPr>
+              <a:t> </a:t>
+            </a:r>
+            <a:r>
+              <a:rPr lang="en-IN" sz="3200" b="1" i="1" dirty="0">
+                <a:solidFill>
+                  <a:srgbClr val="FFFF00"/>
+                </a:solidFill>
+                <a:latin typeface="Arial" pitchFamily="34" charset="0"/>
+                <a:cs typeface="Arial" pitchFamily="34" charset="0"/>
+              </a:rPr>
+              <a:t> </a:t>
+            </a:r>
+          </a:p>
+        </p:txBody>
+      </p:sp>
+      <p:sp>
+        <p:nvSpPr>
+          <p:cNvPr id="7" name="Rectangle 6"/>
+          <p:cNvSpPr/>
+          <p:nvPr/>
+        </p:nvSpPr>
+        <p:spPr>
+          <a:xfrm>
+            <a:off x="149188" y="762000"/>
+            <a:ext cx="8845624" cy="369332"/>
+          </a:xfrm>
+          <a:prstGeom prst="rect">
+            <a:avLst/>
+          </a:prstGeom>
+        </p:spPr>
+        <p:txBody>
+          <a:bodyPr wrap="square">
+            <a:spAutoFit/>
+          </a:bodyPr>
+          <a:lstStyle/>
+          <a:p>
+            <a:r>
+              <a:rPr lang="en-US" dirty="0" smtClean="0"/>
+              <a:t>TODO</a:t>
+            </a:r>
+            <a:endParaRPr lang="en-IN" dirty="0"/>
+          </a:p>
+        </p:txBody>
+      </p:sp>
+    </p:spTree>
+    <p:extLst>
+      <p:ext uri="{BB962C8B-B14F-4D97-AF65-F5344CB8AC3E}">
+        <p14:creationId xmlns:p14="http://schemas.microsoft.com/office/powerpoint/2010/main" val="1971192509"/>
+      </p:ext>
+    </p:extLst>
+  </p:cSld>
+  <p:clrMapOvr>
+    <a:masterClrMapping/>
+  </p:clrMapOvr>
+  <p:timing>
+    <p:tnLst>
+      <p:par>
+        <p:cTn id="1" dur="indefinite" restart="never" nodeType="tmRoot"/>
+      </p:par>
+    </p:tnLst>
+  </p:timing>
+</p:sld>
+</file>
+
+<file path=ppt/slides/slide57.xml><?xml version="1.0" encoding="utf-8"?>
+<p:sld xmlns:a="http://schemas.openxmlformats.org/drawingml/2006/main" xmlns:r="http://schemas.openxmlformats.org/officeDocument/2006/relationships" xmlns:p="http://schemas.openxmlformats.org/presentationml/2006/main">
+  <p:cSld>
+    <p:spTree>
+      <p:nvGrpSpPr>
+        <p:cNvPr id="1" name=""/>
+        <p:cNvGrpSpPr/>
+        <p:nvPr/>
+      </p:nvGrpSpPr>
+      <p:grpSpPr>
+        <a:xfrm>
+          <a:off x="0" y="0"/>
+          <a:ext cx="0" cy="0"/>
+          <a:chOff x="0" y="0"/>
+          <a:chExt cx="0" cy="0"/>
+        </a:xfrm>
+      </p:grpSpPr>
+      <p:sp>
+        <p:nvSpPr>
+          <p:cNvPr id="4" name="Rectangle 3"/>
+          <p:cNvSpPr/>
+          <p:nvPr/>
+        </p:nvSpPr>
+        <p:spPr>
+          <a:xfrm>
+            <a:off x="0" y="0"/>
+            <a:ext cx="9144000" cy="584775"/>
+          </a:xfrm>
+          <a:prstGeom prst="rect">
+            <a:avLst/>
+          </a:prstGeom>
+          <a:solidFill>
+            <a:schemeClr val="bg2">
+              <a:lumMod val="10000"/>
+            </a:schemeClr>
+          </a:solidFill>
+        </p:spPr>
+        <p:txBody>
+          <a:bodyPr wrap="square">
+            <a:spAutoFit/>
+          </a:bodyPr>
+          <a:lstStyle/>
+          <a:p>
+            <a:pPr algn="r"/>
+            <a:r>
+              <a:rPr lang="en-IN" sz="3200" b="1" i="1" dirty="0" smtClean="0">
+                <a:solidFill>
+                  <a:srgbClr val="FFFF00"/>
+                </a:solidFill>
+                <a:latin typeface="Arial" pitchFamily="34" charset="0"/>
+                <a:cs typeface="Arial" pitchFamily="34" charset="0"/>
+              </a:rPr>
+              <a:t>IMP</a:t>
+            </a:r>
+            <a:endParaRPr lang="en-IN" sz="3200" b="1" i="1" dirty="0">
+              <a:solidFill>
+                <a:srgbClr val="FFFF00"/>
+              </a:solidFill>
+              <a:latin typeface="Arial" pitchFamily="34" charset="0"/>
+              <a:cs typeface="Arial" pitchFamily="34" charset="0"/>
+            </a:endParaRPr>
+          </a:p>
+        </p:txBody>
+      </p:sp>
+      <p:sp>
+        <p:nvSpPr>
+          <p:cNvPr id="2" name="Rectangle 1"/>
+          <p:cNvSpPr/>
+          <p:nvPr/>
+        </p:nvSpPr>
+        <p:spPr>
+          <a:xfrm>
+            <a:off x="145976" y="849264"/>
+            <a:ext cx="8845624" cy="369332"/>
+          </a:xfrm>
+          <a:prstGeom prst="rect">
+            <a:avLst/>
+          </a:prstGeom>
+        </p:spPr>
+        <p:txBody>
+          <a:bodyPr wrap="square">
+            <a:spAutoFit/>
+          </a:bodyPr>
+          <a:lstStyle/>
+          <a:p>
+            <a:r>
+              <a:rPr lang="en-IN" dirty="0" smtClean="0">
+                <a:solidFill>
+                  <a:srgbClr val="222222"/>
+                </a:solidFill>
+                <a:latin typeface="Verdana" panose="020B0604030504040204" pitchFamily="34" charset="0"/>
+              </a:rPr>
+              <a:t>1. Think </a:t>
+            </a:r>
+            <a:r>
+              <a:rPr lang="en-IN" dirty="0">
+                <a:solidFill>
+                  <a:srgbClr val="222222"/>
+                </a:solidFill>
+                <a:latin typeface="Verdana" panose="020B0604030504040204" pitchFamily="34" charset="0"/>
+              </a:rPr>
+              <a:t>about how multiplication can be done without actually </a:t>
+            </a:r>
+            <a:r>
+              <a:rPr lang="en-IN" dirty="0" smtClean="0">
+                <a:solidFill>
+                  <a:srgbClr val="222222"/>
+                </a:solidFill>
+                <a:latin typeface="Verdana" panose="020B0604030504040204" pitchFamily="34" charset="0"/>
+              </a:rPr>
+              <a:t>multiplying </a:t>
+            </a:r>
+            <a:endParaRPr lang="en-IN" dirty="0"/>
+          </a:p>
+        </p:txBody>
+      </p:sp>
+      <p:sp>
+        <p:nvSpPr>
+          <p:cNvPr id="3" name="TextBox 2"/>
+          <p:cNvSpPr txBox="1"/>
+          <p:nvPr/>
+        </p:nvSpPr>
+        <p:spPr>
+          <a:xfrm>
+            <a:off x="990600" y="2514600"/>
+            <a:ext cx="184731" cy="369332"/>
+          </a:xfrm>
+          <a:prstGeom prst="rect">
+            <a:avLst/>
+          </a:prstGeom>
+          <a:noFill/>
+        </p:spPr>
+        <p:txBody>
+          <a:bodyPr wrap="none" rtlCol="0">
+            <a:spAutoFit/>
+          </a:bodyPr>
+          <a:lstStyle/>
+          <a:p>
+            <a:endParaRPr lang="en-IN" dirty="0"/>
+          </a:p>
+        </p:txBody>
+      </p:sp>
+      <p:pic>
+        <p:nvPicPr>
+          <p:cNvPr id="5" name="Picture 4"/>
+          <p:cNvPicPr>
+            <a:picLocks noChangeAspect="1"/>
+          </p:cNvPicPr>
+          <p:nvPr/>
+        </p:nvPicPr>
+        <p:blipFill>
+          <a:blip r:embed="rId2"/>
+          <a:stretch>
+            <a:fillRect/>
+          </a:stretch>
+        </p:blipFill>
+        <p:spPr>
+          <a:xfrm>
+            <a:off x="304800" y="3700361"/>
+            <a:ext cx="4648200" cy="2471839"/>
+          </a:xfrm>
+          <a:prstGeom prst="rect">
+            <a:avLst/>
+          </a:prstGeom>
+        </p:spPr>
+      </p:pic>
+      <p:sp>
+        <p:nvSpPr>
+          <p:cNvPr id="6" name="Rectangle 5"/>
+          <p:cNvSpPr/>
+          <p:nvPr/>
+        </p:nvSpPr>
+        <p:spPr>
+          <a:xfrm>
+            <a:off x="145976" y="3243552"/>
+            <a:ext cx="1317990" cy="369332"/>
+          </a:xfrm>
+          <a:prstGeom prst="rect">
+            <a:avLst/>
+          </a:prstGeom>
+        </p:spPr>
+        <p:txBody>
+          <a:bodyPr wrap="none">
+            <a:spAutoFit/>
+          </a:bodyPr>
+          <a:lstStyle/>
+          <a:p>
+            <a:r>
+              <a:rPr lang="en-IN" dirty="0" smtClean="0">
+                <a:solidFill>
+                  <a:srgbClr val="222222"/>
+                </a:solidFill>
+                <a:latin typeface="Verdana" panose="020B0604030504040204" pitchFamily="34" charset="0"/>
+              </a:rPr>
+              <a:t>2. Square</a:t>
+            </a:r>
+            <a:endParaRPr lang="en-IN" dirty="0">
+              <a:solidFill>
+                <a:srgbClr val="222222"/>
+              </a:solidFill>
+              <a:latin typeface="Verdana" panose="020B0604030504040204" pitchFamily="34" charset="0"/>
+            </a:endParaRPr>
+          </a:p>
+        </p:txBody>
+      </p:sp>
+      <p:pic>
+        <p:nvPicPr>
+          <p:cNvPr id="8" name="Picture 7"/>
+          <p:cNvPicPr>
+            <a:picLocks noChangeAspect="1"/>
+          </p:cNvPicPr>
+          <p:nvPr/>
+        </p:nvPicPr>
+        <p:blipFill>
+          <a:blip r:embed="rId3"/>
+          <a:stretch>
+            <a:fillRect/>
+          </a:stretch>
+        </p:blipFill>
+        <p:spPr>
+          <a:xfrm>
+            <a:off x="533400" y="1250647"/>
+            <a:ext cx="4495800" cy="1883657"/>
+          </a:xfrm>
+          <a:prstGeom prst="rect">
+            <a:avLst/>
+          </a:prstGeom>
+        </p:spPr>
+      </p:pic>
+    </p:spTree>
+    <p:extLst>
+      <p:ext uri="{BB962C8B-B14F-4D97-AF65-F5344CB8AC3E}">
+        <p14:creationId xmlns:p14="http://schemas.microsoft.com/office/powerpoint/2010/main" val="3391323119"/>
+      </p:ext>
+    </p:extLst>
+  </p:cSld>
+  <p:clrMapOvr>
+    <a:masterClrMapping/>
+  </p:clrMapOvr>
+  <p:timing>
+    <p:tnLst>
+      <p:par>
+        <p:cTn id="1" dur="indefinite" restart="never" nodeType="tmRoot"/>
+      </p:par>
+    </p:tnLst>
+  </p:timing>
+</p:sld>
+</file>
+
+<file path=ppt/slides/slide58.xml><?xml version="1.0" encoding="utf-8"?>
+<p:sld xmlns:a="http://schemas.openxmlformats.org/drawingml/2006/main" xmlns:r="http://schemas.openxmlformats.org/officeDocument/2006/relationships" xmlns:p="http://schemas.openxmlformats.org/presentationml/2006/main">
+  <p:cSld>
+    <p:spTree>
+      <p:nvGrpSpPr>
+        <p:cNvPr id="1" name=""/>
+        <p:cNvGrpSpPr/>
+        <p:nvPr/>
+      </p:nvGrpSpPr>
+      <p:grpSpPr>
+        <a:xfrm>
+          <a:off x="0" y="0"/>
+          <a:ext cx="0" cy="0"/>
+          <a:chOff x="0" y="0"/>
+          <a:chExt cx="0" cy="0"/>
+        </a:xfrm>
+      </p:grpSpPr>
+      <p:pic>
+        <p:nvPicPr>
+          <p:cNvPr id="1026" name="Picture 2" descr="http://www.bvctch.vn/vnt_upload/weblink/thks.jpg"/>
+          <p:cNvPicPr>
+            <a:picLocks noChangeAspect="1" noChangeArrowheads="1"/>
+          </p:cNvPicPr>
+          <p:nvPr/>
+        </p:nvPicPr>
+        <p:blipFill>
+          <a:blip r:embed="rId2">
+            <a:extLst>
+              <a:ext uri="{28A0092B-C50C-407E-A947-70E740481C1C}">
+                <a14:useLocalDpi xmlns:a14="http://schemas.microsoft.com/office/drawing/2010/main" val="0"/>
+              </a:ext>
+            </a:extLst>
+          </a:blip>
+          <a:srcRect/>
+          <a:stretch>
+            <a:fillRect/>
+          </a:stretch>
+        </p:blipFill>
+        <p:spPr bwMode="auto">
+          <a:xfrm>
+            <a:off x="2895600" y="757237"/>
+            <a:ext cx="3124200" cy="4881563"/>
+          </a:xfrm>
+          <a:prstGeom prst="rect">
+            <a:avLst/>
+          </a:prstGeom>
+          <a:noFill/>
+          <a:extLst>
+            <a:ext uri="{909E8E84-426E-40DD-AFC4-6F175D3DCCD1}">
+              <a14:hiddenFill xmlns:a14="http://schemas.microsoft.com/office/drawing/2010/main">
+                <a:solidFill>
+                  <a:srgbClr val="FFFFFF"/>
+                </a:solidFill>
+              </a14:hiddenFill>
+            </a:ext>
+          </a:extLst>
+        </p:spPr>
+      </p:pic>
+      <p:sp>
+        <p:nvSpPr>
+          <p:cNvPr id="3" name="Rectangle 2"/>
+          <p:cNvSpPr/>
+          <p:nvPr/>
+        </p:nvSpPr>
+        <p:spPr>
+          <a:xfrm>
+            <a:off x="304800" y="5105400"/>
+            <a:ext cx="8610600" cy="1077218"/>
+          </a:xfrm>
+          <a:prstGeom prst="rect">
+            <a:avLst/>
+          </a:prstGeom>
+        </p:spPr>
+        <p:txBody>
+          <a:bodyPr wrap="square">
+            <a:spAutoFit/>
+          </a:bodyPr>
+          <a:lstStyle/>
+          <a:p>
+            <a:pPr algn="ctr"/>
+            <a:r>
+              <a:rPr lang="en-IN" sz="3200" dirty="0">
+                <a:solidFill>
+                  <a:srgbClr val="FE1212"/>
+                </a:solidFill>
+                <a:latin typeface="Segoe Print" panose="02000600000000000000" pitchFamily="2" charset="0"/>
+              </a:rPr>
+              <a:t>"Live as if you were to die tomorrow.</a:t>
+            </a:r>
+          </a:p>
+          <a:p>
+            <a:pPr algn="ctr"/>
+            <a:r>
+              <a:rPr lang="en-IN" sz="3200" dirty="0">
+                <a:solidFill>
+                  <a:srgbClr val="FE1212"/>
+                </a:solidFill>
+                <a:latin typeface="Segoe Print" panose="02000600000000000000" pitchFamily="2" charset="0"/>
+              </a:rPr>
+              <a:t>Learn as if you were to live forever"</a:t>
+            </a:r>
+          </a:p>
+        </p:txBody>
+      </p:sp>
+    </p:spTree>
+    <p:extLst>
+      <p:ext uri="{BB962C8B-B14F-4D97-AF65-F5344CB8AC3E}">
+        <p14:creationId xmlns:p14="http://schemas.microsoft.com/office/powerpoint/2010/main" val="1148130326"/>
+      </p:ext>
+    </p:extLst>
+  </p:cSld>
+  <p:clrMapOvr>
+    <a:masterClrMapping/>
+  </p:clrMapOvr>
+  <p:timing>
+    <p:tnLst>
+      <p:par>
+        <p:cTn id="1" dur="indefinite" restart="never" nodeType="tmRoot"/>
+      </p:par>
+    </p:tnLst>
+  </p:timing>
+</p:sld>
+</file>
+
+<file path=ppt/slides/slide59.xml><?xml version="1.0" encoding="utf-8"?>
+<p:sld xmlns:a="http://schemas.openxmlformats.org/drawingml/2006/main" xmlns:r="http://schemas.openxmlformats.org/officeDocument/2006/relationships" xmlns:p="http://schemas.openxmlformats.org/presentationml/2006/main">
+  <p:cSld>
+    <p:spTree>
+      <p:nvGrpSpPr>
+        <p:cNvPr id="1" name=""/>
+        <p:cNvGrpSpPr/>
+        <p:nvPr/>
+      </p:nvGrpSpPr>
+      <p:grpSpPr>
+        <a:xfrm>
+          <a:off x="0" y="0"/>
+          <a:ext cx="0" cy="0"/>
+          <a:chOff x="0" y="0"/>
+          <a:chExt cx="0" cy="0"/>
+        </a:xfrm>
+      </p:grpSpPr>
+      <p:sp>
+        <p:nvSpPr>
+          <p:cNvPr id="3" name="Rectangle 2"/>
+          <p:cNvSpPr/>
+          <p:nvPr/>
+        </p:nvSpPr>
+        <p:spPr>
+          <a:xfrm>
+            <a:off x="304800" y="1981200"/>
+            <a:ext cx="8305800" cy="1754326"/>
+          </a:xfrm>
+          <a:prstGeom prst="rect">
+            <a:avLst/>
+          </a:prstGeom>
+        </p:spPr>
+        <p:txBody>
+          <a:bodyPr wrap="square">
+            <a:spAutoFit/>
+          </a:bodyPr>
+          <a:lstStyle/>
+          <a:p>
+            <a:r>
+              <a:rPr lang="en-US" dirty="0"/>
+              <a:t>The ALTER TABLE...DROP UNUSED COLUMNS statement is the only action allowed on unused columns. It physically removes unused columns from the table and reclaims disk space</a:t>
+            </a:r>
+            <a:r>
+              <a:rPr lang="en-US" dirty="0" smtClean="0"/>
+              <a:t>.</a:t>
+            </a:r>
+          </a:p>
+          <a:p>
+            <a:endParaRPr lang="en-US" dirty="0" smtClean="0"/>
+          </a:p>
+          <a:p>
+            <a:r>
+              <a:rPr lang="en-US" dirty="0" smtClean="0">
+                <a:solidFill>
+                  <a:srgbClr val="FF0000"/>
+                </a:solidFill>
+              </a:rPr>
+              <a:t>alter </a:t>
+            </a:r>
+            <a:r>
+              <a:rPr lang="en-US" dirty="0">
+                <a:solidFill>
+                  <a:srgbClr val="FF0000"/>
+                </a:solidFill>
+              </a:rPr>
+              <a:t>table t set unused(c2);</a:t>
+            </a:r>
+          </a:p>
+          <a:p>
+            <a:r>
+              <a:rPr lang="en-US" dirty="0" smtClean="0">
+                <a:solidFill>
+                  <a:srgbClr val="FF0000"/>
+                </a:solidFill>
+              </a:rPr>
+              <a:t> </a:t>
+            </a:r>
+            <a:r>
+              <a:rPr lang="en-US" dirty="0">
+                <a:solidFill>
+                  <a:srgbClr val="FF0000"/>
+                </a:solidFill>
+              </a:rPr>
+              <a:t>alter table t drop unused column;</a:t>
+            </a:r>
+          </a:p>
+        </p:txBody>
+      </p:sp>
+    </p:spTree>
+    <p:extLst>
+      <p:ext uri="{BB962C8B-B14F-4D97-AF65-F5344CB8AC3E}">
+        <p14:creationId xmlns:p14="http://schemas.microsoft.com/office/powerpoint/2010/main" val="1183446369"/>
       </p:ext>
     </p:extLst>
   </p:cSld>
@@ -14157,6 +16114,143 @@
 </p:sld>
 </file>
 
+<file path=ppt/slides/slide60.xml><?xml version="1.0" encoding="utf-8"?>
+<p:sld xmlns:a="http://schemas.openxmlformats.org/drawingml/2006/main" xmlns:r="http://schemas.openxmlformats.org/officeDocument/2006/relationships" xmlns:p="http://schemas.openxmlformats.org/presentationml/2006/main">
+  <p:cSld>
+    <p:spTree>
+      <p:nvGrpSpPr>
+        <p:cNvPr id="1" name=""/>
+        <p:cNvGrpSpPr/>
+        <p:nvPr/>
+      </p:nvGrpSpPr>
+      <p:grpSpPr>
+        <a:xfrm>
+          <a:off x="0" y="0"/>
+          <a:ext cx="0" cy="0"/>
+          <a:chOff x="0" y="0"/>
+          <a:chExt cx="0" cy="0"/>
+        </a:xfrm>
+      </p:grpSpPr>
+      <p:sp>
+        <p:nvSpPr>
+          <p:cNvPr id="2" name="Rectangle 1"/>
+          <p:cNvSpPr/>
+          <p:nvPr/>
+        </p:nvSpPr>
+        <p:spPr>
+          <a:xfrm>
+            <a:off x="152400" y="228600"/>
+            <a:ext cx="8763000" cy="2862322"/>
+          </a:xfrm>
+          <a:prstGeom prst="rect">
+            <a:avLst/>
+          </a:prstGeom>
+        </p:spPr>
+        <p:txBody>
+          <a:bodyPr wrap="square">
+            <a:spAutoFit/>
+          </a:bodyPr>
+          <a:lstStyle/>
+          <a:p>
+            <a:r>
+              <a:rPr lang="en-US" dirty="0"/>
+              <a:t>create table book (id raw(16) primary key, data clob check(data is json</a:t>
+            </a:r>
+            <a:r>
+              <a:rPr lang="en-US" dirty="0" smtClean="0"/>
+              <a:t>));</a:t>
+            </a:r>
+          </a:p>
+          <a:p>
+            <a:endParaRPr lang="en-US" dirty="0"/>
+          </a:p>
+          <a:p>
+            <a:r>
+              <a:rPr lang="en-US" dirty="0"/>
+              <a:t>select book.* </a:t>
+            </a:r>
+          </a:p>
+          <a:p>
+            <a:r>
+              <a:rPr lang="en-US" dirty="0"/>
+              <a:t>	from books,</a:t>
+            </a:r>
+          </a:p>
+          <a:p>
+            <a:r>
+              <a:rPr lang="en-US" dirty="0"/>
+              <a:t>	</a:t>
+            </a:r>
+            <a:r>
+              <a:rPr lang="en-US" dirty="0" err="1"/>
+              <a:t>json_table</a:t>
+            </a:r>
+            <a:r>
+              <a:rPr lang="en-US" dirty="0"/>
+              <a:t>(data,'$'</a:t>
+            </a:r>
+          </a:p>
+          <a:p>
+            <a:r>
+              <a:rPr lang="en-US" dirty="0"/>
+              <a:t>	columns(</a:t>
+            </a:r>
+            <a:r>
+              <a:rPr lang="en-US" dirty="0" err="1"/>
+              <a:t>isbn</a:t>
+            </a:r>
+            <a:r>
+              <a:rPr lang="en-US" dirty="0"/>
+              <a:t>   varchar2(20) path '$.</a:t>
+            </a:r>
+            <a:r>
+              <a:rPr lang="en-US" dirty="0" err="1"/>
+              <a:t>isbn</a:t>
+            </a:r>
+            <a:r>
+              <a:rPr lang="en-US" dirty="0"/>
+              <a:t>',</a:t>
+            </a:r>
+          </a:p>
+          <a:p>
+            <a:r>
+              <a:rPr lang="en-US" dirty="0"/>
+              <a:t>		title  varchar2(20) path '$.title',</a:t>
+            </a:r>
+          </a:p>
+          <a:p>
+            <a:r>
+              <a:rPr lang="en-US" dirty="0"/>
+              <a:t>		price  varchar2(10) path '$.price',</a:t>
+            </a:r>
+          </a:p>
+          <a:p>
+            <a:r>
+              <a:rPr lang="en-US" dirty="0"/>
+              <a:t>		author varchar2(20) path '$.author',</a:t>
+            </a:r>
+          </a:p>
+          <a:p>
+            <a:r>
+              <a:rPr lang="en-US" dirty="0"/>
+              <a:t>		phone  varchar2(10) path '$.phone')) book</a:t>
+            </a:r>
+          </a:p>
+        </p:txBody>
+      </p:sp>
+    </p:spTree>
+    <p:extLst>
+      <p:ext uri="{BB962C8B-B14F-4D97-AF65-F5344CB8AC3E}">
+        <p14:creationId xmlns:p14="http://schemas.microsoft.com/office/powerpoint/2010/main" val="1501210411"/>
+      </p:ext>
+    </p:extLst>
+  </p:cSld>
+  <p:clrMapOvr>
+    <a:masterClrMapping/>
+  </p:clrMapOvr>
+</p:sld>
+</file>
+
 <file path=ppt/slides/slide7.xml><?xml version="1.0" encoding="utf-8"?>
 <p:sld xmlns:a="http://schemas.openxmlformats.org/drawingml/2006/main" xmlns:r="http://schemas.openxmlformats.org/officeDocument/2006/relationships" xmlns:p="http://schemas.openxmlformats.org/presentationml/2006/main">
   <p:cSld>
@@ -14255,11 +16349,7 @@
             </a:r>
             <a:r>
               <a:rPr lang="en-US" dirty="0"/>
-              <a:t> are three defining properties or dimensions of big data</a:t>
-            </a:r>
-            <a:r>
-              <a:rPr lang="en-US" dirty="0"/>
-              <a:t>.</a:t>
+              <a:t> are three defining properties or dimensions of big data.</a:t>
             </a:r>
           </a:p>
           <a:p>
@@ -14442,11 +16532,11 @@
   <p:clrMapOvr>
     <a:masterClrMapping/>
   </p:clrMapOvr>
-  <mc:AlternateContent xmlns:mc="http://schemas.openxmlformats.org/markup-compatibility/2006">
-    <mc:Choice xmlns:p14="http://schemas.microsoft.com/office/powerpoint/2010/main" Requires="p14">
+  <mc:AlternateContent xmlns:mc="http://schemas.openxmlformats.org/markup-compatibility/2006" xmlns:p14="http://schemas.microsoft.com/office/powerpoint/2010/main">
+    <mc:Choice Requires="p14">
       <p:transition spd="slow" p14:dur="2000"/>
     </mc:Choice>
-    <mc:Fallback>
+    <mc:Fallback xmlns="">
       <p:transition spd="slow"/>
     </mc:Fallback>
   </mc:AlternateContent>

--- a/MongoDB.pptx
+++ b/MongoDB.pptx
@@ -5,7 +5,7 @@
     <p:sldMasterId id="2147483720" r:id="rId1"/>
   </p:sldMasterIdLst>
   <p:notesMasterIdLst>
-    <p:notesMasterId r:id="rId62"/>
+    <p:notesMasterId r:id="rId63"/>
   </p:notesMasterIdLst>
   <p:sldIdLst>
     <p:sldId id="497" r:id="rId2"/>
@@ -32,42 +32,43 @@
     <p:sldId id="1142" r:id="rId23"/>
     <p:sldId id="1143" r:id="rId24"/>
     <p:sldId id="1144" r:id="rId25"/>
-    <p:sldId id="1098" r:id="rId26"/>
-    <p:sldId id="1090" r:id="rId27"/>
-    <p:sldId id="1099" r:id="rId28"/>
-    <p:sldId id="1092" r:id="rId29"/>
-    <p:sldId id="1102" r:id="rId30"/>
-    <p:sldId id="1103" r:id="rId31"/>
-    <p:sldId id="1104" r:id="rId32"/>
-    <p:sldId id="1105" r:id="rId33"/>
-    <p:sldId id="1106" r:id="rId34"/>
-    <p:sldId id="1107" r:id="rId35"/>
-    <p:sldId id="1108" r:id="rId36"/>
-    <p:sldId id="1109" r:id="rId37"/>
-    <p:sldId id="1110" r:id="rId38"/>
-    <p:sldId id="1111" r:id="rId39"/>
-    <p:sldId id="1112" r:id="rId40"/>
-    <p:sldId id="1113" r:id="rId41"/>
-    <p:sldId id="1114" r:id="rId42"/>
-    <p:sldId id="1115" r:id="rId43"/>
-    <p:sldId id="1116" r:id="rId44"/>
-    <p:sldId id="1117" r:id="rId45"/>
-    <p:sldId id="1118" r:id="rId46"/>
-    <p:sldId id="1119" r:id="rId47"/>
-    <p:sldId id="1120" r:id="rId48"/>
-    <p:sldId id="1121" r:id="rId49"/>
-    <p:sldId id="1122" r:id="rId50"/>
-    <p:sldId id="1123" r:id="rId51"/>
-    <p:sldId id="1124" r:id="rId52"/>
-    <p:sldId id="1125" r:id="rId53"/>
-    <p:sldId id="1126" r:id="rId54"/>
-    <p:sldId id="1127" r:id="rId55"/>
-    <p:sldId id="1128" r:id="rId56"/>
-    <p:sldId id="1129" r:id="rId57"/>
-    <p:sldId id="954" r:id="rId58"/>
-    <p:sldId id="788" r:id="rId59"/>
-    <p:sldId id="1071" r:id="rId60"/>
-    <p:sldId id="1087" r:id="rId61"/>
+    <p:sldId id="1145" r:id="rId26"/>
+    <p:sldId id="1098" r:id="rId27"/>
+    <p:sldId id="1090" r:id="rId28"/>
+    <p:sldId id="1099" r:id="rId29"/>
+    <p:sldId id="1092" r:id="rId30"/>
+    <p:sldId id="1102" r:id="rId31"/>
+    <p:sldId id="1103" r:id="rId32"/>
+    <p:sldId id="1104" r:id="rId33"/>
+    <p:sldId id="1105" r:id="rId34"/>
+    <p:sldId id="1106" r:id="rId35"/>
+    <p:sldId id="1107" r:id="rId36"/>
+    <p:sldId id="1108" r:id="rId37"/>
+    <p:sldId id="1109" r:id="rId38"/>
+    <p:sldId id="1110" r:id="rId39"/>
+    <p:sldId id="1111" r:id="rId40"/>
+    <p:sldId id="1112" r:id="rId41"/>
+    <p:sldId id="1113" r:id="rId42"/>
+    <p:sldId id="1114" r:id="rId43"/>
+    <p:sldId id="1115" r:id="rId44"/>
+    <p:sldId id="1116" r:id="rId45"/>
+    <p:sldId id="1117" r:id="rId46"/>
+    <p:sldId id="1118" r:id="rId47"/>
+    <p:sldId id="1119" r:id="rId48"/>
+    <p:sldId id="1120" r:id="rId49"/>
+    <p:sldId id="1121" r:id="rId50"/>
+    <p:sldId id="1122" r:id="rId51"/>
+    <p:sldId id="1123" r:id="rId52"/>
+    <p:sldId id="1124" r:id="rId53"/>
+    <p:sldId id="1125" r:id="rId54"/>
+    <p:sldId id="1126" r:id="rId55"/>
+    <p:sldId id="1127" r:id="rId56"/>
+    <p:sldId id="1128" r:id="rId57"/>
+    <p:sldId id="1129" r:id="rId58"/>
+    <p:sldId id="954" r:id="rId59"/>
+    <p:sldId id="788" r:id="rId60"/>
+    <p:sldId id="1071" r:id="rId61"/>
+    <p:sldId id="1087" r:id="rId62"/>
   </p:sldIdLst>
   <p:sldSz cx="9144000" cy="6858000" type="screen4x3"/>
   <p:notesSz cx="6858000" cy="9144000"/>
@@ -6224,7 +6225,7 @@
         <p:spPr>
           <a:xfrm>
             <a:off x="152400" y="1192887"/>
-            <a:ext cx="2488886" cy="430887"/>
+            <a:ext cx="3097323" cy="369332"/>
           </a:xfrm>
           <a:prstGeom prst="rect">
             <a:avLst/>
@@ -6237,16 +6238,18 @@
           <a:lstStyle/>
           <a:p>
             <a:r>
-              <a:rPr lang="en-US" sz="2200" dirty="0">
+              <a:rPr lang="en-US" dirty="0">
                 <a:solidFill>
                   <a:srgbClr val="049DC8"/>
                 </a:solidFill>
-                <a:latin typeface="Calibri" panose="020F0502020204030204" pitchFamily="34" charset="0"/>
+                <a:latin typeface="Consolas" panose="020B0609020204030204" pitchFamily="49" charset="0"/>
                 <a:cs typeface="Calibri" panose="020F0502020204030204" pitchFamily="34" charset="0"/>
               </a:rPr>
               <a:t>{ field: {$eq: value} }</a:t>
             </a:r>
-            <a:endParaRPr lang="en-US" sz="2200" dirty="0"/>
+            <a:endParaRPr lang="en-US" dirty="0">
+              <a:latin typeface="Consolas" panose="020B0609020204030204" pitchFamily="49" charset="0"/>
+            </a:endParaRPr>
           </a:p>
         </p:txBody>
       </p:sp>
@@ -6300,7 +6303,7 @@
         <p:spPr>
           <a:xfrm>
             <a:off x="4800600" y="1176064"/>
-            <a:ext cx="2488886" cy="430887"/>
+            <a:ext cx="3097323" cy="369332"/>
           </a:xfrm>
           <a:prstGeom prst="rect">
             <a:avLst/>
@@ -6313,36 +6316,35 @@
           <a:lstStyle/>
           <a:p>
             <a:r>
-              <a:rPr lang="en-US" sz="2200" dirty="0">
+              <a:rPr lang="en-US" dirty="0">
                 <a:solidFill>
                   <a:srgbClr val="049DC8"/>
                 </a:solidFill>
-                <a:latin typeface="Calibri" panose="020F0502020204030204" pitchFamily="34" charset="0"/>
+                <a:latin typeface="Consolas" panose="020B0609020204030204" pitchFamily="49" charset="0"/>
                 <a:cs typeface="Calibri" panose="020F0502020204030204" pitchFamily="34" charset="0"/>
               </a:rPr>
               <a:t>{ field: </a:t>
             </a:r>
             <a:r>
-              <a:rPr lang="en-US" sz="2200" dirty="0" smtClean="0">
+              <a:rPr lang="en-US" dirty="0">
                 <a:solidFill>
                   <a:srgbClr val="049DC8"/>
                 </a:solidFill>
-                <a:latin typeface="Calibri" panose="020F0502020204030204" pitchFamily="34" charset="0"/>
+                <a:latin typeface="Consolas" panose="020B0609020204030204" pitchFamily="49" charset="0"/>
                 <a:cs typeface="Calibri" panose="020F0502020204030204" pitchFamily="34" charset="0"/>
               </a:rPr>
               <a:t>{$ne: </a:t>
             </a:r>
             <a:r>
-              <a:rPr lang="en-US" sz="2200" dirty="0">
+              <a:rPr lang="en-US" dirty="0">
                 <a:solidFill>
                   <a:srgbClr val="049DC8"/>
                 </a:solidFill>
-                <a:latin typeface="Calibri" panose="020F0502020204030204" pitchFamily="34" charset="0"/>
+                <a:latin typeface="Consolas" panose="020B0609020204030204" pitchFamily="49" charset="0"/>
                 <a:cs typeface="Calibri" panose="020F0502020204030204" pitchFamily="34" charset="0"/>
               </a:rPr>
               <a:t>value} }</a:t>
             </a:r>
-            <a:endParaRPr lang="en-US" sz="2200" dirty="0"/>
           </a:p>
         </p:txBody>
       </p:sp>
@@ -6396,7 +6398,7 @@
         <p:spPr>
           <a:xfrm>
             <a:off x="157348" y="2481765"/>
-            <a:ext cx="2423677" cy="430887"/>
+            <a:ext cx="3097323" cy="369332"/>
           </a:xfrm>
           <a:prstGeom prst="rect">
             <a:avLst/>
@@ -6409,36 +6411,35 @@
           <a:lstStyle/>
           <a:p>
             <a:r>
-              <a:rPr lang="en-US" sz="2200" dirty="0">
+              <a:rPr lang="en-US" dirty="0">
                 <a:solidFill>
                   <a:srgbClr val="049DC8"/>
                 </a:solidFill>
-                <a:latin typeface="Calibri" panose="020F0502020204030204" pitchFamily="34" charset="0"/>
+                <a:latin typeface="Consolas" panose="020B0609020204030204" pitchFamily="49" charset="0"/>
                 <a:cs typeface="Calibri" panose="020F0502020204030204" pitchFamily="34" charset="0"/>
               </a:rPr>
               <a:t>{ field: </a:t>
             </a:r>
             <a:r>
-              <a:rPr lang="en-US" sz="2200" dirty="0" smtClean="0">
+              <a:rPr lang="en-US" dirty="0">
                 <a:solidFill>
                   <a:srgbClr val="049DC8"/>
                 </a:solidFill>
-                <a:latin typeface="Calibri" panose="020F0502020204030204" pitchFamily="34" charset="0"/>
+                <a:latin typeface="Consolas" panose="020B0609020204030204" pitchFamily="49" charset="0"/>
                 <a:cs typeface="Calibri" panose="020F0502020204030204" pitchFamily="34" charset="0"/>
               </a:rPr>
               <a:t>{$gt: </a:t>
             </a:r>
             <a:r>
-              <a:rPr lang="en-US" sz="2200" dirty="0">
+              <a:rPr lang="en-US" dirty="0">
                 <a:solidFill>
                   <a:srgbClr val="049DC8"/>
                 </a:solidFill>
-                <a:latin typeface="Calibri" panose="020F0502020204030204" pitchFamily="34" charset="0"/>
+                <a:latin typeface="Consolas" panose="020B0609020204030204" pitchFamily="49" charset="0"/>
                 <a:cs typeface="Calibri" panose="020F0502020204030204" pitchFamily="34" charset="0"/>
               </a:rPr>
               <a:t>value} }</a:t>
             </a:r>
-            <a:endParaRPr lang="en-US" sz="2200" dirty="0"/>
           </a:p>
         </p:txBody>
       </p:sp>
@@ -6492,7 +6493,7 @@
         <p:spPr>
           <a:xfrm>
             <a:off x="4805548" y="2464942"/>
-            <a:ext cx="2561727" cy="430887"/>
+            <a:ext cx="3223959" cy="369332"/>
           </a:xfrm>
           <a:prstGeom prst="rect">
             <a:avLst/>
@@ -6505,36 +6506,35 @@
           <a:lstStyle/>
           <a:p>
             <a:r>
-              <a:rPr lang="en-US" sz="2200" dirty="0">
+              <a:rPr lang="en-US" dirty="0">
                 <a:solidFill>
                   <a:srgbClr val="049DC8"/>
                 </a:solidFill>
-                <a:latin typeface="Calibri" panose="020F0502020204030204" pitchFamily="34" charset="0"/>
+                <a:latin typeface="Consolas" panose="020B0609020204030204" pitchFamily="49" charset="0"/>
                 <a:cs typeface="Calibri" panose="020F0502020204030204" pitchFamily="34" charset="0"/>
               </a:rPr>
               <a:t>{ field: </a:t>
             </a:r>
             <a:r>
-              <a:rPr lang="en-US" sz="2200" dirty="0" smtClean="0">
+              <a:rPr lang="en-US" dirty="0">
                 <a:solidFill>
                   <a:srgbClr val="049DC8"/>
                 </a:solidFill>
-                <a:latin typeface="Calibri" panose="020F0502020204030204" pitchFamily="34" charset="0"/>
+                <a:latin typeface="Consolas" panose="020B0609020204030204" pitchFamily="49" charset="0"/>
                 <a:cs typeface="Calibri" panose="020F0502020204030204" pitchFamily="34" charset="0"/>
               </a:rPr>
               <a:t>{$gte: </a:t>
             </a:r>
             <a:r>
-              <a:rPr lang="en-US" sz="2200" dirty="0">
+              <a:rPr lang="en-US" dirty="0">
                 <a:solidFill>
                   <a:srgbClr val="049DC8"/>
                 </a:solidFill>
-                <a:latin typeface="Calibri" panose="020F0502020204030204" pitchFamily="34" charset="0"/>
+                <a:latin typeface="Consolas" panose="020B0609020204030204" pitchFamily="49" charset="0"/>
                 <a:cs typeface="Calibri" panose="020F0502020204030204" pitchFamily="34" charset="0"/>
               </a:rPr>
               <a:t>value} }</a:t>
             </a:r>
-            <a:endParaRPr lang="en-US" sz="2200" dirty="0"/>
           </a:p>
         </p:txBody>
       </p:sp>
@@ -6588,7 +6588,7 @@
         <p:spPr>
           <a:xfrm>
             <a:off x="217609" y="3795383"/>
-            <a:ext cx="2359044" cy="430887"/>
+            <a:ext cx="3097323" cy="369332"/>
           </a:xfrm>
           <a:prstGeom prst="rect">
             <a:avLst/>
@@ -6601,36 +6601,35 @@
           <a:lstStyle/>
           <a:p>
             <a:r>
-              <a:rPr lang="en-US" sz="2200" dirty="0">
+              <a:rPr lang="en-US" dirty="0">
                 <a:solidFill>
                   <a:srgbClr val="049DC8"/>
                 </a:solidFill>
-                <a:latin typeface="Calibri" panose="020F0502020204030204" pitchFamily="34" charset="0"/>
+                <a:latin typeface="Consolas" panose="020B0609020204030204" pitchFamily="49" charset="0"/>
                 <a:cs typeface="Calibri" panose="020F0502020204030204" pitchFamily="34" charset="0"/>
               </a:rPr>
               <a:t>{ field: </a:t>
             </a:r>
             <a:r>
-              <a:rPr lang="en-US" sz="2200" dirty="0" smtClean="0">
+              <a:rPr lang="en-US" dirty="0">
                 <a:solidFill>
                   <a:srgbClr val="049DC8"/>
                 </a:solidFill>
-                <a:latin typeface="Calibri" panose="020F0502020204030204" pitchFamily="34" charset="0"/>
+                <a:latin typeface="Consolas" panose="020B0609020204030204" pitchFamily="49" charset="0"/>
                 <a:cs typeface="Calibri" panose="020F0502020204030204" pitchFamily="34" charset="0"/>
               </a:rPr>
               <a:t>{$lt: </a:t>
             </a:r>
             <a:r>
-              <a:rPr lang="en-US" sz="2200" dirty="0">
+              <a:rPr lang="en-US" dirty="0">
                 <a:solidFill>
                   <a:srgbClr val="049DC8"/>
                 </a:solidFill>
-                <a:latin typeface="Calibri" panose="020F0502020204030204" pitchFamily="34" charset="0"/>
+                <a:latin typeface="Consolas" panose="020B0609020204030204" pitchFamily="49" charset="0"/>
                 <a:cs typeface="Calibri" panose="020F0502020204030204" pitchFamily="34" charset="0"/>
               </a:rPr>
               <a:t>value} }</a:t>
             </a:r>
-            <a:endParaRPr lang="en-US" sz="2200" dirty="0"/>
           </a:p>
         </p:txBody>
       </p:sp>
@@ -6684,7 +6683,7 @@
         <p:spPr>
           <a:xfrm>
             <a:off x="4865809" y="3778560"/>
-            <a:ext cx="2497094" cy="430887"/>
+            <a:ext cx="3223959" cy="369332"/>
           </a:xfrm>
           <a:prstGeom prst="rect">
             <a:avLst/>
@@ -6697,36 +6696,35 @@
           <a:lstStyle/>
           <a:p>
             <a:r>
-              <a:rPr lang="en-US" sz="2200" dirty="0">
+              <a:rPr lang="en-US" dirty="0">
                 <a:solidFill>
                   <a:srgbClr val="049DC8"/>
                 </a:solidFill>
-                <a:latin typeface="Calibri" panose="020F0502020204030204" pitchFamily="34" charset="0"/>
+                <a:latin typeface="Consolas" panose="020B0609020204030204" pitchFamily="49" charset="0"/>
                 <a:cs typeface="Calibri" panose="020F0502020204030204" pitchFamily="34" charset="0"/>
               </a:rPr>
               <a:t>{ field: </a:t>
             </a:r>
             <a:r>
-              <a:rPr lang="en-US" sz="2200" dirty="0" smtClean="0">
+              <a:rPr lang="en-US" dirty="0">
                 <a:solidFill>
                   <a:srgbClr val="049DC8"/>
                 </a:solidFill>
-                <a:latin typeface="Calibri" panose="020F0502020204030204" pitchFamily="34" charset="0"/>
+                <a:latin typeface="Consolas" panose="020B0609020204030204" pitchFamily="49" charset="0"/>
                 <a:cs typeface="Calibri" panose="020F0502020204030204" pitchFamily="34" charset="0"/>
               </a:rPr>
               <a:t>{$lte: </a:t>
             </a:r>
             <a:r>
-              <a:rPr lang="en-US" sz="2200" dirty="0">
+              <a:rPr lang="en-US" dirty="0">
                 <a:solidFill>
                   <a:srgbClr val="049DC8"/>
                 </a:solidFill>
-                <a:latin typeface="Calibri" panose="020F0502020204030204" pitchFamily="34" charset="0"/>
+                <a:latin typeface="Consolas" panose="020B0609020204030204" pitchFamily="49" charset="0"/>
                 <a:cs typeface="Calibri" panose="020F0502020204030204" pitchFamily="34" charset="0"/>
               </a:rPr>
               <a:t>value} }</a:t>
             </a:r>
-            <a:endParaRPr lang="en-US" sz="2200" dirty="0"/>
           </a:p>
         </p:txBody>
       </p:sp>
@@ -6780,7 +6778,7 @@
         <p:spPr>
           <a:xfrm>
             <a:off x="282242" y="5091189"/>
-            <a:ext cx="5734775" cy="430887"/>
+            <a:ext cx="6896440" cy="369332"/>
           </a:xfrm>
           <a:prstGeom prst="rect">
             <a:avLst/>
@@ -6793,36 +6791,42 @@
           <a:lstStyle/>
           <a:p>
             <a:r>
-              <a:rPr lang="en-US" sz="2200" dirty="0" smtClean="0">
+              <a:rPr lang="en-US" dirty="0">
                 <a:solidFill>
                   <a:srgbClr val="049DC8"/>
                 </a:solidFill>
-                <a:latin typeface="Calibri" panose="020F0502020204030204" pitchFamily="34" charset="0"/>
+                <a:latin typeface="Consolas" panose="020B0609020204030204" pitchFamily="49" charset="0"/>
                 <a:cs typeface="Calibri" panose="020F0502020204030204" pitchFamily="34" charset="0"/>
               </a:rPr>
               <a:t>{ field</a:t>
             </a:r>
             <a:r>
-              <a:rPr lang="en-US" sz="2200" dirty="0">
+              <a:rPr lang="en-US" dirty="0">
                 <a:solidFill>
                   <a:srgbClr val="049DC8"/>
                 </a:solidFill>
-                <a:latin typeface="Calibri" panose="020F0502020204030204" pitchFamily="34" charset="0"/>
+                <a:latin typeface="Consolas" panose="020B0609020204030204" pitchFamily="49" charset="0"/>
                 <a:cs typeface="Calibri" panose="020F0502020204030204" pitchFamily="34" charset="0"/>
               </a:rPr>
               <a:t>: {$in: [&lt;value1&gt;, &lt;value2&gt;, ..., &lt;valueN</a:t>
             </a:r>
             <a:r>
-              <a:rPr lang="en-US" sz="2200" dirty="0" smtClean="0">
+              <a:rPr lang="en-US" dirty="0">
                 <a:solidFill>
                   <a:srgbClr val="049DC8"/>
                 </a:solidFill>
-                <a:latin typeface="Calibri" panose="020F0502020204030204" pitchFamily="34" charset="0"/>
+                <a:latin typeface="Consolas" panose="020B0609020204030204" pitchFamily="49" charset="0"/>
                 <a:cs typeface="Calibri" panose="020F0502020204030204" pitchFamily="34" charset="0"/>
               </a:rPr>
               <a:t>&gt;]} }</a:t>
             </a:r>
-            <a:endParaRPr lang="en-US" sz="2200" dirty="0"/>
+            <a:endParaRPr lang="en-US" dirty="0">
+              <a:solidFill>
+                <a:srgbClr val="049DC8"/>
+              </a:solidFill>
+              <a:latin typeface="Consolas" panose="020B0609020204030204" pitchFamily="49" charset="0"/>
+              <a:cs typeface="Calibri" panose="020F0502020204030204" pitchFamily="34" charset="0"/>
+            </a:endParaRPr>
           </a:p>
         </p:txBody>
       </p:sp>
@@ -7593,30 +7597,89 @@
         </p:nvSpPr>
         <p:spPr>
           <a:xfrm>
-            <a:off x="152400" y="1192887"/>
-            <a:ext cx="8342152" cy="430887"/>
-          </a:xfrm>
-          <a:prstGeom prst="rect">
-            <a:avLst/>
-          </a:prstGeom>
-        </p:spPr>
-        <p:txBody>
-          <a:bodyPr wrap="square">
+            <a:off x="170434" y="1196156"/>
+            <a:ext cx="7276351" cy="369332"/>
+          </a:xfrm>
+          <a:prstGeom prst="rect">
+            <a:avLst/>
+          </a:prstGeom>
+        </p:spPr>
+        <p:txBody>
+          <a:bodyPr wrap="none">
             <a:spAutoFit/>
           </a:bodyPr>
           <a:lstStyle/>
           <a:p>
             <a:r>
-              <a:rPr lang="en-US" sz="2200" dirty="0">
+              <a:rPr lang="en-US" dirty="0">
                 <a:solidFill>
                   <a:srgbClr val="049DC8"/>
                 </a:solidFill>
-                <a:latin typeface="Calibri" panose="020F0502020204030204" pitchFamily="34" charset="0"/>
+                <a:latin typeface="Consolas" panose="020B0609020204030204" pitchFamily="49" charset="0"/>
                 <a:cs typeface="Calibri" panose="020F0502020204030204" pitchFamily="34" charset="0"/>
               </a:rPr>
-              <a:t>{ $or: [ { &lt;expression1&gt; }, { &lt;expression2&gt; }, ... , { &lt;expressionN&gt; } ] }</a:t>
-            </a:r>
-            <a:endParaRPr lang="en-US" sz="2200" dirty="0"/>
+              <a:t>{ $or: [ { &lt;</a:t>
+            </a:r>
+            <a:r>
+              <a:rPr lang="en-US" dirty="0" smtClean="0">
+                <a:solidFill>
+                  <a:srgbClr val="049DC8"/>
+                </a:solidFill>
+                <a:latin typeface="Consolas" panose="020B0609020204030204" pitchFamily="49" charset="0"/>
+                <a:cs typeface="Calibri" panose="020F0502020204030204" pitchFamily="34" charset="0"/>
+              </a:rPr>
+              <a:t>expr1</a:t>
+            </a:r>
+            <a:r>
+              <a:rPr lang="en-US" dirty="0">
+                <a:solidFill>
+                  <a:srgbClr val="049DC8"/>
+                </a:solidFill>
+                <a:latin typeface="Consolas" panose="020B0609020204030204" pitchFamily="49" charset="0"/>
+                <a:cs typeface="Calibri" panose="020F0502020204030204" pitchFamily="34" charset="0"/>
+              </a:rPr>
+              <a:t>&gt; }, { &lt;</a:t>
+            </a:r>
+            <a:r>
+              <a:rPr lang="en-US" dirty="0" smtClean="0">
+                <a:solidFill>
+                  <a:srgbClr val="049DC8"/>
+                </a:solidFill>
+                <a:latin typeface="Consolas" panose="020B0609020204030204" pitchFamily="49" charset="0"/>
+                <a:cs typeface="Calibri" panose="020F0502020204030204" pitchFamily="34" charset="0"/>
+              </a:rPr>
+              <a:t>expr2</a:t>
+            </a:r>
+            <a:r>
+              <a:rPr lang="en-US" dirty="0">
+                <a:solidFill>
+                  <a:srgbClr val="049DC8"/>
+                </a:solidFill>
+                <a:latin typeface="Consolas" panose="020B0609020204030204" pitchFamily="49" charset="0"/>
+                <a:cs typeface="Calibri" panose="020F0502020204030204" pitchFamily="34" charset="0"/>
+              </a:rPr>
+              <a:t>&gt; }, ... , { &lt;</a:t>
+            </a:r>
+            <a:r>
+              <a:rPr lang="en-US" dirty="0" smtClean="0">
+                <a:solidFill>
+                  <a:srgbClr val="049DC8"/>
+                </a:solidFill>
+                <a:latin typeface="Consolas" panose="020B0609020204030204" pitchFamily="49" charset="0"/>
+                <a:cs typeface="Calibri" panose="020F0502020204030204" pitchFamily="34" charset="0"/>
+              </a:rPr>
+              <a:t>exprN</a:t>
+            </a:r>
+            <a:r>
+              <a:rPr lang="en-US" dirty="0">
+                <a:solidFill>
+                  <a:srgbClr val="049DC8"/>
+                </a:solidFill>
+                <a:latin typeface="Consolas" panose="020B0609020204030204" pitchFamily="49" charset="0"/>
+                <a:cs typeface="Calibri" panose="020F0502020204030204" pitchFamily="34" charset="0"/>
+              </a:rPr>
+              <a:t>&gt; } ] }</a:t>
+            </a:r>
           </a:p>
         </p:txBody>
       </p:sp>
@@ -7669,8 +7732,8 @@
         </p:nvSpPr>
         <p:spPr>
           <a:xfrm>
-            <a:off x="168234" y="3074460"/>
-            <a:ext cx="8326318" cy="430887"/>
+            <a:off x="186268" y="3077729"/>
+            <a:ext cx="7402989" cy="369332"/>
           </a:xfrm>
           <a:prstGeom prst="rect">
             <a:avLst/>
@@ -7683,36 +7746,32 @@
           <a:lstStyle/>
           <a:p>
             <a:r>
-              <a:rPr lang="en-US" sz="2200" dirty="0">
+              <a:rPr lang="en-US" dirty="0">
                 <a:solidFill>
                   <a:srgbClr val="049DC8"/>
                 </a:solidFill>
-                <a:latin typeface="Calibri" panose="020F0502020204030204" pitchFamily="34" charset="0"/>
+                <a:latin typeface="Consolas" panose="020B0609020204030204" pitchFamily="49" charset="0"/>
                 <a:cs typeface="Calibri" panose="020F0502020204030204" pitchFamily="34" charset="0"/>
               </a:rPr>
               <a:t>{ </a:t>
             </a:r>
             <a:r>
-              <a:rPr lang="en-US" sz="2200" dirty="0" smtClean="0">
+              <a:rPr lang="en-US" dirty="0">
                 <a:solidFill>
                   <a:srgbClr val="049DC8"/>
                 </a:solidFill>
-                <a:latin typeface="Calibri" panose="020F0502020204030204" pitchFamily="34" charset="0"/>
+                <a:latin typeface="Consolas" panose="020B0609020204030204" pitchFamily="49" charset="0"/>
                 <a:cs typeface="Calibri" panose="020F0502020204030204" pitchFamily="34" charset="0"/>
               </a:rPr>
-              <a:t>$and: </a:t>
-            </a:r>
-            <a:r>
-              <a:rPr lang="en-US" sz="2200" dirty="0">
-                <a:solidFill>
-                  <a:srgbClr val="049DC8"/>
-                </a:solidFill>
-                <a:latin typeface="Calibri" panose="020F0502020204030204" pitchFamily="34" charset="0"/>
-                <a:cs typeface="Calibri" panose="020F0502020204030204" pitchFamily="34" charset="0"/>
-              </a:rPr>
-              <a:t>[ { &lt;expression1&gt; }, { &lt;expression2&gt; }, ... , { &lt;expressionN&gt; } ] }</a:t>
-            </a:r>
-            <a:endParaRPr lang="en-US" sz="2200" dirty="0"/>
+              <a:t>$and: [ { &lt;expr1&gt; }, { &lt;expr2&gt; }, ... , { &lt;exprN&gt; } ] }</a:t>
+            </a:r>
+            <a:endParaRPr lang="en-US" dirty="0">
+              <a:solidFill>
+                <a:srgbClr val="049DC8"/>
+              </a:solidFill>
+              <a:latin typeface="Consolas" panose="020B0609020204030204" pitchFamily="49" charset="0"/>
+              <a:cs typeface="Calibri" panose="020F0502020204030204" pitchFamily="34" charset="0"/>
+            </a:endParaRPr>
           </a:p>
         </p:txBody>
       </p:sp>
@@ -7765,30 +7824,29 @@
         </p:nvSpPr>
         <p:spPr>
           <a:xfrm>
-            <a:off x="168234" y="4884601"/>
-            <a:ext cx="8326318" cy="430887"/>
-          </a:xfrm>
-          <a:prstGeom prst="rect">
-            <a:avLst/>
-          </a:prstGeom>
-        </p:spPr>
-        <p:txBody>
-          <a:bodyPr wrap="square">
+            <a:off x="186268" y="4887870"/>
+            <a:ext cx="6009979" cy="369332"/>
+          </a:xfrm>
+          <a:prstGeom prst="rect">
+            <a:avLst/>
+          </a:prstGeom>
+        </p:spPr>
+        <p:txBody>
+          <a:bodyPr wrap="none">
             <a:spAutoFit/>
           </a:bodyPr>
           <a:lstStyle/>
           <a:p>
             <a:r>
-              <a:rPr lang="en-US" sz="2200" dirty="0">
+              <a:rPr lang="en-US" dirty="0">
                 <a:solidFill>
                   <a:srgbClr val="049DC8"/>
                 </a:solidFill>
-                <a:latin typeface="Calibri" panose="020F0502020204030204" pitchFamily="34" charset="0"/>
+                <a:latin typeface="Consolas" panose="020B0609020204030204" pitchFamily="49" charset="0"/>
                 <a:cs typeface="Calibri" panose="020F0502020204030204" pitchFamily="34" charset="0"/>
               </a:rPr>
               <a:t>{ field: { $not: { &lt;operator-expression&gt; } } }</a:t>
             </a:r>
-            <a:endParaRPr lang="en-US" sz="2200" dirty="0"/>
           </a:p>
         </p:txBody>
       </p:sp>
@@ -8070,11 +8128,11 @@
   <p:clrMapOvr>
     <a:masterClrMapping/>
   </p:clrMapOvr>
-  <mc:AlternateContent xmlns:mc="http://schemas.openxmlformats.org/markup-compatibility/2006">
-    <mc:Choice xmlns:p14="http://schemas.microsoft.com/office/powerpoint/2010/main" Requires="p14">
+  <mc:AlternateContent xmlns:mc="http://schemas.openxmlformats.org/markup-compatibility/2006" xmlns:p14="http://schemas.microsoft.com/office/powerpoint/2010/main">
+    <mc:Choice Requires="p14">
       <p:transition spd="slow" p14:dur="2000"/>
     </mc:Choice>
-    <mc:Fallback>
+    <mc:Fallback xmlns="">
       <p:transition spd="slow"/>
     </mc:Fallback>
   </mc:AlternateContent>
@@ -8229,7 +8287,7 @@
         <p:spPr>
           <a:xfrm>
             <a:off x="304800" y="1383966"/>
-            <a:ext cx="2083455" cy="1055545"/>
+            <a:ext cx="1957587" cy="646331"/>
           </a:xfrm>
           <a:prstGeom prst="rect">
             <a:avLst/>
@@ -8241,75 +8299,53 @@
           </a:bodyPr>
           <a:lstStyle/>
           <a:p>
-            <a:pPr>
-              <a:lnSpc>
-                <a:spcPct val="150000"/>
-              </a:lnSpc>
-            </a:pPr>
-            <a:r>
-              <a:rPr lang="en-US" sz="2200" dirty="0">
+            <a:r>
+              <a:rPr lang="en-US" dirty="0">
                 <a:solidFill>
                   <a:srgbClr val="049DC8"/>
                 </a:solidFill>
-                <a:latin typeface="Calibri" panose="020F0502020204030204" pitchFamily="34" charset="0"/>
+                <a:latin typeface="Consolas" panose="020B0609020204030204" pitchFamily="49" charset="0"/>
                 <a:cs typeface="Calibri" panose="020F0502020204030204" pitchFamily="34" charset="0"/>
               </a:rPr>
-              <a:t>show</a:t>
-            </a:r>
-            <a:r>
-              <a:rPr lang="en-US" sz="2000" dirty="0">
+              <a:t>show </a:t>
+            </a:r>
+            <a:r>
+              <a:rPr lang="en-US" dirty="0">
+                <a:solidFill>
+                  <a:srgbClr val="049DC8"/>
+                </a:solidFill>
                 <a:latin typeface="Consolas" panose="020B0609020204030204" pitchFamily="49" charset="0"/>
-              </a:rPr>
-              <a:t> </a:t>
-            </a:r>
-            <a:r>
-              <a:rPr lang="en-US" sz="2200" dirty="0" smtClean="0">
+                <a:cs typeface="Calibri" panose="020F0502020204030204" pitchFamily="34" charset="0"/>
+              </a:rPr>
+              <a:t>dbs</a:t>
+            </a:r>
+          </a:p>
+          <a:p>
+            <a:r>
+              <a:rPr lang="en-US" dirty="0">
                 <a:solidFill>
                   <a:srgbClr val="049DC8"/>
                 </a:solidFill>
-                <a:latin typeface="Calibri" panose="020F0502020204030204" pitchFamily="34" charset="0"/>
+                <a:latin typeface="Consolas" panose="020B0609020204030204" pitchFamily="49" charset="0"/>
                 <a:cs typeface="Calibri" panose="020F0502020204030204" pitchFamily="34" charset="0"/>
               </a:rPr>
-              <a:t>dbs</a:t>
-            </a:r>
-          </a:p>
-          <a:p>
-            <a:pPr>
-              <a:lnSpc>
-                <a:spcPct val="150000"/>
-              </a:lnSpc>
-            </a:pPr>
-            <a:r>
-              <a:rPr lang="en-US" sz="2200" dirty="0">
+              <a:t>show </a:t>
+            </a:r>
+            <a:r>
+              <a:rPr lang="en-US" dirty="0">
                 <a:solidFill>
                   <a:srgbClr val="049DC8"/>
                 </a:solidFill>
-                <a:latin typeface="Calibri" panose="020F0502020204030204" pitchFamily="34" charset="0"/>
+                <a:latin typeface="Consolas" panose="020B0609020204030204" pitchFamily="49" charset="0"/>
                 <a:cs typeface="Calibri" panose="020F0502020204030204" pitchFamily="34" charset="0"/>
               </a:rPr>
-              <a:t>show</a:t>
-            </a:r>
-            <a:r>
-              <a:rPr lang="en-US" sz="2000" dirty="0">
-                <a:latin typeface="Consolas" panose="020B0609020204030204" pitchFamily="49" charset="0"/>
-              </a:rPr>
-              <a:t> </a:t>
-            </a:r>
-            <a:r>
-              <a:rPr lang="en-US" sz="2200" dirty="0" smtClean="0">
-                <a:solidFill>
-                  <a:srgbClr val="049DC8"/>
-                </a:solidFill>
-                <a:latin typeface="Calibri" panose="020F0502020204030204" pitchFamily="34" charset="0"/>
-                <a:cs typeface="Calibri" panose="020F0502020204030204" pitchFamily="34" charset="0"/>
-              </a:rPr>
               <a:t>databases</a:t>
             </a:r>
-            <a:endParaRPr lang="en-US" sz="2200" dirty="0">
+            <a:endParaRPr lang="en-US" dirty="0">
               <a:solidFill>
                 <a:srgbClr val="049DC8"/>
               </a:solidFill>
-              <a:latin typeface="Calibri" panose="020F0502020204030204" pitchFamily="34" charset="0"/>
+              <a:latin typeface="Consolas" panose="020B0609020204030204" pitchFamily="49" charset="0"/>
               <a:cs typeface="Calibri" panose="020F0502020204030204" pitchFamily="34" charset="0"/>
             </a:endParaRPr>
           </a:p>
@@ -8449,11 +8485,11 @@
   <p:clrMapOvr>
     <a:masterClrMapping/>
   </p:clrMapOvr>
-  <mc:AlternateContent xmlns:mc="http://schemas.openxmlformats.org/markup-compatibility/2006">
-    <mc:Choice xmlns:p14="http://schemas.microsoft.com/office/powerpoint/2010/main" Requires="p14">
+  <mc:AlternateContent xmlns:mc="http://schemas.openxmlformats.org/markup-compatibility/2006" xmlns:p14="http://schemas.microsoft.com/office/powerpoint/2010/main">
+    <mc:Choice Requires="p14">
       <p:transition spd="slow" p14:dur="2000"/>
     </mc:Choice>
-    <mc:Fallback>
+    <mc:Fallback xmlns="">
       <p:transition spd="slow"/>
     </mc:Fallback>
   </mc:AlternateContent>
@@ -8603,7 +8639,7 @@
         <p:spPr>
           <a:xfrm>
             <a:off x="304800" y="1566753"/>
-            <a:ext cx="1225015" cy="547714"/>
+            <a:ext cx="1197764" cy="369332"/>
           </a:xfrm>
           <a:prstGeom prst="rect">
             <a:avLst/>
@@ -8615,26 +8651,21 @@
           </a:bodyPr>
           <a:lstStyle/>
           <a:p>
-            <a:pPr>
-              <a:lnSpc>
-                <a:spcPct val="150000"/>
-              </a:lnSpc>
-            </a:pPr>
-            <a:r>
-              <a:rPr lang="en-US" sz="2200" dirty="0" smtClean="0">
+            <a:r>
+              <a:rPr lang="en-US" dirty="0">
                 <a:solidFill>
                   <a:srgbClr val="049DC8"/>
                 </a:solidFill>
-                <a:latin typeface="Calibri" panose="020F0502020204030204" pitchFamily="34" charset="0"/>
+                <a:latin typeface="Consolas" panose="020B0609020204030204" pitchFamily="49" charset="0"/>
                 <a:cs typeface="Calibri" panose="020F0502020204030204" pitchFamily="34" charset="0"/>
               </a:rPr>
               <a:t>use &lt;db&gt;</a:t>
             </a:r>
-            <a:endParaRPr lang="en-US" sz="2200" dirty="0">
+            <a:endParaRPr lang="en-US" dirty="0">
               <a:solidFill>
                 <a:srgbClr val="049DC8"/>
               </a:solidFill>
-              <a:latin typeface="Calibri" panose="020F0502020204030204" pitchFamily="34" charset="0"/>
+              <a:latin typeface="Consolas" panose="020B0609020204030204" pitchFamily="49" charset="0"/>
               <a:cs typeface="Calibri" panose="020F0502020204030204" pitchFamily="34" charset="0"/>
             </a:endParaRPr>
           </a:p>
@@ -8950,11 +8981,11 @@
   <p:clrMapOvr>
     <a:masterClrMapping/>
   </p:clrMapOvr>
-  <mc:AlternateContent xmlns:mc="http://schemas.openxmlformats.org/markup-compatibility/2006">
-    <mc:Choice xmlns:p14="http://schemas.microsoft.com/office/powerpoint/2010/main" Requires="p14">
+  <mc:AlternateContent xmlns:mc="http://schemas.openxmlformats.org/markup-compatibility/2006" xmlns:p14="http://schemas.microsoft.com/office/powerpoint/2010/main">
+    <mc:Choice Requires="p14">
       <p:transition spd="slow" p14:dur="2000"/>
     </mc:Choice>
-    <mc:Fallback>
+    <mc:Fallback xmlns="">
       <p:transition spd="slow"/>
     </mc:Fallback>
   </mc:AlternateContent>
@@ -9077,7 +9108,7 @@
         <p:spPr>
           <a:xfrm>
             <a:off x="304800" y="1383966"/>
-            <a:ext cx="3025893" cy="1107996"/>
+            <a:ext cx="3097323" cy="646331"/>
           </a:xfrm>
           <a:prstGeom prst="rect">
             <a:avLst/>
@@ -9089,59 +9120,43 @@
           </a:bodyPr>
           <a:lstStyle/>
           <a:p>
-            <a:pPr>
-              <a:lnSpc>
-                <a:spcPct val="150000"/>
-              </a:lnSpc>
-            </a:pPr>
-            <a:r>
-              <a:rPr lang="en-US" sz="2200" dirty="0">
+            <a:r>
+              <a:rPr lang="en-US" dirty="0">
                 <a:solidFill>
                   <a:srgbClr val="049DC8"/>
                 </a:solidFill>
-                <a:latin typeface="Calibri" panose="020F0502020204030204" pitchFamily="34" charset="0"/>
+                <a:latin typeface="Consolas" panose="020B0609020204030204" pitchFamily="49" charset="0"/>
                 <a:cs typeface="Calibri" panose="020F0502020204030204" pitchFamily="34" charset="0"/>
               </a:rPr>
-              <a:t>show</a:t>
-            </a:r>
-            <a:r>
-              <a:rPr lang="en-US" sz="2000" dirty="0">
+              <a:t>show </a:t>
+            </a:r>
+            <a:r>
+              <a:rPr lang="en-US" dirty="0">
+                <a:solidFill>
+                  <a:srgbClr val="049DC8"/>
+                </a:solidFill>
                 <a:latin typeface="Consolas" panose="020B0609020204030204" pitchFamily="49" charset="0"/>
-              </a:rPr>
-              <a:t> </a:t>
-            </a:r>
-            <a:r>
-              <a:rPr lang="en-US" sz="2200" dirty="0" smtClean="0">
+                <a:cs typeface="Calibri" panose="020F0502020204030204" pitchFamily="34" charset="0"/>
+              </a:rPr>
+              <a:t>collection</a:t>
+            </a:r>
+          </a:p>
+          <a:p>
+            <a:r>
+              <a:rPr lang="en-US" dirty="0">
                 <a:solidFill>
                   <a:srgbClr val="049DC8"/>
                 </a:solidFill>
-                <a:latin typeface="Calibri" panose="020F0502020204030204" pitchFamily="34" charset="0"/>
+                <a:latin typeface="Consolas" panose="020B0609020204030204" pitchFamily="49" charset="0"/>
                 <a:cs typeface="Calibri" panose="020F0502020204030204" pitchFamily="34" charset="0"/>
               </a:rPr>
-              <a:t>collection</a:t>
-            </a:r>
-          </a:p>
-          <a:p>
-            <a:pPr>
-              <a:lnSpc>
-                <a:spcPct val="150000"/>
-              </a:lnSpc>
-            </a:pPr>
-            <a:r>
-              <a:rPr lang="en-US" sz="2200" dirty="0" smtClean="0">
-                <a:solidFill>
-                  <a:srgbClr val="049DC8"/>
-                </a:solidFill>
-                <a:latin typeface="Calibri" panose="020F0502020204030204" pitchFamily="34" charset="0"/>
-                <a:cs typeface="Calibri" panose="020F0502020204030204" pitchFamily="34" charset="0"/>
-              </a:rPr>
               <a:t>db.getCollectionNames()</a:t>
             </a:r>
-            <a:endParaRPr lang="en-US" sz="2200" dirty="0">
+            <a:endParaRPr lang="en-US" dirty="0">
               <a:solidFill>
                 <a:srgbClr val="049DC8"/>
               </a:solidFill>
-              <a:latin typeface="Calibri" panose="020F0502020204030204" pitchFamily="34" charset="0"/>
+              <a:latin typeface="Consolas" panose="020B0609020204030204" pitchFamily="49" charset="0"/>
               <a:cs typeface="Calibri" panose="020F0502020204030204" pitchFamily="34" charset="0"/>
             </a:endParaRPr>
           </a:p>
@@ -9289,11 +9304,11 @@
   <p:clrMapOvr>
     <a:masterClrMapping/>
   </p:clrMapOvr>
-  <mc:AlternateContent xmlns:mc="http://schemas.openxmlformats.org/markup-compatibility/2006">
-    <mc:Choice xmlns:p14="http://schemas.microsoft.com/office/powerpoint/2010/main" Requires="p14">
+  <mc:AlternateContent xmlns:mc="http://schemas.openxmlformats.org/markup-compatibility/2006" xmlns:p14="http://schemas.microsoft.com/office/powerpoint/2010/main">
+    <mc:Choice Requires="p14">
       <p:transition spd="slow" p14:dur="2000"/>
     </mc:Choice>
-    <mc:Fallback>
+    <mc:Fallback xmlns="">
       <p:transition spd="slow"/>
     </mc:Fallback>
   </mc:AlternateContent>
@@ -9415,8 +9430,8 @@
         </p:nvSpPr>
         <p:spPr>
           <a:xfrm>
-            <a:off x="154136" y="1371600"/>
-            <a:ext cx="4289188" cy="1107996"/>
+            <a:off x="154136" y="1563469"/>
+            <a:ext cx="4870244" cy="646331"/>
           </a:xfrm>
           <a:prstGeom prst="rect">
             <a:avLst/>
@@ -9428,81 +9443,71 @@
           </a:bodyPr>
           <a:lstStyle/>
           <a:p>
-            <a:pPr>
-              <a:lnSpc>
-                <a:spcPct val="150000"/>
-              </a:lnSpc>
-            </a:pPr>
-            <a:r>
-              <a:rPr lang="en-US" sz="2200" dirty="0">
+            <a:r>
+              <a:rPr lang="en-US" dirty="0">
                 <a:solidFill>
                   <a:srgbClr val="049DC8"/>
                 </a:solidFill>
-                <a:latin typeface="Calibri" panose="020F0502020204030204" pitchFamily="34" charset="0"/>
+                <a:latin typeface="Consolas" panose="020B0609020204030204" pitchFamily="49" charset="0"/>
                 <a:cs typeface="Calibri" panose="020F0502020204030204" pitchFamily="34" charset="0"/>
               </a:rPr>
               <a:t>db ['emp'].find </a:t>
             </a:r>
             <a:r>
-              <a:rPr lang="en-US" sz="2200" dirty="0" smtClean="0">
+              <a:rPr lang="en-US" dirty="0">
                 <a:solidFill>
                   <a:srgbClr val="049DC8"/>
                 </a:solidFill>
-                <a:latin typeface="Calibri" panose="020F0502020204030204" pitchFamily="34" charset="0"/>
+                <a:latin typeface="Consolas" panose="020B0609020204030204" pitchFamily="49" charset="0"/>
                 <a:cs typeface="Calibri" panose="020F0502020204030204" pitchFamily="34" charset="0"/>
               </a:rPr>
               <a:t>(</a:t>
             </a:r>
             <a:r>
-              <a:rPr lang="en-US" sz="2200" dirty="0">
+              <a:rPr lang="en-US" dirty="0">
                 <a:solidFill>
                   <a:srgbClr val="049DC8"/>
                 </a:solidFill>
-                <a:latin typeface="Calibri" panose="020F0502020204030204" pitchFamily="34" charset="0"/>
+                <a:latin typeface="Consolas" panose="020B0609020204030204" pitchFamily="49" charset="0"/>
                 <a:cs typeface="Calibri" panose="020F0502020204030204" pitchFamily="34" charset="0"/>
               </a:rPr>
               <a:t>query, projection</a:t>
             </a:r>
             <a:r>
-              <a:rPr lang="en-US" sz="2200" dirty="0" smtClean="0">
+              <a:rPr lang="en-US" dirty="0">
                 <a:solidFill>
                   <a:srgbClr val="049DC8"/>
                 </a:solidFill>
-                <a:latin typeface="Calibri" panose="020F0502020204030204" pitchFamily="34" charset="0"/>
+                <a:latin typeface="Consolas" panose="020B0609020204030204" pitchFamily="49" charset="0"/>
                 <a:cs typeface="Calibri" panose="020F0502020204030204" pitchFamily="34" charset="0"/>
               </a:rPr>
               <a:t>) </a:t>
             </a:r>
-            <a:endParaRPr lang="en-US" sz="2200" dirty="0">
+            <a:endParaRPr lang="en-US" dirty="0">
               <a:solidFill>
                 <a:srgbClr val="049DC8"/>
               </a:solidFill>
-              <a:latin typeface="Calibri" panose="020F0502020204030204" pitchFamily="34" charset="0"/>
+              <a:latin typeface="Consolas" panose="020B0609020204030204" pitchFamily="49" charset="0"/>
               <a:cs typeface="Calibri" panose="020F0502020204030204" pitchFamily="34" charset="0"/>
             </a:endParaRPr>
           </a:p>
           <a:p>
-            <a:pPr>
-              <a:lnSpc>
-                <a:spcPct val="150000"/>
-              </a:lnSpc>
-            </a:pPr>
-            <a:r>
-              <a:rPr lang="en-US" sz="2200" dirty="0" smtClean="0">
+            <a:r>
+              <a:rPr lang="en-US" dirty="0">
                 <a:solidFill>
                   <a:srgbClr val="049DC8"/>
                 </a:solidFill>
-                <a:latin typeface="Calibri" panose="020F0502020204030204" pitchFamily="34" charset="0"/>
+                <a:latin typeface="Consolas" panose="020B0609020204030204" pitchFamily="49" charset="0"/>
                 <a:cs typeface="Calibri" panose="020F0502020204030204" pitchFamily="34" charset="0"/>
               </a:rPr>
               <a:t>db.collection.find(query</a:t>
             </a:r>
             <a:r>
-              <a:rPr lang="en-US" sz="2200" dirty="0">
+              <a:rPr lang="en-US" dirty="0">
                 <a:solidFill>
                   <a:srgbClr val="049DC8"/>
                 </a:solidFill>
-                <a:latin typeface="Calibri" panose="020F0502020204030204" pitchFamily="34" charset="0"/>
+                <a:latin typeface="Consolas" panose="020B0609020204030204" pitchFamily="49" charset="0"/>
                 <a:cs typeface="Calibri" panose="020F0502020204030204" pitchFamily="34" charset="0"/>
               </a:rPr>
               <a:t>, projection)</a:t>
@@ -9617,7 +9622,7 @@
         <p:spPr>
           <a:xfrm>
             <a:off x="178876" y="4625783"/>
-            <a:ext cx="4254498" cy="547714"/>
+            <a:ext cx="5250155" cy="369332"/>
           </a:xfrm>
           <a:prstGeom prst="rect">
             <a:avLst/>
@@ -9629,40 +9634,15 @@
           </a:bodyPr>
           <a:lstStyle/>
           <a:p>
-            <a:pPr>
-              <a:lnSpc>
-                <a:spcPct val="150000"/>
-              </a:lnSpc>
-            </a:pPr>
-            <a:r>
-              <a:rPr lang="en-US" sz="2200" dirty="0">
+            <a:r>
+              <a:rPr lang="en-US" dirty="0">
                 <a:solidFill>
                   <a:srgbClr val="049DC8"/>
                 </a:solidFill>
-                <a:latin typeface="Calibri" panose="020F0502020204030204" pitchFamily="34" charset="0"/>
+                <a:latin typeface="Consolas" panose="020B0609020204030204" pitchFamily="49" charset="0"/>
                 <a:cs typeface="Calibri" panose="020F0502020204030204" pitchFamily="34" charset="0"/>
               </a:rPr>
-              <a:t>{ </a:t>
-            </a:r>
-            <a:r>
-              <a:rPr lang="en-US" sz="2200" dirty="0">
-                <a:solidFill>
-                  <a:srgbClr val="049DC8"/>
-                </a:solidFill>
-                <a:latin typeface="Calibri" panose="020F0502020204030204" pitchFamily="34" charset="0"/>
-                <a:cs typeface="Calibri" panose="020F0502020204030204" pitchFamily="34" charset="0"/>
-              </a:rPr>
-              <a:t>field1</a:t>
-            </a:r>
-            <a:r>
-              <a:rPr lang="en-US" sz="2200" dirty="0">
-                <a:solidFill>
-                  <a:srgbClr val="049DC8"/>
-                </a:solidFill>
-                <a:latin typeface="Calibri" panose="020F0502020204030204" pitchFamily="34" charset="0"/>
-                <a:cs typeface="Calibri" panose="020F0502020204030204" pitchFamily="34" charset="0"/>
-              </a:rPr>
-              <a:t>: &lt;value&gt;, field2: &lt;value&gt; ... }</a:t>
+              <a:t>{ field1: &lt;value&gt;, field2: &lt;value&gt; ... }</a:t>
             </a:r>
           </a:p>
         </p:txBody>
@@ -9675,7 +9655,7 @@
         </p:nvSpPr>
         <p:spPr>
           <a:xfrm>
-            <a:off x="173928" y="5325070"/>
+            <a:off x="173928" y="5096470"/>
             <a:ext cx="8820884" cy="923330"/>
           </a:xfrm>
           <a:prstGeom prst="rect">
@@ -9763,8 +9743,8 @@
         </p:nvSpPr>
         <p:spPr>
           <a:xfrm>
-            <a:off x="4819160" y="4284598"/>
-            <a:ext cx="4315934" cy="923330"/>
+            <a:off x="4888676" y="619526"/>
+            <a:ext cx="4219700" cy="877163"/>
           </a:xfrm>
           <a:prstGeom prst="rect">
             <a:avLst/>
@@ -9780,7 +9760,7 @@
           <a:lstStyle/>
           <a:p>
             <a:r>
-              <a:rPr lang="en-US" dirty="0">
+              <a:rPr lang="en-US" sz="1700" dirty="0">
                 <a:solidFill>
                   <a:schemeClr val="bg2">
                     <a:lumMod val="25000"/>
@@ -9789,13 +9769,6 @@
               </a:rPr>
               <a:t>A projection cannot contain both include and exclude specifications, except for the exclusion of the _id field. </a:t>
             </a:r>
-            <a:endParaRPr lang="en-US" dirty="0">
-              <a:solidFill>
-                <a:schemeClr val="bg2">
-                  <a:lumMod val="25000"/>
-                </a:schemeClr>
-              </a:solidFill>
-            </a:endParaRPr>
           </a:p>
         </p:txBody>
       </p:sp>
@@ -9875,7 +9848,17 @@
                 <a:latin typeface="Arial" pitchFamily="34" charset="0"/>
                 <a:cs typeface="Arial" pitchFamily="34" charset="0"/>
               </a:rPr>
-              <a:t>db.collection.find()</a:t>
+              <a:t>db.collection.find</a:t>
+            </a:r>
+            <a:r>
+              <a:rPr lang="en-IN" sz="3200" b="1" i="1" dirty="0" smtClean="0">
+                <a:solidFill>
+                  <a:srgbClr val="FFFF00"/>
+                </a:solidFill>
+                <a:latin typeface="Arial" pitchFamily="34" charset="0"/>
+                <a:cs typeface="Arial" pitchFamily="34" charset="0"/>
+              </a:rPr>
+              <a:t>()</a:t>
             </a:r>
             <a:r>
               <a:rPr lang="en-IN" sz="3200" b="1" i="1" dirty="0">
@@ -9921,21 +9904,21 @@
       </p:sp>
       <p:sp>
         <p:nvSpPr>
-          <p:cNvPr id="4" name="Rectangle 3"/>
+          <p:cNvPr id="9" name="Rectangle 8"/>
           <p:cNvSpPr/>
           <p:nvPr/>
         </p:nvSpPr>
         <p:spPr>
           <a:xfrm>
-            <a:off x="154136" y="1524000"/>
-            <a:ext cx="4289188" cy="547714"/>
-          </a:xfrm>
-          <a:prstGeom prst="rect">
-            <a:avLst/>
-          </a:prstGeom>
-        </p:spPr>
-        <p:txBody>
-          <a:bodyPr wrap="none">
+            <a:off x="149188" y="2329696"/>
+            <a:ext cx="8845624" cy="3647152"/>
+          </a:xfrm>
+          <a:prstGeom prst="rect">
+            <a:avLst/>
+          </a:prstGeom>
+        </p:spPr>
+        <p:txBody>
+          <a:bodyPr wrap="square">
             <a:spAutoFit/>
           </a:bodyPr>
           <a:lstStyle/>
@@ -9948,36 +9931,20 @@
             <a:r>
               <a:rPr lang="en-US" sz="2200" dirty="0">
                 <a:solidFill>
-                  <a:srgbClr val="049DC8"/>
-                </a:solidFill>
-                <a:latin typeface="Calibri" panose="020F0502020204030204" pitchFamily="34" charset="0"/>
-                <a:cs typeface="Calibri" panose="020F0502020204030204" pitchFamily="34" charset="0"/>
-              </a:rPr>
-              <a:t>db.collection.find(query, projection)</a:t>
-            </a:r>
-          </a:p>
-        </p:txBody>
-      </p:sp>
-      <p:sp>
-        <p:nvSpPr>
-          <p:cNvPr id="9" name="Rectangle 8"/>
-          <p:cNvSpPr/>
-          <p:nvPr/>
-        </p:nvSpPr>
-        <p:spPr>
-          <a:xfrm>
-            <a:off x="149188" y="2329696"/>
-            <a:ext cx="8845624" cy="3076548"/>
-          </a:xfrm>
-          <a:prstGeom prst="rect">
-            <a:avLst/>
-          </a:prstGeom>
-        </p:spPr>
-        <p:txBody>
-          <a:bodyPr wrap="square">
-            <a:spAutoFit/>
-          </a:bodyPr>
-          <a:lstStyle/>
+                  <a:srgbClr val="FC6F0D"/>
+                </a:solidFill>
+              </a:rPr>
+              <a:t>db.emp.find</a:t>
+            </a:r>
+            <a:r>
+              <a:rPr lang="en-US" sz="2200" dirty="0" smtClean="0">
+                <a:solidFill>
+                  <a:srgbClr val="FC6F0D"/>
+                </a:solidFill>
+              </a:rPr>
+              <a:t>();</a:t>
+            </a:r>
+          </a:p>
           <a:p>
             <a:pPr>
               <a:lnSpc>
@@ -9990,15 +9957,7 @@
                   <a:srgbClr val="FC6F0D"/>
                 </a:solidFill>
               </a:rPr>
-              <a:t>db.emp.find</a:t>
-            </a:r>
-            <a:r>
-              <a:rPr lang="en-US" sz="2200" dirty="0" smtClean="0">
-                <a:solidFill>
-                  <a:srgbClr val="FC6F0D"/>
-                </a:solidFill>
-              </a:rPr>
-              <a:t>();</a:t>
+              <a:t>db ['emp'].find ()</a:t>
             </a:r>
           </a:p>
           <a:p>
@@ -10013,7 +9972,93 @@
                   <a:srgbClr val="FC6F0D"/>
                 </a:solidFill>
               </a:rPr>
-              <a:t>db ['emp'].find ()</a:t>
+              <a:t>db.emp.find</a:t>
+            </a:r>
+            <a:r>
+              <a:rPr lang="en-US" sz="2200" dirty="0" smtClean="0">
+                <a:solidFill>
+                  <a:srgbClr val="FC6F0D"/>
+                </a:solidFill>
+              </a:rPr>
+              <a:t>({job: 'manager'})</a:t>
+            </a:r>
+          </a:p>
+          <a:p>
+            <a:pPr>
+              <a:lnSpc>
+                <a:spcPct val="150000"/>
+              </a:lnSpc>
+            </a:pPr>
+            <a:r>
+              <a:rPr lang="en-US" sz="2200" dirty="0">
+                <a:solidFill>
+                  <a:srgbClr val="FC6F0D"/>
+                </a:solidFill>
+              </a:rPr>
+              <a:t>db.emp.find({}, </a:t>
+            </a:r>
+            <a:r>
+              <a:rPr lang="en-US" sz="2200" dirty="0" smtClean="0">
+                <a:solidFill>
+                  <a:srgbClr val="FC6F0D"/>
+                </a:solidFill>
+              </a:rPr>
+              <a:t>{ename:1</a:t>
+            </a:r>
+            <a:r>
+              <a:rPr lang="en-US" sz="2200" dirty="0">
+                <a:solidFill>
+                  <a:srgbClr val="FC6F0D"/>
+                </a:solidFill>
+              </a:rPr>
+              <a:t>, </a:t>
+            </a:r>
+            <a:r>
+              <a:rPr lang="en-US" sz="2200" dirty="0" smtClean="0">
+                <a:solidFill>
+                  <a:srgbClr val="FC6F0D"/>
+                </a:solidFill>
+              </a:rPr>
+              <a:t>job: true});</a:t>
+            </a:r>
+          </a:p>
+          <a:p>
+            <a:pPr>
+              <a:lnSpc>
+                <a:spcPct val="150000"/>
+              </a:lnSpc>
+            </a:pPr>
+            <a:r>
+              <a:rPr lang="en-US" sz="2200" dirty="0">
+                <a:solidFill>
+                  <a:srgbClr val="FC6F0D"/>
+                </a:solidFill>
+              </a:rPr>
+              <a:t>db.collection.find</a:t>
+            </a:r>
+            <a:r>
+              <a:rPr lang="en-US" sz="2200" dirty="0" smtClean="0">
+                <a:solidFill>
+                  <a:srgbClr val="FC6F0D"/>
+                </a:solidFill>
+              </a:rPr>
+              <a:t>({sal:{ </a:t>
+            </a:r>
+            <a:r>
+              <a:rPr lang="en-US" sz="2200" dirty="0">
+                <a:solidFill>
+                  <a:srgbClr val="FC6F0D"/>
+                </a:solidFill>
+              </a:rPr>
+              <a:t>$</a:t>
+            </a:r>
+            <a:r>
+              <a:rPr lang="en-US" sz="2200" dirty="0" smtClean="0">
+                <a:solidFill>
+                  <a:srgbClr val="FC6F0D"/>
+                </a:solidFill>
+              </a:rPr>
+              <a:t>gt:4}})</a:t>
             </a:r>
             <a:endParaRPr lang="en-US" sz="2200" dirty="0">
               <a:solidFill>
@@ -10028,12 +10073,20 @@
               </a:lnSpc>
             </a:pPr>
             <a:r>
+              <a:rPr lang="en-US" sz="2200" dirty="0" smtClean="0">
+                <a:solidFill>
+                  <a:srgbClr val="FC6F0D"/>
+                </a:solidFill>
+              </a:rPr>
+              <a:t>db.emp.find</a:t>
+            </a:r>
+            <a:r>
               <a:rPr lang="en-US" sz="2200" dirty="0">
                 <a:solidFill>
                   <a:srgbClr val="FC6F0D"/>
                 </a:solidFill>
               </a:rPr>
-              <a:t>db.emp.find</a:t>
+              <a:t>({job:'manager</a:t>
             </a:r>
             <a:r>
               <a:rPr lang="en-US" sz="2200" dirty="0" smtClean="0">
@@ -10041,7 +10094,23 @@
                   <a:srgbClr val="FC6F0D"/>
                 </a:solidFill>
               </a:rPr>
-              <a:t>({job: 'manager'})</a:t>
+              <a:t>'}, {</a:t>
+            </a:r>
+            <a:r>
+              <a:rPr lang="en-US" sz="2200" dirty="0">
+                <a:solidFill>
+                  <a:srgbClr val="FC6F0D"/>
+                </a:solidFill>
+              </a:rPr>
+              <a:t>ename:true, job:true</a:t>
+            </a:r>
+            <a:r>
+              <a:rPr lang="en-US" sz="2200" dirty="0" smtClean="0">
+                <a:solidFill>
+                  <a:srgbClr val="FC6F0D"/>
+                </a:solidFill>
+              </a:rPr>
+              <a:t>})</a:t>
             </a:r>
           </a:p>
           <a:p>
@@ -10051,12 +10120,20 @@
               </a:lnSpc>
             </a:pPr>
             <a:r>
+              <a:rPr lang="en-US" sz="2200" dirty="0" smtClean="0">
+                <a:solidFill>
+                  <a:srgbClr val="FC6F0D"/>
+                </a:solidFill>
+              </a:rPr>
+              <a:t>db.emp.find</a:t>
+            </a:r>
+            <a:r>
               <a:rPr lang="en-US" sz="2200" dirty="0">
                 <a:solidFill>
                   <a:srgbClr val="FC6F0D"/>
                 </a:solidFill>
               </a:rPr>
-              <a:t>db.emp.find({}, </a:t>
+              <a:t>({job:'manager'}, </a:t>
             </a:r>
             <a:r>
               <a:rPr lang="en-US" sz="2200" dirty="0" smtClean="0">
@@ -10064,7 +10141,7 @@
                   <a:srgbClr val="FC6F0D"/>
                 </a:solidFill>
               </a:rPr>
-              <a:t>{ename:1</a:t>
+              <a:t>{_id:false, ename:true</a:t>
             </a:r>
             <a:r>
               <a:rPr lang="en-US" sz="2200" dirty="0">
@@ -10072,7 +10149,7 @@
                   <a:srgbClr val="FC6F0D"/>
                 </a:solidFill>
               </a:rPr>
-              <a:t>, </a:t>
+              <a:t>, job:true</a:t>
             </a:r>
             <a:r>
               <a:rPr lang="en-US" sz="2200" dirty="0" smtClean="0">
@@ -10080,77 +10157,100 @@
                   <a:srgbClr val="FC6F0D"/>
                 </a:solidFill>
               </a:rPr>
-              <a:t>job: true});</a:t>
-            </a:r>
-          </a:p>
-          <a:p>
-            <a:pPr>
-              <a:lnSpc>
-                <a:spcPct val="150000"/>
-              </a:lnSpc>
-            </a:pPr>
-            <a:r>
-              <a:rPr lang="en-US" sz="2200" dirty="0">
-                <a:solidFill>
-                  <a:srgbClr val="FC6F0D"/>
-                </a:solidFill>
-              </a:rPr>
-              <a:t>db.emp.find({job:'manager</a:t>
-            </a:r>
-            <a:r>
-              <a:rPr lang="en-US" sz="2200" dirty="0" smtClean="0">
-                <a:solidFill>
-                  <a:srgbClr val="FC6F0D"/>
-                </a:solidFill>
-              </a:rPr>
-              <a:t>'}, {</a:t>
-            </a:r>
-            <a:r>
-              <a:rPr lang="en-US" sz="2200" dirty="0">
-                <a:solidFill>
-                  <a:srgbClr val="FC6F0D"/>
-                </a:solidFill>
-              </a:rPr>
-              <a:t>ename:true, job:true</a:t>
-            </a:r>
-            <a:r>
-              <a:rPr lang="en-US" sz="2200" dirty="0" smtClean="0">
-                <a:solidFill>
-                  <a:srgbClr val="FC6F0D"/>
-                </a:solidFill>
-              </a:rPr>
               <a:t>})</a:t>
             </a:r>
           </a:p>
-          <a:p>
-            <a:pPr>
-              <a:lnSpc>
-                <a:spcPct val="150000"/>
-              </a:lnSpc>
-            </a:pPr>
-            <a:r>
-              <a:rPr lang="en-US" sz="2200" dirty="0">
-                <a:solidFill>
-                  <a:srgbClr val="FC6F0D"/>
-                </a:solidFill>
-              </a:rPr>
-              <a:t>db.emp.find({job:'manager'}, </a:t>
-            </a:r>
-            <a:r>
-              <a:rPr lang="en-US" sz="2200" dirty="0" smtClean="0">
-                <a:solidFill>
-                  <a:srgbClr val="FC6F0D"/>
-                </a:solidFill>
-              </a:rPr>
-              <a:t>{_id:false, ename:true</a:t>
-            </a:r>
-            <a:r>
-              <a:rPr lang="en-US" sz="2200" dirty="0">
-                <a:solidFill>
-                  <a:srgbClr val="FC6F0D"/>
-                </a:solidFill>
-              </a:rPr>
-              <a:t>, job:true})</a:t>
+        </p:txBody>
+      </p:sp>
+      <p:sp>
+        <p:nvSpPr>
+          <p:cNvPr id="8" name="Rectangle 7"/>
+          <p:cNvSpPr/>
+          <p:nvPr/>
+        </p:nvSpPr>
+        <p:spPr>
+          <a:xfrm>
+            <a:off x="154136" y="1563469"/>
+            <a:ext cx="4870244" cy="646331"/>
+          </a:xfrm>
+          <a:prstGeom prst="rect">
+            <a:avLst/>
+          </a:prstGeom>
+        </p:spPr>
+        <p:txBody>
+          <a:bodyPr wrap="none">
+            <a:spAutoFit/>
+          </a:bodyPr>
+          <a:lstStyle/>
+          <a:p>
+            <a:r>
+              <a:rPr lang="en-US" dirty="0">
+                <a:solidFill>
+                  <a:srgbClr val="049DC8"/>
+                </a:solidFill>
+                <a:latin typeface="Consolas" panose="020B0609020204030204" pitchFamily="49" charset="0"/>
+                <a:cs typeface="Calibri" panose="020F0502020204030204" pitchFamily="34" charset="0"/>
+              </a:rPr>
+              <a:t>db ['emp'].find </a:t>
+            </a:r>
+            <a:r>
+              <a:rPr lang="en-US" dirty="0">
+                <a:solidFill>
+                  <a:srgbClr val="049DC8"/>
+                </a:solidFill>
+                <a:latin typeface="Consolas" panose="020B0609020204030204" pitchFamily="49" charset="0"/>
+                <a:cs typeface="Calibri" panose="020F0502020204030204" pitchFamily="34" charset="0"/>
+              </a:rPr>
+              <a:t>(</a:t>
+            </a:r>
+            <a:r>
+              <a:rPr lang="en-US" dirty="0">
+                <a:solidFill>
+                  <a:srgbClr val="049DC8"/>
+                </a:solidFill>
+                <a:latin typeface="Consolas" panose="020B0609020204030204" pitchFamily="49" charset="0"/>
+                <a:cs typeface="Calibri" panose="020F0502020204030204" pitchFamily="34" charset="0"/>
+              </a:rPr>
+              <a:t>query, projection</a:t>
+            </a:r>
+            <a:r>
+              <a:rPr lang="en-US" dirty="0">
+                <a:solidFill>
+                  <a:srgbClr val="049DC8"/>
+                </a:solidFill>
+                <a:latin typeface="Consolas" panose="020B0609020204030204" pitchFamily="49" charset="0"/>
+                <a:cs typeface="Calibri" panose="020F0502020204030204" pitchFamily="34" charset="0"/>
+              </a:rPr>
+              <a:t>) </a:t>
+            </a:r>
+            <a:endParaRPr lang="en-US" dirty="0">
+              <a:solidFill>
+                <a:srgbClr val="049DC8"/>
+              </a:solidFill>
+              <a:latin typeface="Consolas" panose="020B0609020204030204" pitchFamily="49" charset="0"/>
+              <a:cs typeface="Calibri" panose="020F0502020204030204" pitchFamily="34" charset="0"/>
+            </a:endParaRPr>
+          </a:p>
+          <a:p>
+            <a:r>
+              <a:rPr lang="en-US" dirty="0">
+                <a:solidFill>
+                  <a:srgbClr val="049DC8"/>
+                </a:solidFill>
+                <a:latin typeface="Consolas" panose="020B0609020204030204" pitchFamily="49" charset="0"/>
+                <a:cs typeface="Calibri" panose="020F0502020204030204" pitchFamily="34" charset="0"/>
+              </a:rPr>
+              <a:t>db.collection.find(query</a:t>
+            </a:r>
+            <a:r>
+              <a:rPr lang="en-US" dirty="0">
+                <a:solidFill>
+                  <a:srgbClr val="049DC8"/>
+                </a:solidFill>
+                <a:latin typeface="Consolas" panose="020B0609020204030204" pitchFamily="49" charset="0"/>
+                <a:cs typeface="Calibri" panose="020F0502020204030204" pitchFamily="34" charset="0"/>
+              </a:rPr>
+              <a:t>, projection)</a:t>
             </a:r>
           </a:p>
         </p:txBody>
@@ -10194,6 +10294,298 @@
       </p:grpSpPr>
       <p:sp>
         <p:nvSpPr>
+          <p:cNvPr id="6" name="Rectangle 5"/>
+          <p:cNvSpPr/>
+          <p:nvPr/>
+        </p:nvSpPr>
+        <p:spPr>
+          <a:xfrm>
+            <a:off x="0" y="0"/>
+            <a:ext cx="9144000" cy="584775"/>
+          </a:xfrm>
+          <a:prstGeom prst="rect">
+            <a:avLst/>
+          </a:prstGeom>
+          <a:solidFill>
+            <a:schemeClr val="accent4">
+              <a:lumMod val="75000"/>
+            </a:schemeClr>
+          </a:solidFill>
+        </p:spPr>
+        <p:txBody>
+          <a:bodyPr wrap="square">
+            <a:spAutoFit/>
+          </a:bodyPr>
+          <a:lstStyle/>
+          <a:p>
+            <a:pPr algn="r">
+              <a:spcBef>
+                <a:spcPct val="0"/>
+              </a:spcBef>
+            </a:pPr>
+            <a:r>
+              <a:rPr lang="en-IN" sz="3200" b="1" i="1" dirty="0" smtClean="0">
+                <a:solidFill>
+                  <a:srgbClr val="FFFF00"/>
+                </a:solidFill>
+                <a:latin typeface="Arial" pitchFamily="34" charset="0"/>
+                <a:cs typeface="Arial" pitchFamily="34" charset="0"/>
+              </a:rPr>
+              <a:t>cursor with db.collection.find</a:t>
+            </a:r>
+            <a:r>
+              <a:rPr lang="en-IN" sz="3200" b="1" i="1" dirty="0" smtClean="0">
+                <a:solidFill>
+                  <a:srgbClr val="FFFF00"/>
+                </a:solidFill>
+                <a:latin typeface="Arial" pitchFamily="34" charset="0"/>
+                <a:cs typeface="Arial" pitchFamily="34" charset="0"/>
+              </a:rPr>
+              <a:t>()</a:t>
+            </a:r>
+            <a:r>
+              <a:rPr lang="en-IN" sz="3200" b="1" i="1" dirty="0">
+                <a:solidFill>
+                  <a:srgbClr val="FFFF00"/>
+                </a:solidFill>
+                <a:latin typeface="Arial" pitchFamily="34" charset="0"/>
+                <a:cs typeface="Arial" pitchFamily="34" charset="0"/>
+              </a:rPr>
+              <a:t> </a:t>
+            </a:r>
+          </a:p>
+        </p:txBody>
+      </p:sp>
+      <p:sp>
+        <p:nvSpPr>
+          <p:cNvPr id="7" name="Rectangle 6"/>
+          <p:cNvSpPr/>
+          <p:nvPr/>
+        </p:nvSpPr>
+        <p:spPr>
+          <a:xfrm>
+            <a:off x="149188" y="762000"/>
+            <a:ext cx="8845624" cy="923330"/>
+          </a:xfrm>
+          <a:prstGeom prst="rect">
+            <a:avLst/>
+          </a:prstGeom>
+        </p:spPr>
+        <p:txBody>
+          <a:bodyPr wrap="square">
+            <a:spAutoFit/>
+          </a:bodyPr>
+          <a:lstStyle/>
+          <a:p>
+            <a:r>
+              <a:rPr lang="en-US" dirty="0"/>
+              <a:t>In the mongo shell, if the returned cursor is not assigned to a variable using the var keyword, the cursor is automatically iterated to access up to the first 20 documents that match the query.</a:t>
+            </a:r>
+            <a:endParaRPr lang="en-IN" dirty="0"/>
+          </a:p>
+        </p:txBody>
+      </p:sp>
+      <p:sp>
+        <p:nvSpPr>
+          <p:cNvPr id="4" name="Rectangle 3"/>
+          <p:cNvSpPr/>
+          <p:nvPr/>
+        </p:nvSpPr>
+        <p:spPr>
+          <a:xfrm>
+            <a:off x="154136" y="1840468"/>
+            <a:ext cx="7402989" cy="369332"/>
+          </a:xfrm>
+          <a:prstGeom prst="rect">
+            <a:avLst/>
+          </a:prstGeom>
+        </p:spPr>
+        <p:txBody>
+          <a:bodyPr wrap="none">
+            <a:spAutoFit/>
+          </a:bodyPr>
+          <a:lstStyle/>
+          <a:p>
+            <a:r>
+              <a:rPr lang="en-US" dirty="0" smtClean="0">
+                <a:solidFill>
+                  <a:srgbClr val="049DC8"/>
+                </a:solidFill>
+                <a:latin typeface="Consolas" panose="020B0609020204030204" pitchFamily="49" charset="0"/>
+                <a:cs typeface="Calibri" panose="020F0502020204030204" pitchFamily="34" charset="0"/>
+              </a:rPr>
+              <a:t>var variable_name = db.collection.find(query</a:t>
+            </a:r>
+            <a:r>
+              <a:rPr lang="en-US" dirty="0">
+                <a:solidFill>
+                  <a:srgbClr val="049DC8"/>
+                </a:solidFill>
+                <a:latin typeface="Consolas" panose="020B0609020204030204" pitchFamily="49" charset="0"/>
+                <a:cs typeface="Calibri" panose="020F0502020204030204" pitchFamily="34" charset="0"/>
+              </a:rPr>
+              <a:t>, projection)</a:t>
+            </a:r>
+          </a:p>
+        </p:txBody>
+      </p:sp>
+      <p:sp>
+        <p:nvSpPr>
+          <p:cNvPr id="12" name="Rectangle 11"/>
+          <p:cNvSpPr/>
+          <p:nvPr/>
+        </p:nvSpPr>
+        <p:spPr>
+          <a:xfrm>
+            <a:off x="178876" y="2526268"/>
+            <a:ext cx="3736985" cy="369332"/>
+          </a:xfrm>
+          <a:prstGeom prst="rect">
+            <a:avLst/>
+          </a:prstGeom>
+        </p:spPr>
+        <p:txBody>
+          <a:bodyPr wrap="none">
+            <a:spAutoFit/>
+          </a:bodyPr>
+          <a:lstStyle/>
+          <a:p>
+            <a:r>
+              <a:rPr lang="en-US" dirty="0">
+                <a:solidFill>
+                  <a:srgbClr val="C00000"/>
+                </a:solidFill>
+              </a:rPr>
+              <a:t>The find() method returns a cursor.</a:t>
+            </a:r>
+            <a:endParaRPr lang="en-US" dirty="0">
+              <a:solidFill>
+                <a:srgbClr val="C00000"/>
+              </a:solidFill>
+            </a:endParaRPr>
+          </a:p>
+        </p:txBody>
+      </p:sp>
+      <p:sp>
+        <p:nvSpPr>
+          <p:cNvPr id="3" name="Rectangle 2"/>
+          <p:cNvSpPr/>
+          <p:nvPr/>
+        </p:nvSpPr>
+        <p:spPr>
+          <a:xfrm>
+            <a:off x="224432" y="3048000"/>
+            <a:ext cx="8770379" cy="923330"/>
+          </a:xfrm>
+          <a:prstGeom prst="rect">
+            <a:avLst/>
+          </a:prstGeom>
+        </p:spPr>
+        <p:txBody>
+          <a:bodyPr wrap="square">
+            <a:spAutoFit/>
+          </a:bodyPr>
+          <a:lstStyle/>
+          <a:p>
+            <a:pPr>
+              <a:lnSpc>
+                <a:spcPct val="150000"/>
+              </a:lnSpc>
+            </a:pPr>
+            <a:r>
+              <a:rPr lang="en-US" dirty="0" smtClean="0">
+                <a:solidFill>
+                  <a:srgbClr val="FC6F0D"/>
+                </a:solidFill>
+              </a:rPr>
+              <a:t>var x = db </a:t>
+            </a:r>
+            <a:r>
+              <a:rPr lang="en-US" dirty="0">
+                <a:solidFill>
+                  <a:srgbClr val="FC6F0D"/>
+                </a:solidFill>
+              </a:rPr>
+              <a:t>['emp'].find </a:t>
+            </a:r>
+            <a:r>
+              <a:rPr lang="en-US" dirty="0" smtClean="0">
+                <a:solidFill>
+                  <a:srgbClr val="FC6F0D"/>
+                </a:solidFill>
+              </a:rPr>
+              <a:t>()</a:t>
+            </a:r>
+          </a:p>
+          <a:p>
+            <a:pPr>
+              <a:lnSpc>
+                <a:spcPct val="150000"/>
+              </a:lnSpc>
+            </a:pPr>
+            <a:r>
+              <a:rPr lang="en-US" dirty="0" smtClean="0">
+                <a:solidFill>
+                  <a:srgbClr val="FC6F0D"/>
+                </a:solidFill>
+              </a:rPr>
+              <a:t>x.forEach(printjson</a:t>
+            </a:r>
+            <a:r>
+              <a:rPr lang="en-US" dirty="0">
+                <a:solidFill>
+                  <a:srgbClr val="FC6F0D"/>
+                </a:solidFill>
+              </a:rPr>
+              <a:t>)</a:t>
+            </a:r>
+            <a:endParaRPr lang="en-US" dirty="0">
+              <a:solidFill>
+                <a:srgbClr val="FC6F0D"/>
+              </a:solidFill>
+            </a:endParaRPr>
+          </a:p>
+        </p:txBody>
+      </p:sp>
+    </p:spTree>
+    <p:extLst>
+      <p:ext uri="{BB962C8B-B14F-4D97-AF65-F5344CB8AC3E}">
+        <p14:creationId xmlns:p14="http://schemas.microsoft.com/office/powerpoint/2010/main" val="1504006984"/>
+      </p:ext>
+    </p:extLst>
+  </p:cSld>
+  <p:clrMapOvr>
+    <a:masterClrMapping/>
+  </p:clrMapOvr>
+  <p:timing>
+    <p:tnLst>
+      <p:par>
+        <p:cTn id="1" dur="indefinite" restart="never" nodeType="tmRoot"/>
+      </p:par>
+    </p:tnLst>
+  </p:timing>
+</p:sld>
+</file>
+
+<file path=ppt/slides/slide26.xml><?xml version="1.0" encoding="utf-8"?>
+<p:sld xmlns:a="http://schemas.openxmlformats.org/drawingml/2006/main" xmlns:r="http://schemas.openxmlformats.org/officeDocument/2006/relationships" xmlns:p="http://schemas.openxmlformats.org/presentationml/2006/main">
+  <p:cSld>
+    <p:spTree>
+      <p:nvGrpSpPr>
+        <p:cNvPr id="1" name=""/>
+        <p:cNvGrpSpPr/>
+        <p:nvPr/>
+      </p:nvGrpSpPr>
+      <p:grpSpPr>
+        <a:xfrm>
+          <a:off x="0" y="0"/>
+          <a:ext cx="0" cy="0"/>
+          <a:chOff x="0" y="0"/>
+          <a:chExt cx="0" cy="0"/>
+        </a:xfrm>
+      </p:grpSpPr>
+      <p:sp>
+        <p:nvSpPr>
           <p:cNvPr id="2" name="Title 1"/>
           <p:cNvSpPr txBox="1">
             <a:spLocks/>
@@ -10307,305 +10699,6 @@
 </p:sld>
 </file>
 
-<file path=ppt/slides/slide26.xml><?xml version="1.0" encoding="utf-8"?>
-<p:sld xmlns:a="http://schemas.openxmlformats.org/drawingml/2006/main" xmlns:r="http://schemas.openxmlformats.org/officeDocument/2006/relationships" xmlns:p="http://schemas.openxmlformats.org/presentationml/2006/main">
-  <p:cSld>
-    <p:spTree>
-      <p:nvGrpSpPr>
-        <p:cNvPr id="1" name=""/>
-        <p:cNvGrpSpPr/>
-        <p:nvPr/>
-      </p:nvGrpSpPr>
-      <p:grpSpPr>
-        <a:xfrm>
-          <a:off x="0" y="0"/>
-          <a:ext cx="0" cy="0"/>
-          <a:chOff x="0" y="0"/>
-          <a:chExt cx="0" cy="0"/>
-        </a:xfrm>
-      </p:grpSpPr>
-      <p:sp>
-        <p:nvSpPr>
-          <p:cNvPr id="6" name="Rectangle 5"/>
-          <p:cNvSpPr/>
-          <p:nvPr/>
-        </p:nvSpPr>
-        <p:spPr>
-          <a:xfrm>
-            <a:off x="0" y="0"/>
-            <a:ext cx="9144000" cy="584775"/>
-          </a:xfrm>
-          <a:prstGeom prst="rect">
-            <a:avLst/>
-          </a:prstGeom>
-          <a:solidFill>
-            <a:schemeClr val="accent4">
-              <a:lumMod val="75000"/>
-            </a:schemeClr>
-          </a:solidFill>
-        </p:spPr>
-        <p:txBody>
-          <a:bodyPr wrap="square">
-            <a:spAutoFit/>
-          </a:bodyPr>
-          <a:lstStyle/>
-          <a:p>
-            <a:pPr algn="r">
-              <a:spcBef>
-                <a:spcPct val="0"/>
-              </a:spcBef>
-            </a:pPr>
-            <a:r>
-              <a:rPr lang="en-IN" sz="3200" b="1" i="1" dirty="0" smtClean="0">
-                <a:solidFill>
-                  <a:srgbClr val="FFFF00"/>
-                </a:solidFill>
-                <a:latin typeface="Arial" pitchFamily="34" charset="0"/>
-                <a:cs typeface="Arial" pitchFamily="34" charset="0"/>
-              </a:rPr>
-              <a:t>document</a:t>
-            </a:r>
-            <a:r>
-              <a:rPr lang="en-IN" sz="3200" b="1" i="1" dirty="0">
-                <a:solidFill>
-                  <a:srgbClr val="FFFF00"/>
-                </a:solidFill>
-                <a:latin typeface="Arial" pitchFamily="34" charset="0"/>
-                <a:cs typeface="Arial" pitchFamily="34" charset="0"/>
-              </a:rPr>
-              <a:t> </a:t>
-            </a:r>
-          </a:p>
-        </p:txBody>
-      </p:sp>
-      <p:sp>
-        <p:nvSpPr>
-          <p:cNvPr id="7" name="Rectangle 6"/>
-          <p:cNvSpPr/>
-          <p:nvPr/>
-        </p:nvSpPr>
-        <p:spPr>
-          <a:xfrm>
-            <a:off x="149188" y="762000"/>
-            <a:ext cx="8845624" cy="923330"/>
-          </a:xfrm>
-          <a:prstGeom prst="rect">
-            <a:avLst/>
-          </a:prstGeom>
-        </p:spPr>
-        <p:txBody>
-          <a:bodyPr wrap="square">
-            <a:spAutoFit/>
-          </a:bodyPr>
-          <a:lstStyle/>
-          <a:p>
-            <a:r>
-              <a:rPr lang="en-US" dirty="0"/>
-              <a:t>MongoDB documents are composed of </a:t>
-            </a:r>
-            <a:r>
-              <a:rPr lang="en-US" b="1" i="1" dirty="0">
-                <a:solidFill>
-                  <a:srgbClr val="036883"/>
-                </a:solidFill>
-              </a:rPr>
-              <a:t>field-and-value</a:t>
-            </a:r>
-            <a:r>
-              <a:rPr lang="en-US" dirty="0"/>
-              <a:t> pairs. The value of a field can be any of the BSON data types, including other documents, arrays, and arrays of documents.</a:t>
-            </a:r>
-            <a:endParaRPr lang="en-IN" dirty="0"/>
-          </a:p>
-        </p:txBody>
-      </p:sp>
-      <p:sp>
-        <p:nvSpPr>
-          <p:cNvPr id="2" name="Rectangle 1"/>
-          <p:cNvSpPr/>
-          <p:nvPr/>
-        </p:nvSpPr>
-        <p:spPr>
-          <a:xfrm>
-            <a:off x="149188" y="1875420"/>
-            <a:ext cx="8845624" cy="646331"/>
-          </a:xfrm>
-          <a:prstGeom prst="rect">
-            <a:avLst/>
-          </a:prstGeom>
-        </p:spPr>
-        <p:txBody>
-          <a:bodyPr wrap="square">
-            <a:spAutoFit/>
-          </a:bodyPr>
-          <a:lstStyle/>
-          <a:p>
-            <a:r>
-              <a:rPr lang="en-US" dirty="0"/>
-              <a:t>The </a:t>
-            </a:r>
-            <a:r>
-              <a:rPr lang="en-US" b="1" i="1" dirty="0">
-                <a:solidFill>
-                  <a:srgbClr val="036883"/>
-                </a:solidFill>
-              </a:rPr>
-              <a:t>field name</a:t>
-            </a:r>
-            <a:r>
-              <a:rPr lang="en-US" dirty="0"/>
-              <a:t> </a:t>
-            </a:r>
-            <a:r>
-              <a:rPr lang="en-US" b="1" i="1" dirty="0">
-                <a:solidFill>
-                  <a:srgbClr val="C00000"/>
-                </a:solidFill>
-              </a:rPr>
-              <a:t>_</a:t>
-            </a:r>
-            <a:r>
-              <a:rPr lang="en-US" b="1" dirty="0">
-                <a:solidFill>
-                  <a:srgbClr val="C00000"/>
-                </a:solidFill>
-              </a:rPr>
-              <a:t>id</a:t>
-            </a:r>
-            <a:r>
-              <a:rPr lang="en-US" b="1" i="1" dirty="0">
-                <a:solidFill>
-                  <a:srgbClr val="C00000"/>
-                </a:solidFill>
-              </a:rPr>
-              <a:t> </a:t>
-            </a:r>
-            <a:r>
-              <a:rPr lang="en-US" dirty="0"/>
-              <a:t>is reserved for use as a primary key; its value must be unique in the collection, is immutable, and may be of any type other than an array.</a:t>
-            </a:r>
-          </a:p>
-        </p:txBody>
-      </p:sp>
-      <p:sp>
-        <p:nvSpPr>
-          <p:cNvPr id="3" name="Rectangle 2"/>
-          <p:cNvSpPr/>
-          <p:nvPr/>
-        </p:nvSpPr>
-        <p:spPr>
-          <a:xfrm>
-            <a:off x="184814" y="2971800"/>
-            <a:ext cx="8809998" cy="2031325"/>
-          </a:xfrm>
-          <a:prstGeom prst="rect">
-            <a:avLst/>
-          </a:prstGeom>
-        </p:spPr>
-        <p:txBody>
-          <a:bodyPr wrap="square">
-            <a:spAutoFit/>
-          </a:bodyPr>
-          <a:lstStyle/>
-          <a:p>
-            <a:r>
-              <a:rPr lang="en-US" dirty="0">
-                <a:solidFill>
-                  <a:srgbClr val="036883"/>
-                </a:solidFill>
-                <a:latin typeface="Consolas" panose="020B0609020204030204" pitchFamily="49" charset="0"/>
-              </a:rPr>
-              <a:t>{</a:t>
-            </a:r>
-          </a:p>
-          <a:p>
-            <a:r>
-              <a:rPr lang="en-US" dirty="0">
-                <a:solidFill>
-                  <a:srgbClr val="036883"/>
-                </a:solidFill>
-                <a:latin typeface="Consolas" panose="020B0609020204030204" pitchFamily="49" charset="0"/>
-              </a:rPr>
-              <a:t>   field1: value1,</a:t>
-            </a:r>
-          </a:p>
-          <a:p>
-            <a:r>
-              <a:rPr lang="en-US" dirty="0">
-                <a:solidFill>
-                  <a:srgbClr val="036883"/>
-                </a:solidFill>
-                <a:latin typeface="Consolas" panose="020B0609020204030204" pitchFamily="49" charset="0"/>
-              </a:rPr>
-              <a:t>   field2: value2,</a:t>
-            </a:r>
-          </a:p>
-          <a:p>
-            <a:r>
-              <a:rPr lang="en-US" dirty="0">
-                <a:solidFill>
-                  <a:srgbClr val="036883"/>
-                </a:solidFill>
-                <a:latin typeface="Consolas" panose="020B0609020204030204" pitchFamily="49" charset="0"/>
-              </a:rPr>
-              <a:t>   field3: value3,</a:t>
-            </a:r>
-          </a:p>
-          <a:p>
-            <a:r>
-              <a:rPr lang="en-US" dirty="0">
-                <a:solidFill>
-                  <a:srgbClr val="036883"/>
-                </a:solidFill>
-                <a:latin typeface="Consolas" panose="020B0609020204030204" pitchFamily="49" charset="0"/>
-              </a:rPr>
-              <a:t>   ...</a:t>
-            </a:r>
-          </a:p>
-          <a:p>
-            <a:r>
-              <a:rPr lang="en-US" dirty="0">
-                <a:solidFill>
-                  <a:srgbClr val="036883"/>
-                </a:solidFill>
-                <a:latin typeface="Consolas" panose="020B0609020204030204" pitchFamily="49" charset="0"/>
-              </a:rPr>
-              <a:t>   fieldN: valueN</a:t>
-            </a:r>
-          </a:p>
-          <a:p>
-            <a:r>
-              <a:rPr lang="en-US" dirty="0">
-                <a:solidFill>
-                  <a:srgbClr val="036883"/>
-                </a:solidFill>
-                <a:latin typeface="Consolas" panose="020B0609020204030204" pitchFamily="49" charset="0"/>
-              </a:rPr>
-              <a:t>}</a:t>
-            </a:r>
-          </a:p>
-        </p:txBody>
-      </p:sp>
-    </p:spTree>
-    <p:extLst>
-      <p:ext uri="{BB962C8B-B14F-4D97-AF65-F5344CB8AC3E}">
-        <p14:creationId xmlns:p14="http://schemas.microsoft.com/office/powerpoint/2010/main" val="1707159998"/>
-      </p:ext>
-    </p:extLst>
-  </p:cSld>
-  <p:clrMapOvr>
-    <a:masterClrMapping/>
-  </p:clrMapOvr>
-  <p:timing>
-    <p:tnLst>
-      <p:par>
-        <p:cTn id="1" dur="indefinite" restart="never" nodeType="tmRoot"/>
-      </p:par>
-    </p:tnLst>
-  </p:timing>
-</p:sld>
-</file>
-
 <file path=ppt/slides/slide27.xml><?xml version="1.0" encoding="utf-8"?>
 <p:sld xmlns:a="http://schemas.openxmlformats.org/drawingml/2006/main" xmlns:r="http://schemas.openxmlformats.org/officeDocument/2006/relationships" xmlns:p="http://schemas.openxmlformats.org/presentationml/2006/main">
   <p:cSld>
@@ -10686,7 +10779,7 @@
         <p:spPr>
           <a:xfrm>
             <a:off x="149188" y="762000"/>
-            <a:ext cx="8845624" cy="369332"/>
+            <a:ext cx="8845624" cy="923330"/>
           </a:xfrm>
           <a:prstGeom prst="rect">
             <a:avLst/>
@@ -10699,17 +10792,203 @@
           <a:lstStyle/>
           <a:p>
             <a:r>
-              <a:rPr lang="en-US" dirty="0" smtClean="0"/>
-              <a:t>TODO</a:t>
+              <a:rPr lang="en-US" dirty="0"/>
+              <a:t>MongoDB documents are composed of </a:t>
+            </a:r>
+            <a:r>
+              <a:rPr lang="en-US" b="1" i="1" dirty="0">
+                <a:solidFill>
+                  <a:srgbClr val="036883"/>
+                </a:solidFill>
+              </a:rPr>
+              <a:t>field-and-value</a:t>
+            </a:r>
+            <a:r>
+              <a:rPr lang="en-US" dirty="0"/>
+              <a:t> pairs. The value of a field can be any of the BSON data types, including other documents, arrays, and arrays of documents.</a:t>
             </a:r>
             <a:endParaRPr lang="en-IN" dirty="0"/>
+          </a:p>
+        </p:txBody>
+      </p:sp>
+      <p:sp>
+        <p:nvSpPr>
+          <p:cNvPr id="2" name="Rectangle 1"/>
+          <p:cNvSpPr/>
+          <p:nvPr/>
+        </p:nvSpPr>
+        <p:spPr>
+          <a:xfrm>
+            <a:off x="149188" y="1875420"/>
+            <a:ext cx="8845624" cy="646331"/>
+          </a:xfrm>
+          <a:prstGeom prst="rect">
+            <a:avLst/>
+          </a:prstGeom>
+        </p:spPr>
+        <p:txBody>
+          <a:bodyPr wrap="square">
+            <a:spAutoFit/>
+          </a:bodyPr>
+          <a:lstStyle/>
+          <a:p>
+            <a:r>
+              <a:rPr lang="en-US" dirty="0"/>
+              <a:t>The </a:t>
+            </a:r>
+            <a:r>
+              <a:rPr lang="en-US" b="1" i="1" dirty="0">
+                <a:solidFill>
+                  <a:srgbClr val="036883"/>
+                </a:solidFill>
+              </a:rPr>
+              <a:t>field name</a:t>
+            </a:r>
+            <a:r>
+              <a:rPr lang="en-US" dirty="0"/>
+              <a:t> </a:t>
+            </a:r>
+            <a:r>
+              <a:rPr lang="en-US" b="1" i="1" dirty="0">
+                <a:solidFill>
+                  <a:srgbClr val="C00000"/>
+                </a:solidFill>
+              </a:rPr>
+              <a:t>_</a:t>
+            </a:r>
+            <a:r>
+              <a:rPr lang="en-US" b="1" dirty="0">
+                <a:solidFill>
+                  <a:srgbClr val="C00000"/>
+                </a:solidFill>
+              </a:rPr>
+              <a:t>id</a:t>
+            </a:r>
+            <a:r>
+              <a:rPr lang="en-US" b="1" i="1" dirty="0">
+                <a:solidFill>
+                  <a:srgbClr val="C00000"/>
+                </a:solidFill>
+              </a:rPr>
+              <a:t> </a:t>
+            </a:r>
+            <a:r>
+              <a:rPr lang="en-US" dirty="0"/>
+              <a:t>is reserved for use as a primary key; its value must be unique in the collection, is immutable, and may be of any type other than an array.</a:t>
+            </a:r>
+          </a:p>
+        </p:txBody>
+      </p:sp>
+      <p:sp>
+        <p:nvSpPr>
+          <p:cNvPr id="3" name="Rectangle 2"/>
+          <p:cNvSpPr/>
+          <p:nvPr/>
+        </p:nvSpPr>
+        <p:spPr>
+          <a:xfrm>
+            <a:off x="184814" y="2971800"/>
+            <a:ext cx="2464136" cy="2031325"/>
+          </a:xfrm>
+          <a:prstGeom prst="rect">
+            <a:avLst/>
+          </a:prstGeom>
+        </p:spPr>
+        <p:txBody>
+          <a:bodyPr wrap="none">
+            <a:spAutoFit/>
+          </a:bodyPr>
+          <a:lstStyle/>
+          <a:p>
+            <a:r>
+              <a:rPr lang="en-US" dirty="0">
+                <a:solidFill>
+                  <a:srgbClr val="049DC8"/>
+                </a:solidFill>
+                <a:latin typeface="Consolas" panose="020B0609020204030204" pitchFamily="49" charset="0"/>
+                <a:cs typeface="Calibri" panose="020F0502020204030204" pitchFamily="34" charset="0"/>
+              </a:rPr>
+              <a:t>{</a:t>
+            </a:r>
+          </a:p>
+          <a:p>
+            <a:r>
+              <a:rPr lang="en-US" dirty="0">
+                <a:solidFill>
+                  <a:srgbClr val="049DC8"/>
+                </a:solidFill>
+                <a:latin typeface="Consolas" panose="020B0609020204030204" pitchFamily="49" charset="0"/>
+                <a:cs typeface="Calibri" panose="020F0502020204030204" pitchFamily="34" charset="0"/>
+              </a:rPr>
+              <a:t>   field1: value1,</a:t>
+            </a:r>
+          </a:p>
+          <a:p>
+            <a:r>
+              <a:rPr lang="en-US" dirty="0">
+                <a:solidFill>
+                  <a:srgbClr val="049DC8"/>
+                </a:solidFill>
+                <a:latin typeface="Consolas" panose="020B0609020204030204" pitchFamily="49" charset="0"/>
+                <a:cs typeface="Calibri" panose="020F0502020204030204" pitchFamily="34" charset="0"/>
+              </a:rPr>
+              <a:t>   field2: value2,</a:t>
+            </a:r>
+          </a:p>
+          <a:p>
+            <a:r>
+              <a:rPr lang="en-US" dirty="0">
+                <a:solidFill>
+                  <a:srgbClr val="049DC8"/>
+                </a:solidFill>
+                <a:latin typeface="Consolas" panose="020B0609020204030204" pitchFamily="49" charset="0"/>
+                <a:cs typeface="Calibri" panose="020F0502020204030204" pitchFamily="34" charset="0"/>
+              </a:rPr>
+              <a:t>   field3: value3,</a:t>
+            </a:r>
+          </a:p>
+          <a:p>
+            <a:r>
+              <a:rPr lang="en-US" dirty="0">
+                <a:solidFill>
+                  <a:srgbClr val="049DC8"/>
+                </a:solidFill>
+                <a:latin typeface="Consolas" panose="020B0609020204030204" pitchFamily="49" charset="0"/>
+                <a:cs typeface="Calibri" panose="020F0502020204030204" pitchFamily="34" charset="0"/>
+              </a:rPr>
+              <a:t>   ...</a:t>
+            </a:r>
+          </a:p>
+          <a:p>
+            <a:r>
+              <a:rPr lang="en-US" dirty="0">
+                <a:solidFill>
+                  <a:srgbClr val="049DC8"/>
+                </a:solidFill>
+                <a:latin typeface="Consolas" panose="020B0609020204030204" pitchFamily="49" charset="0"/>
+                <a:cs typeface="Calibri" panose="020F0502020204030204" pitchFamily="34" charset="0"/>
+              </a:rPr>
+              <a:t>   fieldN: valueN</a:t>
+            </a:r>
+          </a:p>
+          <a:p>
+            <a:r>
+              <a:rPr lang="en-US" dirty="0">
+                <a:solidFill>
+                  <a:srgbClr val="049DC8"/>
+                </a:solidFill>
+                <a:latin typeface="Consolas" panose="020B0609020204030204" pitchFamily="49" charset="0"/>
+                <a:cs typeface="Calibri" panose="020F0502020204030204" pitchFamily="34" charset="0"/>
+              </a:rPr>
+              <a:t>}</a:t>
+            </a:r>
           </a:p>
         </p:txBody>
       </p:sp>
     </p:spTree>
     <p:extLst>
       <p:ext uri="{BB962C8B-B14F-4D97-AF65-F5344CB8AC3E}">
-        <p14:creationId xmlns:p14="http://schemas.microsoft.com/office/powerpoint/2010/main" val="3587670722"/>
+        <p14:creationId xmlns:p14="http://schemas.microsoft.com/office/powerpoint/2010/main" val="1707159998"/>
       </p:ext>
     </p:extLst>
   </p:cSld>
@@ -10782,17 +11061,7 @@
                 <a:latin typeface="Arial" pitchFamily="34" charset="0"/>
                 <a:cs typeface="Arial" pitchFamily="34" charset="0"/>
               </a:rPr>
-              <a:t>MongoDB</a:t>
-            </a:r>
-            <a:r>
-              <a:rPr lang="en-US" sz="3200" b="1" i="1" dirty="0" smtClean="0">
-                <a:solidFill>
-                  <a:srgbClr val="FFFF00"/>
-                </a:solidFill>
-                <a:latin typeface="Arial" pitchFamily="34" charset="0"/>
-                <a:cs typeface="Arial" pitchFamily="34" charset="0"/>
-              </a:rPr>
-              <a:t> </a:t>
+              <a:t>document</a:t>
             </a:r>
             <a:r>
               <a:rPr lang="en-IN" sz="3200" b="1" i="1" dirty="0">
@@ -10839,7 +11108,7 @@
     </p:spTree>
     <p:extLst>
       <p:ext uri="{BB962C8B-B14F-4D97-AF65-F5344CB8AC3E}">
-        <p14:creationId xmlns:p14="http://schemas.microsoft.com/office/powerpoint/2010/main" val="250252946"/>
+        <p14:creationId xmlns:p14="http://schemas.microsoft.com/office/powerpoint/2010/main" val="3587670722"/>
       </p:ext>
     </p:extLst>
   </p:cSld>
@@ -10969,7 +11238,7 @@
     </p:spTree>
     <p:extLst>
       <p:ext uri="{BB962C8B-B14F-4D97-AF65-F5344CB8AC3E}">
-        <p14:creationId xmlns:p14="http://schemas.microsoft.com/office/powerpoint/2010/main" val="895975297"/>
+        <p14:creationId xmlns:p14="http://schemas.microsoft.com/office/powerpoint/2010/main" val="250252946"/>
       </p:ext>
     </p:extLst>
   </p:cSld>
@@ -11257,7 +11526,7 @@
     </p:spTree>
     <p:extLst>
       <p:ext uri="{BB962C8B-B14F-4D97-AF65-F5344CB8AC3E}">
-        <p14:creationId xmlns:p14="http://schemas.microsoft.com/office/powerpoint/2010/main" val="1785036271"/>
+        <p14:creationId xmlns:p14="http://schemas.microsoft.com/office/powerpoint/2010/main" val="895975297"/>
       </p:ext>
     </p:extLst>
   </p:cSld>
@@ -11387,7 +11656,7 @@
     </p:spTree>
     <p:extLst>
       <p:ext uri="{BB962C8B-B14F-4D97-AF65-F5344CB8AC3E}">
-        <p14:creationId xmlns:p14="http://schemas.microsoft.com/office/powerpoint/2010/main" val="2324753550"/>
+        <p14:creationId xmlns:p14="http://schemas.microsoft.com/office/powerpoint/2010/main" val="1785036271"/>
       </p:ext>
     </p:extLst>
   </p:cSld>
@@ -11517,7 +11786,7 @@
     </p:spTree>
     <p:extLst>
       <p:ext uri="{BB962C8B-B14F-4D97-AF65-F5344CB8AC3E}">
-        <p14:creationId xmlns:p14="http://schemas.microsoft.com/office/powerpoint/2010/main" val="159175200"/>
+        <p14:creationId xmlns:p14="http://schemas.microsoft.com/office/powerpoint/2010/main" val="2324753550"/>
       </p:ext>
     </p:extLst>
   </p:cSld>
@@ -11647,7 +11916,7 @@
     </p:spTree>
     <p:extLst>
       <p:ext uri="{BB962C8B-B14F-4D97-AF65-F5344CB8AC3E}">
-        <p14:creationId xmlns:p14="http://schemas.microsoft.com/office/powerpoint/2010/main" val="4200858574"/>
+        <p14:creationId xmlns:p14="http://schemas.microsoft.com/office/powerpoint/2010/main" val="159175200"/>
       </p:ext>
     </p:extLst>
   </p:cSld>
@@ -11777,7 +12046,7 @@
     </p:spTree>
     <p:extLst>
       <p:ext uri="{BB962C8B-B14F-4D97-AF65-F5344CB8AC3E}">
-        <p14:creationId xmlns:p14="http://schemas.microsoft.com/office/powerpoint/2010/main" val="2535387021"/>
+        <p14:creationId xmlns:p14="http://schemas.microsoft.com/office/powerpoint/2010/main" val="4200858574"/>
       </p:ext>
     </p:extLst>
   </p:cSld>
@@ -11907,7 +12176,7 @@
     </p:spTree>
     <p:extLst>
       <p:ext uri="{BB962C8B-B14F-4D97-AF65-F5344CB8AC3E}">
-        <p14:creationId xmlns:p14="http://schemas.microsoft.com/office/powerpoint/2010/main" val="3372373110"/>
+        <p14:creationId xmlns:p14="http://schemas.microsoft.com/office/powerpoint/2010/main" val="2535387021"/>
       </p:ext>
     </p:extLst>
   </p:cSld>
@@ -12037,7 +12306,7 @@
     </p:spTree>
     <p:extLst>
       <p:ext uri="{BB962C8B-B14F-4D97-AF65-F5344CB8AC3E}">
-        <p14:creationId xmlns:p14="http://schemas.microsoft.com/office/powerpoint/2010/main" val="1298561359"/>
+        <p14:creationId xmlns:p14="http://schemas.microsoft.com/office/powerpoint/2010/main" val="3372373110"/>
       </p:ext>
     </p:extLst>
   </p:cSld>
@@ -12167,7 +12436,7 @@
     </p:spTree>
     <p:extLst>
       <p:ext uri="{BB962C8B-B14F-4D97-AF65-F5344CB8AC3E}">
-        <p14:creationId xmlns:p14="http://schemas.microsoft.com/office/powerpoint/2010/main" val="2767122750"/>
+        <p14:creationId xmlns:p14="http://schemas.microsoft.com/office/powerpoint/2010/main" val="1298561359"/>
       </p:ext>
     </p:extLst>
   </p:cSld>
@@ -12297,7 +12566,7 @@
     </p:spTree>
     <p:extLst>
       <p:ext uri="{BB962C8B-B14F-4D97-AF65-F5344CB8AC3E}">
-        <p14:creationId xmlns:p14="http://schemas.microsoft.com/office/powerpoint/2010/main" val="3923222660"/>
+        <p14:creationId xmlns:p14="http://schemas.microsoft.com/office/powerpoint/2010/main" val="2767122750"/>
       </p:ext>
     </p:extLst>
   </p:cSld>
@@ -12427,7 +12696,7 @@
     </p:spTree>
     <p:extLst>
       <p:ext uri="{BB962C8B-B14F-4D97-AF65-F5344CB8AC3E}">
-        <p14:creationId xmlns:p14="http://schemas.microsoft.com/office/powerpoint/2010/main" val="166747101"/>
+        <p14:creationId xmlns:p14="http://schemas.microsoft.com/office/powerpoint/2010/main" val="3923222660"/>
       </p:ext>
     </p:extLst>
   </p:cSld>
@@ -12803,7 +13072,7 @@
     </p:spTree>
     <p:extLst>
       <p:ext uri="{BB962C8B-B14F-4D97-AF65-F5344CB8AC3E}">
-        <p14:creationId xmlns:p14="http://schemas.microsoft.com/office/powerpoint/2010/main" val="924942284"/>
+        <p14:creationId xmlns:p14="http://schemas.microsoft.com/office/powerpoint/2010/main" val="166747101"/>
       </p:ext>
     </p:extLst>
   </p:cSld>
@@ -12933,7 +13202,7 @@
     </p:spTree>
     <p:extLst>
       <p:ext uri="{BB962C8B-B14F-4D97-AF65-F5344CB8AC3E}">
-        <p14:creationId xmlns:p14="http://schemas.microsoft.com/office/powerpoint/2010/main" val="3259065627"/>
+        <p14:creationId xmlns:p14="http://schemas.microsoft.com/office/powerpoint/2010/main" val="924942284"/>
       </p:ext>
     </p:extLst>
   </p:cSld>
@@ -13063,7 +13332,7 @@
     </p:spTree>
     <p:extLst>
       <p:ext uri="{BB962C8B-B14F-4D97-AF65-F5344CB8AC3E}">
-        <p14:creationId xmlns:p14="http://schemas.microsoft.com/office/powerpoint/2010/main" val="3171492564"/>
+        <p14:creationId xmlns:p14="http://schemas.microsoft.com/office/powerpoint/2010/main" val="3259065627"/>
       </p:ext>
     </p:extLst>
   </p:cSld>
@@ -13193,7 +13462,7 @@
     </p:spTree>
     <p:extLst>
       <p:ext uri="{BB962C8B-B14F-4D97-AF65-F5344CB8AC3E}">
-        <p14:creationId xmlns:p14="http://schemas.microsoft.com/office/powerpoint/2010/main" val="2780407736"/>
+        <p14:creationId xmlns:p14="http://schemas.microsoft.com/office/powerpoint/2010/main" val="3171492564"/>
       </p:ext>
     </p:extLst>
   </p:cSld>
@@ -13323,7 +13592,7 @@
     </p:spTree>
     <p:extLst>
       <p:ext uri="{BB962C8B-B14F-4D97-AF65-F5344CB8AC3E}">
-        <p14:creationId xmlns:p14="http://schemas.microsoft.com/office/powerpoint/2010/main" val="848474725"/>
+        <p14:creationId xmlns:p14="http://schemas.microsoft.com/office/powerpoint/2010/main" val="2780407736"/>
       </p:ext>
     </p:extLst>
   </p:cSld>
@@ -13453,7 +13722,7 @@
     </p:spTree>
     <p:extLst>
       <p:ext uri="{BB962C8B-B14F-4D97-AF65-F5344CB8AC3E}">
-        <p14:creationId xmlns:p14="http://schemas.microsoft.com/office/powerpoint/2010/main" val="4030158449"/>
+        <p14:creationId xmlns:p14="http://schemas.microsoft.com/office/powerpoint/2010/main" val="848474725"/>
       </p:ext>
     </p:extLst>
   </p:cSld>
@@ -13583,7 +13852,7 @@
     </p:spTree>
     <p:extLst>
       <p:ext uri="{BB962C8B-B14F-4D97-AF65-F5344CB8AC3E}">
-        <p14:creationId xmlns:p14="http://schemas.microsoft.com/office/powerpoint/2010/main" val="1708605334"/>
+        <p14:creationId xmlns:p14="http://schemas.microsoft.com/office/powerpoint/2010/main" val="4030158449"/>
       </p:ext>
     </p:extLst>
   </p:cSld>
@@ -13713,7 +13982,7 @@
     </p:spTree>
     <p:extLst>
       <p:ext uri="{BB962C8B-B14F-4D97-AF65-F5344CB8AC3E}">
-        <p14:creationId xmlns:p14="http://schemas.microsoft.com/office/powerpoint/2010/main" val="1478242473"/>
+        <p14:creationId xmlns:p14="http://schemas.microsoft.com/office/powerpoint/2010/main" val="1708605334"/>
       </p:ext>
     </p:extLst>
   </p:cSld>
@@ -13843,7 +14112,7 @@
     </p:spTree>
     <p:extLst>
       <p:ext uri="{BB962C8B-B14F-4D97-AF65-F5344CB8AC3E}">
-        <p14:creationId xmlns:p14="http://schemas.microsoft.com/office/powerpoint/2010/main" val="2136286712"/>
+        <p14:creationId xmlns:p14="http://schemas.microsoft.com/office/powerpoint/2010/main" val="1478242473"/>
       </p:ext>
     </p:extLst>
   </p:cSld>
@@ -13973,7 +14242,7 @@
     </p:spTree>
     <p:extLst>
       <p:ext uri="{BB962C8B-B14F-4D97-AF65-F5344CB8AC3E}">
-        <p14:creationId xmlns:p14="http://schemas.microsoft.com/office/powerpoint/2010/main" val="160110094"/>
+        <p14:creationId xmlns:p14="http://schemas.microsoft.com/office/powerpoint/2010/main" val="2136286712"/>
       </p:ext>
     </p:extLst>
   </p:cSld>
@@ -14647,7 +14916,7 @@
     </p:spTree>
     <p:extLst>
       <p:ext uri="{BB962C8B-B14F-4D97-AF65-F5344CB8AC3E}">
-        <p14:creationId xmlns:p14="http://schemas.microsoft.com/office/powerpoint/2010/main" val="1060267809"/>
+        <p14:creationId xmlns:p14="http://schemas.microsoft.com/office/powerpoint/2010/main" val="160110094"/>
       </p:ext>
     </p:extLst>
   </p:cSld>
@@ -14777,7 +15046,7 @@
     </p:spTree>
     <p:extLst>
       <p:ext uri="{BB962C8B-B14F-4D97-AF65-F5344CB8AC3E}">
-        <p14:creationId xmlns:p14="http://schemas.microsoft.com/office/powerpoint/2010/main" val="1137647517"/>
+        <p14:creationId xmlns:p14="http://schemas.microsoft.com/office/powerpoint/2010/main" val="1060267809"/>
       </p:ext>
     </p:extLst>
   </p:cSld>
@@ -14907,7 +15176,7 @@
     </p:spTree>
     <p:extLst>
       <p:ext uri="{BB962C8B-B14F-4D97-AF65-F5344CB8AC3E}">
-        <p14:creationId xmlns:p14="http://schemas.microsoft.com/office/powerpoint/2010/main" val="3052086859"/>
+        <p14:creationId xmlns:p14="http://schemas.microsoft.com/office/powerpoint/2010/main" val="1137647517"/>
       </p:ext>
     </p:extLst>
   </p:cSld>
@@ -15037,7 +15306,7 @@
     </p:spTree>
     <p:extLst>
       <p:ext uri="{BB962C8B-B14F-4D97-AF65-F5344CB8AC3E}">
-        <p14:creationId xmlns:p14="http://schemas.microsoft.com/office/powerpoint/2010/main" val="1097272351"/>
+        <p14:creationId xmlns:p14="http://schemas.microsoft.com/office/powerpoint/2010/main" val="3052086859"/>
       </p:ext>
     </p:extLst>
   </p:cSld>
@@ -15167,7 +15436,7 @@
     </p:spTree>
     <p:extLst>
       <p:ext uri="{BB962C8B-B14F-4D97-AF65-F5344CB8AC3E}">
-        <p14:creationId xmlns:p14="http://schemas.microsoft.com/office/powerpoint/2010/main" val="1587220367"/>
+        <p14:creationId xmlns:p14="http://schemas.microsoft.com/office/powerpoint/2010/main" val="1097272351"/>
       </p:ext>
     </p:extLst>
   </p:cSld>
@@ -15297,7 +15566,7 @@
     </p:spTree>
     <p:extLst>
       <p:ext uri="{BB962C8B-B14F-4D97-AF65-F5344CB8AC3E}">
-        <p14:creationId xmlns:p14="http://schemas.microsoft.com/office/powerpoint/2010/main" val="1863467568"/>
+        <p14:creationId xmlns:p14="http://schemas.microsoft.com/office/powerpoint/2010/main" val="1587220367"/>
       </p:ext>
     </p:extLst>
   </p:cSld>
@@ -15427,7 +15696,7 @@
     </p:spTree>
     <p:extLst>
       <p:ext uri="{BB962C8B-B14F-4D97-AF65-F5344CB8AC3E}">
-        <p14:creationId xmlns:p14="http://schemas.microsoft.com/office/powerpoint/2010/main" val="1971192509"/>
+        <p14:creationId xmlns:p14="http://schemas.microsoft.com/office/powerpoint/2010/main" val="1863467568"/>
       </p:ext>
     </p:extLst>
   </p:cSld>
@@ -15463,7 +15732,7 @@
       </p:grpSpPr>
       <p:sp>
         <p:nvSpPr>
-          <p:cNvPr id="4" name="Rectangle 3"/>
+          <p:cNvPr id="6" name="Rectangle 5"/>
           <p:cNvSpPr/>
           <p:nvPr/>
         </p:nvSpPr>
@@ -15476,8 +15745,8 @@
             <a:avLst/>
           </a:prstGeom>
           <a:solidFill>
-            <a:schemeClr val="bg2">
-              <a:lumMod val="10000"/>
+            <a:schemeClr val="accent4">
+              <a:lumMod val="75000"/>
             </a:schemeClr>
           </a:solidFill>
         </p:spPr>
@@ -15487,7 +15756,11 @@
           </a:bodyPr>
           <a:lstStyle/>
           <a:p>
-            <a:pPr algn="r"/>
+            <a:pPr algn="r">
+              <a:spcBef>
+                <a:spcPct val="0"/>
+              </a:spcBef>
+            </a:pPr>
             <a:r>
               <a:rPr lang="en-IN" sz="3200" b="1" i="1" dirty="0" smtClean="0">
                 <a:solidFill>
@@ -15496,27 +15769,40 @@
                 <a:latin typeface="Arial" pitchFamily="34" charset="0"/>
                 <a:cs typeface="Arial" pitchFamily="34" charset="0"/>
               </a:rPr>
-              <a:t>IMP</a:t>
-            </a:r>
-            <a:endParaRPr lang="en-IN" sz="3200" b="1" i="1" dirty="0">
-              <a:solidFill>
-                <a:srgbClr val="FFFF00"/>
-              </a:solidFill>
-              <a:latin typeface="Arial" pitchFamily="34" charset="0"/>
-              <a:cs typeface="Arial" pitchFamily="34" charset="0"/>
-            </a:endParaRPr>
-          </a:p>
-        </p:txBody>
-      </p:sp>
-      <p:sp>
-        <p:nvSpPr>
-          <p:cNvPr id="2" name="Rectangle 1"/>
+              <a:t>MongoDB</a:t>
+            </a:r>
+            <a:r>
+              <a:rPr lang="en-US" sz="3200" b="1" i="1" dirty="0" smtClean="0">
+                <a:solidFill>
+                  <a:srgbClr val="FFFF00"/>
+                </a:solidFill>
+                <a:latin typeface="Arial" pitchFamily="34" charset="0"/>
+                <a:cs typeface="Arial" pitchFamily="34" charset="0"/>
+              </a:rPr>
+              <a:t> </a:t>
+            </a:r>
+            <a:r>
+              <a:rPr lang="en-IN" sz="3200" b="1" i="1" dirty="0">
+                <a:solidFill>
+                  <a:srgbClr val="FFFF00"/>
+                </a:solidFill>
+                <a:latin typeface="Arial" pitchFamily="34" charset="0"/>
+                <a:cs typeface="Arial" pitchFamily="34" charset="0"/>
+              </a:rPr>
+              <a:t> </a:t>
+            </a:r>
+          </a:p>
+        </p:txBody>
+      </p:sp>
+      <p:sp>
+        <p:nvSpPr>
+          <p:cNvPr id="7" name="Rectangle 6"/>
           <p:cNvSpPr/>
           <p:nvPr/>
         </p:nvSpPr>
         <p:spPr>
           <a:xfrm>
-            <a:off x="145976" y="849264"/>
+            <a:off x="149188" y="762000"/>
             <a:ext cx="8845624" cy="369332"/>
           </a:xfrm>
           <a:prstGeom prst="rect">
@@ -15530,153 +15816,17 @@
           <a:lstStyle/>
           <a:p>
             <a:r>
-              <a:rPr lang="en-IN" dirty="0" smtClean="0">
-                <a:solidFill>
-                  <a:srgbClr val="222222"/>
-                </a:solidFill>
-                <a:latin typeface="Verdana" panose="020B0604030504040204" pitchFamily="34" charset="0"/>
-              </a:rPr>
-              <a:t>1. Think </a:t>
-            </a:r>
-            <a:r>
-              <a:rPr lang="en-IN" dirty="0">
-                <a:solidFill>
-                  <a:srgbClr val="222222"/>
-                </a:solidFill>
-                <a:latin typeface="Verdana" panose="020B0604030504040204" pitchFamily="34" charset="0"/>
-              </a:rPr>
-              <a:t>about how multiplication can be done without actually </a:t>
-            </a:r>
-            <a:r>
-              <a:rPr lang="en-IN" dirty="0" smtClean="0">
-                <a:solidFill>
-                  <a:srgbClr val="222222"/>
-                </a:solidFill>
-                <a:latin typeface="Verdana" panose="020B0604030504040204" pitchFamily="34" charset="0"/>
-              </a:rPr>
-              <a:t>multiplying </a:t>
+              <a:rPr lang="en-US" dirty="0" smtClean="0"/>
+              <a:t>TODO</a:t>
             </a:r>
             <a:endParaRPr lang="en-IN" dirty="0"/>
           </a:p>
         </p:txBody>
       </p:sp>
-      <p:sp>
-        <p:nvSpPr>
-          <p:cNvPr id="3" name="TextBox 2"/>
-          <p:cNvSpPr txBox="1"/>
-          <p:nvPr/>
-        </p:nvSpPr>
-        <p:spPr>
-          <a:xfrm>
-            <a:off x="990600" y="2514600"/>
-            <a:ext cx="184731" cy="369332"/>
-          </a:xfrm>
-          <a:prstGeom prst="rect">
-            <a:avLst/>
-          </a:prstGeom>
-          <a:noFill/>
-        </p:spPr>
-        <p:txBody>
-          <a:bodyPr wrap="none" rtlCol="0">
-            <a:spAutoFit/>
-          </a:bodyPr>
-          <a:lstStyle/>
-          <a:p>
-            <a:endParaRPr lang="en-IN" dirty="0"/>
-          </a:p>
-        </p:txBody>
-      </p:sp>
-      <p:pic>
-        <p:nvPicPr>
-          <p:cNvPr id="5" name="Picture 4"/>
-          <p:cNvPicPr>
-            <a:picLocks noChangeAspect="1"/>
-          </p:cNvPicPr>
-          <p:nvPr/>
-        </p:nvPicPr>
-        <p:blipFill>
-          <a:blip r:embed="rId2"/>
-          <a:stretch>
-            <a:fillRect/>
-          </a:stretch>
-        </p:blipFill>
-        <p:spPr>
-          <a:xfrm>
-            <a:off x="304800" y="3700361"/>
-            <a:ext cx="4648200" cy="2471839"/>
-          </a:xfrm>
-          <a:prstGeom prst="rect">
-            <a:avLst/>
-          </a:prstGeom>
-        </p:spPr>
-      </p:pic>
-      <p:sp>
-        <p:nvSpPr>
-          <p:cNvPr id="6" name="Rectangle 5"/>
-          <p:cNvSpPr/>
-          <p:nvPr/>
-        </p:nvSpPr>
-        <p:spPr>
-          <a:xfrm>
-            <a:off x="145976" y="3243552"/>
-            <a:ext cx="1317990" cy="369332"/>
-          </a:xfrm>
-          <a:prstGeom prst="rect">
-            <a:avLst/>
-          </a:prstGeom>
-        </p:spPr>
-        <p:txBody>
-          <a:bodyPr wrap="none">
-            <a:spAutoFit/>
-          </a:bodyPr>
-          <a:lstStyle/>
-          <a:p>
-            <a:r>
-              <a:rPr lang="en-IN" dirty="0" smtClean="0">
-                <a:solidFill>
-                  <a:srgbClr val="222222"/>
-                </a:solidFill>
-                <a:latin typeface="Verdana" panose="020B0604030504040204" pitchFamily="34" charset="0"/>
-              </a:rPr>
-              <a:t>2. Square</a:t>
-            </a:r>
-            <a:endParaRPr lang="en-IN" dirty="0">
-              <a:solidFill>
-                <a:srgbClr val="222222"/>
-              </a:solidFill>
-              <a:latin typeface="Verdana" panose="020B0604030504040204" pitchFamily="34" charset="0"/>
-            </a:endParaRPr>
-          </a:p>
-        </p:txBody>
-      </p:sp>
-      <p:pic>
-        <p:nvPicPr>
-          <p:cNvPr id="8" name="Picture 7"/>
-          <p:cNvPicPr>
-            <a:picLocks noChangeAspect="1"/>
-          </p:cNvPicPr>
-          <p:nvPr/>
-        </p:nvPicPr>
-        <p:blipFill>
-          <a:blip r:embed="rId3"/>
-          <a:stretch>
-            <a:fillRect/>
-          </a:stretch>
-        </p:blipFill>
-        <p:spPr>
-          <a:xfrm>
-            <a:off x="533400" y="1250647"/>
-            <a:ext cx="4495800" cy="1883657"/>
-          </a:xfrm>
-          <a:prstGeom prst="rect">
-            <a:avLst/>
-          </a:prstGeom>
-        </p:spPr>
-      </p:pic>
     </p:spTree>
     <p:extLst>
       <p:ext uri="{BB962C8B-B14F-4D97-AF65-F5344CB8AC3E}">
-        <p14:creationId xmlns:p14="http://schemas.microsoft.com/office/powerpoint/2010/main" val="3391323119"/>
+        <p14:creationId xmlns:p14="http://schemas.microsoft.com/office/powerpoint/2010/main" val="1971192509"/>
       </p:ext>
     </p:extLst>
   </p:cSld>
@@ -15710,97 +15860,222 @@
           <a:chExt cx="0" cy="0"/>
         </a:xfrm>
       </p:grpSpPr>
+      <p:sp>
+        <p:nvSpPr>
+          <p:cNvPr id="4" name="Rectangle 3"/>
+          <p:cNvSpPr/>
+          <p:nvPr/>
+        </p:nvSpPr>
+        <p:spPr>
+          <a:xfrm>
+            <a:off x="0" y="0"/>
+            <a:ext cx="9144000" cy="584775"/>
+          </a:xfrm>
+          <a:prstGeom prst="rect">
+            <a:avLst/>
+          </a:prstGeom>
+          <a:solidFill>
+            <a:schemeClr val="bg2">
+              <a:lumMod val="10000"/>
+            </a:schemeClr>
+          </a:solidFill>
+        </p:spPr>
+        <p:txBody>
+          <a:bodyPr wrap="square">
+            <a:spAutoFit/>
+          </a:bodyPr>
+          <a:lstStyle/>
+          <a:p>
+            <a:pPr algn="r"/>
+            <a:r>
+              <a:rPr lang="en-IN" sz="3200" b="1" i="1" dirty="0" smtClean="0">
+                <a:solidFill>
+                  <a:srgbClr val="FFFF00"/>
+                </a:solidFill>
+                <a:latin typeface="Arial" pitchFamily="34" charset="0"/>
+                <a:cs typeface="Arial" pitchFamily="34" charset="0"/>
+              </a:rPr>
+              <a:t>IMP</a:t>
+            </a:r>
+            <a:endParaRPr lang="en-IN" sz="3200" b="1" i="1" dirty="0">
+              <a:solidFill>
+                <a:srgbClr val="FFFF00"/>
+              </a:solidFill>
+              <a:latin typeface="Arial" pitchFamily="34" charset="0"/>
+              <a:cs typeface="Arial" pitchFamily="34" charset="0"/>
+            </a:endParaRPr>
+          </a:p>
+        </p:txBody>
+      </p:sp>
+      <p:sp>
+        <p:nvSpPr>
+          <p:cNvPr id="2" name="Rectangle 1"/>
+          <p:cNvSpPr/>
+          <p:nvPr/>
+        </p:nvSpPr>
+        <p:spPr>
+          <a:xfrm>
+            <a:off x="145976" y="849264"/>
+            <a:ext cx="8845624" cy="369332"/>
+          </a:xfrm>
+          <a:prstGeom prst="rect">
+            <a:avLst/>
+          </a:prstGeom>
+        </p:spPr>
+        <p:txBody>
+          <a:bodyPr wrap="square">
+            <a:spAutoFit/>
+          </a:bodyPr>
+          <a:lstStyle/>
+          <a:p>
+            <a:r>
+              <a:rPr lang="en-IN" dirty="0" smtClean="0">
+                <a:solidFill>
+                  <a:srgbClr val="222222"/>
+                </a:solidFill>
+                <a:latin typeface="Verdana" panose="020B0604030504040204" pitchFamily="34" charset="0"/>
+              </a:rPr>
+              <a:t>1. Think </a:t>
+            </a:r>
+            <a:r>
+              <a:rPr lang="en-IN" dirty="0">
+                <a:solidFill>
+                  <a:srgbClr val="222222"/>
+                </a:solidFill>
+                <a:latin typeface="Verdana" panose="020B0604030504040204" pitchFamily="34" charset="0"/>
+              </a:rPr>
+              <a:t>about how multiplication can be done without actually </a:t>
+            </a:r>
+            <a:r>
+              <a:rPr lang="en-IN" dirty="0" smtClean="0">
+                <a:solidFill>
+                  <a:srgbClr val="222222"/>
+                </a:solidFill>
+                <a:latin typeface="Verdana" panose="020B0604030504040204" pitchFamily="34" charset="0"/>
+              </a:rPr>
+              <a:t>multiplying </a:t>
+            </a:r>
+            <a:endParaRPr lang="en-IN" dirty="0"/>
+          </a:p>
+        </p:txBody>
+      </p:sp>
+      <p:sp>
+        <p:nvSpPr>
+          <p:cNvPr id="3" name="TextBox 2"/>
+          <p:cNvSpPr txBox="1"/>
+          <p:nvPr/>
+        </p:nvSpPr>
+        <p:spPr>
+          <a:xfrm>
+            <a:off x="990600" y="2514600"/>
+            <a:ext cx="184731" cy="369332"/>
+          </a:xfrm>
+          <a:prstGeom prst="rect">
+            <a:avLst/>
+          </a:prstGeom>
+          <a:noFill/>
+        </p:spPr>
+        <p:txBody>
+          <a:bodyPr wrap="none" rtlCol="0">
+            <a:spAutoFit/>
+          </a:bodyPr>
+          <a:lstStyle/>
+          <a:p>
+            <a:endParaRPr lang="en-IN" dirty="0"/>
+          </a:p>
+        </p:txBody>
+      </p:sp>
       <p:pic>
         <p:nvPicPr>
-          <p:cNvPr id="1026" name="Picture 2" descr="http://www.bvctch.vn/vnt_upload/weblink/thks.jpg"/>
+          <p:cNvPr id="5" name="Picture 4"/>
           <p:cNvPicPr>
-            <a:picLocks noChangeAspect="1" noChangeArrowheads="1"/>
+            <a:picLocks noChangeAspect="1"/>
           </p:cNvPicPr>
           <p:nvPr/>
         </p:nvPicPr>
         <p:blipFill>
-          <a:blip r:embed="rId2">
-            <a:extLst>
-              <a:ext uri="{28A0092B-C50C-407E-A947-70E740481C1C}">
-                <a14:useLocalDpi xmlns:a14="http://schemas.microsoft.com/office/drawing/2010/main" val="0"/>
-              </a:ext>
-            </a:extLst>
-          </a:blip>
-          <a:srcRect/>
+          <a:blip r:embed="rId2"/>
           <a:stretch>
             <a:fillRect/>
           </a:stretch>
         </p:blipFill>
-        <p:spPr bwMode="auto">
-          <a:xfrm>
-            <a:off x="2895600" y="757237"/>
-            <a:ext cx="3124200" cy="4881563"/>
-          </a:xfrm>
-          <a:prstGeom prst="rect">
-            <a:avLst/>
-          </a:prstGeom>
-          <a:noFill/>
-          <a:extLst>
-            <a:ext uri="{909E8E84-426E-40DD-AFC4-6F175D3DCCD1}">
-              <a14:hiddenFill xmlns:a14="http://schemas.microsoft.com/office/drawing/2010/main">
-                <a:solidFill>
-                  <a:srgbClr val="FFFFFF"/>
-                </a:solidFill>
-              </a14:hiddenFill>
-            </a:ext>
-          </a:extLst>
+        <p:spPr>
+          <a:xfrm>
+            <a:off x="304800" y="3700361"/>
+            <a:ext cx="4648200" cy="2471839"/>
+          </a:xfrm>
+          <a:prstGeom prst="rect">
+            <a:avLst/>
+          </a:prstGeom>
         </p:spPr>
       </p:pic>
       <p:sp>
         <p:nvSpPr>
-          <p:cNvPr id="3" name="Rectangle 2"/>
+          <p:cNvPr id="6" name="Rectangle 5"/>
           <p:cNvSpPr/>
           <p:nvPr/>
         </p:nvSpPr>
         <p:spPr>
           <a:xfrm>
-            <a:off x="304800" y="5105400"/>
-            <a:ext cx="8610600" cy="1077218"/>
-          </a:xfrm>
-          <a:prstGeom prst="rect">
-            <a:avLst/>
-          </a:prstGeom>
-        </p:spPr>
-        <p:txBody>
-          <a:bodyPr wrap="square">
+            <a:off x="145976" y="3243552"/>
+            <a:ext cx="1317990" cy="369332"/>
+          </a:xfrm>
+          <a:prstGeom prst="rect">
+            <a:avLst/>
+          </a:prstGeom>
+        </p:spPr>
+        <p:txBody>
+          <a:bodyPr wrap="none">
             <a:spAutoFit/>
           </a:bodyPr>
           <a:lstStyle/>
           <a:p>
-            <a:pPr algn="ctr"/>
-            <a:r>
-              <a:rPr lang="en-IN" sz="3200" dirty="0">
-                <a:solidFill>
-                  <a:srgbClr val="FE1212"/>
-                </a:solidFill>
-                <a:latin typeface="Segoe Print" panose="02000600000000000000" pitchFamily="2" charset="0"/>
-              </a:rPr>
-              <a:t>"Live as if you were to die tomorrow.</a:t>
-            </a:r>
-          </a:p>
-          <a:p>
-            <a:pPr algn="ctr"/>
-            <a:r>
-              <a:rPr lang="en-IN" sz="3200" dirty="0">
-                <a:solidFill>
-                  <a:srgbClr val="FE1212"/>
-                </a:solidFill>
-                <a:latin typeface="Segoe Print" panose="02000600000000000000" pitchFamily="2" charset="0"/>
-              </a:rPr>
-              <a:t>Learn as if you were to live forever"</a:t>
-            </a:r>
-          </a:p>
-        </p:txBody>
-      </p:sp>
+            <a:r>
+              <a:rPr lang="en-IN" dirty="0" smtClean="0">
+                <a:solidFill>
+                  <a:srgbClr val="222222"/>
+                </a:solidFill>
+                <a:latin typeface="Verdana" panose="020B0604030504040204" pitchFamily="34" charset="0"/>
+              </a:rPr>
+              <a:t>2. Square</a:t>
+            </a:r>
+            <a:endParaRPr lang="en-IN" dirty="0">
+              <a:solidFill>
+                <a:srgbClr val="222222"/>
+              </a:solidFill>
+              <a:latin typeface="Verdana" panose="020B0604030504040204" pitchFamily="34" charset="0"/>
+            </a:endParaRPr>
+          </a:p>
+        </p:txBody>
+      </p:sp>
+      <p:pic>
+        <p:nvPicPr>
+          <p:cNvPr id="8" name="Picture 7"/>
+          <p:cNvPicPr>
+            <a:picLocks noChangeAspect="1"/>
+          </p:cNvPicPr>
+          <p:nvPr/>
+        </p:nvPicPr>
+        <p:blipFill>
+          <a:blip r:embed="rId3"/>
+          <a:stretch>
+            <a:fillRect/>
+          </a:stretch>
+        </p:blipFill>
+        <p:spPr>
+          <a:xfrm>
+            <a:off x="533400" y="1250647"/>
+            <a:ext cx="4495800" cy="1883657"/>
+          </a:xfrm>
+          <a:prstGeom prst="rect">
+            <a:avLst/>
+          </a:prstGeom>
+        </p:spPr>
+      </p:pic>
     </p:spTree>
     <p:extLst>
       <p:ext uri="{BB962C8B-B14F-4D97-AF65-F5344CB8AC3E}">
-        <p14:creationId xmlns:p14="http://schemas.microsoft.com/office/powerpoint/2010/main" val="1148130326"/>
+        <p14:creationId xmlns:p14="http://schemas.microsoft.com/office/powerpoint/2010/main" val="3391323119"/>
       </p:ext>
     </p:extLst>
   </p:cSld>
@@ -15834,6 +16109,47 @@
           <a:chExt cx="0" cy="0"/>
         </a:xfrm>
       </p:grpSpPr>
+      <p:pic>
+        <p:nvPicPr>
+          <p:cNvPr id="1026" name="Picture 2" descr="http://www.bvctch.vn/vnt_upload/weblink/thks.jpg"/>
+          <p:cNvPicPr>
+            <a:picLocks noChangeAspect="1" noChangeArrowheads="1"/>
+          </p:cNvPicPr>
+          <p:nvPr/>
+        </p:nvPicPr>
+        <p:blipFill>
+          <a:blip r:embed="rId2">
+            <a:extLst>
+              <a:ext uri="{28A0092B-C50C-407E-A947-70E740481C1C}">
+                <a14:useLocalDpi xmlns:a14="http://schemas.microsoft.com/office/drawing/2010/main" val="0"/>
+              </a:ext>
+            </a:extLst>
+          </a:blip>
+          <a:srcRect/>
+          <a:stretch>
+            <a:fillRect/>
+          </a:stretch>
+        </p:blipFill>
+        <p:spPr bwMode="auto">
+          <a:xfrm>
+            <a:off x="2895600" y="757237"/>
+            <a:ext cx="3124200" cy="4881563"/>
+          </a:xfrm>
+          <a:prstGeom prst="rect">
+            <a:avLst/>
+          </a:prstGeom>
+          <a:noFill/>
+          <a:extLst>
+            <a:ext uri="{909E8E84-426E-40DD-AFC4-6F175D3DCCD1}">
+              <a14:hiddenFill xmlns:a14="http://schemas.microsoft.com/office/drawing/2010/main">
+                <a:solidFill>
+                  <a:srgbClr val="FFFFFF"/>
+                </a:solidFill>
+              </a14:hiddenFill>
+            </a:ext>
+          </a:extLst>
+        </p:spPr>
+      </p:pic>
       <p:sp>
         <p:nvSpPr>
           <p:cNvPr id="3" name="Rectangle 2"/>
@@ -15842,8 +16158,8 @@
         </p:nvSpPr>
         <p:spPr>
           <a:xfrm>
-            <a:off x="304800" y="1981200"/>
-            <a:ext cx="8305800" cy="1754326"/>
+            <a:off x="304800" y="5105400"/>
+            <a:ext cx="8610600" cy="1077218"/>
           </a:xfrm>
           <a:prstGeom prst="rect">
             <a:avLst/>
@@ -15855,52 +16171,27 @@
           </a:bodyPr>
           <a:lstStyle/>
           <a:p>
-            <a:r>
-              <a:rPr lang="en-US" dirty="0"/>
-              <a:t>The ALTER TABLE...DROP UNUSED COLUMNS statement is the only action allowed on unused columns. It physically removes unused columns from the table and reclaims disk space</a:t>
-            </a:r>
-            <a:r>
-              <a:rPr lang="en-US" dirty="0" smtClean="0"/>
-              <a:t>.</a:t>
-            </a:r>
-          </a:p>
-          <a:p>
-            <a:endParaRPr lang="en-US" dirty="0" smtClean="0"/>
-          </a:p>
-          <a:p>
-            <a:r>
-              <a:rPr lang="en-US" dirty="0" smtClean="0">
-                <a:solidFill>
-                  <a:srgbClr val="FF0000"/>
-                </a:solidFill>
-              </a:rPr>
-              <a:t>alter </a:t>
-            </a:r>
-            <a:r>
-              <a:rPr lang="en-US" dirty="0">
-                <a:solidFill>
-                  <a:srgbClr val="FF0000"/>
-                </a:solidFill>
-              </a:rPr>
-              <a:t>table t set unused(c2);</a:t>
-            </a:r>
-          </a:p>
-          <a:p>
-            <a:r>
-              <a:rPr lang="en-US" dirty="0" smtClean="0">
-                <a:solidFill>
-                  <a:srgbClr val="FF0000"/>
-                </a:solidFill>
-              </a:rPr>
-              <a:t> </a:t>
-            </a:r>
-            <a:r>
-              <a:rPr lang="en-US" dirty="0">
-                <a:solidFill>
-                  <a:srgbClr val="FF0000"/>
-                </a:solidFill>
-              </a:rPr>
-              <a:t>alter table t drop unused column;</a:t>
+            <a:pPr algn="ctr"/>
+            <a:r>
+              <a:rPr lang="en-IN" sz="3200" dirty="0">
+                <a:solidFill>
+                  <a:srgbClr val="FE1212"/>
+                </a:solidFill>
+                <a:latin typeface="Segoe Print" panose="02000600000000000000" pitchFamily="2" charset="0"/>
+              </a:rPr>
+              <a:t>"Live as if you were to die tomorrow.</a:t>
+            </a:r>
+          </a:p>
+          <a:p>
+            <a:pPr algn="ctr"/>
+            <a:r>
+              <a:rPr lang="en-IN" sz="3200" dirty="0">
+                <a:solidFill>
+                  <a:srgbClr val="FE1212"/>
+                </a:solidFill>
+                <a:latin typeface="Segoe Print" panose="02000600000000000000" pitchFamily="2" charset="0"/>
+              </a:rPr>
+              <a:t>Learn as if you were to live forever"</a:t>
             </a:r>
           </a:p>
         </p:txBody>
@@ -15908,13 +16199,20 @@
     </p:spTree>
     <p:extLst>
       <p:ext uri="{BB962C8B-B14F-4D97-AF65-F5344CB8AC3E}">
-        <p14:creationId xmlns:p14="http://schemas.microsoft.com/office/powerpoint/2010/main" val="1183446369"/>
+        <p14:creationId xmlns:p14="http://schemas.microsoft.com/office/powerpoint/2010/main" val="1148130326"/>
       </p:ext>
     </p:extLst>
   </p:cSld>
   <p:clrMapOvr>
     <a:masterClrMapping/>
   </p:clrMapOvr>
+  <p:timing>
+    <p:tnLst>
+      <p:par>
+        <p:cTn id="1" dur="indefinite" restart="never" nodeType="tmRoot"/>
+      </p:par>
+    </p:tnLst>
+  </p:timing>
 </p:sld>
 </file>
 
@@ -16115,6 +16413,107 @@
 </file>
 
 <file path=ppt/slides/slide60.xml><?xml version="1.0" encoding="utf-8"?>
+<p:sld xmlns:a="http://schemas.openxmlformats.org/drawingml/2006/main" xmlns:r="http://schemas.openxmlformats.org/officeDocument/2006/relationships" xmlns:p="http://schemas.openxmlformats.org/presentationml/2006/main">
+  <p:cSld>
+    <p:spTree>
+      <p:nvGrpSpPr>
+        <p:cNvPr id="1" name=""/>
+        <p:cNvGrpSpPr/>
+        <p:nvPr/>
+      </p:nvGrpSpPr>
+      <p:grpSpPr>
+        <a:xfrm>
+          <a:off x="0" y="0"/>
+          <a:ext cx="0" cy="0"/>
+          <a:chOff x="0" y="0"/>
+          <a:chExt cx="0" cy="0"/>
+        </a:xfrm>
+      </p:grpSpPr>
+      <p:sp>
+        <p:nvSpPr>
+          <p:cNvPr id="3" name="Rectangle 2"/>
+          <p:cNvSpPr/>
+          <p:nvPr/>
+        </p:nvSpPr>
+        <p:spPr>
+          <a:xfrm>
+            <a:off x="304800" y="1981200"/>
+            <a:ext cx="8305800" cy="1754326"/>
+          </a:xfrm>
+          <a:prstGeom prst="rect">
+            <a:avLst/>
+          </a:prstGeom>
+        </p:spPr>
+        <p:txBody>
+          <a:bodyPr wrap="square">
+            <a:spAutoFit/>
+          </a:bodyPr>
+          <a:lstStyle/>
+          <a:p>
+            <a:r>
+              <a:rPr lang="en-US" dirty="0"/>
+              <a:t>The ALTER TABLE...DROP UNUSED COLUMNS statement is the only action allowed on unused columns. It physically removes unused columns from the table and reclaims disk space</a:t>
+            </a:r>
+            <a:r>
+              <a:rPr lang="en-US" dirty="0" smtClean="0"/>
+              <a:t>.</a:t>
+            </a:r>
+          </a:p>
+          <a:p>
+            <a:endParaRPr lang="en-US" dirty="0" smtClean="0"/>
+          </a:p>
+          <a:p>
+            <a:r>
+              <a:rPr lang="en-US" dirty="0" smtClean="0">
+                <a:solidFill>
+                  <a:srgbClr val="FF0000"/>
+                </a:solidFill>
+              </a:rPr>
+              <a:t>alter </a:t>
+            </a:r>
+            <a:r>
+              <a:rPr lang="en-US" dirty="0">
+                <a:solidFill>
+                  <a:srgbClr val="FF0000"/>
+                </a:solidFill>
+              </a:rPr>
+              <a:t>table t set unused(c2);</a:t>
+            </a:r>
+          </a:p>
+          <a:p>
+            <a:r>
+              <a:rPr lang="en-US" dirty="0" smtClean="0">
+                <a:solidFill>
+                  <a:srgbClr val="FF0000"/>
+                </a:solidFill>
+              </a:rPr>
+              <a:t> </a:t>
+            </a:r>
+            <a:r>
+              <a:rPr lang="en-US" dirty="0">
+                <a:solidFill>
+                  <a:srgbClr val="FF0000"/>
+                </a:solidFill>
+              </a:rPr>
+              <a:t>alter table t drop unused column;</a:t>
+            </a:r>
+          </a:p>
+        </p:txBody>
+      </p:sp>
+    </p:spTree>
+    <p:extLst>
+      <p:ext uri="{BB962C8B-B14F-4D97-AF65-F5344CB8AC3E}">
+        <p14:creationId xmlns:p14="http://schemas.microsoft.com/office/powerpoint/2010/main" val="1183446369"/>
+      </p:ext>
+    </p:extLst>
+  </p:cSld>
+  <p:clrMapOvr>
+    <a:masterClrMapping/>
+  </p:clrMapOvr>
+</p:sld>
+</file>
+
+<file path=ppt/slides/slide61.xml><?xml version="1.0" encoding="utf-8"?>
 <p:sld xmlns:a="http://schemas.openxmlformats.org/drawingml/2006/main" xmlns:r="http://schemas.openxmlformats.org/officeDocument/2006/relationships" xmlns:p="http://schemas.openxmlformats.org/presentationml/2006/main">
   <p:cSld>
     <p:spTree>

--- a/MongoDB.pptx
+++ b/MongoDB.pptx
@@ -5,7 +5,7 @@
     <p:sldMasterId id="2147483720" r:id="rId1"/>
   </p:sldMasterIdLst>
   <p:notesMasterIdLst>
-    <p:notesMasterId r:id="rId63"/>
+    <p:notesMasterId r:id="rId71"/>
   </p:notesMasterIdLst>
   <p:sldIdLst>
     <p:sldId id="497" r:id="rId2"/>
@@ -33,42 +33,50 @@
     <p:sldId id="1143" r:id="rId24"/>
     <p:sldId id="1144" r:id="rId25"/>
     <p:sldId id="1145" r:id="rId26"/>
-    <p:sldId id="1098" r:id="rId27"/>
-    <p:sldId id="1090" r:id="rId28"/>
-    <p:sldId id="1099" r:id="rId29"/>
-    <p:sldId id="1092" r:id="rId30"/>
-    <p:sldId id="1102" r:id="rId31"/>
-    <p:sldId id="1103" r:id="rId32"/>
-    <p:sldId id="1104" r:id="rId33"/>
-    <p:sldId id="1105" r:id="rId34"/>
-    <p:sldId id="1106" r:id="rId35"/>
-    <p:sldId id="1107" r:id="rId36"/>
-    <p:sldId id="1108" r:id="rId37"/>
-    <p:sldId id="1109" r:id="rId38"/>
-    <p:sldId id="1110" r:id="rId39"/>
-    <p:sldId id="1111" r:id="rId40"/>
-    <p:sldId id="1112" r:id="rId41"/>
-    <p:sldId id="1113" r:id="rId42"/>
-    <p:sldId id="1114" r:id="rId43"/>
-    <p:sldId id="1115" r:id="rId44"/>
-    <p:sldId id="1116" r:id="rId45"/>
-    <p:sldId id="1117" r:id="rId46"/>
-    <p:sldId id="1118" r:id="rId47"/>
-    <p:sldId id="1119" r:id="rId48"/>
-    <p:sldId id="1120" r:id="rId49"/>
-    <p:sldId id="1121" r:id="rId50"/>
-    <p:sldId id="1122" r:id="rId51"/>
-    <p:sldId id="1123" r:id="rId52"/>
-    <p:sldId id="1124" r:id="rId53"/>
-    <p:sldId id="1125" r:id="rId54"/>
-    <p:sldId id="1126" r:id="rId55"/>
-    <p:sldId id="1127" r:id="rId56"/>
-    <p:sldId id="1128" r:id="rId57"/>
-    <p:sldId id="1129" r:id="rId58"/>
-    <p:sldId id="954" r:id="rId59"/>
-    <p:sldId id="788" r:id="rId60"/>
-    <p:sldId id="1071" r:id="rId61"/>
-    <p:sldId id="1087" r:id="rId62"/>
+    <p:sldId id="1146" r:id="rId27"/>
+    <p:sldId id="1147" r:id="rId28"/>
+    <p:sldId id="1148" r:id="rId29"/>
+    <p:sldId id="1149" r:id="rId30"/>
+    <p:sldId id="1150" r:id="rId31"/>
+    <p:sldId id="1151" r:id="rId32"/>
+    <p:sldId id="1152" r:id="rId33"/>
+    <p:sldId id="1153" r:id="rId34"/>
+    <p:sldId id="1098" r:id="rId35"/>
+    <p:sldId id="1090" r:id="rId36"/>
+    <p:sldId id="1099" r:id="rId37"/>
+    <p:sldId id="1092" r:id="rId38"/>
+    <p:sldId id="1102" r:id="rId39"/>
+    <p:sldId id="1103" r:id="rId40"/>
+    <p:sldId id="1104" r:id="rId41"/>
+    <p:sldId id="1105" r:id="rId42"/>
+    <p:sldId id="1106" r:id="rId43"/>
+    <p:sldId id="1107" r:id="rId44"/>
+    <p:sldId id="1108" r:id="rId45"/>
+    <p:sldId id="1109" r:id="rId46"/>
+    <p:sldId id="1110" r:id="rId47"/>
+    <p:sldId id="1111" r:id="rId48"/>
+    <p:sldId id="1112" r:id="rId49"/>
+    <p:sldId id="1113" r:id="rId50"/>
+    <p:sldId id="1114" r:id="rId51"/>
+    <p:sldId id="1115" r:id="rId52"/>
+    <p:sldId id="1116" r:id="rId53"/>
+    <p:sldId id="1117" r:id="rId54"/>
+    <p:sldId id="1118" r:id="rId55"/>
+    <p:sldId id="1119" r:id="rId56"/>
+    <p:sldId id="1120" r:id="rId57"/>
+    <p:sldId id="1121" r:id="rId58"/>
+    <p:sldId id="1122" r:id="rId59"/>
+    <p:sldId id="1123" r:id="rId60"/>
+    <p:sldId id="1124" r:id="rId61"/>
+    <p:sldId id="1125" r:id="rId62"/>
+    <p:sldId id="1126" r:id="rId63"/>
+    <p:sldId id="1127" r:id="rId64"/>
+    <p:sldId id="1128" r:id="rId65"/>
+    <p:sldId id="1129" r:id="rId66"/>
+    <p:sldId id="954" r:id="rId67"/>
+    <p:sldId id="788" r:id="rId68"/>
+    <p:sldId id="1071" r:id="rId69"/>
+    <p:sldId id="1087" r:id="rId70"/>
   </p:sldIdLst>
   <p:sldSz cx="9144000" cy="6858000" type="screen4x3"/>
   <p:notesSz cx="6858000" cy="9144000"/>
@@ -6323,27 +6331,7 @@
                 <a:latin typeface="Consolas" panose="020B0609020204030204" pitchFamily="49" charset="0"/>
                 <a:cs typeface="Calibri" panose="020F0502020204030204" pitchFamily="34" charset="0"/>
               </a:rPr>
-              <a:t>{ field: </a:t>
-            </a:r>
-            <a:r>
-              <a:rPr lang="en-US" dirty="0">
-                <a:solidFill>
-                  <a:srgbClr val="049DC8"/>
-                </a:solidFill>
-                <a:latin typeface="Consolas" panose="020B0609020204030204" pitchFamily="49" charset="0"/>
-                <a:cs typeface="Calibri" panose="020F0502020204030204" pitchFamily="34" charset="0"/>
-              </a:rPr>
-              <a:t>{$ne: </a:t>
-            </a:r>
-            <a:r>
-              <a:rPr lang="en-US" dirty="0">
-                <a:solidFill>
-                  <a:srgbClr val="049DC8"/>
-                </a:solidFill>
-                <a:latin typeface="Consolas" panose="020B0609020204030204" pitchFamily="49" charset="0"/>
-                <a:cs typeface="Calibri" panose="020F0502020204030204" pitchFamily="34" charset="0"/>
-              </a:rPr>
-              <a:t>value} }</a:t>
+              <a:t>{ field: {$ne: value} }</a:t>
             </a:r>
           </a:p>
         </p:txBody>
@@ -6418,27 +6406,7 @@
                 <a:latin typeface="Consolas" panose="020B0609020204030204" pitchFamily="49" charset="0"/>
                 <a:cs typeface="Calibri" panose="020F0502020204030204" pitchFamily="34" charset="0"/>
               </a:rPr>
-              <a:t>{ field: </a:t>
-            </a:r>
-            <a:r>
-              <a:rPr lang="en-US" dirty="0">
-                <a:solidFill>
-                  <a:srgbClr val="049DC8"/>
-                </a:solidFill>
-                <a:latin typeface="Consolas" panose="020B0609020204030204" pitchFamily="49" charset="0"/>
-                <a:cs typeface="Calibri" panose="020F0502020204030204" pitchFamily="34" charset="0"/>
-              </a:rPr>
-              <a:t>{$gt: </a:t>
-            </a:r>
-            <a:r>
-              <a:rPr lang="en-US" dirty="0">
-                <a:solidFill>
-                  <a:srgbClr val="049DC8"/>
-                </a:solidFill>
-                <a:latin typeface="Consolas" panose="020B0609020204030204" pitchFamily="49" charset="0"/>
-                <a:cs typeface="Calibri" panose="020F0502020204030204" pitchFamily="34" charset="0"/>
-              </a:rPr>
-              <a:t>value} }</a:t>
+              <a:t>{ field: {$gt: value} }</a:t>
             </a:r>
           </a:p>
         </p:txBody>
@@ -6513,27 +6481,7 @@
                 <a:latin typeface="Consolas" panose="020B0609020204030204" pitchFamily="49" charset="0"/>
                 <a:cs typeface="Calibri" panose="020F0502020204030204" pitchFamily="34" charset="0"/>
               </a:rPr>
-              <a:t>{ field: </a:t>
-            </a:r>
-            <a:r>
-              <a:rPr lang="en-US" dirty="0">
-                <a:solidFill>
-                  <a:srgbClr val="049DC8"/>
-                </a:solidFill>
-                <a:latin typeface="Consolas" panose="020B0609020204030204" pitchFamily="49" charset="0"/>
-                <a:cs typeface="Calibri" panose="020F0502020204030204" pitchFamily="34" charset="0"/>
-              </a:rPr>
-              <a:t>{$gte: </a:t>
-            </a:r>
-            <a:r>
-              <a:rPr lang="en-US" dirty="0">
-                <a:solidFill>
-                  <a:srgbClr val="049DC8"/>
-                </a:solidFill>
-                <a:latin typeface="Consolas" panose="020B0609020204030204" pitchFamily="49" charset="0"/>
-                <a:cs typeface="Calibri" panose="020F0502020204030204" pitchFamily="34" charset="0"/>
-              </a:rPr>
-              <a:t>value} }</a:t>
+              <a:t>{ field: {$gte: value} }</a:t>
             </a:r>
           </a:p>
         </p:txBody>
@@ -6608,27 +6556,7 @@
                 <a:latin typeface="Consolas" panose="020B0609020204030204" pitchFamily="49" charset="0"/>
                 <a:cs typeface="Calibri" panose="020F0502020204030204" pitchFamily="34" charset="0"/>
               </a:rPr>
-              <a:t>{ field: </a:t>
-            </a:r>
-            <a:r>
-              <a:rPr lang="en-US" dirty="0">
-                <a:solidFill>
-                  <a:srgbClr val="049DC8"/>
-                </a:solidFill>
-                <a:latin typeface="Consolas" panose="020B0609020204030204" pitchFamily="49" charset="0"/>
-                <a:cs typeface="Calibri" panose="020F0502020204030204" pitchFamily="34" charset="0"/>
-              </a:rPr>
-              <a:t>{$lt: </a:t>
-            </a:r>
-            <a:r>
-              <a:rPr lang="en-US" dirty="0">
-                <a:solidFill>
-                  <a:srgbClr val="049DC8"/>
-                </a:solidFill>
-                <a:latin typeface="Consolas" panose="020B0609020204030204" pitchFamily="49" charset="0"/>
-                <a:cs typeface="Calibri" panose="020F0502020204030204" pitchFamily="34" charset="0"/>
-              </a:rPr>
-              <a:t>value} }</a:t>
+              <a:t>{ field: {$lt: value} }</a:t>
             </a:r>
           </a:p>
         </p:txBody>
@@ -6703,27 +6631,7 @@
                 <a:latin typeface="Consolas" panose="020B0609020204030204" pitchFamily="49" charset="0"/>
                 <a:cs typeface="Calibri" panose="020F0502020204030204" pitchFamily="34" charset="0"/>
               </a:rPr>
-              <a:t>{ field: </a:t>
-            </a:r>
-            <a:r>
-              <a:rPr lang="en-US" dirty="0">
-                <a:solidFill>
-                  <a:srgbClr val="049DC8"/>
-                </a:solidFill>
-                <a:latin typeface="Consolas" panose="020B0609020204030204" pitchFamily="49" charset="0"/>
-                <a:cs typeface="Calibri" panose="020F0502020204030204" pitchFamily="34" charset="0"/>
-              </a:rPr>
-              <a:t>{$lte: </a:t>
-            </a:r>
-            <a:r>
-              <a:rPr lang="en-US" dirty="0">
-                <a:solidFill>
-                  <a:srgbClr val="049DC8"/>
-                </a:solidFill>
-                <a:latin typeface="Consolas" panose="020B0609020204030204" pitchFamily="49" charset="0"/>
-                <a:cs typeface="Calibri" panose="020F0502020204030204" pitchFamily="34" charset="0"/>
-              </a:rPr>
-              <a:t>value} }</a:t>
+              <a:t>{ field: {$lte: value} }</a:t>
             </a:r>
           </a:p>
         </p:txBody>
@@ -6798,35 +6706,8 @@
                 <a:latin typeface="Consolas" panose="020B0609020204030204" pitchFamily="49" charset="0"/>
                 <a:cs typeface="Calibri" panose="020F0502020204030204" pitchFamily="34" charset="0"/>
               </a:rPr>
-              <a:t>{ field</a:t>
-            </a:r>
-            <a:r>
-              <a:rPr lang="en-US" dirty="0">
-                <a:solidFill>
-                  <a:srgbClr val="049DC8"/>
-                </a:solidFill>
-                <a:latin typeface="Consolas" panose="020B0609020204030204" pitchFamily="49" charset="0"/>
-                <a:cs typeface="Calibri" panose="020F0502020204030204" pitchFamily="34" charset="0"/>
-              </a:rPr>
-              <a:t>: {$in: [&lt;value1&gt;, &lt;value2&gt;, ..., &lt;valueN</a:t>
-            </a:r>
-            <a:r>
-              <a:rPr lang="en-US" dirty="0">
-                <a:solidFill>
-                  <a:srgbClr val="049DC8"/>
-                </a:solidFill>
-                <a:latin typeface="Consolas" panose="020B0609020204030204" pitchFamily="49" charset="0"/>
-                <a:cs typeface="Calibri" panose="020F0502020204030204" pitchFamily="34" charset="0"/>
-              </a:rPr>
-              <a:t>&gt;]} }</a:t>
-            </a:r>
-            <a:endParaRPr lang="en-US" dirty="0">
-              <a:solidFill>
-                <a:srgbClr val="049DC8"/>
-              </a:solidFill>
-              <a:latin typeface="Consolas" panose="020B0609020204030204" pitchFamily="49" charset="0"/>
-              <a:cs typeface="Calibri" panose="020F0502020204030204" pitchFamily="34" charset="0"/>
-            </a:endParaRPr>
+              <a:t>{ field: {$in: [&lt;value1&gt;, &lt;value2&gt;, ..., &lt;valueN&gt;]} }</a:t>
+            </a:r>
           </a:p>
         </p:txBody>
       </p:sp>
@@ -7753,25 +7634,8 @@
                 <a:latin typeface="Consolas" panose="020B0609020204030204" pitchFamily="49" charset="0"/>
                 <a:cs typeface="Calibri" panose="020F0502020204030204" pitchFamily="34" charset="0"/>
               </a:rPr>
-              <a:t>{ </a:t>
-            </a:r>
-            <a:r>
-              <a:rPr lang="en-US" dirty="0">
-                <a:solidFill>
-                  <a:srgbClr val="049DC8"/>
-                </a:solidFill>
-                <a:latin typeface="Consolas" panose="020B0609020204030204" pitchFamily="49" charset="0"/>
-                <a:cs typeface="Calibri" panose="020F0502020204030204" pitchFamily="34" charset="0"/>
-              </a:rPr>
-              <a:t>$and: [ { &lt;expr1&gt; }, { &lt;expr2&gt; }, ... , { &lt;exprN&gt; } ] }</a:t>
-            </a:r>
-            <a:endParaRPr lang="en-US" dirty="0">
-              <a:solidFill>
-                <a:srgbClr val="049DC8"/>
-              </a:solidFill>
-              <a:latin typeface="Consolas" panose="020B0609020204030204" pitchFamily="49" charset="0"/>
-              <a:cs typeface="Calibri" panose="020F0502020204030204" pitchFamily="34" charset="0"/>
-            </a:endParaRPr>
+              <a:t>{ $and: [ { &lt;expr1&gt; }, { &lt;expr2&gt; }, ... , { &lt;exprN&gt; } ] }</a:t>
+            </a:r>
           </a:p>
         </p:txBody>
       </p:sp>
@@ -8307,8 +8171,10 @@
                 <a:latin typeface="Consolas" panose="020B0609020204030204" pitchFamily="49" charset="0"/>
                 <a:cs typeface="Calibri" panose="020F0502020204030204" pitchFamily="34" charset="0"/>
               </a:rPr>
-              <a:t>show </a:t>
-            </a:r>
+              <a:t>show dbs</a:t>
+            </a:r>
+          </a:p>
+          <a:p>
             <a:r>
               <a:rPr lang="en-US" dirty="0">
                 <a:solidFill>
@@ -8317,37 +8183,8 @@
                 <a:latin typeface="Consolas" panose="020B0609020204030204" pitchFamily="49" charset="0"/>
                 <a:cs typeface="Calibri" panose="020F0502020204030204" pitchFamily="34" charset="0"/>
               </a:rPr>
-              <a:t>dbs</a:t>
-            </a:r>
-          </a:p>
-          <a:p>
-            <a:r>
-              <a:rPr lang="en-US" dirty="0">
-                <a:solidFill>
-                  <a:srgbClr val="049DC8"/>
-                </a:solidFill>
-                <a:latin typeface="Consolas" panose="020B0609020204030204" pitchFamily="49" charset="0"/>
-                <a:cs typeface="Calibri" panose="020F0502020204030204" pitchFamily="34" charset="0"/>
-              </a:rPr>
-              <a:t>show </a:t>
-            </a:r>
-            <a:r>
-              <a:rPr lang="en-US" dirty="0">
-                <a:solidFill>
-                  <a:srgbClr val="049DC8"/>
-                </a:solidFill>
-                <a:latin typeface="Consolas" panose="020B0609020204030204" pitchFamily="49" charset="0"/>
-                <a:cs typeface="Calibri" panose="020F0502020204030204" pitchFamily="34" charset="0"/>
-              </a:rPr>
-              <a:t>databases</a:t>
-            </a:r>
-            <a:endParaRPr lang="en-US" dirty="0">
-              <a:solidFill>
-                <a:srgbClr val="049DC8"/>
-              </a:solidFill>
-              <a:latin typeface="Consolas" panose="020B0609020204030204" pitchFamily="49" charset="0"/>
-              <a:cs typeface="Calibri" panose="020F0502020204030204" pitchFamily="34" charset="0"/>
-            </a:endParaRPr>
+              <a:t>show databases</a:t>
+            </a:r>
           </a:p>
         </p:txBody>
       </p:sp>
@@ -8661,13 +8498,6 @@
               </a:rPr>
               <a:t>use &lt;db&gt;</a:t>
             </a:r>
-            <a:endParaRPr lang="en-US" dirty="0">
-              <a:solidFill>
-                <a:srgbClr val="049DC8"/>
-              </a:solidFill>
-              <a:latin typeface="Consolas" panose="020B0609020204030204" pitchFamily="49" charset="0"/>
-              <a:cs typeface="Calibri" panose="020F0502020204030204" pitchFamily="34" charset="0"/>
-            </a:endParaRPr>
           </a:p>
         </p:txBody>
       </p:sp>
@@ -9128,8 +8958,10 @@
                 <a:latin typeface="Consolas" panose="020B0609020204030204" pitchFamily="49" charset="0"/>
                 <a:cs typeface="Calibri" panose="020F0502020204030204" pitchFamily="34" charset="0"/>
               </a:rPr>
-              <a:t>show </a:t>
-            </a:r>
+              <a:t>show collection</a:t>
+            </a:r>
+          </a:p>
+          <a:p>
             <a:r>
               <a:rPr lang="en-US" dirty="0">
                 <a:solidFill>
@@ -9138,27 +8970,8 @@
                 <a:latin typeface="Consolas" panose="020B0609020204030204" pitchFamily="49" charset="0"/>
                 <a:cs typeface="Calibri" panose="020F0502020204030204" pitchFamily="34" charset="0"/>
               </a:rPr>
-              <a:t>collection</a:t>
-            </a:r>
-          </a:p>
-          <a:p>
-            <a:r>
-              <a:rPr lang="en-US" dirty="0">
-                <a:solidFill>
-                  <a:srgbClr val="049DC8"/>
-                </a:solidFill>
-                <a:latin typeface="Consolas" panose="020B0609020204030204" pitchFamily="49" charset="0"/>
-                <a:cs typeface="Calibri" panose="020F0502020204030204" pitchFamily="34" charset="0"/>
-              </a:rPr>
               <a:t>db.getCollectionNames()</a:t>
             </a:r>
-            <a:endParaRPr lang="en-US" dirty="0">
-              <a:solidFill>
-                <a:srgbClr val="049DC8"/>
-              </a:solidFill>
-              <a:latin typeface="Consolas" panose="020B0609020204030204" pitchFamily="49" charset="0"/>
-              <a:cs typeface="Calibri" panose="020F0502020204030204" pitchFamily="34" charset="0"/>
-            </a:endParaRPr>
           </a:p>
         </p:txBody>
       </p:sp>
@@ -9451,8 +9264,10 @@
                 <a:latin typeface="Consolas" panose="020B0609020204030204" pitchFamily="49" charset="0"/>
                 <a:cs typeface="Calibri" panose="020F0502020204030204" pitchFamily="34" charset="0"/>
               </a:rPr>
-              <a:t>db ['emp'].find </a:t>
-            </a:r>
+              <a:t>db ['emp'].find (query, projection) </a:t>
+            </a:r>
+          </a:p>
+          <a:p>
             <a:r>
               <a:rPr lang="en-US" dirty="0">
                 <a:solidFill>
@@ -9461,56 +9276,7 @@
                 <a:latin typeface="Consolas" panose="020B0609020204030204" pitchFamily="49" charset="0"/>
                 <a:cs typeface="Calibri" panose="020F0502020204030204" pitchFamily="34" charset="0"/>
               </a:rPr>
-              <a:t>(</a:t>
-            </a:r>
-            <a:r>
-              <a:rPr lang="en-US" dirty="0">
-                <a:solidFill>
-                  <a:srgbClr val="049DC8"/>
-                </a:solidFill>
-                <a:latin typeface="Consolas" panose="020B0609020204030204" pitchFamily="49" charset="0"/>
-                <a:cs typeface="Calibri" panose="020F0502020204030204" pitchFamily="34" charset="0"/>
-              </a:rPr>
-              <a:t>query, projection</a:t>
-            </a:r>
-            <a:r>
-              <a:rPr lang="en-US" dirty="0">
-                <a:solidFill>
-                  <a:srgbClr val="049DC8"/>
-                </a:solidFill>
-                <a:latin typeface="Consolas" panose="020B0609020204030204" pitchFamily="49" charset="0"/>
-                <a:cs typeface="Calibri" panose="020F0502020204030204" pitchFamily="34" charset="0"/>
-              </a:rPr>
-              <a:t>) </a:t>
-            </a:r>
-            <a:endParaRPr lang="en-US" dirty="0">
-              <a:solidFill>
-                <a:srgbClr val="049DC8"/>
-              </a:solidFill>
-              <a:latin typeface="Consolas" panose="020B0609020204030204" pitchFamily="49" charset="0"/>
-              <a:cs typeface="Calibri" panose="020F0502020204030204" pitchFamily="34" charset="0"/>
-            </a:endParaRPr>
-          </a:p>
-          <a:p>
-            <a:r>
-              <a:rPr lang="en-US" dirty="0">
-                <a:solidFill>
-                  <a:srgbClr val="049DC8"/>
-                </a:solidFill>
-                <a:latin typeface="Consolas" panose="020B0609020204030204" pitchFamily="49" charset="0"/>
-                <a:cs typeface="Calibri" panose="020F0502020204030204" pitchFamily="34" charset="0"/>
-              </a:rPr>
-              <a:t>db.collection.find(query</a:t>
-            </a:r>
-            <a:r>
-              <a:rPr lang="en-US" dirty="0">
-                <a:solidFill>
-                  <a:srgbClr val="049DC8"/>
-                </a:solidFill>
-                <a:latin typeface="Consolas" panose="020B0609020204030204" pitchFamily="49" charset="0"/>
-                <a:cs typeface="Calibri" panose="020F0502020204030204" pitchFamily="34" charset="0"/>
-              </a:rPr>
-              <a:t>, projection)</a:t>
+              <a:t>db.collection.find(query, projection)</a:t>
             </a:r>
           </a:p>
         </p:txBody>
@@ -9750,7 +9516,7 @@
             <a:avLst/>
           </a:prstGeom>
           <a:solidFill>
-            <a:schemeClr val="bg2"/>
+            <a:srgbClr val="90E183"/>
           </a:solidFill>
         </p:spPr>
         <p:txBody>
@@ -9848,17 +9614,7 @@
                 <a:latin typeface="Arial" pitchFamily="34" charset="0"/>
                 <a:cs typeface="Arial" pitchFamily="34" charset="0"/>
               </a:rPr>
-              <a:t>db.collection.find</a:t>
-            </a:r>
-            <a:r>
-              <a:rPr lang="en-IN" sz="3200" b="1" i="1" dirty="0" smtClean="0">
-                <a:solidFill>
-                  <a:srgbClr val="FFFF00"/>
-                </a:solidFill>
-                <a:latin typeface="Arial" pitchFamily="34" charset="0"/>
-                <a:cs typeface="Arial" pitchFamily="34" charset="0"/>
-              </a:rPr>
-              <a:t>()</a:t>
+              <a:t>db.collection.find()</a:t>
             </a:r>
             <a:r>
               <a:rPr lang="en-IN" sz="3200" b="1" i="1" dirty="0">
@@ -10191,8 +9947,10 @@
                 <a:latin typeface="Consolas" panose="020B0609020204030204" pitchFamily="49" charset="0"/>
                 <a:cs typeface="Calibri" panose="020F0502020204030204" pitchFamily="34" charset="0"/>
               </a:rPr>
-              <a:t>db ['emp'].find </a:t>
-            </a:r>
+              <a:t>db ['emp'].find (query, projection) </a:t>
+            </a:r>
+          </a:p>
+          <a:p>
             <a:r>
               <a:rPr lang="en-US" dirty="0">
                 <a:solidFill>
@@ -10201,56 +9959,7 @@
                 <a:latin typeface="Consolas" panose="020B0609020204030204" pitchFamily="49" charset="0"/>
                 <a:cs typeface="Calibri" panose="020F0502020204030204" pitchFamily="34" charset="0"/>
               </a:rPr>
-              <a:t>(</a:t>
-            </a:r>
-            <a:r>
-              <a:rPr lang="en-US" dirty="0">
-                <a:solidFill>
-                  <a:srgbClr val="049DC8"/>
-                </a:solidFill>
-                <a:latin typeface="Consolas" panose="020B0609020204030204" pitchFamily="49" charset="0"/>
-                <a:cs typeface="Calibri" panose="020F0502020204030204" pitchFamily="34" charset="0"/>
-              </a:rPr>
-              <a:t>query, projection</a:t>
-            </a:r>
-            <a:r>
-              <a:rPr lang="en-US" dirty="0">
-                <a:solidFill>
-                  <a:srgbClr val="049DC8"/>
-                </a:solidFill>
-                <a:latin typeface="Consolas" panose="020B0609020204030204" pitchFamily="49" charset="0"/>
-                <a:cs typeface="Calibri" panose="020F0502020204030204" pitchFamily="34" charset="0"/>
-              </a:rPr>
-              <a:t>) </a:t>
-            </a:r>
-            <a:endParaRPr lang="en-US" dirty="0">
-              <a:solidFill>
-                <a:srgbClr val="049DC8"/>
-              </a:solidFill>
-              <a:latin typeface="Consolas" panose="020B0609020204030204" pitchFamily="49" charset="0"/>
-              <a:cs typeface="Calibri" panose="020F0502020204030204" pitchFamily="34" charset="0"/>
-            </a:endParaRPr>
-          </a:p>
-          <a:p>
-            <a:r>
-              <a:rPr lang="en-US" dirty="0">
-                <a:solidFill>
-                  <a:srgbClr val="049DC8"/>
-                </a:solidFill>
-                <a:latin typeface="Consolas" panose="020B0609020204030204" pitchFamily="49" charset="0"/>
-                <a:cs typeface="Calibri" panose="020F0502020204030204" pitchFamily="34" charset="0"/>
-              </a:rPr>
-              <a:t>db.collection.find(query</a:t>
-            </a:r>
-            <a:r>
-              <a:rPr lang="en-US" dirty="0">
-                <a:solidFill>
-                  <a:srgbClr val="049DC8"/>
-                </a:solidFill>
-                <a:latin typeface="Consolas" panose="020B0609020204030204" pitchFamily="49" charset="0"/>
-                <a:cs typeface="Calibri" panose="020F0502020204030204" pitchFamily="34" charset="0"/>
-              </a:rPr>
-              <a:t>, projection)</a:t>
+              <a:t>db.collection.find(query, projection)</a:t>
             </a:r>
           </a:p>
         </p:txBody>
@@ -10331,17 +10040,7 @@
                 <a:latin typeface="Arial" pitchFamily="34" charset="0"/>
                 <a:cs typeface="Arial" pitchFamily="34" charset="0"/>
               </a:rPr>
-              <a:t>cursor with db.collection.find</a:t>
-            </a:r>
-            <a:r>
-              <a:rPr lang="en-IN" sz="3200" b="1" i="1" dirty="0" smtClean="0">
-                <a:solidFill>
-                  <a:srgbClr val="FFFF00"/>
-                </a:solidFill>
-                <a:latin typeface="Arial" pitchFamily="34" charset="0"/>
-                <a:cs typeface="Arial" pitchFamily="34" charset="0"/>
-              </a:rPr>
-              <a:t>()</a:t>
+              <a:t>cursor with db.collection.find()</a:t>
             </a:r>
             <a:r>
               <a:rPr lang="en-IN" sz="3200" b="1" i="1" dirty="0">
@@ -10458,11 +10157,6 @@
               </a:rPr>
               <a:t>The find() method returns a cursor.</a:t>
             </a:r>
-            <a:endParaRPr lang="en-US" dirty="0">
-              <a:solidFill>
-                <a:srgbClr val="C00000"/>
-              </a:solidFill>
-            </a:endParaRPr>
           </a:p>
         </p:txBody>
       </p:sp>
@@ -10475,7 +10169,7 @@
         <p:spPr>
           <a:xfrm>
             <a:off x="224432" y="3048000"/>
-            <a:ext cx="8770379" cy="923330"/>
+            <a:ext cx="8770379" cy="1045223"/>
           </a:xfrm>
           <a:prstGeom prst="rect">
             <a:avLst/>
@@ -10493,7 +10187,7 @@
               </a:lnSpc>
             </a:pPr>
             <a:r>
-              <a:rPr lang="en-US" dirty="0" smtClean="0">
+              <a:rPr lang="en-US" sz="2200" dirty="0">
                 <a:solidFill>
                   <a:srgbClr val="FC6F0D"/>
                 </a:solidFill>
@@ -10501,7 +10195,7 @@
               <a:t>var x = db </a:t>
             </a:r>
             <a:r>
-              <a:rPr lang="en-US" dirty="0">
+              <a:rPr lang="en-US" sz="2200" dirty="0">
                 <a:solidFill>
                   <a:srgbClr val="FC6F0D"/>
                 </a:solidFill>
@@ -10509,7 +10203,7 @@
               <a:t>['emp'].find </a:t>
             </a:r>
             <a:r>
-              <a:rPr lang="en-US" dirty="0" smtClean="0">
+              <a:rPr lang="en-US" sz="2200" dirty="0">
                 <a:solidFill>
                   <a:srgbClr val="FC6F0D"/>
                 </a:solidFill>
@@ -10524,7 +10218,7 @@
               </a:lnSpc>
             </a:pPr>
             <a:r>
-              <a:rPr lang="en-US" dirty="0" smtClean="0">
+              <a:rPr lang="en-US" sz="2200" dirty="0">
                 <a:solidFill>
                   <a:srgbClr val="FC6F0D"/>
                 </a:solidFill>
@@ -10532,18 +10226,13 @@
               <a:t>x.forEach(printjson</a:t>
             </a:r>
             <a:r>
-              <a:rPr lang="en-US" dirty="0">
+              <a:rPr lang="en-US" sz="2200" dirty="0">
                 <a:solidFill>
                   <a:srgbClr val="FC6F0D"/>
                 </a:solidFill>
               </a:rPr>
               <a:t>)</a:t>
             </a:r>
-            <a:endParaRPr lang="en-US" dirty="0">
-              <a:solidFill>
-                <a:srgbClr val="FC6F0D"/>
-              </a:solidFill>
-            </a:endParaRPr>
           </a:p>
         </p:txBody>
       </p:sp>
@@ -10625,7 +10314,7 @@
           <a:p>
             <a:r>
               <a:rPr lang="en-IN" dirty="0" smtClean="0"/>
-              <a:t>document</a:t>
+              <a:t>sort</a:t>
             </a:r>
             <a:endParaRPr lang="en-US" dirty="0"/>
           </a:p>
@@ -10640,7 +10329,7 @@
         <p:spPr>
           <a:xfrm>
             <a:off x="419100" y="2861953"/>
-            <a:ext cx="8305800" cy="646331"/>
+            <a:ext cx="8305800" cy="369332"/>
           </a:xfrm>
           <a:prstGeom prst="rect">
             <a:avLst/>
@@ -10659,33 +10348,38 @@
           <a:lstStyle/>
           <a:p>
             <a:r>
-              <a:rPr lang="en-US" dirty="0">
+              <a:rPr lang="en-US" dirty="0" smtClean="0">
                 <a:solidFill>
                   <a:srgbClr val="222222"/>
                 </a:solidFill>
                 <a:latin typeface="arial" panose="020B0604020202020204" pitchFamily="34" charset="0"/>
               </a:rPr>
-              <a:t>MongoDB stores data as BSON documents. BSON is a binary representation of JSON documents.</a:t>
-            </a:r>
-            <a:endParaRPr lang="en-US" dirty="0"/>
+              <a:t>TODO</a:t>
+            </a:r>
+            <a:endParaRPr lang="en-US" dirty="0" smtClean="0">
+              <a:solidFill>
+                <a:srgbClr val="222222"/>
+              </a:solidFill>
+              <a:latin typeface="arial" panose="020B0604020202020204" pitchFamily="34" charset="0"/>
+            </a:endParaRPr>
           </a:p>
         </p:txBody>
       </p:sp>
     </p:spTree>
     <p:extLst>
       <p:ext uri="{BB962C8B-B14F-4D97-AF65-F5344CB8AC3E}">
-        <p14:creationId xmlns:p14="http://schemas.microsoft.com/office/powerpoint/2010/main" val="316225766"/>
+        <p14:creationId xmlns:p14="http://schemas.microsoft.com/office/powerpoint/2010/main" val="1275689109"/>
       </p:ext>
     </p:extLst>
   </p:cSld>
   <p:clrMapOvr>
     <a:masterClrMapping/>
   </p:clrMapOvr>
-  <mc:AlternateContent xmlns:mc="http://schemas.openxmlformats.org/markup-compatibility/2006" xmlns:p14="http://schemas.microsoft.com/office/powerpoint/2010/main">
-    <mc:Choice Requires="p14">
+  <mc:AlternateContent xmlns:mc="http://schemas.openxmlformats.org/markup-compatibility/2006">
+    <mc:Choice xmlns:p14="http://schemas.microsoft.com/office/powerpoint/2010/main" Requires="p14">
       <p:transition spd="slow" p14:dur="2000"/>
     </mc:Choice>
-    <mc:Fallback xmlns="">
+    <mc:Fallback>
       <p:transition spd="slow"/>
     </mc:Fallback>
   </mc:AlternateContent>
@@ -10755,18 +10449,25 @@
                 <a:latin typeface="Arial" pitchFamily="34" charset="0"/>
                 <a:cs typeface="Arial" pitchFamily="34" charset="0"/>
               </a:rPr>
-              <a:t>document</a:t>
-            </a:r>
-            <a:r>
-              <a:rPr lang="en-IN" sz="3200" b="1" i="1" dirty="0">
+              <a:t>db.collection.find</a:t>
+            </a:r>
+            <a:r>
+              <a:rPr lang="en-IN" sz="3200" b="1" i="1" dirty="0" smtClean="0">
                 <a:solidFill>
                   <a:srgbClr val="FFFF00"/>
                 </a:solidFill>
                 <a:latin typeface="Arial" pitchFamily="34" charset="0"/>
                 <a:cs typeface="Arial" pitchFamily="34" charset="0"/>
               </a:rPr>
-              <a:t> </a:t>
-            </a:r>
+              <a:t>().sort({ })</a:t>
+            </a:r>
+            <a:endParaRPr lang="en-IN" sz="3200" b="1" i="1" dirty="0">
+              <a:solidFill>
+                <a:srgbClr val="FFFF00"/>
+              </a:solidFill>
+              <a:latin typeface="Arial" pitchFamily="34" charset="0"/>
+              <a:cs typeface="Arial" pitchFamily="34" charset="0"/>
+            </a:endParaRPr>
           </a:p>
         </p:txBody>
       </p:sp>
@@ -10779,7 +10480,7 @@
         <p:spPr>
           <a:xfrm>
             <a:off x="149188" y="762000"/>
-            <a:ext cx="8845624" cy="923330"/>
+            <a:ext cx="8845624" cy="646331"/>
           </a:xfrm>
           <a:prstGeom prst="rect">
             <a:avLst/>
@@ -10793,19 +10494,7 @@
           <a:p>
             <a:r>
               <a:rPr lang="en-US" dirty="0"/>
-              <a:t>MongoDB documents are composed of </a:t>
-            </a:r>
-            <a:r>
-              <a:rPr lang="en-US" b="1" i="1" dirty="0">
-                <a:solidFill>
-                  <a:srgbClr val="036883"/>
-                </a:solidFill>
-              </a:rPr>
-              <a:t>field-and-value</a:t>
-            </a:r>
-            <a:r>
-              <a:rPr lang="en-US" dirty="0"/>
-              <a:t> pairs. The value of a field can be any of the BSON data types, including other documents, arrays, and arrays of documents.</a:t>
+              <a:t>Specifies the order in which the query returns matching documents. You must apply sort() to the cursor before retrieving any documents from the database.</a:t>
             </a:r>
             <a:endParaRPr lang="en-IN" dirty="0"/>
           </a:p>
@@ -10813,14 +10502,14 @@
       </p:sp>
       <p:sp>
         <p:nvSpPr>
-          <p:cNvPr id="2" name="Rectangle 1"/>
+          <p:cNvPr id="4" name="Rectangle 3"/>
           <p:cNvSpPr/>
           <p:nvPr/>
         </p:nvSpPr>
         <p:spPr>
           <a:xfrm>
-            <a:off x="149188" y="1875420"/>
-            <a:ext cx="8845624" cy="646331"/>
+            <a:off x="154136" y="1563469"/>
+            <a:ext cx="8840676" cy="923330"/>
           </a:xfrm>
           <a:prstGeom prst="rect">
             <a:avLst/>
@@ -10833,49 +10522,140 @@
           <a:lstStyle/>
           <a:p>
             <a:r>
-              <a:rPr lang="en-US" dirty="0"/>
-              <a:t>The </a:t>
-            </a:r>
-            <a:r>
-              <a:rPr lang="en-US" b="1" i="1" dirty="0">
-                <a:solidFill>
-                  <a:srgbClr val="036883"/>
-                </a:solidFill>
-              </a:rPr>
-              <a:t>field name</a:t>
-            </a:r>
-            <a:r>
-              <a:rPr lang="en-US" dirty="0"/>
-              <a:t> </a:t>
-            </a:r>
-            <a:r>
-              <a:rPr lang="en-US" b="1" i="1" dirty="0">
-                <a:solidFill>
-                  <a:srgbClr val="C00000"/>
-                </a:solidFill>
-              </a:rPr>
-              <a:t>_</a:t>
-            </a:r>
-            <a:r>
-              <a:rPr lang="en-US" b="1" dirty="0">
-                <a:solidFill>
-                  <a:srgbClr val="C00000"/>
-                </a:solidFill>
-              </a:rPr>
-              <a:t>id</a:t>
-            </a:r>
-            <a:r>
-              <a:rPr lang="en-US" b="1" i="1" dirty="0">
-                <a:solidFill>
-                  <a:srgbClr val="C00000"/>
-                </a:solidFill>
-              </a:rPr>
-              <a:t> </a:t>
-            </a:r>
-            <a:r>
-              <a:rPr lang="en-US" dirty="0"/>
-              <a:t>is reserved for use as a primary key; its value must be unique in the collection, is immutable, and may be of any type other than an array.</a:t>
-            </a:r>
+              <a:rPr lang="en-US" dirty="0">
+                <a:solidFill>
+                  <a:srgbClr val="049DC8"/>
+                </a:solidFill>
+                <a:latin typeface="Consolas" panose="020B0609020204030204" pitchFamily="49" charset="0"/>
+                <a:cs typeface="Calibri" panose="020F0502020204030204" pitchFamily="34" charset="0"/>
+              </a:rPr>
+              <a:t>cursor.sort</a:t>
+            </a:r>
+            <a:r>
+              <a:rPr lang="en-US" dirty="0" smtClean="0">
+                <a:solidFill>
+                  <a:srgbClr val="049DC8"/>
+                </a:solidFill>
+                <a:latin typeface="Consolas" panose="020B0609020204030204" pitchFamily="49" charset="0"/>
+                <a:cs typeface="Calibri" panose="020F0502020204030204" pitchFamily="34" charset="0"/>
+              </a:rPr>
+              <a:t>(</a:t>
+            </a:r>
+            <a:r>
+              <a:rPr lang="en-US" dirty="0">
+                <a:solidFill>
+                  <a:srgbClr val="049DC8"/>
+                </a:solidFill>
+                <a:latin typeface="Consolas" panose="020B0609020204030204" pitchFamily="49" charset="0"/>
+                <a:cs typeface="Calibri" panose="020F0502020204030204" pitchFamily="34" charset="0"/>
+              </a:rPr>
+              <a:t>{ field: value }</a:t>
+            </a:r>
+            <a:r>
+              <a:rPr lang="en-US" dirty="0" smtClean="0">
+                <a:solidFill>
+                  <a:srgbClr val="049DC8"/>
+                </a:solidFill>
+                <a:latin typeface="Consolas" panose="020B0609020204030204" pitchFamily="49" charset="0"/>
+                <a:cs typeface="Calibri" panose="020F0502020204030204" pitchFamily="34" charset="0"/>
+              </a:rPr>
+              <a:t>)</a:t>
+            </a:r>
+            <a:endParaRPr lang="en-US" dirty="0">
+              <a:solidFill>
+                <a:srgbClr val="049DC8"/>
+              </a:solidFill>
+              <a:latin typeface="Consolas" panose="020B0609020204030204" pitchFamily="49" charset="0"/>
+              <a:cs typeface="Calibri" panose="020F0502020204030204" pitchFamily="34" charset="0"/>
+            </a:endParaRPr>
+          </a:p>
+          <a:p>
+            <a:r>
+              <a:rPr lang="en-US" dirty="0" smtClean="0">
+                <a:solidFill>
+                  <a:srgbClr val="049DC8"/>
+                </a:solidFill>
+                <a:latin typeface="Consolas" panose="020B0609020204030204" pitchFamily="49" charset="0"/>
+                <a:cs typeface="Calibri" panose="020F0502020204030204" pitchFamily="34" charset="0"/>
+              </a:rPr>
+              <a:t>db </a:t>
+            </a:r>
+            <a:r>
+              <a:rPr lang="en-US" dirty="0">
+                <a:solidFill>
+                  <a:srgbClr val="049DC8"/>
+                </a:solidFill>
+                <a:latin typeface="Consolas" panose="020B0609020204030204" pitchFamily="49" charset="0"/>
+                <a:cs typeface="Calibri" panose="020F0502020204030204" pitchFamily="34" charset="0"/>
+              </a:rPr>
+              <a:t>['emp'].find (query, projection</a:t>
+            </a:r>
+            <a:r>
+              <a:rPr lang="en-US" dirty="0" smtClean="0">
+                <a:solidFill>
+                  <a:srgbClr val="049DC8"/>
+                </a:solidFill>
+                <a:latin typeface="Consolas" panose="020B0609020204030204" pitchFamily="49" charset="0"/>
+                <a:cs typeface="Calibri" panose="020F0502020204030204" pitchFamily="34" charset="0"/>
+              </a:rPr>
+              <a:t>).</a:t>
+            </a:r>
+            <a:r>
+              <a:rPr lang="en-US" dirty="0">
+                <a:solidFill>
+                  <a:srgbClr val="049DC8"/>
+                </a:solidFill>
+                <a:latin typeface="Consolas" panose="020B0609020204030204" pitchFamily="49" charset="0"/>
+                <a:cs typeface="Calibri" panose="020F0502020204030204" pitchFamily="34" charset="0"/>
+              </a:rPr>
+              <a:t>sort({ field: value }) </a:t>
+            </a:r>
+            <a:endParaRPr lang="en-US" dirty="0">
+              <a:solidFill>
+                <a:srgbClr val="049DC8"/>
+              </a:solidFill>
+              <a:latin typeface="Consolas" panose="020B0609020204030204" pitchFamily="49" charset="0"/>
+              <a:cs typeface="Calibri" panose="020F0502020204030204" pitchFamily="34" charset="0"/>
+            </a:endParaRPr>
+          </a:p>
+          <a:p>
+            <a:r>
+              <a:rPr lang="en-US" dirty="0">
+                <a:solidFill>
+                  <a:srgbClr val="049DC8"/>
+                </a:solidFill>
+                <a:latin typeface="Consolas" panose="020B0609020204030204" pitchFamily="49" charset="0"/>
+                <a:cs typeface="Calibri" panose="020F0502020204030204" pitchFamily="34" charset="0"/>
+              </a:rPr>
+              <a:t>db.collection.find(query, projection</a:t>
+            </a:r>
+            <a:r>
+              <a:rPr lang="en-US" dirty="0" smtClean="0">
+                <a:solidFill>
+                  <a:srgbClr val="049DC8"/>
+                </a:solidFill>
+                <a:latin typeface="Consolas" panose="020B0609020204030204" pitchFamily="49" charset="0"/>
+                <a:cs typeface="Calibri" panose="020F0502020204030204" pitchFamily="34" charset="0"/>
+              </a:rPr>
+              <a:t>).</a:t>
+            </a:r>
+            <a:r>
+              <a:rPr lang="en-US" dirty="0">
+                <a:solidFill>
+                  <a:srgbClr val="049DC8"/>
+                </a:solidFill>
+                <a:latin typeface="Consolas" panose="020B0609020204030204" pitchFamily="49" charset="0"/>
+                <a:cs typeface="Calibri" panose="020F0502020204030204" pitchFamily="34" charset="0"/>
+              </a:rPr>
+              <a:t>sort({ field: value })</a:t>
+            </a:r>
+            <a:endParaRPr lang="en-US" dirty="0">
+              <a:solidFill>
+                <a:srgbClr val="049DC8"/>
+              </a:solidFill>
+              <a:latin typeface="Consolas" panose="020B0609020204030204" pitchFamily="49" charset="0"/>
+              <a:cs typeface="Calibri" panose="020F0502020204030204" pitchFamily="34" charset="0"/>
+            </a:endParaRPr>
           </a:p>
         </p:txBody>
       </p:sp>
@@ -10887,100 +10667,101 @@
         </p:nvSpPr>
         <p:spPr>
           <a:xfrm>
-            <a:off x="184814" y="2971800"/>
-            <a:ext cx="2464136" cy="2031325"/>
-          </a:xfrm>
-          <a:prstGeom prst="rect">
-            <a:avLst/>
-          </a:prstGeom>
-        </p:spPr>
-        <p:txBody>
-          <a:bodyPr wrap="none">
+            <a:off x="160073" y="2782669"/>
+            <a:ext cx="8823853" cy="646331"/>
+          </a:xfrm>
+          <a:prstGeom prst="rect">
+            <a:avLst/>
+          </a:prstGeom>
+          <a:solidFill>
+            <a:srgbClr val="DFE100"/>
+          </a:solidFill>
+        </p:spPr>
+        <p:txBody>
+          <a:bodyPr wrap="square">
             <a:spAutoFit/>
           </a:bodyPr>
           <a:lstStyle/>
           <a:p>
             <a:r>
-              <a:rPr lang="en-US" dirty="0">
-                <a:solidFill>
-                  <a:srgbClr val="049DC8"/>
-                </a:solidFill>
-                <a:latin typeface="Consolas" panose="020B0609020204030204" pitchFamily="49" charset="0"/>
-                <a:cs typeface="Calibri" panose="020F0502020204030204" pitchFamily="34" charset="0"/>
-              </a:rPr>
-              <a:t>{</a:t>
-            </a:r>
-          </a:p>
-          <a:p>
-            <a:r>
-              <a:rPr lang="en-US" dirty="0">
-                <a:solidFill>
-                  <a:srgbClr val="049DC8"/>
-                </a:solidFill>
-                <a:latin typeface="Consolas" panose="020B0609020204030204" pitchFamily="49" charset="0"/>
-                <a:cs typeface="Calibri" panose="020F0502020204030204" pitchFamily="34" charset="0"/>
-              </a:rPr>
-              <a:t>   field1: value1,</a:t>
-            </a:r>
-          </a:p>
-          <a:p>
-            <a:r>
-              <a:rPr lang="en-US" dirty="0">
-                <a:solidFill>
-                  <a:srgbClr val="049DC8"/>
-                </a:solidFill>
-                <a:latin typeface="Consolas" panose="020B0609020204030204" pitchFamily="49" charset="0"/>
-                <a:cs typeface="Calibri" panose="020F0502020204030204" pitchFamily="34" charset="0"/>
-              </a:rPr>
-              <a:t>   field2: value2,</a:t>
-            </a:r>
-          </a:p>
-          <a:p>
-            <a:r>
-              <a:rPr lang="en-US" dirty="0">
-                <a:solidFill>
-                  <a:srgbClr val="049DC8"/>
-                </a:solidFill>
-                <a:latin typeface="Consolas" panose="020B0609020204030204" pitchFamily="49" charset="0"/>
-                <a:cs typeface="Calibri" panose="020F0502020204030204" pitchFamily="34" charset="0"/>
-              </a:rPr>
-              <a:t>   field3: value3,</a:t>
-            </a:r>
-          </a:p>
-          <a:p>
-            <a:r>
-              <a:rPr lang="en-US" dirty="0">
-                <a:solidFill>
-                  <a:srgbClr val="049DC8"/>
-                </a:solidFill>
-                <a:latin typeface="Consolas" panose="020B0609020204030204" pitchFamily="49" charset="0"/>
-                <a:cs typeface="Calibri" panose="020F0502020204030204" pitchFamily="34" charset="0"/>
-              </a:rPr>
-              <a:t>   ...</a:t>
-            </a:r>
-          </a:p>
-          <a:p>
-            <a:r>
-              <a:rPr lang="en-US" dirty="0">
-                <a:solidFill>
-                  <a:srgbClr val="049DC8"/>
-                </a:solidFill>
-                <a:latin typeface="Consolas" panose="020B0609020204030204" pitchFamily="49" charset="0"/>
-                <a:cs typeface="Calibri" panose="020F0502020204030204" pitchFamily="34" charset="0"/>
-              </a:rPr>
-              <a:t>   fieldN: valueN</a:t>
-            </a:r>
-          </a:p>
-          <a:p>
-            <a:r>
-              <a:rPr lang="en-US" dirty="0">
-                <a:solidFill>
-                  <a:srgbClr val="049DC8"/>
-                </a:solidFill>
-                <a:latin typeface="Consolas" panose="020B0609020204030204" pitchFamily="49" charset="0"/>
-                <a:cs typeface="Calibri" panose="020F0502020204030204" pitchFamily="34" charset="0"/>
-              </a:rPr>
-              <a:t>}</a:t>
+              <a:rPr lang="en-US" dirty="0"/>
+              <a:t>Specify in the sort parameter  1 or -1 to specify an ascending or descending sort respectively.</a:t>
+            </a:r>
+          </a:p>
+        </p:txBody>
+      </p:sp>
+      <p:sp>
+        <p:nvSpPr>
+          <p:cNvPr id="5" name="Rectangle 4"/>
+          <p:cNvSpPr/>
+          <p:nvPr/>
+        </p:nvSpPr>
+        <p:spPr>
+          <a:xfrm>
+            <a:off x="160072" y="3768804"/>
+            <a:ext cx="8823853" cy="1107996"/>
+          </a:xfrm>
+          <a:prstGeom prst="rect">
+            <a:avLst/>
+          </a:prstGeom>
+        </p:spPr>
+        <p:txBody>
+          <a:bodyPr wrap="square">
+            <a:spAutoFit/>
+          </a:bodyPr>
+          <a:lstStyle/>
+          <a:p>
+            <a:pPr>
+              <a:lnSpc>
+                <a:spcPct val="150000"/>
+              </a:lnSpc>
+            </a:pPr>
+            <a:r>
+              <a:rPr lang="en-US" sz="2200" dirty="0">
+                <a:solidFill>
+                  <a:srgbClr val="FC6F0D"/>
+                </a:solidFill>
+              </a:rPr>
+              <a:t>db['emp'].find({},{ename:true}).sort({ename:1</a:t>
+            </a:r>
+            <a:r>
+              <a:rPr lang="en-US" sz="2200" dirty="0" smtClean="0">
+                <a:solidFill>
+                  <a:srgbClr val="FC6F0D"/>
+                </a:solidFill>
+              </a:rPr>
+              <a:t>});</a:t>
+            </a:r>
+          </a:p>
+          <a:p>
+            <a:pPr>
+              <a:lnSpc>
+                <a:spcPct val="150000"/>
+              </a:lnSpc>
+            </a:pPr>
+            <a:r>
+              <a:rPr lang="en-US" sz="2200" dirty="0">
+                <a:solidFill>
+                  <a:srgbClr val="FC6F0D"/>
+                </a:solidFill>
+              </a:rPr>
+              <a:t>db['emp'].find({},{ename:true}).sort({ename</a:t>
+            </a:r>
+            <a:r>
+              <a:rPr lang="en-US" sz="2200" dirty="0" smtClean="0">
+                <a:solidFill>
+                  <a:srgbClr val="FC6F0D"/>
+                </a:solidFill>
+              </a:rPr>
+              <a:t>:-1</a:t>
+            </a:r>
+            <a:r>
+              <a:rPr lang="en-US" sz="2200" dirty="0">
+                <a:solidFill>
+                  <a:srgbClr val="FC6F0D"/>
+                </a:solidFill>
+              </a:rPr>
+              <a:t>});</a:t>
             </a:r>
           </a:p>
         </p:txBody>
@@ -10988,7 +10769,7 @@
     </p:spTree>
     <p:extLst>
       <p:ext uri="{BB962C8B-B14F-4D97-AF65-F5344CB8AC3E}">
-        <p14:creationId xmlns:p14="http://schemas.microsoft.com/office/powerpoint/2010/main" val="1707159998"/>
+        <p14:creationId xmlns:p14="http://schemas.microsoft.com/office/powerpoint/2010/main" val="3558721917"/>
       </p:ext>
     </p:extLst>
   </p:cSld>
@@ -11024,21 +10805,69 @@
       </p:grpSpPr>
       <p:sp>
         <p:nvSpPr>
-          <p:cNvPr id="6" name="Rectangle 5"/>
+          <p:cNvPr id="2" name="Title 1"/>
+          <p:cNvSpPr txBox="1">
+            <a:spLocks/>
+          </p:cNvSpPr>
+          <p:nvPr/>
+        </p:nvSpPr>
+        <p:spPr>
+          <a:xfrm>
+            <a:off x="152400" y="2057400"/>
+            <a:ext cx="8839200" cy="838200"/>
+          </a:xfrm>
+          <a:prstGeom prst="rect">
+            <a:avLst/>
+          </a:prstGeom>
+        </p:spPr>
+        <p:txBody>
+          <a:bodyPr>
+            <a:noAutofit/>
+          </a:bodyPr>
+          <a:lstStyle>
+            <a:defPPr>
+              <a:defRPr lang="en-US"/>
+            </a:defPPr>
+            <a:lvl1pPr lvl="0" algn="ctr">
+              <a:spcBef>
+                <a:spcPct val="0"/>
+              </a:spcBef>
+              <a:defRPr sz="4800">
+                <a:solidFill>
+                  <a:srgbClr val="7EEEE3"/>
+                </a:solidFill>
+                <a:latin typeface="Segoe UI Light" panose="020B0502040204020203" pitchFamily="34" charset="0"/>
+                <a:cs typeface="Segoe UI Light" panose="020B0502040204020203" pitchFamily="34" charset="0"/>
+              </a:defRPr>
+            </a:lvl1pPr>
+          </a:lstStyle>
+          <a:p>
+            <a:r>
+              <a:rPr lang="en-IN" dirty="0" smtClean="0"/>
+              <a:t>limit</a:t>
+            </a:r>
+            <a:endParaRPr lang="en-US" dirty="0"/>
+          </a:p>
+        </p:txBody>
+      </p:sp>
+      <p:sp>
+        <p:nvSpPr>
+          <p:cNvPr id="3" name="Rectangle 2"/>
           <p:cNvSpPr/>
           <p:nvPr/>
         </p:nvSpPr>
         <p:spPr>
           <a:xfrm>
-            <a:off x="0" y="0"/>
-            <a:ext cx="9144000" cy="584775"/>
+            <a:off x="419100" y="2861953"/>
+            <a:ext cx="8305800" cy="369332"/>
           </a:xfrm>
           <a:prstGeom prst="rect">
             <a:avLst/>
           </a:prstGeom>
           <a:solidFill>
-            <a:schemeClr val="accent4">
-              <a:lumMod val="75000"/>
+            <a:schemeClr val="accent6">
+              <a:lumMod val="20000"/>
+              <a:lumOff val="80000"/>
             </a:schemeClr>
           </a:solidFill>
         </p:spPr>
@@ -11048,73 +10877,42 @@
           </a:bodyPr>
           <a:lstStyle/>
           <a:p>
-            <a:pPr algn="r">
-              <a:spcBef>
-                <a:spcPct val="0"/>
-              </a:spcBef>
-            </a:pPr>
-            <a:r>
-              <a:rPr lang="en-IN" sz="3200" b="1" i="1" dirty="0" smtClean="0">
-                <a:solidFill>
-                  <a:srgbClr val="FFFF00"/>
-                </a:solidFill>
-                <a:latin typeface="Arial" pitchFamily="34" charset="0"/>
-                <a:cs typeface="Arial" pitchFamily="34" charset="0"/>
-              </a:rPr>
-              <a:t>document</a:t>
-            </a:r>
-            <a:r>
-              <a:rPr lang="en-IN" sz="3200" b="1" i="1" dirty="0">
-                <a:solidFill>
-                  <a:srgbClr val="FFFF00"/>
-                </a:solidFill>
-                <a:latin typeface="Arial" pitchFamily="34" charset="0"/>
-                <a:cs typeface="Arial" pitchFamily="34" charset="0"/>
-              </a:rPr>
-              <a:t> </a:t>
-            </a:r>
-          </a:p>
-        </p:txBody>
-      </p:sp>
-      <p:sp>
-        <p:nvSpPr>
-          <p:cNvPr id="7" name="Rectangle 6"/>
-          <p:cNvSpPr/>
-          <p:nvPr/>
-        </p:nvSpPr>
-        <p:spPr>
-          <a:xfrm>
-            <a:off x="149188" y="762000"/>
-            <a:ext cx="8845624" cy="369332"/>
-          </a:xfrm>
-          <a:prstGeom prst="rect">
-            <a:avLst/>
-          </a:prstGeom>
-        </p:spPr>
-        <p:txBody>
-          <a:bodyPr wrap="square">
-            <a:spAutoFit/>
-          </a:bodyPr>
-          <a:lstStyle/>
-          <a:p>
-            <a:r>
-              <a:rPr lang="en-US" dirty="0" smtClean="0"/>
+            <a:r>
+              <a:rPr lang="en-US" dirty="0" smtClean="0">
+                <a:solidFill>
+                  <a:srgbClr val="222222"/>
+                </a:solidFill>
+                <a:latin typeface="arial" panose="020B0604020202020204" pitchFamily="34" charset="0"/>
+              </a:rPr>
               <a:t>TODO</a:t>
             </a:r>
-            <a:endParaRPr lang="en-IN" dirty="0"/>
+            <a:endParaRPr lang="en-US" dirty="0" smtClean="0">
+              <a:solidFill>
+                <a:srgbClr val="222222"/>
+              </a:solidFill>
+              <a:latin typeface="arial" panose="020B0604020202020204" pitchFamily="34" charset="0"/>
+            </a:endParaRPr>
           </a:p>
         </p:txBody>
       </p:sp>
     </p:spTree>
     <p:extLst>
       <p:ext uri="{BB962C8B-B14F-4D97-AF65-F5344CB8AC3E}">
-        <p14:creationId xmlns:p14="http://schemas.microsoft.com/office/powerpoint/2010/main" val="3587670722"/>
+        <p14:creationId xmlns:p14="http://schemas.microsoft.com/office/powerpoint/2010/main" val="2279083902"/>
       </p:ext>
     </p:extLst>
   </p:cSld>
   <p:clrMapOvr>
     <a:masterClrMapping/>
   </p:clrMapOvr>
+  <mc:AlternateContent xmlns:mc="http://schemas.openxmlformats.org/markup-compatibility/2006">
+    <mc:Choice xmlns:p14="http://schemas.microsoft.com/office/powerpoint/2010/main" Requires="p14">
+      <p:transition spd="slow" p14:dur="2000"/>
+    </mc:Choice>
+    <mc:Fallback>
+      <p:transition spd="slow"/>
+    </mc:Fallback>
+  </mc:AlternateContent>
   <p:timing>
     <p:tnLst>
       <p:par>
@@ -11181,28 +10979,25 @@
                 <a:latin typeface="Arial" pitchFamily="34" charset="0"/>
                 <a:cs typeface="Arial" pitchFamily="34" charset="0"/>
               </a:rPr>
-              <a:t>MongoDB</a:t>
-            </a:r>
-            <a:r>
-              <a:rPr lang="en-US" sz="3200" b="1" i="1" dirty="0" smtClean="0">
+              <a:t>db.collection.find</a:t>
+            </a:r>
+            <a:r>
+              <a:rPr lang="en-IN" sz="3200" b="1" i="1" dirty="0" smtClean="0">
                 <a:solidFill>
                   <a:srgbClr val="FFFF00"/>
                 </a:solidFill>
                 <a:latin typeface="Arial" pitchFamily="34" charset="0"/>
                 <a:cs typeface="Arial" pitchFamily="34" charset="0"/>
               </a:rPr>
-              <a:t> </a:t>
-            </a:r>
-            <a:r>
-              <a:rPr lang="en-IN" sz="3200" b="1" i="1" dirty="0">
-                <a:solidFill>
-                  <a:srgbClr val="FFFF00"/>
-                </a:solidFill>
-                <a:latin typeface="Arial" pitchFamily="34" charset="0"/>
-                <a:cs typeface="Arial" pitchFamily="34" charset="0"/>
-              </a:rPr>
-              <a:t> </a:t>
-            </a:r>
+              <a:t>().limit()</a:t>
+            </a:r>
+            <a:endParaRPr lang="en-IN" sz="3200" b="1" i="1" dirty="0">
+              <a:solidFill>
+                <a:srgbClr val="FFFF00"/>
+              </a:solidFill>
+              <a:latin typeface="Arial" pitchFamily="34" charset="0"/>
+              <a:cs typeface="Arial" pitchFamily="34" charset="0"/>
+            </a:endParaRPr>
           </a:p>
         </p:txBody>
       </p:sp>
@@ -11215,7 +11010,7 @@
         <p:spPr>
           <a:xfrm>
             <a:off x="149188" y="762000"/>
-            <a:ext cx="8845624" cy="369332"/>
+            <a:ext cx="8845624" cy="646331"/>
           </a:xfrm>
           <a:prstGeom prst="rect">
             <a:avLst/>
@@ -11228,17 +11023,304 @@
           <a:lstStyle/>
           <a:p>
             <a:r>
-              <a:rPr lang="en-US" dirty="0" smtClean="0"/>
-              <a:t>TODO</a:t>
+              <a:rPr lang="en-US" dirty="0"/>
+              <a:t>Use the limit() method to specify the maximum number of documents the cursor will return.</a:t>
             </a:r>
             <a:endParaRPr lang="en-IN" dirty="0"/>
+          </a:p>
+        </p:txBody>
+      </p:sp>
+      <p:sp>
+        <p:nvSpPr>
+          <p:cNvPr id="4" name="Rectangle 3"/>
+          <p:cNvSpPr/>
+          <p:nvPr/>
+        </p:nvSpPr>
+        <p:spPr>
+          <a:xfrm>
+            <a:off x="154136" y="1563469"/>
+            <a:ext cx="8840676" cy="923330"/>
+          </a:xfrm>
+          <a:prstGeom prst="rect">
+            <a:avLst/>
+          </a:prstGeom>
+        </p:spPr>
+        <p:txBody>
+          <a:bodyPr wrap="square">
+            <a:spAutoFit/>
+          </a:bodyPr>
+          <a:lstStyle/>
+          <a:p>
+            <a:r>
+              <a:rPr lang="en-US" dirty="0" smtClean="0">
+                <a:solidFill>
+                  <a:srgbClr val="049DC8"/>
+                </a:solidFill>
+                <a:latin typeface="Consolas" panose="020B0609020204030204" pitchFamily="49" charset="0"/>
+                <a:cs typeface="Calibri" panose="020F0502020204030204" pitchFamily="34" charset="0"/>
+              </a:rPr>
+              <a:t>cursor.limit(</a:t>
+            </a:r>
+            <a:r>
+              <a:rPr lang="en-US" dirty="0">
+                <a:solidFill>
+                  <a:srgbClr val="049DC8"/>
+                </a:solidFill>
+                <a:latin typeface="Consolas" panose="020B0609020204030204" pitchFamily="49" charset="0"/>
+                <a:cs typeface="Calibri" panose="020F0502020204030204" pitchFamily="34" charset="0"/>
+              </a:rPr>
+              <a:t>&lt;number&gt;</a:t>
+            </a:r>
+            <a:r>
+              <a:rPr lang="en-US" dirty="0" smtClean="0">
+                <a:solidFill>
+                  <a:srgbClr val="049DC8"/>
+                </a:solidFill>
+                <a:latin typeface="Consolas" panose="020B0609020204030204" pitchFamily="49" charset="0"/>
+                <a:cs typeface="Calibri" panose="020F0502020204030204" pitchFamily="34" charset="0"/>
+              </a:rPr>
+              <a:t>)</a:t>
+            </a:r>
+            <a:endParaRPr lang="en-US" dirty="0">
+              <a:solidFill>
+                <a:srgbClr val="049DC8"/>
+              </a:solidFill>
+              <a:latin typeface="Consolas" panose="020B0609020204030204" pitchFamily="49" charset="0"/>
+              <a:cs typeface="Calibri" panose="020F0502020204030204" pitchFamily="34" charset="0"/>
+            </a:endParaRPr>
+          </a:p>
+          <a:p>
+            <a:r>
+              <a:rPr lang="en-US" dirty="0" smtClean="0">
+                <a:solidFill>
+                  <a:srgbClr val="049DC8"/>
+                </a:solidFill>
+                <a:latin typeface="Consolas" panose="020B0609020204030204" pitchFamily="49" charset="0"/>
+                <a:cs typeface="Calibri" panose="020F0502020204030204" pitchFamily="34" charset="0"/>
+              </a:rPr>
+              <a:t>db </a:t>
+            </a:r>
+            <a:r>
+              <a:rPr lang="en-US" dirty="0">
+                <a:solidFill>
+                  <a:srgbClr val="049DC8"/>
+                </a:solidFill>
+                <a:latin typeface="Consolas" panose="020B0609020204030204" pitchFamily="49" charset="0"/>
+                <a:cs typeface="Calibri" panose="020F0502020204030204" pitchFamily="34" charset="0"/>
+              </a:rPr>
+              <a:t>['emp'].find (query, projection</a:t>
+            </a:r>
+            <a:r>
+              <a:rPr lang="en-US" dirty="0" smtClean="0">
+                <a:solidFill>
+                  <a:srgbClr val="049DC8"/>
+                </a:solidFill>
+                <a:latin typeface="Consolas" panose="020B0609020204030204" pitchFamily="49" charset="0"/>
+                <a:cs typeface="Calibri" panose="020F0502020204030204" pitchFamily="34" charset="0"/>
+              </a:rPr>
+              <a:t>).limit(&lt;number&gt;) </a:t>
+            </a:r>
+            <a:endParaRPr lang="en-US" dirty="0">
+              <a:solidFill>
+                <a:srgbClr val="049DC8"/>
+              </a:solidFill>
+              <a:latin typeface="Consolas" panose="020B0609020204030204" pitchFamily="49" charset="0"/>
+              <a:cs typeface="Calibri" panose="020F0502020204030204" pitchFamily="34" charset="0"/>
+            </a:endParaRPr>
+          </a:p>
+          <a:p>
+            <a:r>
+              <a:rPr lang="en-US" dirty="0">
+                <a:solidFill>
+                  <a:srgbClr val="049DC8"/>
+                </a:solidFill>
+                <a:latin typeface="Consolas" panose="020B0609020204030204" pitchFamily="49" charset="0"/>
+                <a:cs typeface="Calibri" panose="020F0502020204030204" pitchFamily="34" charset="0"/>
+              </a:rPr>
+              <a:t>db.collection.find(query, projection</a:t>
+            </a:r>
+            <a:r>
+              <a:rPr lang="en-US" dirty="0" smtClean="0">
+                <a:solidFill>
+                  <a:srgbClr val="049DC8"/>
+                </a:solidFill>
+                <a:latin typeface="Consolas" panose="020B0609020204030204" pitchFamily="49" charset="0"/>
+                <a:cs typeface="Calibri" panose="020F0502020204030204" pitchFamily="34" charset="0"/>
+              </a:rPr>
+              <a:t>).</a:t>
+            </a:r>
+            <a:r>
+              <a:rPr lang="en-US" dirty="0">
+                <a:solidFill>
+                  <a:srgbClr val="049DC8"/>
+                </a:solidFill>
+                <a:latin typeface="Consolas" panose="020B0609020204030204" pitchFamily="49" charset="0"/>
+                <a:cs typeface="Calibri" panose="020F0502020204030204" pitchFamily="34" charset="0"/>
+              </a:rPr>
+              <a:t>limit</a:t>
+            </a:r>
+            <a:r>
+              <a:rPr lang="en-US" dirty="0" smtClean="0">
+                <a:solidFill>
+                  <a:srgbClr val="049DC8"/>
+                </a:solidFill>
+                <a:latin typeface="Consolas" panose="020B0609020204030204" pitchFamily="49" charset="0"/>
+                <a:cs typeface="Calibri" panose="020F0502020204030204" pitchFamily="34" charset="0"/>
+              </a:rPr>
+              <a:t>(</a:t>
+            </a:r>
+            <a:r>
+              <a:rPr lang="en-US" dirty="0">
+                <a:solidFill>
+                  <a:srgbClr val="049DC8"/>
+                </a:solidFill>
+                <a:latin typeface="Consolas" panose="020B0609020204030204" pitchFamily="49" charset="0"/>
+                <a:cs typeface="Calibri" panose="020F0502020204030204" pitchFamily="34" charset="0"/>
+              </a:rPr>
+              <a:t>&lt;number&gt;</a:t>
+            </a:r>
+            <a:r>
+              <a:rPr lang="en-US" dirty="0" smtClean="0">
+                <a:solidFill>
+                  <a:srgbClr val="049DC8"/>
+                </a:solidFill>
+                <a:latin typeface="Consolas" panose="020B0609020204030204" pitchFamily="49" charset="0"/>
+                <a:cs typeface="Calibri" panose="020F0502020204030204" pitchFamily="34" charset="0"/>
+              </a:rPr>
+              <a:t>)</a:t>
+            </a:r>
+            <a:endParaRPr lang="en-US" dirty="0">
+              <a:solidFill>
+                <a:srgbClr val="049DC8"/>
+              </a:solidFill>
+              <a:latin typeface="Consolas" panose="020B0609020204030204" pitchFamily="49" charset="0"/>
+              <a:cs typeface="Calibri" panose="020F0502020204030204" pitchFamily="34" charset="0"/>
+            </a:endParaRPr>
+          </a:p>
+        </p:txBody>
+      </p:sp>
+      <p:sp>
+        <p:nvSpPr>
+          <p:cNvPr id="2" name="Rectangle 1"/>
+          <p:cNvSpPr/>
+          <p:nvPr/>
+        </p:nvSpPr>
+        <p:spPr>
+          <a:xfrm>
+            <a:off x="149188" y="2676436"/>
+            <a:ext cx="8845624" cy="1107996"/>
+          </a:xfrm>
+          <a:prstGeom prst="rect">
+            <a:avLst/>
+          </a:prstGeom>
+        </p:spPr>
+        <p:txBody>
+          <a:bodyPr wrap="square">
+            <a:spAutoFit/>
+          </a:bodyPr>
+          <a:lstStyle/>
+          <a:p>
+            <a:pPr>
+              <a:lnSpc>
+                <a:spcPct val="150000"/>
+              </a:lnSpc>
+            </a:pPr>
+            <a:r>
+              <a:rPr lang="en-US" sz="2200" dirty="0">
+                <a:solidFill>
+                  <a:srgbClr val="FC6F0D"/>
+                </a:solidFill>
+              </a:rPr>
+              <a:t>db['emp'].find({},{ename:true}).</a:t>
+            </a:r>
+            <a:r>
+              <a:rPr lang="en-US" sz="2200" dirty="0" smtClean="0">
+                <a:solidFill>
+                  <a:srgbClr val="FC6F0D"/>
+                </a:solidFill>
+              </a:rPr>
+              <a:t>limit(0);	</a:t>
+            </a:r>
+            <a:r>
+              <a:rPr lang="en-US" sz="2200" dirty="0" smtClean="0">
+                <a:solidFill>
+                  <a:srgbClr val="00B050"/>
+                </a:solidFill>
+              </a:rPr>
+              <a:t>// all documents</a:t>
+            </a:r>
+          </a:p>
+          <a:p>
+            <a:pPr>
+              <a:lnSpc>
+                <a:spcPct val="150000"/>
+              </a:lnSpc>
+            </a:pPr>
+            <a:r>
+              <a:rPr lang="en-US" sz="2200" dirty="0">
+                <a:solidFill>
+                  <a:srgbClr val="FC6F0D"/>
+                </a:solidFill>
+              </a:rPr>
+              <a:t>db['emp'].find({},{ename:true}).limit(2</a:t>
+            </a:r>
+            <a:r>
+              <a:rPr lang="en-US" sz="2200" dirty="0" smtClean="0">
+                <a:solidFill>
+                  <a:srgbClr val="FC6F0D"/>
+                </a:solidFill>
+              </a:rPr>
+              <a:t>);</a:t>
+            </a:r>
+            <a:endParaRPr lang="en-US" sz="2200" dirty="0">
+              <a:solidFill>
+                <a:srgbClr val="FC6F0D"/>
+              </a:solidFill>
+            </a:endParaRPr>
+          </a:p>
+        </p:txBody>
+      </p:sp>
+      <p:sp>
+        <p:nvSpPr>
+          <p:cNvPr id="3" name="Rectangle 2"/>
+          <p:cNvSpPr/>
+          <p:nvPr/>
+        </p:nvSpPr>
+        <p:spPr>
+          <a:xfrm>
+            <a:off x="31667" y="49975"/>
+            <a:ext cx="3432212" cy="646331"/>
+          </a:xfrm>
+          <a:prstGeom prst="rect">
+            <a:avLst/>
+          </a:prstGeom>
+          <a:solidFill>
+            <a:srgbClr val="90E183"/>
+          </a:solidFill>
+        </p:spPr>
+        <p:txBody>
+          <a:bodyPr wrap="square">
+            <a:spAutoFit/>
+          </a:bodyPr>
+          <a:lstStyle/>
+          <a:p>
+            <a:r>
+              <a:rPr lang="en-US" dirty="0">
+                <a:solidFill>
+                  <a:schemeClr val="bg2">
+                    <a:lumMod val="25000"/>
+                  </a:schemeClr>
+                </a:solidFill>
+              </a:rPr>
+              <a:t>A limit() value of 0 (i.e. .limit(0)) is equivalent to setting no limit.</a:t>
+            </a:r>
           </a:p>
         </p:txBody>
       </p:sp>
     </p:spTree>
     <p:extLst>
       <p:ext uri="{BB962C8B-B14F-4D97-AF65-F5344CB8AC3E}">
-        <p14:creationId xmlns:p14="http://schemas.microsoft.com/office/powerpoint/2010/main" val="250252946"/>
+        <p14:creationId xmlns:p14="http://schemas.microsoft.com/office/powerpoint/2010/main" val="1180999377"/>
       </p:ext>
     </p:extLst>
   </p:cSld>
@@ -11432,21 +11514,69 @@
       </p:grpSpPr>
       <p:sp>
         <p:nvSpPr>
-          <p:cNvPr id="6" name="Rectangle 5"/>
+          <p:cNvPr id="2" name="Title 1"/>
+          <p:cNvSpPr txBox="1">
+            <a:spLocks/>
+          </p:cNvSpPr>
+          <p:nvPr/>
+        </p:nvSpPr>
+        <p:spPr>
+          <a:xfrm>
+            <a:off x="152400" y="2057400"/>
+            <a:ext cx="8839200" cy="838200"/>
+          </a:xfrm>
+          <a:prstGeom prst="rect">
+            <a:avLst/>
+          </a:prstGeom>
+        </p:spPr>
+        <p:txBody>
+          <a:bodyPr>
+            <a:noAutofit/>
+          </a:bodyPr>
+          <a:lstStyle>
+            <a:defPPr>
+              <a:defRPr lang="en-US"/>
+            </a:defPPr>
+            <a:lvl1pPr lvl="0" algn="ctr">
+              <a:spcBef>
+                <a:spcPct val="0"/>
+              </a:spcBef>
+              <a:defRPr sz="4800">
+                <a:solidFill>
+                  <a:srgbClr val="7EEEE3"/>
+                </a:solidFill>
+                <a:latin typeface="Segoe UI Light" panose="020B0502040204020203" pitchFamily="34" charset="0"/>
+                <a:cs typeface="Segoe UI Light" panose="020B0502040204020203" pitchFamily="34" charset="0"/>
+              </a:defRPr>
+            </a:lvl1pPr>
+          </a:lstStyle>
+          <a:p>
+            <a:r>
+              <a:rPr lang="en-IN" dirty="0" smtClean="0"/>
+              <a:t>skip</a:t>
+            </a:r>
+            <a:endParaRPr lang="en-US" dirty="0"/>
+          </a:p>
+        </p:txBody>
+      </p:sp>
+      <p:sp>
+        <p:nvSpPr>
+          <p:cNvPr id="3" name="Rectangle 2"/>
           <p:cNvSpPr/>
           <p:nvPr/>
         </p:nvSpPr>
         <p:spPr>
           <a:xfrm>
-            <a:off x="0" y="0"/>
-            <a:ext cx="9144000" cy="584775"/>
+            <a:off x="419100" y="2861953"/>
+            <a:ext cx="8305800" cy="369332"/>
           </a:xfrm>
           <a:prstGeom prst="rect">
             <a:avLst/>
           </a:prstGeom>
           <a:solidFill>
-            <a:schemeClr val="accent4">
-              <a:lumMod val="75000"/>
+            <a:schemeClr val="accent6">
+              <a:lumMod val="20000"/>
+              <a:lumOff val="80000"/>
             </a:schemeClr>
           </a:solidFill>
         </p:spPr>
@@ -11456,83 +11586,42 @@
           </a:bodyPr>
           <a:lstStyle/>
           <a:p>
-            <a:pPr algn="r">
-              <a:spcBef>
-                <a:spcPct val="0"/>
-              </a:spcBef>
-            </a:pPr>
-            <a:r>
-              <a:rPr lang="en-IN" sz="3200" b="1" i="1" dirty="0" smtClean="0">
-                <a:solidFill>
-                  <a:srgbClr val="FFFF00"/>
-                </a:solidFill>
-                <a:latin typeface="Arial" pitchFamily="34" charset="0"/>
-                <a:cs typeface="Arial" pitchFamily="34" charset="0"/>
-              </a:rPr>
-              <a:t>MongoDB</a:t>
-            </a:r>
-            <a:r>
-              <a:rPr lang="en-US" sz="3200" b="1" i="1" dirty="0" smtClean="0">
-                <a:solidFill>
-                  <a:srgbClr val="FFFF00"/>
-                </a:solidFill>
-                <a:latin typeface="Arial" pitchFamily="34" charset="0"/>
-                <a:cs typeface="Arial" pitchFamily="34" charset="0"/>
-              </a:rPr>
-              <a:t> </a:t>
-            </a:r>
-            <a:r>
-              <a:rPr lang="en-IN" sz="3200" b="1" i="1" dirty="0">
-                <a:solidFill>
-                  <a:srgbClr val="FFFF00"/>
-                </a:solidFill>
-                <a:latin typeface="Arial" pitchFamily="34" charset="0"/>
-                <a:cs typeface="Arial" pitchFamily="34" charset="0"/>
-              </a:rPr>
-              <a:t> </a:t>
-            </a:r>
-          </a:p>
-        </p:txBody>
-      </p:sp>
-      <p:sp>
-        <p:nvSpPr>
-          <p:cNvPr id="7" name="Rectangle 6"/>
-          <p:cNvSpPr/>
-          <p:nvPr/>
-        </p:nvSpPr>
-        <p:spPr>
-          <a:xfrm>
-            <a:off x="149188" y="762000"/>
-            <a:ext cx="8845624" cy="369332"/>
-          </a:xfrm>
-          <a:prstGeom prst="rect">
-            <a:avLst/>
-          </a:prstGeom>
-        </p:spPr>
-        <p:txBody>
-          <a:bodyPr wrap="square">
-            <a:spAutoFit/>
-          </a:bodyPr>
-          <a:lstStyle/>
-          <a:p>
-            <a:r>
-              <a:rPr lang="en-US" dirty="0" smtClean="0"/>
+            <a:r>
+              <a:rPr lang="en-US" dirty="0" smtClean="0">
+                <a:solidFill>
+                  <a:srgbClr val="222222"/>
+                </a:solidFill>
+                <a:latin typeface="arial" panose="020B0604020202020204" pitchFamily="34" charset="0"/>
+              </a:rPr>
               <a:t>TODO</a:t>
             </a:r>
-            <a:endParaRPr lang="en-IN" dirty="0"/>
+            <a:endParaRPr lang="en-US" dirty="0" smtClean="0">
+              <a:solidFill>
+                <a:srgbClr val="222222"/>
+              </a:solidFill>
+              <a:latin typeface="arial" panose="020B0604020202020204" pitchFamily="34" charset="0"/>
+            </a:endParaRPr>
           </a:p>
         </p:txBody>
       </p:sp>
     </p:spTree>
     <p:extLst>
       <p:ext uri="{BB962C8B-B14F-4D97-AF65-F5344CB8AC3E}">
-        <p14:creationId xmlns:p14="http://schemas.microsoft.com/office/powerpoint/2010/main" val="895975297"/>
+        <p14:creationId xmlns:p14="http://schemas.microsoft.com/office/powerpoint/2010/main" val="3719784492"/>
       </p:ext>
     </p:extLst>
   </p:cSld>
   <p:clrMapOvr>
     <a:masterClrMapping/>
   </p:clrMapOvr>
+  <mc:AlternateContent xmlns:mc="http://schemas.openxmlformats.org/markup-compatibility/2006">
+    <mc:Choice xmlns:p14="http://schemas.microsoft.com/office/powerpoint/2010/main" Requires="p14">
+      <p:transition spd="slow" p14:dur="2000"/>
+    </mc:Choice>
+    <mc:Fallback>
+      <p:transition spd="slow"/>
+    </mc:Fallback>
+  </mc:AlternateContent>
   <p:timing>
     <p:tnLst>
       <p:par>
@@ -11599,28 +11688,25 @@
                 <a:latin typeface="Arial" pitchFamily="34" charset="0"/>
                 <a:cs typeface="Arial" pitchFamily="34" charset="0"/>
               </a:rPr>
-              <a:t>MongoDB</a:t>
-            </a:r>
-            <a:r>
-              <a:rPr lang="en-US" sz="3200" b="1" i="1" dirty="0" smtClean="0">
+              <a:t>db.collection.find</a:t>
+            </a:r>
+            <a:r>
+              <a:rPr lang="en-IN" sz="3200" b="1" i="1" dirty="0" smtClean="0">
                 <a:solidFill>
                   <a:srgbClr val="FFFF00"/>
                 </a:solidFill>
                 <a:latin typeface="Arial" pitchFamily="34" charset="0"/>
                 <a:cs typeface="Arial" pitchFamily="34" charset="0"/>
               </a:rPr>
-              <a:t> </a:t>
-            </a:r>
-            <a:r>
-              <a:rPr lang="en-IN" sz="3200" b="1" i="1" dirty="0">
-                <a:solidFill>
-                  <a:srgbClr val="FFFF00"/>
-                </a:solidFill>
-                <a:latin typeface="Arial" pitchFamily="34" charset="0"/>
-                <a:cs typeface="Arial" pitchFamily="34" charset="0"/>
-              </a:rPr>
-              <a:t> </a:t>
-            </a:r>
+              <a:t>().skip()</a:t>
+            </a:r>
+            <a:endParaRPr lang="en-IN" sz="3200" b="1" i="1" dirty="0">
+              <a:solidFill>
+                <a:srgbClr val="FFFF00"/>
+              </a:solidFill>
+              <a:latin typeface="Arial" pitchFamily="34" charset="0"/>
+              <a:cs typeface="Arial" pitchFamily="34" charset="0"/>
+            </a:endParaRPr>
           </a:p>
         </p:txBody>
       </p:sp>
@@ -11653,10 +11739,159 @@
           </a:p>
         </p:txBody>
       </p:sp>
+      <p:sp>
+        <p:nvSpPr>
+          <p:cNvPr id="4" name="Rectangle 3"/>
+          <p:cNvSpPr/>
+          <p:nvPr/>
+        </p:nvSpPr>
+        <p:spPr>
+          <a:xfrm>
+            <a:off x="154136" y="1563469"/>
+            <a:ext cx="8840676" cy="923330"/>
+          </a:xfrm>
+          <a:prstGeom prst="rect">
+            <a:avLst/>
+          </a:prstGeom>
+        </p:spPr>
+        <p:txBody>
+          <a:bodyPr wrap="square">
+            <a:spAutoFit/>
+          </a:bodyPr>
+          <a:lstStyle/>
+          <a:p>
+            <a:r>
+              <a:rPr lang="en-US" dirty="0">
+                <a:solidFill>
+                  <a:srgbClr val="049DC8"/>
+                </a:solidFill>
+                <a:latin typeface="Consolas" panose="020B0609020204030204" pitchFamily="49" charset="0"/>
+                <a:cs typeface="Calibri" panose="020F0502020204030204" pitchFamily="34" charset="0"/>
+              </a:rPr>
+              <a:t>cursor.skip</a:t>
+            </a:r>
+            <a:r>
+              <a:rPr lang="en-US" dirty="0" smtClean="0">
+                <a:solidFill>
+                  <a:srgbClr val="049DC8"/>
+                </a:solidFill>
+                <a:latin typeface="Consolas" panose="020B0609020204030204" pitchFamily="49" charset="0"/>
+                <a:cs typeface="Calibri" panose="020F0502020204030204" pitchFamily="34" charset="0"/>
+              </a:rPr>
+              <a:t>(&lt;</a:t>
+            </a:r>
+            <a:r>
+              <a:rPr lang="en-US" dirty="0">
+                <a:solidFill>
+                  <a:srgbClr val="049DC8"/>
+                </a:solidFill>
+                <a:latin typeface="Consolas" panose="020B0609020204030204" pitchFamily="49" charset="0"/>
+                <a:cs typeface="Calibri" panose="020F0502020204030204" pitchFamily="34" charset="0"/>
+              </a:rPr>
+              <a:t>offset&gt;)</a:t>
+            </a:r>
+            <a:endParaRPr lang="en-US" dirty="0">
+              <a:solidFill>
+                <a:srgbClr val="049DC8"/>
+              </a:solidFill>
+              <a:latin typeface="Consolas" panose="020B0609020204030204" pitchFamily="49" charset="0"/>
+              <a:cs typeface="Calibri" panose="020F0502020204030204" pitchFamily="34" charset="0"/>
+            </a:endParaRPr>
+          </a:p>
+          <a:p>
+            <a:r>
+              <a:rPr lang="en-US" dirty="0" smtClean="0">
+                <a:solidFill>
+                  <a:srgbClr val="049DC8"/>
+                </a:solidFill>
+                <a:latin typeface="Consolas" panose="020B0609020204030204" pitchFamily="49" charset="0"/>
+                <a:cs typeface="Calibri" panose="020F0502020204030204" pitchFamily="34" charset="0"/>
+              </a:rPr>
+              <a:t>db </a:t>
+            </a:r>
+            <a:r>
+              <a:rPr lang="en-US" dirty="0">
+                <a:solidFill>
+                  <a:srgbClr val="049DC8"/>
+                </a:solidFill>
+                <a:latin typeface="Consolas" panose="020B0609020204030204" pitchFamily="49" charset="0"/>
+                <a:cs typeface="Calibri" panose="020F0502020204030204" pitchFamily="34" charset="0"/>
+              </a:rPr>
+              <a:t>['emp'].find (query, projection</a:t>
+            </a:r>
+            <a:r>
+              <a:rPr lang="en-US" dirty="0" smtClean="0">
+                <a:solidFill>
+                  <a:srgbClr val="049DC8"/>
+                </a:solidFill>
+                <a:latin typeface="Consolas" panose="020B0609020204030204" pitchFamily="49" charset="0"/>
+                <a:cs typeface="Calibri" panose="020F0502020204030204" pitchFamily="34" charset="0"/>
+              </a:rPr>
+              <a:t>).</a:t>
+            </a:r>
+            <a:r>
+              <a:rPr lang="en-US" dirty="0">
+                <a:solidFill>
+                  <a:srgbClr val="049DC8"/>
+                </a:solidFill>
+                <a:latin typeface="Consolas" panose="020B0609020204030204" pitchFamily="49" charset="0"/>
+                <a:cs typeface="Calibri" panose="020F0502020204030204" pitchFamily="34" charset="0"/>
+              </a:rPr>
+              <a:t>skip(&lt;offset&gt;) </a:t>
+            </a:r>
+            <a:endParaRPr lang="en-US" dirty="0">
+              <a:solidFill>
+                <a:srgbClr val="049DC8"/>
+              </a:solidFill>
+              <a:latin typeface="Consolas" panose="020B0609020204030204" pitchFamily="49" charset="0"/>
+              <a:cs typeface="Calibri" panose="020F0502020204030204" pitchFamily="34" charset="0"/>
+            </a:endParaRPr>
+          </a:p>
+          <a:p>
+            <a:r>
+              <a:rPr lang="en-US" dirty="0">
+                <a:solidFill>
+                  <a:srgbClr val="049DC8"/>
+                </a:solidFill>
+                <a:latin typeface="Consolas" panose="020B0609020204030204" pitchFamily="49" charset="0"/>
+                <a:cs typeface="Calibri" panose="020F0502020204030204" pitchFamily="34" charset="0"/>
+              </a:rPr>
+              <a:t>db.collection.find(query, projection</a:t>
+            </a:r>
+            <a:r>
+              <a:rPr lang="en-US" dirty="0" smtClean="0">
+                <a:solidFill>
+                  <a:srgbClr val="049DC8"/>
+                </a:solidFill>
+                <a:latin typeface="Consolas" panose="020B0609020204030204" pitchFamily="49" charset="0"/>
+                <a:cs typeface="Calibri" panose="020F0502020204030204" pitchFamily="34" charset="0"/>
+              </a:rPr>
+              <a:t>).</a:t>
+            </a:r>
+            <a:r>
+              <a:rPr lang="en-US" dirty="0">
+                <a:solidFill>
+                  <a:srgbClr val="049DC8"/>
+                </a:solidFill>
+                <a:latin typeface="Consolas" panose="020B0609020204030204" pitchFamily="49" charset="0"/>
+                <a:cs typeface="Calibri" panose="020F0502020204030204" pitchFamily="34" charset="0"/>
+              </a:rPr>
+              <a:t>skip(&lt;offset&gt;)</a:t>
+            </a:r>
+            <a:endParaRPr lang="en-US" dirty="0">
+              <a:solidFill>
+                <a:srgbClr val="049DC8"/>
+              </a:solidFill>
+              <a:latin typeface="Consolas" panose="020B0609020204030204" pitchFamily="49" charset="0"/>
+              <a:cs typeface="Calibri" panose="020F0502020204030204" pitchFamily="34" charset="0"/>
+            </a:endParaRPr>
+          </a:p>
+        </p:txBody>
+      </p:sp>
     </p:spTree>
     <p:extLst>
       <p:ext uri="{BB962C8B-B14F-4D97-AF65-F5344CB8AC3E}">
-        <p14:creationId xmlns:p14="http://schemas.microsoft.com/office/powerpoint/2010/main" val="1785036271"/>
+        <p14:creationId xmlns:p14="http://schemas.microsoft.com/office/powerpoint/2010/main" val="1547012814"/>
       </p:ext>
     </p:extLst>
   </p:cSld>
@@ -11692,21 +11927,69 @@
       </p:grpSpPr>
       <p:sp>
         <p:nvSpPr>
-          <p:cNvPr id="6" name="Rectangle 5"/>
+          <p:cNvPr id="2" name="Title 1"/>
+          <p:cNvSpPr txBox="1">
+            <a:spLocks/>
+          </p:cNvSpPr>
+          <p:nvPr/>
+        </p:nvSpPr>
+        <p:spPr>
+          <a:xfrm>
+            <a:off x="152400" y="2057400"/>
+            <a:ext cx="8839200" cy="838200"/>
+          </a:xfrm>
+          <a:prstGeom prst="rect">
+            <a:avLst/>
+          </a:prstGeom>
+        </p:spPr>
+        <p:txBody>
+          <a:bodyPr>
+            <a:noAutofit/>
+          </a:bodyPr>
+          <a:lstStyle>
+            <a:defPPr>
+              <a:defRPr lang="en-US"/>
+            </a:defPPr>
+            <a:lvl1pPr lvl="0" algn="ctr">
+              <a:spcBef>
+                <a:spcPct val="0"/>
+              </a:spcBef>
+              <a:defRPr sz="4800">
+                <a:solidFill>
+                  <a:srgbClr val="7EEEE3"/>
+                </a:solidFill>
+                <a:latin typeface="Segoe UI Light" panose="020B0502040204020203" pitchFamily="34" charset="0"/>
+                <a:cs typeface="Segoe UI Light" panose="020B0502040204020203" pitchFamily="34" charset="0"/>
+              </a:defRPr>
+            </a:lvl1pPr>
+          </a:lstStyle>
+          <a:p>
+            <a:r>
+              <a:rPr lang="en-IN" dirty="0" smtClean="0"/>
+              <a:t>count</a:t>
+            </a:r>
+            <a:endParaRPr lang="en-US" dirty="0"/>
+          </a:p>
+        </p:txBody>
+      </p:sp>
+      <p:sp>
+        <p:nvSpPr>
+          <p:cNvPr id="3" name="Rectangle 2"/>
           <p:cNvSpPr/>
           <p:nvPr/>
         </p:nvSpPr>
         <p:spPr>
           <a:xfrm>
-            <a:off x="0" y="0"/>
-            <a:ext cx="9144000" cy="584775"/>
+            <a:off x="419100" y="2861953"/>
+            <a:ext cx="8305800" cy="369332"/>
           </a:xfrm>
           <a:prstGeom prst="rect">
             <a:avLst/>
           </a:prstGeom>
           <a:solidFill>
-            <a:schemeClr val="accent4">
-              <a:lumMod val="75000"/>
+            <a:schemeClr val="accent6">
+              <a:lumMod val="20000"/>
+              <a:lumOff val="80000"/>
             </a:schemeClr>
           </a:solidFill>
         </p:spPr>
@@ -11716,83 +11999,42 @@
           </a:bodyPr>
           <a:lstStyle/>
           <a:p>
-            <a:pPr algn="r">
-              <a:spcBef>
-                <a:spcPct val="0"/>
-              </a:spcBef>
-            </a:pPr>
-            <a:r>
-              <a:rPr lang="en-IN" sz="3200" b="1" i="1" dirty="0" smtClean="0">
-                <a:solidFill>
-                  <a:srgbClr val="FFFF00"/>
-                </a:solidFill>
-                <a:latin typeface="Arial" pitchFamily="34" charset="0"/>
-                <a:cs typeface="Arial" pitchFamily="34" charset="0"/>
-              </a:rPr>
-              <a:t>MongoDB</a:t>
-            </a:r>
-            <a:r>
-              <a:rPr lang="en-US" sz="3200" b="1" i="1" dirty="0" smtClean="0">
-                <a:solidFill>
-                  <a:srgbClr val="FFFF00"/>
-                </a:solidFill>
-                <a:latin typeface="Arial" pitchFamily="34" charset="0"/>
-                <a:cs typeface="Arial" pitchFamily="34" charset="0"/>
-              </a:rPr>
-              <a:t> </a:t>
-            </a:r>
-            <a:r>
-              <a:rPr lang="en-IN" sz="3200" b="1" i="1" dirty="0">
-                <a:solidFill>
-                  <a:srgbClr val="FFFF00"/>
-                </a:solidFill>
-                <a:latin typeface="Arial" pitchFamily="34" charset="0"/>
-                <a:cs typeface="Arial" pitchFamily="34" charset="0"/>
-              </a:rPr>
-              <a:t> </a:t>
-            </a:r>
-          </a:p>
-        </p:txBody>
-      </p:sp>
-      <p:sp>
-        <p:nvSpPr>
-          <p:cNvPr id="7" name="Rectangle 6"/>
-          <p:cNvSpPr/>
-          <p:nvPr/>
-        </p:nvSpPr>
-        <p:spPr>
-          <a:xfrm>
-            <a:off x="149188" y="762000"/>
-            <a:ext cx="8845624" cy="369332"/>
-          </a:xfrm>
-          <a:prstGeom prst="rect">
-            <a:avLst/>
-          </a:prstGeom>
-        </p:spPr>
-        <p:txBody>
-          <a:bodyPr wrap="square">
-            <a:spAutoFit/>
-          </a:bodyPr>
-          <a:lstStyle/>
-          <a:p>
-            <a:r>
-              <a:rPr lang="en-US" dirty="0" smtClean="0"/>
+            <a:r>
+              <a:rPr lang="en-US" dirty="0" smtClean="0">
+                <a:solidFill>
+                  <a:srgbClr val="222222"/>
+                </a:solidFill>
+                <a:latin typeface="arial" panose="020B0604020202020204" pitchFamily="34" charset="0"/>
+              </a:rPr>
               <a:t>TODO</a:t>
             </a:r>
-            <a:endParaRPr lang="en-IN" dirty="0"/>
+            <a:endParaRPr lang="en-US" dirty="0" smtClean="0">
+              <a:solidFill>
+                <a:srgbClr val="222222"/>
+              </a:solidFill>
+              <a:latin typeface="arial" panose="020B0604020202020204" pitchFamily="34" charset="0"/>
+            </a:endParaRPr>
           </a:p>
         </p:txBody>
       </p:sp>
     </p:spTree>
     <p:extLst>
       <p:ext uri="{BB962C8B-B14F-4D97-AF65-F5344CB8AC3E}">
-        <p14:creationId xmlns:p14="http://schemas.microsoft.com/office/powerpoint/2010/main" val="2324753550"/>
+        <p14:creationId xmlns:p14="http://schemas.microsoft.com/office/powerpoint/2010/main" val="887710447"/>
       </p:ext>
     </p:extLst>
   </p:cSld>
   <p:clrMapOvr>
     <a:masterClrMapping/>
   </p:clrMapOvr>
+  <mc:AlternateContent xmlns:mc="http://schemas.openxmlformats.org/markup-compatibility/2006">
+    <mc:Choice xmlns:p14="http://schemas.microsoft.com/office/powerpoint/2010/main" Requires="p14">
+      <p:transition spd="slow" p14:dur="2000"/>
+    </mc:Choice>
+    <mc:Fallback>
+      <p:transition spd="slow"/>
+    </mc:Fallback>
+  </mc:AlternateContent>
   <p:timing>
     <p:tnLst>
       <p:par>
@@ -11859,28 +12101,25 @@
                 <a:latin typeface="Arial" pitchFamily="34" charset="0"/>
                 <a:cs typeface="Arial" pitchFamily="34" charset="0"/>
               </a:rPr>
-              <a:t>MongoDB</a:t>
-            </a:r>
-            <a:r>
-              <a:rPr lang="en-US" sz="3200" b="1" i="1" dirty="0" smtClean="0">
+              <a:t>db.collection.find</a:t>
+            </a:r>
+            <a:r>
+              <a:rPr lang="en-IN" sz="3200" b="1" i="1" dirty="0" smtClean="0">
                 <a:solidFill>
                   <a:srgbClr val="FFFF00"/>
                 </a:solidFill>
                 <a:latin typeface="Arial" pitchFamily="34" charset="0"/>
                 <a:cs typeface="Arial" pitchFamily="34" charset="0"/>
               </a:rPr>
-              <a:t> </a:t>
-            </a:r>
-            <a:r>
-              <a:rPr lang="en-IN" sz="3200" b="1" i="1" dirty="0">
-                <a:solidFill>
-                  <a:srgbClr val="FFFF00"/>
-                </a:solidFill>
-                <a:latin typeface="Arial" pitchFamily="34" charset="0"/>
-                <a:cs typeface="Arial" pitchFamily="34" charset="0"/>
-              </a:rPr>
-              <a:t> </a:t>
-            </a:r>
+              <a:t>().count()</a:t>
+            </a:r>
+            <a:endParaRPr lang="en-IN" sz="3200" b="1" i="1" dirty="0">
+              <a:solidFill>
+                <a:srgbClr val="FFFF00"/>
+              </a:solidFill>
+              <a:latin typeface="Arial" pitchFamily="34" charset="0"/>
+              <a:cs typeface="Arial" pitchFamily="34" charset="0"/>
+            </a:endParaRPr>
           </a:p>
         </p:txBody>
       </p:sp>
@@ -11913,10 +12152,129 @@
           </a:p>
         </p:txBody>
       </p:sp>
+      <p:sp>
+        <p:nvSpPr>
+          <p:cNvPr id="4" name="Rectangle 3"/>
+          <p:cNvSpPr/>
+          <p:nvPr/>
+        </p:nvSpPr>
+        <p:spPr>
+          <a:xfrm>
+            <a:off x="154136" y="1563469"/>
+            <a:ext cx="8840676" cy="923330"/>
+          </a:xfrm>
+          <a:prstGeom prst="rect">
+            <a:avLst/>
+          </a:prstGeom>
+        </p:spPr>
+        <p:txBody>
+          <a:bodyPr wrap="square">
+            <a:spAutoFit/>
+          </a:bodyPr>
+          <a:lstStyle/>
+          <a:p>
+            <a:r>
+              <a:rPr lang="en-US" dirty="0">
+                <a:solidFill>
+                  <a:srgbClr val="049DC8"/>
+                </a:solidFill>
+                <a:latin typeface="Consolas" panose="020B0609020204030204" pitchFamily="49" charset="0"/>
+                <a:cs typeface="Calibri" panose="020F0502020204030204" pitchFamily="34" charset="0"/>
+              </a:rPr>
+              <a:t>cursor.count()</a:t>
+            </a:r>
+            <a:endParaRPr lang="en-US" dirty="0" smtClean="0">
+              <a:solidFill>
+                <a:srgbClr val="049DC8"/>
+              </a:solidFill>
+              <a:latin typeface="Consolas" panose="020B0609020204030204" pitchFamily="49" charset="0"/>
+              <a:cs typeface="Calibri" panose="020F0502020204030204" pitchFamily="34" charset="0"/>
+            </a:endParaRPr>
+          </a:p>
+          <a:p>
+            <a:r>
+              <a:rPr lang="en-US" dirty="0" smtClean="0">
+                <a:solidFill>
+                  <a:srgbClr val="049DC8"/>
+                </a:solidFill>
+                <a:latin typeface="Consolas" panose="020B0609020204030204" pitchFamily="49" charset="0"/>
+                <a:cs typeface="Calibri" panose="020F0502020204030204" pitchFamily="34" charset="0"/>
+              </a:rPr>
+              <a:t>db.collection.find</a:t>
+            </a:r>
+            <a:r>
+              <a:rPr lang="en-US" dirty="0">
+                <a:solidFill>
+                  <a:srgbClr val="049DC8"/>
+                </a:solidFill>
+                <a:latin typeface="Consolas" panose="020B0609020204030204" pitchFamily="49" charset="0"/>
+                <a:cs typeface="Calibri" panose="020F0502020204030204" pitchFamily="34" charset="0"/>
+              </a:rPr>
+              <a:t>(&lt;query&gt;).count()</a:t>
+            </a:r>
+            <a:endParaRPr lang="en-US" dirty="0">
+              <a:solidFill>
+                <a:srgbClr val="049DC8"/>
+              </a:solidFill>
+              <a:latin typeface="Consolas" panose="020B0609020204030204" pitchFamily="49" charset="0"/>
+              <a:cs typeface="Calibri" panose="020F0502020204030204" pitchFamily="34" charset="0"/>
+            </a:endParaRPr>
+          </a:p>
+          <a:p>
+            <a:r>
+              <a:rPr lang="en-US" dirty="0">
+                <a:solidFill>
+                  <a:srgbClr val="049DC8"/>
+                </a:solidFill>
+                <a:latin typeface="Consolas" panose="020B0609020204030204" pitchFamily="49" charset="0"/>
+                <a:cs typeface="Calibri" panose="020F0502020204030204" pitchFamily="34" charset="0"/>
+              </a:rPr>
+              <a:t>db ['</a:t>
+            </a:r>
+            <a:r>
+              <a:rPr lang="en-US" dirty="0" smtClean="0">
+                <a:solidFill>
+                  <a:srgbClr val="049DC8"/>
+                </a:solidFill>
+                <a:latin typeface="Consolas" panose="020B0609020204030204" pitchFamily="49" charset="0"/>
+                <a:cs typeface="Calibri" panose="020F0502020204030204" pitchFamily="34" charset="0"/>
+              </a:rPr>
+              <a:t>collection_name'].</a:t>
+            </a:r>
+            <a:r>
+              <a:rPr lang="en-US" dirty="0">
+                <a:solidFill>
+                  <a:srgbClr val="049DC8"/>
+                </a:solidFill>
+                <a:latin typeface="Consolas" panose="020B0609020204030204" pitchFamily="49" charset="0"/>
+                <a:cs typeface="Calibri" panose="020F0502020204030204" pitchFamily="34" charset="0"/>
+              </a:rPr>
+              <a:t>find (&lt;query&gt;).count</a:t>
+            </a:r>
+            <a:r>
+              <a:rPr lang="en-US" dirty="0" smtClean="0">
+                <a:solidFill>
+                  <a:srgbClr val="049DC8"/>
+                </a:solidFill>
+                <a:latin typeface="Consolas" panose="020B0609020204030204" pitchFamily="49" charset="0"/>
+                <a:cs typeface="Calibri" panose="020F0502020204030204" pitchFamily="34" charset="0"/>
+              </a:rPr>
+              <a:t>()</a:t>
+            </a:r>
+            <a:endParaRPr lang="en-US" dirty="0">
+              <a:solidFill>
+                <a:srgbClr val="049DC8"/>
+              </a:solidFill>
+              <a:latin typeface="Consolas" panose="020B0609020204030204" pitchFamily="49" charset="0"/>
+              <a:cs typeface="Calibri" panose="020F0502020204030204" pitchFamily="34" charset="0"/>
+            </a:endParaRPr>
+          </a:p>
+        </p:txBody>
+      </p:sp>
     </p:spTree>
     <p:extLst>
       <p:ext uri="{BB962C8B-B14F-4D97-AF65-F5344CB8AC3E}">
-        <p14:creationId xmlns:p14="http://schemas.microsoft.com/office/powerpoint/2010/main" val="159175200"/>
+        <p14:creationId xmlns:p14="http://schemas.microsoft.com/office/powerpoint/2010/main" val="690466655"/>
       </p:ext>
     </p:extLst>
   </p:cSld>
@@ -11952,21 +12310,69 @@
       </p:grpSpPr>
       <p:sp>
         <p:nvSpPr>
-          <p:cNvPr id="6" name="Rectangle 5"/>
+          <p:cNvPr id="2" name="Title 1"/>
+          <p:cNvSpPr txBox="1">
+            <a:spLocks/>
+          </p:cNvSpPr>
+          <p:nvPr/>
+        </p:nvSpPr>
+        <p:spPr>
+          <a:xfrm>
+            <a:off x="152400" y="2057400"/>
+            <a:ext cx="8839200" cy="838200"/>
+          </a:xfrm>
+          <a:prstGeom prst="rect">
+            <a:avLst/>
+          </a:prstGeom>
+        </p:spPr>
+        <p:txBody>
+          <a:bodyPr>
+            <a:noAutofit/>
+          </a:bodyPr>
+          <a:lstStyle>
+            <a:defPPr>
+              <a:defRPr lang="en-US"/>
+            </a:defPPr>
+            <a:lvl1pPr lvl="0" algn="ctr">
+              <a:spcBef>
+                <a:spcPct val="0"/>
+              </a:spcBef>
+              <a:defRPr sz="4800">
+                <a:solidFill>
+                  <a:srgbClr val="7EEEE3"/>
+                </a:solidFill>
+                <a:latin typeface="Segoe UI Light" panose="020B0502040204020203" pitchFamily="34" charset="0"/>
+                <a:cs typeface="Segoe UI Light" panose="020B0502040204020203" pitchFamily="34" charset="0"/>
+              </a:defRPr>
+            </a:lvl1pPr>
+          </a:lstStyle>
+          <a:p>
+            <a:r>
+              <a:rPr lang="en-IN" dirty="0" smtClean="0"/>
+              <a:t>document</a:t>
+            </a:r>
+            <a:endParaRPr lang="en-US" dirty="0"/>
+          </a:p>
+        </p:txBody>
+      </p:sp>
+      <p:sp>
+        <p:nvSpPr>
+          <p:cNvPr id="3" name="Rectangle 2"/>
           <p:cNvSpPr/>
           <p:nvPr/>
         </p:nvSpPr>
         <p:spPr>
           <a:xfrm>
-            <a:off x="0" y="0"/>
-            <a:ext cx="9144000" cy="584775"/>
+            <a:off x="419100" y="2861953"/>
+            <a:ext cx="8305800" cy="646331"/>
           </a:xfrm>
           <a:prstGeom prst="rect">
             <a:avLst/>
           </a:prstGeom>
           <a:solidFill>
-            <a:schemeClr val="accent4">
-              <a:lumMod val="75000"/>
+            <a:schemeClr val="accent6">
+              <a:lumMod val="20000"/>
+              <a:lumOff val="80000"/>
             </a:schemeClr>
           </a:solidFill>
         </p:spPr>
@@ -11976,83 +12382,37 @@
           </a:bodyPr>
           <a:lstStyle/>
           <a:p>
-            <a:pPr algn="r">
-              <a:spcBef>
-                <a:spcPct val="0"/>
-              </a:spcBef>
-            </a:pPr>
-            <a:r>
-              <a:rPr lang="en-IN" sz="3200" b="1" i="1" dirty="0" smtClean="0">
-                <a:solidFill>
-                  <a:srgbClr val="FFFF00"/>
-                </a:solidFill>
-                <a:latin typeface="Arial" pitchFamily="34" charset="0"/>
-                <a:cs typeface="Arial" pitchFamily="34" charset="0"/>
-              </a:rPr>
-              <a:t>MongoDB</a:t>
-            </a:r>
-            <a:r>
-              <a:rPr lang="en-US" sz="3200" b="1" i="1" dirty="0" smtClean="0">
-                <a:solidFill>
-                  <a:srgbClr val="FFFF00"/>
-                </a:solidFill>
-                <a:latin typeface="Arial" pitchFamily="34" charset="0"/>
-                <a:cs typeface="Arial" pitchFamily="34" charset="0"/>
-              </a:rPr>
-              <a:t> </a:t>
-            </a:r>
-            <a:r>
-              <a:rPr lang="en-IN" sz="3200" b="1" i="1" dirty="0">
-                <a:solidFill>
-                  <a:srgbClr val="FFFF00"/>
-                </a:solidFill>
-                <a:latin typeface="Arial" pitchFamily="34" charset="0"/>
-                <a:cs typeface="Arial" pitchFamily="34" charset="0"/>
-              </a:rPr>
-              <a:t> </a:t>
-            </a:r>
-          </a:p>
-        </p:txBody>
-      </p:sp>
-      <p:sp>
-        <p:nvSpPr>
-          <p:cNvPr id="7" name="Rectangle 6"/>
-          <p:cNvSpPr/>
-          <p:nvPr/>
-        </p:nvSpPr>
-        <p:spPr>
-          <a:xfrm>
-            <a:off x="149188" y="762000"/>
-            <a:ext cx="8845624" cy="369332"/>
-          </a:xfrm>
-          <a:prstGeom prst="rect">
-            <a:avLst/>
-          </a:prstGeom>
-        </p:spPr>
-        <p:txBody>
-          <a:bodyPr wrap="square">
-            <a:spAutoFit/>
-          </a:bodyPr>
-          <a:lstStyle/>
-          <a:p>
-            <a:r>
-              <a:rPr lang="en-US" dirty="0" smtClean="0"/>
-              <a:t>TODO</a:t>
-            </a:r>
-            <a:endParaRPr lang="en-IN" dirty="0"/>
+            <a:r>
+              <a:rPr lang="en-US" dirty="0">
+                <a:solidFill>
+                  <a:srgbClr val="222222"/>
+                </a:solidFill>
+                <a:latin typeface="arial" panose="020B0604020202020204" pitchFamily="34" charset="0"/>
+              </a:rPr>
+              <a:t>MongoDB stores data as BSON documents. BSON is a binary representation of JSON documents.</a:t>
+            </a:r>
+            <a:endParaRPr lang="en-US" dirty="0"/>
           </a:p>
         </p:txBody>
       </p:sp>
     </p:spTree>
     <p:extLst>
       <p:ext uri="{BB962C8B-B14F-4D97-AF65-F5344CB8AC3E}">
-        <p14:creationId xmlns:p14="http://schemas.microsoft.com/office/powerpoint/2010/main" val="4200858574"/>
+        <p14:creationId xmlns:p14="http://schemas.microsoft.com/office/powerpoint/2010/main" val="316225766"/>
       </p:ext>
     </p:extLst>
   </p:cSld>
   <p:clrMapOvr>
     <a:masterClrMapping/>
   </p:clrMapOvr>
+  <mc:AlternateContent xmlns:mc="http://schemas.openxmlformats.org/markup-compatibility/2006" xmlns:p14="http://schemas.microsoft.com/office/powerpoint/2010/main">
+    <mc:Choice Requires="p14">
+      <p:transition spd="slow" p14:dur="2000"/>
+    </mc:Choice>
+    <mc:Fallback xmlns="">
+      <p:transition spd="slow"/>
+    </mc:Fallback>
+  </mc:AlternateContent>
   <p:timing>
     <p:tnLst>
       <p:par>
@@ -12119,26 +12479,16 @@
                 <a:latin typeface="Arial" pitchFamily="34" charset="0"/>
                 <a:cs typeface="Arial" pitchFamily="34" charset="0"/>
               </a:rPr>
-              <a:t>MongoDB</a:t>
-            </a:r>
-            <a:r>
-              <a:rPr lang="en-US" sz="3200" b="1" i="1" dirty="0" smtClean="0">
+              <a:t>document</a:t>
+            </a:r>
+            <a:r>
+              <a:rPr lang="en-IN" sz="3200" b="1" i="1" dirty="0">
                 <a:solidFill>
                   <a:srgbClr val="FFFF00"/>
                 </a:solidFill>
                 <a:latin typeface="Arial" pitchFamily="34" charset="0"/>
                 <a:cs typeface="Arial" pitchFamily="34" charset="0"/>
               </a:rPr>
-              <a:t> </a:t>
-            </a:r>
-            <a:r>
-              <a:rPr lang="en-IN" sz="3200" b="1" i="1" dirty="0">
-                <a:solidFill>
-                  <a:srgbClr val="FFFF00"/>
-                </a:solidFill>
-                <a:latin typeface="Arial" pitchFamily="34" charset="0"/>
-                <a:cs typeface="Arial" pitchFamily="34" charset="0"/>
-              </a:rPr>
               <a:t> </a:t>
             </a:r>
           </a:p>
@@ -12153,7 +12503,7 @@
         <p:spPr>
           <a:xfrm>
             <a:off x="149188" y="762000"/>
-            <a:ext cx="8845624" cy="369332"/>
+            <a:ext cx="8845624" cy="923330"/>
           </a:xfrm>
           <a:prstGeom prst="rect">
             <a:avLst/>
@@ -12166,17 +12516,203 @@
           <a:lstStyle/>
           <a:p>
             <a:r>
-              <a:rPr lang="en-US" dirty="0" smtClean="0"/>
-              <a:t>TODO</a:t>
+              <a:rPr lang="en-US" dirty="0"/>
+              <a:t>MongoDB documents are composed of </a:t>
+            </a:r>
+            <a:r>
+              <a:rPr lang="en-US" b="1" i="1" dirty="0">
+                <a:solidFill>
+                  <a:srgbClr val="036883"/>
+                </a:solidFill>
+              </a:rPr>
+              <a:t>field-and-value</a:t>
+            </a:r>
+            <a:r>
+              <a:rPr lang="en-US" dirty="0"/>
+              <a:t> pairs. The value of a field can be any of the BSON data types, including other documents, arrays, and arrays of documents.</a:t>
             </a:r>
             <a:endParaRPr lang="en-IN" dirty="0"/>
+          </a:p>
+        </p:txBody>
+      </p:sp>
+      <p:sp>
+        <p:nvSpPr>
+          <p:cNvPr id="2" name="Rectangle 1"/>
+          <p:cNvSpPr/>
+          <p:nvPr/>
+        </p:nvSpPr>
+        <p:spPr>
+          <a:xfrm>
+            <a:off x="149188" y="1875420"/>
+            <a:ext cx="8845624" cy="646331"/>
+          </a:xfrm>
+          <a:prstGeom prst="rect">
+            <a:avLst/>
+          </a:prstGeom>
+        </p:spPr>
+        <p:txBody>
+          <a:bodyPr wrap="square">
+            <a:spAutoFit/>
+          </a:bodyPr>
+          <a:lstStyle/>
+          <a:p>
+            <a:r>
+              <a:rPr lang="en-US" dirty="0"/>
+              <a:t>The </a:t>
+            </a:r>
+            <a:r>
+              <a:rPr lang="en-US" b="1" i="1" dirty="0">
+                <a:solidFill>
+                  <a:srgbClr val="036883"/>
+                </a:solidFill>
+              </a:rPr>
+              <a:t>field name</a:t>
+            </a:r>
+            <a:r>
+              <a:rPr lang="en-US" dirty="0"/>
+              <a:t> </a:t>
+            </a:r>
+            <a:r>
+              <a:rPr lang="en-US" b="1" i="1" dirty="0">
+                <a:solidFill>
+                  <a:srgbClr val="C00000"/>
+                </a:solidFill>
+              </a:rPr>
+              <a:t>_</a:t>
+            </a:r>
+            <a:r>
+              <a:rPr lang="en-US" b="1" dirty="0">
+                <a:solidFill>
+                  <a:srgbClr val="C00000"/>
+                </a:solidFill>
+              </a:rPr>
+              <a:t>id</a:t>
+            </a:r>
+            <a:r>
+              <a:rPr lang="en-US" b="1" i="1" dirty="0">
+                <a:solidFill>
+                  <a:srgbClr val="C00000"/>
+                </a:solidFill>
+              </a:rPr>
+              <a:t> </a:t>
+            </a:r>
+            <a:r>
+              <a:rPr lang="en-US" dirty="0"/>
+              <a:t>is reserved for use as a primary key; its value must be unique in the collection, is immutable, and may be of any type other than an array.</a:t>
+            </a:r>
+          </a:p>
+        </p:txBody>
+      </p:sp>
+      <p:sp>
+        <p:nvSpPr>
+          <p:cNvPr id="3" name="Rectangle 2"/>
+          <p:cNvSpPr/>
+          <p:nvPr/>
+        </p:nvSpPr>
+        <p:spPr>
+          <a:xfrm>
+            <a:off x="184814" y="2971800"/>
+            <a:ext cx="2464136" cy="2031325"/>
+          </a:xfrm>
+          <a:prstGeom prst="rect">
+            <a:avLst/>
+          </a:prstGeom>
+        </p:spPr>
+        <p:txBody>
+          <a:bodyPr wrap="none">
+            <a:spAutoFit/>
+          </a:bodyPr>
+          <a:lstStyle/>
+          <a:p>
+            <a:r>
+              <a:rPr lang="en-US" dirty="0">
+                <a:solidFill>
+                  <a:srgbClr val="049DC8"/>
+                </a:solidFill>
+                <a:latin typeface="Consolas" panose="020B0609020204030204" pitchFamily="49" charset="0"/>
+                <a:cs typeface="Calibri" panose="020F0502020204030204" pitchFamily="34" charset="0"/>
+              </a:rPr>
+              <a:t>{</a:t>
+            </a:r>
+          </a:p>
+          <a:p>
+            <a:r>
+              <a:rPr lang="en-US" dirty="0">
+                <a:solidFill>
+                  <a:srgbClr val="049DC8"/>
+                </a:solidFill>
+                <a:latin typeface="Consolas" panose="020B0609020204030204" pitchFamily="49" charset="0"/>
+                <a:cs typeface="Calibri" panose="020F0502020204030204" pitchFamily="34" charset="0"/>
+              </a:rPr>
+              <a:t>   field1: value1,</a:t>
+            </a:r>
+          </a:p>
+          <a:p>
+            <a:r>
+              <a:rPr lang="en-US" dirty="0">
+                <a:solidFill>
+                  <a:srgbClr val="049DC8"/>
+                </a:solidFill>
+                <a:latin typeface="Consolas" panose="020B0609020204030204" pitchFamily="49" charset="0"/>
+                <a:cs typeface="Calibri" panose="020F0502020204030204" pitchFamily="34" charset="0"/>
+              </a:rPr>
+              <a:t>   field2: value2,</a:t>
+            </a:r>
+          </a:p>
+          <a:p>
+            <a:r>
+              <a:rPr lang="en-US" dirty="0">
+                <a:solidFill>
+                  <a:srgbClr val="049DC8"/>
+                </a:solidFill>
+                <a:latin typeface="Consolas" panose="020B0609020204030204" pitchFamily="49" charset="0"/>
+                <a:cs typeface="Calibri" panose="020F0502020204030204" pitchFamily="34" charset="0"/>
+              </a:rPr>
+              <a:t>   field3: value3,</a:t>
+            </a:r>
+          </a:p>
+          <a:p>
+            <a:r>
+              <a:rPr lang="en-US" dirty="0">
+                <a:solidFill>
+                  <a:srgbClr val="049DC8"/>
+                </a:solidFill>
+                <a:latin typeface="Consolas" panose="020B0609020204030204" pitchFamily="49" charset="0"/>
+                <a:cs typeface="Calibri" panose="020F0502020204030204" pitchFamily="34" charset="0"/>
+              </a:rPr>
+              <a:t>   ...</a:t>
+            </a:r>
+          </a:p>
+          <a:p>
+            <a:r>
+              <a:rPr lang="en-US" dirty="0">
+                <a:solidFill>
+                  <a:srgbClr val="049DC8"/>
+                </a:solidFill>
+                <a:latin typeface="Consolas" panose="020B0609020204030204" pitchFamily="49" charset="0"/>
+                <a:cs typeface="Calibri" panose="020F0502020204030204" pitchFamily="34" charset="0"/>
+              </a:rPr>
+              <a:t>   fieldN: valueN</a:t>
+            </a:r>
+          </a:p>
+          <a:p>
+            <a:r>
+              <a:rPr lang="en-US" dirty="0">
+                <a:solidFill>
+                  <a:srgbClr val="049DC8"/>
+                </a:solidFill>
+                <a:latin typeface="Consolas" panose="020B0609020204030204" pitchFamily="49" charset="0"/>
+                <a:cs typeface="Calibri" panose="020F0502020204030204" pitchFamily="34" charset="0"/>
+              </a:rPr>
+              <a:t>}</a:t>
+            </a:r>
           </a:p>
         </p:txBody>
       </p:sp>
     </p:spTree>
     <p:extLst>
       <p:ext uri="{BB962C8B-B14F-4D97-AF65-F5344CB8AC3E}">
-        <p14:creationId xmlns:p14="http://schemas.microsoft.com/office/powerpoint/2010/main" val="2535387021"/>
+        <p14:creationId xmlns:p14="http://schemas.microsoft.com/office/powerpoint/2010/main" val="1707159998"/>
       </p:ext>
     </p:extLst>
   </p:cSld>
@@ -12249,17 +12785,7 @@
                 <a:latin typeface="Arial" pitchFamily="34" charset="0"/>
                 <a:cs typeface="Arial" pitchFamily="34" charset="0"/>
               </a:rPr>
-              <a:t>MongoDB</a:t>
-            </a:r>
-            <a:r>
-              <a:rPr lang="en-US" sz="3200" b="1" i="1" dirty="0" smtClean="0">
-                <a:solidFill>
-                  <a:srgbClr val="FFFF00"/>
-                </a:solidFill>
-                <a:latin typeface="Arial" pitchFamily="34" charset="0"/>
-                <a:cs typeface="Arial" pitchFamily="34" charset="0"/>
-              </a:rPr>
-              <a:t> </a:t>
+              <a:t>document</a:t>
             </a:r>
             <a:r>
               <a:rPr lang="en-IN" sz="3200" b="1" i="1" dirty="0">
@@ -12306,7 +12832,7 @@
     </p:spTree>
     <p:extLst>
       <p:ext uri="{BB962C8B-B14F-4D97-AF65-F5344CB8AC3E}">
-        <p14:creationId xmlns:p14="http://schemas.microsoft.com/office/powerpoint/2010/main" val="3372373110"/>
+        <p14:creationId xmlns:p14="http://schemas.microsoft.com/office/powerpoint/2010/main" val="3587670722"/>
       </p:ext>
     </p:extLst>
   </p:cSld>
@@ -12436,7 +12962,7 @@
     </p:spTree>
     <p:extLst>
       <p:ext uri="{BB962C8B-B14F-4D97-AF65-F5344CB8AC3E}">
-        <p14:creationId xmlns:p14="http://schemas.microsoft.com/office/powerpoint/2010/main" val="1298561359"/>
+        <p14:creationId xmlns:p14="http://schemas.microsoft.com/office/powerpoint/2010/main" val="250252946"/>
       </p:ext>
     </p:extLst>
   </p:cSld>
@@ -12566,7 +13092,7 @@
     </p:spTree>
     <p:extLst>
       <p:ext uri="{BB962C8B-B14F-4D97-AF65-F5344CB8AC3E}">
-        <p14:creationId xmlns:p14="http://schemas.microsoft.com/office/powerpoint/2010/main" val="2767122750"/>
+        <p14:creationId xmlns:p14="http://schemas.microsoft.com/office/powerpoint/2010/main" val="895975297"/>
       </p:ext>
     </p:extLst>
   </p:cSld>
@@ -12696,7 +13222,7 @@
     </p:spTree>
     <p:extLst>
       <p:ext uri="{BB962C8B-B14F-4D97-AF65-F5344CB8AC3E}">
-        <p14:creationId xmlns:p14="http://schemas.microsoft.com/office/powerpoint/2010/main" val="3923222660"/>
+        <p14:creationId xmlns:p14="http://schemas.microsoft.com/office/powerpoint/2010/main" val="1785036271"/>
       </p:ext>
     </p:extLst>
   </p:cSld>
@@ -13072,7 +13598,7 @@
     </p:spTree>
     <p:extLst>
       <p:ext uri="{BB962C8B-B14F-4D97-AF65-F5344CB8AC3E}">
-        <p14:creationId xmlns:p14="http://schemas.microsoft.com/office/powerpoint/2010/main" val="166747101"/>
+        <p14:creationId xmlns:p14="http://schemas.microsoft.com/office/powerpoint/2010/main" val="2324753550"/>
       </p:ext>
     </p:extLst>
   </p:cSld>
@@ -13202,7 +13728,7 @@
     </p:spTree>
     <p:extLst>
       <p:ext uri="{BB962C8B-B14F-4D97-AF65-F5344CB8AC3E}">
-        <p14:creationId xmlns:p14="http://schemas.microsoft.com/office/powerpoint/2010/main" val="924942284"/>
+        <p14:creationId xmlns:p14="http://schemas.microsoft.com/office/powerpoint/2010/main" val="159175200"/>
       </p:ext>
     </p:extLst>
   </p:cSld>
@@ -13332,7 +13858,7 @@
     </p:spTree>
     <p:extLst>
       <p:ext uri="{BB962C8B-B14F-4D97-AF65-F5344CB8AC3E}">
-        <p14:creationId xmlns:p14="http://schemas.microsoft.com/office/powerpoint/2010/main" val="3259065627"/>
+        <p14:creationId xmlns:p14="http://schemas.microsoft.com/office/powerpoint/2010/main" val="4200858574"/>
       </p:ext>
     </p:extLst>
   </p:cSld>
@@ -13462,7 +13988,7 @@
     </p:spTree>
     <p:extLst>
       <p:ext uri="{BB962C8B-B14F-4D97-AF65-F5344CB8AC3E}">
-        <p14:creationId xmlns:p14="http://schemas.microsoft.com/office/powerpoint/2010/main" val="3171492564"/>
+        <p14:creationId xmlns:p14="http://schemas.microsoft.com/office/powerpoint/2010/main" val="2535387021"/>
       </p:ext>
     </p:extLst>
   </p:cSld>
@@ -13592,7 +14118,7 @@
     </p:spTree>
     <p:extLst>
       <p:ext uri="{BB962C8B-B14F-4D97-AF65-F5344CB8AC3E}">
-        <p14:creationId xmlns:p14="http://schemas.microsoft.com/office/powerpoint/2010/main" val="2780407736"/>
+        <p14:creationId xmlns:p14="http://schemas.microsoft.com/office/powerpoint/2010/main" val="3372373110"/>
       </p:ext>
     </p:extLst>
   </p:cSld>
@@ -13722,7 +14248,7 @@
     </p:spTree>
     <p:extLst>
       <p:ext uri="{BB962C8B-B14F-4D97-AF65-F5344CB8AC3E}">
-        <p14:creationId xmlns:p14="http://schemas.microsoft.com/office/powerpoint/2010/main" val="848474725"/>
+        <p14:creationId xmlns:p14="http://schemas.microsoft.com/office/powerpoint/2010/main" val="1298561359"/>
       </p:ext>
     </p:extLst>
   </p:cSld>
@@ -13852,7 +14378,7 @@
     </p:spTree>
     <p:extLst>
       <p:ext uri="{BB962C8B-B14F-4D97-AF65-F5344CB8AC3E}">
-        <p14:creationId xmlns:p14="http://schemas.microsoft.com/office/powerpoint/2010/main" val="4030158449"/>
+        <p14:creationId xmlns:p14="http://schemas.microsoft.com/office/powerpoint/2010/main" val="2767122750"/>
       </p:ext>
     </p:extLst>
   </p:cSld>
@@ -13982,7 +14508,7 @@
     </p:spTree>
     <p:extLst>
       <p:ext uri="{BB962C8B-B14F-4D97-AF65-F5344CB8AC3E}">
-        <p14:creationId xmlns:p14="http://schemas.microsoft.com/office/powerpoint/2010/main" val="1708605334"/>
+        <p14:creationId xmlns:p14="http://schemas.microsoft.com/office/powerpoint/2010/main" val="3923222660"/>
       </p:ext>
     </p:extLst>
   </p:cSld>
@@ -14112,7 +14638,7 @@
     </p:spTree>
     <p:extLst>
       <p:ext uri="{BB962C8B-B14F-4D97-AF65-F5344CB8AC3E}">
-        <p14:creationId xmlns:p14="http://schemas.microsoft.com/office/powerpoint/2010/main" val="1478242473"/>
+        <p14:creationId xmlns:p14="http://schemas.microsoft.com/office/powerpoint/2010/main" val="166747101"/>
       </p:ext>
     </p:extLst>
   </p:cSld>
@@ -14242,7 +14768,7 @@
     </p:spTree>
     <p:extLst>
       <p:ext uri="{BB962C8B-B14F-4D97-AF65-F5344CB8AC3E}">
-        <p14:creationId xmlns:p14="http://schemas.microsoft.com/office/powerpoint/2010/main" val="2136286712"/>
+        <p14:creationId xmlns:p14="http://schemas.microsoft.com/office/powerpoint/2010/main" val="924942284"/>
       </p:ext>
     </p:extLst>
   </p:cSld>
@@ -14916,7 +15442,7 @@
     </p:spTree>
     <p:extLst>
       <p:ext uri="{BB962C8B-B14F-4D97-AF65-F5344CB8AC3E}">
-        <p14:creationId xmlns:p14="http://schemas.microsoft.com/office/powerpoint/2010/main" val="160110094"/>
+        <p14:creationId xmlns:p14="http://schemas.microsoft.com/office/powerpoint/2010/main" val="3259065627"/>
       </p:ext>
     </p:extLst>
   </p:cSld>
@@ -15046,7 +15572,7 @@
     </p:spTree>
     <p:extLst>
       <p:ext uri="{BB962C8B-B14F-4D97-AF65-F5344CB8AC3E}">
-        <p14:creationId xmlns:p14="http://schemas.microsoft.com/office/powerpoint/2010/main" val="1060267809"/>
+        <p14:creationId xmlns:p14="http://schemas.microsoft.com/office/powerpoint/2010/main" val="3171492564"/>
       </p:ext>
     </p:extLst>
   </p:cSld>
@@ -15176,7 +15702,7 @@
     </p:spTree>
     <p:extLst>
       <p:ext uri="{BB962C8B-B14F-4D97-AF65-F5344CB8AC3E}">
-        <p14:creationId xmlns:p14="http://schemas.microsoft.com/office/powerpoint/2010/main" val="1137647517"/>
+        <p14:creationId xmlns:p14="http://schemas.microsoft.com/office/powerpoint/2010/main" val="2780407736"/>
       </p:ext>
     </p:extLst>
   </p:cSld>
@@ -15306,7 +15832,7 @@
     </p:spTree>
     <p:extLst>
       <p:ext uri="{BB962C8B-B14F-4D97-AF65-F5344CB8AC3E}">
-        <p14:creationId xmlns:p14="http://schemas.microsoft.com/office/powerpoint/2010/main" val="3052086859"/>
+        <p14:creationId xmlns:p14="http://schemas.microsoft.com/office/powerpoint/2010/main" val="848474725"/>
       </p:ext>
     </p:extLst>
   </p:cSld>
@@ -15436,7 +15962,7 @@
     </p:spTree>
     <p:extLst>
       <p:ext uri="{BB962C8B-B14F-4D97-AF65-F5344CB8AC3E}">
-        <p14:creationId xmlns:p14="http://schemas.microsoft.com/office/powerpoint/2010/main" val="1097272351"/>
+        <p14:creationId xmlns:p14="http://schemas.microsoft.com/office/powerpoint/2010/main" val="4030158449"/>
       </p:ext>
     </p:extLst>
   </p:cSld>
@@ -15566,7 +16092,7 @@
     </p:spTree>
     <p:extLst>
       <p:ext uri="{BB962C8B-B14F-4D97-AF65-F5344CB8AC3E}">
-        <p14:creationId xmlns:p14="http://schemas.microsoft.com/office/powerpoint/2010/main" val="1587220367"/>
+        <p14:creationId xmlns:p14="http://schemas.microsoft.com/office/powerpoint/2010/main" val="1708605334"/>
       </p:ext>
     </p:extLst>
   </p:cSld>
@@ -15696,7 +16222,7 @@
     </p:spTree>
     <p:extLst>
       <p:ext uri="{BB962C8B-B14F-4D97-AF65-F5344CB8AC3E}">
-        <p14:creationId xmlns:p14="http://schemas.microsoft.com/office/powerpoint/2010/main" val="1863467568"/>
+        <p14:creationId xmlns:p14="http://schemas.microsoft.com/office/powerpoint/2010/main" val="1478242473"/>
       </p:ext>
     </p:extLst>
   </p:cSld>
@@ -15826,7 +16352,7 @@
     </p:spTree>
     <p:extLst>
       <p:ext uri="{BB962C8B-B14F-4D97-AF65-F5344CB8AC3E}">
-        <p14:creationId xmlns:p14="http://schemas.microsoft.com/office/powerpoint/2010/main" val="1971192509"/>
+        <p14:creationId xmlns:p14="http://schemas.microsoft.com/office/powerpoint/2010/main" val="2136286712"/>
       </p:ext>
     </p:extLst>
   </p:cSld>
@@ -15862,7 +16388,7 @@
       </p:grpSpPr>
       <p:sp>
         <p:nvSpPr>
-          <p:cNvPr id="4" name="Rectangle 3"/>
+          <p:cNvPr id="6" name="Rectangle 5"/>
           <p:cNvSpPr/>
           <p:nvPr/>
         </p:nvSpPr>
@@ -15875,8 +16401,8 @@
             <a:avLst/>
           </a:prstGeom>
           <a:solidFill>
-            <a:schemeClr val="bg2">
-              <a:lumMod val="10000"/>
+            <a:schemeClr val="accent4">
+              <a:lumMod val="75000"/>
             </a:schemeClr>
           </a:solidFill>
         </p:spPr>
@@ -15886,7 +16412,11 @@
           </a:bodyPr>
           <a:lstStyle/>
           <a:p>
-            <a:pPr algn="r"/>
+            <a:pPr algn="r">
+              <a:spcBef>
+                <a:spcPct val="0"/>
+              </a:spcBef>
+            </a:pPr>
             <a:r>
               <a:rPr lang="en-IN" sz="3200" b="1" i="1" dirty="0" smtClean="0">
                 <a:solidFill>
@@ -15895,27 +16425,40 @@
                 <a:latin typeface="Arial" pitchFamily="34" charset="0"/>
                 <a:cs typeface="Arial" pitchFamily="34" charset="0"/>
               </a:rPr>
-              <a:t>IMP</a:t>
-            </a:r>
-            <a:endParaRPr lang="en-IN" sz="3200" b="1" i="1" dirty="0">
-              <a:solidFill>
-                <a:srgbClr val="FFFF00"/>
-              </a:solidFill>
-              <a:latin typeface="Arial" pitchFamily="34" charset="0"/>
-              <a:cs typeface="Arial" pitchFamily="34" charset="0"/>
-            </a:endParaRPr>
-          </a:p>
-        </p:txBody>
-      </p:sp>
-      <p:sp>
-        <p:nvSpPr>
-          <p:cNvPr id="2" name="Rectangle 1"/>
+              <a:t>MongoDB</a:t>
+            </a:r>
+            <a:r>
+              <a:rPr lang="en-US" sz="3200" b="1" i="1" dirty="0" smtClean="0">
+                <a:solidFill>
+                  <a:srgbClr val="FFFF00"/>
+                </a:solidFill>
+                <a:latin typeface="Arial" pitchFamily="34" charset="0"/>
+                <a:cs typeface="Arial" pitchFamily="34" charset="0"/>
+              </a:rPr>
+              <a:t> </a:t>
+            </a:r>
+            <a:r>
+              <a:rPr lang="en-IN" sz="3200" b="1" i="1" dirty="0">
+                <a:solidFill>
+                  <a:srgbClr val="FFFF00"/>
+                </a:solidFill>
+                <a:latin typeface="Arial" pitchFamily="34" charset="0"/>
+                <a:cs typeface="Arial" pitchFamily="34" charset="0"/>
+              </a:rPr>
+              <a:t> </a:t>
+            </a:r>
+          </a:p>
+        </p:txBody>
+      </p:sp>
+      <p:sp>
+        <p:nvSpPr>
+          <p:cNvPr id="7" name="Rectangle 6"/>
           <p:cNvSpPr/>
           <p:nvPr/>
         </p:nvSpPr>
         <p:spPr>
           <a:xfrm>
-            <a:off x="145976" y="849264"/>
+            <a:off x="149188" y="762000"/>
             <a:ext cx="8845624" cy="369332"/>
           </a:xfrm>
           <a:prstGeom prst="rect">
@@ -15929,153 +16472,17 @@
           <a:lstStyle/>
           <a:p>
             <a:r>
-              <a:rPr lang="en-IN" dirty="0" smtClean="0">
-                <a:solidFill>
-                  <a:srgbClr val="222222"/>
-                </a:solidFill>
-                <a:latin typeface="Verdana" panose="020B0604030504040204" pitchFamily="34" charset="0"/>
-              </a:rPr>
-              <a:t>1. Think </a:t>
-            </a:r>
-            <a:r>
-              <a:rPr lang="en-IN" dirty="0">
-                <a:solidFill>
-                  <a:srgbClr val="222222"/>
-                </a:solidFill>
-                <a:latin typeface="Verdana" panose="020B0604030504040204" pitchFamily="34" charset="0"/>
-              </a:rPr>
-              <a:t>about how multiplication can be done without actually </a:t>
-            </a:r>
-            <a:r>
-              <a:rPr lang="en-IN" dirty="0" smtClean="0">
-                <a:solidFill>
-                  <a:srgbClr val="222222"/>
-                </a:solidFill>
-                <a:latin typeface="Verdana" panose="020B0604030504040204" pitchFamily="34" charset="0"/>
-              </a:rPr>
-              <a:t>multiplying </a:t>
+              <a:rPr lang="en-US" dirty="0" smtClean="0"/>
+              <a:t>TODO</a:t>
             </a:r>
             <a:endParaRPr lang="en-IN" dirty="0"/>
           </a:p>
         </p:txBody>
       </p:sp>
-      <p:sp>
-        <p:nvSpPr>
-          <p:cNvPr id="3" name="TextBox 2"/>
-          <p:cNvSpPr txBox="1"/>
-          <p:nvPr/>
-        </p:nvSpPr>
-        <p:spPr>
-          <a:xfrm>
-            <a:off x="990600" y="2514600"/>
-            <a:ext cx="184731" cy="369332"/>
-          </a:xfrm>
-          <a:prstGeom prst="rect">
-            <a:avLst/>
-          </a:prstGeom>
-          <a:noFill/>
-        </p:spPr>
-        <p:txBody>
-          <a:bodyPr wrap="none" rtlCol="0">
-            <a:spAutoFit/>
-          </a:bodyPr>
-          <a:lstStyle/>
-          <a:p>
-            <a:endParaRPr lang="en-IN" dirty="0"/>
-          </a:p>
-        </p:txBody>
-      </p:sp>
-      <p:pic>
-        <p:nvPicPr>
-          <p:cNvPr id="5" name="Picture 4"/>
-          <p:cNvPicPr>
-            <a:picLocks noChangeAspect="1"/>
-          </p:cNvPicPr>
-          <p:nvPr/>
-        </p:nvPicPr>
-        <p:blipFill>
-          <a:blip r:embed="rId2"/>
-          <a:stretch>
-            <a:fillRect/>
-          </a:stretch>
-        </p:blipFill>
-        <p:spPr>
-          <a:xfrm>
-            <a:off x="304800" y="3700361"/>
-            <a:ext cx="4648200" cy="2471839"/>
-          </a:xfrm>
-          <a:prstGeom prst="rect">
-            <a:avLst/>
-          </a:prstGeom>
-        </p:spPr>
-      </p:pic>
-      <p:sp>
-        <p:nvSpPr>
-          <p:cNvPr id="6" name="Rectangle 5"/>
-          <p:cNvSpPr/>
-          <p:nvPr/>
-        </p:nvSpPr>
-        <p:spPr>
-          <a:xfrm>
-            <a:off x="145976" y="3243552"/>
-            <a:ext cx="1317990" cy="369332"/>
-          </a:xfrm>
-          <a:prstGeom prst="rect">
-            <a:avLst/>
-          </a:prstGeom>
-        </p:spPr>
-        <p:txBody>
-          <a:bodyPr wrap="none">
-            <a:spAutoFit/>
-          </a:bodyPr>
-          <a:lstStyle/>
-          <a:p>
-            <a:r>
-              <a:rPr lang="en-IN" dirty="0" smtClean="0">
-                <a:solidFill>
-                  <a:srgbClr val="222222"/>
-                </a:solidFill>
-                <a:latin typeface="Verdana" panose="020B0604030504040204" pitchFamily="34" charset="0"/>
-              </a:rPr>
-              <a:t>2. Square</a:t>
-            </a:r>
-            <a:endParaRPr lang="en-IN" dirty="0">
-              <a:solidFill>
-                <a:srgbClr val="222222"/>
-              </a:solidFill>
-              <a:latin typeface="Verdana" panose="020B0604030504040204" pitchFamily="34" charset="0"/>
-            </a:endParaRPr>
-          </a:p>
-        </p:txBody>
-      </p:sp>
-      <p:pic>
-        <p:nvPicPr>
-          <p:cNvPr id="8" name="Picture 7"/>
-          <p:cNvPicPr>
-            <a:picLocks noChangeAspect="1"/>
-          </p:cNvPicPr>
-          <p:nvPr/>
-        </p:nvPicPr>
-        <p:blipFill>
-          <a:blip r:embed="rId3"/>
-          <a:stretch>
-            <a:fillRect/>
-          </a:stretch>
-        </p:blipFill>
-        <p:spPr>
-          <a:xfrm>
-            <a:off x="533400" y="1250647"/>
-            <a:ext cx="4495800" cy="1883657"/>
-          </a:xfrm>
-          <a:prstGeom prst="rect">
-            <a:avLst/>
-          </a:prstGeom>
-        </p:spPr>
-      </p:pic>
     </p:spTree>
     <p:extLst>
       <p:ext uri="{BB962C8B-B14F-4D97-AF65-F5344CB8AC3E}">
-        <p14:creationId xmlns:p14="http://schemas.microsoft.com/office/powerpoint/2010/main" val="3391323119"/>
+        <p14:creationId xmlns:p14="http://schemas.microsoft.com/office/powerpoint/2010/main" val="160110094"/>
       </p:ext>
     </p:extLst>
   </p:cSld>
@@ -16109,61 +16516,25 @@
           <a:chExt cx="0" cy="0"/>
         </a:xfrm>
       </p:grpSpPr>
-      <p:pic>
-        <p:nvPicPr>
-          <p:cNvPr id="1026" name="Picture 2" descr="http://www.bvctch.vn/vnt_upload/weblink/thks.jpg"/>
-          <p:cNvPicPr>
-            <a:picLocks noChangeAspect="1" noChangeArrowheads="1"/>
-          </p:cNvPicPr>
-          <p:nvPr/>
-        </p:nvPicPr>
-        <p:blipFill>
-          <a:blip r:embed="rId2">
-            <a:extLst>
-              <a:ext uri="{28A0092B-C50C-407E-A947-70E740481C1C}">
-                <a14:useLocalDpi xmlns:a14="http://schemas.microsoft.com/office/drawing/2010/main" val="0"/>
-              </a:ext>
-            </a:extLst>
-          </a:blip>
-          <a:srcRect/>
-          <a:stretch>
-            <a:fillRect/>
-          </a:stretch>
-        </p:blipFill>
-        <p:spPr bwMode="auto">
-          <a:xfrm>
-            <a:off x="2895600" y="757237"/>
-            <a:ext cx="3124200" cy="4881563"/>
-          </a:xfrm>
-          <a:prstGeom prst="rect">
-            <a:avLst/>
-          </a:prstGeom>
-          <a:noFill/>
-          <a:extLst>
-            <a:ext uri="{909E8E84-426E-40DD-AFC4-6F175D3DCCD1}">
-              <a14:hiddenFill xmlns:a14="http://schemas.microsoft.com/office/drawing/2010/main">
-                <a:solidFill>
-                  <a:srgbClr val="FFFFFF"/>
-                </a:solidFill>
-              </a14:hiddenFill>
-            </a:ext>
-          </a:extLst>
-        </p:spPr>
-      </p:pic>
-      <p:sp>
-        <p:nvSpPr>
-          <p:cNvPr id="3" name="Rectangle 2"/>
+      <p:sp>
+        <p:nvSpPr>
+          <p:cNvPr id="6" name="Rectangle 5"/>
           <p:cNvSpPr/>
           <p:nvPr/>
         </p:nvSpPr>
         <p:spPr>
           <a:xfrm>
-            <a:off x="304800" y="5105400"/>
-            <a:ext cx="8610600" cy="1077218"/>
-          </a:xfrm>
-          <a:prstGeom prst="rect">
-            <a:avLst/>
-          </a:prstGeom>
+            <a:off x="0" y="0"/>
+            <a:ext cx="9144000" cy="584775"/>
+          </a:xfrm>
+          <a:prstGeom prst="rect">
+            <a:avLst/>
+          </a:prstGeom>
+          <a:solidFill>
+            <a:schemeClr val="accent4">
+              <a:lumMod val="75000"/>
+            </a:schemeClr>
+          </a:solidFill>
         </p:spPr>
         <p:txBody>
           <a:bodyPr wrap="square">
@@ -16171,35 +16542,77 @@
           </a:bodyPr>
           <a:lstStyle/>
           <a:p>
-            <a:pPr algn="ctr"/>
-            <a:r>
-              <a:rPr lang="en-IN" sz="3200" dirty="0">
-                <a:solidFill>
-                  <a:srgbClr val="FE1212"/>
-                </a:solidFill>
-                <a:latin typeface="Segoe Print" panose="02000600000000000000" pitchFamily="2" charset="0"/>
-              </a:rPr>
-              <a:t>"Live as if you were to die tomorrow.</a:t>
-            </a:r>
-          </a:p>
-          <a:p>
-            <a:pPr algn="ctr"/>
-            <a:r>
-              <a:rPr lang="en-IN" sz="3200" dirty="0">
-                <a:solidFill>
-                  <a:srgbClr val="FE1212"/>
-                </a:solidFill>
-                <a:latin typeface="Segoe Print" panose="02000600000000000000" pitchFamily="2" charset="0"/>
-              </a:rPr>
-              <a:t>Learn as if you were to live forever"</a:t>
-            </a:r>
+            <a:pPr algn="r">
+              <a:spcBef>
+                <a:spcPct val="0"/>
+              </a:spcBef>
+            </a:pPr>
+            <a:r>
+              <a:rPr lang="en-IN" sz="3200" b="1" i="1" dirty="0" smtClean="0">
+                <a:solidFill>
+                  <a:srgbClr val="FFFF00"/>
+                </a:solidFill>
+                <a:latin typeface="Arial" pitchFamily="34" charset="0"/>
+                <a:cs typeface="Arial" pitchFamily="34" charset="0"/>
+              </a:rPr>
+              <a:t>MongoDB</a:t>
+            </a:r>
+            <a:r>
+              <a:rPr lang="en-US" sz="3200" b="1" i="1" dirty="0" smtClean="0">
+                <a:solidFill>
+                  <a:srgbClr val="FFFF00"/>
+                </a:solidFill>
+                <a:latin typeface="Arial" pitchFamily="34" charset="0"/>
+                <a:cs typeface="Arial" pitchFamily="34" charset="0"/>
+              </a:rPr>
+              <a:t> </a:t>
+            </a:r>
+            <a:r>
+              <a:rPr lang="en-IN" sz="3200" b="1" i="1" dirty="0">
+                <a:solidFill>
+                  <a:srgbClr val="FFFF00"/>
+                </a:solidFill>
+                <a:latin typeface="Arial" pitchFamily="34" charset="0"/>
+                <a:cs typeface="Arial" pitchFamily="34" charset="0"/>
+              </a:rPr>
+              <a:t> </a:t>
+            </a:r>
+          </a:p>
+        </p:txBody>
+      </p:sp>
+      <p:sp>
+        <p:nvSpPr>
+          <p:cNvPr id="7" name="Rectangle 6"/>
+          <p:cNvSpPr/>
+          <p:nvPr/>
+        </p:nvSpPr>
+        <p:spPr>
+          <a:xfrm>
+            <a:off x="149188" y="762000"/>
+            <a:ext cx="8845624" cy="369332"/>
+          </a:xfrm>
+          <a:prstGeom prst="rect">
+            <a:avLst/>
+          </a:prstGeom>
+        </p:spPr>
+        <p:txBody>
+          <a:bodyPr wrap="square">
+            <a:spAutoFit/>
+          </a:bodyPr>
+          <a:lstStyle/>
+          <a:p>
+            <a:r>
+              <a:rPr lang="en-US" dirty="0" smtClean="0"/>
+              <a:t>TODO</a:t>
+            </a:r>
+            <a:endParaRPr lang="en-IN" dirty="0"/>
           </a:p>
         </p:txBody>
       </p:sp>
     </p:spTree>
     <p:extLst>
       <p:ext uri="{BB962C8B-B14F-4D97-AF65-F5344CB8AC3E}">
-        <p14:creationId xmlns:p14="http://schemas.microsoft.com/office/powerpoint/2010/main" val="1148130326"/>
+        <p14:creationId xmlns:p14="http://schemas.microsoft.com/office/powerpoint/2010/main" val="1060267809"/>
       </p:ext>
     </p:extLst>
   </p:cSld>
@@ -16431,6 +16844,1159 @@
       </p:grpSpPr>
       <p:sp>
         <p:nvSpPr>
+          <p:cNvPr id="6" name="Rectangle 5"/>
+          <p:cNvSpPr/>
+          <p:nvPr/>
+        </p:nvSpPr>
+        <p:spPr>
+          <a:xfrm>
+            <a:off x="0" y="0"/>
+            <a:ext cx="9144000" cy="584775"/>
+          </a:xfrm>
+          <a:prstGeom prst="rect">
+            <a:avLst/>
+          </a:prstGeom>
+          <a:solidFill>
+            <a:schemeClr val="accent4">
+              <a:lumMod val="75000"/>
+            </a:schemeClr>
+          </a:solidFill>
+        </p:spPr>
+        <p:txBody>
+          <a:bodyPr wrap="square">
+            <a:spAutoFit/>
+          </a:bodyPr>
+          <a:lstStyle/>
+          <a:p>
+            <a:pPr algn="r">
+              <a:spcBef>
+                <a:spcPct val="0"/>
+              </a:spcBef>
+            </a:pPr>
+            <a:r>
+              <a:rPr lang="en-IN" sz="3200" b="1" i="1" dirty="0" smtClean="0">
+                <a:solidFill>
+                  <a:srgbClr val="FFFF00"/>
+                </a:solidFill>
+                <a:latin typeface="Arial" pitchFamily="34" charset="0"/>
+                <a:cs typeface="Arial" pitchFamily="34" charset="0"/>
+              </a:rPr>
+              <a:t>MongoDB</a:t>
+            </a:r>
+            <a:r>
+              <a:rPr lang="en-US" sz="3200" b="1" i="1" dirty="0" smtClean="0">
+                <a:solidFill>
+                  <a:srgbClr val="FFFF00"/>
+                </a:solidFill>
+                <a:latin typeface="Arial" pitchFamily="34" charset="0"/>
+                <a:cs typeface="Arial" pitchFamily="34" charset="0"/>
+              </a:rPr>
+              <a:t> </a:t>
+            </a:r>
+            <a:r>
+              <a:rPr lang="en-IN" sz="3200" b="1" i="1" dirty="0">
+                <a:solidFill>
+                  <a:srgbClr val="FFFF00"/>
+                </a:solidFill>
+                <a:latin typeface="Arial" pitchFamily="34" charset="0"/>
+                <a:cs typeface="Arial" pitchFamily="34" charset="0"/>
+              </a:rPr>
+              <a:t> </a:t>
+            </a:r>
+          </a:p>
+        </p:txBody>
+      </p:sp>
+      <p:sp>
+        <p:nvSpPr>
+          <p:cNvPr id="7" name="Rectangle 6"/>
+          <p:cNvSpPr/>
+          <p:nvPr/>
+        </p:nvSpPr>
+        <p:spPr>
+          <a:xfrm>
+            <a:off x="149188" y="762000"/>
+            <a:ext cx="8845624" cy="369332"/>
+          </a:xfrm>
+          <a:prstGeom prst="rect">
+            <a:avLst/>
+          </a:prstGeom>
+        </p:spPr>
+        <p:txBody>
+          <a:bodyPr wrap="square">
+            <a:spAutoFit/>
+          </a:bodyPr>
+          <a:lstStyle/>
+          <a:p>
+            <a:r>
+              <a:rPr lang="en-US" dirty="0" smtClean="0"/>
+              <a:t>TODO</a:t>
+            </a:r>
+            <a:endParaRPr lang="en-IN" dirty="0"/>
+          </a:p>
+        </p:txBody>
+      </p:sp>
+    </p:spTree>
+    <p:extLst>
+      <p:ext uri="{BB962C8B-B14F-4D97-AF65-F5344CB8AC3E}">
+        <p14:creationId xmlns:p14="http://schemas.microsoft.com/office/powerpoint/2010/main" val="1137647517"/>
+      </p:ext>
+    </p:extLst>
+  </p:cSld>
+  <p:clrMapOvr>
+    <a:masterClrMapping/>
+  </p:clrMapOvr>
+  <p:timing>
+    <p:tnLst>
+      <p:par>
+        <p:cTn id="1" dur="indefinite" restart="never" nodeType="tmRoot"/>
+      </p:par>
+    </p:tnLst>
+  </p:timing>
+</p:sld>
+</file>
+
+<file path=ppt/slides/slide61.xml><?xml version="1.0" encoding="utf-8"?>
+<p:sld xmlns:a="http://schemas.openxmlformats.org/drawingml/2006/main" xmlns:r="http://schemas.openxmlformats.org/officeDocument/2006/relationships" xmlns:p="http://schemas.openxmlformats.org/presentationml/2006/main">
+  <p:cSld>
+    <p:spTree>
+      <p:nvGrpSpPr>
+        <p:cNvPr id="1" name=""/>
+        <p:cNvGrpSpPr/>
+        <p:nvPr/>
+      </p:nvGrpSpPr>
+      <p:grpSpPr>
+        <a:xfrm>
+          <a:off x="0" y="0"/>
+          <a:ext cx="0" cy="0"/>
+          <a:chOff x="0" y="0"/>
+          <a:chExt cx="0" cy="0"/>
+        </a:xfrm>
+      </p:grpSpPr>
+      <p:sp>
+        <p:nvSpPr>
+          <p:cNvPr id="6" name="Rectangle 5"/>
+          <p:cNvSpPr/>
+          <p:nvPr/>
+        </p:nvSpPr>
+        <p:spPr>
+          <a:xfrm>
+            <a:off x="0" y="0"/>
+            <a:ext cx="9144000" cy="584775"/>
+          </a:xfrm>
+          <a:prstGeom prst="rect">
+            <a:avLst/>
+          </a:prstGeom>
+          <a:solidFill>
+            <a:schemeClr val="accent4">
+              <a:lumMod val="75000"/>
+            </a:schemeClr>
+          </a:solidFill>
+        </p:spPr>
+        <p:txBody>
+          <a:bodyPr wrap="square">
+            <a:spAutoFit/>
+          </a:bodyPr>
+          <a:lstStyle/>
+          <a:p>
+            <a:pPr algn="r">
+              <a:spcBef>
+                <a:spcPct val="0"/>
+              </a:spcBef>
+            </a:pPr>
+            <a:r>
+              <a:rPr lang="en-IN" sz="3200" b="1" i="1" dirty="0" smtClean="0">
+                <a:solidFill>
+                  <a:srgbClr val="FFFF00"/>
+                </a:solidFill>
+                <a:latin typeface="Arial" pitchFamily="34" charset="0"/>
+                <a:cs typeface="Arial" pitchFamily="34" charset="0"/>
+              </a:rPr>
+              <a:t>MongoDB</a:t>
+            </a:r>
+            <a:r>
+              <a:rPr lang="en-US" sz="3200" b="1" i="1" dirty="0" smtClean="0">
+                <a:solidFill>
+                  <a:srgbClr val="FFFF00"/>
+                </a:solidFill>
+                <a:latin typeface="Arial" pitchFamily="34" charset="0"/>
+                <a:cs typeface="Arial" pitchFamily="34" charset="0"/>
+              </a:rPr>
+              <a:t> </a:t>
+            </a:r>
+            <a:r>
+              <a:rPr lang="en-IN" sz="3200" b="1" i="1" dirty="0">
+                <a:solidFill>
+                  <a:srgbClr val="FFFF00"/>
+                </a:solidFill>
+                <a:latin typeface="Arial" pitchFamily="34" charset="0"/>
+                <a:cs typeface="Arial" pitchFamily="34" charset="0"/>
+              </a:rPr>
+              <a:t> </a:t>
+            </a:r>
+          </a:p>
+        </p:txBody>
+      </p:sp>
+      <p:sp>
+        <p:nvSpPr>
+          <p:cNvPr id="7" name="Rectangle 6"/>
+          <p:cNvSpPr/>
+          <p:nvPr/>
+        </p:nvSpPr>
+        <p:spPr>
+          <a:xfrm>
+            <a:off x="149188" y="762000"/>
+            <a:ext cx="8845624" cy="369332"/>
+          </a:xfrm>
+          <a:prstGeom prst="rect">
+            <a:avLst/>
+          </a:prstGeom>
+        </p:spPr>
+        <p:txBody>
+          <a:bodyPr wrap="square">
+            <a:spAutoFit/>
+          </a:bodyPr>
+          <a:lstStyle/>
+          <a:p>
+            <a:r>
+              <a:rPr lang="en-US" dirty="0" smtClean="0"/>
+              <a:t>TODO</a:t>
+            </a:r>
+            <a:endParaRPr lang="en-IN" dirty="0"/>
+          </a:p>
+        </p:txBody>
+      </p:sp>
+    </p:spTree>
+    <p:extLst>
+      <p:ext uri="{BB962C8B-B14F-4D97-AF65-F5344CB8AC3E}">
+        <p14:creationId xmlns:p14="http://schemas.microsoft.com/office/powerpoint/2010/main" val="3052086859"/>
+      </p:ext>
+    </p:extLst>
+  </p:cSld>
+  <p:clrMapOvr>
+    <a:masterClrMapping/>
+  </p:clrMapOvr>
+  <p:timing>
+    <p:tnLst>
+      <p:par>
+        <p:cTn id="1" dur="indefinite" restart="never" nodeType="tmRoot"/>
+      </p:par>
+    </p:tnLst>
+  </p:timing>
+</p:sld>
+</file>
+
+<file path=ppt/slides/slide62.xml><?xml version="1.0" encoding="utf-8"?>
+<p:sld xmlns:a="http://schemas.openxmlformats.org/drawingml/2006/main" xmlns:r="http://schemas.openxmlformats.org/officeDocument/2006/relationships" xmlns:p="http://schemas.openxmlformats.org/presentationml/2006/main">
+  <p:cSld>
+    <p:spTree>
+      <p:nvGrpSpPr>
+        <p:cNvPr id="1" name=""/>
+        <p:cNvGrpSpPr/>
+        <p:nvPr/>
+      </p:nvGrpSpPr>
+      <p:grpSpPr>
+        <a:xfrm>
+          <a:off x="0" y="0"/>
+          <a:ext cx="0" cy="0"/>
+          <a:chOff x="0" y="0"/>
+          <a:chExt cx="0" cy="0"/>
+        </a:xfrm>
+      </p:grpSpPr>
+      <p:sp>
+        <p:nvSpPr>
+          <p:cNvPr id="6" name="Rectangle 5"/>
+          <p:cNvSpPr/>
+          <p:nvPr/>
+        </p:nvSpPr>
+        <p:spPr>
+          <a:xfrm>
+            <a:off x="0" y="0"/>
+            <a:ext cx="9144000" cy="584775"/>
+          </a:xfrm>
+          <a:prstGeom prst="rect">
+            <a:avLst/>
+          </a:prstGeom>
+          <a:solidFill>
+            <a:schemeClr val="accent4">
+              <a:lumMod val="75000"/>
+            </a:schemeClr>
+          </a:solidFill>
+        </p:spPr>
+        <p:txBody>
+          <a:bodyPr wrap="square">
+            <a:spAutoFit/>
+          </a:bodyPr>
+          <a:lstStyle/>
+          <a:p>
+            <a:pPr algn="r">
+              <a:spcBef>
+                <a:spcPct val="0"/>
+              </a:spcBef>
+            </a:pPr>
+            <a:r>
+              <a:rPr lang="en-IN" sz="3200" b="1" i="1" dirty="0" smtClean="0">
+                <a:solidFill>
+                  <a:srgbClr val="FFFF00"/>
+                </a:solidFill>
+                <a:latin typeface="Arial" pitchFamily="34" charset="0"/>
+                <a:cs typeface="Arial" pitchFamily="34" charset="0"/>
+              </a:rPr>
+              <a:t>MongoDB</a:t>
+            </a:r>
+            <a:r>
+              <a:rPr lang="en-US" sz="3200" b="1" i="1" dirty="0" smtClean="0">
+                <a:solidFill>
+                  <a:srgbClr val="FFFF00"/>
+                </a:solidFill>
+                <a:latin typeface="Arial" pitchFamily="34" charset="0"/>
+                <a:cs typeface="Arial" pitchFamily="34" charset="0"/>
+              </a:rPr>
+              <a:t> </a:t>
+            </a:r>
+            <a:r>
+              <a:rPr lang="en-IN" sz="3200" b="1" i="1" dirty="0">
+                <a:solidFill>
+                  <a:srgbClr val="FFFF00"/>
+                </a:solidFill>
+                <a:latin typeface="Arial" pitchFamily="34" charset="0"/>
+                <a:cs typeface="Arial" pitchFamily="34" charset="0"/>
+              </a:rPr>
+              <a:t> </a:t>
+            </a:r>
+          </a:p>
+        </p:txBody>
+      </p:sp>
+      <p:sp>
+        <p:nvSpPr>
+          <p:cNvPr id="7" name="Rectangle 6"/>
+          <p:cNvSpPr/>
+          <p:nvPr/>
+        </p:nvSpPr>
+        <p:spPr>
+          <a:xfrm>
+            <a:off x="149188" y="762000"/>
+            <a:ext cx="8845624" cy="369332"/>
+          </a:xfrm>
+          <a:prstGeom prst="rect">
+            <a:avLst/>
+          </a:prstGeom>
+        </p:spPr>
+        <p:txBody>
+          <a:bodyPr wrap="square">
+            <a:spAutoFit/>
+          </a:bodyPr>
+          <a:lstStyle/>
+          <a:p>
+            <a:r>
+              <a:rPr lang="en-US" dirty="0" smtClean="0"/>
+              <a:t>TODO</a:t>
+            </a:r>
+            <a:endParaRPr lang="en-IN" dirty="0"/>
+          </a:p>
+        </p:txBody>
+      </p:sp>
+    </p:spTree>
+    <p:extLst>
+      <p:ext uri="{BB962C8B-B14F-4D97-AF65-F5344CB8AC3E}">
+        <p14:creationId xmlns:p14="http://schemas.microsoft.com/office/powerpoint/2010/main" val="1097272351"/>
+      </p:ext>
+    </p:extLst>
+  </p:cSld>
+  <p:clrMapOvr>
+    <a:masterClrMapping/>
+  </p:clrMapOvr>
+  <p:timing>
+    <p:tnLst>
+      <p:par>
+        <p:cTn id="1" dur="indefinite" restart="never" nodeType="tmRoot"/>
+      </p:par>
+    </p:tnLst>
+  </p:timing>
+</p:sld>
+</file>
+
+<file path=ppt/slides/slide63.xml><?xml version="1.0" encoding="utf-8"?>
+<p:sld xmlns:a="http://schemas.openxmlformats.org/drawingml/2006/main" xmlns:r="http://schemas.openxmlformats.org/officeDocument/2006/relationships" xmlns:p="http://schemas.openxmlformats.org/presentationml/2006/main">
+  <p:cSld>
+    <p:spTree>
+      <p:nvGrpSpPr>
+        <p:cNvPr id="1" name=""/>
+        <p:cNvGrpSpPr/>
+        <p:nvPr/>
+      </p:nvGrpSpPr>
+      <p:grpSpPr>
+        <a:xfrm>
+          <a:off x="0" y="0"/>
+          <a:ext cx="0" cy="0"/>
+          <a:chOff x="0" y="0"/>
+          <a:chExt cx="0" cy="0"/>
+        </a:xfrm>
+      </p:grpSpPr>
+      <p:sp>
+        <p:nvSpPr>
+          <p:cNvPr id="6" name="Rectangle 5"/>
+          <p:cNvSpPr/>
+          <p:nvPr/>
+        </p:nvSpPr>
+        <p:spPr>
+          <a:xfrm>
+            <a:off x="0" y="0"/>
+            <a:ext cx="9144000" cy="584775"/>
+          </a:xfrm>
+          <a:prstGeom prst="rect">
+            <a:avLst/>
+          </a:prstGeom>
+          <a:solidFill>
+            <a:schemeClr val="accent4">
+              <a:lumMod val="75000"/>
+            </a:schemeClr>
+          </a:solidFill>
+        </p:spPr>
+        <p:txBody>
+          <a:bodyPr wrap="square">
+            <a:spAutoFit/>
+          </a:bodyPr>
+          <a:lstStyle/>
+          <a:p>
+            <a:pPr algn="r">
+              <a:spcBef>
+                <a:spcPct val="0"/>
+              </a:spcBef>
+            </a:pPr>
+            <a:r>
+              <a:rPr lang="en-IN" sz="3200" b="1" i="1" dirty="0" smtClean="0">
+                <a:solidFill>
+                  <a:srgbClr val="FFFF00"/>
+                </a:solidFill>
+                <a:latin typeface="Arial" pitchFamily="34" charset="0"/>
+                <a:cs typeface="Arial" pitchFamily="34" charset="0"/>
+              </a:rPr>
+              <a:t>MongoDB</a:t>
+            </a:r>
+            <a:r>
+              <a:rPr lang="en-US" sz="3200" b="1" i="1" dirty="0" smtClean="0">
+                <a:solidFill>
+                  <a:srgbClr val="FFFF00"/>
+                </a:solidFill>
+                <a:latin typeface="Arial" pitchFamily="34" charset="0"/>
+                <a:cs typeface="Arial" pitchFamily="34" charset="0"/>
+              </a:rPr>
+              <a:t> </a:t>
+            </a:r>
+            <a:r>
+              <a:rPr lang="en-IN" sz="3200" b="1" i="1" dirty="0">
+                <a:solidFill>
+                  <a:srgbClr val="FFFF00"/>
+                </a:solidFill>
+                <a:latin typeface="Arial" pitchFamily="34" charset="0"/>
+                <a:cs typeface="Arial" pitchFamily="34" charset="0"/>
+              </a:rPr>
+              <a:t> </a:t>
+            </a:r>
+          </a:p>
+        </p:txBody>
+      </p:sp>
+      <p:sp>
+        <p:nvSpPr>
+          <p:cNvPr id="7" name="Rectangle 6"/>
+          <p:cNvSpPr/>
+          <p:nvPr/>
+        </p:nvSpPr>
+        <p:spPr>
+          <a:xfrm>
+            <a:off x="149188" y="762000"/>
+            <a:ext cx="8845624" cy="369332"/>
+          </a:xfrm>
+          <a:prstGeom prst="rect">
+            <a:avLst/>
+          </a:prstGeom>
+        </p:spPr>
+        <p:txBody>
+          <a:bodyPr wrap="square">
+            <a:spAutoFit/>
+          </a:bodyPr>
+          <a:lstStyle/>
+          <a:p>
+            <a:r>
+              <a:rPr lang="en-US" dirty="0" smtClean="0"/>
+              <a:t>TODO</a:t>
+            </a:r>
+            <a:endParaRPr lang="en-IN" dirty="0"/>
+          </a:p>
+        </p:txBody>
+      </p:sp>
+    </p:spTree>
+    <p:extLst>
+      <p:ext uri="{BB962C8B-B14F-4D97-AF65-F5344CB8AC3E}">
+        <p14:creationId xmlns:p14="http://schemas.microsoft.com/office/powerpoint/2010/main" val="1587220367"/>
+      </p:ext>
+    </p:extLst>
+  </p:cSld>
+  <p:clrMapOvr>
+    <a:masterClrMapping/>
+  </p:clrMapOvr>
+  <p:timing>
+    <p:tnLst>
+      <p:par>
+        <p:cTn id="1" dur="indefinite" restart="never" nodeType="tmRoot"/>
+      </p:par>
+    </p:tnLst>
+  </p:timing>
+</p:sld>
+</file>
+
+<file path=ppt/slides/slide64.xml><?xml version="1.0" encoding="utf-8"?>
+<p:sld xmlns:a="http://schemas.openxmlformats.org/drawingml/2006/main" xmlns:r="http://schemas.openxmlformats.org/officeDocument/2006/relationships" xmlns:p="http://schemas.openxmlformats.org/presentationml/2006/main">
+  <p:cSld>
+    <p:spTree>
+      <p:nvGrpSpPr>
+        <p:cNvPr id="1" name=""/>
+        <p:cNvGrpSpPr/>
+        <p:nvPr/>
+      </p:nvGrpSpPr>
+      <p:grpSpPr>
+        <a:xfrm>
+          <a:off x="0" y="0"/>
+          <a:ext cx="0" cy="0"/>
+          <a:chOff x="0" y="0"/>
+          <a:chExt cx="0" cy="0"/>
+        </a:xfrm>
+      </p:grpSpPr>
+      <p:sp>
+        <p:nvSpPr>
+          <p:cNvPr id="6" name="Rectangle 5"/>
+          <p:cNvSpPr/>
+          <p:nvPr/>
+        </p:nvSpPr>
+        <p:spPr>
+          <a:xfrm>
+            <a:off x="0" y="0"/>
+            <a:ext cx="9144000" cy="584775"/>
+          </a:xfrm>
+          <a:prstGeom prst="rect">
+            <a:avLst/>
+          </a:prstGeom>
+          <a:solidFill>
+            <a:schemeClr val="accent4">
+              <a:lumMod val="75000"/>
+            </a:schemeClr>
+          </a:solidFill>
+        </p:spPr>
+        <p:txBody>
+          <a:bodyPr wrap="square">
+            <a:spAutoFit/>
+          </a:bodyPr>
+          <a:lstStyle/>
+          <a:p>
+            <a:pPr algn="r">
+              <a:spcBef>
+                <a:spcPct val="0"/>
+              </a:spcBef>
+            </a:pPr>
+            <a:r>
+              <a:rPr lang="en-IN" sz="3200" b="1" i="1" dirty="0" smtClean="0">
+                <a:solidFill>
+                  <a:srgbClr val="FFFF00"/>
+                </a:solidFill>
+                <a:latin typeface="Arial" pitchFamily="34" charset="0"/>
+                <a:cs typeface="Arial" pitchFamily="34" charset="0"/>
+              </a:rPr>
+              <a:t>MongoDB</a:t>
+            </a:r>
+            <a:r>
+              <a:rPr lang="en-US" sz="3200" b="1" i="1" dirty="0" smtClean="0">
+                <a:solidFill>
+                  <a:srgbClr val="FFFF00"/>
+                </a:solidFill>
+                <a:latin typeface="Arial" pitchFamily="34" charset="0"/>
+                <a:cs typeface="Arial" pitchFamily="34" charset="0"/>
+              </a:rPr>
+              <a:t> </a:t>
+            </a:r>
+            <a:r>
+              <a:rPr lang="en-IN" sz="3200" b="1" i="1" dirty="0">
+                <a:solidFill>
+                  <a:srgbClr val="FFFF00"/>
+                </a:solidFill>
+                <a:latin typeface="Arial" pitchFamily="34" charset="0"/>
+                <a:cs typeface="Arial" pitchFamily="34" charset="0"/>
+              </a:rPr>
+              <a:t> </a:t>
+            </a:r>
+          </a:p>
+        </p:txBody>
+      </p:sp>
+      <p:sp>
+        <p:nvSpPr>
+          <p:cNvPr id="7" name="Rectangle 6"/>
+          <p:cNvSpPr/>
+          <p:nvPr/>
+        </p:nvSpPr>
+        <p:spPr>
+          <a:xfrm>
+            <a:off x="149188" y="762000"/>
+            <a:ext cx="8845624" cy="369332"/>
+          </a:xfrm>
+          <a:prstGeom prst="rect">
+            <a:avLst/>
+          </a:prstGeom>
+        </p:spPr>
+        <p:txBody>
+          <a:bodyPr wrap="square">
+            <a:spAutoFit/>
+          </a:bodyPr>
+          <a:lstStyle/>
+          <a:p>
+            <a:r>
+              <a:rPr lang="en-US" dirty="0" smtClean="0"/>
+              <a:t>TODO</a:t>
+            </a:r>
+            <a:endParaRPr lang="en-IN" dirty="0"/>
+          </a:p>
+        </p:txBody>
+      </p:sp>
+    </p:spTree>
+    <p:extLst>
+      <p:ext uri="{BB962C8B-B14F-4D97-AF65-F5344CB8AC3E}">
+        <p14:creationId xmlns:p14="http://schemas.microsoft.com/office/powerpoint/2010/main" val="1863467568"/>
+      </p:ext>
+    </p:extLst>
+  </p:cSld>
+  <p:clrMapOvr>
+    <a:masterClrMapping/>
+  </p:clrMapOvr>
+  <p:timing>
+    <p:tnLst>
+      <p:par>
+        <p:cTn id="1" dur="indefinite" restart="never" nodeType="tmRoot"/>
+      </p:par>
+    </p:tnLst>
+  </p:timing>
+</p:sld>
+</file>
+
+<file path=ppt/slides/slide65.xml><?xml version="1.0" encoding="utf-8"?>
+<p:sld xmlns:a="http://schemas.openxmlformats.org/drawingml/2006/main" xmlns:r="http://schemas.openxmlformats.org/officeDocument/2006/relationships" xmlns:p="http://schemas.openxmlformats.org/presentationml/2006/main">
+  <p:cSld>
+    <p:spTree>
+      <p:nvGrpSpPr>
+        <p:cNvPr id="1" name=""/>
+        <p:cNvGrpSpPr/>
+        <p:nvPr/>
+      </p:nvGrpSpPr>
+      <p:grpSpPr>
+        <a:xfrm>
+          <a:off x="0" y="0"/>
+          <a:ext cx="0" cy="0"/>
+          <a:chOff x="0" y="0"/>
+          <a:chExt cx="0" cy="0"/>
+        </a:xfrm>
+      </p:grpSpPr>
+      <p:sp>
+        <p:nvSpPr>
+          <p:cNvPr id="6" name="Rectangle 5"/>
+          <p:cNvSpPr/>
+          <p:nvPr/>
+        </p:nvSpPr>
+        <p:spPr>
+          <a:xfrm>
+            <a:off x="0" y="0"/>
+            <a:ext cx="9144000" cy="584775"/>
+          </a:xfrm>
+          <a:prstGeom prst="rect">
+            <a:avLst/>
+          </a:prstGeom>
+          <a:solidFill>
+            <a:schemeClr val="accent4">
+              <a:lumMod val="75000"/>
+            </a:schemeClr>
+          </a:solidFill>
+        </p:spPr>
+        <p:txBody>
+          <a:bodyPr wrap="square">
+            <a:spAutoFit/>
+          </a:bodyPr>
+          <a:lstStyle/>
+          <a:p>
+            <a:pPr algn="r">
+              <a:spcBef>
+                <a:spcPct val="0"/>
+              </a:spcBef>
+            </a:pPr>
+            <a:r>
+              <a:rPr lang="en-IN" sz="3200" b="1" i="1" dirty="0" smtClean="0">
+                <a:solidFill>
+                  <a:srgbClr val="FFFF00"/>
+                </a:solidFill>
+                <a:latin typeface="Arial" pitchFamily="34" charset="0"/>
+                <a:cs typeface="Arial" pitchFamily="34" charset="0"/>
+              </a:rPr>
+              <a:t>MongoDB</a:t>
+            </a:r>
+            <a:r>
+              <a:rPr lang="en-US" sz="3200" b="1" i="1" dirty="0" smtClean="0">
+                <a:solidFill>
+                  <a:srgbClr val="FFFF00"/>
+                </a:solidFill>
+                <a:latin typeface="Arial" pitchFamily="34" charset="0"/>
+                <a:cs typeface="Arial" pitchFamily="34" charset="0"/>
+              </a:rPr>
+              <a:t> </a:t>
+            </a:r>
+            <a:r>
+              <a:rPr lang="en-IN" sz="3200" b="1" i="1" dirty="0">
+                <a:solidFill>
+                  <a:srgbClr val="FFFF00"/>
+                </a:solidFill>
+                <a:latin typeface="Arial" pitchFamily="34" charset="0"/>
+                <a:cs typeface="Arial" pitchFamily="34" charset="0"/>
+              </a:rPr>
+              <a:t> </a:t>
+            </a:r>
+          </a:p>
+        </p:txBody>
+      </p:sp>
+      <p:sp>
+        <p:nvSpPr>
+          <p:cNvPr id="7" name="Rectangle 6"/>
+          <p:cNvSpPr/>
+          <p:nvPr/>
+        </p:nvSpPr>
+        <p:spPr>
+          <a:xfrm>
+            <a:off x="149188" y="762000"/>
+            <a:ext cx="8845624" cy="369332"/>
+          </a:xfrm>
+          <a:prstGeom prst="rect">
+            <a:avLst/>
+          </a:prstGeom>
+        </p:spPr>
+        <p:txBody>
+          <a:bodyPr wrap="square">
+            <a:spAutoFit/>
+          </a:bodyPr>
+          <a:lstStyle/>
+          <a:p>
+            <a:r>
+              <a:rPr lang="en-US" dirty="0" smtClean="0"/>
+              <a:t>TODO</a:t>
+            </a:r>
+            <a:endParaRPr lang="en-IN" dirty="0"/>
+          </a:p>
+        </p:txBody>
+      </p:sp>
+    </p:spTree>
+    <p:extLst>
+      <p:ext uri="{BB962C8B-B14F-4D97-AF65-F5344CB8AC3E}">
+        <p14:creationId xmlns:p14="http://schemas.microsoft.com/office/powerpoint/2010/main" val="1971192509"/>
+      </p:ext>
+    </p:extLst>
+  </p:cSld>
+  <p:clrMapOvr>
+    <a:masterClrMapping/>
+  </p:clrMapOvr>
+  <p:timing>
+    <p:tnLst>
+      <p:par>
+        <p:cTn id="1" dur="indefinite" restart="never" nodeType="tmRoot"/>
+      </p:par>
+    </p:tnLst>
+  </p:timing>
+</p:sld>
+</file>
+
+<file path=ppt/slides/slide66.xml><?xml version="1.0" encoding="utf-8"?>
+<p:sld xmlns:a="http://schemas.openxmlformats.org/drawingml/2006/main" xmlns:r="http://schemas.openxmlformats.org/officeDocument/2006/relationships" xmlns:p="http://schemas.openxmlformats.org/presentationml/2006/main">
+  <p:cSld>
+    <p:spTree>
+      <p:nvGrpSpPr>
+        <p:cNvPr id="1" name=""/>
+        <p:cNvGrpSpPr/>
+        <p:nvPr/>
+      </p:nvGrpSpPr>
+      <p:grpSpPr>
+        <a:xfrm>
+          <a:off x="0" y="0"/>
+          <a:ext cx="0" cy="0"/>
+          <a:chOff x="0" y="0"/>
+          <a:chExt cx="0" cy="0"/>
+        </a:xfrm>
+      </p:grpSpPr>
+      <p:sp>
+        <p:nvSpPr>
+          <p:cNvPr id="4" name="Rectangle 3"/>
+          <p:cNvSpPr/>
+          <p:nvPr/>
+        </p:nvSpPr>
+        <p:spPr>
+          <a:xfrm>
+            <a:off x="0" y="0"/>
+            <a:ext cx="9144000" cy="584775"/>
+          </a:xfrm>
+          <a:prstGeom prst="rect">
+            <a:avLst/>
+          </a:prstGeom>
+          <a:solidFill>
+            <a:schemeClr val="bg2">
+              <a:lumMod val="10000"/>
+            </a:schemeClr>
+          </a:solidFill>
+        </p:spPr>
+        <p:txBody>
+          <a:bodyPr wrap="square">
+            <a:spAutoFit/>
+          </a:bodyPr>
+          <a:lstStyle/>
+          <a:p>
+            <a:pPr algn="r"/>
+            <a:r>
+              <a:rPr lang="en-IN" sz="3200" b="1" i="1" dirty="0" smtClean="0">
+                <a:solidFill>
+                  <a:srgbClr val="FFFF00"/>
+                </a:solidFill>
+                <a:latin typeface="Arial" pitchFamily="34" charset="0"/>
+                <a:cs typeface="Arial" pitchFamily="34" charset="0"/>
+              </a:rPr>
+              <a:t>IMP</a:t>
+            </a:r>
+            <a:endParaRPr lang="en-IN" sz="3200" b="1" i="1" dirty="0">
+              <a:solidFill>
+                <a:srgbClr val="FFFF00"/>
+              </a:solidFill>
+              <a:latin typeface="Arial" pitchFamily="34" charset="0"/>
+              <a:cs typeface="Arial" pitchFamily="34" charset="0"/>
+            </a:endParaRPr>
+          </a:p>
+        </p:txBody>
+      </p:sp>
+      <p:sp>
+        <p:nvSpPr>
+          <p:cNvPr id="2" name="Rectangle 1"/>
+          <p:cNvSpPr/>
+          <p:nvPr/>
+        </p:nvSpPr>
+        <p:spPr>
+          <a:xfrm>
+            <a:off x="145976" y="849264"/>
+            <a:ext cx="8845624" cy="369332"/>
+          </a:xfrm>
+          <a:prstGeom prst="rect">
+            <a:avLst/>
+          </a:prstGeom>
+        </p:spPr>
+        <p:txBody>
+          <a:bodyPr wrap="square">
+            <a:spAutoFit/>
+          </a:bodyPr>
+          <a:lstStyle/>
+          <a:p>
+            <a:r>
+              <a:rPr lang="en-IN" dirty="0" smtClean="0">
+                <a:solidFill>
+                  <a:srgbClr val="222222"/>
+                </a:solidFill>
+                <a:latin typeface="Verdana" panose="020B0604030504040204" pitchFamily="34" charset="0"/>
+              </a:rPr>
+              <a:t>1. Think </a:t>
+            </a:r>
+            <a:r>
+              <a:rPr lang="en-IN" dirty="0">
+                <a:solidFill>
+                  <a:srgbClr val="222222"/>
+                </a:solidFill>
+                <a:latin typeface="Verdana" panose="020B0604030504040204" pitchFamily="34" charset="0"/>
+              </a:rPr>
+              <a:t>about how multiplication can be done without actually </a:t>
+            </a:r>
+            <a:r>
+              <a:rPr lang="en-IN" dirty="0" smtClean="0">
+                <a:solidFill>
+                  <a:srgbClr val="222222"/>
+                </a:solidFill>
+                <a:latin typeface="Verdana" panose="020B0604030504040204" pitchFamily="34" charset="0"/>
+              </a:rPr>
+              <a:t>multiplying </a:t>
+            </a:r>
+            <a:endParaRPr lang="en-IN" dirty="0"/>
+          </a:p>
+        </p:txBody>
+      </p:sp>
+      <p:sp>
+        <p:nvSpPr>
+          <p:cNvPr id="3" name="TextBox 2"/>
+          <p:cNvSpPr txBox="1"/>
+          <p:nvPr/>
+        </p:nvSpPr>
+        <p:spPr>
+          <a:xfrm>
+            <a:off x="990600" y="2514600"/>
+            <a:ext cx="184731" cy="369332"/>
+          </a:xfrm>
+          <a:prstGeom prst="rect">
+            <a:avLst/>
+          </a:prstGeom>
+          <a:noFill/>
+        </p:spPr>
+        <p:txBody>
+          <a:bodyPr wrap="none" rtlCol="0">
+            <a:spAutoFit/>
+          </a:bodyPr>
+          <a:lstStyle/>
+          <a:p>
+            <a:endParaRPr lang="en-IN" dirty="0"/>
+          </a:p>
+        </p:txBody>
+      </p:sp>
+      <p:pic>
+        <p:nvPicPr>
+          <p:cNvPr id="5" name="Picture 4"/>
+          <p:cNvPicPr>
+            <a:picLocks noChangeAspect="1"/>
+          </p:cNvPicPr>
+          <p:nvPr/>
+        </p:nvPicPr>
+        <p:blipFill>
+          <a:blip r:embed="rId2"/>
+          <a:stretch>
+            <a:fillRect/>
+          </a:stretch>
+        </p:blipFill>
+        <p:spPr>
+          <a:xfrm>
+            <a:off x="304800" y="3700361"/>
+            <a:ext cx="4648200" cy="2471839"/>
+          </a:xfrm>
+          <a:prstGeom prst="rect">
+            <a:avLst/>
+          </a:prstGeom>
+        </p:spPr>
+      </p:pic>
+      <p:sp>
+        <p:nvSpPr>
+          <p:cNvPr id="6" name="Rectangle 5"/>
+          <p:cNvSpPr/>
+          <p:nvPr/>
+        </p:nvSpPr>
+        <p:spPr>
+          <a:xfrm>
+            <a:off x="145976" y="3243552"/>
+            <a:ext cx="1317990" cy="369332"/>
+          </a:xfrm>
+          <a:prstGeom prst="rect">
+            <a:avLst/>
+          </a:prstGeom>
+        </p:spPr>
+        <p:txBody>
+          <a:bodyPr wrap="none">
+            <a:spAutoFit/>
+          </a:bodyPr>
+          <a:lstStyle/>
+          <a:p>
+            <a:r>
+              <a:rPr lang="en-IN" dirty="0" smtClean="0">
+                <a:solidFill>
+                  <a:srgbClr val="222222"/>
+                </a:solidFill>
+                <a:latin typeface="Verdana" panose="020B0604030504040204" pitchFamily="34" charset="0"/>
+              </a:rPr>
+              <a:t>2. Square</a:t>
+            </a:r>
+            <a:endParaRPr lang="en-IN" dirty="0">
+              <a:solidFill>
+                <a:srgbClr val="222222"/>
+              </a:solidFill>
+              <a:latin typeface="Verdana" panose="020B0604030504040204" pitchFamily="34" charset="0"/>
+            </a:endParaRPr>
+          </a:p>
+        </p:txBody>
+      </p:sp>
+      <p:pic>
+        <p:nvPicPr>
+          <p:cNvPr id="8" name="Picture 7"/>
+          <p:cNvPicPr>
+            <a:picLocks noChangeAspect="1"/>
+          </p:cNvPicPr>
+          <p:nvPr/>
+        </p:nvPicPr>
+        <p:blipFill>
+          <a:blip r:embed="rId3"/>
+          <a:stretch>
+            <a:fillRect/>
+          </a:stretch>
+        </p:blipFill>
+        <p:spPr>
+          <a:xfrm>
+            <a:off x="533400" y="1250647"/>
+            <a:ext cx="4495800" cy="1883657"/>
+          </a:xfrm>
+          <a:prstGeom prst="rect">
+            <a:avLst/>
+          </a:prstGeom>
+        </p:spPr>
+      </p:pic>
+    </p:spTree>
+    <p:extLst>
+      <p:ext uri="{BB962C8B-B14F-4D97-AF65-F5344CB8AC3E}">
+        <p14:creationId xmlns:p14="http://schemas.microsoft.com/office/powerpoint/2010/main" val="3391323119"/>
+      </p:ext>
+    </p:extLst>
+  </p:cSld>
+  <p:clrMapOvr>
+    <a:masterClrMapping/>
+  </p:clrMapOvr>
+  <p:timing>
+    <p:tnLst>
+      <p:par>
+        <p:cTn id="1" dur="indefinite" restart="never" nodeType="tmRoot"/>
+      </p:par>
+    </p:tnLst>
+  </p:timing>
+</p:sld>
+</file>
+
+<file path=ppt/slides/slide67.xml><?xml version="1.0" encoding="utf-8"?>
+<p:sld xmlns:a="http://schemas.openxmlformats.org/drawingml/2006/main" xmlns:r="http://schemas.openxmlformats.org/officeDocument/2006/relationships" xmlns:p="http://schemas.openxmlformats.org/presentationml/2006/main">
+  <p:cSld>
+    <p:spTree>
+      <p:nvGrpSpPr>
+        <p:cNvPr id="1" name=""/>
+        <p:cNvGrpSpPr/>
+        <p:nvPr/>
+      </p:nvGrpSpPr>
+      <p:grpSpPr>
+        <a:xfrm>
+          <a:off x="0" y="0"/>
+          <a:ext cx="0" cy="0"/>
+          <a:chOff x="0" y="0"/>
+          <a:chExt cx="0" cy="0"/>
+        </a:xfrm>
+      </p:grpSpPr>
+      <p:pic>
+        <p:nvPicPr>
+          <p:cNvPr id="1026" name="Picture 2" descr="http://www.bvctch.vn/vnt_upload/weblink/thks.jpg"/>
+          <p:cNvPicPr>
+            <a:picLocks noChangeAspect="1" noChangeArrowheads="1"/>
+          </p:cNvPicPr>
+          <p:nvPr/>
+        </p:nvPicPr>
+        <p:blipFill>
+          <a:blip r:embed="rId2">
+            <a:extLst>
+              <a:ext uri="{28A0092B-C50C-407E-A947-70E740481C1C}">
+                <a14:useLocalDpi xmlns:a14="http://schemas.microsoft.com/office/drawing/2010/main" val="0"/>
+              </a:ext>
+            </a:extLst>
+          </a:blip>
+          <a:srcRect/>
+          <a:stretch>
+            <a:fillRect/>
+          </a:stretch>
+        </p:blipFill>
+        <p:spPr bwMode="auto">
+          <a:xfrm>
+            <a:off x="2895600" y="757237"/>
+            <a:ext cx="3124200" cy="4881563"/>
+          </a:xfrm>
+          <a:prstGeom prst="rect">
+            <a:avLst/>
+          </a:prstGeom>
+          <a:noFill/>
+          <a:extLst>
+            <a:ext uri="{909E8E84-426E-40DD-AFC4-6F175D3DCCD1}">
+              <a14:hiddenFill xmlns:a14="http://schemas.microsoft.com/office/drawing/2010/main">
+                <a:solidFill>
+                  <a:srgbClr val="FFFFFF"/>
+                </a:solidFill>
+              </a14:hiddenFill>
+            </a:ext>
+          </a:extLst>
+        </p:spPr>
+      </p:pic>
+      <p:sp>
+        <p:nvSpPr>
+          <p:cNvPr id="3" name="Rectangle 2"/>
+          <p:cNvSpPr/>
+          <p:nvPr/>
+        </p:nvSpPr>
+        <p:spPr>
+          <a:xfrm>
+            <a:off x="304800" y="5105400"/>
+            <a:ext cx="8610600" cy="1077218"/>
+          </a:xfrm>
+          <a:prstGeom prst="rect">
+            <a:avLst/>
+          </a:prstGeom>
+        </p:spPr>
+        <p:txBody>
+          <a:bodyPr wrap="square">
+            <a:spAutoFit/>
+          </a:bodyPr>
+          <a:lstStyle/>
+          <a:p>
+            <a:pPr algn="ctr"/>
+            <a:r>
+              <a:rPr lang="en-IN" sz="3200" dirty="0">
+                <a:solidFill>
+                  <a:srgbClr val="FE1212"/>
+                </a:solidFill>
+                <a:latin typeface="Segoe Print" panose="02000600000000000000" pitchFamily="2" charset="0"/>
+              </a:rPr>
+              <a:t>"Live as if you were to die tomorrow.</a:t>
+            </a:r>
+          </a:p>
+          <a:p>
+            <a:pPr algn="ctr"/>
+            <a:r>
+              <a:rPr lang="en-IN" sz="3200" dirty="0">
+                <a:solidFill>
+                  <a:srgbClr val="FE1212"/>
+                </a:solidFill>
+                <a:latin typeface="Segoe Print" panose="02000600000000000000" pitchFamily="2" charset="0"/>
+              </a:rPr>
+              <a:t>Learn as if you were to live forever"</a:t>
+            </a:r>
+          </a:p>
+        </p:txBody>
+      </p:sp>
+    </p:spTree>
+    <p:extLst>
+      <p:ext uri="{BB962C8B-B14F-4D97-AF65-F5344CB8AC3E}">
+        <p14:creationId xmlns:p14="http://schemas.microsoft.com/office/powerpoint/2010/main" val="1148130326"/>
+      </p:ext>
+    </p:extLst>
+  </p:cSld>
+  <p:clrMapOvr>
+    <a:masterClrMapping/>
+  </p:clrMapOvr>
+  <p:timing>
+    <p:tnLst>
+      <p:par>
+        <p:cTn id="1" dur="indefinite" restart="never" nodeType="tmRoot"/>
+      </p:par>
+    </p:tnLst>
+  </p:timing>
+</p:sld>
+</file>
+
+<file path=ppt/slides/slide68.xml><?xml version="1.0" encoding="utf-8"?>
+<p:sld xmlns:a="http://schemas.openxmlformats.org/drawingml/2006/main" xmlns:r="http://schemas.openxmlformats.org/officeDocument/2006/relationships" xmlns:p="http://schemas.openxmlformats.org/presentationml/2006/main">
+  <p:cSld>
+    <p:spTree>
+      <p:nvGrpSpPr>
+        <p:cNvPr id="1" name=""/>
+        <p:cNvGrpSpPr/>
+        <p:nvPr/>
+      </p:nvGrpSpPr>
+      <p:grpSpPr>
+        <a:xfrm>
+          <a:off x="0" y="0"/>
+          <a:ext cx="0" cy="0"/>
+          <a:chOff x="0" y="0"/>
+          <a:chExt cx="0" cy="0"/>
+        </a:xfrm>
+      </p:grpSpPr>
+      <p:sp>
+        <p:nvSpPr>
           <p:cNvPr id="3" name="Rectangle 2"/>
           <p:cNvSpPr/>
           <p:nvPr/>
@@ -16513,7 +18079,7 @@
 </p:sld>
 </file>
 
-<file path=ppt/slides/slide61.xml><?xml version="1.0" encoding="utf-8"?>
+<file path=ppt/slides/slide69.xml><?xml version="1.0" encoding="utf-8"?>
 <p:sld xmlns:a="http://schemas.openxmlformats.org/drawingml/2006/main" xmlns:r="http://schemas.openxmlformats.org/officeDocument/2006/relationships" xmlns:p="http://schemas.openxmlformats.org/presentationml/2006/main">
   <p:cSld>
     <p:spTree>

--- a/MongoDB.pptx
+++ b/MongoDB.pptx
@@ -5,7 +5,7 @@
     <p:sldMasterId id="2147483720" r:id="rId1"/>
   </p:sldMasterIdLst>
   <p:notesMasterIdLst>
-    <p:notesMasterId r:id="rId71"/>
+    <p:notesMasterId r:id="rId73"/>
   </p:notesMasterIdLst>
   <p:sldIdLst>
     <p:sldId id="497" r:id="rId2"/>
@@ -41,42 +41,44 @@
     <p:sldId id="1151" r:id="rId32"/>
     <p:sldId id="1152" r:id="rId33"/>
     <p:sldId id="1153" r:id="rId34"/>
-    <p:sldId id="1098" r:id="rId35"/>
-    <p:sldId id="1090" r:id="rId36"/>
-    <p:sldId id="1099" r:id="rId37"/>
-    <p:sldId id="1092" r:id="rId38"/>
-    <p:sldId id="1102" r:id="rId39"/>
-    <p:sldId id="1103" r:id="rId40"/>
-    <p:sldId id="1104" r:id="rId41"/>
-    <p:sldId id="1105" r:id="rId42"/>
-    <p:sldId id="1106" r:id="rId43"/>
-    <p:sldId id="1107" r:id="rId44"/>
-    <p:sldId id="1108" r:id="rId45"/>
-    <p:sldId id="1109" r:id="rId46"/>
-    <p:sldId id="1110" r:id="rId47"/>
-    <p:sldId id="1111" r:id="rId48"/>
-    <p:sldId id="1112" r:id="rId49"/>
-    <p:sldId id="1113" r:id="rId50"/>
-    <p:sldId id="1114" r:id="rId51"/>
-    <p:sldId id="1115" r:id="rId52"/>
-    <p:sldId id="1116" r:id="rId53"/>
-    <p:sldId id="1117" r:id="rId54"/>
-    <p:sldId id="1118" r:id="rId55"/>
-    <p:sldId id="1119" r:id="rId56"/>
-    <p:sldId id="1120" r:id="rId57"/>
-    <p:sldId id="1121" r:id="rId58"/>
-    <p:sldId id="1122" r:id="rId59"/>
-    <p:sldId id="1123" r:id="rId60"/>
-    <p:sldId id="1124" r:id="rId61"/>
-    <p:sldId id="1125" r:id="rId62"/>
-    <p:sldId id="1126" r:id="rId63"/>
-    <p:sldId id="1127" r:id="rId64"/>
-    <p:sldId id="1128" r:id="rId65"/>
-    <p:sldId id="1129" r:id="rId66"/>
-    <p:sldId id="954" r:id="rId67"/>
-    <p:sldId id="788" r:id="rId68"/>
-    <p:sldId id="1071" r:id="rId69"/>
-    <p:sldId id="1087" r:id="rId70"/>
+    <p:sldId id="1154" r:id="rId35"/>
+    <p:sldId id="1155" r:id="rId36"/>
+    <p:sldId id="1098" r:id="rId37"/>
+    <p:sldId id="1090" r:id="rId38"/>
+    <p:sldId id="1099" r:id="rId39"/>
+    <p:sldId id="1092" r:id="rId40"/>
+    <p:sldId id="1102" r:id="rId41"/>
+    <p:sldId id="1103" r:id="rId42"/>
+    <p:sldId id="1104" r:id="rId43"/>
+    <p:sldId id="1105" r:id="rId44"/>
+    <p:sldId id="1106" r:id="rId45"/>
+    <p:sldId id="1107" r:id="rId46"/>
+    <p:sldId id="1108" r:id="rId47"/>
+    <p:sldId id="1109" r:id="rId48"/>
+    <p:sldId id="1110" r:id="rId49"/>
+    <p:sldId id="1111" r:id="rId50"/>
+    <p:sldId id="1112" r:id="rId51"/>
+    <p:sldId id="1113" r:id="rId52"/>
+    <p:sldId id="1114" r:id="rId53"/>
+    <p:sldId id="1115" r:id="rId54"/>
+    <p:sldId id="1116" r:id="rId55"/>
+    <p:sldId id="1117" r:id="rId56"/>
+    <p:sldId id="1118" r:id="rId57"/>
+    <p:sldId id="1119" r:id="rId58"/>
+    <p:sldId id="1120" r:id="rId59"/>
+    <p:sldId id="1121" r:id="rId60"/>
+    <p:sldId id="1122" r:id="rId61"/>
+    <p:sldId id="1123" r:id="rId62"/>
+    <p:sldId id="1124" r:id="rId63"/>
+    <p:sldId id="1125" r:id="rId64"/>
+    <p:sldId id="1126" r:id="rId65"/>
+    <p:sldId id="1127" r:id="rId66"/>
+    <p:sldId id="1128" r:id="rId67"/>
+    <p:sldId id="1129" r:id="rId68"/>
+    <p:sldId id="954" r:id="rId69"/>
+    <p:sldId id="788" r:id="rId70"/>
+    <p:sldId id="1071" r:id="rId71"/>
+    <p:sldId id="1087" r:id="rId72"/>
   </p:sldIdLst>
   <p:sldSz cx="9144000" cy="6858000" type="screen4x3"/>
   <p:notesSz cx="6858000" cy="9144000"/>
@@ -10192,23 +10194,7 @@
                   <a:srgbClr val="FC6F0D"/>
                 </a:solidFill>
               </a:rPr>
-              <a:t>var x = db </a:t>
-            </a:r>
-            <a:r>
-              <a:rPr lang="en-US" sz="2200" dirty="0">
-                <a:solidFill>
-                  <a:srgbClr val="FC6F0D"/>
-                </a:solidFill>
-              </a:rPr>
-              <a:t>['emp'].find </a:t>
-            </a:r>
-            <a:r>
-              <a:rPr lang="en-US" sz="2200" dirty="0">
-                <a:solidFill>
-                  <a:srgbClr val="FC6F0D"/>
-                </a:solidFill>
-              </a:rPr>
-              <a:t>()</a:t>
+              <a:t>var x = db ['emp'].find ()</a:t>
             </a:r>
           </a:p>
           <a:p>
@@ -10223,15 +10209,7 @@
                   <a:srgbClr val="FC6F0D"/>
                 </a:solidFill>
               </a:rPr>
-              <a:t>x.forEach(printjson</a:t>
-            </a:r>
-            <a:r>
-              <a:rPr lang="en-US" sz="2200" dirty="0">
-                <a:solidFill>
-                  <a:srgbClr val="FC6F0D"/>
-                </a:solidFill>
-              </a:rPr>
-              <a:t>)</a:t>
+              <a:t>x.forEach(printjson)</a:t>
             </a:r>
           </a:p>
         </p:txBody>
@@ -10356,12 +10334,6 @@
               </a:rPr>
               <a:t>TODO</a:t>
             </a:r>
-            <a:endParaRPr lang="en-US" dirty="0" smtClean="0">
-              <a:solidFill>
-                <a:srgbClr val="222222"/>
-              </a:solidFill>
-              <a:latin typeface="arial" panose="020B0604020202020204" pitchFamily="34" charset="0"/>
-            </a:endParaRPr>
           </a:p>
         </p:txBody>
       </p:sp>
@@ -10375,11 +10347,11 @@
   <p:clrMapOvr>
     <a:masterClrMapping/>
   </p:clrMapOvr>
-  <mc:AlternateContent xmlns:mc="http://schemas.openxmlformats.org/markup-compatibility/2006">
-    <mc:Choice xmlns:p14="http://schemas.microsoft.com/office/powerpoint/2010/main" Requires="p14">
+  <mc:AlternateContent xmlns:mc="http://schemas.openxmlformats.org/markup-compatibility/2006" xmlns:p14="http://schemas.microsoft.com/office/powerpoint/2010/main">
+    <mc:Choice Requires="p14">
       <p:transition spd="slow" p14:dur="2000"/>
     </mc:Choice>
-    <mc:Fallback>
+    <mc:Fallback xmlns="">
       <p:transition spd="slow"/>
     </mc:Fallback>
   </mc:AlternateContent>
@@ -10449,17 +10421,7 @@
                 <a:latin typeface="Arial" pitchFamily="34" charset="0"/>
                 <a:cs typeface="Arial" pitchFamily="34" charset="0"/>
               </a:rPr>
-              <a:t>db.collection.find</a:t>
-            </a:r>
-            <a:r>
-              <a:rPr lang="en-IN" sz="3200" b="1" i="1" dirty="0" smtClean="0">
-                <a:solidFill>
-                  <a:srgbClr val="FFFF00"/>
-                </a:solidFill>
-                <a:latin typeface="Arial" pitchFamily="34" charset="0"/>
-                <a:cs typeface="Arial" pitchFamily="34" charset="0"/>
-              </a:rPr>
-              <a:t>().sort({ })</a:t>
+              <a:t>db.collection.find().sort({ })</a:t>
             </a:r>
             <a:endParaRPr lang="en-IN" sz="3200" b="1" i="1" dirty="0">
               <a:solidFill>
@@ -10494,7 +10456,19 @@
           <a:p>
             <a:r>
               <a:rPr lang="en-US" dirty="0"/>
-              <a:t>Specifies the order in which the query returns matching documents. You must apply sort() to the cursor before retrieving any documents from the database.</a:t>
+              <a:t>Specifies the order in which the query returns matching documents. You must apply </a:t>
+            </a:r>
+            <a:r>
+              <a:rPr lang="en-US" b="1" i="1" dirty="0">
+                <a:solidFill>
+                  <a:srgbClr val="036883"/>
+                </a:solidFill>
+              </a:rPr>
+              <a:t>sort() </a:t>
+            </a:r>
+            <a:r>
+              <a:rPr lang="en-US" dirty="0"/>
+              <a:t>to the cursor before retrieving any documents from the database.</a:t>
             </a:r>
             <a:endParaRPr lang="en-IN" dirty="0"/>
           </a:p>
@@ -10610,13 +10584,6 @@
               </a:rPr>
               <a:t>sort({ field: value }) </a:t>
             </a:r>
-            <a:endParaRPr lang="en-US" dirty="0">
-              <a:solidFill>
-                <a:srgbClr val="049DC8"/>
-              </a:solidFill>
-              <a:latin typeface="Consolas" panose="020B0609020204030204" pitchFamily="49" charset="0"/>
-              <a:cs typeface="Calibri" panose="020F0502020204030204" pitchFamily="34" charset="0"/>
-            </a:endParaRPr>
           </a:p>
           <a:p>
             <a:r>
@@ -10649,13 +10616,6 @@
               </a:rPr>
               <a:t>sort({ field: value })</a:t>
             </a:r>
-            <a:endParaRPr lang="en-US" dirty="0">
-              <a:solidFill>
-                <a:srgbClr val="049DC8"/>
-              </a:solidFill>
-              <a:latin typeface="Consolas" panose="020B0609020204030204" pitchFamily="49" charset="0"/>
-              <a:cs typeface="Calibri" panose="020F0502020204030204" pitchFamily="34" charset="0"/>
-            </a:endParaRPr>
           </a:p>
         </p:txBody>
       </p:sp>
@@ -10886,12 +10846,6 @@
               </a:rPr>
               <a:t>TODO</a:t>
             </a:r>
-            <a:endParaRPr lang="en-US" dirty="0" smtClean="0">
-              <a:solidFill>
-                <a:srgbClr val="222222"/>
-              </a:solidFill>
-              <a:latin typeface="arial" panose="020B0604020202020204" pitchFamily="34" charset="0"/>
-            </a:endParaRPr>
           </a:p>
         </p:txBody>
       </p:sp>
@@ -10905,11 +10859,11 @@
   <p:clrMapOvr>
     <a:masterClrMapping/>
   </p:clrMapOvr>
-  <mc:AlternateContent xmlns:mc="http://schemas.openxmlformats.org/markup-compatibility/2006">
-    <mc:Choice xmlns:p14="http://schemas.microsoft.com/office/powerpoint/2010/main" Requires="p14">
+  <mc:AlternateContent xmlns:mc="http://schemas.openxmlformats.org/markup-compatibility/2006" xmlns:p14="http://schemas.microsoft.com/office/powerpoint/2010/main">
+    <mc:Choice Requires="p14">
       <p:transition spd="slow" p14:dur="2000"/>
     </mc:Choice>
-    <mc:Fallback>
+    <mc:Fallback xmlns="">
       <p:transition spd="slow"/>
     </mc:Fallback>
   </mc:AlternateContent>
@@ -10979,17 +10933,7 @@
                 <a:latin typeface="Arial" pitchFamily="34" charset="0"/>
                 <a:cs typeface="Arial" pitchFamily="34" charset="0"/>
               </a:rPr>
-              <a:t>db.collection.find</a:t>
-            </a:r>
-            <a:r>
-              <a:rPr lang="en-IN" sz="3200" b="1" i="1" dirty="0" smtClean="0">
-                <a:solidFill>
-                  <a:srgbClr val="FFFF00"/>
-                </a:solidFill>
-                <a:latin typeface="Arial" pitchFamily="34" charset="0"/>
-                <a:cs typeface="Arial" pitchFamily="34" charset="0"/>
-              </a:rPr>
-              <a:t>().limit()</a:t>
+              <a:t>db.collection.find().limit()</a:t>
             </a:r>
             <a:endParaRPr lang="en-IN" sz="3200" b="1" i="1" dirty="0">
               <a:solidFill>
@@ -11024,7 +10968,19 @@
           <a:p>
             <a:r>
               <a:rPr lang="en-US" dirty="0"/>
-              <a:t>Use the limit() method to specify the maximum number of documents the cursor will return.</a:t>
+              <a:t>Use the </a:t>
+            </a:r>
+            <a:r>
+              <a:rPr lang="en-US" b="1" i="1" dirty="0">
+                <a:solidFill>
+                  <a:srgbClr val="036883"/>
+                </a:solidFill>
+              </a:rPr>
+              <a:t>limit()</a:t>
+            </a:r>
+            <a:r>
+              <a:rPr lang="en-US" dirty="0"/>
+              <a:t> method to specify the maximum number of documents the cursor will return.</a:t>
             </a:r>
             <a:endParaRPr lang="en-IN" dirty="0"/>
           </a:p>
@@ -11595,12 +11551,6 @@
               </a:rPr>
               <a:t>TODO</a:t>
             </a:r>
-            <a:endParaRPr lang="en-US" dirty="0" smtClean="0">
-              <a:solidFill>
-                <a:srgbClr val="222222"/>
-              </a:solidFill>
-              <a:latin typeface="arial" panose="020B0604020202020204" pitchFamily="34" charset="0"/>
-            </a:endParaRPr>
           </a:p>
         </p:txBody>
       </p:sp>
@@ -11614,11 +11564,11 @@
   <p:clrMapOvr>
     <a:masterClrMapping/>
   </p:clrMapOvr>
-  <mc:AlternateContent xmlns:mc="http://schemas.openxmlformats.org/markup-compatibility/2006">
-    <mc:Choice xmlns:p14="http://schemas.microsoft.com/office/powerpoint/2010/main" Requires="p14">
+  <mc:AlternateContent xmlns:mc="http://schemas.openxmlformats.org/markup-compatibility/2006" xmlns:p14="http://schemas.microsoft.com/office/powerpoint/2010/main">
+    <mc:Choice Requires="p14">
       <p:transition spd="slow" p14:dur="2000"/>
     </mc:Choice>
-    <mc:Fallback>
+    <mc:Fallback xmlns="">
       <p:transition spd="slow"/>
     </mc:Fallback>
   </mc:AlternateContent>
@@ -11688,17 +11638,7 @@
                 <a:latin typeface="Arial" pitchFamily="34" charset="0"/>
                 <a:cs typeface="Arial" pitchFamily="34" charset="0"/>
               </a:rPr>
-              <a:t>db.collection.find</a:t>
-            </a:r>
-            <a:r>
-              <a:rPr lang="en-IN" sz="3200" b="1" i="1" dirty="0" smtClean="0">
-                <a:solidFill>
-                  <a:srgbClr val="FFFF00"/>
-                </a:solidFill>
-                <a:latin typeface="Arial" pitchFamily="34" charset="0"/>
-                <a:cs typeface="Arial" pitchFamily="34" charset="0"/>
-              </a:rPr>
-              <a:t>().skip()</a:t>
+              <a:t>db.collection.find().skip()</a:t>
             </a:r>
             <a:endParaRPr lang="en-IN" sz="3200" b="1" i="1" dirty="0">
               <a:solidFill>
@@ -11719,7 +11659,7 @@
         <p:spPr>
           <a:xfrm>
             <a:off x="149188" y="762000"/>
-            <a:ext cx="8845624" cy="369332"/>
+            <a:ext cx="8845624" cy="646331"/>
           </a:xfrm>
           <a:prstGeom prst="rect">
             <a:avLst/>
@@ -11732,8 +11672,20 @@
           <a:lstStyle/>
           <a:p>
             <a:r>
-              <a:rPr lang="en-US" dirty="0" smtClean="0"/>
-              <a:t>TODO</a:t>
+              <a:rPr lang="en-US" dirty="0"/>
+              <a:t>The </a:t>
+            </a:r>
+            <a:r>
+              <a:rPr lang="en-US" b="1" i="1" dirty="0">
+                <a:solidFill>
+                  <a:srgbClr val="036883"/>
+                </a:solidFill>
+              </a:rPr>
+              <a:t>skip()</a:t>
+            </a:r>
+            <a:r>
+              <a:rPr lang="en-US" dirty="0"/>
+              <a:t> method is used for skipping the given number of documents in the Query result.</a:t>
             </a:r>
             <a:endParaRPr lang="en-IN" dirty="0"/>
           </a:p>
@@ -11781,14 +11733,14 @@
               <a:t>(&lt;</a:t>
             </a:r>
             <a:r>
-              <a:rPr lang="en-US" dirty="0">
+              <a:rPr lang="en-US" dirty="0" smtClean="0">
                 <a:solidFill>
                   <a:srgbClr val="049DC8"/>
                 </a:solidFill>
                 <a:latin typeface="Consolas" panose="020B0609020204030204" pitchFamily="49" charset="0"/>
                 <a:cs typeface="Calibri" panose="020F0502020204030204" pitchFamily="34" charset="0"/>
               </a:rPr>
-              <a:t>offset&gt;)</a:t>
+              <a:t>offset_number&gt;)</a:t>
             </a:r>
             <a:endParaRPr lang="en-US" dirty="0">
               <a:solidFill>
@@ -11837,7 +11789,17 @@
                 <a:latin typeface="Consolas" panose="020B0609020204030204" pitchFamily="49" charset="0"/>
                 <a:cs typeface="Calibri" panose="020F0502020204030204" pitchFamily="34" charset="0"/>
               </a:rPr>
-              <a:t>skip(&lt;offset&gt;) </a:t>
+              <a:t>skip(&lt;</a:t>
+            </a:r>
+            <a:r>
+              <a:rPr lang="en-US" dirty="0" smtClean="0">
+                <a:solidFill>
+                  <a:srgbClr val="049DC8"/>
+                </a:solidFill>
+                <a:latin typeface="Consolas" panose="020B0609020204030204" pitchFamily="49" charset="0"/>
+                <a:cs typeface="Calibri" panose="020F0502020204030204" pitchFamily="34" charset="0"/>
+              </a:rPr>
+              <a:t>offset_number&gt;) </a:t>
             </a:r>
             <a:endParaRPr lang="en-US" dirty="0">
               <a:solidFill>
@@ -11876,7 +11838,17 @@
                 <a:latin typeface="Consolas" panose="020B0609020204030204" pitchFamily="49" charset="0"/>
                 <a:cs typeface="Calibri" panose="020F0502020204030204" pitchFamily="34" charset="0"/>
               </a:rPr>
-              <a:t>skip(&lt;offset&gt;)</a:t>
+              <a:t>skip(&lt;</a:t>
+            </a:r>
+            <a:r>
+              <a:rPr lang="en-US" dirty="0" smtClean="0">
+                <a:solidFill>
+                  <a:srgbClr val="049DC8"/>
+                </a:solidFill>
+                <a:latin typeface="Consolas" panose="020B0609020204030204" pitchFamily="49" charset="0"/>
+                <a:cs typeface="Calibri" panose="020F0502020204030204" pitchFamily="34" charset="0"/>
+              </a:rPr>
+              <a:t>offset_number&gt;)</a:t>
             </a:r>
             <a:endParaRPr lang="en-US" dirty="0">
               <a:solidFill>
@@ -11885,6 +11857,43 @@
               <a:latin typeface="Consolas" panose="020B0609020204030204" pitchFamily="49" charset="0"/>
               <a:cs typeface="Calibri" panose="020F0502020204030204" pitchFamily="34" charset="0"/>
             </a:endParaRPr>
+          </a:p>
+        </p:txBody>
+      </p:sp>
+      <p:sp>
+        <p:nvSpPr>
+          <p:cNvPr id="2" name="Rectangle 1"/>
+          <p:cNvSpPr/>
+          <p:nvPr/>
+        </p:nvSpPr>
+        <p:spPr>
+          <a:xfrm>
+            <a:off x="160074" y="2918936"/>
+            <a:ext cx="8834738" cy="600164"/>
+          </a:xfrm>
+          <a:prstGeom prst="rect">
+            <a:avLst/>
+          </a:prstGeom>
+        </p:spPr>
+        <p:txBody>
+          <a:bodyPr wrap="square">
+            <a:spAutoFit/>
+          </a:bodyPr>
+          <a:lstStyle/>
+          <a:p>
+            <a:pPr>
+              <a:lnSpc>
+                <a:spcPct val="150000"/>
+              </a:lnSpc>
+            </a:pPr>
+            <a:r>
+              <a:rPr lang="en-US" sz="2200" dirty="0">
+                <a:solidFill>
+                  <a:srgbClr val="FC6F0D"/>
+                </a:solidFill>
+              </a:rPr>
+              <a:t>db.emp.find().skip(4);</a:t>
+            </a:r>
           </a:p>
         </p:txBody>
       </p:sp>
@@ -12008,12 +12017,6 @@
               </a:rPr>
               <a:t>TODO</a:t>
             </a:r>
-            <a:endParaRPr lang="en-US" dirty="0" smtClean="0">
-              <a:solidFill>
-                <a:srgbClr val="222222"/>
-              </a:solidFill>
-              <a:latin typeface="arial" panose="020B0604020202020204" pitchFamily="34" charset="0"/>
-            </a:endParaRPr>
           </a:p>
         </p:txBody>
       </p:sp>
@@ -12027,11 +12030,11 @@
   <p:clrMapOvr>
     <a:masterClrMapping/>
   </p:clrMapOvr>
-  <mc:AlternateContent xmlns:mc="http://schemas.openxmlformats.org/markup-compatibility/2006">
-    <mc:Choice xmlns:p14="http://schemas.microsoft.com/office/powerpoint/2010/main" Requires="p14">
+  <mc:AlternateContent xmlns:mc="http://schemas.openxmlformats.org/markup-compatibility/2006" xmlns:p14="http://schemas.microsoft.com/office/powerpoint/2010/main">
+    <mc:Choice Requires="p14">
       <p:transition spd="slow" p14:dur="2000"/>
     </mc:Choice>
-    <mc:Fallback>
+    <mc:Fallback xmlns="">
       <p:transition spd="slow"/>
     </mc:Fallback>
   </mc:AlternateContent>
@@ -12101,17 +12104,7 @@
                 <a:latin typeface="Arial" pitchFamily="34" charset="0"/>
                 <a:cs typeface="Arial" pitchFamily="34" charset="0"/>
               </a:rPr>
-              <a:t>db.collection.find</a:t>
-            </a:r>
-            <a:r>
-              <a:rPr lang="en-IN" sz="3200" b="1" i="1" dirty="0" smtClean="0">
-                <a:solidFill>
-                  <a:srgbClr val="FFFF00"/>
-                </a:solidFill>
-                <a:latin typeface="Arial" pitchFamily="34" charset="0"/>
-                <a:cs typeface="Arial" pitchFamily="34" charset="0"/>
-              </a:rPr>
-              <a:t>().count()</a:t>
+              <a:t>db.collection.find().count()</a:t>
             </a:r>
             <a:endParaRPr lang="en-IN" sz="3200" b="1" i="1" dirty="0">
               <a:solidFill>
@@ -12132,7 +12125,7 @@
         <p:spPr>
           <a:xfrm>
             <a:off x="149188" y="762000"/>
-            <a:ext cx="8845624" cy="369332"/>
+            <a:ext cx="8845624" cy="1200329"/>
           </a:xfrm>
           <a:prstGeom prst="rect">
             <a:avLst/>
@@ -12145,8 +12138,32 @@
           <a:lstStyle/>
           <a:p>
             <a:r>
-              <a:rPr lang="en-US" dirty="0" smtClean="0"/>
-              <a:t>TODO</a:t>
+              <a:rPr lang="en-US" dirty="0"/>
+              <a:t>Counts the number of documents referenced by a cursor. Append the </a:t>
+            </a:r>
+            <a:r>
+              <a:rPr lang="en-US" b="1" i="1" dirty="0">
+                <a:solidFill>
+                  <a:srgbClr val="036883"/>
+                </a:solidFill>
+              </a:rPr>
+              <a:t>count() </a:t>
+            </a:r>
+            <a:r>
+              <a:rPr lang="en-US" dirty="0"/>
+              <a:t>method to a </a:t>
+            </a:r>
+            <a:r>
+              <a:rPr lang="en-US" b="1" i="1" dirty="0">
+                <a:solidFill>
+                  <a:srgbClr val="036883"/>
+                </a:solidFill>
+              </a:rPr>
+              <a:t>find() </a:t>
+            </a:r>
+            <a:r>
+              <a:rPr lang="en-US" dirty="0"/>
+              <a:t>query to return the number of matching documents. The operation does not perform the query but instead counts the results that would be returned by the query.</a:t>
             </a:r>
             <a:endParaRPr lang="en-IN" dirty="0"/>
           </a:p>
@@ -12160,7 +12177,7 @@
         </p:nvSpPr>
         <p:spPr>
           <a:xfrm>
-            <a:off x="154136" y="1563469"/>
+            <a:off x="154136" y="2048470"/>
             <a:ext cx="8840676" cy="923330"/>
           </a:xfrm>
           <a:prstGeom prst="rect">
@@ -12212,6 +12229,58 @@
               </a:rPr>
               <a:t>(&lt;query&gt;).count()</a:t>
             </a:r>
+          </a:p>
+          <a:p>
+            <a:r>
+              <a:rPr lang="en-US" dirty="0">
+                <a:solidFill>
+                  <a:srgbClr val="049DC8"/>
+                </a:solidFill>
+                <a:latin typeface="Consolas" panose="020B0609020204030204" pitchFamily="49" charset="0"/>
+                <a:cs typeface="Calibri" panose="020F0502020204030204" pitchFamily="34" charset="0"/>
+              </a:rPr>
+              <a:t>db ['</a:t>
+            </a:r>
+            <a:r>
+              <a:rPr lang="en-US" dirty="0" smtClean="0">
+                <a:solidFill>
+                  <a:srgbClr val="049DC8"/>
+                </a:solidFill>
+                <a:latin typeface="Consolas" panose="020B0609020204030204" pitchFamily="49" charset="0"/>
+                <a:cs typeface="Calibri" panose="020F0502020204030204" pitchFamily="34" charset="0"/>
+              </a:rPr>
+              <a:t>collection_name'].</a:t>
+            </a:r>
+            <a:r>
+              <a:rPr lang="en-US" dirty="0" smtClean="0">
+                <a:solidFill>
+                  <a:srgbClr val="049DC8"/>
+                </a:solidFill>
+                <a:latin typeface="Consolas" panose="020B0609020204030204" pitchFamily="49" charset="0"/>
+                <a:cs typeface="Calibri" panose="020F0502020204030204" pitchFamily="34" charset="0"/>
+              </a:rPr>
+              <a:t>find(&lt;</a:t>
+            </a:r>
+            <a:r>
+              <a:rPr lang="en-US" dirty="0">
+                <a:solidFill>
+                  <a:srgbClr val="049DC8"/>
+                </a:solidFill>
+                <a:latin typeface="Consolas" panose="020B0609020204030204" pitchFamily="49" charset="0"/>
+                <a:cs typeface="Calibri" panose="020F0502020204030204" pitchFamily="34" charset="0"/>
+              </a:rPr>
+              <a:t>query&gt;).count</a:t>
+            </a:r>
+            <a:r>
+              <a:rPr lang="en-US" dirty="0" smtClean="0">
+                <a:solidFill>
+                  <a:srgbClr val="049DC8"/>
+                </a:solidFill>
+                <a:latin typeface="Consolas" panose="020B0609020204030204" pitchFamily="49" charset="0"/>
+                <a:cs typeface="Calibri" panose="020F0502020204030204" pitchFamily="34" charset="0"/>
+              </a:rPr>
+              <a:t>()</a:t>
+            </a:r>
             <a:endParaRPr lang="en-US" dirty="0">
               <a:solidFill>
                 <a:srgbClr val="049DC8"/>
@@ -12220,54 +12289,57 @@
               <a:cs typeface="Calibri" panose="020F0502020204030204" pitchFamily="34" charset="0"/>
             </a:endParaRPr>
           </a:p>
-          <a:p>
-            <a:r>
-              <a:rPr lang="en-US" dirty="0">
-                <a:solidFill>
-                  <a:srgbClr val="049DC8"/>
-                </a:solidFill>
-                <a:latin typeface="Consolas" panose="020B0609020204030204" pitchFamily="49" charset="0"/>
-                <a:cs typeface="Calibri" panose="020F0502020204030204" pitchFamily="34" charset="0"/>
-              </a:rPr>
-              <a:t>db ['</a:t>
-            </a:r>
-            <a:r>
-              <a:rPr lang="en-US" dirty="0" smtClean="0">
-                <a:solidFill>
-                  <a:srgbClr val="049DC8"/>
-                </a:solidFill>
-                <a:latin typeface="Consolas" panose="020B0609020204030204" pitchFamily="49" charset="0"/>
-                <a:cs typeface="Calibri" panose="020F0502020204030204" pitchFamily="34" charset="0"/>
-              </a:rPr>
-              <a:t>collection_name'].</a:t>
-            </a:r>
-            <a:r>
-              <a:rPr lang="en-US" dirty="0">
-                <a:solidFill>
-                  <a:srgbClr val="049DC8"/>
-                </a:solidFill>
-                <a:latin typeface="Consolas" panose="020B0609020204030204" pitchFamily="49" charset="0"/>
-                <a:cs typeface="Calibri" panose="020F0502020204030204" pitchFamily="34" charset="0"/>
-              </a:rPr>
-              <a:t>find (&lt;query&gt;).count</a:t>
-            </a:r>
-            <a:r>
-              <a:rPr lang="en-US" dirty="0" smtClean="0">
-                <a:solidFill>
-                  <a:srgbClr val="049DC8"/>
-                </a:solidFill>
-                <a:latin typeface="Consolas" panose="020B0609020204030204" pitchFamily="49" charset="0"/>
-                <a:cs typeface="Calibri" panose="020F0502020204030204" pitchFamily="34" charset="0"/>
-              </a:rPr>
-              <a:t>()</a:t>
-            </a:r>
-            <a:endParaRPr lang="en-US" dirty="0">
-              <a:solidFill>
-                <a:srgbClr val="049DC8"/>
-              </a:solidFill>
-              <a:latin typeface="Consolas" panose="020B0609020204030204" pitchFamily="49" charset="0"/>
-              <a:cs typeface="Calibri" panose="020F0502020204030204" pitchFamily="34" charset="0"/>
-            </a:endParaRPr>
+        </p:txBody>
+      </p:sp>
+      <p:sp>
+        <p:nvSpPr>
+          <p:cNvPr id="2" name="Rectangle 1"/>
+          <p:cNvSpPr/>
+          <p:nvPr/>
+        </p:nvSpPr>
+        <p:spPr>
+          <a:xfrm>
+            <a:off x="149188" y="3429000"/>
+            <a:ext cx="8845624" cy="1107996"/>
+          </a:xfrm>
+          <a:prstGeom prst="rect">
+            <a:avLst/>
+          </a:prstGeom>
+        </p:spPr>
+        <p:txBody>
+          <a:bodyPr wrap="square">
+            <a:spAutoFit/>
+          </a:bodyPr>
+          <a:lstStyle/>
+          <a:p>
+            <a:pPr>
+              <a:lnSpc>
+                <a:spcPct val="150000"/>
+              </a:lnSpc>
+            </a:pPr>
+            <a:r>
+              <a:rPr lang="en-US" sz="2200" dirty="0">
+                <a:solidFill>
+                  <a:srgbClr val="FC6F0D"/>
+                </a:solidFill>
+              </a:rPr>
+              <a:t>db.emp.find().count();</a:t>
+            </a:r>
+          </a:p>
+          <a:p>
+            <a:pPr>
+              <a:lnSpc>
+                <a:spcPct val="150000"/>
+              </a:lnSpc>
+            </a:pPr>
+            <a:r>
+              <a:rPr lang="en-US" sz="2200" dirty="0">
+                <a:solidFill>
+                  <a:srgbClr val="FC6F0D"/>
+                </a:solidFill>
+              </a:rPr>
+              <a:t>db.emp.find({job:'manager'}).count();</a:t>
+            </a:r>
           </a:p>
         </p:txBody>
       </p:sp>
@@ -12348,8 +12420,8 @@
           </a:lstStyle>
           <a:p>
             <a:r>
-              <a:rPr lang="en-IN" dirty="0" smtClean="0"/>
-              <a:t>document</a:t>
+              <a:rPr lang="en-IN" dirty="0" err="1" smtClean="0"/>
+              <a:t>findOne</a:t>
             </a:r>
             <a:endParaRPr lang="en-US" dirty="0"/>
           </a:p>
@@ -12389,27 +12461,35 @@
                 </a:solidFill>
                 <a:latin typeface="arial" panose="020B0604020202020204" pitchFamily="34" charset="0"/>
               </a:rPr>
-              <a:t>MongoDB stores data as BSON documents. BSON is a binary representation of JSON documents.</a:t>
-            </a:r>
-            <a:endParaRPr lang="en-US" dirty="0"/>
+              <a:t>The find() method always returns the _id field unless you specify _id: 0 to suppress the field</a:t>
+            </a:r>
+            <a:r>
+              <a:rPr lang="en-US" dirty="0" smtClean="0">
+                <a:solidFill>
+                  <a:srgbClr val="222222"/>
+                </a:solidFill>
+                <a:latin typeface="arial" panose="020B0604020202020204" pitchFamily="34" charset="0"/>
+              </a:rPr>
+              <a:t>.</a:t>
+            </a:r>
           </a:p>
         </p:txBody>
       </p:sp>
     </p:spTree>
     <p:extLst>
       <p:ext uri="{BB962C8B-B14F-4D97-AF65-F5344CB8AC3E}">
-        <p14:creationId xmlns:p14="http://schemas.microsoft.com/office/powerpoint/2010/main" val="316225766"/>
+        <p14:creationId xmlns:p14="http://schemas.microsoft.com/office/powerpoint/2010/main" val="2476936322"/>
       </p:ext>
     </p:extLst>
   </p:cSld>
   <p:clrMapOvr>
     <a:masterClrMapping/>
   </p:clrMapOvr>
-  <mc:AlternateContent xmlns:mc="http://schemas.openxmlformats.org/markup-compatibility/2006" xmlns:p14="http://schemas.microsoft.com/office/powerpoint/2010/main">
-    <mc:Choice Requires="p14">
+  <mc:AlternateContent xmlns:mc="http://schemas.openxmlformats.org/markup-compatibility/2006">
+    <mc:Choice xmlns:p14="http://schemas.microsoft.com/office/powerpoint/2010/main" Requires="p14">
       <p:transition spd="slow" p14:dur="2000"/>
     </mc:Choice>
-    <mc:Fallback xmlns="">
+    <mc:Fallback>
       <p:transition spd="slow"/>
     </mc:Fallback>
   </mc:AlternateContent>
@@ -12479,7 +12559,7 @@
                 <a:latin typeface="Arial" pitchFamily="34" charset="0"/>
                 <a:cs typeface="Arial" pitchFamily="34" charset="0"/>
               </a:rPr>
-              <a:t>document</a:t>
+              <a:t>db.collection.findOne()</a:t>
             </a:r>
             <a:r>
               <a:rPr lang="en-IN" sz="3200" b="1" i="1" dirty="0">
@@ -12517,19 +12597,7 @@
           <a:p>
             <a:r>
               <a:rPr lang="en-US" dirty="0"/>
-              <a:t>MongoDB documents are composed of </a:t>
-            </a:r>
-            <a:r>
-              <a:rPr lang="en-US" b="1" i="1" dirty="0">
-                <a:solidFill>
-                  <a:srgbClr val="036883"/>
-                </a:solidFill>
-              </a:rPr>
-              <a:t>field-and-value</a:t>
-            </a:r>
-            <a:r>
-              <a:rPr lang="en-US" dirty="0"/>
-              <a:t> pairs. The value of a field can be any of the BSON data types, including other documents, arrays, and arrays of documents.</a:t>
+              <a:t>Returns one document that satisfies the specified query criteria on the collection. If multiple documents satisfy the query, this method returns the first document according to the order in which order the documents are stored in the disk.</a:t>
             </a:r>
             <a:endParaRPr lang="en-IN" dirty="0"/>
           </a:p>
@@ -12537,82 +12605,14 @@
       </p:sp>
       <p:sp>
         <p:nvSpPr>
-          <p:cNvPr id="2" name="Rectangle 1"/>
+          <p:cNvPr id="4" name="Rectangle 3"/>
           <p:cNvSpPr/>
           <p:nvPr/>
         </p:nvSpPr>
         <p:spPr>
           <a:xfrm>
-            <a:off x="149188" y="1875420"/>
-            <a:ext cx="8845624" cy="646331"/>
-          </a:xfrm>
-          <a:prstGeom prst="rect">
-            <a:avLst/>
-          </a:prstGeom>
-        </p:spPr>
-        <p:txBody>
-          <a:bodyPr wrap="square">
-            <a:spAutoFit/>
-          </a:bodyPr>
-          <a:lstStyle/>
-          <a:p>
-            <a:r>
-              <a:rPr lang="en-US" dirty="0"/>
-              <a:t>The </a:t>
-            </a:r>
-            <a:r>
-              <a:rPr lang="en-US" b="1" i="1" dirty="0">
-                <a:solidFill>
-                  <a:srgbClr val="036883"/>
-                </a:solidFill>
-              </a:rPr>
-              <a:t>field name</a:t>
-            </a:r>
-            <a:r>
-              <a:rPr lang="en-US" dirty="0"/>
-              <a:t> </a:t>
-            </a:r>
-            <a:r>
-              <a:rPr lang="en-US" b="1" i="1" dirty="0">
-                <a:solidFill>
-                  <a:srgbClr val="C00000"/>
-                </a:solidFill>
-              </a:rPr>
-              <a:t>_</a:t>
-            </a:r>
-            <a:r>
-              <a:rPr lang="en-US" b="1" dirty="0">
-                <a:solidFill>
-                  <a:srgbClr val="C00000"/>
-                </a:solidFill>
-              </a:rPr>
-              <a:t>id</a:t>
-            </a:r>
-            <a:r>
-              <a:rPr lang="en-US" b="1" i="1" dirty="0">
-                <a:solidFill>
-                  <a:srgbClr val="C00000"/>
-                </a:solidFill>
-              </a:rPr>
-              <a:t> </a:t>
-            </a:r>
-            <a:r>
-              <a:rPr lang="en-US" dirty="0"/>
-              <a:t>is reserved for use as a primary key; its value must be unique in the collection, is immutable, and may be of any type other than an array.</a:t>
-            </a:r>
-          </a:p>
-        </p:txBody>
-      </p:sp>
-      <p:sp>
-        <p:nvSpPr>
-          <p:cNvPr id="3" name="Rectangle 2"/>
-          <p:cNvSpPr/>
-          <p:nvPr/>
-        </p:nvSpPr>
-        <p:spPr>
-          <a:xfrm>
-            <a:off x="184814" y="2971800"/>
-            <a:ext cx="2464136" cy="2031325"/>
+            <a:off x="154136" y="1868269"/>
+            <a:ext cx="5250155" cy="646331"/>
           </a:xfrm>
           <a:prstGeom prst="rect">
             <a:avLst/>
@@ -12632,34 +12632,28 @@
                 <a:latin typeface="Consolas" panose="020B0609020204030204" pitchFamily="49" charset="0"/>
                 <a:cs typeface="Calibri" panose="020F0502020204030204" pitchFamily="34" charset="0"/>
               </a:rPr>
-              <a:t>{</a:t>
-            </a:r>
-          </a:p>
-          <a:p>
-            <a:r>
-              <a:rPr lang="en-US" dirty="0">
+              <a:t>db ['emp'].</a:t>
+            </a:r>
+            <a:r>
+              <a:rPr lang="en-US" dirty="0" err="1" smtClean="0">
                 <a:solidFill>
                   <a:srgbClr val="049DC8"/>
                 </a:solidFill>
                 <a:latin typeface="Consolas" panose="020B0609020204030204" pitchFamily="49" charset="0"/>
                 <a:cs typeface="Calibri" panose="020F0502020204030204" pitchFamily="34" charset="0"/>
               </a:rPr>
-              <a:t>   field1: value1,</a:t>
-            </a:r>
-          </a:p>
-          <a:p>
-            <a:r>
-              <a:rPr lang="en-US" dirty="0">
+              <a:t>findOne</a:t>
+            </a:r>
+            <a:r>
+              <a:rPr lang="en-US" dirty="0" smtClean="0">
                 <a:solidFill>
                   <a:srgbClr val="049DC8"/>
                 </a:solidFill>
                 <a:latin typeface="Consolas" panose="020B0609020204030204" pitchFamily="49" charset="0"/>
                 <a:cs typeface="Calibri" panose="020F0502020204030204" pitchFamily="34" charset="0"/>
               </a:rPr>
-              <a:t>   field2: value2,</a:t>
-            </a:r>
-          </a:p>
-          <a:p>
+              <a:t>(query</a:t>
+            </a:r>
             <a:r>
               <a:rPr lang="en-US" dirty="0">
                 <a:solidFill>
@@ -12668,34 +12662,30 @@
                 <a:latin typeface="Consolas" panose="020B0609020204030204" pitchFamily="49" charset="0"/>
                 <a:cs typeface="Calibri" panose="020F0502020204030204" pitchFamily="34" charset="0"/>
               </a:rPr>
-              <a:t>   field3: value3,</a:t>
-            </a:r>
-          </a:p>
-          <a:p>
-            <a:r>
-              <a:rPr lang="en-US" dirty="0">
+              <a:t>, projection) </a:t>
+            </a:r>
+          </a:p>
+          <a:p>
+            <a:r>
+              <a:rPr lang="en-US" dirty="0" err="1" smtClean="0">
                 <a:solidFill>
                   <a:srgbClr val="049DC8"/>
                 </a:solidFill>
                 <a:latin typeface="Consolas" panose="020B0609020204030204" pitchFamily="49" charset="0"/>
                 <a:cs typeface="Calibri" panose="020F0502020204030204" pitchFamily="34" charset="0"/>
               </a:rPr>
-              <a:t>   ...</a:t>
-            </a:r>
-          </a:p>
-          <a:p>
-            <a:r>
-              <a:rPr lang="en-US" dirty="0">
+              <a:t>db.collection.findOne</a:t>
+            </a:r>
+            <a:r>
+              <a:rPr lang="en-US" dirty="0" smtClean="0">
                 <a:solidFill>
                   <a:srgbClr val="049DC8"/>
                 </a:solidFill>
                 <a:latin typeface="Consolas" panose="020B0609020204030204" pitchFamily="49" charset="0"/>
                 <a:cs typeface="Calibri" panose="020F0502020204030204" pitchFamily="34" charset="0"/>
               </a:rPr>
-              <a:t>   fieldN: valueN</a:t>
-            </a:r>
-          </a:p>
-          <a:p>
+              <a:t>(query</a:t>
+            </a:r>
             <a:r>
               <a:rPr lang="en-US" dirty="0">
                 <a:solidFill>
@@ -12704,7 +12694,7 @@
                 <a:latin typeface="Consolas" panose="020B0609020204030204" pitchFamily="49" charset="0"/>
                 <a:cs typeface="Calibri" panose="020F0502020204030204" pitchFamily="34" charset="0"/>
               </a:rPr>
-              <a:t>}</a:t>
+              <a:t>, projection)</a:t>
             </a:r>
           </a:p>
         </p:txBody>
@@ -12712,7 +12702,7 @@
     </p:spTree>
     <p:extLst>
       <p:ext uri="{BB962C8B-B14F-4D97-AF65-F5344CB8AC3E}">
-        <p14:creationId xmlns:p14="http://schemas.microsoft.com/office/powerpoint/2010/main" val="1707159998"/>
+        <p14:creationId xmlns:p14="http://schemas.microsoft.com/office/powerpoint/2010/main" val="611755139"/>
       </p:ext>
     </p:extLst>
   </p:cSld>
@@ -12748,21 +12738,69 @@
       </p:grpSpPr>
       <p:sp>
         <p:nvSpPr>
-          <p:cNvPr id="6" name="Rectangle 5"/>
+          <p:cNvPr id="2" name="Title 1"/>
+          <p:cNvSpPr txBox="1">
+            <a:spLocks/>
+          </p:cNvSpPr>
+          <p:nvPr/>
+        </p:nvSpPr>
+        <p:spPr>
+          <a:xfrm>
+            <a:off x="152400" y="2057400"/>
+            <a:ext cx="8839200" cy="838200"/>
+          </a:xfrm>
+          <a:prstGeom prst="rect">
+            <a:avLst/>
+          </a:prstGeom>
+        </p:spPr>
+        <p:txBody>
+          <a:bodyPr>
+            <a:noAutofit/>
+          </a:bodyPr>
+          <a:lstStyle>
+            <a:defPPr>
+              <a:defRPr lang="en-US"/>
+            </a:defPPr>
+            <a:lvl1pPr lvl="0" algn="ctr">
+              <a:spcBef>
+                <a:spcPct val="0"/>
+              </a:spcBef>
+              <a:defRPr sz="4800">
+                <a:solidFill>
+                  <a:srgbClr val="7EEEE3"/>
+                </a:solidFill>
+                <a:latin typeface="Segoe UI Light" panose="020B0502040204020203" pitchFamily="34" charset="0"/>
+                <a:cs typeface="Segoe UI Light" panose="020B0502040204020203" pitchFamily="34" charset="0"/>
+              </a:defRPr>
+            </a:lvl1pPr>
+          </a:lstStyle>
+          <a:p>
+            <a:r>
+              <a:rPr lang="en-IN" dirty="0" smtClean="0"/>
+              <a:t>document</a:t>
+            </a:r>
+            <a:endParaRPr lang="en-US" dirty="0"/>
+          </a:p>
+        </p:txBody>
+      </p:sp>
+      <p:sp>
+        <p:nvSpPr>
+          <p:cNvPr id="3" name="Rectangle 2"/>
           <p:cNvSpPr/>
           <p:nvPr/>
         </p:nvSpPr>
         <p:spPr>
           <a:xfrm>
-            <a:off x="0" y="0"/>
-            <a:ext cx="9144000" cy="584775"/>
+            <a:off x="419100" y="2861953"/>
+            <a:ext cx="8305800" cy="646331"/>
           </a:xfrm>
           <a:prstGeom prst="rect">
             <a:avLst/>
           </a:prstGeom>
           <a:solidFill>
-            <a:schemeClr val="accent4">
-              <a:lumMod val="75000"/>
+            <a:schemeClr val="accent6">
+              <a:lumMod val="20000"/>
+              <a:lumOff val="80000"/>
             </a:schemeClr>
           </a:solidFill>
         </p:spPr>
@@ -12772,73 +12810,37 @@
           </a:bodyPr>
           <a:lstStyle/>
           <a:p>
-            <a:pPr algn="r">
-              <a:spcBef>
-                <a:spcPct val="0"/>
-              </a:spcBef>
-            </a:pPr>
-            <a:r>
-              <a:rPr lang="en-IN" sz="3200" b="1" i="1" dirty="0" smtClean="0">
-                <a:solidFill>
-                  <a:srgbClr val="FFFF00"/>
-                </a:solidFill>
-                <a:latin typeface="Arial" pitchFamily="34" charset="0"/>
-                <a:cs typeface="Arial" pitchFamily="34" charset="0"/>
-              </a:rPr>
-              <a:t>document</a:t>
-            </a:r>
-            <a:r>
-              <a:rPr lang="en-IN" sz="3200" b="1" i="1" dirty="0">
-                <a:solidFill>
-                  <a:srgbClr val="FFFF00"/>
-                </a:solidFill>
-                <a:latin typeface="Arial" pitchFamily="34" charset="0"/>
-                <a:cs typeface="Arial" pitchFamily="34" charset="0"/>
-              </a:rPr>
-              <a:t> </a:t>
-            </a:r>
-          </a:p>
-        </p:txBody>
-      </p:sp>
-      <p:sp>
-        <p:nvSpPr>
-          <p:cNvPr id="7" name="Rectangle 6"/>
-          <p:cNvSpPr/>
-          <p:nvPr/>
-        </p:nvSpPr>
-        <p:spPr>
-          <a:xfrm>
-            <a:off x="149188" y="762000"/>
-            <a:ext cx="8845624" cy="369332"/>
-          </a:xfrm>
-          <a:prstGeom prst="rect">
-            <a:avLst/>
-          </a:prstGeom>
-        </p:spPr>
-        <p:txBody>
-          <a:bodyPr wrap="square">
-            <a:spAutoFit/>
-          </a:bodyPr>
-          <a:lstStyle/>
-          <a:p>
-            <a:r>
-              <a:rPr lang="en-US" dirty="0" smtClean="0"/>
-              <a:t>TODO</a:t>
-            </a:r>
-            <a:endParaRPr lang="en-IN" dirty="0"/>
+            <a:r>
+              <a:rPr lang="en-US" dirty="0">
+                <a:solidFill>
+                  <a:srgbClr val="222222"/>
+                </a:solidFill>
+                <a:latin typeface="arial" panose="020B0604020202020204" pitchFamily="34" charset="0"/>
+              </a:rPr>
+              <a:t>MongoDB stores data as BSON documents. BSON is a binary representation of JSON documents.</a:t>
+            </a:r>
+            <a:endParaRPr lang="en-US" dirty="0"/>
           </a:p>
         </p:txBody>
       </p:sp>
     </p:spTree>
     <p:extLst>
       <p:ext uri="{BB962C8B-B14F-4D97-AF65-F5344CB8AC3E}">
-        <p14:creationId xmlns:p14="http://schemas.microsoft.com/office/powerpoint/2010/main" val="3587670722"/>
+        <p14:creationId xmlns:p14="http://schemas.microsoft.com/office/powerpoint/2010/main" val="316225766"/>
       </p:ext>
     </p:extLst>
   </p:cSld>
   <p:clrMapOvr>
     <a:masterClrMapping/>
   </p:clrMapOvr>
+  <mc:AlternateContent xmlns:mc="http://schemas.openxmlformats.org/markup-compatibility/2006" xmlns:p14="http://schemas.microsoft.com/office/powerpoint/2010/main">
+    <mc:Choice Requires="p14">
+      <p:transition spd="slow" p14:dur="2000"/>
+    </mc:Choice>
+    <mc:Fallback xmlns="">
+      <p:transition spd="slow"/>
+    </mc:Fallback>
+  </mc:AlternateContent>
   <p:timing>
     <p:tnLst>
       <p:par>
@@ -12905,26 +12907,16 @@
                 <a:latin typeface="Arial" pitchFamily="34" charset="0"/>
                 <a:cs typeface="Arial" pitchFamily="34" charset="0"/>
               </a:rPr>
-              <a:t>MongoDB</a:t>
-            </a:r>
-            <a:r>
-              <a:rPr lang="en-US" sz="3200" b="1" i="1" dirty="0" smtClean="0">
+              <a:t>document</a:t>
+            </a:r>
+            <a:r>
+              <a:rPr lang="en-IN" sz="3200" b="1" i="1" dirty="0">
                 <a:solidFill>
                   <a:srgbClr val="FFFF00"/>
                 </a:solidFill>
                 <a:latin typeface="Arial" pitchFamily="34" charset="0"/>
                 <a:cs typeface="Arial" pitchFamily="34" charset="0"/>
               </a:rPr>
-              <a:t> </a:t>
-            </a:r>
-            <a:r>
-              <a:rPr lang="en-IN" sz="3200" b="1" i="1" dirty="0">
-                <a:solidFill>
-                  <a:srgbClr val="FFFF00"/>
-                </a:solidFill>
-                <a:latin typeface="Arial" pitchFamily="34" charset="0"/>
-                <a:cs typeface="Arial" pitchFamily="34" charset="0"/>
-              </a:rPr>
               <a:t> </a:t>
             </a:r>
           </a:p>
@@ -12939,7 +12931,7 @@
         <p:spPr>
           <a:xfrm>
             <a:off x="149188" y="762000"/>
-            <a:ext cx="8845624" cy="369332"/>
+            <a:ext cx="8845624" cy="923330"/>
           </a:xfrm>
           <a:prstGeom prst="rect">
             <a:avLst/>
@@ -12952,17 +12944,203 @@
           <a:lstStyle/>
           <a:p>
             <a:r>
-              <a:rPr lang="en-US" dirty="0" smtClean="0"/>
-              <a:t>TODO</a:t>
+              <a:rPr lang="en-US" dirty="0"/>
+              <a:t>MongoDB documents are composed of </a:t>
+            </a:r>
+            <a:r>
+              <a:rPr lang="en-US" b="1" i="1" dirty="0">
+                <a:solidFill>
+                  <a:srgbClr val="036883"/>
+                </a:solidFill>
+              </a:rPr>
+              <a:t>field-and-value</a:t>
+            </a:r>
+            <a:r>
+              <a:rPr lang="en-US" dirty="0"/>
+              <a:t> pairs. The value of a field can be any of the BSON data types, including other documents, arrays, and arrays of documents.</a:t>
             </a:r>
             <a:endParaRPr lang="en-IN" dirty="0"/>
+          </a:p>
+        </p:txBody>
+      </p:sp>
+      <p:sp>
+        <p:nvSpPr>
+          <p:cNvPr id="2" name="Rectangle 1"/>
+          <p:cNvSpPr/>
+          <p:nvPr/>
+        </p:nvSpPr>
+        <p:spPr>
+          <a:xfrm>
+            <a:off x="149188" y="1875420"/>
+            <a:ext cx="8845624" cy="646331"/>
+          </a:xfrm>
+          <a:prstGeom prst="rect">
+            <a:avLst/>
+          </a:prstGeom>
+        </p:spPr>
+        <p:txBody>
+          <a:bodyPr wrap="square">
+            <a:spAutoFit/>
+          </a:bodyPr>
+          <a:lstStyle/>
+          <a:p>
+            <a:r>
+              <a:rPr lang="en-US" dirty="0"/>
+              <a:t>The </a:t>
+            </a:r>
+            <a:r>
+              <a:rPr lang="en-US" b="1" i="1" dirty="0">
+                <a:solidFill>
+                  <a:srgbClr val="036883"/>
+                </a:solidFill>
+              </a:rPr>
+              <a:t>field name</a:t>
+            </a:r>
+            <a:r>
+              <a:rPr lang="en-US" dirty="0"/>
+              <a:t> </a:t>
+            </a:r>
+            <a:r>
+              <a:rPr lang="en-US" b="1" i="1" dirty="0">
+                <a:solidFill>
+                  <a:srgbClr val="C00000"/>
+                </a:solidFill>
+              </a:rPr>
+              <a:t>_</a:t>
+            </a:r>
+            <a:r>
+              <a:rPr lang="en-US" b="1" dirty="0">
+                <a:solidFill>
+                  <a:srgbClr val="C00000"/>
+                </a:solidFill>
+              </a:rPr>
+              <a:t>id</a:t>
+            </a:r>
+            <a:r>
+              <a:rPr lang="en-US" b="1" i="1" dirty="0">
+                <a:solidFill>
+                  <a:srgbClr val="C00000"/>
+                </a:solidFill>
+              </a:rPr>
+              <a:t> </a:t>
+            </a:r>
+            <a:r>
+              <a:rPr lang="en-US" dirty="0"/>
+              <a:t>is reserved for use as a primary key; its value must be unique in the collection, is immutable, and may be of any type other than an array.</a:t>
+            </a:r>
+          </a:p>
+        </p:txBody>
+      </p:sp>
+      <p:sp>
+        <p:nvSpPr>
+          <p:cNvPr id="3" name="Rectangle 2"/>
+          <p:cNvSpPr/>
+          <p:nvPr/>
+        </p:nvSpPr>
+        <p:spPr>
+          <a:xfrm>
+            <a:off x="184814" y="2971800"/>
+            <a:ext cx="2464136" cy="2031325"/>
+          </a:xfrm>
+          <a:prstGeom prst="rect">
+            <a:avLst/>
+          </a:prstGeom>
+        </p:spPr>
+        <p:txBody>
+          <a:bodyPr wrap="none">
+            <a:spAutoFit/>
+          </a:bodyPr>
+          <a:lstStyle/>
+          <a:p>
+            <a:r>
+              <a:rPr lang="en-US" dirty="0">
+                <a:solidFill>
+                  <a:srgbClr val="049DC8"/>
+                </a:solidFill>
+                <a:latin typeface="Consolas" panose="020B0609020204030204" pitchFamily="49" charset="0"/>
+                <a:cs typeface="Calibri" panose="020F0502020204030204" pitchFamily="34" charset="0"/>
+              </a:rPr>
+              <a:t>{</a:t>
+            </a:r>
+          </a:p>
+          <a:p>
+            <a:r>
+              <a:rPr lang="en-US" dirty="0">
+                <a:solidFill>
+                  <a:srgbClr val="049DC8"/>
+                </a:solidFill>
+                <a:latin typeface="Consolas" panose="020B0609020204030204" pitchFamily="49" charset="0"/>
+                <a:cs typeface="Calibri" panose="020F0502020204030204" pitchFamily="34" charset="0"/>
+              </a:rPr>
+              <a:t>   field1: value1,</a:t>
+            </a:r>
+          </a:p>
+          <a:p>
+            <a:r>
+              <a:rPr lang="en-US" dirty="0">
+                <a:solidFill>
+                  <a:srgbClr val="049DC8"/>
+                </a:solidFill>
+                <a:latin typeface="Consolas" panose="020B0609020204030204" pitchFamily="49" charset="0"/>
+                <a:cs typeface="Calibri" panose="020F0502020204030204" pitchFamily="34" charset="0"/>
+              </a:rPr>
+              <a:t>   field2: value2,</a:t>
+            </a:r>
+          </a:p>
+          <a:p>
+            <a:r>
+              <a:rPr lang="en-US" dirty="0">
+                <a:solidFill>
+                  <a:srgbClr val="049DC8"/>
+                </a:solidFill>
+                <a:latin typeface="Consolas" panose="020B0609020204030204" pitchFamily="49" charset="0"/>
+                <a:cs typeface="Calibri" panose="020F0502020204030204" pitchFamily="34" charset="0"/>
+              </a:rPr>
+              <a:t>   field3: value3,</a:t>
+            </a:r>
+          </a:p>
+          <a:p>
+            <a:r>
+              <a:rPr lang="en-US" dirty="0">
+                <a:solidFill>
+                  <a:srgbClr val="049DC8"/>
+                </a:solidFill>
+                <a:latin typeface="Consolas" panose="020B0609020204030204" pitchFamily="49" charset="0"/>
+                <a:cs typeface="Calibri" panose="020F0502020204030204" pitchFamily="34" charset="0"/>
+              </a:rPr>
+              <a:t>   ...</a:t>
+            </a:r>
+          </a:p>
+          <a:p>
+            <a:r>
+              <a:rPr lang="en-US" dirty="0">
+                <a:solidFill>
+                  <a:srgbClr val="049DC8"/>
+                </a:solidFill>
+                <a:latin typeface="Consolas" panose="020B0609020204030204" pitchFamily="49" charset="0"/>
+                <a:cs typeface="Calibri" panose="020F0502020204030204" pitchFamily="34" charset="0"/>
+              </a:rPr>
+              <a:t>   fieldN: valueN</a:t>
+            </a:r>
+          </a:p>
+          <a:p>
+            <a:r>
+              <a:rPr lang="en-US" dirty="0">
+                <a:solidFill>
+                  <a:srgbClr val="049DC8"/>
+                </a:solidFill>
+                <a:latin typeface="Consolas" panose="020B0609020204030204" pitchFamily="49" charset="0"/>
+                <a:cs typeface="Calibri" panose="020F0502020204030204" pitchFamily="34" charset="0"/>
+              </a:rPr>
+              <a:t>}</a:t>
+            </a:r>
           </a:p>
         </p:txBody>
       </p:sp>
     </p:spTree>
     <p:extLst>
       <p:ext uri="{BB962C8B-B14F-4D97-AF65-F5344CB8AC3E}">
-        <p14:creationId xmlns:p14="http://schemas.microsoft.com/office/powerpoint/2010/main" val="250252946"/>
+        <p14:creationId xmlns:p14="http://schemas.microsoft.com/office/powerpoint/2010/main" val="1707159998"/>
       </p:ext>
     </p:extLst>
   </p:cSld>
@@ -13035,17 +13213,7 @@
                 <a:latin typeface="Arial" pitchFamily="34" charset="0"/>
                 <a:cs typeface="Arial" pitchFamily="34" charset="0"/>
               </a:rPr>
-              <a:t>MongoDB</a:t>
-            </a:r>
-            <a:r>
-              <a:rPr lang="en-US" sz="3200" b="1" i="1" dirty="0" smtClean="0">
-                <a:solidFill>
-                  <a:srgbClr val="FFFF00"/>
-                </a:solidFill>
-                <a:latin typeface="Arial" pitchFamily="34" charset="0"/>
-                <a:cs typeface="Arial" pitchFamily="34" charset="0"/>
-              </a:rPr>
-              <a:t> </a:t>
+              <a:t>document</a:t>
             </a:r>
             <a:r>
               <a:rPr lang="en-IN" sz="3200" b="1" i="1" dirty="0">
@@ -13092,7 +13260,7 @@
     </p:spTree>
     <p:extLst>
       <p:ext uri="{BB962C8B-B14F-4D97-AF65-F5344CB8AC3E}">
-        <p14:creationId xmlns:p14="http://schemas.microsoft.com/office/powerpoint/2010/main" val="895975297"/>
+        <p14:creationId xmlns:p14="http://schemas.microsoft.com/office/powerpoint/2010/main" val="3587670722"/>
       </p:ext>
     </p:extLst>
   </p:cSld>
@@ -13222,7 +13390,7 @@
     </p:spTree>
     <p:extLst>
       <p:ext uri="{BB962C8B-B14F-4D97-AF65-F5344CB8AC3E}">
-        <p14:creationId xmlns:p14="http://schemas.microsoft.com/office/powerpoint/2010/main" val="1785036271"/>
+        <p14:creationId xmlns:p14="http://schemas.microsoft.com/office/powerpoint/2010/main" val="250252946"/>
       </p:ext>
     </p:extLst>
   </p:cSld>
@@ -13598,7 +13766,7 @@
     </p:spTree>
     <p:extLst>
       <p:ext uri="{BB962C8B-B14F-4D97-AF65-F5344CB8AC3E}">
-        <p14:creationId xmlns:p14="http://schemas.microsoft.com/office/powerpoint/2010/main" val="2324753550"/>
+        <p14:creationId xmlns:p14="http://schemas.microsoft.com/office/powerpoint/2010/main" val="895975297"/>
       </p:ext>
     </p:extLst>
   </p:cSld>
@@ -13728,7 +13896,7 @@
     </p:spTree>
     <p:extLst>
       <p:ext uri="{BB962C8B-B14F-4D97-AF65-F5344CB8AC3E}">
-        <p14:creationId xmlns:p14="http://schemas.microsoft.com/office/powerpoint/2010/main" val="159175200"/>
+        <p14:creationId xmlns:p14="http://schemas.microsoft.com/office/powerpoint/2010/main" val="1785036271"/>
       </p:ext>
     </p:extLst>
   </p:cSld>
@@ -13858,7 +14026,7 @@
     </p:spTree>
     <p:extLst>
       <p:ext uri="{BB962C8B-B14F-4D97-AF65-F5344CB8AC3E}">
-        <p14:creationId xmlns:p14="http://schemas.microsoft.com/office/powerpoint/2010/main" val="4200858574"/>
+        <p14:creationId xmlns:p14="http://schemas.microsoft.com/office/powerpoint/2010/main" val="2324753550"/>
       </p:ext>
     </p:extLst>
   </p:cSld>
@@ -13988,7 +14156,7 @@
     </p:spTree>
     <p:extLst>
       <p:ext uri="{BB962C8B-B14F-4D97-AF65-F5344CB8AC3E}">
-        <p14:creationId xmlns:p14="http://schemas.microsoft.com/office/powerpoint/2010/main" val="2535387021"/>
+        <p14:creationId xmlns:p14="http://schemas.microsoft.com/office/powerpoint/2010/main" val="159175200"/>
       </p:ext>
     </p:extLst>
   </p:cSld>
@@ -14118,7 +14286,7 @@
     </p:spTree>
     <p:extLst>
       <p:ext uri="{BB962C8B-B14F-4D97-AF65-F5344CB8AC3E}">
-        <p14:creationId xmlns:p14="http://schemas.microsoft.com/office/powerpoint/2010/main" val="3372373110"/>
+        <p14:creationId xmlns:p14="http://schemas.microsoft.com/office/powerpoint/2010/main" val="4200858574"/>
       </p:ext>
     </p:extLst>
   </p:cSld>
@@ -14248,7 +14416,7 @@
     </p:spTree>
     <p:extLst>
       <p:ext uri="{BB962C8B-B14F-4D97-AF65-F5344CB8AC3E}">
-        <p14:creationId xmlns:p14="http://schemas.microsoft.com/office/powerpoint/2010/main" val="1298561359"/>
+        <p14:creationId xmlns:p14="http://schemas.microsoft.com/office/powerpoint/2010/main" val="2535387021"/>
       </p:ext>
     </p:extLst>
   </p:cSld>
@@ -14378,7 +14546,7 @@
     </p:spTree>
     <p:extLst>
       <p:ext uri="{BB962C8B-B14F-4D97-AF65-F5344CB8AC3E}">
-        <p14:creationId xmlns:p14="http://schemas.microsoft.com/office/powerpoint/2010/main" val="2767122750"/>
+        <p14:creationId xmlns:p14="http://schemas.microsoft.com/office/powerpoint/2010/main" val="3372373110"/>
       </p:ext>
     </p:extLst>
   </p:cSld>
@@ -14508,7 +14676,7 @@
     </p:spTree>
     <p:extLst>
       <p:ext uri="{BB962C8B-B14F-4D97-AF65-F5344CB8AC3E}">
-        <p14:creationId xmlns:p14="http://schemas.microsoft.com/office/powerpoint/2010/main" val="3923222660"/>
+        <p14:creationId xmlns:p14="http://schemas.microsoft.com/office/powerpoint/2010/main" val="1298561359"/>
       </p:ext>
     </p:extLst>
   </p:cSld>
@@ -14638,7 +14806,7 @@
     </p:spTree>
     <p:extLst>
       <p:ext uri="{BB962C8B-B14F-4D97-AF65-F5344CB8AC3E}">
-        <p14:creationId xmlns:p14="http://schemas.microsoft.com/office/powerpoint/2010/main" val="166747101"/>
+        <p14:creationId xmlns:p14="http://schemas.microsoft.com/office/powerpoint/2010/main" val="2767122750"/>
       </p:ext>
     </p:extLst>
   </p:cSld>
@@ -14768,7 +14936,7 @@
     </p:spTree>
     <p:extLst>
       <p:ext uri="{BB962C8B-B14F-4D97-AF65-F5344CB8AC3E}">
-        <p14:creationId xmlns:p14="http://schemas.microsoft.com/office/powerpoint/2010/main" val="924942284"/>
+        <p14:creationId xmlns:p14="http://schemas.microsoft.com/office/powerpoint/2010/main" val="3923222660"/>
       </p:ext>
     </p:extLst>
   </p:cSld>
@@ -15442,7 +15610,7 @@
     </p:spTree>
     <p:extLst>
       <p:ext uri="{BB962C8B-B14F-4D97-AF65-F5344CB8AC3E}">
-        <p14:creationId xmlns:p14="http://schemas.microsoft.com/office/powerpoint/2010/main" val="3259065627"/>
+        <p14:creationId xmlns:p14="http://schemas.microsoft.com/office/powerpoint/2010/main" val="166747101"/>
       </p:ext>
     </p:extLst>
   </p:cSld>
@@ -15572,7 +15740,7 @@
     </p:spTree>
     <p:extLst>
       <p:ext uri="{BB962C8B-B14F-4D97-AF65-F5344CB8AC3E}">
-        <p14:creationId xmlns:p14="http://schemas.microsoft.com/office/powerpoint/2010/main" val="3171492564"/>
+        <p14:creationId xmlns:p14="http://schemas.microsoft.com/office/powerpoint/2010/main" val="924942284"/>
       </p:ext>
     </p:extLst>
   </p:cSld>
@@ -15702,7 +15870,7 @@
     </p:spTree>
     <p:extLst>
       <p:ext uri="{BB962C8B-B14F-4D97-AF65-F5344CB8AC3E}">
-        <p14:creationId xmlns:p14="http://schemas.microsoft.com/office/powerpoint/2010/main" val="2780407736"/>
+        <p14:creationId xmlns:p14="http://schemas.microsoft.com/office/powerpoint/2010/main" val="3259065627"/>
       </p:ext>
     </p:extLst>
   </p:cSld>
@@ -15832,7 +16000,7 @@
     </p:spTree>
     <p:extLst>
       <p:ext uri="{BB962C8B-B14F-4D97-AF65-F5344CB8AC3E}">
-        <p14:creationId xmlns:p14="http://schemas.microsoft.com/office/powerpoint/2010/main" val="848474725"/>
+        <p14:creationId xmlns:p14="http://schemas.microsoft.com/office/powerpoint/2010/main" val="3171492564"/>
       </p:ext>
     </p:extLst>
   </p:cSld>
@@ -15962,7 +16130,7 @@
     </p:spTree>
     <p:extLst>
       <p:ext uri="{BB962C8B-B14F-4D97-AF65-F5344CB8AC3E}">
-        <p14:creationId xmlns:p14="http://schemas.microsoft.com/office/powerpoint/2010/main" val="4030158449"/>
+        <p14:creationId xmlns:p14="http://schemas.microsoft.com/office/powerpoint/2010/main" val="2780407736"/>
       </p:ext>
     </p:extLst>
   </p:cSld>
@@ -16092,7 +16260,7 @@
     </p:spTree>
     <p:extLst>
       <p:ext uri="{BB962C8B-B14F-4D97-AF65-F5344CB8AC3E}">
-        <p14:creationId xmlns:p14="http://schemas.microsoft.com/office/powerpoint/2010/main" val="1708605334"/>
+        <p14:creationId xmlns:p14="http://schemas.microsoft.com/office/powerpoint/2010/main" val="848474725"/>
       </p:ext>
     </p:extLst>
   </p:cSld>
@@ -16222,7 +16390,7 @@
     </p:spTree>
     <p:extLst>
       <p:ext uri="{BB962C8B-B14F-4D97-AF65-F5344CB8AC3E}">
-        <p14:creationId xmlns:p14="http://schemas.microsoft.com/office/powerpoint/2010/main" val="1478242473"/>
+        <p14:creationId xmlns:p14="http://schemas.microsoft.com/office/powerpoint/2010/main" val="4030158449"/>
       </p:ext>
     </p:extLst>
   </p:cSld>
@@ -16352,7 +16520,7 @@
     </p:spTree>
     <p:extLst>
       <p:ext uri="{BB962C8B-B14F-4D97-AF65-F5344CB8AC3E}">
-        <p14:creationId xmlns:p14="http://schemas.microsoft.com/office/powerpoint/2010/main" val="2136286712"/>
+        <p14:creationId xmlns:p14="http://schemas.microsoft.com/office/powerpoint/2010/main" val="1708605334"/>
       </p:ext>
     </p:extLst>
   </p:cSld>
@@ -16482,7 +16650,7 @@
     </p:spTree>
     <p:extLst>
       <p:ext uri="{BB962C8B-B14F-4D97-AF65-F5344CB8AC3E}">
-        <p14:creationId xmlns:p14="http://schemas.microsoft.com/office/powerpoint/2010/main" val="160110094"/>
+        <p14:creationId xmlns:p14="http://schemas.microsoft.com/office/powerpoint/2010/main" val="1478242473"/>
       </p:ext>
     </p:extLst>
   </p:cSld>
@@ -16612,7 +16780,7 @@
     </p:spTree>
     <p:extLst>
       <p:ext uri="{BB962C8B-B14F-4D97-AF65-F5344CB8AC3E}">
-        <p14:creationId xmlns:p14="http://schemas.microsoft.com/office/powerpoint/2010/main" val="1060267809"/>
+        <p14:creationId xmlns:p14="http://schemas.microsoft.com/office/powerpoint/2010/main" val="2136286712"/>
       </p:ext>
     </p:extLst>
   </p:cSld>
@@ -16938,7 +17106,7 @@
     </p:spTree>
     <p:extLst>
       <p:ext uri="{BB962C8B-B14F-4D97-AF65-F5344CB8AC3E}">
-        <p14:creationId xmlns:p14="http://schemas.microsoft.com/office/powerpoint/2010/main" val="1137647517"/>
+        <p14:creationId xmlns:p14="http://schemas.microsoft.com/office/powerpoint/2010/main" val="160110094"/>
       </p:ext>
     </p:extLst>
   </p:cSld>
@@ -17068,7 +17236,7 @@
     </p:spTree>
     <p:extLst>
       <p:ext uri="{BB962C8B-B14F-4D97-AF65-F5344CB8AC3E}">
-        <p14:creationId xmlns:p14="http://schemas.microsoft.com/office/powerpoint/2010/main" val="3052086859"/>
+        <p14:creationId xmlns:p14="http://schemas.microsoft.com/office/powerpoint/2010/main" val="1060267809"/>
       </p:ext>
     </p:extLst>
   </p:cSld>
@@ -17198,7 +17366,7 @@
     </p:spTree>
     <p:extLst>
       <p:ext uri="{BB962C8B-B14F-4D97-AF65-F5344CB8AC3E}">
-        <p14:creationId xmlns:p14="http://schemas.microsoft.com/office/powerpoint/2010/main" val="1097272351"/>
+        <p14:creationId xmlns:p14="http://schemas.microsoft.com/office/powerpoint/2010/main" val="1137647517"/>
       </p:ext>
     </p:extLst>
   </p:cSld>
@@ -17328,7 +17496,7 @@
     </p:spTree>
     <p:extLst>
       <p:ext uri="{BB962C8B-B14F-4D97-AF65-F5344CB8AC3E}">
-        <p14:creationId xmlns:p14="http://schemas.microsoft.com/office/powerpoint/2010/main" val="1587220367"/>
+        <p14:creationId xmlns:p14="http://schemas.microsoft.com/office/powerpoint/2010/main" val="3052086859"/>
       </p:ext>
     </p:extLst>
   </p:cSld>
@@ -17458,7 +17626,7 @@
     </p:spTree>
     <p:extLst>
       <p:ext uri="{BB962C8B-B14F-4D97-AF65-F5344CB8AC3E}">
-        <p14:creationId xmlns:p14="http://schemas.microsoft.com/office/powerpoint/2010/main" val="1863467568"/>
+        <p14:creationId xmlns:p14="http://schemas.microsoft.com/office/powerpoint/2010/main" val="1097272351"/>
       </p:ext>
     </p:extLst>
   </p:cSld>
@@ -17588,7 +17756,7 @@
     </p:spTree>
     <p:extLst>
       <p:ext uri="{BB962C8B-B14F-4D97-AF65-F5344CB8AC3E}">
-        <p14:creationId xmlns:p14="http://schemas.microsoft.com/office/powerpoint/2010/main" val="1971192509"/>
+        <p14:creationId xmlns:p14="http://schemas.microsoft.com/office/powerpoint/2010/main" val="1587220367"/>
       </p:ext>
     </p:extLst>
   </p:cSld>
@@ -17624,7 +17792,7 @@
       </p:grpSpPr>
       <p:sp>
         <p:nvSpPr>
-          <p:cNvPr id="4" name="Rectangle 3"/>
+          <p:cNvPr id="6" name="Rectangle 5"/>
           <p:cNvSpPr/>
           <p:nvPr/>
         </p:nvSpPr>
@@ -17637,8 +17805,8 @@
             <a:avLst/>
           </a:prstGeom>
           <a:solidFill>
-            <a:schemeClr val="bg2">
-              <a:lumMod val="10000"/>
+            <a:schemeClr val="accent4">
+              <a:lumMod val="75000"/>
             </a:schemeClr>
           </a:solidFill>
         </p:spPr>
@@ -17648,7 +17816,11 @@
           </a:bodyPr>
           <a:lstStyle/>
           <a:p>
-            <a:pPr algn="r"/>
+            <a:pPr algn="r">
+              <a:spcBef>
+                <a:spcPct val="0"/>
+              </a:spcBef>
+            </a:pPr>
             <a:r>
               <a:rPr lang="en-IN" sz="3200" b="1" i="1" dirty="0" smtClean="0">
                 <a:solidFill>
@@ -17657,27 +17829,40 @@
                 <a:latin typeface="Arial" pitchFamily="34" charset="0"/>
                 <a:cs typeface="Arial" pitchFamily="34" charset="0"/>
               </a:rPr>
-              <a:t>IMP</a:t>
-            </a:r>
-            <a:endParaRPr lang="en-IN" sz="3200" b="1" i="1" dirty="0">
-              <a:solidFill>
-                <a:srgbClr val="FFFF00"/>
-              </a:solidFill>
-              <a:latin typeface="Arial" pitchFamily="34" charset="0"/>
-              <a:cs typeface="Arial" pitchFamily="34" charset="0"/>
-            </a:endParaRPr>
-          </a:p>
-        </p:txBody>
-      </p:sp>
-      <p:sp>
-        <p:nvSpPr>
-          <p:cNvPr id="2" name="Rectangle 1"/>
+              <a:t>MongoDB</a:t>
+            </a:r>
+            <a:r>
+              <a:rPr lang="en-US" sz="3200" b="1" i="1" dirty="0" smtClean="0">
+                <a:solidFill>
+                  <a:srgbClr val="FFFF00"/>
+                </a:solidFill>
+                <a:latin typeface="Arial" pitchFamily="34" charset="0"/>
+                <a:cs typeface="Arial" pitchFamily="34" charset="0"/>
+              </a:rPr>
+              <a:t> </a:t>
+            </a:r>
+            <a:r>
+              <a:rPr lang="en-IN" sz="3200" b="1" i="1" dirty="0">
+                <a:solidFill>
+                  <a:srgbClr val="FFFF00"/>
+                </a:solidFill>
+                <a:latin typeface="Arial" pitchFamily="34" charset="0"/>
+                <a:cs typeface="Arial" pitchFamily="34" charset="0"/>
+              </a:rPr>
+              <a:t> </a:t>
+            </a:r>
+          </a:p>
+        </p:txBody>
+      </p:sp>
+      <p:sp>
+        <p:nvSpPr>
+          <p:cNvPr id="7" name="Rectangle 6"/>
           <p:cNvSpPr/>
           <p:nvPr/>
         </p:nvSpPr>
         <p:spPr>
           <a:xfrm>
-            <a:off x="145976" y="849264"/>
+            <a:off x="149188" y="762000"/>
             <a:ext cx="8845624" cy="369332"/>
           </a:xfrm>
           <a:prstGeom prst="rect">
@@ -17691,153 +17876,17 @@
           <a:lstStyle/>
           <a:p>
             <a:r>
-              <a:rPr lang="en-IN" dirty="0" smtClean="0">
-                <a:solidFill>
-                  <a:srgbClr val="222222"/>
-                </a:solidFill>
-                <a:latin typeface="Verdana" panose="020B0604030504040204" pitchFamily="34" charset="0"/>
-              </a:rPr>
-              <a:t>1. Think </a:t>
-            </a:r>
-            <a:r>
-              <a:rPr lang="en-IN" dirty="0">
-                <a:solidFill>
-                  <a:srgbClr val="222222"/>
-                </a:solidFill>
-                <a:latin typeface="Verdana" panose="020B0604030504040204" pitchFamily="34" charset="0"/>
-              </a:rPr>
-              <a:t>about how multiplication can be done without actually </a:t>
-            </a:r>
-            <a:r>
-              <a:rPr lang="en-IN" dirty="0" smtClean="0">
-                <a:solidFill>
-                  <a:srgbClr val="222222"/>
-                </a:solidFill>
-                <a:latin typeface="Verdana" panose="020B0604030504040204" pitchFamily="34" charset="0"/>
-              </a:rPr>
-              <a:t>multiplying </a:t>
+              <a:rPr lang="en-US" dirty="0" smtClean="0"/>
+              <a:t>TODO</a:t>
             </a:r>
             <a:endParaRPr lang="en-IN" dirty="0"/>
           </a:p>
         </p:txBody>
       </p:sp>
-      <p:sp>
-        <p:nvSpPr>
-          <p:cNvPr id="3" name="TextBox 2"/>
-          <p:cNvSpPr txBox="1"/>
-          <p:nvPr/>
-        </p:nvSpPr>
-        <p:spPr>
-          <a:xfrm>
-            <a:off x="990600" y="2514600"/>
-            <a:ext cx="184731" cy="369332"/>
-          </a:xfrm>
-          <a:prstGeom prst="rect">
-            <a:avLst/>
-          </a:prstGeom>
-          <a:noFill/>
-        </p:spPr>
-        <p:txBody>
-          <a:bodyPr wrap="none" rtlCol="0">
-            <a:spAutoFit/>
-          </a:bodyPr>
-          <a:lstStyle/>
-          <a:p>
-            <a:endParaRPr lang="en-IN" dirty="0"/>
-          </a:p>
-        </p:txBody>
-      </p:sp>
-      <p:pic>
-        <p:nvPicPr>
-          <p:cNvPr id="5" name="Picture 4"/>
-          <p:cNvPicPr>
-            <a:picLocks noChangeAspect="1"/>
-          </p:cNvPicPr>
-          <p:nvPr/>
-        </p:nvPicPr>
-        <p:blipFill>
-          <a:blip r:embed="rId2"/>
-          <a:stretch>
-            <a:fillRect/>
-          </a:stretch>
-        </p:blipFill>
-        <p:spPr>
-          <a:xfrm>
-            <a:off x="304800" y="3700361"/>
-            <a:ext cx="4648200" cy="2471839"/>
-          </a:xfrm>
-          <a:prstGeom prst="rect">
-            <a:avLst/>
-          </a:prstGeom>
-        </p:spPr>
-      </p:pic>
-      <p:sp>
-        <p:nvSpPr>
-          <p:cNvPr id="6" name="Rectangle 5"/>
-          <p:cNvSpPr/>
-          <p:nvPr/>
-        </p:nvSpPr>
-        <p:spPr>
-          <a:xfrm>
-            <a:off x="145976" y="3243552"/>
-            <a:ext cx="1317990" cy="369332"/>
-          </a:xfrm>
-          <a:prstGeom prst="rect">
-            <a:avLst/>
-          </a:prstGeom>
-        </p:spPr>
-        <p:txBody>
-          <a:bodyPr wrap="none">
-            <a:spAutoFit/>
-          </a:bodyPr>
-          <a:lstStyle/>
-          <a:p>
-            <a:r>
-              <a:rPr lang="en-IN" dirty="0" smtClean="0">
-                <a:solidFill>
-                  <a:srgbClr val="222222"/>
-                </a:solidFill>
-                <a:latin typeface="Verdana" panose="020B0604030504040204" pitchFamily="34" charset="0"/>
-              </a:rPr>
-              <a:t>2. Square</a:t>
-            </a:r>
-            <a:endParaRPr lang="en-IN" dirty="0">
-              <a:solidFill>
-                <a:srgbClr val="222222"/>
-              </a:solidFill>
-              <a:latin typeface="Verdana" panose="020B0604030504040204" pitchFamily="34" charset="0"/>
-            </a:endParaRPr>
-          </a:p>
-        </p:txBody>
-      </p:sp>
-      <p:pic>
-        <p:nvPicPr>
-          <p:cNvPr id="8" name="Picture 7"/>
-          <p:cNvPicPr>
-            <a:picLocks noChangeAspect="1"/>
-          </p:cNvPicPr>
-          <p:nvPr/>
-        </p:nvPicPr>
-        <p:blipFill>
-          <a:blip r:embed="rId3"/>
-          <a:stretch>
-            <a:fillRect/>
-          </a:stretch>
-        </p:blipFill>
-        <p:spPr>
-          <a:xfrm>
-            <a:off x="533400" y="1250647"/>
-            <a:ext cx="4495800" cy="1883657"/>
-          </a:xfrm>
-          <a:prstGeom prst="rect">
-            <a:avLst/>
-          </a:prstGeom>
-        </p:spPr>
-      </p:pic>
     </p:spTree>
     <p:extLst>
       <p:ext uri="{BB962C8B-B14F-4D97-AF65-F5344CB8AC3E}">
-        <p14:creationId xmlns:p14="http://schemas.microsoft.com/office/powerpoint/2010/main" val="3391323119"/>
+        <p14:creationId xmlns:p14="http://schemas.microsoft.com/office/powerpoint/2010/main" val="1863467568"/>
       </p:ext>
     </p:extLst>
   </p:cSld>
@@ -17871,61 +17920,25 @@
           <a:chExt cx="0" cy="0"/>
         </a:xfrm>
       </p:grpSpPr>
-      <p:pic>
-        <p:nvPicPr>
-          <p:cNvPr id="1026" name="Picture 2" descr="http://www.bvctch.vn/vnt_upload/weblink/thks.jpg"/>
-          <p:cNvPicPr>
-            <a:picLocks noChangeAspect="1" noChangeArrowheads="1"/>
-          </p:cNvPicPr>
-          <p:nvPr/>
-        </p:nvPicPr>
-        <p:blipFill>
-          <a:blip r:embed="rId2">
-            <a:extLst>
-              <a:ext uri="{28A0092B-C50C-407E-A947-70E740481C1C}">
-                <a14:useLocalDpi xmlns:a14="http://schemas.microsoft.com/office/drawing/2010/main" val="0"/>
-              </a:ext>
-            </a:extLst>
-          </a:blip>
-          <a:srcRect/>
-          <a:stretch>
-            <a:fillRect/>
-          </a:stretch>
-        </p:blipFill>
-        <p:spPr bwMode="auto">
-          <a:xfrm>
-            <a:off x="2895600" y="757237"/>
-            <a:ext cx="3124200" cy="4881563"/>
-          </a:xfrm>
-          <a:prstGeom prst="rect">
-            <a:avLst/>
-          </a:prstGeom>
-          <a:noFill/>
-          <a:extLst>
-            <a:ext uri="{909E8E84-426E-40DD-AFC4-6F175D3DCCD1}">
-              <a14:hiddenFill xmlns:a14="http://schemas.microsoft.com/office/drawing/2010/main">
-                <a:solidFill>
-                  <a:srgbClr val="FFFFFF"/>
-                </a:solidFill>
-              </a14:hiddenFill>
-            </a:ext>
-          </a:extLst>
-        </p:spPr>
-      </p:pic>
-      <p:sp>
-        <p:nvSpPr>
-          <p:cNvPr id="3" name="Rectangle 2"/>
+      <p:sp>
+        <p:nvSpPr>
+          <p:cNvPr id="6" name="Rectangle 5"/>
           <p:cNvSpPr/>
           <p:nvPr/>
         </p:nvSpPr>
         <p:spPr>
           <a:xfrm>
-            <a:off x="304800" y="5105400"/>
-            <a:ext cx="8610600" cy="1077218"/>
-          </a:xfrm>
-          <a:prstGeom prst="rect">
-            <a:avLst/>
-          </a:prstGeom>
+            <a:off x="0" y="0"/>
+            <a:ext cx="9144000" cy="584775"/>
+          </a:xfrm>
+          <a:prstGeom prst="rect">
+            <a:avLst/>
+          </a:prstGeom>
+          <a:solidFill>
+            <a:schemeClr val="accent4">
+              <a:lumMod val="75000"/>
+            </a:schemeClr>
+          </a:solidFill>
         </p:spPr>
         <p:txBody>
           <a:bodyPr wrap="square">
@@ -17933,35 +17946,77 @@
           </a:bodyPr>
           <a:lstStyle/>
           <a:p>
-            <a:pPr algn="ctr"/>
-            <a:r>
-              <a:rPr lang="en-IN" sz="3200" dirty="0">
-                <a:solidFill>
-                  <a:srgbClr val="FE1212"/>
-                </a:solidFill>
-                <a:latin typeface="Segoe Print" panose="02000600000000000000" pitchFamily="2" charset="0"/>
-              </a:rPr>
-              <a:t>"Live as if you were to die tomorrow.</a:t>
-            </a:r>
-          </a:p>
-          <a:p>
-            <a:pPr algn="ctr"/>
-            <a:r>
-              <a:rPr lang="en-IN" sz="3200" dirty="0">
-                <a:solidFill>
-                  <a:srgbClr val="FE1212"/>
-                </a:solidFill>
-                <a:latin typeface="Segoe Print" panose="02000600000000000000" pitchFamily="2" charset="0"/>
-              </a:rPr>
-              <a:t>Learn as if you were to live forever"</a:t>
-            </a:r>
+            <a:pPr algn="r">
+              <a:spcBef>
+                <a:spcPct val="0"/>
+              </a:spcBef>
+            </a:pPr>
+            <a:r>
+              <a:rPr lang="en-IN" sz="3200" b="1" i="1" dirty="0" smtClean="0">
+                <a:solidFill>
+                  <a:srgbClr val="FFFF00"/>
+                </a:solidFill>
+                <a:latin typeface="Arial" pitchFamily="34" charset="0"/>
+                <a:cs typeface="Arial" pitchFamily="34" charset="0"/>
+              </a:rPr>
+              <a:t>MongoDB</a:t>
+            </a:r>
+            <a:r>
+              <a:rPr lang="en-US" sz="3200" b="1" i="1" dirty="0" smtClean="0">
+                <a:solidFill>
+                  <a:srgbClr val="FFFF00"/>
+                </a:solidFill>
+                <a:latin typeface="Arial" pitchFamily="34" charset="0"/>
+                <a:cs typeface="Arial" pitchFamily="34" charset="0"/>
+              </a:rPr>
+              <a:t> </a:t>
+            </a:r>
+            <a:r>
+              <a:rPr lang="en-IN" sz="3200" b="1" i="1" dirty="0">
+                <a:solidFill>
+                  <a:srgbClr val="FFFF00"/>
+                </a:solidFill>
+                <a:latin typeface="Arial" pitchFamily="34" charset="0"/>
+                <a:cs typeface="Arial" pitchFamily="34" charset="0"/>
+              </a:rPr>
+              <a:t> </a:t>
+            </a:r>
+          </a:p>
+        </p:txBody>
+      </p:sp>
+      <p:sp>
+        <p:nvSpPr>
+          <p:cNvPr id="7" name="Rectangle 6"/>
+          <p:cNvSpPr/>
+          <p:nvPr/>
+        </p:nvSpPr>
+        <p:spPr>
+          <a:xfrm>
+            <a:off x="149188" y="762000"/>
+            <a:ext cx="8845624" cy="369332"/>
+          </a:xfrm>
+          <a:prstGeom prst="rect">
+            <a:avLst/>
+          </a:prstGeom>
+        </p:spPr>
+        <p:txBody>
+          <a:bodyPr wrap="square">
+            <a:spAutoFit/>
+          </a:bodyPr>
+          <a:lstStyle/>
+          <a:p>
+            <a:r>
+              <a:rPr lang="en-US" dirty="0" smtClean="0"/>
+              <a:t>TODO</a:t>
+            </a:r>
+            <a:endParaRPr lang="en-IN" dirty="0"/>
           </a:p>
         </p:txBody>
       </p:sp>
     </p:spTree>
     <p:extLst>
       <p:ext uri="{BB962C8B-B14F-4D97-AF65-F5344CB8AC3E}">
-        <p14:creationId xmlns:p14="http://schemas.microsoft.com/office/powerpoint/2010/main" val="1148130326"/>
+        <p14:creationId xmlns:p14="http://schemas.microsoft.com/office/powerpoint/2010/main" val="1971192509"/>
       </p:ext>
     </p:extLst>
   </p:cSld>
@@ -17997,18 +18052,23 @@
       </p:grpSpPr>
       <p:sp>
         <p:nvSpPr>
-          <p:cNvPr id="3" name="Rectangle 2"/>
+          <p:cNvPr id="4" name="Rectangle 3"/>
           <p:cNvSpPr/>
           <p:nvPr/>
         </p:nvSpPr>
         <p:spPr>
           <a:xfrm>
-            <a:off x="304800" y="1981200"/>
-            <a:ext cx="8305800" cy="1754326"/>
-          </a:xfrm>
-          <a:prstGeom prst="rect">
-            <a:avLst/>
-          </a:prstGeom>
+            <a:off x="0" y="0"/>
+            <a:ext cx="9144000" cy="584775"/>
+          </a:xfrm>
+          <a:prstGeom prst="rect">
+            <a:avLst/>
+          </a:prstGeom>
+          <a:solidFill>
+            <a:schemeClr val="bg2">
+              <a:lumMod val="10000"/>
+            </a:schemeClr>
+          </a:solidFill>
         </p:spPr>
         <p:txBody>
           <a:bodyPr wrap="square">
@@ -18016,66 +18076,209 @@
           </a:bodyPr>
           <a:lstStyle/>
           <a:p>
-            <a:r>
-              <a:rPr lang="en-US" dirty="0"/>
-              <a:t>The ALTER TABLE...DROP UNUSED COLUMNS statement is the only action allowed on unused columns. It physically removes unused columns from the table and reclaims disk space</a:t>
-            </a:r>
-            <a:r>
-              <a:rPr lang="en-US" dirty="0" smtClean="0"/>
-              <a:t>.</a:t>
-            </a:r>
-          </a:p>
-          <a:p>
-            <a:endParaRPr lang="en-US" dirty="0" smtClean="0"/>
-          </a:p>
-          <a:p>
-            <a:r>
-              <a:rPr lang="en-US" dirty="0" smtClean="0">
-                <a:solidFill>
-                  <a:srgbClr val="FF0000"/>
-                </a:solidFill>
-              </a:rPr>
-              <a:t>alter </a:t>
-            </a:r>
-            <a:r>
-              <a:rPr lang="en-US" dirty="0">
-                <a:solidFill>
-                  <a:srgbClr val="FF0000"/>
-                </a:solidFill>
-              </a:rPr>
-              <a:t>table t set unused(c2);</a:t>
-            </a:r>
-          </a:p>
-          <a:p>
-            <a:r>
-              <a:rPr lang="en-US" dirty="0" smtClean="0">
-                <a:solidFill>
-                  <a:srgbClr val="FF0000"/>
-                </a:solidFill>
-              </a:rPr>
-              <a:t> </a:t>
-            </a:r>
-            <a:r>
-              <a:rPr lang="en-US" dirty="0">
-                <a:solidFill>
-                  <a:srgbClr val="FF0000"/>
-                </a:solidFill>
-              </a:rPr>
-              <a:t>alter table t drop unused column;</a:t>
-            </a:r>
-          </a:p>
-        </p:txBody>
-      </p:sp>
+            <a:pPr algn="r"/>
+            <a:r>
+              <a:rPr lang="en-IN" sz="3200" b="1" i="1" dirty="0" smtClean="0">
+                <a:solidFill>
+                  <a:srgbClr val="FFFF00"/>
+                </a:solidFill>
+                <a:latin typeface="Arial" pitchFamily="34" charset="0"/>
+                <a:cs typeface="Arial" pitchFamily="34" charset="0"/>
+              </a:rPr>
+              <a:t>IMP</a:t>
+            </a:r>
+            <a:endParaRPr lang="en-IN" sz="3200" b="1" i="1" dirty="0">
+              <a:solidFill>
+                <a:srgbClr val="FFFF00"/>
+              </a:solidFill>
+              <a:latin typeface="Arial" pitchFamily="34" charset="0"/>
+              <a:cs typeface="Arial" pitchFamily="34" charset="0"/>
+            </a:endParaRPr>
+          </a:p>
+        </p:txBody>
+      </p:sp>
+      <p:sp>
+        <p:nvSpPr>
+          <p:cNvPr id="2" name="Rectangle 1"/>
+          <p:cNvSpPr/>
+          <p:nvPr/>
+        </p:nvSpPr>
+        <p:spPr>
+          <a:xfrm>
+            <a:off x="145976" y="849264"/>
+            <a:ext cx="8845624" cy="369332"/>
+          </a:xfrm>
+          <a:prstGeom prst="rect">
+            <a:avLst/>
+          </a:prstGeom>
+        </p:spPr>
+        <p:txBody>
+          <a:bodyPr wrap="square">
+            <a:spAutoFit/>
+          </a:bodyPr>
+          <a:lstStyle/>
+          <a:p>
+            <a:r>
+              <a:rPr lang="en-IN" dirty="0" smtClean="0">
+                <a:solidFill>
+                  <a:srgbClr val="222222"/>
+                </a:solidFill>
+                <a:latin typeface="Verdana" panose="020B0604030504040204" pitchFamily="34" charset="0"/>
+              </a:rPr>
+              <a:t>1. Think </a:t>
+            </a:r>
+            <a:r>
+              <a:rPr lang="en-IN" dirty="0">
+                <a:solidFill>
+                  <a:srgbClr val="222222"/>
+                </a:solidFill>
+                <a:latin typeface="Verdana" panose="020B0604030504040204" pitchFamily="34" charset="0"/>
+              </a:rPr>
+              <a:t>about how multiplication can be done without actually </a:t>
+            </a:r>
+            <a:r>
+              <a:rPr lang="en-IN" dirty="0" smtClean="0">
+                <a:solidFill>
+                  <a:srgbClr val="222222"/>
+                </a:solidFill>
+                <a:latin typeface="Verdana" panose="020B0604030504040204" pitchFamily="34" charset="0"/>
+              </a:rPr>
+              <a:t>multiplying </a:t>
+            </a:r>
+            <a:endParaRPr lang="en-IN" dirty="0"/>
+          </a:p>
+        </p:txBody>
+      </p:sp>
+      <p:sp>
+        <p:nvSpPr>
+          <p:cNvPr id="3" name="TextBox 2"/>
+          <p:cNvSpPr txBox="1"/>
+          <p:nvPr/>
+        </p:nvSpPr>
+        <p:spPr>
+          <a:xfrm>
+            <a:off x="990600" y="2514600"/>
+            <a:ext cx="184731" cy="369332"/>
+          </a:xfrm>
+          <a:prstGeom prst="rect">
+            <a:avLst/>
+          </a:prstGeom>
+          <a:noFill/>
+        </p:spPr>
+        <p:txBody>
+          <a:bodyPr wrap="none" rtlCol="0">
+            <a:spAutoFit/>
+          </a:bodyPr>
+          <a:lstStyle/>
+          <a:p>
+            <a:endParaRPr lang="en-IN" dirty="0"/>
+          </a:p>
+        </p:txBody>
+      </p:sp>
+      <p:pic>
+        <p:nvPicPr>
+          <p:cNvPr id="5" name="Picture 4"/>
+          <p:cNvPicPr>
+            <a:picLocks noChangeAspect="1"/>
+          </p:cNvPicPr>
+          <p:nvPr/>
+        </p:nvPicPr>
+        <p:blipFill>
+          <a:blip r:embed="rId2"/>
+          <a:stretch>
+            <a:fillRect/>
+          </a:stretch>
+        </p:blipFill>
+        <p:spPr>
+          <a:xfrm>
+            <a:off x="304800" y="3700361"/>
+            <a:ext cx="4648200" cy="2471839"/>
+          </a:xfrm>
+          <a:prstGeom prst="rect">
+            <a:avLst/>
+          </a:prstGeom>
+        </p:spPr>
+      </p:pic>
+      <p:sp>
+        <p:nvSpPr>
+          <p:cNvPr id="6" name="Rectangle 5"/>
+          <p:cNvSpPr/>
+          <p:nvPr/>
+        </p:nvSpPr>
+        <p:spPr>
+          <a:xfrm>
+            <a:off x="145976" y="3243552"/>
+            <a:ext cx="1317990" cy="369332"/>
+          </a:xfrm>
+          <a:prstGeom prst="rect">
+            <a:avLst/>
+          </a:prstGeom>
+        </p:spPr>
+        <p:txBody>
+          <a:bodyPr wrap="none">
+            <a:spAutoFit/>
+          </a:bodyPr>
+          <a:lstStyle/>
+          <a:p>
+            <a:r>
+              <a:rPr lang="en-IN" dirty="0" smtClean="0">
+                <a:solidFill>
+                  <a:srgbClr val="222222"/>
+                </a:solidFill>
+                <a:latin typeface="Verdana" panose="020B0604030504040204" pitchFamily="34" charset="0"/>
+              </a:rPr>
+              <a:t>2. Square</a:t>
+            </a:r>
+            <a:endParaRPr lang="en-IN" dirty="0">
+              <a:solidFill>
+                <a:srgbClr val="222222"/>
+              </a:solidFill>
+              <a:latin typeface="Verdana" panose="020B0604030504040204" pitchFamily="34" charset="0"/>
+            </a:endParaRPr>
+          </a:p>
+        </p:txBody>
+      </p:sp>
+      <p:pic>
+        <p:nvPicPr>
+          <p:cNvPr id="8" name="Picture 7"/>
+          <p:cNvPicPr>
+            <a:picLocks noChangeAspect="1"/>
+          </p:cNvPicPr>
+          <p:nvPr/>
+        </p:nvPicPr>
+        <p:blipFill>
+          <a:blip r:embed="rId3"/>
+          <a:stretch>
+            <a:fillRect/>
+          </a:stretch>
+        </p:blipFill>
+        <p:spPr>
+          <a:xfrm>
+            <a:off x="533400" y="1250647"/>
+            <a:ext cx="4495800" cy="1883657"/>
+          </a:xfrm>
+          <a:prstGeom prst="rect">
+            <a:avLst/>
+          </a:prstGeom>
+        </p:spPr>
+      </p:pic>
     </p:spTree>
     <p:extLst>
       <p:ext uri="{BB962C8B-B14F-4D97-AF65-F5344CB8AC3E}">
-        <p14:creationId xmlns:p14="http://schemas.microsoft.com/office/powerpoint/2010/main" val="1183446369"/>
+        <p14:creationId xmlns:p14="http://schemas.microsoft.com/office/powerpoint/2010/main" val="3391323119"/>
       </p:ext>
     </p:extLst>
   </p:cSld>
   <p:clrMapOvr>
     <a:masterClrMapping/>
   </p:clrMapOvr>
+  <p:timing>
+    <p:tnLst>
+      <p:par>
+        <p:cTn id="1" dur="indefinite" restart="never" nodeType="tmRoot"/>
+      </p:par>
+    </p:tnLst>
+  </p:timing>
 </p:sld>
 </file>
 
@@ -18096,16 +18299,57 @@
           <a:chExt cx="0" cy="0"/>
         </a:xfrm>
       </p:grpSpPr>
-      <p:sp>
-        <p:nvSpPr>
-          <p:cNvPr id="2" name="Rectangle 1"/>
+      <p:pic>
+        <p:nvPicPr>
+          <p:cNvPr id="1026" name="Picture 2" descr="http://www.bvctch.vn/vnt_upload/weblink/thks.jpg"/>
+          <p:cNvPicPr>
+            <a:picLocks noChangeAspect="1" noChangeArrowheads="1"/>
+          </p:cNvPicPr>
+          <p:nvPr/>
+        </p:nvPicPr>
+        <p:blipFill>
+          <a:blip r:embed="rId2">
+            <a:extLst>
+              <a:ext uri="{28A0092B-C50C-407E-A947-70E740481C1C}">
+                <a14:useLocalDpi xmlns:a14="http://schemas.microsoft.com/office/drawing/2010/main" val="0"/>
+              </a:ext>
+            </a:extLst>
+          </a:blip>
+          <a:srcRect/>
+          <a:stretch>
+            <a:fillRect/>
+          </a:stretch>
+        </p:blipFill>
+        <p:spPr bwMode="auto">
+          <a:xfrm>
+            <a:off x="2895600" y="757237"/>
+            <a:ext cx="3124200" cy="4881563"/>
+          </a:xfrm>
+          <a:prstGeom prst="rect">
+            <a:avLst/>
+          </a:prstGeom>
+          <a:noFill/>
+          <a:extLst>
+            <a:ext uri="{909E8E84-426E-40DD-AFC4-6F175D3DCCD1}">
+              <a14:hiddenFill xmlns:a14="http://schemas.microsoft.com/office/drawing/2010/main">
+                <a:solidFill>
+                  <a:srgbClr val="FFFFFF"/>
+                </a:solidFill>
+              </a14:hiddenFill>
+            </a:ext>
+          </a:extLst>
+        </p:spPr>
+      </p:pic>
+      <p:sp>
+        <p:nvSpPr>
+          <p:cNvPr id="3" name="Rectangle 2"/>
           <p:cNvSpPr/>
           <p:nvPr/>
         </p:nvSpPr>
         <p:spPr>
           <a:xfrm>
-            <a:off x="152400" y="228600"/>
-            <a:ext cx="8763000" cy="2862322"/>
+            <a:off x="304800" y="5105400"/>
+            <a:ext cx="8610600" cy="1077218"/>
           </a:xfrm>
           <a:prstGeom prst="rect">
             <a:avLst/>
@@ -18117,88 +18361,27 @@
           </a:bodyPr>
           <a:lstStyle/>
           <a:p>
-            <a:r>
-              <a:rPr lang="en-US" dirty="0"/>
-              <a:t>create table book (id raw(16) primary key, data clob check(data is json</a:t>
-            </a:r>
-            <a:r>
-              <a:rPr lang="en-US" dirty="0" smtClean="0"/>
-              <a:t>));</a:t>
-            </a:r>
-          </a:p>
-          <a:p>
-            <a:endParaRPr lang="en-US" dirty="0"/>
-          </a:p>
-          <a:p>
-            <a:r>
-              <a:rPr lang="en-US" dirty="0"/>
-              <a:t>select book.* </a:t>
-            </a:r>
-          </a:p>
-          <a:p>
-            <a:r>
-              <a:rPr lang="en-US" dirty="0"/>
-              <a:t>	from books,</a:t>
-            </a:r>
-          </a:p>
-          <a:p>
-            <a:r>
-              <a:rPr lang="en-US" dirty="0"/>
-              <a:t>	</a:t>
-            </a:r>
-            <a:r>
-              <a:rPr lang="en-US" dirty="0" err="1"/>
-              <a:t>json_table</a:t>
-            </a:r>
-            <a:r>
-              <a:rPr lang="en-US" dirty="0"/>
-              <a:t>(data,'$'</a:t>
-            </a:r>
-          </a:p>
-          <a:p>
-            <a:r>
-              <a:rPr lang="en-US" dirty="0"/>
-              <a:t>	columns(</a:t>
-            </a:r>
-            <a:r>
-              <a:rPr lang="en-US" dirty="0" err="1"/>
-              <a:t>isbn</a:t>
-            </a:r>
-            <a:r>
-              <a:rPr lang="en-US" dirty="0"/>
-              <a:t>   varchar2(20) path '$.</a:t>
-            </a:r>
-            <a:r>
-              <a:rPr lang="en-US" dirty="0" err="1"/>
-              <a:t>isbn</a:t>
-            </a:r>
-            <a:r>
-              <a:rPr lang="en-US" dirty="0"/>
-              <a:t>',</a:t>
-            </a:r>
-          </a:p>
-          <a:p>
-            <a:r>
-              <a:rPr lang="en-US" dirty="0"/>
-              <a:t>		title  varchar2(20) path '$.title',</a:t>
-            </a:r>
-          </a:p>
-          <a:p>
-            <a:r>
-              <a:rPr lang="en-US" dirty="0"/>
-              <a:t>		price  varchar2(10) path '$.price',</a:t>
-            </a:r>
-          </a:p>
-          <a:p>
-            <a:r>
-              <a:rPr lang="en-US" dirty="0"/>
-              <a:t>		author varchar2(20) path '$.author',</a:t>
-            </a:r>
-          </a:p>
-          <a:p>
-            <a:r>
-              <a:rPr lang="en-US" dirty="0"/>
-              <a:t>		phone  varchar2(10) path '$.phone')) book</a:t>
+            <a:pPr algn="ctr"/>
+            <a:r>
+              <a:rPr lang="en-IN" sz="3200" dirty="0">
+                <a:solidFill>
+                  <a:srgbClr val="FE1212"/>
+                </a:solidFill>
+                <a:latin typeface="Segoe Print" panose="02000600000000000000" pitchFamily="2" charset="0"/>
+              </a:rPr>
+              <a:t>"Live as if you were to die tomorrow.</a:t>
+            </a:r>
+          </a:p>
+          <a:p>
+            <a:pPr algn="ctr"/>
+            <a:r>
+              <a:rPr lang="en-IN" sz="3200" dirty="0">
+                <a:solidFill>
+                  <a:srgbClr val="FE1212"/>
+                </a:solidFill>
+                <a:latin typeface="Segoe Print" panose="02000600000000000000" pitchFamily="2" charset="0"/>
+              </a:rPr>
+              <a:t>Learn as if you were to live forever"</a:t>
             </a:r>
           </a:p>
         </p:txBody>
@@ -18206,13 +18389,20 @@
     </p:spTree>
     <p:extLst>
       <p:ext uri="{BB962C8B-B14F-4D97-AF65-F5344CB8AC3E}">
-        <p14:creationId xmlns:p14="http://schemas.microsoft.com/office/powerpoint/2010/main" val="1501210411"/>
+        <p14:creationId xmlns:p14="http://schemas.microsoft.com/office/powerpoint/2010/main" val="1148130326"/>
       </p:ext>
     </p:extLst>
   </p:cSld>
   <p:clrMapOvr>
     <a:masterClrMapping/>
   </p:clrMapOvr>
+  <p:timing>
+    <p:tnLst>
+      <p:par>
+        <p:cTn id="1" dur="indefinite" restart="never" nodeType="tmRoot"/>
+      </p:par>
+    </p:tnLst>
+  </p:timing>
 </p:sld>
 </file>
 
@@ -18420,6 +18610,244 @@
       </p:par>
     </p:tnLst>
   </p:timing>
+</p:sld>
+</file>
+
+<file path=ppt/slides/slide70.xml><?xml version="1.0" encoding="utf-8"?>
+<p:sld xmlns:a="http://schemas.openxmlformats.org/drawingml/2006/main" xmlns:r="http://schemas.openxmlformats.org/officeDocument/2006/relationships" xmlns:p="http://schemas.openxmlformats.org/presentationml/2006/main">
+  <p:cSld>
+    <p:spTree>
+      <p:nvGrpSpPr>
+        <p:cNvPr id="1" name=""/>
+        <p:cNvGrpSpPr/>
+        <p:nvPr/>
+      </p:nvGrpSpPr>
+      <p:grpSpPr>
+        <a:xfrm>
+          <a:off x="0" y="0"/>
+          <a:ext cx="0" cy="0"/>
+          <a:chOff x="0" y="0"/>
+          <a:chExt cx="0" cy="0"/>
+        </a:xfrm>
+      </p:grpSpPr>
+      <p:sp>
+        <p:nvSpPr>
+          <p:cNvPr id="3" name="Rectangle 2"/>
+          <p:cNvSpPr/>
+          <p:nvPr/>
+        </p:nvSpPr>
+        <p:spPr>
+          <a:xfrm>
+            <a:off x="304800" y="1981200"/>
+            <a:ext cx="8305800" cy="1754326"/>
+          </a:xfrm>
+          <a:prstGeom prst="rect">
+            <a:avLst/>
+          </a:prstGeom>
+        </p:spPr>
+        <p:txBody>
+          <a:bodyPr wrap="square">
+            <a:spAutoFit/>
+          </a:bodyPr>
+          <a:lstStyle/>
+          <a:p>
+            <a:r>
+              <a:rPr lang="en-US" dirty="0"/>
+              <a:t>The ALTER TABLE...DROP UNUSED COLUMNS statement is the only action allowed on unused columns. It physically removes unused columns from the table and reclaims disk space</a:t>
+            </a:r>
+            <a:r>
+              <a:rPr lang="en-US" dirty="0" smtClean="0"/>
+              <a:t>.</a:t>
+            </a:r>
+          </a:p>
+          <a:p>
+            <a:endParaRPr lang="en-US" dirty="0" smtClean="0"/>
+          </a:p>
+          <a:p>
+            <a:r>
+              <a:rPr lang="en-US" dirty="0" smtClean="0">
+                <a:solidFill>
+                  <a:srgbClr val="FF0000"/>
+                </a:solidFill>
+              </a:rPr>
+              <a:t>alter </a:t>
+            </a:r>
+            <a:r>
+              <a:rPr lang="en-US" dirty="0">
+                <a:solidFill>
+                  <a:srgbClr val="FF0000"/>
+                </a:solidFill>
+              </a:rPr>
+              <a:t>table t set unused(c2);</a:t>
+            </a:r>
+          </a:p>
+          <a:p>
+            <a:r>
+              <a:rPr lang="en-US" dirty="0" smtClean="0">
+                <a:solidFill>
+                  <a:srgbClr val="FF0000"/>
+                </a:solidFill>
+              </a:rPr>
+              <a:t> </a:t>
+            </a:r>
+            <a:r>
+              <a:rPr lang="en-US" dirty="0">
+                <a:solidFill>
+                  <a:srgbClr val="FF0000"/>
+                </a:solidFill>
+              </a:rPr>
+              <a:t>alter table t drop unused column;</a:t>
+            </a:r>
+          </a:p>
+        </p:txBody>
+      </p:sp>
+    </p:spTree>
+    <p:extLst>
+      <p:ext uri="{BB962C8B-B14F-4D97-AF65-F5344CB8AC3E}">
+        <p14:creationId xmlns:p14="http://schemas.microsoft.com/office/powerpoint/2010/main" val="1183446369"/>
+      </p:ext>
+    </p:extLst>
+  </p:cSld>
+  <p:clrMapOvr>
+    <a:masterClrMapping/>
+  </p:clrMapOvr>
+</p:sld>
+</file>
+
+<file path=ppt/slides/slide71.xml><?xml version="1.0" encoding="utf-8"?>
+<p:sld xmlns:a="http://schemas.openxmlformats.org/drawingml/2006/main" xmlns:r="http://schemas.openxmlformats.org/officeDocument/2006/relationships" xmlns:p="http://schemas.openxmlformats.org/presentationml/2006/main">
+  <p:cSld>
+    <p:spTree>
+      <p:nvGrpSpPr>
+        <p:cNvPr id="1" name=""/>
+        <p:cNvGrpSpPr/>
+        <p:nvPr/>
+      </p:nvGrpSpPr>
+      <p:grpSpPr>
+        <a:xfrm>
+          <a:off x="0" y="0"/>
+          <a:ext cx="0" cy="0"/>
+          <a:chOff x="0" y="0"/>
+          <a:chExt cx="0" cy="0"/>
+        </a:xfrm>
+      </p:grpSpPr>
+      <p:sp>
+        <p:nvSpPr>
+          <p:cNvPr id="2" name="Rectangle 1"/>
+          <p:cNvSpPr/>
+          <p:nvPr/>
+        </p:nvSpPr>
+        <p:spPr>
+          <a:xfrm>
+            <a:off x="152400" y="228600"/>
+            <a:ext cx="8763000" cy="2862322"/>
+          </a:xfrm>
+          <a:prstGeom prst="rect">
+            <a:avLst/>
+          </a:prstGeom>
+        </p:spPr>
+        <p:txBody>
+          <a:bodyPr wrap="square">
+            <a:spAutoFit/>
+          </a:bodyPr>
+          <a:lstStyle/>
+          <a:p>
+            <a:r>
+              <a:rPr lang="en-US" dirty="0"/>
+              <a:t>create table book (id raw(16) primary key, data clob check(data is json</a:t>
+            </a:r>
+            <a:r>
+              <a:rPr lang="en-US" dirty="0" smtClean="0"/>
+              <a:t>));</a:t>
+            </a:r>
+          </a:p>
+          <a:p>
+            <a:endParaRPr lang="en-US" dirty="0"/>
+          </a:p>
+          <a:p>
+            <a:r>
+              <a:rPr lang="en-US" dirty="0"/>
+              <a:t>select book.* </a:t>
+            </a:r>
+          </a:p>
+          <a:p>
+            <a:r>
+              <a:rPr lang="en-US" dirty="0"/>
+              <a:t>	from books,</a:t>
+            </a:r>
+          </a:p>
+          <a:p>
+            <a:r>
+              <a:rPr lang="en-US" dirty="0"/>
+              <a:t>	</a:t>
+            </a:r>
+            <a:r>
+              <a:rPr lang="en-US" dirty="0" err="1"/>
+              <a:t>json_table</a:t>
+            </a:r>
+            <a:r>
+              <a:rPr lang="en-US" dirty="0"/>
+              <a:t>(data,'$'</a:t>
+            </a:r>
+          </a:p>
+          <a:p>
+            <a:r>
+              <a:rPr lang="en-US" dirty="0"/>
+              <a:t>	columns(</a:t>
+            </a:r>
+            <a:r>
+              <a:rPr lang="en-US" dirty="0" err="1"/>
+              <a:t>isbn</a:t>
+            </a:r>
+            <a:r>
+              <a:rPr lang="en-US" dirty="0"/>
+              <a:t>   varchar2(20) path '$.</a:t>
+            </a:r>
+            <a:r>
+              <a:rPr lang="en-US" dirty="0" err="1"/>
+              <a:t>isbn</a:t>
+            </a:r>
+            <a:r>
+              <a:rPr lang="en-US" dirty="0"/>
+              <a:t>',</a:t>
+            </a:r>
+          </a:p>
+          <a:p>
+            <a:r>
+              <a:rPr lang="en-US" dirty="0"/>
+              <a:t>		title  varchar2(20) path '$.title',</a:t>
+            </a:r>
+          </a:p>
+          <a:p>
+            <a:r>
+              <a:rPr lang="en-US" dirty="0"/>
+              <a:t>		price  varchar2(10) path '$.price',</a:t>
+            </a:r>
+          </a:p>
+          <a:p>
+            <a:r>
+              <a:rPr lang="en-US" dirty="0"/>
+              <a:t>		author varchar2(20) path '$.author',</a:t>
+            </a:r>
+          </a:p>
+          <a:p>
+            <a:r>
+              <a:rPr lang="en-US" dirty="0"/>
+              <a:t>		phone  varchar2(10) path '$.phone')) book</a:t>
+            </a:r>
+          </a:p>
+        </p:txBody>
+      </p:sp>
+    </p:spTree>
+    <p:extLst>
+      <p:ext uri="{BB962C8B-B14F-4D97-AF65-F5344CB8AC3E}">
+        <p14:creationId xmlns:p14="http://schemas.microsoft.com/office/powerpoint/2010/main" val="1501210411"/>
+      </p:ext>
+    </p:extLst>
+  </p:cSld>
+  <p:clrMapOvr>
+    <a:masterClrMapping/>
+  </p:clrMapOvr>
 </p:sld>
 </file>
 

--- a/MongoDB.pptx
+++ b/MongoDB.pptx
@@ -5,7 +5,7 @@
     <p:sldMasterId id="2147483720" r:id="rId1"/>
   </p:sldMasterIdLst>
   <p:notesMasterIdLst>
-    <p:notesMasterId r:id="rId73"/>
+    <p:notesMasterId r:id="rId74"/>
   </p:notesMasterIdLst>
   <p:sldIdLst>
     <p:sldId id="497" r:id="rId2"/>
@@ -32,53 +32,54 @@
     <p:sldId id="1142" r:id="rId23"/>
     <p:sldId id="1143" r:id="rId24"/>
     <p:sldId id="1144" r:id="rId25"/>
-    <p:sldId id="1145" r:id="rId26"/>
-    <p:sldId id="1146" r:id="rId27"/>
-    <p:sldId id="1147" r:id="rId28"/>
-    <p:sldId id="1148" r:id="rId29"/>
-    <p:sldId id="1149" r:id="rId30"/>
-    <p:sldId id="1150" r:id="rId31"/>
-    <p:sldId id="1151" r:id="rId32"/>
-    <p:sldId id="1152" r:id="rId33"/>
-    <p:sldId id="1153" r:id="rId34"/>
-    <p:sldId id="1154" r:id="rId35"/>
-    <p:sldId id="1155" r:id="rId36"/>
-    <p:sldId id="1098" r:id="rId37"/>
-    <p:sldId id="1090" r:id="rId38"/>
-    <p:sldId id="1099" r:id="rId39"/>
-    <p:sldId id="1092" r:id="rId40"/>
-    <p:sldId id="1102" r:id="rId41"/>
-    <p:sldId id="1103" r:id="rId42"/>
-    <p:sldId id="1104" r:id="rId43"/>
-    <p:sldId id="1105" r:id="rId44"/>
-    <p:sldId id="1106" r:id="rId45"/>
-    <p:sldId id="1107" r:id="rId46"/>
-    <p:sldId id="1108" r:id="rId47"/>
-    <p:sldId id="1109" r:id="rId48"/>
-    <p:sldId id="1110" r:id="rId49"/>
-    <p:sldId id="1111" r:id="rId50"/>
-    <p:sldId id="1112" r:id="rId51"/>
-    <p:sldId id="1113" r:id="rId52"/>
-    <p:sldId id="1114" r:id="rId53"/>
-    <p:sldId id="1115" r:id="rId54"/>
-    <p:sldId id="1116" r:id="rId55"/>
-    <p:sldId id="1117" r:id="rId56"/>
-    <p:sldId id="1118" r:id="rId57"/>
-    <p:sldId id="1119" r:id="rId58"/>
-    <p:sldId id="1120" r:id="rId59"/>
-    <p:sldId id="1121" r:id="rId60"/>
-    <p:sldId id="1122" r:id="rId61"/>
-    <p:sldId id="1123" r:id="rId62"/>
-    <p:sldId id="1124" r:id="rId63"/>
-    <p:sldId id="1125" r:id="rId64"/>
-    <p:sldId id="1126" r:id="rId65"/>
-    <p:sldId id="1127" r:id="rId66"/>
-    <p:sldId id="1128" r:id="rId67"/>
-    <p:sldId id="1129" r:id="rId68"/>
-    <p:sldId id="954" r:id="rId69"/>
-    <p:sldId id="788" r:id="rId70"/>
-    <p:sldId id="1071" r:id="rId71"/>
-    <p:sldId id="1087" r:id="rId72"/>
+    <p:sldId id="1156" r:id="rId26"/>
+    <p:sldId id="1145" r:id="rId27"/>
+    <p:sldId id="1146" r:id="rId28"/>
+    <p:sldId id="1147" r:id="rId29"/>
+    <p:sldId id="1148" r:id="rId30"/>
+    <p:sldId id="1149" r:id="rId31"/>
+    <p:sldId id="1150" r:id="rId32"/>
+    <p:sldId id="1151" r:id="rId33"/>
+    <p:sldId id="1152" r:id="rId34"/>
+    <p:sldId id="1153" r:id="rId35"/>
+    <p:sldId id="1154" r:id="rId36"/>
+    <p:sldId id="1155" r:id="rId37"/>
+    <p:sldId id="1098" r:id="rId38"/>
+    <p:sldId id="1090" r:id="rId39"/>
+    <p:sldId id="1099" r:id="rId40"/>
+    <p:sldId id="1092" r:id="rId41"/>
+    <p:sldId id="1102" r:id="rId42"/>
+    <p:sldId id="1103" r:id="rId43"/>
+    <p:sldId id="1104" r:id="rId44"/>
+    <p:sldId id="1105" r:id="rId45"/>
+    <p:sldId id="1106" r:id="rId46"/>
+    <p:sldId id="1107" r:id="rId47"/>
+    <p:sldId id="1108" r:id="rId48"/>
+    <p:sldId id="1109" r:id="rId49"/>
+    <p:sldId id="1110" r:id="rId50"/>
+    <p:sldId id="1111" r:id="rId51"/>
+    <p:sldId id="1112" r:id="rId52"/>
+    <p:sldId id="1113" r:id="rId53"/>
+    <p:sldId id="1114" r:id="rId54"/>
+    <p:sldId id="1115" r:id="rId55"/>
+    <p:sldId id="1116" r:id="rId56"/>
+    <p:sldId id="1117" r:id="rId57"/>
+    <p:sldId id="1118" r:id="rId58"/>
+    <p:sldId id="1119" r:id="rId59"/>
+    <p:sldId id="1120" r:id="rId60"/>
+    <p:sldId id="1121" r:id="rId61"/>
+    <p:sldId id="1122" r:id="rId62"/>
+    <p:sldId id="1123" r:id="rId63"/>
+    <p:sldId id="1124" r:id="rId64"/>
+    <p:sldId id="1125" r:id="rId65"/>
+    <p:sldId id="1126" r:id="rId66"/>
+    <p:sldId id="1127" r:id="rId67"/>
+    <p:sldId id="1128" r:id="rId68"/>
+    <p:sldId id="1129" r:id="rId69"/>
+    <p:sldId id="954" r:id="rId70"/>
+    <p:sldId id="788" r:id="rId71"/>
+    <p:sldId id="1071" r:id="rId72"/>
+    <p:sldId id="1087" r:id="rId73"/>
   </p:sldIdLst>
   <p:sldSz cx="9144000" cy="6858000" type="screen4x3"/>
   <p:notesSz cx="6858000" cy="9144000"/>
@@ -9917,6 +9918,11 @@
               </a:rPr>
               <a:t>})</a:t>
             </a:r>
+            <a:endParaRPr lang="en-US" sz="2200" dirty="0" smtClean="0">
+              <a:solidFill>
+                <a:srgbClr val="FC6F0D"/>
+              </a:solidFill>
+            </a:endParaRPr>
           </a:p>
         </p:txBody>
       </p:sp>
@@ -10042,16 +10048,26 @@
                 <a:latin typeface="Arial" pitchFamily="34" charset="0"/>
                 <a:cs typeface="Arial" pitchFamily="34" charset="0"/>
               </a:rPr>
-              <a:t>cursor with db.collection.find()</a:t>
-            </a:r>
-            <a:r>
-              <a:rPr lang="en-IN" sz="3200" b="1" i="1" dirty="0">
+              <a:t>db.collection.find</a:t>
+            </a:r>
+            <a:r>
+              <a:rPr lang="en-IN" sz="3200" b="1" i="1" dirty="0" smtClean="0">
                 <a:solidFill>
                   <a:srgbClr val="FFFF00"/>
                 </a:solidFill>
                 <a:latin typeface="Arial" pitchFamily="34" charset="0"/>
                 <a:cs typeface="Arial" pitchFamily="34" charset="0"/>
               </a:rPr>
+              <a:t>()[ &lt;index_number&gt;]</a:t>
+            </a:r>
+            <a:r>
+              <a:rPr lang="en-IN" sz="3200" b="1" i="1" dirty="0">
+                <a:solidFill>
+                  <a:srgbClr val="FFFF00"/>
+                </a:solidFill>
+                <a:latin typeface="Arial" pitchFamily="34" charset="0"/>
+                <a:cs typeface="Arial" pitchFamily="34" charset="0"/>
+              </a:rPr>
               <a:t> </a:t>
             </a:r>
           </a:p>
@@ -10066,7 +10082,7 @@
         <p:spPr>
           <a:xfrm>
             <a:off x="149188" y="762000"/>
-            <a:ext cx="8845624" cy="923330"/>
+            <a:ext cx="8845624" cy="369332"/>
           </a:xfrm>
           <a:prstGeom prst="rect">
             <a:avLst/>
@@ -10079,8 +10095,8 @@
           <a:lstStyle/>
           <a:p>
             <a:r>
-              <a:rPr lang="en-US" dirty="0"/>
-              <a:t>In the mongo shell, if the returned cursor is not assigned to a variable using the var keyword, the cursor is automatically iterated to access up to the first 20 documents that match the query.</a:t>
+              <a:rPr lang="en-US" dirty="0" smtClean="0"/>
+              <a:t>TODO</a:t>
             </a:r>
             <a:endParaRPr lang="en-IN" dirty="0"/>
           </a:p>
@@ -10088,90 +10104,14 @@
       </p:sp>
       <p:sp>
         <p:nvSpPr>
-          <p:cNvPr id="4" name="Rectangle 3"/>
+          <p:cNvPr id="9" name="Rectangle 8"/>
           <p:cNvSpPr/>
           <p:nvPr/>
         </p:nvSpPr>
         <p:spPr>
           <a:xfrm>
-            <a:off x="154136" y="1840468"/>
-            <a:ext cx="7402989" cy="369332"/>
-          </a:xfrm>
-          <a:prstGeom prst="rect">
-            <a:avLst/>
-          </a:prstGeom>
-        </p:spPr>
-        <p:txBody>
-          <a:bodyPr wrap="none">
-            <a:spAutoFit/>
-          </a:bodyPr>
-          <a:lstStyle/>
-          <a:p>
-            <a:r>
-              <a:rPr lang="en-US" dirty="0" smtClean="0">
-                <a:solidFill>
-                  <a:srgbClr val="049DC8"/>
-                </a:solidFill>
-                <a:latin typeface="Consolas" panose="020B0609020204030204" pitchFamily="49" charset="0"/>
-                <a:cs typeface="Calibri" panose="020F0502020204030204" pitchFamily="34" charset="0"/>
-              </a:rPr>
-              <a:t>var variable_name = db.collection.find(query</a:t>
-            </a:r>
-            <a:r>
-              <a:rPr lang="en-US" dirty="0">
-                <a:solidFill>
-                  <a:srgbClr val="049DC8"/>
-                </a:solidFill>
-                <a:latin typeface="Consolas" panose="020B0609020204030204" pitchFamily="49" charset="0"/>
-                <a:cs typeface="Calibri" panose="020F0502020204030204" pitchFamily="34" charset="0"/>
-              </a:rPr>
-              <a:t>, projection)</a:t>
-            </a:r>
-          </a:p>
-        </p:txBody>
-      </p:sp>
-      <p:sp>
-        <p:nvSpPr>
-          <p:cNvPr id="12" name="Rectangle 11"/>
-          <p:cNvSpPr/>
-          <p:nvPr/>
-        </p:nvSpPr>
-        <p:spPr>
-          <a:xfrm>
-            <a:off x="178876" y="2526268"/>
-            <a:ext cx="3736985" cy="369332"/>
-          </a:xfrm>
-          <a:prstGeom prst="rect">
-            <a:avLst/>
-          </a:prstGeom>
-        </p:spPr>
-        <p:txBody>
-          <a:bodyPr wrap="none">
-            <a:spAutoFit/>
-          </a:bodyPr>
-          <a:lstStyle/>
-          <a:p>
-            <a:r>
-              <a:rPr lang="en-US" dirty="0">
-                <a:solidFill>
-                  <a:srgbClr val="C00000"/>
-                </a:solidFill>
-              </a:rPr>
-              <a:t>The find() method returns a cursor.</a:t>
-            </a:r>
-          </a:p>
-        </p:txBody>
-      </p:sp>
-      <p:sp>
-        <p:nvSpPr>
-          <p:cNvPr id="3" name="Rectangle 2"/>
-          <p:cNvSpPr/>
-          <p:nvPr/>
-        </p:nvSpPr>
-        <p:spPr>
-          <a:xfrm>
-            <a:off x="224432" y="3048000"/>
-            <a:ext cx="8770379" cy="1045223"/>
+            <a:off x="149188" y="2650240"/>
+            <a:ext cx="8845624" cy="1107996"/>
           </a:xfrm>
           <a:prstGeom prst="rect">
             <a:avLst/>
@@ -10194,7 +10134,15 @@
                   <a:srgbClr val="FC6F0D"/>
                 </a:solidFill>
               </a:rPr>
-              <a:t>var x = db ['emp'].find ()</a:t>
+              <a:t>db.emp.find</a:t>
+            </a:r>
+            <a:r>
+              <a:rPr lang="en-US" sz="2200" dirty="0" smtClean="0">
+                <a:solidFill>
+                  <a:srgbClr val="FC6F0D"/>
+                </a:solidFill>
+              </a:rPr>
+              <a:t>()[0];</a:t>
             </a:r>
           </a:p>
           <a:p>
@@ -10209,15 +10157,158 @@
                   <a:srgbClr val="FC6F0D"/>
                 </a:solidFill>
               </a:rPr>
-              <a:t>x.forEach(printjson)</a:t>
-            </a:r>
+              <a:t>db.emp.find()[0</a:t>
+            </a:r>
+            <a:r>
+              <a:rPr lang="en-US" sz="2200" dirty="0" smtClean="0">
+                <a:solidFill>
+                  <a:srgbClr val="FC6F0D"/>
+                </a:solidFill>
+              </a:rPr>
+              <a:t>].ename;</a:t>
+            </a:r>
+            <a:endParaRPr lang="en-US" sz="2200" dirty="0">
+              <a:solidFill>
+                <a:srgbClr val="FC6F0D"/>
+              </a:solidFill>
+            </a:endParaRPr>
+          </a:p>
+        </p:txBody>
+      </p:sp>
+      <p:sp>
+        <p:nvSpPr>
+          <p:cNvPr id="8" name="Rectangle 7"/>
+          <p:cNvSpPr/>
+          <p:nvPr/>
+        </p:nvSpPr>
+        <p:spPr>
+          <a:xfrm>
+            <a:off x="149188" y="1563469"/>
+            <a:ext cx="8845624" cy="923330"/>
+          </a:xfrm>
+          <a:prstGeom prst="rect">
+            <a:avLst/>
+          </a:prstGeom>
+        </p:spPr>
+        <p:txBody>
+          <a:bodyPr wrap="square">
+            <a:spAutoFit/>
+          </a:bodyPr>
+          <a:lstStyle/>
+          <a:p>
+            <a:r>
+              <a:rPr lang="en-US" dirty="0">
+                <a:solidFill>
+                  <a:srgbClr val="049DC8"/>
+                </a:solidFill>
+                <a:latin typeface="Consolas" panose="020B0609020204030204" pitchFamily="49" charset="0"/>
+                <a:cs typeface="Calibri" panose="020F0502020204030204" pitchFamily="34" charset="0"/>
+              </a:rPr>
+              <a:t>db ['emp'].find (query, projection</a:t>
+            </a:r>
+            <a:r>
+              <a:rPr lang="en-US" dirty="0" smtClean="0">
+                <a:solidFill>
+                  <a:srgbClr val="049DC8"/>
+                </a:solidFill>
+                <a:latin typeface="Consolas" panose="020B0609020204030204" pitchFamily="49" charset="0"/>
+                <a:cs typeface="Calibri" panose="020F0502020204030204" pitchFamily="34" charset="0"/>
+              </a:rPr>
+              <a:t>)[&lt;</a:t>
+            </a:r>
+            <a:r>
+              <a:rPr lang="en-US" dirty="0" smtClean="0">
+                <a:solidFill>
+                  <a:srgbClr val="049DC8"/>
+                </a:solidFill>
+                <a:latin typeface="Consolas" panose="020B0609020204030204" pitchFamily="49" charset="0"/>
+                <a:cs typeface="Calibri" panose="020F0502020204030204" pitchFamily="34" charset="0"/>
+              </a:rPr>
+              <a:t>document_index_number</a:t>
+            </a:r>
+            <a:r>
+              <a:rPr lang="en-US" dirty="0" smtClean="0">
+                <a:solidFill>
+                  <a:srgbClr val="049DC8"/>
+                </a:solidFill>
+                <a:latin typeface="Consolas" panose="020B0609020204030204" pitchFamily="49" charset="0"/>
+                <a:cs typeface="Calibri" panose="020F0502020204030204" pitchFamily="34" charset="0"/>
+              </a:rPr>
+              <a:t>&gt;[.field] ]</a:t>
+            </a:r>
+            <a:endParaRPr lang="en-US" dirty="0">
+              <a:solidFill>
+                <a:srgbClr val="049DC8"/>
+              </a:solidFill>
+              <a:latin typeface="Consolas" panose="020B0609020204030204" pitchFamily="49" charset="0"/>
+              <a:cs typeface="Calibri" panose="020F0502020204030204" pitchFamily="34" charset="0"/>
+            </a:endParaRPr>
+          </a:p>
+          <a:p>
+            <a:r>
+              <a:rPr lang="en-US" dirty="0">
+                <a:solidFill>
+                  <a:srgbClr val="049DC8"/>
+                </a:solidFill>
+                <a:latin typeface="Consolas" panose="020B0609020204030204" pitchFamily="49" charset="0"/>
+                <a:cs typeface="Calibri" panose="020F0502020204030204" pitchFamily="34" charset="0"/>
+              </a:rPr>
+              <a:t>db.collection.find(query, projection</a:t>
+            </a:r>
+            <a:r>
+              <a:rPr lang="en-US" dirty="0">
+                <a:solidFill>
+                  <a:srgbClr val="049DC8"/>
+                </a:solidFill>
+                <a:latin typeface="Consolas" panose="020B0609020204030204" pitchFamily="49" charset="0"/>
+                <a:cs typeface="Calibri" panose="020F0502020204030204" pitchFamily="34" charset="0"/>
+              </a:rPr>
+              <a:t>) [&lt;document_index_number</a:t>
+            </a:r>
+            <a:r>
+              <a:rPr lang="en-US" dirty="0" smtClean="0">
+                <a:solidFill>
+                  <a:srgbClr val="049DC8"/>
+                </a:solidFill>
+                <a:latin typeface="Consolas" panose="020B0609020204030204" pitchFamily="49" charset="0"/>
+                <a:cs typeface="Calibri" panose="020F0502020204030204" pitchFamily="34" charset="0"/>
+              </a:rPr>
+              <a:t>&gt; [.</a:t>
+            </a:r>
+            <a:r>
+              <a:rPr lang="en-US" dirty="0">
+                <a:solidFill>
+                  <a:srgbClr val="049DC8"/>
+                </a:solidFill>
+                <a:latin typeface="Consolas" panose="020B0609020204030204" pitchFamily="49" charset="0"/>
+                <a:cs typeface="Calibri" panose="020F0502020204030204" pitchFamily="34" charset="0"/>
+              </a:rPr>
+              <a:t>field</a:t>
+            </a:r>
+            <a:r>
+              <a:rPr lang="en-US" dirty="0" smtClean="0">
+                <a:solidFill>
+                  <a:srgbClr val="049DC8"/>
+                </a:solidFill>
+                <a:latin typeface="Consolas" panose="020B0609020204030204" pitchFamily="49" charset="0"/>
+                <a:cs typeface="Calibri" panose="020F0502020204030204" pitchFamily="34" charset="0"/>
+              </a:rPr>
+              <a:t>] ]</a:t>
+            </a:r>
+            <a:endParaRPr lang="en-US" dirty="0">
+              <a:solidFill>
+                <a:srgbClr val="049DC8"/>
+              </a:solidFill>
+              <a:latin typeface="Consolas" panose="020B0609020204030204" pitchFamily="49" charset="0"/>
+              <a:cs typeface="Calibri" panose="020F0502020204030204" pitchFamily="34" charset="0"/>
+            </a:endParaRPr>
           </a:p>
         </p:txBody>
       </p:sp>
     </p:spTree>
     <p:extLst>
       <p:ext uri="{BB962C8B-B14F-4D97-AF65-F5344CB8AC3E}">
-        <p14:creationId xmlns:p14="http://schemas.microsoft.com/office/powerpoint/2010/main" val="1504006984"/>
+        <p14:creationId xmlns:p14="http://schemas.microsoft.com/office/powerpoint/2010/main" val="2762672699"/>
       </p:ext>
     </p:extLst>
   </p:cSld>
@@ -10253,6 +10344,254 @@
       </p:grpSpPr>
       <p:sp>
         <p:nvSpPr>
+          <p:cNvPr id="6" name="Rectangle 5"/>
+          <p:cNvSpPr/>
+          <p:nvPr/>
+        </p:nvSpPr>
+        <p:spPr>
+          <a:xfrm>
+            <a:off x="0" y="0"/>
+            <a:ext cx="9144000" cy="584775"/>
+          </a:xfrm>
+          <a:prstGeom prst="rect">
+            <a:avLst/>
+          </a:prstGeom>
+          <a:solidFill>
+            <a:schemeClr val="accent4">
+              <a:lumMod val="75000"/>
+            </a:schemeClr>
+          </a:solidFill>
+        </p:spPr>
+        <p:txBody>
+          <a:bodyPr wrap="square">
+            <a:spAutoFit/>
+          </a:bodyPr>
+          <a:lstStyle/>
+          <a:p>
+            <a:pPr algn="r">
+              <a:spcBef>
+                <a:spcPct val="0"/>
+              </a:spcBef>
+            </a:pPr>
+            <a:r>
+              <a:rPr lang="en-IN" sz="3200" b="1" i="1" dirty="0" smtClean="0">
+                <a:solidFill>
+                  <a:srgbClr val="FFFF00"/>
+                </a:solidFill>
+                <a:latin typeface="Arial" pitchFamily="34" charset="0"/>
+                <a:cs typeface="Arial" pitchFamily="34" charset="0"/>
+              </a:rPr>
+              <a:t>cursor with db.collection.find()</a:t>
+            </a:r>
+            <a:r>
+              <a:rPr lang="en-IN" sz="3200" b="1" i="1" dirty="0">
+                <a:solidFill>
+                  <a:srgbClr val="FFFF00"/>
+                </a:solidFill>
+                <a:latin typeface="Arial" pitchFamily="34" charset="0"/>
+                <a:cs typeface="Arial" pitchFamily="34" charset="0"/>
+              </a:rPr>
+              <a:t> </a:t>
+            </a:r>
+          </a:p>
+        </p:txBody>
+      </p:sp>
+      <p:sp>
+        <p:nvSpPr>
+          <p:cNvPr id="7" name="Rectangle 6"/>
+          <p:cNvSpPr/>
+          <p:nvPr/>
+        </p:nvSpPr>
+        <p:spPr>
+          <a:xfrm>
+            <a:off x="149188" y="762000"/>
+            <a:ext cx="8845624" cy="923330"/>
+          </a:xfrm>
+          <a:prstGeom prst="rect">
+            <a:avLst/>
+          </a:prstGeom>
+        </p:spPr>
+        <p:txBody>
+          <a:bodyPr wrap="square">
+            <a:spAutoFit/>
+          </a:bodyPr>
+          <a:lstStyle/>
+          <a:p>
+            <a:r>
+              <a:rPr lang="en-US" dirty="0"/>
+              <a:t>In the mongo shell, if the returned cursor is not assigned to a variable using the var keyword, the cursor is automatically iterated to access up to the first 20 documents that match the query.</a:t>
+            </a:r>
+            <a:endParaRPr lang="en-IN" dirty="0"/>
+          </a:p>
+        </p:txBody>
+      </p:sp>
+      <p:sp>
+        <p:nvSpPr>
+          <p:cNvPr id="4" name="Rectangle 3"/>
+          <p:cNvSpPr/>
+          <p:nvPr/>
+        </p:nvSpPr>
+        <p:spPr>
+          <a:xfrm>
+            <a:off x="154136" y="1840468"/>
+            <a:ext cx="7402989" cy="369332"/>
+          </a:xfrm>
+          <a:prstGeom prst="rect">
+            <a:avLst/>
+          </a:prstGeom>
+        </p:spPr>
+        <p:txBody>
+          <a:bodyPr wrap="none">
+            <a:spAutoFit/>
+          </a:bodyPr>
+          <a:lstStyle/>
+          <a:p>
+            <a:r>
+              <a:rPr lang="en-US" dirty="0" smtClean="0">
+                <a:solidFill>
+                  <a:srgbClr val="049DC8"/>
+                </a:solidFill>
+                <a:latin typeface="Consolas" panose="020B0609020204030204" pitchFamily="49" charset="0"/>
+                <a:cs typeface="Calibri" panose="020F0502020204030204" pitchFamily="34" charset="0"/>
+              </a:rPr>
+              <a:t>var variable_name = db.collection.find(query</a:t>
+            </a:r>
+            <a:r>
+              <a:rPr lang="en-US" dirty="0">
+                <a:solidFill>
+                  <a:srgbClr val="049DC8"/>
+                </a:solidFill>
+                <a:latin typeface="Consolas" panose="020B0609020204030204" pitchFamily="49" charset="0"/>
+                <a:cs typeface="Calibri" panose="020F0502020204030204" pitchFamily="34" charset="0"/>
+              </a:rPr>
+              <a:t>, projection)</a:t>
+            </a:r>
+          </a:p>
+        </p:txBody>
+      </p:sp>
+      <p:sp>
+        <p:nvSpPr>
+          <p:cNvPr id="12" name="Rectangle 11"/>
+          <p:cNvSpPr/>
+          <p:nvPr/>
+        </p:nvSpPr>
+        <p:spPr>
+          <a:xfrm>
+            <a:off x="178876" y="2526268"/>
+            <a:ext cx="3736985" cy="369332"/>
+          </a:xfrm>
+          <a:prstGeom prst="rect">
+            <a:avLst/>
+          </a:prstGeom>
+        </p:spPr>
+        <p:txBody>
+          <a:bodyPr wrap="none">
+            <a:spAutoFit/>
+          </a:bodyPr>
+          <a:lstStyle/>
+          <a:p>
+            <a:r>
+              <a:rPr lang="en-US" dirty="0">
+                <a:solidFill>
+                  <a:srgbClr val="C00000"/>
+                </a:solidFill>
+              </a:rPr>
+              <a:t>The find() method returns a cursor.</a:t>
+            </a:r>
+          </a:p>
+        </p:txBody>
+      </p:sp>
+      <p:sp>
+        <p:nvSpPr>
+          <p:cNvPr id="3" name="Rectangle 2"/>
+          <p:cNvSpPr/>
+          <p:nvPr/>
+        </p:nvSpPr>
+        <p:spPr>
+          <a:xfrm>
+            <a:off x="224432" y="3048000"/>
+            <a:ext cx="8770379" cy="1045223"/>
+          </a:xfrm>
+          <a:prstGeom prst="rect">
+            <a:avLst/>
+          </a:prstGeom>
+        </p:spPr>
+        <p:txBody>
+          <a:bodyPr wrap="square">
+            <a:spAutoFit/>
+          </a:bodyPr>
+          <a:lstStyle/>
+          <a:p>
+            <a:pPr>
+              <a:lnSpc>
+                <a:spcPct val="150000"/>
+              </a:lnSpc>
+            </a:pPr>
+            <a:r>
+              <a:rPr lang="en-US" sz="2200" dirty="0">
+                <a:solidFill>
+                  <a:srgbClr val="FC6F0D"/>
+                </a:solidFill>
+              </a:rPr>
+              <a:t>var x = db ['emp'].find ()</a:t>
+            </a:r>
+          </a:p>
+          <a:p>
+            <a:pPr>
+              <a:lnSpc>
+                <a:spcPct val="150000"/>
+              </a:lnSpc>
+            </a:pPr>
+            <a:r>
+              <a:rPr lang="en-US" sz="2200" dirty="0">
+                <a:solidFill>
+                  <a:srgbClr val="FC6F0D"/>
+                </a:solidFill>
+              </a:rPr>
+              <a:t>x.forEach(printjson)</a:t>
+            </a:r>
+          </a:p>
+        </p:txBody>
+      </p:sp>
+    </p:spTree>
+    <p:extLst>
+      <p:ext uri="{BB962C8B-B14F-4D97-AF65-F5344CB8AC3E}">
+        <p14:creationId xmlns:p14="http://schemas.microsoft.com/office/powerpoint/2010/main" val="1504006984"/>
+      </p:ext>
+    </p:extLst>
+  </p:cSld>
+  <p:clrMapOvr>
+    <a:masterClrMapping/>
+  </p:clrMapOvr>
+  <p:timing>
+    <p:tnLst>
+      <p:par>
+        <p:cTn id="1" dur="indefinite" restart="never" nodeType="tmRoot"/>
+      </p:par>
+    </p:tnLst>
+  </p:timing>
+</p:sld>
+</file>
+
+<file path=ppt/slides/slide27.xml><?xml version="1.0" encoding="utf-8"?>
+<p:sld xmlns:a="http://schemas.openxmlformats.org/drawingml/2006/main" xmlns:r="http://schemas.openxmlformats.org/officeDocument/2006/relationships" xmlns:p="http://schemas.openxmlformats.org/presentationml/2006/main">
+  <p:cSld>
+    <p:spTree>
+      <p:nvGrpSpPr>
+        <p:cNvPr id="1" name=""/>
+        <p:cNvGrpSpPr/>
+        <p:nvPr/>
+      </p:nvGrpSpPr>
+      <p:grpSpPr>
+        <a:xfrm>
+          <a:off x="0" y="0"/>
+          <a:ext cx="0" cy="0"/>
+          <a:chOff x="0" y="0"/>
+          <a:chExt cx="0" cy="0"/>
+        </a:xfrm>
+      </p:grpSpPr>
+      <p:sp>
+        <p:nvSpPr>
           <p:cNvPr id="2" name="Title 1"/>
           <p:cNvSpPr txBox="1">
             <a:spLocks/>
@@ -10365,387 +10704,6 @@
 </p:sld>
 </file>
 
-<file path=ppt/slides/slide27.xml><?xml version="1.0" encoding="utf-8"?>
-<p:sld xmlns:a="http://schemas.openxmlformats.org/drawingml/2006/main" xmlns:r="http://schemas.openxmlformats.org/officeDocument/2006/relationships" xmlns:p="http://schemas.openxmlformats.org/presentationml/2006/main">
-  <p:cSld>
-    <p:spTree>
-      <p:nvGrpSpPr>
-        <p:cNvPr id="1" name=""/>
-        <p:cNvGrpSpPr/>
-        <p:nvPr/>
-      </p:nvGrpSpPr>
-      <p:grpSpPr>
-        <a:xfrm>
-          <a:off x="0" y="0"/>
-          <a:ext cx="0" cy="0"/>
-          <a:chOff x="0" y="0"/>
-          <a:chExt cx="0" cy="0"/>
-        </a:xfrm>
-      </p:grpSpPr>
-      <p:sp>
-        <p:nvSpPr>
-          <p:cNvPr id="6" name="Rectangle 5"/>
-          <p:cNvSpPr/>
-          <p:nvPr/>
-        </p:nvSpPr>
-        <p:spPr>
-          <a:xfrm>
-            <a:off x="0" y="0"/>
-            <a:ext cx="9144000" cy="584775"/>
-          </a:xfrm>
-          <a:prstGeom prst="rect">
-            <a:avLst/>
-          </a:prstGeom>
-          <a:solidFill>
-            <a:schemeClr val="accent4">
-              <a:lumMod val="75000"/>
-            </a:schemeClr>
-          </a:solidFill>
-        </p:spPr>
-        <p:txBody>
-          <a:bodyPr wrap="square">
-            <a:spAutoFit/>
-          </a:bodyPr>
-          <a:lstStyle/>
-          <a:p>
-            <a:pPr algn="r">
-              <a:spcBef>
-                <a:spcPct val="0"/>
-              </a:spcBef>
-            </a:pPr>
-            <a:r>
-              <a:rPr lang="en-IN" sz="3200" b="1" i="1" dirty="0" smtClean="0">
-                <a:solidFill>
-                  <a:srgbClr val="FFFF00"/>
-                </a:solidFill>
-                <a:latin typeface="Arial" pitchFamily="34" charset="0"/>
-                <a:cs typeface="Arial" pitchFamily="34" charset="0"/>
-              </a:rPr>
-              <a:t>db.collection.find().sort({ })</a:t>
-            </a:r>
-            <a:endParaRPr lang="en-IN" sz="3200" b="1" i="1" dirty="0">
-              <a:solidFill>
-                <a:srgbClr val="FFFF00"/>
-              </a:solidFill>
-              <a:latin typeface="Arial" pitchFamily="34" charset="0"/>
-              <a:cs typeface="Arial" pitchFamily="34" charset="0"/>
-            </a:endParaRPr>
-          </a:p>
-        </p:txBody>
-      </p:sp>
-      <p:sp>
-        <p:nvSpPr>
-          <p:cNvPr id="7" name="Rectangle 6"/>
-          <p:cNvSpPr/>
-          <p:nvPr/>
-        </p:nvSpPr>
-        <p:spPr>
-          <a:xfrm>
-            <a:off x="149188" y="762000"/>
-            <a:ext cx="8845624" cy="646331"/>
-          </a:xfrm>
-          <a:prstGeom prst="rect">
-            <a:avLst/>
-          </a:prstGeom>
-        </p:spPr>
-        <p:txBody>
-          <a:bodyPr wrap="square">
-            <a:spAutoFit/>
-          </a:bodyPr>
-          <a:lstStyle/>
-          <a:p>
-            <a:r>
-              <a:rPr lang="en-US" dirty="0"/>
-              <a:t>Specifies the order in which the query returns matching documents. You must apply </a:t>
-            </a:r>
-            <a:r>
-              <a:rPr lang="en-US" b="1" i="1" dirty="0">
-                <a:solidFill>
-                  <a:srgbClr val="036883"/>
-                </a:solidFill>
-              </a:rPr>
-              <a:t>sort() </a:t>
-            </a:r>
-            <a:r>
-              <a:rPr lang="en-US" dirty="0"/>
-              <a:t>to the cursor before retrieving any documents from the database.</a:t>
-            </a:r>
-            <a:endParaRPr lang="en-IN" dirty="0"/>
-          </a:p>
-        </p:txBody>
-      </p:sp>
-      <p:sp>
-        <p:nvSpPr>
-          <p:cNvPr id="4" name="Rectangle 3"/>
-          <p:cNvSpPr/>
-          <p:nvPr/>
-        </p:nvSpPr>
-        <p:spPr>
-          <a:xfrm>
-            <a:off x="154136" y="1563469"/>
-            <a:ext cx="8840676" cy="923330"/>
-          </a:xfrm>
-          <a:prstGeom prst="rect">
-            <a:avLst/>
-          </a:prstGeom>
-        </p:spPr>
-        <p:txBody>
-          <a:bodyPr wrap="square">
-            <a:spAutoFit/>
-          </a:bodyPr>
-          <a:lstStyle/>
-          <a:p>
-            <a:r>
-              <a:rPr lang="en-US" dirty="0">
-                <a:solidFill>
-                  <a:srgbClr val="049DC8"/>
-                </a:solidFill>
-                <a:latin typeface="Consolas" panose="020B0609020204030204" pitchFamily="49" charset="0"/>
-                <a:cs typeface="Calibri" panose="020F0502020204030204" pitchFamily="34" charset="0"/>
-              </a:rPr>
-              <a:t>cursor.sort</a:t>
-            </a:r>
-            <a:r>
-              <a:rPr lang="en-US" dirty="0" smtClean="0">
-                <a:solidFill>
-                  <a:srgbClr val="049DC8"/>
-                </a:solidFill>
-                <a:latin typeface="Consolas" panose="020B0609020204030204" pitchFamily="49" charset="0"/>
-                <a:cs typeface="Calibri" panose="020F0502020204030204" pitchFamily="34" charset="0"/>
-              </a:rPr>
-              <a:t>(</a:t>
-            </a:r>
-            <a:r>
-              <a:rPr lang="en-US" dirty="0">
-                <a:solidFill>
-                  <a:srgbClr val="049DC8"/>
-                </a:solidFill>
-                <a:latin typeface="Consolas" panose="020B0609020204030204" pitchFamily="49" charset="0"/>
-                <a:cs typeface="Calibri" panose="020F0502020204030204" pitchFamily="34" charset="0"/>
-              </a:rPr>
-              <a:t>{ field: value }</a:t>
-            </a:r>
-            <a:r>
-              <a:rPr lang="en-US" dirty="0" smtClean="0">
-                <a:solidFill>
-                  <a:srgbClr val="049DC8"/>
-                </a:solidFill>
-                <a:latin typeface="Consolas" panose="020B0609020204030204" pitchFamily="49" charset="0"/>
-                <a:cs typeface="Calibri" panose="020F0502020204030204" pitchFamily="34" charset="0"/>
-              </a:rPr>
-              <a:t>)</a:t>
-            </a:r>
-            <a:endParaRPr lang="en-US" dirty="0">
-              <a:solidFill>
-                <a:srgbClr val="049DC8"/>
-              </a:solidFill>
-              <a:latin typeface="Consolas" panose="020B0609020204030204" pitchFamily="49" charset="0"/>
-              <a:cs typeface="Calibri" panose="020F0502020204030204" pitchFamily="34" charset="0"/>
-            </a:endParaRPr>
-          </a:p>
-          <a:p>
-            <a:r>
-              <a:rPr lang="en-US" dirty="0" smtClean="0">
-                <a:solidFill>
-                  <a:srgbClr val="049DC8"/>
-                </a:solidFill>
-                <a:latin typeface="Consolas" panose="020B0609020204030204" pitchFamily="49" charset="0"/>
-                <a:cs typeface="Calibri" panose="020F0502020204030204" pitchFamily="34" charset="0"/>
-              </a:rPr>
-              <a:t>db </a:t>
-            </a:r>
-            <a:r>
-              <a:rPr lang="en-US" dirty="0">
-                <a:solidFill>
-                  <a:srgbClr val="049DC8"/>
-                </a:solidFill>
-                <a:latin typeface="Consolas" panose="020B0609020204030204" pitchFamily="49" charset="0"/>
-                <a:cs typeface="Calibri" panose="020F0502020204030204" pitchFamily="34" charset="0"/>
-              </a:rPr>
-              <a:t>['emp'].find (query, projection</a:t>
-            </a:r>
-            <a:r>
-              <a:rPr lang="en-US" dirty="0" smtClean="0">
-                <a:solidFill>
-                  <a:srgbClr val="049DC8"/>
-                </a:solidFill>
-                <a:latin typeface="Consolas" panose="020B0609020204030204" pitchFamily="49" charset="0"/>
-                <a:cs typeface="Calibri" panose="020F0502020204030204" pitchFamily="34" charset="0"/>
-              </a:rPr>
-              <a:t>).</a:t>
-            </a:r>
-            <a:r>
-              <a:rPr lang="en-US" dirty="0">
-                <a:solidFill>
-                  <a:srgbClr val="049DC8"/>
-                </a:solidFill>
-                <a:latin typeface="Consolas" panose="020B0609020204030204" pitchFamily="49" charset="0"/>
-                <a:cs typeface="Calibri" panose="020F0502020204030204" pitchFamily="34" charset="0"/>
-              </a:rPr>
-              <a:t>sort({ field: value }) </a:t>
-            </a:r>
-          </a:p>
-          <a:p>
-            <a:r>
-              <a:rPr lang="en-US" dirty="0">
-                <a:solidFill>
-                  <a:srgbClr val="049DC8"/>
-                </a:solidFill>
-                <a:latin typeface="Consolas" panose="020B0609020204030204" pitchFamily="49" charset="0"/>
-                <a:cs typeface="Calibri" panose="020F0502020204030204" pitchFamily="34" charset="0"/>
-              </a:rPr>
-              <a:t>db.collection.find(query, projection</a:t>
-            </a:r>
-            <a:r>
-              <a:rPr lang="en-US" dirty="0" smtClean="0">
-                <a:solidFill>
-                  <a:srgbClr val="049DC8"/>
-                </a:solidFill>
-                <a:latin typeface="Consolas" panose="020B0609020204030204" pitchFamily="49" charset="0"/>
-                <a:cs typeface="Calibri" panose="020F0502020204030204" pitchFamily="34" charset="0"/>
-              </a:rPr>
-              <a:t>).</a:t>
-            </a:r>
-            <a:r>
-              <a:rPr lang="en-US" dirty="0">
-                <a:solidFill>
-                  <a:srgbClr val="049DC8"/>
-                </a:solidFill>
-                <a:latin typeface="Consolas" panose="020B0609020204030204" pitchFamily="49" charset="0"/>
-                <a:cs typeface="Calibri" panose="020F0502020204030204" pitchFamily="34" charset="0"/>
-              </a:rPr>
-              <a:t>sort({ field: value })</a:t>
-            </a:r>
-          </a:p>
-        </p:txBody>
-      </p:sp>
-      <p:sp>
-        <p:nvSpPr>
-          <p:cNvPr id="3" name="Rectangle 2"/>
-          <p:cNvSpPr/>
-          <p:nvPr/>
-        </p:nvSpPr>
-        <p:spPr>
-          <a:xfrm>
-            <a:off x="160073" y="2782669"/>
-            <a:ext cx="8823853" cy="646331"/>
-          </a:xfrm>
-          <a:prstGeom prst="rect">
-            <a:avLst/>
-          </a:prstGeom>
-          <a:solidFill>
-            <a:srgbClr val="DFE100"/>
-          </a:solidFill>
-        </p:spPr>
-        <p:txBody>
-          <a:bodyPr wrap="square">
-            <a:spAutoFit/>
-          </a:bodyPr>
-          <a:lstStyle/>
-          <a:p>
-            <a:r>
-              <a:rPr lang="en-US" dirty="0"/>
-              <a:t>Specify in the sort parameter  1 or -1 to specify an ascending or descending sort respectively.</a:t>
-            </a:r>
-          </a:p>
-        </p:txBody>
-      </p:sp>
-      <p:sp>
-        <p:nvSpPr>
-          <p:cNvPr id="5" name="Rectangle 4"/>
-          <p:cNvSpPr/>
-          <p:nvPr/>
-        </p:nvSpPr>
-        <p:spPr>
-          <a:xfrm>
-            <a:off x="160072" y="3768804"/>
-            <a:ext cx="8823853" cy="1107996"/>
-          </a:xfrm>
-          <a:prstGeom prst="rect">
-            <a:avLst/>
-          </a:prstGeom>
-        </p:spPr>
-        <p:txBody>
-          <a:bodyPr wrap="square">
-            <a:spAutoFit/>
-          </a:bodyPr>
-          <a:lstStyle/>
-          <a:p>
-            <a:pPr>
-              <a:lnSpc>
-                <a:spcPct val="150000"/>
-              </a:lnSpc>
-            </a:pPr>
-            <a:r>
-              <a:rPr lang="en-US" sz="2200" dirty="0">
-                <a:solidFill>
-                  <a:srgbClr val="FC6F0D"/>
-                </a:solidFill>
-              </a:rPr>
-              <a:t>db['emp'].find({},{ename:true}).sort({ename:1</a:t>
-            </a:r>
-            <a:r>
-              <a:rPr lang="en-US" sz="2200" dirty="0" smtClean="0">
-                <a:solidFill>
-                  <a:srgbClr val="FC6F0D"/>
-                </a:solidFill>
-              </a:rPr>
-              <a:t>});</a:t>
-            </a:r>
-          </a:p>
-          <a:p>
-            <a:pPr>
-              <a:lnSpc>
-                <a:spcPct val="150000"/>
-              </a:lnSpc>
-            </a:pPr>
-            <a:r>
-              <a:rPr lang="en-US" sz="2200" dirty="0">
-                <a:solidFill>
-                  <a:srgbClr val="FC6F0D"/>
-                </a:solidFill>
-              </a:rPr>
-              <a:t>db['emp'].find({},{ename:true}).sort({ename</a:t>
-            </a:r>
-            <a:r>
-              <a:rPr lang="en-US" sz="2200" dirty="0" smtClean="0">
-                <a:solidFill>
-                  <a:srgbClr val="FC6F0D"/>
-                </a:solidFill>
-              </a:rPr>
-              <a:t>:-1</a:t>
-            </a:r>
-            <a:r>
-              <a:rPr lang="en-US" sz="2200" dirty="0">
-                <a:solidFill>
-                  <a:srgbClr val="FC6F0D"/>
-                </a:solidFill>
-              </a:rPr>
-              <a:t>});</a:t>
-            </a:r>
-          </a:p>
-        </p:txBody>
-      </p:sp>
-    </p:spTree>
-    <p:extLst>
-      <p:ext uri="{BB962C8B-B14F-4D97-AF65-F5344CB8AC3E}">
-        <p14:creationId xmlns:p14="http://schemas.microsoft.com/office/powerpoint/2010/main" val="3558721917"/>
-      </p:ext>
-    </p:extLst>
-  </p:cSld>
-  <p:clrMapOvr>
-    <a:masterClrMapping/>
-  </p:clrMapOvr>
-  <p:timing>
-    <p:tnLst>
-      <p:par>
-        <p:cTn id="1" dur="indefinite" restart="never" nodeType="tmRoot"/>
-      </p:par>
-    </p:tnLst>
-  </p:timing>
-</p:sld>
-</file>
-
 <file path=ppt/slides/slide28.xml><?xml version="1.0" encoding="utf-8"?>
 <p:sld xmlns:a="http://schemas.openxmlformats.org/drawingml/2006/main" xmlns:r="http://schemas.openxmlformats.org/officeDocument/2006/relationships" xmlns:p="http://schemas.openxmlformats.org/presentationml/2006/main">
   <p:cSld>
@@ -10765,71 +10723,69 @@
       </p:grpSpPr>
       <p:sp>
         <p:nvSpPr>
-          <p:cNvPr id="2" name="Title 1"/>
-          <p:cNvSpPr txBox="1">
-            <a:spLocks/>
-          </p:cNvSpPr>
-          <p:nvPr/>
-        </p:nvSpPr>
-        <p:spPr>
-          <a:xfrm>
-            <a:off x="152400" y="2057400"/>
-            <a:ext cx="8839200" cy="838200"/>
-          </a:xfrm>
-          <a:prstGeom prst="rect">
-            <a:avLst/>
-          </a:prstGeom>
-        </p:spPr>
-        <p:txBody>
-          <a:bodyPr>
-            <a:noAutofit/>
+          <p:cNvPr id="6" name="Rectangle 5"/>
+          <p:cNvSpPr/>
+          <p:nvPr/>
+        </p:nvSpPr>
+        <p:spPr>
+          <a:xfrm>
+            <a:off x="0" y="0"/>
+            <a:ext cx="9144000" cy="584775"/>
+          </a:xfrm>
+          <a:prstGeom prst="rect">
+            <a:avLst/>
+          </a:prstGeom>
+          <a:solidFill>
+            <a:schemeClr val="accent4">
+              <a:lumMod val="75000"/>
+            </a:schemeClr>
+          </a:solidFill>
+        </p:spPr>
+        <p:txBody>
+          <a:bodyPr wrap="square">
+            <a:spAutoFit/>
           </a:bodyPr>
-          <a:lstStyle>
-            <a:defPPr>
-              <a:defRPr lang="en-US"/>
-            </a:defPPr>
-            <a:lvl1pPr lvl="0" algn="ctr">
+          <a:lstStyle/>
+          <a:p>
+            <a:pPr algn="r">
               <a:spcBef>
                 <a:spcPct val="0"/>
               </a:spcBef>
-              <a:defRPr sz="4800">
-                <a:solidFill>
-                  <a:srgbClr val="7EEEE3"/>
-                </a:solidFill>
-                <a:latin typeface="Segoe UI Light" panose="020B0502040204020203" pitchFamily="34" charset="0"/>
-                <a:cs typeface="Segoe UI Light" panose="020B0502040204020203" pitchFamily="34" charset="0"/>
-              </a:defRPr>
-            </a:lvl1pPr>
-          </a:lstStyle>
-          <a:p>
-            <a:r>
-              <a:rPr lang="en-IN" dirty="0" smtClean="0"/>
-              <a:t>limit</a:t>
-            </a:r>
-            <a:endParaRPr lang="en-US" dirty="0"/>
-          </a:p>
-        </p:txBody>
-      </p:sp>
-      <p:sp>
-        <p:nvSpPr>
-          <p:cNvPr id="3" name="Rectangle 2"/>
+            </a:pPr>
+            <a:r>
+              <a:rPr lang="en-IN" sz="3200" b="1" i="1" dirty="0" smtClean="0">
+                <a:solidFill>
+                  <a:srgbClr val="FFFF00"/>
+                </a:solidFill>
+                <a:latin typeface="Arial" pitchFamily="34" charset="0"/>
+                <a:cs typeface="Arial" pitchFamily="34" charset="0"/>
+              </a:rPr>
+              <a:t>db.collection.find().sort({ })</a:t>
+            </a:r>
+            <a:endParaRPr lang="en-IN" sz="3200" b="1" i="1" dirty="0">
+              <a:solidFill>
+                <a:srgbClr val="FFFF00"/>
+              </a:solidFill>
+              <a:latin typeface="Arial" pitchFamily="34" charset="0"/>
+              <a:cs typeface="Arial" pitchFamily="34" charset="0"/>
+            </a:endParaRPr>
+          </a:p>
+        </p:txBody>
+      </p:sp>
+      <p:sp>
+        <p:nvSpPr>
+          <p:cNvPr id="7" name="Rectangle 6"/>
           <p:cNvSpPr/>
           <p:nvPr/>
         </p:nvSpPr>
         <p:spPr>
           <a:xfrm>
-            <a:off x="419100" y="2861953"/>
-            <a:ext cx="8305800" cy="369332"/>
-          </a:xfrm>
-          <a:prstGeom prst="rect">
-            <a:avLst/>
-          </a:prstGeom>
-          <a:solidFill>
-            <a:schemeClr val="accent6">
-              <a:lumMod val="20000"/>
-              <a:lumOff val="80000"/>
-            </a:schemeClr>
-          </a:solidFill>
+            <a:off x="149188" y="762000"/>
+            <a:ext cx="8845624" cy="646331"/>
+          </a:xfrm>
+          <a:prstGeom prst="rect">
+            <a:avLst/>
+          </a:prstGeom>
         </p:spPr>
         <p:txBody>
           <a:bodyPr wrap="square">
@@ -10838,13 +10794,273 @@
           <a:lstStyle/>
           <a:p>
             <a:r>
+              <a:rPr lang="en-US" dirty="0"/>
+              <a:t>Specifies the order in which the query returns matching documents. You must apply </a:t>
+            </a:r>
+            <a:r>
+              <a:rPr lang="en-US" b="1" i="1" dirty="0">
+                <a:solidFill>
+                  <a:srgbClr val="036883"/>
+                </a:solidFill>
+              </a:rPr>
+              <a:t>sort() </a:t>
+            </a:r>
+            <a:r>
+              <a:rPr lang="en-US" dirty="0"/>
+              <a:t>to the cursor before retrieving any documents from the database.</a:t>
+            </a:r>
+            <a:endParaRPr lang="en-IN" dirty="0"/>
+          </a:p>
+        </p:txBody>
+      </p:sp>
+      <p:sp>
+        <p:nvSpPr>
+          <p:cNvPr id="4" name="Rectangle 3"/>
+          <p:cNvSpPr/>
+          <p:nvPr/>
+        </p:nvSpPr>
+        <p:spPr>
+          <a:xfrm>
+            <a:off x="154136" y="1563469"/>
+            <a:ext cx="8840676" cy="923330"/>
+          </a:xfrm>
+          <a:prstGeom prst="rect">
+            <a:avLst/>
+          </a:prstGeom>
+        </p:spPr>
+        <p:txBody>
+          <a:bodyPr wrap="square">
+            <a:spAutoFit/>
+          </a:bodyPr>
+          <a:lstStyle/>
+          <a:p>
+            <a:r>
+              <a:rPr lang="en-US" dirty="0">
+                <a:solidFill>
+                  <a:srgbClr val="049DC8"/>
+                </a:solidFill>
+                <a:latin typeface="Consolas" panose="020B0609020204030204" pitchFamily="49" charset="0"/>
+                <a:cs typeface="Calibri" panose="020F0502020204030204" pitchFamily="34" charset="0"/>
+              </a:rPr>
+              <a:t>cursor.sort</a:t>
+            </a:r>
+            <a:r>
               <a:rPr lang="en-US" dirty="0" smtClean="0">
                 <a:solidFill>
-                  <a:srgbClr val="222222"/>
-                </a:solidFill>
-                <a:latin typeface="arial" panose="020B0604020202020204" pitchFamily="34" charset="0"/>
-              </a:rPr>
-              <a:t>TODO</a:t>
+                  <a:srgbClr val="049DC8"/>
+                </a:solidFill>
+                <a:latin typeface="Consolas" panose="020B0609020204030204" pitchFamily="49" charset="0"/>
+                <a:cs typeface="Calibri" panose="020F0502020204030204" pitchFamily="34" charset="0"/>
+              </a:rPr>
+              <a:t>(</a:t>
+            </a:r>
+            <a:r>
+              <a:rPr lang="en-US" dirty="0">
+                <a:solidFill>
+                  <a:srgbClr val="049DC8"/>
+                </a:solidFill>
+                <a:latin typeface="Consolas" panose="020B0609020204030204" pitchFamily="49" charset="0"/>
+                <a:cs typeface="Calibri" panose="020F0502020204030204" pitchFamily="34" charset="0"/>
+              </a:rPr>
+              <a:t>{ field: value }</a:t>
+            </a:r>
+            <a:r>
+              <a:rPr lang="en-US" dirty="0" smtClean="0">
+                <a:solidFill>
+                  <a:srgbClr val="049DC8"/>
+                </a:solidFill>
+                <a:latin typeface="Consolas" panose="020B0609020204030204" pitchFamily="49" charset="0"/>
+                <a:cs typeface="Calibri" panose="020F0502020204030204" pitchFamily="34" charset="0"/>
+              </a:rPr>
+              <a:t>)</a:t>
+            </a:r>
+            <a:endParaRPr lang="en-US" dirty="0">
+              <a:solidFill>
+                <a:srgbClr val="049DC8"/>
+              </a:solidFill>
+              <a:latin typeface="Consolas" panose="020B0609020204030204" pitchFamily="49" charset="0"/>
+              <a:cs typeface="Calibri" panose="020F0502020204030204" pitchFamily="34" charset="0"/>
+            </a:endParaRPr>
+          </a:p>
+          <a:p>
+            <a:r>
+              <a:rPr lang="en-US" dirty="0" smtClean="0">
+                <a:solidFill>
+                  <a:srgbClr val="049DC8"/>
+                </a:solidFill>
+                <a:latin typeface="Consolas" panose="020B0609020204030204" pitchFamily="49" charset="0"/>
+                <a:cs typeface="Calibri" panose="020F0502020204030204" pitchFamily="34" charset="0"/>
+              </a:rPr>
+              <a:t>db </a:t>
+            </a:r>
+            <a:r>
+              <a:rPr lang="en-US" dirty="0">
+                <a:solidFill>
+                  <a:srgbClr val="049DC8"/>
+                </a:solidFill>
+                <a:latin typeface="Consolas" panose="020B0609020204030204" pitchFamily="49" charset="0"/>
+                <a:cs typeface="Calibri" panose="020F0502020204030204" pitchFamily="34" charset="0"/>
+              </a:rPr>
+              <a:t>['emp'].find (query, projection</a:t>
+            </a:r>
+            <a:r>
+              <a:rPr lang="en-US" dirty="0" smtClean="0">
+                <a:solidFill>
+                  <a:srgbClr val="049DC8"/>
+                </a:solidFill>
+                <a:latin typeface="Consolas" panose="020B0609020204030204" pitchFamily="49" charset="0"/>
+                <a:cs typeface="Calibri" panose="020F0502020204030204" pitchFamily="34" charset="0"/>
+              </a:rPr>
+              <a:t>).</a:t>
+            </a:r>
+            <a:r>
+              <a:rPr lang="en-US" dirty="0">
+                <a:solidFill>
+                  <a:srgbClr val="049DC8"/>
+                </a:solidFill>
+                <a:latin typeface="Consolas" panose="020B0609020204030204" pitchFamily="49" charset="0"/>
+                <a:cs typeface="Calibri" panose="020F0502020204030204" pitchFamily="34" charset="0"/>
+              </a:rPr>
+              <a:t>sort({ field: value }) </a:t>
+            </a:r>
+          </a:p>
+          <a:p>
+            <a:r>
+              <a:rPr lang="en-US" dirty="0">
+                <a:solidFill>
+                  <a:srgbClr val="049DC8"/>
+                </a:solidFill>
+                <a:latin typeface="Consolas" panose="020B0609020204030204" pitchFamily="49" charset="0"/>
+                <a:cs typeface="Calibri" panose="020F0502020204030204" pitchFamily="34" charset="0"/>
+              </a:rPr>
+              <a:t>db.collection.find(query, projection</a:t>
+            </a:r>
+            <a:r>
+              <a:rPr lang="en-US" dirty="0" smtClean="0">
+                <a:solidFill>
+                  <a:srgbClr val="049DC8"/>
+                </a:solidFill>
+                <a:latin typeface="Consolas" panose="020B0609020204030204" pitchFamily="49" charset="0"/>
+                <a:cs typeface="Calibri" panose="020F0502020204030204" pitchFamily="34" charset="0"/>
+              </a:rPr>
+              <a:t>).</a:t>
+            </a:r>
+            <a:r>
+              <a:rPr lang="en-US" dirty="0">
+                <a:solidFill>
+                  <a:srgbClr val="049DC8"/>
+                </a:solidFill>
+                <a:latin typeface="Consolas" panose="020B0609020204030204" pitchFamily="49" charset="0"/>
+                <a:cs typeface="Calibri" panose="020F0502020204030204" pitchFamily="34" charset="0"/>
+              </a:rPr>
+              <a:t>sort({ field: value })</a:t>
+            </a:r>
+          </a:p>
+        </p:txBody>
+      </p:sp>
+      <p:sp>
+        <p:nvSpPr>
+          <p:cNvPr id="3" name="Rectangle 2"/>
+          <p:cNvSpPr/>
+          <p:nvPr/>
+        </p:nvSpPr>
+        <p:spPr>
+          <a:xfrm>
+            <a:off x="160073" y="2782669"/>
+            <a:ext cx="8823853" cy="646331"/>
+          </a:xfrm>
+          <a:prstGeom prst="rect">
+            <a:avLst/>
+          </a:prstGeom>
+          <a:solidFill>
+            <a:srgbClr val="DFE100"/>
+          </a:solidFill>
+        </p:spPr>
+        <p:txBody>
+          <a:bodyPr wrap="square">
+            <a:spAutoFit/>
+          </a:bodyPr>
+          <a:lstStyle/>
+          <a:p>
+            <a:r>
+              <a:rPr lang="en-US" dirty="0"/>
+              <a:t>Specify in the sort parameter  1 or -1 to specify an ascending or descending sort respectively.</a:t>
+            </a:r>
+          </a:p>
+        </p:txBody>
+      </p:sp>
+      <p:sp>
+        <p:nvSpPr>
+          <p:cNvPr id="5" name="Rectangle 4"/>
+          <p:cNvSpPr/>
+          <p:nvPr/>
+        </p:nvSpPr>
+        <p:spPr>
+          <a:xfrm>
+            <a:off x="160072" y="3768804"/>
+            <a:ext cx="8823853" cy="1107996"/>
+          </a:xfrm>
+          <a:prstGeom prst="rect">
+            <a:avLst/>
+          </a:prstGeom>
+        </p:spPr>
+        <p:txBody>
+          <a:bodyPr wrap="square">
+            <a:spAutoFit/>
+          </a:bodyPr>
+          <a:lstStyle/>
+          <a:p>
+            <a:pPr>
+              <a:lnSpc>
+                <a:spcPct val="150000"/>
+              </a:lnSpc>
+            </a:pPr>
+            <a:r>
+              <a:rPr lang="en-US" sz="2200" dirty="0">
+                <a:solidFill>
+                  <a:srgbClr val="FC6F0D"/>
+                </a:solidFill>
+              </a:rPr>
+              <a:t>db['emp'].find({},{ename:true}).sort({ename:1</a:t>
+            </a:r>
+            <a:r>
+              <a:rPr lang="en-US" sz="2200" dirty="0" smtClean="0">
+                <a:solidFill>
+                  <a:srgbClr val="FC6F0D"/>
+                </a:solidFill>
+              </a:rPr>
+              <a:t>});</a:t>
+            </a:r>
+          </a:p>
+          <a:p>
+            <a:pPr>
+              <a:lnSpc>
+                <a:spcPct val="150000"/>
+              </a:lnSpc>
+            </a:pPr>
+            <a:r>
+              <a:rPr lang="en-US" sz="2200" dirty="0">
+                <a:solidFill>
+                  <a:srgbClr val="FC6F0D"/>
+                </a:solidFill>
+              </a:rPr>
+              <a:t>db['emp'].find({},{ename:true}).sort({ename</a:t>
+            </a:r>
+            <a:r>
+              <a:rPr lang="en-US" sz="2200" dirty="0" smtClean="0">
+                <a:solidFill>
+                  <a:srgbClr val="FC6F0D"/>
+                </a:solidFill>
+              </a:rPr>
+              <a:t>:-1</a:t>
+            </a:r>
+            <a:r>
+              <a:rPr lang="en-US" sz="2200" dirty="0">
+                <a:solidFill>
+                  <a:srgbClr val="FC6F0D"/>
+                </a:solidFill>
+              </a:rPr>
+              <a:t>});</a:t>
             </a:r>
           </a:p>
         </p:txBody>
@@ -10852,21 +11068,13 @@
     </p:spTree>
     <p:extLst>
       <p:ext uri="{BB962C8B-B14F-4D97-AF65-F5344CB8AC3E}">
-        <p14:creationId xmlns:p14="http://schemas.microsoft.com/office/powerpoint/2010/main" val="2279083902"/>
+        <p14:creationId xmlns:p14="http://schemas.microsoft.com/office/powerpoint/2010/main" val="3558721917"/>
       </p:ext>
     </p:extLst>
   </p:cSld>
   <p:clrMapOvr>
     <a:masterClrMapping/>
   </p:clrMapOvr>
-  <mc:AlternateContent xmlns:mc="http://schemas.openxmlformats.org/markup-compatibility/2006" xmlns:p14="http://schemas.microsoft.com/office/powerpoint/2010/main">
-    <mc:Choice Requires="p14">
-      <p:transition spd="slow" p14:dur="2000"/>
-    </mc:Choice>
-    <mc:Fallback xmlns="">
-      <p:transition spd="slow"/>
-    </mc:Fallback>
-  </mc:AlternateContent>
   <p:timing>
     <p:tnLst>
       <p:par>
@@ -10896,21 +11104,69 @@
       </p:grpSpPr>
       <p:sp>
         <p:nvSpPr>
-          <p:cNvPr id="6" name="Rectangle 5"/>
+          <p:cNvPr id="2" name="Title 1"/>
+          <p:cNvSpPr txBox="1">
+            <a:spLocks/>
+          </p:cNvSpPr>
+          <p:nvPr/>
+        </p:nvSpPr>
+        <p:spPr>
+          <a:xfrm>
+            <a:off x="152400" y="2057400"/>
+            <a:ext cx="8839200" cy="838200"/>
+          </a:xfrm>
+          <a:prstGeom prst="rect">
+            <a:avLst/>
+          </a:prstGeom>
+        </p:spPr>
+        <p:txBody>
+          <a:bodyPr>
+            <a:noAutofit/>
+          </a:bodyPr>
+          <a:lstStyle>
+            <a:defPPr>
+              <a:defRPr lang="en-US"/>
+            </a:defPPr>
+            <a:lvl1pPr lvl="0" algn="ctr">
+              <a:spcBef>
+                <a:spcPct val="0"/>
+              </a:spcBef>
+              <a:defRPr sz="4800">
+                <a:solidFill>
+                  <a:srgbClr val="7EEEE3"/>
+                </a:solidFill>
+                <a:latin typeface="Segoe UI Light" panose="020B0502040204020203" pitchFamily="34" charset="0"/>
+                <a:cs typeface="Segoe UI Light" panose="020B0502040204020203" pitchFamily="34" charset="0"/>
+              </a:defRPr>
+            </a:lvl1pPr>
+          </a:lstStyle>
+          <a:p>
+            <a:r>
+              <a:rPr lang="en-IN" dirty="0" smtClean="0"/>
+              <a:t>limit</a:t>
+            </a:r>
+            <a:endParaRPr lang="en-US" dirty="0"/>
+          </a:p>
+        </p:txBody>
+      </p:sp>
+      <p:sp>
+        <p:nvSpPr>
+          <p:cNvPr id="3" name="Rectangle 2"/>
           <p:cNvSpPr/>
           <p:nvPr/>
         </p:nvSpPr>
         <p:spPr>
           <a:xfrm>
-            <a:off x="0" y="0"/>
-            <a:ext cx="9144000" cy="584775"/>
+            <a:off x="419100" y="2861953"/>
+            <a:ext cx="8305800" cy="369332"/>
           </a:xfrm>
           <a:prstGeom prst="rect">
             <a:avLst/>
           </a:prstGeom>
           <a:solidFill>
-            <a:schemeClr val="accent4">
-              <a:lumMod val="75000"/>
+            <a:schemeClr val="accent6">
+              <a:lumMod val="20000"/>
+              <a:lumOff val="80000"/>
             </a:schemeClr>
           </a:solidFill>
         </p:spPr>
@@ -10920,355 +11176,14 @@
           </a:bodyPr>
           <a:lstStyle/>
           <a:p>
-            <a:pPr algn="r">
-              <a:spcBef>
-                <a:spcPct val="0"/>
-              </a:spcBef>
-            </a:pPr>
-            <a:r>
-              <a:rPr lang="en-IN" sz="3200" b="1" i="1" dirty="0" smtClean="0">
-                <a:solidFill>
-                  <a:srgbClr val="FFFF00"/>
-                </a:solidFill>
-                <a:latin typeface="Arial" pitchFamily="34" charset="0"/>
-                <a:cs typeface="Arial" pitchFamily="34" charset="0"/>
-              </a:rPr>
-              <a:t>db.collection.find().limit()</a:t>
-            </a:r>
-            <a:endParaRPr lang="en-IN" sz="3200" b="1" i="1" dirty="0">
-              <a:solidFill>
-                <a:srgbClr val="FFFF00"/>
-              </a:solidFill>
-              <a:latin typeface="Arial" pitchFamily="34" charset="0"/>
-              <a:cs typeface="Arial" pitchFamily="34" charset="0"/>
-            </a:endParaRPr>
-          </a:p>
-        </p:txBody>
-      </p:sp>
-      <p:sp>
-        <p:nvSpPr>
-          <p:cNvPr id="7" name="Rectangle 6"/>
-          <p:cNvSpPr/>
-          <p:nvPr/>
-        </p:nvSpPr>
-        <p:spPr>
-          <a:xfrm>
-            <a:off x="149188" y="762000"/>
-            <a:ext cx="8845624" cy="646331"/>
-          </a:xfrm>
-          <a:prstGeom prst="rect">
-            <a:avLst/>
-          </a:prstGeom>
-        </p:spPr>
-        <p:txBody>
-          <a:bodyPr wrap="square">
-            <a:spAutoFit/>
-          </a:bodyPr>
-          <a:lstStyle/>
-          <a:p>
-            <a:r>
-              <a:rPr lang="en-US" dirty="0"/>
-              <a:t>Use the </a:t>
-            </a:r>
-            <a:r>
-              <a:rPr lang="en-US" b="1" i="1" dirty="0">
-                <a:solidFill>
-                  <a:srgbClr val="036883"/>
-                </a:solidFill>
-              </a:rPr>
-              <a:t>limit()</a:t>
-            </a:r>
-            <a:r>
-              <a:rPr lang="en-US" dirty="0"/>
-              <a:t> method to specify the maximum number of documents the cursor will return.</a:t>
-            </a:r>
-            <a:endParaRPr lang="en-IN" dirty="0"/>
-          </a:p>
-        </p:txBody>
-      </p:sp>
-      <p:sp>
-        <p:nvSpPr>
-          <p:cNvPr id="4" name="Rectangle 3"/>
-          <p:cNvSpPr/>
-          <p:nvPr/>
-        </p:nvSpPr>
-        <p:spPr>
-          <a:xfrm>
-            <a:off x="154136" y="1563469"/>
-            <a:ext cx="8840676" cy="923330"/>
-          </a:xfrm>
-          <a:prstGeom prst="rect">
-            <a:avLst/>
-          </a:prstGeom>
-        </p:spPr>
-        <p:txBody>
-          <a:bodyPr wrap="square">
-            <a:spAutoFit/>
-          </a:bodyPr>
-          <a:lstStyle/>
-          <a:p>
             <a:r>
               <a:rPr lang="en-US" dirty="0" smtClean="0">
                 <a:solidFill>
-                  <a:srgbClr val="049DC8"/>
-                </a:solidFill>
-                <a:latin typeface="Consolas" panose="020B0609020204030204" pitchFamily="49" charset="0"/>
-                <a:cs typeface="Calibri" panose="020F0502020204030204" pitchFamily="34" charset="0"/>
-              </a:rPr>
-              <a:t>cursor.limit(</a:t>
-            </a:r>
-            <a:r>
-              <a:rPr lang="en-US" dirty="0">
-                <a:solidFill>
-                  <a:srgbClr val="049DC8"/>
-                </a:solidFill>
-                <a:latin typeface="Consolas" panose="020B0609020204030204" pitchFamily="49" charset="0"/>
-                <a:cs typeface="Calibri" panose="020F0502020204030204" pitchFamily="34" charset="0"/>
-              </a:rPr>
-              <a:t>&lt;number&gt;</a:t>
-            </a:r>
-            <a:r>
-              <a:rPr lang="en-US" dirty="0" smtClean="0">
-                <a:solidFill>
-                  <a:srgbClr val="049DC8"/>
-                </a:solidFill>
-                <a:latin typeface="Consolas" panose="020B0609020204030204" pitchFamily="49" charset="0"/>
-                <a:cs typeface="Calibri" panose="020F0502020204030204" pitchFamily="34" charset="0"/>
-              </a:rPr>
-              <a:t>)</a:t>
-            </a:r>
-            <a:endParaRPr lang="en-US" dirty="0">
-              <a:solidFill>
-                <a:srgbClr val="049DC8"/>
-              </a:solidFill>
-              <a:latin typeface="Consolas" panose="020B0609020204030204" pitchFamily="49" charset="0"/>
-              <a:cs typeface="Calibri" panose="020F0502020204030204" pitchFamily="34" charset="0"/>
-            </a:endParaRPr>
-          </a:p>
-          <a:p>
-            <a:r>
-              <a:rPr lang="en-US" dirty="0" smtClean="0">
-                <a:solidFill>
-                  <a:srgbClr val="049DC8"/>
-                </a:solidFill>
-                <a:latin typeface="Consolas" panose="020B0609020204030204" pitchFamily="49" charset="0"/>
-                <a:cs typeface="Calibri" panose="020F0502020204030204" pitchFamily="34" charset="0"/>
-              </a:rPr>
-              <a:t>db </a:t>
-            </a:r>
-            <a:r>
-              <a:rPr lang="en-US" dirty="0">
-                <a:solidFill>
-                  <a:srgbClr val="049DC8"/>
-                </a:solidFill>
-                <a:latin typeface="Consolas" panose="020B0609020204030204" pitchFamily="49" charset="0"/>
-                <a:cs typeface="Calibri" panose="020F0502020204030204" pitchFamily="34" charset="0"/>
-              </a:rPr>
-              <a:t>['emp'].find (query, projection</a:t>
-            </a:r>
-            <a:r>
-              <a:rPr lang="en-US" dirty="0" smtClean="0">
-                <a:solidFill>
-                  <a:srgbClr val="049DC8"/>
-                </a:solidFill>
-                <a:latin typeface="Consolas" panose="020B0609020204030204" pitchFamily="49" charset="0"/>
-                <a:cs typeface="Calibri" panose="020F0502020204030204" pitchFamily="34" charset="0"/>
-              </a:rPr>
-              <a:t>).limit(&lt;number&gt;) </a:t>
-            </a:r>
-            <a:endParaRPr lang="en-US" dirty="0">
-              <a:solidFill>
-                <a:srgbClr val="049DC8"/>
-              </a:solidFill>
-              <a:latin typeface="Consolas" panose="020B0609020204030204" pitchFamily="49" charset="0"/>
-              <a:cs typeface="Calibri" panose="020F0502020204030204" pitchFamily="34" charset="0"/>
-            </a:endParaRPr>
-          </a:p>
-          <a:p>
-            <a:r>
-              <a:rPr lang="en-US" dirty="0">
-                <a:solidFill>
-                  <a:srgbClr val="049DC8"/>
-                </a:solidFill>
-                <a:latin typeface="Consolas" panose="020B0609020204030204" pitchFamily="49" charset="0"/>
-                <a:cs typeface="Calibri" panose="020F0502020204030204" pitchFamily="34" charset="0"/>
-              </a:rPr>
-              <a:t>db.collection.find(query, projection</a:t>
-            </a:r>
-            <a:r>
-              <a:rPr lang="en-US" dirty="0" smtClean="0">
-                <a:solidFill>
-                  <a:srgbClr val="049DC8"/>
-                </a:solidFill>
-                <a:latin typeface="Consolas" panose="020B0609020204030204" pitchFamily="49" charset="0"/>
-                <a:cs typeface="Calibri" panose="020F0502020204030204" pitchFamily="34" charset="0"/>
-              </a:rPr>
-              <a:t>).</a:t>
-            </a:r>
-            <a:r>
-              <a:rPr lang="en-US" dirty="0">
-                <a:solidFill>
-                  <a:srgbClr val="049DC8"/>
-                </a:solidFill>
-                <a:latin typeface="Consolas" panose="020B0609020204030204" pitchFamily="49" charset="0"/>
-                <a:cs typeface="Calibri" panose="020F0502020204030204" pitchFamily="34" charset="0"/>
-              </a:rPr>
-              <a:t>limit</a:t>
-            </a:r>
-            <a:r>
-              <a:rPr lang="en-US" dirty="0" smtClean="0">
-                <a:solidFill>
-                  <a:srgbClr val="049DC8"/>
-                </a:solidFill>
-                <a:latin typeface="Consolas" panose="020B0609020204030204" pitchFamily="49" charset="0"/>
-                <a:cs typeface="Calibri" panose="020F0502020204030204" pitchFamily="34" charset="0"/>
-              </a:rPr>
-              <a:t>(</a:t>
-            </a:r>
-            <a:r>
-              <a:rPr lang="en-US" dirty="0">
-                <a:solidFill>
-                  <a:srgbClr val="049DC8"/>
-                </a:solidFill>
-                <a:latin typeface="Consolas" panose="020B0609020204030204" pitchFamily="49" charset="0"/>
-                <a:cs typeface="Calibri" panose="020F0502020204030204" pitchFamily="34" charset="0"/>
-              </a:rPr>
-              <a:t>&lt;number&gt;</a:t>
-            </a:r>
-            <a:r>
-              <a:rPr lang="en-US" dirty="0" smtClean="0">
-                <a:solidFill>
-                  <a:srgbClr val="049DC8"/>
-                </a:solidFill>
-                <a:latin typeface="Consolas" panose="020B0609020204030204" pitchFamily="49" charset="0"/>
-                <a:cs typeface="Calibri" panose="020F0502020204030204" pitchFamily="34" charset="0"/>
-              </a:rPr>
-              <a:t>)</a:t>
-            </a:r>
-            <a:endParaRPr lang="en-US" dirty="0">
-              <a:solidFill>
-                <a:srgbClr val="049DC8"/>
-              </a:solidFill>
-              <a:latin typeface="Consolas" panose="020B0609020204030204" pitchFamily="49" charset="0"/>
-              <a:cs typeface="Calibri" panose="020F0502020204030204" pitchFamily="34" charset="0"/>
-            </a:endParaRPr>
-          </a:p>
-        </p:txBody>
-      </p:sp>
-      <p:sp>
-        <p:nvSpPr>
-          <p:cNvPr id="2" name="Rectangle 1"/>
-          <p:cNvSpPr/>
-          <p:nvPr/>
-        </p:nvSpPr>
-        <p:spPr>
-          <a:xfrm>
-            <a:off x="149188" y="2676436"/>
-            <a:ext cx="8845624" cy="1107996"/>
-          </a:xfrm>
-          <a:prstGeom prst="rect">
-            <a:avLst/>
-          </a:prstGeom>
-        </p:spPr>
-        <p:txBody>
-          <a:bodyPr wrap="square">
-            <a:spAutoFit/>
-          </a:bodyPr>
-          <a:lstStyle/>
-          <a:p>
-            <a:pPr>
-              <a:lnSpc>
-                <a:spcPct val="150000"/>
-              </a:lnSpc>
-            </a:pPr>
-            <a:r>
-              <a:rPr lang="en-US" sz="2200" dirty="0">
-                <a:solidFill>
-                  <a:srgbClr val="FC6F0D"/>
-                </a:solidFill>
-              </a:rPr>
-              <a:t>db['emp'].find({},{ename:true}).</a:t>
-            </a:r>
-            <a:r>
-              <a:rPr lang="en-US" sz="2200" dirty="0" smtClean="0">
-                <a:solidFill>
-                  <a:srgbClr val="FC6F0D"/>
-                </a:solidFill>
-              </a:rPr>
-              <a:t>limit(0);	</a:t>
-            </a:r>
-            <a:r>
-              <a:rPr lang="en-US" sz="2200" dirty="0" smtClean="0">
-                <a:solidFill>
-                  <a:srgbClr val="00B050"/>
-                </a:solidFill>
-              </a:rPr>
-              <a:t>// all documents</a:t>
-            </a:r>
-          </a:p>
-          <a:p>
-            <a:pPr>
-              <a:lnSpc>
-                <a:spcPct val="150000"/>
-              </a:lnSpc>
-            </a:pPr>
-            <a:r>
-              <a:rPr lang="en-US" sz="2200" dirty="0">
-                <a:solidFill>
-                  <a:srgbClr val="FC6F0D"/>
-                </a:solidFill>
-              </a:rPr>
-              <a:t>db['emp'].find({},{ename:true}).limit(2</a:t>
-            </a:r>
-            <a:r>
-              <a:rPr lang="en-US" sz="2200" dirty="0" smtClean="0">
-                <a:solidFill>
-                  <a:srgbClr val="FC6F0D"/>
-                </a:solidFill>
-              </a:rPr>
-              <a:t>);</a:t>
-            </a:r>
-            <a:endParaRPr lang="en-US" sz="2200" dirty="0">
-              <a:solidFill>
-                <a:srgbClr val="FC6F0D"/>
-              </a:solidFill>
-            </a:endParaRPr>
-          </a:p>
-        </p:txBody>
-      </p:sp>
-      <p:sp>
-        <p:nvSpPr>
-          <p:cNvPr id="3" name="Rectangle 2"/>
-          <p:cNvSpPr/>
-          <p:nvPr/>
-        </p:nvSpPr>
-        <p:spPr>
-          <a:xfrm>
-            <a:off x="31667" y="49975"/>
-            <a:ext cx="3432212" cy="646331"/>
-          </a:xfrm>
-          <a:prstGeom prst="rect">
-            <a:avLst/>
-          </a:prstGeom>
-          <a:solidFill>
-            <a:srgbClr val="90E183"/>
-          </a:solidFill>
-        </p:spPr>
-        <p:txBody>
-          <a:bodyPr wrap="square">
-            <a:spAutoFit/>
-          </a:bodyPr>
-          <a:lstStyle/>
-          <a:p>
-            <a:r>
-              <a:rPr lang="en-US" dirty="0">
-                <a:solidFill>
-                  <a:schemeClr val="bg2">
-                    <a:lumMod val="25000"/>
-                  </a:schemeClr>
-                </a:solidFill>
-              </a:rPr>
-              <a:t>A limit() value of 0 (i.e. .limit(0)) is equivalent to setting no limit.</a:t>
+                  <a:srgbClr val="222222"/>
+                </a:solidFill>
+                <a:latin typeface="arial" panose="020B0604020202020204" pitchFamily="34" charset="0"/>
+              </a:rPr>
+              <a:t>TODO</a:t>
             </a:r>
           </a:p>
         </p:txBody>
@@ -11276,13 +11191,21 @@
     </p:spTree>
     <p:extLst>
       <p:ext uri="{BB962C8B-B14F-4D97-AF65-F5344CB8AC3E}">
-        <p14:creationId xmlns:p14="http://schemas.microsoft.com/office/powerpoint/2010/main" val="1180999377"/>
+        <p14:creationId xmlns:p14="http://schemas.microsoft.com/office/powerpoint/2010/main" val="2279083902"/>
       </p:ext>
     </p:extLst>
   </p:cSld>
   <p:clrMapOvr>
     <a:masterClrMapping/>
   </p:clrMapOvr>
+  <mc:AlternateContent xmlns:mc="http://schemas.openxmlformats.org/markup-compatibility/2006" xmlns:p14="http://schemas.microsoft.com/office/powerpoint/2010/main">
+    <mc:Choice Requires="p14">
+      <p:transition spd="slow" p14:dur="2000"/>
+    </mc:Choice>
+    <mc:Fallback xmlns="">
+      <p:transition spd="slow"/>
+    </mc:Fallback>
+  </mc:AlternateContent>
   <p:timing>
     <p:tnLst>
       <p:par>
@@ -11470,6 +11393,422 @@
       </p:grpSpPr>
       <p:sp>
         <p:nvSpPr>
+          <p:cNvPr id="6" name="Rectangle 5"/>
+          <p:cNvSpPr/>
+          <p:nvPr/>
+        </p:nvSpPr>
+        <p:spPr>
+          <a:xfrm>
+            <a:off x="0" y="0"/>
+            <a:ext cx="9144000" cy="584775"/>
+          </a:xfrm>
+          <a:prstGeom prst="rect">
+            <a:avLst/>
+          </a:prstGeom>
+          <a:solidFill>
+            <a:schemeClr val="accent4">
+              <a:lumMod val="75000"/>
+            </a:schemeClr>
+          </a:solidFill>
+        </p:spPr>
+        <p:txBody>
+          <a:bodyPr wrap="square">
+            <a:spAutoFit/>
+          </a:bodyPr>
+          <a:lstStyle/>
+          <a:p>
+            <a:pPr algn="r">
+              <a:spcBef>
+                <a:spcPct val="0"/>
+              </a:spcBef>
+            </a:pPr>
+            <a:r>
+              <a:rPr lang="en-IN" sz="3200" b="1" i="1" dirty="0" smtClean="0">
+                <a:solidFill>
+                  <a:srgbClr val="FFFF00"/>
+                </a:solidFill>
+                <a:latin typeface="Arial" pitchFamily="34" charset="0"/>
+                <a:cs typeface="Arial" pitchFamily="34" charset="0"/>
+              </a:rPr>
+              <a:t>db.collection.find().limit()</a:t>
+            </a:r>
+            <a:endParaRPr lang="en-IN" sz="3200" b="1" i="1" dirty="0">
+              <a:solidFill>
+                <a:srgbClr val="FFFF00"/>
+              </a:solidFill>
+              <a:latin typeface="Arial" pitchFamily="34" charset="0"/>
+              <a:cs typeface="Arial" pitchFamily="34" charset="0"/>
+            </a:endParaRPr>
+          </a:p>
+        </p:txBody>
+      </p:sp>
+      <p:sp>
+        <p:nvSpPr>
+          <p:cNvPr id="7" name="Rectangle 6"/>
+          <p:cNvSpPr/>
+          <p:nvPr/>
+        </p:nvSpPr>
+        <p:spPr>
+          <a:xfrm>
+            <a:off x="149188" y="762000"/>
+            <a:ext cx="8845624" cy="646331"/>
+          </a:xfrm>
+          <a:prstGeom prst="rect">
+            <a:avLst/>
+          </a:prstGeom>
+        </p:spPr>
+        <p:txBody>
+          <a:bodyPr wrap="square">
+            <a:spAutoFit/>
+          </a:bodyPr>
+          <a:lstStyle/>
+          <a:p>
+            <a:r>
+              <a:rPr lang="en-US" dirty="0"/>
+              <a:t>Use the </a:t>
+            </a:r>
+            <a:r>
+              <a:rPr lang="en-US" b="1" i="1" dirty="0">
+                <a:solidFill>
+                  <a:srgbClr val="036883"/>
+                </a:solidFill>
+              </a:rPr>
+              <a:t>limit()</a:t>
+            </a:r>
+            <a:r>
+              <a:rPr lang="en-US" dirty="0"/>
+              <a:t> method to specify the maximum number of documents the cursor will return.</a:t>
+            </a:r>
+            <a:endParaRPr lang="en-IN" dirty="0"/>
+          </a:p>
+        </p:txBody>
+      </p:sp>
+      <p:sp>
+        <p:nvSpPr>
+          <p:cNvPr id="4" name="Rectangle 3"/>
+          <p:cNvSpPr/>
+          <p:nvPr/>
+        </p:nvSpPr>
+        <p:spPr>
+          <a:xfrm>
+            <a:off x="154136" y="1563469"/>
+            <a:ext cx="8840676" cy="923330"/>
+          </a:xfrm>
+          <a:prstGeom prst="rect">
+            <a:avLst/>
+          </a:prstGeom>
+        </p:spPr>
+        <p:txBody>
+          <a:bodyPr wrap="square">
+            <a:spAutoFit/>
+          </a:bodyPr>
+          <a:lstStyle/>
+          <a:p>
+            <a:r>
+              <a:rPr lang="en-US" dirty="0" smtClean="0">
+                <a:solidFill>
+                  <a:srgbClr val="049DC8"/>
+                </a:solidFill>
+                <a:latin typeface="Consolas" panose="020B0609020204030204" pitchFamily="49" charset="0"/>
+                <a:cs typeface="Calibri" panose="020F0502020204030204" pitchFamily="34" charset="0"/>
+              </a:rPr>
+              <a:t>cursor.limit(</a:t>
+            </a:r>
+            <a:r>
+              <a:rPr lang="en-US" dirty="0">
+                <a:solidFill>
+                  <a:srgbClr val="049DC8"/>
+                </a:solidFill>
+                <a:latin typeface="Consolas" panose="020B0609020204030204" pitchFamily="49" charset="0"/>
+                <a:cs typeface="Calibri" panose="020F0502020204030204" pitchFamily="34" charset="0"/>
+              </a:rPr>
+              <a:t>&lt;number&gt;</a:t>
+            </a:r>
+            <a:r>
+              <a:rPr lang="en-US" dirty="0" smtClean="0">
+                <a:solidFill>
+                  <a:srgbClr val="049DC8"/>
+                </a:solidFill>
+                <a:latin typeface="Consolas" panose="020B0609020204030204" pitchFamily="49" charset="0"/>
+                <a:cs typeface="Calibri" panose="020F0502020204030204" pitchFamily="34" charset="0"/>
+              </a:rPr>
+              <a:t>)</a:t>
+            </a:r>
+            <a:endParaRPr lang="en-US" dirty="0">
+              <a:solidFill>
+                <a:srgbClr val="049DC8"/>
+              </a:solidFill>
+              <a:latin typeface="Consolas" panose="020B0609020204030204" pitchFamily="49" charset="0"/>
+              <a:cs typeface="Calibri" panose="020F0502020204030204" pitchFamily="34" charset="0"/>
+            </a:endParaRPr>
+          </a:p>
+          <a:p>
+            <a:r>
+              <a:rPr lang="en-US" dirty="0" smtClean="0">
+                <a:solidFill>
+                  <a:srgbClr val="049DC8"/>
+                </a:solidFill>
+                <a:latin typeface="Consolas" panose="020B0609020204030204" pitchFamily="49" charset="0"/>
+                <a:cs typeface="Calibri" panose="020F0502020204030204" pitchFamily="34" charset="0"/>
+              </a:rPr>
+              <a:t>db </a:t>
+            </a:r>
+            <a:r>
+              <a:rPr lang="en-US" dirty="0">
+                <a:solidFill>
+                  <a:srgbClr val="049DC8"/>
+                </a:solidFill>
+                <a:latin typeface="Consolas" panose="020B0609020204030204" pitchFamily="49" charset="0"/>
+                <a:cs typeface="Calibri" panose="020F0502020204030204" pitchFamily="34" charset="0"/>
+              </a:rPr>
+              <a:t>['emp'].find (query, projection</a:t>
+            </a:r>
+            <a:r>
+              <a:rPr lang="en-US" dirty="0" smtClean="0">
+                <a:solidFill>
+                  <a:srgbClr val="049DC8"/>
+                </a:solidFill>
+                <a:latin typeface="Consolas" panose="020B0609020204030204" pitchFamily="49" charset="0"/>
+                <a:cs typeface="Calibri" panose="020F0502020204030204" pitchFamily="34" charset="0"/>
+              </a:rPr>
+              <a:t>).limit(&lt;number&gt;) </a:t>
+            </a:r>
+            <a:endParaRPr lang="en-US" dirty="0">
+              <a:solidFill>
+                <a:srgbClr val="049DC8"/>
+              </a:solidFill>
+              <a:latin typeface="Consolas" panose="020B0609020204030204" pitchFamily="49" charset="0"/>
+              <a:cs typeface="Calibri" panose="020F0502020204030204" pitchFamily="34" charset="0"/>
+            </a:endParaRPr>
+          </a:p>
+          <a:p>
+            <a:r>
+              <a:rPr lang="en-US" dirty="0">
+                <a:solidFill>
+                  <a:srgbClr val="049DC8"/>
+                </a:solidFill>
+                <a:latin typeface="Consolas" panose="020B0609020204030204" pitchFamily="49" charset="0"/>
+                <a:cs typeface="Calibri" panose="020F0502020204030204" pitchFamily="34" charset="0"/>
+              </a:rPr>
+              <a:t>db.collection.find(query, projection</a:t>
+            </a:r>
+            <a:r>
+              <a:rPr lang="en-US" dirty="0" smtClean="0">
+                <a:solidFill>
+                  <a:srgbClr val="049DC8"/>
+                </a:solidFill>
+                <a:latin typeface="Consolas" panose="020B0609020204030204" pitchFamily="49" charset="0"/>
+                <a:cs typeface="Calibri" panose="020F0502020204030204" pitchFamily="34" charset="0"/>
+              </a:rPr>
+              <a:t>).</a:t>
+            </a:r>
+            <a:r>
+              <a:rPr lang="en-US" dirty="0">
+                <a:solidFill>
+                  <a:srgbClr val="049DC8"/>
+                </a:solidFill>
+                <a:latin typeface="Consolas" panose="020B0609020204030204" pitchFamily="49" charset="0"/>
+                <a:cs typeface="Calibri" panose="020F0502020204030204" pitchFamily="34" charset="0"/>
+              </a:rPr>
+              <a:t>limit</a:t>
+            </a:r>
+            <a:r>
+              <a:rPr lang="en-US" dirty="0" smtClean="0">
+                <a:solidFill>
+                  <a:srgbClr val="049DC8"/>
+                </a:solidFill>
+                <a:latin typeface="Consolas" panose="020B0609020204030204" pitchFamily="49" charset="0"/>
+                <a:cs typeface="Calibri" panose="020F0502020204030204" pitchFamily="34" charset="0"/>
+              </a:rPr>
+              <a:t>(</a:t>
+            </a:r>
+            <a:r>
+              <a:rPr lang="en-US" dirty="0">
+                <a:solidFill>
+                  <a:srgbClr val="049DC8"/>
+                </a:solidFill>
+                <a:latin typeface="Consolas" panose="020B0609020204030204" pitchFamily="49" charset="0"/>
+                <a:cs typeface="Calibri" panose="020F0502020204030204" pitchFamily="34" charset="0"/>
+              </a:rPr>
+              <a:t>&lt;number&gt;</a:t>
+            </a:r>
+            <a:r>
+              <a:rPr lang="en-US" dirty="0" smtClean="0">
+                <a:solidFill>
+                  <a:srgbClr val="049DC8"/>
+                </a:solidFill>
+                <a:latin typeface="Consolas" panose="020B0609020204030204" pitchFamily="49" charset="0"/>
+                <a:cs typeface="Calibri" panose="020F0502020204030204" pitchFamily="34" charset="0"/>
+              </a:rPr>
+              <a:t>)</a:t>
+            </a:r>
+            <a:endParaRPr lang="en-US" dirty="0">
+              <a:solidFill>
+                <a:srgbClr val="049DC8"/>
+              </a:solidFill>
+              <a:latin typeface="Consolas" panose="020B0609020204030204" pitchFamily="49" charset="0"/>
+              <a:cs typeface="Calibri" panose="020F0502020204030204" pitchFamily="34" charset="0"/>
+            </a:endParaRPr>
+          </a:p>
+        </p:txBody>
+      </p:sp>
+      <p:sp>
+        <p:nvSpPr>
+          <p:cNvPr id="2" name="Rectangle 1"/>
+          <p:cNvSpPr/>
+          <p:nvPr/>
+        </p:nvSpPr>
+        <p:spPr>
+          <a:xfrm>
+            <a:off x="149188" y="2676436"/>
+            <a:ext cx="8845624" cy="1107996"/>
+          </a:xfrm>
+          <a:prstGeom prst="rect">
+            <a:avLst/>
+          </a:prstGeom>
+        </p:spPr>
+        <p:txBody>
+          <a:bodyPr wrap="square">
+            <a:spAutoFit/>
+          </a:bodyPr>
+          <a:lstStyle/>
+          <a:p>
+            <a:pPr>
+              <a:lnSpc>
+                <a:spcPct val="150000"/>
+              </a:lnSpc>
+            </a:pPr>
+            <a:r>
+              <a:rPr lang="en-US" sz="2200" dirty="0">
+                <a:solidFill>
+                  <a:srgbClr val="FC6F0D"/>
+                </a:solidFill>
+              </a:rPr>
+              <a:t>db['emp'].find({},{ename:true}).</a:t>
+            </a:r>
+            <a:r>
+              <a:rPr lang="en-US" sz="2200" dirty="0" smtClean="0">
+                <a:solidFill>
+                  <a:srgbClr val="FC6F0D"/>
+                </a:solidFill>
+              </a:rPr>
+              <a:t>limit(0);	</a:t>
+            </a:r>
+            <a:r>
+              <a:rPr lang="en-US" sz="2200" dirty="0" smtClean="0">
+                <a:solidFill>
+                  <a:srgbClr val="00B050"/>
+                </a:solidFill>
+              </a:rPr>
+              <a:t>// all documents</a:t>
+            </a:r>
+          </a:p>
+          <a:p>
+            <a:pPr>
+              <a:lnSpc>
+                <a:spcPct val="150000"/>
+              </a:lnSpc>
+            </a:pPr>
+            <a:r>
+              <a:rPr lang="en-US" sz="2200" dirty="0">
+                <a:solidFill>
+                  <a:srgbClr val="FC6F0D"/>
+                </a:solidFill>
+              </a:rPr>
+              <a:t>db['emp'].find({},{ename:true}).limit(2</a:t>
+            </a:r>
+            <a:r>
+              <a:rPr lang="en-US" sz="2200" dirty="0" smtClean="0">
+                <a:solidFill>
+                  <a:srgbClr val="FC6F0D"/>
+                </a:solidFill>
+              </a:rPr>
+              <a:t>);</a:t>
+            </a:r>
+            <a:endParaRPr lang="en-US" sz="2200" dirty="0">
+              <a:solidFill>
+                <a:srgbClr val="FC6F0D"/>
+              </a:solidFill>
+            </a:endParaRPr>
+          </a:p>
+        </p:txBody>
+      </p:sp>
+      <p:sp>
+        <p:nvSpPr>
+          <p:cNvPr id="3" name="Rectangle 2"/>
+          <p:cNvSpPr/>
+          <p:nvPr/>
+        </p:nvSpPr>
+        <p:spPr>
+          <a:xfrm>
+            <a:off x="31667" y="49975"/>
+            <a:ext cx="3432212" cy="646331"/>
+          </a:xfrm>
+          <a:prstGeom prst="rect">
+            <a:avLst/>
+          </a:prstGeom>
+          <a:solidFill>
+            <a:srgbClr val="90E183"/>
+          </a:solidFill>
+        </p:spPr>
+        <p:txBody>
+          <a:bodyPr wrap="square">
+            <a:spAutoFit/>
+          </a:bodyPr>
+          <a:lstStyle/>
+          <a:p>
+            <a:r>
+              <a:rPr lang="en-US" dirty="0">
+                <a:solidFill>
+                  <a:schemeClr val="bg2">
+                    <a:lumMod val="25000"/>
+                  </a:schemeClr>
+                </a:solidFill>
+              </a:rPr>
+              <a:t>A limit() value of 0 (i.e. .limit(0)) is equivalent to setting no limit.</a:t>
+            </a:r>
+          </a:p>
+        </p:txBody>
+      </p:sp>
+    </p:spTree>
+    <p:extLst>
+      <p:ext uri="{BB962C8B-B14F-4D97-AF65-F5344CB8AC3E}">
+        <p14:creationId xmlns:p14="http://schemas.microsoft.com/office/powerpoint/2010/main" val="1180999377"/>
+      </p:ext>
+    </p:extLst>
+  </p:cSld>
+  <p:clrMapOvr>
+    <a:masterClrMapping/>
+  </p:clrMapOvr>
+  <p:timing>
+    <p:tnLst>
+      <p:par>
+        <p:cTn id="1" dur="indefinite" restart="never" nodeType="tmRoot"/>
+      </p:par>
+    </p:tnLst>
+  </p:timing>
+</p:sld>
+</file>
+
+<file path=ppt/slides/slide31.xml><?xml version="1.0" encoding="utf-8"?>
+<p:sld xmlns:a="http://schemas.openxmlformats.org/drawingml/2006/main" xmlns:r="http://schemas.openxmlformats.org/officeDocument/2006/relationships" xmlns:p="http://schemas.openxmlformats.org/presentationml/2006/main">
+  <p:cSld>
+    <p:spTree>
+      <p:nvGrpSpPr>
+        <p:cNvPr id="1" name=""/>
+        <p:cNvGrpSpPr/>
+        <p:nvPr/>
+      </p:nvGrpSpPr>
+      <p:grpSpPr>
+        <a:xfrm>
+          <a:off x="0" y="0"/>
+          <a:ext cx="0" cy="0"/>
+          <a:chOff x="0" y="0"/>
+          <a:chExt cx="0" cy="0"/>
+        </a:xfrm>
+      </p:grpSpPr>
+      <p:sp>
+        <p:nvSpPr>
           <p:cNvPr id="2" name="Title 1"/>
           <p:cNvSpPr txBox="1">
             <a:spLocks/>
@@ -11582,7 +11921,7 @@
 </p:sld>
 </file>
 
-<file path=ppt/slides/slide31.xml><?xml version="1.0" encoding="utf-8"?>
+<file path=ppt/slides/slide32.xml><?xml version="1.0" encoding="utf-8"?>
 <p:sld xmlns:a="http://schemas.openxmlformats.org/drawingml/2006/main" xmlns:r="http://schemas.openxmlformats.org/officeDocument/2006/relationships" xmlns:p="http://schemas.openxmlformats.org/presentationml/2006/main">
   <p:cSld>
     <p:spTree>
@@ -11730,17 +12069,7 @@
                 <a:latin typeface="Consolas" panose="020B0609020204030204" pitchFamily="49" charset="0"/>
                 <a:cs typeface="Calibri" panose="020F0502020204030204" pitchFamily="34" charset="0"/>
               </a:rPr>
-              <a:t>(&lt;</a:t>
-            </a:r>
-            <a:r>
-              <a:rPr lang="en-US" dirty="0" smtClean="0">
-                <a:solidFill>
-                  <a:srgbClr val="049DC8"/>
-                </a:solidFill>
-                <a:latin typeface="Consolas" panose="020B0609020204030204" pitchFamily="49" charset="0"/>
-                <a:cs typeface="Calibri" panose="020F0502020204030204" pitchFamily="34" charset="0"/>
-              </a:rPr>
-              <a:t>offset_number&gt;)</a:t>
+              <a:t>(&lt;offset_number&gt;)</a:t>
             </a:r>
             <a:endParaRPr lang="en-US" dirty="0">
               <a:solidFill>
@@ -11917,7 +12246,7 @@
 </p:sld>
 </file>
 
-<file path=ppt/slides/slide32.xml><?xml version="1.0" encoding="utf-8"?>
+<file path=ppt/slides/slide33.xml><?xml version="1.0" encoding="utf-8"?>
 <p:sld xmlns:a="http://schemas.openxmlformats.org/drawingml/2006/main" xmlns:r="http://schemas.openxmlformats.org/officeDocument/2006/relationships" xmlns:p="http://schemas.openxmlformats.org/presentationml/2006/main">
   <p:cSld>
     <p:spTree>
@@ -12048,321 +12377,6 @@
 </p:sld>
 </file>
 
-<file path=ppt/slides/slide33.xml><?xml version="1.0" encoding="utf-8"?>
-<p:sld xmlns:a="http://schemas.openxmlformats.org/drawingml/2006/main" xmlns:r="http://schemas.openxmlformats.org/officeDocument/2006/relationships" xmlns:p="http://schemas.openxmlformats.org/presentationml/2006/main">
-  <p:cSld>
-    <p:spTree>
-      <p:nvGrpSpPr>
-        <p:cNvPr id="1" name=""/>
-        <p:cNvGrpSpPr/>
-        <p:nvPr/>
-      </p:nvGrpSpPr>
-      <p:grpSpPr>
-        <a:xfrm>
-          <a:off x="0" y="0"/>
-          <a:ext cx="0" cy="0"/>
-          <a:chOff x="0" y="0"/>
-          <a:chExt cx="0" cy="0"/>
-        </a:xfrm>
-      </p:grpSpPr>
-      <p:sp>
-        <p:nvSpPr>
-          <p:cNvPr id="6" name="Rectangle 5"/>
-          <p:cNvSpPr/>
-          <p:nvPr/>
-        </p:nvSpPr>
-        <p:spPr>
-          <a:xfrm>
-            <a:off x="0" y="0"/>
-            <a:ext cx="9144000" cy="584775"/>
-          </a:xfrm>
-          <a:prstGeom prst="rect">
-            <a:avLst/>
-          </a:prstGeom>
-          <a:solidFill>
-            <a:schemeClr val="accent4">
-              <a:lumMod val="75000"/>
-            </a:schemeClr>
-          </a:solidFill>
-        </p:spPr>
-        <p:txBody>
-          <a:bodyPr wrap="square">
-            <a:spAutoFit/>
-          </a:bodyPr>
-          <a:lstStyle/>
-          <a:p>
-            <a:pPr algn="r">
-              <a:spcBef>
-                <a:spcPct val="0"/>
-              </a:spcBef>
-            </a:pPr>
-            <a:r>
-              <a:rPr lang="en-IN" sz="3200" b="1" i="1" dirty="0" smtClean="0">
-                <a:solidFill>
-                  <a:srgbClr val="FFFF00"/>
-                </a:solidFill>
-                <a:latin typeface="Arial" pitchFamily="34" charset="0"/>
-                <a:cs typeface="Arial" pitchFamily="34" charset="0"/>
-              </a:rPr>
-              <a:t>db.collection.find().count()</a:t>
-            </a:r>
-            <a:endParaRPr lang="en-IN" sz="3200" b="1" i="1" dirty="0">
-              <a:solidFill>
-                <a:srgbClr val="FFFF00"/>
-              </a:solidFill>
-              <a:latin typeface="Arial" pitchFamily="34" charset="0"/>
-              <a:cs typeface="Arial" pitchFamily="34" charset="0"/>
-            </a:endParaRPr>
-          </a:p>
-        </p:txBody>
-      </p:sp>
-      <p:sp>
-        <p:nvSpPr>
-          <p:cNvPr id="7" name="Rectangle 6"/>
-          <p:cNvSpPr/>
-          <p:nvPr/>
-        </p:nvSpPr>
-        <p:spPr>
-          <a:xfrm>
-            <a:off x="149188" y="762000"/>
-            <a:ext cx="8845624" cy="1200329"/>
-          </a:xfrm>
-          <a:prstGeom prst="rect">
-            <a:avLst/>
-          </a:prstGeom>
-        </p:spPr>
-        <p:txBody>
-          <a:bodyPr wrap="square">
-            <a:spAutoFit/>
-          </a:bodyPr>
-          <a:lstStyle/>
-          <a:p>
-            <a:r>
-              <a:rPr lang="en-US" dirty="0"/>
-              <a:t>Counts the number of documents referenced by a cursor. Append the </a:t>
-            </a:r>
-            <a:r>
-              <a:rPr lang="en-US" b="1" i="1" dirty="0">
-                <a:solidFill>
-                  <a:srgbClr val="036883"/>
-                </a:solidFill>
-              </a:rPr>
-              <a:t>count() </a:t>
-            </a:r>
-            <a:r>
-              <a:rPr lang="en-US" dirty="0"/>
-              <a:t>method to a </a:t>
-            </a:r>
-            <a:r>
-              <a:rPr lang="en-US" b="1" i="1" dirty="0">
-                <a:solidFill>
-                  <a:srgbClr val="036883"/>
-                </a:solidFill>
-              </a:rPr>
-              <a:t>find() </a:t>
-            </a:r>
-            <a:r>
-              <a:rPr lang="en-US" dirty="0"/>
-              <a:t>query to return the number of matching documents. The operation does not perform the query but instead counts the results that would be returned by the query.</a:t>
-            </a:r>
-            <a:endParaRPr lang="en-IN" dirty="0"/>
-          </a:p>
-        </p:txBody>
-      </p:sp>
-      <p:sp>
-        <p:nvSpPr>
-          <p:cNvPr id="4" name="Rectangle 3"/>
-          <p:cNvSpPr/>
-          <p:nvPr/>
-        </p:nvSpPr>
-        <p:spPr>
-          <a:xfrm>
-            <a:off x="154136" y="2048470"/>
-            <a:ext cx="8840676" cy="923330"/>
-          </a:xfrm>
-          <a:prstGeom prst="rect">
-            <a:avLst/>
-          </a:prstGeom>
-        </p:spPr>
-        <p:txBody>
-          <a:bodyPr wrap="square">
-            <a:spAutoFit/>
-          </a:bodyPr>
-          <a:lstStyle/>
-          <a:p>
-            <a:r>
-              <a:rPr lang="en-US" dirty="0">
-                <a:solidFill>
-                  <a:srgbClr val="049DC8"/>
-                </a:solidFill>
-                <a:latin typeface="Consolas" panose="020B0609020204030204" pitchFamily="49" charset="0"/>
-                <a:cs typeface="Calibri" panose="020F0502020204030204" pitchFamily="34" charset="0"/>
-              </a:rPr>
-              <a:t>cursor.count()</a:t>
-            </a:r>
-            <a:endParaRPr lang="en-US" dirty="0" smtClean="0">
-              <a:solidFill>
-                <a:srgbClr val="049DC8"/>
-              </a:solidFill>
-              <a:latin typeface="Consolas" panose="020B0609020204030204" pitchFamily="49" charset="0"/>
-              <a:cs typeface="Calibri" panose="020F0502020204030204" pitchFamily="34" charset="0"/>
-            </a:endParaRPr>
-          </a:p>
-          <a:p>
-            <a:r>
-              <a:rPr lang="en-US" dirty="0" smtClean="0">
-                <a:solidFill>
-                  <a:srgbClr val="049DC8"/>
-                </a:solidFill>
-                <a:latin typeface="Consolas" panose="020B0609020204030204" pitchFamily="49" charset="0"/>
-                <a:cs typeface="Calibri" panose="020F0502020204030204" pitchFamily="34" charset="0"/>
-              </a:rPr>
-              <a:t>db.collection.find</a:t>
-            </a:r>
-            <a:r>
-              <a:rPr lang="en-US" dirty="0">
-                <a:solidFill>
-                  <a:srgbClr val="049DC8"/>
-                </a:solidFill>
-                <a:latin typeface="Consolas" panose="020B0609020204030204" pitchFamily="49" charset="0"/>
-                <a:cs typeface="Calibri" panose="020F0502020204030204" pitchFamily="34" charset="0"/>
-              </a:rPr>
-              <a:t>(&lt;query&gt;).count()</a:t>
-            </a:r>
-          </a:p>
-          <a:p>
-            <a:r>
-              <a:rPr lang="en-US" dirty="0">
-                <a:solidFill>
-                  <a:srgbClr val="049DC8"/>
-                </a:solidFill>
-                <a:latin typeface="Consolas" panose="020B0609020204030204" pitchFamily="49" charset="0"/>
-                <a:cs typeface="Calibri" panose="020F0502020204030204" pitchFamily="34" charset="0"/>
-              </a:rPr>
-              <a:t>db ['</a:t>
-            </a:r>
-            <a:r>
-              <a:rPr lang="en-US" dirty="0" smtClean="0">
-                <a:solidFill>
-                  <a:srgbClr val="049DC8"/>
-                </a:solidFill>
-                <a:latin typeface="Consolas" panose="020B0609020204030204" pitchFamily="49" charset="0"/>
-                <a:cs typeface="Calibri" panose="020F0502020204030204" pitchFamily="34" charset="0"/>
-              </a:rPr>
-              <a:t>collection_name'].</a:t>
-            </a:r>
-            <a:r>
-              <a:rPr lang="en-US" dirty="0" smtClean="0">
-                <a:solidFill>
-                  <a:srgbClr val="049DC8"/>
-                </a:solidFill>
-                <a:latin typeface="Consolas" panose="020B0609020204030204" pitchFamily="49" charset="0"/>
-                <a:cs typeface="Calibri" panose="020F0502020204030204" pitchFamily="34" charset="0"/>
-              </a:rPr>
-              <a:t>find(&lt;</a:t>
-            </a:r>
-            <a:r>
-              <a:rPr lang="en-US" dirty="0">
-                <a:solidFill>
-                  <a:srgbClr val="049DC8"/>
-                </a:solidFill>
-                <a:latin typeface="Consolas" panose="020B0609020204030204" pitchFamily="49" charset="0"/>
-                <a:cs typeface="Calibri" panose="020F0502020204030204" pitchFamily="34" charset="0"/>
-              </a:rPr>
-              <a:t>query&gt;).count</a:t>
-            </a:r>
-            <a:r>
-              <a:rPr lang="en-US" dirty="0" smtClean="0">
-                <a:solidFill>
-                  <a:srgbClr val="049DC8"/>
-                </a:solidFill>
-                <a:latin typeface="Consolas" panose="020B0609020204030204" pitchFamily="49" charset="0"/>
-                <a:cs typeface="Calibri" panose="020F0502020204030204" pitchFamily="34" charset="0"/>
-              </a:rPr>
-              <a:t>()</a:t>
-            </a:r>
-            <a:endParaRPr lang="en-US" dirty="0">
-              <a:solidFill>
-                <a:srgbClr val="049DC8"/>
-              </a:solidFill>
-              <a:latin typeface="Consolas" panose="020B0609020204030204" pitchFamily="49" charset="0"/>
-              <a:cs typeface="Calibri" panose="020F0502020204030204" pitchFamily="34" charset="0"/>
-            </a:endParaRPr>
-          </a:p>
-        </p:txBody>
-      </p:sp>
-      <p:sp>
-        <p:nvSpPr>
-          <p:cNvPr id="2" name="Rectangle 1"/>
-          <p:cNvSpPr/>
-          <p:nvPr/>
-        </p:nvSpPr>
-        <p:spPr>
-          <a:xfrm>
-            <a:off x="149188" y="3429000"/>
-            <a:ext cx="8845624" cy="1107996"/>
-          </a:xfrm>
-          <a:prstGeom prst="rect">
-            <a:avLst/>
-          </a:prstGeom>
-        </p:spPr>
-        <p:txBody>
-          <a:bodyPr wrap="square">
-            <a:spAutoFit/>
-          </a:bodyPr>
-          <a:lstStyle/>
-          <a:p>
-            <a:pPr>
-              <a:lnSpc>
-                <a:spcPct val="150000"/>
-              </a:lnSpc>
-            </a:pPr>
-            <a:r>
-              <a:rPr lang="en-US" sz="2200" dirty="0">
-                <a:solidFill>
-                  <a:srgbClr val="FC6F0D"/>
-                </a:solidFill>
-              </a:rPr>
-              <a:t>db.emp.find().count();</a:t>
-            </a:r>
-          </a:p>
-          <a:p>
-            <a:pPr>
-              <a:lnSpc>
-                <a:spcPct val="150000"/>
-              </a:lnSpc>
-            </a:pPr>
-            <a:r>
-              <a:rPr lang="en-US" sz="2200" dirty="0">
-                <a:solidFill>
-                  <a:srgbClr val="FC6F0D"/>
-                </a:solidFill>
-              </a:rPr>
-              <a:t>db.emp.find({job:'manager'}).count();</a:t>
-            </a:r>
-          </a:p>
-        </p:txBody>
-      </p:sp>
-    </p:spTree>
-    <p:extLst>
-      <p:ext uri="{BB962C8B-B14F-4D97-AF65-F5344CB8AC3E}">
-        <p14:creationId xmlns:p14="http://schemas.microsoft.com/office/powerpoint/2010/main" val="690466655"/>
-      </p:ext>
-    </p:extLst>
-  </p:cSld>
-  <p:clrMapOvr>
-    <a:masterClrMapping/>
-  </p:clrMapOvr>
-  <p:timing>
-    <p:tnLst>
-      <p:par>
-        <p:cTn id="1" dur="indefinite" restart="never" nodeType="tmRoot"/>
-      </p:par>
-    </p:tnLst>
-  </p:timing>
-</p:sld>
-</file>
-
 <file path=ppt/slides/slide34.xml><?xml version="1.0" encoding="utf-8"?>
 <p:sld xmlns:a="http://schemas.openxmlformats.org/drawingml/2006/main" xmlns:r="http://schemas.openxmlformats.org/officeDocument/2006/relationships" xmlns:p="http://schemas.openxmlformats.org/presentationml/2006/main">
   <p:cSld>
@@ -12382,71 +12396,69 @@
       </p:grpSpPr>
       <p:sp>
         <p:nvSpPr>
-          <p:cNvPr id="2" name="Title 1"/>
-          <p:cNvSpPr txBox="1">
-            <a:spLocks/>
-          </p:cNvSpPr>
-          <p:nvPr/>
-        </p:nvSpPr>
-        <p:spPr>
-          <a:xfrm>
-            <a:off x="152400" y="2057400"/>
-            <a:ext cx="8839200" cy="838200"/>
-          </a:xfrm>
-          <a:prstGeom prst="rect">
-            <a:avLst/>
-          </a:prstGeom>
-        </p:spPr>
-        <p:txBody>
-          <a:bodyPr>
-            <a:noAutofit/>
+          <p:cNvPr id="6" name="Rectangle 5"/>
+          <p:cNvSpPr/>
+          <p:nvPr/>
+        </p:nvSpPr>
+        <p:spPr>
+          <a:xfrm>
+            <a:off x="0" y="0"/>
+            <a:ext cx="9144000" cy="584775"/>
+          </a:xfrm>
+          <a:prstGeom prst="rect">
+            <a:avLst/>
+          </a:prstGeom>
+          <a:solidFill>
+            <a:schemeClr val="accent4">
+              <a:lumMod val="75000"/>
+            </a:schemeClr>
+          </a:solidFill>
+        </p:spPr>
+        <p:txBody>
+          <a:bodyPr wrap="square">
+            <a:spAutoFit/>
           </a:bodyPr>
-          <a:lstStyle>
-            <a:defPPr>
-              <a:defRPr lang="en-US"/>
-            </a:defPPr>
-            <a:lvl1pPr lvl="0" algn="ctr">
+          <a:lstStyle/>
+          <a:p>
+            <a:pPr algn="r">
               <a:spcBef>
                 <a:spcPct val="0"/>
               </a:spcBef>
-              <a:defRPr sz="4800">
-                <a:solidFill>
-                  <a:srgbClr val="7EEEE3"/>
-                </a:solidFill>
-                <a:latin typeface="Segoe UI Light" panose="020B0502040204020203" pitchFamily="34" charset="0"/>
-                <a:cs typeface="Segoe UI Light" panose="020B0502040204020203" pitchFamily="34" charset="0"/>
-              </a:defRPr>
-            </a:lvl1pPr>
-          </a:lstStyle>
-          <a:p>
-            <a:r>
-              <a:rPr lang="en-IN" dirty="0" err="1" smtClean="0"/>
-              <a:t>findOne</a:t>
-            </a:r>
-            <a:endParaRPr lang="en-US" dirty="0"/>
-          </a:p>
-        </p:txBody>
-      </p:sp>
-      <p:sp>
-        <p:nvSpPr>
-          <p:cNvPr id="3" name="Rectangle 2"/>
+            </a:pPr>
+            <a:r>
+              <a:rPr lang="en-IN" sz="3200" b="1" i="1" dirty="0" smtClean="0">
+                <a:solidFill>
+                  <a:srgbClr val="FFFF00"/>
+                </a:solidFill>
+                <a:latin typeface="Arial" pitchFamily="34" charset="0"/>
+                <a:cs typeface="Arial" pitchFamily="34" charset="0"/>
+              </a:rPr>
+              <a:t>db.collection.find().count()</a:t>
+            </a:r>
+            <a:endParaRPr lang="en-IN" sz="3200" b="1" i="1" dirty="0">
+              <a:solidFill>
+                <a:srgbClr val="FFFF00"/>
+              </a:solidFill>
+              <a:latin typeface="Arial" pitchFamily="34" charset="0"/>
+              <a:cs typeface="Arial" pitchFamily="34" charset="0"/>
+            </a:endParaRPr>
+          </a:p>
+        </p:txBody>
+      </p:sp>
+      <p:sp>
+        <p:nvSpPr>
+          <p:cNvPr id="7" name="Rectangle 6"/>
           <p:cNvSpPr/>
           <p:nvPr/>
         </p:nvSpPr>
         <p:spPr>
           <a:xfrm>
-            <a:off x="419100" y="2861953"/>
-            <a:ext cx="8305800" cy="646331"/>
-          </a:xfrm>
-          <a:prstGeom prst="rect">
-            <a:avLst/>
-          </a:prstGeom>
-          <a:solidFill>
-            <a:schemeClr val="accent6">
-              <a:lumMod val="20000"/>
-              <a:lumOff val="80000"/>
-            </a:schemeClr>
-          </a:solidFill>
+            <a:off x="149188" y="762000"/>
+            <a:ext cx="8845624" cy="1200329"/>
+          </a:xfrm>
+          <a:prstGeom prst="rect">
+            <a:avLst/>
+          </a:prstGeom>
         </p:spPr>
         <p:txBody>
           <a:bodyPr wrap="square">
@@ -12455,22 +12467,197 @@
           <a:lstStyle/>
           <a:p>
             <a:r>
+              <a:rPr lang="en-US" dirty="0"/>
+              <a:t>Counts the number of documents referenced by a cursor. Append the </a:t>
+            </a:r>
+            <a:r>
+              <a:rPr lang="en-US" b="1" i="1" dirty="0">
+                <a:solidFill>
+                  <a:srgbClr val="036883"/>
+                </a:solidFill>
+              </a:rPr>
+              <a:t>count() </a:t>
+            </a:r>
+            <a:r>
+              <a:rPr lang="en-US" dirty="0"/>
+              <a:t>method to a </a:t>
+            </a:r>
+            <a:r>
+              <a:rPr lang="en-US" b="1" i="1" dirty="0">
+                <a:solidFill>
+                  <a:srgbClr val="036883"/>
+                </a:solidFill>
+              </a:rPr>
+              <a:t>find() </a:t>
+            </a:r>
+            <a:r>
+              <a:rPr lang="en-US" dirty="0"/>
+              <a:t>query to return the number of matching documents. The operation does not perform the query but instead counts the results that would be returned by the query.</a:t>
+            </a:r>
+            <a:endParaRPr lang="en-IN" dirty="0"/>
+          </a:p>
+        </p:txBody>
+      </p:sp>
+      <p:sp>
+        <p:nvSpPr>
+          <p:cNvPr id="4" name="Rectangle 3"/>
+          <p:cNvSpPr/>
+          <p:nvPr/>
+        </p:nvSpPr>
+        <p:spPr>
+          <a:xfrm>
+            <a:off x="154136" y="2048470"/>
+            <a:ext cx="8840676" cy="923330"/>
+          </a:xfrm>
+          <a:prstGeom prst="rect">
+            <a:avLst/>
+          </a:prstGeom>
+        </p:spPr>
+        <p:txBody>
+          <a:bodyPr wrap="square">
+            <a:spAutoFit/>
+          </a:bodyPr>
+          <a:lstStyle/>
+          <a:p>
+            <a:r>
               <a:rPr lang="en-US" dirty="0">
                 <a:solidFill>
-                  <a:srgbClr val="222222"/>
-                </a:solidFill>
-                <a:latin typeface="arial" panose="020B0604020202020204" pitchFamily="34" charset="0"/>
-              </a:rPr>
-              <a:t>The find() method always returns the _id field unless you specify _id: 0 to suppress the field</a:t>
-            </a:r>
+                  <a:srgbClr val="049DC8"/>
+                </a:solidFill>
+                <a:latin typeface="Consolas" panose="020B0609020204030204" pitchFamily="49" charset="0"/>
+                <a:cs typeface="Calibri" panose="020F0502020204030204" pitchFamily="34" charset="0"/>
+              </a:rPr>
+              <a:t>cursor.count()</a:t>
+            </a:r>
+            <a:endParaRPr lang="en-US" dirty="0" smtClean="0">
+              <a:solidFill>
+                <a:srgbClr val="049DC8"/>
+              </a:solidFill>
+              <a:latin typeface="Consolas" panose="020B0609020204030204" pitchFamily="49" charset="0"/>
+              <a:cs typeface="Calibri" panose="020F0502020204030204" pitchFamily="34" charset="0"/>
+            </a:endParaRPr>
+          </a:p>
+          <a:p>
             <a:r>
               <a:rPr lang="en-US" dirty="0" smtClean="0">
                 <a:solidFill>
-                  <a:srgbClr val="222222"/>
-                </a:solidFill>
-                <a:latin typeface="arial" panose="020B0604020202020204" pitchFamily="34" charset="0"/>
-              </a:rPr>
-              <a:t>.</a:t>
+                  <a:srgbClr val="049DC8"/>
+                </a:solidFill>
+                <a:latin typeface="Consolas" panose="020B0609020204030204" pitchFamily="49" charset="0"/>
+                <a:cs typeface="Calibri" panose="020F0502020204030204" pitchFamily="34" charset="0"/>
+              </a:rPr>
+              <a:t>db.collection.find</a:t>
+            </a:r>
+            <a:r>
+              <a:rPr lang="en-US" dirty="0">
+                <a:solidFill>
+                  <a:srgbClr val="049DC8"/>
+                </a:solidFill>
+                <a:latin typeface="Consolas" panose="020B0609020204030204" pitchFamily="49" charset="0"/>
+                <a:cs typeface="Calibri" panose="020F0502020204030204" pitchFamily="34" charset="0"/>
+              </a:rPr>
+              <a:t>(&lt;query&gt;).count()</a:t>
+            </a:r>
+          </a:p>
+          <a:p>
+            <a:r>
+              <a:rPr lang="en-US" dirty="0">
+                <a:solidFill>
+                  <a:srgbClr val="049DC8"/>
+                </a:solidFill>
+                <a:latin typeface="Consolas" panose="020B0609020204030204" pitchFamily="49" charset="0"/>
+                <a:cs typeface="Calibri" panose="020F0502020204030204" pitchFamily="34" charset="0"/>
+              </a:rPr>
+              <a:t>db ['</a:t>
+            </a:r>
+            <a:r>
+              <a:rPr lang="en-US" dirty="0" smtClean="0">
+                <a:solidFill>
+                  <a:srgbClr val="049DC8"/>
+                </a:solidFill>
+                <a:latin typeface="Consolas" panose="020B0609020204030204" pitchFamily="49" charset="0"/>
+                <a:cs typeface="Calibri" panose="020F0502020204030204" pitchFamily="34" charset="0"/>
+              </a:rPr>
+              <a:t>collection_name'].find(&lt;</a:t>
+            </a:r>
+            <a:r>
+              <a:rPr lang="en-US" dirty="0">
+                <a:solidFill>
+                  <a:srgbClr val="049DC8"/>
+                </a:solidFill>
+                <a:latin typeface="Consolas" panose="020B0609020204030204" pitchFamily="49" charset="0"/>
+                <a:cs typeface="Calibri" panose="020F0502020204030204" pitchFamily="34" charset="0"/>
+              </a:rPr>
+              <a:t>query&gt;).count</a:t>
+            </a:r>
+            <a:r>
+              <a:rPr lang="en-US" dirty="0" smtClean="0">
+                <a:solidFill>
+                  <a:srgbClr val="049DC8"/>
+                </a:solidFill>
+                <a:latin typeface="Consolas" panose="020B0609020204030204" pitchFamily="49" charset="0"/>
+                <a:cs typeface="Calibri" panose="020F0502020204030204" pitchFamily="34" charset="0"/>
+              </a:rPr>
+              <a:t>()</a:t>
+            </a:r>
+            <a:endParaRPr lang="en-US" dirty="0">
+              <a:solidFill>
+                <a:srgbClr val="049DC8"/>
+              </a:solidFill>
+              <a:latin typeface="Consolas" panose="020B0609020204030204" pitchFamily="49" charset="0"/>
+              <a:cs typeface="Calibri" panose="020F0502020204030204" pitchFamily="34" charset="0"/>
+            </a:endParaRPr>
+          </a:p>
+        </p:txBody>
+      </p:sp>
+      <p:sp>
+        <p:nvSpPr>
+          <p:cNvPr id="2" name="Rectangle 1"/>
+          <p:cNvSpPr/>
+          <p:nvPr/>
+        </p:nvSpPr>
+        <p:spPr>
+          <a:xfrm>
+            <a:off x="149188" y="3429000"/>
+            <a:ext cx="8845624" cy="1107996"/>
+          </a:xfrm>
+          <a:prstGeom prst="rect">
+            <a:avLst/>
+          </a:prstGeom>
+        </p:spPr>
+        <p:txBody>
+          <a:bodyPr wrap="square">
+            <a:spAutoFit/>
+          </a:bodyPr>
+          <a:lstStyle/>
+          <a:p>
+            <a:pPr>
+              <a:lnSpc>
+                <a:spcPct val="150000"/>
+              </a:lnSpc>
+            </a:pPr>
+            <a:r>
+              <a:rPr lang="en-US" sz="2200" dirty="0">
+                <a:solidFill>
+                  <a:srgbClr val="FC6F0D"/>
+                </a:solidFill>
+              </a:rPr>
+              <a:t>db.emp.find().count();</a:t>
+            </a:r>
+          </a:p>
+          <a:p>
+            <a:pPr>
+              <a:lnSpc>
+                <a:spcPct val="150000"/>
+              </a:lnSpc>
+            </a:pPr>
+            <a:r>
+              <a:rPr lang="en-US" sz="2200" dirty="0">
+                <a:solidFill>
+                  <a:srgbClr val="FC6F0D"/>
+                </a:solidFill>
+              </a:rPr>
+              <a:t>db.emp.find({job:'manager'}).count();</a:t>
             </a:r>
           </a:p>
         </p:txBody>
@@ -12478,21 +12665,13 @@
     </p:spTree>
     <p:extLst>
       <p:ext uri="{BB962C8B-B14F-4D97-AF65-F5344CB8AC3E}">
-        <p14:creationId xmlns:p14="http://schemas.microsoft.com/office/powerpoint/2010/main" val="2476936322"/>
+        <p14:creationId xmlns:p14="http://schemas.microsoft.com/office/powerpoint/2010/main" val="690466655"/>
       </p:ext>
     </p:extLst>
   </p:cSld>
   <p:clrMapOvr>
     <a:masterClrMapping/>
   </p:clrMapOvr>
-  <mc:AlternateContent xmlns:mc="http://schemas.openxmlformats.org/markup-compatibility/2006">
-    <mc:Choice xmlns:p14="http://schemas.microsoft.com/office/powerpoint/2010/main" Requires="p14">
-      <p:transition spd="slow" p14:dur="2000"/>
-    </mc:Choice>
-    <mc:Fallback>
-      <p:transition spd="slow"/>
-    </mc:Fallback>
-  </mc:AlternateContent>
   <p:timing>
     <p:tnLst>
       <p:par>
@@ -12522,6 +12701,146 @@
       </p:grpSpPr>
       <p:sp>
         <p:nvSpPr>
+          <p:cNvPr id="2" name="Title 1"/>
+          <p:cNvSpPr txBox="1">
+            <a:spLocks/>
+          </p:cNvSpPr>
+          <p:nvPr/>
+        </p:nvSpPr>
+        <p:spPr>
+          <a:xfrm>
+            <a:off x="152400" y="2057400"/>
+            <a:ext cx="8839200" cy="838200"/>
+          </a:xfrm>
+          <a:prstGeom prst="rect">
+            <a:avLst/>
+          </a:prstGeom>
+        </p:spPr>
+        <p:txBody>
+          <a:bodyPr>
+            <a:noAutofit/>
+          </a:bodyPr>
+          <a:lstStyle>
+            <a:defPPr>
+              <a:defRPr lang="en-US"/>
+            </a:defPPr>
+            <a:lvl1pPr lvl="0" algn="ctr">
+              <a:spcBef>
+                <a:spcPct val="0"/>
+              </a:spcBef>
+              <a:defRPr sz="4800">
+                <a:solidFill>
+                  <a:srgbClr val="7EEEE3"/>
+                </a:solidFill>
+                <a:latin typeface="Segoe UI Light" panose="020B0502040204020203" pitchFamily="34" charset="0"/>
+                <a:cs typeface="Segoe UI Light" panose="020B0502040204020203" pitchFamily="34" charset="0"/>
+              </a:defRPr>
+            </a:lvl1pPr>
+          </a:lstStyle>
+          <a:p>
+            <a:r>
+              <a:rPr lang="en-IN" dirty="0" smtClean="0"/>
+              <a:t>findOne</a:t>
+            </a:r>
+            <a:endParaRPr lang="en-US" dirty="0"/>
+          </a:p>
+        </p:txBody>
+      </p:sp>
+      <p:sp>
+        <p:nvSpPr>
+          <p:cNvPr id="3" name="Rectangle 2"/>
+          <p:cNvSpPr/>
+          <p:nvPr/>
+        </p:nvSpPr>
+        <p:spPr>
+          <a:xfrm>
+            <a:off x="419100" y="2861953"/>
+            <a:ext cx="8305800" cy="646331"/>
+          </a:xfrm>
+          <a:prstGeom prst="rect">
+            <a:avLst/>
+          </a:prstGeom>
+          <a:solidFill>
+            <a:schemeClr val="accent6">
+              <a:lumMod val="20000"/>
+              <a:lumOff val="80000"/>
+            </a:schemeClr>
+          </a:solidFill>
+        </p:spPr>
+        <p:txBody>
+          <a:bodyPr wrap="square">
+            <a:spAutoFit/>
+          </a:bodyPr>
+          <a:lstStyle/>
+          <a:p>
+            <a:r>
+              <a:rPr lang="en-US" dirty="0">
+                <a:solidFill>
+                  <a:srgbClr val="222222"/>
+                </a:solidFill>
+                <a:latin typeface="arial" panose="020B0604020202020204" pitchFamily="34" charset="0"/>
+              </a:rPr>
+              <a:t>The find() method always returns the _id field unless you specify _id: 0 to suppress the field</a:t>
+            </a:r>
+            <a:r>
+              <a:rPr lang="en-US" dirty="0" smtClean="0">
+                <a:solidFill>
+                  <a:srgbClr val="222222"/>
+                </a:solidFill>
+                <a:latin typeface="arial" panose="020B0604020202020204" pitchFamily="34" charset="0"/>
+              </a:rPr>
+              <a:t>.</a:t>
+            </a:r>
+          </a:p>
+        </p:txBody>
+      </p:sp>
+    </p:spTree>
+    <p:extLst>
+      <p:ext uri="{BB962C8B-B14F-4D97-AF65-F5344CB8AC3E}">
+        <p14:creationId xmlns:p14="http://schemas.microsoft.com/office/powerpoint/2010/main" val="2476936322"/>
+      </p:ext>
+    </p:extLst>
+  </p:cSld>
+  <p:clrMapOvr>
+    <a:masterClrMapping/>
+  </p:clrMapOvr>
+  <mc:AlternateContent xmlns:mc="http://schemas.openxmlformats.org/markup-compatibility/2006" xmlns:p14="http://schemas.microsoft.com/office/powerpoint/2010/main">
+    <mc:Choice Requires="p14">
+      <p:transition spd="slow" p14:dur="2000"/>
+    </mc:Choice>
+    <mc:Fallback xmlns="">
+      <p:transition spd="slow"/>
+    </mc:Fallback>
+  </mc:AlternateContent>
+  <p:timing>
+    <p:tnLst>
+      <p:par>
+        <p:cTn id="1" dur="indefinite" restart="never" nodeType="tmRoot"/>
+      </p:par>
+    </p:tnLst>
+  </p:timing>
+</p:sld>
+</file>
+
+<file path=ppt/slides/slide36.xml><?xml version="1.0" encoding="utf-8"?>
+<p:sld xmlns:a="http://schemas.openxmlformats.org/drawingml/2006/main" xmlns:r="http://schemas.openxmlformats.org/officeDocument/2006/relationships" xmlns:p="http://schemas.openxmlformats.org/presentationml/2006/main">
+  <p:cSld>
+    <p:spTree>
+      <p:nvGrpSpPr>
+        <p:cNvPr id="1" name=""/>
+        <p:cNvGrpSpPr/>
+        <p:nvPr/>
+      </p:nvGrpSpPr>
+      <p:grpSpPr>
+        <a:xfrm>
+          <a:off x="0" y="0"/>
+          <a:ext cx="0" cy="0"/>
+          <a:chOff x="0" y="0"/>
+          <a:chExt cx="0" cy="0"/>
+        </a:xfrm>
+      </p:grpSpPr>
+      <p:sp>
+        <p:nvSpPr>
           <p:cNvPr id="6" name="Rectangle 5"/>
           <p:cNvSpPr/>
           <p:nvPr/>
@@ -12635,67 +12954,120 @@
               <a:t>db ['emp'].</a:t>
             </a:r>
             <a:r>
-              <a:rPr lang="en-US" dirty="0" err="1" smtClean="0">
+              <a:rPr lang="en-US" dirty="0" smtClean="0">
                 <a:solidFill>
                   <a:srgbClr val="049DC8"/>
                 </a:solidFill>
                 <a:latin typeface="Consolas" panose="020B0609020204030204" pitchFamily="49" charset="0"/>
                 <a:cs typeface="Calibri" panose="020F0502020204030204" pitchFamily="34" charset="0"/>
               </a:rPr>
-              <a:t>findOne</a:t>
-            </a:r>
-            <a:r>
-              <a:rPr lang="en-US" dirty="0" smtClean="0">
+              <a:t>findOne(query</a:t>
+            </a:r>
+            <a:r>
+              <a:rPr lang="en-US" dirty="0">
                 <a:solidFill>
                   <a:srgbClr val="049DC8"/>
                 </a:solidFill>
                 <a:latin typeface="Consolas" panose="020B0609020204030204" pitchFamily="49" charset="0"/>
                 <a:cs typeface="Calibri" panose="020F0502020204030204" pitchFamily="34" charset="0"/>
               </a:rPr>
-              <a:t>(query</a:t>
-            </a:r>
-            <a:r>
-              <a:rPr lang="en-US" dirty="0">
+              <a:t>, projection) </a:t>
+            </a:r>
+          </a:p>
+          <a:p>
+            <a:r>
+              <a:rPr lang="en-US" dirty="0" smtClean="0">
                 <a:solidFill>
                   <a:srgbClr val="049DC8"/>
                 </a:solidFill>
                 <a:latin typeface="Consolas" panose="020B0609020204030204" pitchFamily="49" charset="0"/>
                 <a:cs typeface="Calibri" panose="020F0502020204030204" pitchFamily="34" charset="0"/>
               </a:rPr>
-              <a:t>, projection) </a:t>
-            </a:r>
-          </a:p>
-          <a:p>
-            <a:r>
-              <a:rPr lang="en-US" dirty="0" err="1" smtClean="0">
+              <a:t>db.collection.findOne(query</a:t>
+            </a:r>
+            <a:r>
+              <a:rPr lang="en-US" dirty="0">
                 <a:solidFill>
                   <a:srgbClr val="049DC8"/>
                 </a:solidFill>
                 <a:latin typeface="Consolas" panose="020B0609020204030204" pitchFamily="49" charset="0"/>
                 <a:cs typeface="Calibri" panose="020F0502020204030204" pitchFamily="34" charset="0"/>
               </a:rPr>
-              <a:t>db.collection.findOne</a:t>
-            </a:r>
-            <a:r>
-              <a:rPr lang="en-US" dirty="0" smtClean="0">
-                <a:solidFill>
-                  <a:srgbClr val="049DC8"/>
-                </a:solidFill>
-                <a:latin typeface="Consolas" panose="020B0609020204030204" pitchFamily="49" charset="0"/>
-                <a:cs typeface="Calibri" panose="020F0502020204030204" pitchFamily="34" charset="0"/>
-              </a:rPr>
-              <a:t>(query</a:t>
-            </a:r>
-            <a:r>
-              <a:rPr lang="en-US" dirty="0">
-                <a:solidFill>
-                  <a:srgbClr val="049DC8"/>
-                </a:solidFill>
-                <a:latin typeface="Consolas" panose="020B0609020204030204" pitchFamily="49" charset="0"/>
-                <a:cs typeface="Calibri" panose="020F0502020204030204" pitchFamily="34" charset="0"/>
-              </a:rPr>
               <a:t>, projection)</a:t>
             </a:r>
+          </a:p>
+        </p:txBody>
+      </p:sp>
+      <p:sp>
+        <p:nvSpPr>
+          <p:cNvPr id="2" name="Rectangle 1"/>
+          <p:cNvSpPr/>
+          <p:nvPr/>
+        </p:nvSpPr>
+        <p:spPr>
+          <a:xfrm>
+            <a:off x="149188" y="2971800"/>
+            <a:ext cx="8845624" cy="1045223"/>
+          </a:xfrm>
+          <a:prstGeom prst="rect">
+            <a:avLst/>
+          </a:prstGeom>
+        </p:spPr>
+        <p:txBody>
+          <a:bodyPr wrap="square">
+            <a:spAutoFit/>
+          </a:bodyPr>
+          <a:lstStyle/>
+          <a:p>
+            <a:pPr>
+              <a:lnSpc>
+                <a:spcPct val="150000"/>
+              </a:lnSpc>
+            </a:pPr>
+            <a:r>
+              <a:rPr lang="en-US" sz="2200" dirty="0">
+                <a:solidFill>
+                  <a:srgbClr val="FC6F0D"/>
+                </a:solidFill>
+              </a:rPr>
+              <a:t>db.emp.findOne</a:t>
+            </a:r>
+            <a:r>
+              <a:rPr lang="en-US" sz="2200" dirty="0" smtClean="0">
+                <a:solidFill>
+                  <a:srgbClr val="FC6F0D"/>
+                </a:solidFill>
+              </a:rPr>
+              <a:t>({job:'manager'});</a:t>
+            </a:r>
+          </a:p>
+          <a:p>
+            <a:pPr>
+              <a:lnSpc>
+                <a:spcPct val="150000"/>
+              </a:lnSpc>
+            </a:pPr>
+            <a:r>
+              <a:rPr lang="en-US" sz="2200" dirty="0">
+                <a:solidFill>
+                  <a:srgbClr val="FC6F0D"/>
+                </a:solidFill>
+              </a:rPr>
+              <a:t>db.emp.findOne({job:'manager</a:t>
+            </a:r>
+            <a:r>
+              <a:rPr lang="en-US" sz="2200" dirty="0" smtClean="0">
+                <a:solidFill>
+                  <a:srgbClr val="FC6F0D"/>
+                </a:solidFill>
+              </a:rPr>
+              <a:t>'});</a:t>
+            </a:r>
+            <a:endParaRPr lang="en-US" sz="2200" dirty="0">
+              <a:solidFill>
+                <a:srgbClr val="FC6F0D"/>
+              </a:solidFill>
+            </a:endParaRPr>
           </a:p>
         </p:txBody>
       </p:sp>
@@ -12719,7 +13091,7 @@
 </p:sld>
 </file>
 
-<file path=ppt/slides/slide36.xml><?xml version="1.0" encoding="utf-8"?>
+<file path=ppt/slides/slide37.xml><?xml version="1.0" encoding="utf-8"?>
 <p:sld xmlns:a="http://schemas.openxmlformats.org/drawingml/2006/main" xmlns:r="http://schemas.openxmlformats.org/officeDocument/2006/relationships" xmlns:p="http://schemas.openxmlformats.org/presentationml/2006/main">
   <p:cSld>
     <p:spTree>
@@ -12851,312 +13223,6 @@
 </p:sld>
 </file>
 
-<file path=ppt/slides/slide37.xml><?xml version="1.0" encoding="utf-8"?>
-<p:sld xmlns:a="http://schemas.openxmlformats.org/drawingml/2006/main" xmlns:r="http://schemas.openxmlformats.org/officeDocument/2006/relationships" xmlns:p="http://schemas.openxmlformats.org/presentationml/2006/main">
-  <p:cSld>
-    <p:spTree>
-      <p:nvGrpSpPr>
-        <p:cNvPr id="1" name=""/>
-        <p:cNvGrpSpPr/>
-        <p:nvPr/>
-      </p:nvGrpSpPr>
-      <p:grpSpPr>
-        <a:xfrm>
-          <a:off x="0" y="0"/>
-          <a:ext cx="0" cy="0"/>
-          <a:chOff x="0" y="0"/>
-          <a:chExt cx="0" cy="0"/>
-        </a:xfrm>
-      </p:grpSpPr>
-      <p:sp>
-        <p:nvSpPr>
-          <p:cNvPr id="6" name="Rectangle 5"/>
-          <p:cNvSpPr/>
-          <p:nvPr/>
-        </p:nvSpPr>
-        <p:spPr>
-          <a:xfrm>
-            <a:off x="0" y="0"/>
-            <a:ext cx="9144000" cy="584775"/>
-          </a:xfrm>
-          <a:prstGeom prst="rect">
-            <a:avLst/>
-          </a:prstGeom>
-          <a:solidFill>
-            <a:schemeClr val="accent4">
-              <a:lumMod val="75000"/>
-            </a:schemeClr>
-          </a:solidFill>
-        </p:spPr>
-        <p:txBody>
-          <a:bodyPr wrap="square">
-            <a:spAutoFit/>
-          </a:bodyPr>
-          <a:lstStyle/>
-          <a:p>
-            <a:pPr algn="r">
-              <a:spcBef>
-                <a:spcPct val="0"/>
-              </a:spcBef>
-            </a:pPr>
-            <a:r>
-              <a:rPr lang="en-IN" sz="3200" b="1" i="1" dirty="0" smtClean="0">
-                <a:solidFill>
-                  <a:srgbClr val="FFFF00"/>
-                </a:solidFill>
-                <a:latin typeface="Arial" pitchFamily="34" charset="0"/>
-                <a:cs typeface="Arial" pitchFamily="34" charset="0"/>
-              </a:rPr>
-              <a:t>document</a:t>
-            </a:r>
-            <a:r>
-              <a:rPr lang="en-IN" sz="3200" b="1" i="1" dirty="0">
-                <a:solidFill>
-                  <a:srgbClr val="FFFF00"/>
-                </a:solidFill>
-                <a:latin typeface="Arial" pitchFamily="34" charset="0"/>
-                <a:cs typeface="Arial" pitchFamily="34" charset="0"/>
-              </a:rPr>
-              <a:t> </a:t>
-            </a:r>
-          </a:p>
-        </p:txBody>
-      </p:sp>
-      <p:sp>
-        <p:nvSpPr>
-          <p:cNvPr id="7" name="Rectangle 6"/>
-          <p:cNvSpPr/>
-          <p:nvPr/>
-        </p:nvSpPr>
-        <p:spPr>
-          <a:xfrm>
-            <a:off x="149188" y="762000"/>
-            <a:ext cx="8845624" cy="923330"/>
-          </a:xfrm>
-          <a:prstGeom prst="rect">
-            <a:avLst/>
-          </a:prstGeom>
-        </p:spPr>
-        <p:txBody>
-          <a:bodyPr wrap="square">
-            <a:spAutoFit/>
-          </a:bodyPr>
-          <a:lstStyle/>
-          <a:p>
-            <a:r>
-              <a:rPr lang="en-US" dirty="0"/>
-              <a:t>MongoDB documents are composed of </a:t>
-            </a:r>
-            <a:r>
-              <a:rPr lang="en-US" b="1" i="1" dirty="0">
-                <a:solidFill>
-                  <a:srgbClr val="036883"/>
-                </a:solidFill>
-              </a:rPr>
-              <a:t>field-and-value</a:t>
-            </a:r>
-            <a:r>
-              <a:rPr lang="en-US" dirty="0"/>
-              <a:t> pairs. The value of a field can be any of the BSON data types, including other documents, arrays, and arrays of documents.</a:t>
-            </a:r>
-            <a:endParaRPr lang="en-IN" dirty="0"/>
-          </a:p>
-        </p:txBody>
-      </p:sp>
-      <p:sp>
-        <p:nvSpPr>
-          <p:cNvPr id="2" name="Rectangle 1"/>
-          <p:cNvSpPr/>
-          <p:nvPr/>
-        </p:nvSpPr>
-        <p:spPr>
-          <a:xfrm>
-            <a:off x="149188" y="1875420"/>
-            <a:ext cx="8845624" cy="646331"/>
-          </a:xfrm>
-          <a:prstGeom prst="rect">
-            <a:avLst/>
-          </a:prstGeom>
-        </p:spPr>
-        <p:txBody>
-          <a:bodyPr wrap="square">
-            <a:spAutoFit/>
-          </a:bodyPr>
-          <a:lstStyle/>
-          <a:p>
-            <a:r>
-              <a:rPr lang="en-US" dirty="0"/>
-              <a:t>The </a:t>
-            </a:r>
-            <a:r>
-              <a:rPr lang="en-US" b="1" i="1" dirty="0">
-                <a:solidFill>
-                  <a:srgbClr val="036883"/>
-                </a:solidFill>
-              </a:rPr>
-              <a:t>field name</a:t>
-            </a:r>
-            <a:r>
-              <a:rPr lang="en-US" dirty="0"/>
-              <a:t> </a:t>
-            </a:r>
-            <a:r>
-              <a:rPr lang="en-US" b="1" i="1" dirty="0">
-                <a:solidFill>
-                  <a:srgbClr val="C00000"/>
-                </a:solidFill>
-              </a:rPr>
-              <a:t>_</a:t>
-            </a:r>
-            <a:r>
-              <a:rPr lang="en-US" b="1" dirty="0">
-                <a:solidFill>
-                  <a:srgbClr val="C00000"/>
-                </a:solidFill>
-              </a:rPr>
-              <a:t>id</a:t>
-            </a:r>
-            <a:r>
-              <a:rPr lang="en-US" b="1" i="1" dirty="0">
-                <a:solidFill>
-                  <a:srgbClr val="C00000"/>
-                </a:solidFill>
-              </a:rPr>
-              <a:t> </a:t>
-            </a:r>
-            <a:r>
-              <a:rPr lang="en-US" dirty="0"/>
-              <a:t>is reserved for use as a primary key; its value must be unique in the collection, is immutable, and may be of any type other than an array.</a:t>
-            </a:r>
-          </a:p>
-        </p:txBody>
-      </p:sp>
-      <p:sp>
-        <p:nvSpPr>
-          <p:cNvPr id="3" name="Rectangle 2"/>
-          <p:cNvSpPr/>
-          <p:nvPr/>
-        </p:nvSpPr>
-        <p:spPr>
-          <a:xfrm>
-            <a:off x="184814" y="2971800"/>
-            <a:ext cx="2464136" cy="2031325"/>
-          </a:xfrm>
-          <a:prstGeom prst="rect">
-            <a:avLst/>
-          </a:prstGeom>
-        </p:spPr>
-        <p:txBody>
-          <a:bodyPr wrap="none">
-            <a:spAutoFit/>
-          </a:bodyPr>
-          <a:lstStyle/>
-          <a:p>
-            <a:r>
-              <a:rPr lang="en-US" dirty="0">
-                <a:solidFill>
-                  <a:srgbClr val="049DC8"/>
-                </a:solidFill>
-                <a:latin typeface="Consolas" panose="020B0609020204030204" pitchFamily="49" charset="0"/>
-                <a:cs typeface="Calibri" panose="020F0502020204030204" pitchFamily="34" charset="0"/>
-              </a:rPr>
-              <a:t>{</a:t>
-            </a:r>
-          </a:p>
-          <a:p>
-            <a:r>
-              <a:rPr lang="en-US" dirty="0">
-                <a:solidFill>
-                  <a:srgbClr val="049DC8"/>
-                </a:solidFill>
-                <a:latin typeface="Consolas" panose="020B0609020204030204" pitchFamily="49" charset="0"/>
-                <a:cs typeface="Calibri" panose="020F0502020204030204" pitchFamily="34" charset="0"/>
-              </a:rPr>
-              <a:t>   field1: value1,</a:t>
-            </a:r>
-          </a:p>
-          <a:p>
-            <a:r>
-              <a:rPr lang="en-US" dirty="0">
-                <a:solidFill>
-                  <a:srgbClr val="049DC8"/>
-                </a:solidFill>
-                <a:latin typeface="Consolas" panose="020B0609020204030204" pitchFamily="49" charset="0"/>
-                <a:cs typeface="Calibri" panose="020F0502020204030204" pitchFamily="34" charset="0"/>
-              </a:rPr>
-              <a:t>   field2: value2,</a:t>
-            </a:r>
-          </a:p>
-          <a:p>
-            <a:r>
-              <a:rPr lang="en-US" dirty="0">
-                <a:solidFill>
-                  <a:srgbClr val="049DC8"/>
-                </a:solidFill>
-                <a:latin typeface="Consolas" panose="020B0609020204030204" pitchFamily="49" charset="0"/>
-                <a:cs typeface="Calibri" panose="020F0502020204030204" pitchFamily="34" charset="0"/>
-              </a:rPr>
-              <a:t>   field3: value3,</a:t>
-            </a:r>
-          </a:p>
-          <a:p>
-            <a:r>
-              <a:rPr lang="en-US" dirty="0">
-                <a:solidFill>
-                  <a:srgbClr val="049DC8"/>
-                </a:solidFill>
-                <a:latin typeface="Consolas" panose="020B0609020204030204" pitchFamily="49" charset="0"/>
-                <a:cs typeface="Calibri" panose="020F0502020204030204" pitchFamily="34" charset="0"/>
-              </a:rPr>
-              <a:t>   ...</a:t>
-            </a:r>
-          </a:p>
-          <a:p>
-            <a:r>
-              <a:rPr lang="en-US" dirty="0">
-                <a:solidFill>
-                  <a:srgbClr val="049DC8"/>
-                </a:solidFill>
-                <a:latin typeface="Consolas" panose="020B0609020204030204" pitchFamily="49" charset="0"/>
-                <a:cs typeface="Calibri" panose="020F0502020204030204" pitchFamily="34" charset="0"/>
-              </a:rPr>
-              <a:t>   fieldN: valueN</a:t>
-            </a:r>
-          </a:p>
-          <a:p>
-            <a:r>
-              <a:rPr lang="en-US" dirty="0">
-                <a:solidFill>
-                  <a:srgbClr val="049DC8"/>
-                </a:solidFill>
-                <a:latin typeface="Consolas" panose="020B0609020204030204" pitchFamily="49" charset="0"/>
-                <a:cs typeface="Calibri" panose="020F0502020204030204" pitchFamily="34" charset="0"/>
-              </a:rPr>
-              <a:t>}</a:t>
-            </a:r>
-          </a:p>
-        </p:txBody>
-      </p:sp>
-    </p:spTree>
-    <p:extLst>
-      <p:ext uri="{BB962C8B-B14F-4D97-AF65-F5344CB8AC3E}">
-        <p14:creationId xmlns:p14="http://schemas.microsoft.com/office/powerpoint/2010/main" val="1707159998"/>
-      </p:ext>
-    </p:extLst>
-  </p:cSld>
-  <p:clrMapOvr>
-    <a:masterClrMapping/>
-  </p:clrMapOvr>
-  <p:timing>
-    <p:tnLst>
-      <p:par>
-        <p:cTn id="1" dur="indefinite" restart="never" nodeType="tmRoot"/>
-      </p:par>
-    </p:tnLst>
-  </p:timing>
-</p:sld>
-</file>
-
 <file path=ppt/slides/slide38.xml><?xml version="1.0" encoding="utf-8"?>
 <p:sld xmlns:a="http://schemas.openxmlformats.org/drawingml/2006/main" xmlns:r="http://schemas.openxmlformats.org/officeDocument/2006/relationships" xmlns:p="http://schemas.openxmlformats.org/presentationml/2006/main">
   <p:cSld>
@@ -13237,7 +13303,7 @@
         <p:spPr>
           <a:xfrm>
             <a:off x="149188" y="762000"/>
-            <a:ext cx="8845624" cy="369332"/>
+            <a:ext cx="8845624" cy="923330"/>
           </a:xfrm>
           <a:prstGeom prst="rect">
             <a:avLst/>
@@ -13250,17 +13316,203 @@
           <a:lstStyle/>
           <a:p>
             <a:r>
-              <a:rPr lang="en-US" dirty="0" smtClean="0"/>
-              <a:t>TODO</a:t>
+              <a:rPr lang="en-US" dirty="0"/>
+              <a:t>MongoDB documents are composed of </a:t>
+            </a:r>
+            <a:r>
+              <a:rPr lang="en-US" b="1" i="1" dirty="0">
+                <a:solidFill>
+                  <a:srgbClr val="036883"/>
+                </a:solidFill>
+              </a:rPr>
+              <a:t>field-and-value</a:t>
+            </a:r>
+            <a:r>
+              <a:rPr lang="en-US" dirty="0"/>
+              <a:t> pairs. The value of a field can be any of the BSON data types, including other documents, arrays, and arrays of documents.</a:t>
             </a:r>
             <a:endParaRPr lang="en-IN" dirty="0"/>
+          </a:p>
+        </p:txBody>
+      </p:sp>
+      <p:sp>
+        <p:nvSpPr>
+          <p:cNvPr id="2" name="Rectangle 1"/>
+          <p:cNvSpPr/>
+          <p:nvPr/>
+        </p:nvSpPr>
+        <p:spPr>
+          <a:xfrm>
+            <a:off x="149188" y="1875420"/>
+            <a:ext cx="8845624" cy="646331"/>
+          </a:xfrm>
+          <a:prstGeom prst="rect">
+            <a:avLst/>
+          </a:prstGeom>
+        </p:spPr>
+        <p:txBody>
+          <a:bodyPr wrap="square">
+            <a:spAutoFit/>
+          </a:bodyPr>
+          <a:lstStyle/>
+          <a:p>
+            <a:r>
+              <a:rPr lang="en-US" dirty="0"/>
+              <a:t>The </a:t>
+            </a:r>
+            <a:r>
+              <a:rPr lang="en-US" b="1" i="1" dirty="0">
+                <a:solidFill>
+                  <a:srgbClr val="036883"/>
+                </a:solidFill>
+              </a:rPr>
+              <a:t>field name</a:t>
+            </a:r>
+            <a:r>
+              <a:rPr lang="en-US" dirty="0"/>
+              <a:t> </a:t>
+            </a:r>
+            <a:r>
+              <a:rPr lang="en-US" b="1" i="1" dirty="0">
+                <a:solidFill>
+                  <a:srgbClr val="C00000"/>
+                </a:solidFill>
+              </a:rPr>
+              <a:t>_</a:t>
+            </a:r>
+            <a:r>
+              <a:rPr lang="en-US" b="1" dirty="0">
+                <a:solidFill>
+                  <a:srgbClr val="C00000"/>
+                </a:solidFill>
+              </a:rPr>
+              <a:t>id</a:t>
+            </a:r>
+            <a:r>
+              <a:rPr lang="en-US" b="1" i="1" dirty="0">
+                <a:solidFill>
+                  <a:srgbClr val="C00000"/>
+                </a:solidFill>
+              </a:rPr>
+              <a:t> </a:t>
+            </a:r>
+            <a:r>
+              <a:rPr lang="en-US" dirty="0"/>
+              <a:t>is reserved for use as a primary key; its value must be unique in the collection, is immutable, and may be of any type other than an array.</a:t>
+            </a:r>
+          </a:p>
+        </p:txBody>
+      </p:sp>
+      <p:sp>
+        <p:nvSpPr>
+          <p:cNvPr id="3" name="Rectangle 2"/>
+          <p:cNvSpPr/>
+          <p:nvPr/>
+        </p:nvSpPr>
+        <p:spPr>
+          <a:xfrm>
+            <a:off x="184814" y="2971800"/>
+            <a:ext cx="2464136" cy="2031325"/>
+          </a:xfrm>
+          <a:prstGeom prst="rect">
+            <a:avLst/>
+          </a:prstGeom>
+        </p:spPr>
+        <p:txBody>
+          <a:bodyPr wrap="none">
+            <a:spAutoFit/>
+          </a:bodyPr>
+          <a:lstStyle/>
+          <a:p>
+            <a:r>
+              <a:rPr lang="en-US" dirty="0">
+                <a:solidFill>
+                  <a:srgbClr val="049DC8"/>
+                </a:solidFill>
+                <a:latin typeface="Consolas" panose="020B0609020204030204" pitchFamily="49" charset="0"/>
+                <a:cs typeface="Calibri" panose="020F0502020204030204" pitchFamily="34" charset="0"/>
+              </a:rPr>
+              <a:t>{</a:t>
+            </a:r>
+          </a:p>
+          <a:p>
+            <a:r>
+              <a:rPr lang="en-US" dirty="0">
+                <a:solidFill>
+                  <a:srgbClr val="049DC8"/>
+                </a:solidFill>
+                <a:latin typeface="Consolas" panose="020B0609020204030204" pitchFamily="49" charset="0"/>
+                <a:cs typeface="Calibri" panose="020F0502020204030204" pitchFamily="34" charset="0"/>
+              </a:rPr>
+              <a:t>   field1: value1,</a:t>
+            </a:r>
+          </a:p>
+          <a:p>
+            <a:r>
+              <a:rPr lang="en-US" dirty="0">
+                <a:solidFill>
+                  <a:srgbClr val="049DC8"/>
+                </a:solidFill>
+                <a:latin typeface="Consolas" panose="020B0609020204030204" pitchFamily="49" charset="0"/>
+                <a:cs typeface="Calibri" panose="020F0502020204030204" pitchFamily="34" charset="0"/>
+              </a:rPr>
+              <a:t>   field2: value2,</a:t>
+            </a:r>
+          </a:p>
+          <a:p>
+            <a:r>
+              <a:rPr lang="en-US" dirty="0">
+                <a:solidFill>
+                  <a:srgbClr val="049DC8"/>
+                </a:solidFill>
+                <a:latin typeface="Consolas" panose="020B0609020204030204" pitchFamily="49" charset="0"/>
+                <a:cs typeface="Calibri" panose="020F0502020204030204" pitchFamily="34" charset="0"/>
+              </a:rPr>
+              <a:t>   field3: value3,</a:t>
+            </a:r>
+          </a:p>
+          <a:p>
+            <a:r>
+              <a:rPr lang="en-US" dirty="0">
+                <a:solidFill>
+                  <a:srgbClr val="049DC8"/>
+                </a:solidFill>
+                <a:latin typeface="Consolas" panose="020B0609020204030204" pitchFamily="49" charset="0"/>
+                <a:cs typeface="Calibri" panose="020F0502020204030204" pitchFamily="34" charset="0"/>
+              </a:rPr>
+              <a:t>   ...</a:t>
+            </a:r>
+          </a:p>
+          <a:p>
+            <a:r>
+              <a:rPr lang="en-US" dirty="0">
+                <a:solidFill>
+                  <a:srgbClr val="049DC8"/>
+                </a:solidFill>
+                <a:latin typeface="Consolas" panose="020B0609020204030204" pitchFamily="49" charset="0"/>
+                <a:cs typeface="Calibri" panose="020F0502020204030204" pitchFamily="34" charset="0"/>
+              </a:rPr>
+              <a:t>   fieldN: valueN</a:t>
+            </a:r>
+          </a:p>
+          <a:p>
+            <a:r>
+              <a:rPr lang="en-US" dirty="0">
+                <a:solidFill>
+                  <a:srgbClr val="049DC8"/>
+                </a:solidFill>
+                <a:latin typeface="Consolas" panose="020B0609020204030204" pitchFamily="49" charset="0"/>
+                <a:cs typeface="Calibri" panose="020F0502020204030204" pitchFamily="34" charset="0"/>
+              </a:rPr>
+              <a:t>}</a:t>
+            </a:r>
           </a:p>
         </p:txBody>
       </p:sp>
     </p:spTree>
     <p:extLst>
       <p:ext uri="{BB962C8B-B14F-4D97-AF65-F5344CB8AC3E}">
-        <p14:creationId xmlns:p14="http://schemas.microsoft.com/office/powerpoint/2010/main" val="3587670722"/>
+        <p14:creationId xmlns:p14="http://schemas.microsoft.com/office/powerpoint/2010/main" val="1707159998"/>
       </p:ext>
     </p:extLst>
   </p:cSld>
@@ -13333,17 +13585,7 @@
                 <a:latin typeface="Arial" pitchFamily="34" charset="0"/>
                 <a:cs typeface="Arial" pitchFamily="34" charset="0"/>
               </a:rPr>
-              <a:t>MongoDB</a:t>
-            </a:r>
-            <a:r>
-              <a:rPr lang="en-US" sz="3200" b="1" i="1" dirty="0" smtClean="0">
-                <a:solidFill>
-                  <a:srgbClr val="FFFF00"/>
-                </a:solidFill>
-                <a:latin typeface="Arial" pitchFamily="34" charset="0"/>
-                <a:cs typeface="Arial" pitchFamily="34" charset="0"/>
-              </a:rPr>
-              <a:t> </a:t>
+              <a:t>document</a:t>
             </a:r>
             <a:r>
               <a:rPr lang="en-IN" sz="3200" b="1" i="1" dirty="0">
@@ -13390,7 +13632,7 @@
     </p:spTree>
     <p:extLst>
       <p:ext uri="{BB962C8B-B14F-4D97-AF65-F5344CB8AC3E}">
-        <p14:creationId xmlns:p14="http://schemas.microsoft.com/office/powerpoint/2010/main" val="250252946"/>
+        <p14:creationId xmlns:p14="http://schemas.microsoft.com/office/powerpoint/2010/main" val="3587670722"/>
       </p:ext>
     </p:extLst>
   </p:cSld>
@@ -13766,7 +14008,7 @@
     </p:spTree>
     <p:extLst>
       <p:ext uri="{BB962C8B-B14F-4D97-AF65-F5344CB8AC3E}">
-        <p14:creationId xmlns:p14="http://schemas.microsoft.com/office/powerpoint/2010/main" val="895975297"/>
+        <p14:creationId xmlns:p14="http://schemas.microsoft.com/office/powerpoint/2010/main" val="250252946"/>
       </p:ext>
     </p:extLst>
   </p:cSld>
@@ -13896,7 +14138,7 @@
     </p:spTree>
     <p:extLst>
       <p:ext uri="{BB962C8B-B14F-4D97-AF65-F5344CB8AC3E}">
-        <p14:creationId xmlns:p14="http://schemas.microsoft.com/office/powerpoint/2010/main" val="1785036271"/>
+        <p14:creationId xmlns:p14="http://schemas.microsoft.com/office/powerpoint/2010/main" val="895975297"/>
       </p:ext>
     </p:extLst>
   </p:cSld>
@@ -14026,7 +14268,7 @@
     </p:spTree>
     <p:extLst>
       <p:ext uri="{BB962C8B-B14F-4D97-AF65-F5344CB8AC3E}">
-        <p14:creationId xmlns:p14="http://schemas.microsoft.com/office/powerpoint/2010/main" val="2324753550"/>
+        <p14:creationId xmlns:p14="http://schemas.microsoft.com/office/powerpoint/2010/main" val="1785036271"/>
       </p:ext>
     </p:extLst>
   </p:cSld>
@@ -14156,7 +14398,7 @@
     </p:spTree>
     <p:extLst>
       <p:ext uri="{BB962C8B-B14F-4D97-AF65-F5344CB8AC3E}">
-        <p14:creationId xmlns:p14="http://schemas.microsoft.com/office/powerpoint/2010/main" val="159175200"/>
+        <p14:creationId xmlns:p14="http://schemas.microsoft.com/office/powerpoint/2010/main" val="2324753550"/>
       </p:ext>
     </p:extLst>
   </p:cSld>
@@ -14286,7 +14528,7 @@
     </p:spTree>
     <p:extLst>
       <p:ext uri="{BB962C8B-B14F-4D97-AF65-F5344CB8AC3E}">
-        <p14:creationId xmlns:p14="http://schemas.microsoft.com/office/powerpoint/2010/main" val="4200858574"/>
+        <p14:creationId xmlns:p14="http://schemas.microsoft.com/office/powerpoint/2010/main" val="159175200"/>
       </p:ext>
     </p:extLst>
   </p:cSld>
@@ -14416,7 +14658,7 @@
     </p:spTree>
     <p:extLst>
       <p:ext uri="{BB962C8B-B14F-4D97-AF65-F5344CB8AC3E}">
-        <p14:creationId xmlns:p14="http://schemas.microsoft.com/office/powerpoint/2010/main" val="2535387021"/>
+        <p14:creationId xmlns:p14="http://schemas.microsoft.com/office/powerpoint/2010/main" val="4200858574"/>
       </p:ext>
     </p:extLst>
   </p:cSld>
@@ -14546,7 +14788,7 @@
     </p:spTree>
     <p:extLst>
       <p:ext uri="{BB962C8B-B14F-4D97-AF65-F5344CB8AC3E}">
-        <p14:creationId xmlns:p14="http://schemas.microsoft.com/office/powerpoint/2010/main" val="3372373110"/>
+        <p14:creationId xmlns:p14="http://schemas.microsoft.com/office/powerpoint/2010/main" val="2535387021"/>
       </p:ext>
     </p:extLst>
   </p:cSld>
@@ -14676,7 +14918,7 @@
     </p:spTree>
     <p:extLst>
       <p:ext uri="{BB962C8B-B14F-4D97-AF65-F5344CB8AC3E}">
-        <p14:creationId xmlns:p14="http://schemas.microsoft.com/office/powerpoint/2010/main" val="1298561359"/>
+        <p14:creationId xmlns:p14="http://schemas.microsoft.com/office/powerpoint/2010/main" val="3372373110"/>
       </p:ext>
     </p:extLst>
   </p:cSld>
@@ -14806,7 +15048,7 @@
     </p:spTree>
     <p:extLst>
       <p:ext uri="{BB962C8B-B14F-4D97-AF65-F5344CB8AC3E}">
-        <p14:creationId xmlns:p14="http://schemas.microsoft.com/office/powerpoint/2010/main" val="2767122750"/>
+        <p14:creationId xmlns:p14="http://schemas.microsoft.com/office/powerpoint/2010/main" val="1298561359"/>
       </p:ext>
     </p:extLst>
   </p:cSld>
@@ -14936,7 +15178,7 @@
     </p:spTree>
     <p:extLst>
       <p:ext uri="{BB962C8B-B14F-4D97-AF65-F5344CB8AC3E}">
-        <p14:creationId xmlns:p14="http://schemas.microsoft.com/office/powerpoint/2010/main" val="3923222660"/>
+        <p14:creationId xmlns:p14="http://schemas.microsoft.com/office/powerpoint/2010/main" val="2767122750"/>
       </p:ext>
     </p:extLst>
   </p:cSld>
@@ -15610,7 +15852,7 @@
     </p:spTree>
     <p:extLst>
       <p:ext uri="{BB962C8B-B14F-4D97-AF65-F5344CB8AC3E}">
-        <p14:creationId xmlns:p14="http://schemas.microsoft.com/office/powerpoint/2010/main" val="166747101"/>
+        <p14:creationId xmlns:p14="http://schemas.microsoft.com/office/powerpoint/2010/main" val="3923222660"/>
       </p:ext>
     </p:extLst>
   </p:cSld>
@@ -15740,7 +15982,7 @@
     </p:spTree>
     <p:extLst>
       <p:ext uri="{BB962C8B-B14F-4D97-AF65-F5344CB8AC3E}">
-        <p14:creationId xmlns:p14="http://schemas.microsoft.com/office/powerpoint/2010/main" val="924942284"/>
+        <p14:creationId xmlns:p14="http://schemas.microsoft.com/office/powerpoint/2010/main" val="166747101"/>
       </p:ext>
     </p:extLst>
   </p:cSld>
@@ -15870,7 +16112,7 @@
     </p:spTree>
     <p:extLst>
       <p:ext uri="{BB962C8B-B14F-4D97-AF65-F5344CB8AC3E}">
-        <p14:creationId xmlns:p14="http://schemas.microsoft.com/office/powerpoint/2010/main" val="3259065627"/>
+        <p14:creationId xmlns:p14="http://schemas.microsoft.com/office/powerpoint/2010/main" val="924942284"/>
       </p:ext>
     </p:extLst>
   </p:cSld>
@@ -16000,7 +16242,7 @@
     </p:spTree>
     <p:extLst>
       <p:ext uri="{BB962C8B-B14F-4D97-AF65-F5344CB8AC3E}">
-        <p14:creationId xmlns:p14="http://schemas.microsoft.com/office/powerpoint/2010/main" val="3171492564"/>
+        <p14:creationId xmlns:p14="http://schemas.microsoft.com/office/powerpoint/2010/main" val="3259065627"/>
       </p:ext>
     </p:extLst>
   </p:cSld>
@@ -16130,7 +16372,7 @@
     </p:spTree>
     <p:extLst>
       <p:ext uri="{BB962C8B-B14F-4D97-AF65-F5344CB8AC3E}">
-        <p14:creationId xmlns:p14="http://schemas.microsoft.com/office/powerpoint/2010/main" val="2780407736"/>
+        <p14:creationId xmlns:p14="http://schemas.microsoft.com/office/powerpoint/2010/main" val="3171492564"/>
       </p:ext>
     </p:extLst>
   </p:cSld>
@@ -16260,7 +16502,7 @@
     </p:spTree>
     <p:extLst>
       <p:ext uri="{BB962C8B-B14F-4D97-AF65-F5344CB8AC3E}">
-        <p14:creationId xmlns:p14="http://schemas.microsoft.com/office/powerpoint/2010/main" val="848474725"/>
+        <p14:creationId xmlns:p14="http://schemas.microsoft.com/office/powerpoint/2010/main" val="2780407736"/>
       </p:ext>
     </p:extLst>
   </p:cSld>
@@ -16390,7 +16632,7 @@
     </p:spTree>
     <p:extLst>
       <p:ext uri="{BB962C8B-B14F-4D97-AF65-F5344CB8AC3E}">
-        <p14:creationId xmlns:p14="http://schemas.microsoft.com/office/powerpoint/2010/main" val="4030158449"/>
+        <p14:creationId xmlns:p14="http://schemas.microsoft.com/office/powerpoint/2010/main" val="848474725"/>
       </p:ext>
     </p:extLst>
   </p:cSld>
@@ -16520,7 +16762,7 @@
     </p:spTree>
     <p:extLst>
       <p:ext uri="{BB962C8B-B14F-4D97-AF65-F5344CB8AC3E}">
-        <p14:creationId xmlns:p14="http://schemas.microsoft.com/office/powerpoint/2010/main" val="1708605334"/>
+        <p14:creationId xmlns:p14="http://schemas.microsoft.com/office/powerpoint/2010/main" val="4030158449"/>
       </p:ext>
     </p:extLst>
   </p:cSld>
@@ -16650,7 +16892,7 @@
     </p:spTree>
     <p:extLst>
       <p:ext uri="{BB962C8B-B14F-4D97-AF65-F5344CB8AC3E}">
-        <p14:creationId xmlns:p14="http://schemas.microsoft.com/office/powerpoint/2010/main" val="1478242473"/>
+        <p14:creationId xmlns:p14="http://schemas.microsoft.com/office/powerpoint/2010/main" val="1708605334"/>
       </p:ext>
     </p:extLst>
   </p:cSld>
@@ -16780,7 +17022,7 @@
     </p:spTree>
     <p:extLst>
       <p:ext uri="{BB962C8B-B14F-4D97-AF65-F5344CB8AC3E}">
-        <p14:creationId xmlns:p14="http://schemas.microsoft.com/office/powerpoint/2010/main" val="2136286712"/>
+        <p14:creationId xmlns:p14="http://schemas.microsoft.com/office/powerpoint/2010/main" val="1478242473"/>
       </p:ext>
     </p:extLst>
   </p:cSld>
@@ -17106,7 +17348,7 @@
     </p:spTree>
     <p:extLst>
       <p:ext uri="{BB962C8B-B14F-4D97-AF65-F5344CB8AC3E}">
-        <p14:creationId xmlns:p14="http://schemas.microsoft.com/office/powerpoint/2010/main" val="160110094"/>
+        <p14:creationId xmlns:p14="http://schemas.microsoft.com/office/powerpoint/2010/main" val="2136286712"/>
       </p:ext>
     </p:extLst>
   </p:cSld>
@@ -17236,7 +17478,7 @@
     </p:spTree>
     <p:extLst>
       <p:ext uri="{BB962C8B-B14F-4D97-AF65-F5344CB8AC3E}">
-        <p14:creationId xmlns:p14="http://schemas.microsoft.com/office/powerpoint/2010/main" val="1060267809"/>
+        <p14:creationId xmlns:p14="http://schemas.microsoft.com/office/powerpoint/2010/main" val="160110094"/>
       </p:ext>
     </p:extLst>
   </p:cSld>
@@ -17366,7 +17608,7 @@
     </p:spTree>
     <p:extLst>
       <p:ext uri="{BB962C8B-B14F-4D97-AF65-F5344CB8AC3E}">
-        <p14:creationId xmlns:p14="http://schemas.microsoft.com/office/powerpoint/2010/main" val="1137647517"/>
+        <p14:creationId xmlns:p14="http://schemas.microsoft.com/office/powerpoint/2010/main" val="1060267809"/>
       </p:ext>
     </p:extLst>
   </p:cSld>
@@ -17496,7 +17738,7 @@
     </p:spTree>
     <p:extLst>
       <p:ext uri="{BB962C8B-B14F-4D97-AF65-F5344CB8AC3E}">
-        <p14:creationId xmlns:p14="http://schemas.microsoft.com/office/powerpoint/2010/main" val="3052086859"/>
+        <p14:creationId xmlns:p14="http://schemas.microsoft.com/office/powerpoint/2010/main" val="1137647517"/>
       </p:ext>
     </p:extLst>
   </p:cSld>
@@ -17626,7 +17868,7 @@
     </p:spTree>
     <p:extLst>
       <p:ext uri="{BB962C8B-B14F-4D97-AF65-F5344CB8AC3E}">
-        <p14:creationId xmlns:p14="http://schemas.microsoft.com/office/powerpoint/2010/main" val="1097272351"/>
+        <p14:creationId xmlns:p14="http://schemas.microsoft.com/office/powerpoint/2010/main" val="3052086859"/>
       </p:ext>
     </p:extLst>
   </p:cSld>
@@ -17756,7 +17998,7 @@
     </p:spTree>
     <p:extLst>
       <p:ext uri="{BB962C8B-B14F-4D97-AF65-F5344CB8AC3E}">
-        <p14:creationId xmlns:p14="http://schemas.microsoft.com/office/powerpoint/2010/main" val="1587220367"/>
+        <p14:creationId xmlns:p14="http://schemas.microsoft.com/office/powerpoint/2010/main" val="1097272351"/>
       </p:ext>
     </p:extLst>
   </p:cSld>
@@ -17886,7 +18128,7 @@
     </p:spTree>
     <p:extLst>
       <p:ext uri="{BB962C8B-B14F-4D97-AF65-F5344CB8AC3E}">
-        <p14:creationId xmlns:p14="http://schemas.microsoft.com/office/powerpoint/2010/main" val="1863467568"/>
+        <p14:creationId xmlns:p14="http://schemas.microsoft.com/office/powerpoint/2010/main" val="1587220367"/>
       </p:ext>
     </p:extLst>
   </p:cSld>
@@ -18016,7 +18258,7 @@
     </p:spTree>
     <p:extLst>
       <p:ext uri="{BB962C8B-B14F-4D97-AF65-F5344CB8AC3E}">
-        <p14:creationId xmlns:p14="http://schemas.microsoft.com/office/powerpoint/2010/main" val="1971192509"/>
+        <p14:creationId xmlns:p14="http://schemas.microsoft.com/office/powerpoint/2010/main" val="1863467568"/>
       </p:ext>
     </p:extLst>
   </p:cSld>
@@ -18052,7 +18294,7 @@
       </p:grpSpPr>
       <p:sp>
         <p:nvSpPr>
-          <p:cNvPr id="4" name="Rectangle 3"/>
+          <p:cNvPr id="6" name="Rectangle 5"/>
           <p:cNvSpPr/>
           <p:nvPr/>
         </p:nvSpPr>
@@ -18065,8 +18307,8 @@
             <a:avLst/>
           </a:prstGeom>
           <a:solidFill>
-            <a:schemeClr val="bg2">
-              <a:lumMod val="10000"/>
+            <a:schemeClr val="accent4">
+              <a:lumMod val="75000"/>
             </a:schemeClr>
           </a:solidFill>
         </p:spPr>
@@ -18076,7 +18318,11 @@
           </a:bodyPr>
           <a:lstStyle/>
           <a:p>
-            <a:pPr algn="r"/>
+            <a:pPr algn="r">
+              <a:spcBef>
+                <a:spcPct val="0"/>
+              </a:spcBef>
+            </a:pPr>
             <a:r>
               <a:rPr lang="en-IN" sz="3200" b="1" i="1" dirty="0" smtClean="0">
                 <a:solidFill>
@@ -18085,27 +18331,40 @@
                 <a:latin typeface="Arial" pitchFamily="34" charset="0"/>
                 <a:cs typeface="Arial" pitchFamily="34" charset="0"/>
               </a:rPr>
-              <a:t>IMP</a:t>
-            </a:r>
-            <a:endParaRPr lang="en-IN" sz="3200" b="1" i="1" dirty="0">
-              <a:solidFill>
-                <a:srgbClr val="FFFF00"/>
-              </a:solidFill>
-              <a:latin typeface="Arial" pitchFamily="34" charset="0"/>
-              <a:cs typeface="Arial" pitchFamily="34" charset="0"/>
-            </a:endParaRPr>
-          </a:p>
-        </p:txBody>
-      </p:sp>
-      <p:sp>
-        <p:nvSpPr>
-          <p:cNvPr id="2" name="Rectangle 1"/>
+              <a:t>MongoDB</a:t>
+            </a:r>
+            <a:r>
+              <a:rPr lang="en-US" sz="3200" b="1" i="1" dirty="0" smtClean="0">
+                <a:solidFill>
+                  <a:srgbClr val="FFFF00"/>
+                </a:solidFill>
+                <a:latin typeface="Arial" pitchFamily="34" charset="0"/>
+                <a:cs typeface="Arial" pitchFamily="34" charset="0"/>
+              </a:rPr>
+              <a:t> </a:t>
+            </a:r>
+            <a:r>
+              <a:rPr lang="en-IN" sz="3200" b="1" i="1" dirty="0">
+                <a:solidFill>
+                  <a:srgbClr val="FFFF00"/>
+                </a:solidFill>
+                <a:latin typeface="Arial" pitchFamily="34" charset="0"/>
+                <a:cs typeface="Arial" pitchFamily="34" charset="0"/>
+              </a:rPr>
+              <a:t> </a:t>
+            </a:r>
+          </a:p>
+        </p:txBody>
+      </p:sp>
+      <p:sp>
+        <p:nvSpPr>
+          <p:cNvPr id="7" name="Rectangle 6"/>
           <p:cNvSpPr/>
           <p:nvPr/>
         </p:nvSpPr>
         <p:spPr>
           <a:xfrm>
-            <a:off x="145976" y="849264"/>
+            <a:off x="149188" y="762000"/>
             <a:ext cx="8845624" cy="369332"/>
           </a:xfrm>
           <a:prstGeom prst="rect">
@@ -18119,153 +18378,17 @@
           <a:lstStyle/>
           <a:p>
             <a:r>
-              <a:rPr lang="en-IN" dirty="0" smtClean="0">
-                <a:solidFill>
-                  <a:srgbClr val="222222"/>
-                </a:solidFill>
-                <a:latin typeface="Verdana" panose="020B0604030504040204" pitchFamily="34" charset="0"/>
-              </a:rPr>
-              <a:t>1. Think </a:t>
-            </a:r>
-            <a:r>
-              <a:rPr lang="en-IN" dirty="0">
-                <a:solidFill>
-                  <a:srgbClr val="222222"/>
-                </a:solidFill>
-                <a:latin typeface="Verdana" panose="020B0604030504040204" pitchFamily="34" charset="0"/>
-              </a:rPr>
-              <a:t>about how multiplication can be done without actually </a:t>
-            </a:r>
-            <a:r>
-              <a:rPr lang="en-IN" dirty="0" smtClean="0">
-                <a:solidFill>
-                  <a:srgbClr val="222222"/>
-                </a:solidFill>
-                <a:latin typeface="Verdana" panose="020B0604030504040204" pitchFamily="34" charset="0"/>
-              </a:rPr>
-              <a:t>multiplying </a:t>
+              <a:rPr lang="en-US" dirty="0" smtClean="0"/>
+              <a:t>TODO</a:t>
             </a:r>
             <a:endParaRPr lang="en-IN" dirty="0"/>
           </a:p>
         </p:txBody>
       </p:sp>
-      <p:sp>
-        <p:nvSpPr>
-          <p:cNvPr id="3" name="TextBox 2"/>
-          <p:cNvSpPr txBox="1"/>
-          <p:nvPr/>
-        </p:nvSpPr>
-        <p:spPr>
-          <a:xfrm>
-            <a:off x="990600" y="2514600"/>
-            <a:ext cx="184731" cy="369332"/>
-          </a:xfrm>
-          <a:prstGeom prst="rect">
-            <a:avLst/>
-          </a:prstGeom>
-          <a:noFill/>
-        </p:spPr>
-        <p:txBody>
-          <a:bodyPr wrap="none" rtlCol="0">
-            <a:spAutoFit/>
-          </a:bodyPr>
-          <a:lstStyle/>
-          <a:p>
-            <a:endParaRPr lang="en-IN" dirty="0"/>
-          </a:p>
-        </p:txBody>
-      </p:sp>
-      <p:pic>
-        <p:nvPicPr>
-          <p:cNvPr id="5" name="Picture 4"/>
-          <p:cNvPicPr>
-            <a:picLocks noChangeAspect="1"/>
-          </p:cNvPicPr>
-          <p:nvPr/>
-        </p:nvPicPr>
-        <p:blipFill>
-          <a:blip r:embed="rId2"/>
-          <a:stretch>
-            <a:fillRect/>
-          </a:stretch>
-        </p:blipFill>
-        <p:spPr>
-          <a:xfrm>
-            <a:off x="304800" y="3700361"/>
-            <a:ext cx="4648200" cy="2471839"/>
-          </a:xfrm>
-          <a:prstGeom prst="rect">
-            <a:avLst/>
-          </a:prstGeom>
-        </p:spPr>
-      </p:pic>
-      <p:sp>
-        <p:nvSpPr>
-          <p:cNvPr id="6" name="Rectangle 5"/>
-          <p:cNvSpPr/>
-          <p:nvPr/>
-        </p:nvSpPr>
-        <p:spPr>
-          <a:xfrm>
-            <a:off x="145976" y="3243552"/>
-            <a:ext cx="1317990" cy="369332"/>
-          </a:xfrm>
-          <a:prstGeom prst="rect">
-            <a:avLst/>
-          </a:prstGeom>
-        </p:spPr>
-        <p:txBody>
-          <a:bodyPr wrap="none">
-            <a:spAutoFit/>
-          </a:bodyPr>
-          <a:lstStyle/>
-          <a:p>
-            <a:r>
-              <a:rPr lang="en-IN" dirty="0" smtClean="0">
-                <a:solidFill>
-                  <a:srgbClr val="222222"/>
-                </a:solidFill>
-                <a:latin typeface="Verdana" panose="020B0604030504040204" pitchFamily="34" charset="0"/>
-              </a:rPr>
-              <a:t>2. Square</a:t>
-            </a:r>
-            <a:endParaRPr lang="en-IN" dirty="0">
-              <a:solidFill>
-                <a:srgbClr val="222222"/>
-              </a:solidFill>
-              <a:latin typeface="Verdana" panose="020B0604030504040204" pitchFamily="34" charset="0"/>
-            </a:endParaRPr>
-          </a:p>
-        </p:txBody>
-      </p:sp>
-      <p:pic>
-        <p:nvPicPr>
-          <p:cNvPr id="8" name="Picture 7"/>
-          <p:cNvPicPr>
-            <a:picLocks noChangeAspect="1"/>
-          </p:cNvPicPr>
-          <p:nvPr/>
-        </p:nvPicPr>
-        <p:blipFill>
-          <a:blip r:embed="rId3"/>
-          <a:stretch>
-            <a:fillRect/>
-          </a:stretch>
-        </p:blipFill>
-        <p:spPr>
-          <a:xfrm>
-            <a:off x="533400" y="1250647"/>
-            <a:ext cx="4495800" cy="1883657"/>
-          </a:xfrm>
-          <a:prstGeom prst="rect">
-            <a:avLst/>
-          </a:prstGeom>
-        </p:spPr>
-      </p:pic>
     </p:spTree>
     <p:extLst>
       <p:ext uri="{BB962C8B-B14F-4D97-AF65-F5344CB8AC3E}">
-        <p14:creationId xmlns:p14="http://schemas.microsoft.com/office/powerpoint/2010/main" val="3391323119"/>
+        <p14:creationId xmlns:p14="http://schemas.microsoft.com/office/powerpoint/2010/main" val="1971192509"/>
       </p:ext>
     </p:extLst>
   </p:cSld>
@@ -18299,97 +18422,222 @@
           <a:chExt cx="0" cy="0"/>
         </a:xfrm>
       </p:grpSpPr>
+      <p:sp>
+        <p:nvSpPr>
+          <p:cNvPr id="4" name="Rectangle 3"/>
+          <p:cNvSpPr/>
+          <p:nvPr/>
+        </p:nvSpPr>
+        <p:spPr>
+          <a:xfrm>
+            <a:off x="0" y="0"/>
+            <a:ext cx="9144000" cy="584775"/>
+          </a:xfrm>
+          <a:prstGeom prst="rect">
+            <a:avLst/>
+          </a:prstGeom>
+          <a:solidFill>
+            <a:schemeClr val="bg2">
+              <a:lumMod val="10000"/>
+            </a:schemeClr>
+          </a:solidFill>
+        </p:spPr>
+        <p:txBody>
+          <a:bodyPr wrap="square">
+            <a:spAutoFit/>
+          </a:bodyPr>
+          <a:lstStyle/>
+          <a:p>
+            <a:pPr algn="r"/>
+            <a:r>
+              <a:rPr lang="en-IN" sz="3200" b="1" i="1" dirty="0" smtClean="0">
+                <a:solidFill>
+                  <a:srgbClr val="FFFF00"/>
+                </a:solidFill>
+                <a:latin typeface="Arial" pitchFamily="34" charset="0"/>
+                <a:cs typeface="Arial" pitchFamily="34" charset="0"/>
+              </a:rPr>
+              <a:t>IMP</a:t>
+            </a:r>
+            <a:endParaRPr lang="en-IN" sz="3200" b="1" i="1" dirty="0">
+              <a:solidFill>
+                <a:srgbClr val="FFFF00"/>
+              </a:solidFill>
+              <a:latin typeface="Arial" pitchFamily="34" charset="0"/>
+              <a:cs typeface="Arial" pitchFamily="34" charset="0"/>
+            </a:endParaRPr>
+          </a:p>
+        </p:txBody>
+      </p:sp>
+      <p:sp>
+        <p:nvSpPr>
+          <p:cNvPr id="2" name="Rectangle 1"/>
+          <p:cNvSpPr/>
+          <p:nvPr/>
+        </p:nvSpPr>
+        <p:spPr>
+          <a:xfrm>
+            <a:off x="145976" y="849264"/>
+            <a:ext cx="8845624" cy="369332"/>
+          </a:xfrm>
+          <a:prstGeom prst="rect">
+            <a:avLst/>
+          </a:prstGeom>
+        </p:spPr>
+        <p:txBody>
+          <a:bodyPr wrap="square">
+            <a:spAutoFit/>
+          </a:bodyPr>
+          <a:lstStyle/>
+          <a:p>
+            <a:r>
+              <a:rPr lang="en-IN" dirty="0" smtClean="0">
+                <a:solidFill>
+                  <a:srgbClr val="222222"/>
+                </a:solidFill>
+                <a:latin typeface="Verdana" panose="020B0604030504040204" pitchFamily="34" charset="0"/>
+              </a:rPr>
+              <a:t>1. Think </a:t>
+            </a:r>
+            <a:r>
+              <a:rPr lang="en-IN" dirty="0">
+                <a:solidFill>
+                  <a:srgbClr val="222222"/>
+                </a:solidFill>
+                <a:latin typeface="Verdana" panose="020B0604030504040204" pitchFamily="34" charset="0"/>
+              </a:rPr>
+              <a:t>about how multiplication can be done without actually </a:t>
+            </a:r>
+            <a:r>
+              <a:rPr lang="en-IN" dirty="0" smtClean="0">
+                <a:solidFill>
+                  <a:srgbClr val="222222"/>
+                </a:solidFill>
+                <a:latin typeface="Verdana" panose="020B0604030504040204" pitchFamily="34" charset="0"/>
+              </a:rPr>
+              <a:t>multiplying </a:t>
+            </a:r>
+            <a:endParaRPr lang="en-IN" dirty="0"/>
+          </a:p>
+        </p:txBody>
+      </p:sp>
+      <p:sp>
+        <p:nvSpPr>
+          <p:cNvPr id="3" name="TextBox 2"/>
+          <p:cNvSpPr txBox="1"/>
+          <p:nvPr/>
+        </p:nvSpPr>
+        <p:spPr>
+          <a:xfrm>
+            <a:off x="990600" y="2514600"/>
+            <a:ext cx="184731" cy="369332"/>
+          </a:xfrm>
+          <a:prstGeom prst="rect">
+            <a:avLst/>
+          </a:prstGeom>
+          <a:noFill/>
+        </p:spPr>
+        <p:txBody>
+          <a:bodyPr wrap="none" rtlCol="0">
+            <a:spAutoFit/>
+          </a:bodyPr>
+          <a:lstStyle/>
+          <a:p>
+            <a:endParaRPr lang="en-IN" dirty="0"/>
+          </a:p>
+        </p:txBody>
+      </p:sp>
       <p:pic>
         <p:nvPicPr>
-          <p:cNvPr id="1026" name="Picture 2" descr="http://www.bvctch.vn/vnt_upload/weblink/thks.jpg"/>
+          <p:cNvPr id="5" name="Picture 4"/>
           <p:cNvPicPr>
-            <a:picLocks noChangeAspect="1" noChangeArrowheads="1"/>
+            <a:picLocks noChangeAspect="1"/>
           </p:cNvPicPr>
           <p:nvPr/>
         </p:nvPicPr>
         <p:blipFill>
-          <a:blip r:embed="rId2">
-            <a:extLst>
-              <a:ext uri="{28A0092B-C50C-407E-A947-70E740481C1C}">
-                <a14:useLocalDpi xmlns:a14="http://schemas.microsoft.com/office/drawing/2010/main" val="0"/>
-              </a:ext>
-            </a:extLst>
-          </a:blip>
-          <a:srcRect/>
+          <a:blip r:embed="rId2"/>
           <a:stretch>
             <a:fillRect/>
           </a:stretch>
         </p:blipFill>
-        <p:spPr bwMode="auto">
-          <a:xfrm>
-            <a:off x="2895600" y="757237"/>
-            <a:ext cx="3124200" cy="4881563"/>
-          </a:xfrm>
-          <a:prstGeom prst="rect">
-            <a:avLst/>
-          </a:prstGeom>
-          <a:noFill/>
-          <a:extLst>
-            <a:ext uri="{909E8E84-426E-40DD-AFC4-6F175D3DCCD1}">
-              <a14:hiddenFill xmlns:a14="http://schemas.microsoft.com/office/drawing/2010/main">
-                <a:solidFill>
-                  <a:srgbClr val="FFFFFF"/>
-                </a:solidFill>
-              </a14:hiddenFill>
-            </a:ext>
-          </a:extLst>
+        <p:spPr>
+          <a:xfrm>
+            <a:off x="304800" y="3700361"/>
+            <a:ext cx="4648200" cy="2471839"/>
+          </a:xfrm>
+          <a:prstGeom prst="rect">
+            <a:avLst/>
+          </a:prstGeom>
         </p:spPr>
       </p:pic>
       <p:sp>
         <p:nvSpPr>
-          <p:cNvPr id="3" name="Rectangle 2"/>
+          <p:cNvPr id="6" name="Rectangle 5"/>
           <p:cNvSpPr/>
           <p:nvPr/>
         </p:nvSpPr>
         <p:spPr>
           <a:xfrm>
-            <a:off x="304800" y="5105400"/>
-            <a:ext cx="8610600" cy="1077218"/>
-          </a:xfrm>
-          <a:prstGeom prst="rect">
-            <a:avLst/>
-          </a:prstGeom>
-        </p:spPr>
-        <p:txBody>
-          <a:bodyPr wrap="square">
+            <a:off x="145976" y="3243552"/>
+            <a:ext cx="1317990" cy="369332"/>
+          </a:xfrm>
+          <a:prstGeom prst="rect">
+            <a:avLst/>
+          </a:prstGeom>
+        </p:spPr>
+        <p:txBody>
+          <a:bodyPr wrap="none">
             <a:spAutoFit/>
           </a:bodyPr>
           <a:lstStyle/>
           <a:p>
-            <a:pPr algn="ctr"/>
-            <a:r>
-              <a:rPr lang="en-IN" sz="3200" dirty="0">
-                <a:solidFill>
-                  <a:srgbClr val="FE1212"/>
-                </a:solidFill>
-                <a:latin typeface="Segoe Print" panose="02000600000000000000" pitchFamily="2" charset="0"/>
-              </a:rPr>
-              <a:t>"Live as if you were to die tomorrow.</a:t>
-            </a:r>
-          </a:p>
-          <a:p>
-            <a:pPr algn="ctr"/>
-            <a:r>
-              <a:rPr lang="en-IN" sz="3200" dirty="0">
-                <a:solidFill>
-                  <a:srgbClr val="FE1212"/>
-                </a:solidFill>
-                <a:latin typeface="Segoe Print" panose="02000600000000000000" pitchFamily="2" charset="0"/>
-              </a:rPr>
-              <a:t>Learn as if you were to live forever"</a:t>
-            </a:r>
-          </a:p>
-        </p:txBody>
-      </p:sp>
+            <a:r>
+              <a:rPr lang="en-IN" dirty="0" smtClean="0">
+                <a:solidFill>
+                  <a:srgbClr val="222222"/>
+                </a:solidFill>
+                <a:latin typeface="Verdana" panose="020B0604030504040204" pitchFamily="34" charset="0"/>
+              </a:rPr>
+              <a:t>2. Square</a:t>
+            </a:r>
+            <a:endParaRPr lang="en-IN" dirty="0">
+              <a:solidFill>
+                <a:srgbClr val="222222"/>
+              </a:solidFill>
+              <a:latin typeface="Verdana" panose="020B0604030504040204" pitchFamily="34" charset="0"/>
+            </a:endParaRPr>
+          </a:p>
+        </p:txBody>
+      </p:sp>
+      <p:pic>
+        <p:nvPicPr>
+          <p:cNvPr id="8" name="Picture 7"/>
+          <p:cNvPicPr>
+            <a:picLocks noChangeAspect="1"/>
+          </p:cNvPicPr>
+          <p:nvPr/>
+        </p:nvPicPr>
+        <p:blipFill>
+          <a:blip r:embed="rId3"/>
+          <a:stretch>
+            <a:fillRect/>
+          </a:stretch>
+        </p:blipFill>
+        <p:spPr>
+          <a:xfrm>
+            <a:off x="533400" y="1250647"/>
+            <a:ext cx="4495800" cy="1883657"/>
+          </a:xfrm>
+          <a:prstGeom prst="rect">
+            <a:avLst/>
+          </a:prstGeom>
+        </p:spPr>
+      </p:pic>
     </p:spTree>
     <p:extLst>
       <p:ext uri="{BB962C8B-B14F-4D97-AF65-F5344CB8AC3E}">
-        <p14:creationId xmlns:p14="http://schemas.microsoft.com/office/powerpoint/2010/main" val="1148130326"/>
+        <p14:creationId xmlns:p14="http://schemas.microsoft.com/office/powerpoint/2010/main" val="3391323119"/>
       </p:ext>
     </p:extLst>
   </p:cSld>
@@ -18630,6 +18878,130 @@
           <a:chExt cx="0" cy="0"/>
         </a:xfrm>
       </p:grpSpPr>
+      <p:pic>
+        <p:nvPicPr>
+          <p:cNvPr id="1026" name="Picture 2" descr="http://www.bvctch.vn/vnt_upload/weblink/thks.jpg"/>
+          <p:cNvPicPr>
+            <a:picLocks noChangeAspect="1" noChangeArrowheads="1"/>
+          </p:cNvPicPr>
+          <p:nvPr/>
+        </p:nvPicPr>
+        <p:blipFill>
+          <a:blip r:embed="rId2">
+            <a:extLst>
+              <a:ext uri="{28A0092B-C50C-407E-A947-70E740481C1C}">
+                <a14:useLocalDpi xmlns:a14="http://schemas.microsoft.com/office/drawing/2010/main" val="0"/>
+              </a:ext>
+            </a:extLst>
+          </a:blip>
+          <a:srcRect/>
+          <a:stretch>
+            <a:fillRect/>
+          </a:stretch>
+        </p:blipFill>
+        <p:spPr bwMode="auto">
+          <a:xfrm>
+            <a:off x="2895600" y="757237"/>
+            <a:ext cx="3124200" cy="4881563"/>
+          </a:xfrm>
+          <a:prstGeom prst="rect">
+            <a:avLst/>
+          </a:prstGeom>
+          <a:noFill/>
+          <a:extLst>
+            <a:ext uri="{909E8E84-426E-40DD-AFC4-6F175D3DCCD1}">
+              <a14:hiddenFill xmlns:a14="http://schemas.microsoft.com/office/drawing/2010/main">
+                <a:solidFill>
+                  <a:srgbClr val="FFFFFF"/>
+                </a:solidFill>
+              </a14:hiddenFill>
+            </a:ext>
+          </a:extLst>
+        </p:spPr>
+      </p:pic>
+      <p:sp>
+        <p:nvSpPr>
+          <p:cNvPr id="3" name="Rectangle 2"/>
+          <p:cNvSpPr/>
+          <p:nvPr/>
+        </p:nvSpPr>
+        <p:spPr>
+          <a:xfrm>
+            <a:off x="304800" y="5105400"/>
+            <a:ext cx="8610600" cy="1077218"/>
+          </a:xfrm>
+          <a:prstGeom prst="rect">
+            <a:avLst/>
+          </a:prstGeom>
+        </p:spPr>
+        <p:txBody>
+          <a:bodyPr wrap="square">
+            <a:spAutoFit/>
+          </a:bodyPr>
+          <a:lstStyle/>
+          <a:p>
+            <a:pPr algn="ctr"/>
+            <a:r>
+              <a:rPr lang="en-IN" sz="3200" dirty="0">
+                <a:solidFill>
+                  <a:srgbClr val="FE1212"/>
+                </a:solidFill>
+                <a:latin typeface="Segoe Print" panose="02000600000000000000" pitchFamily="2" charset="0"/>
+              </a:rPr>
+              <a:t>"Live as if you were to die tomorrow.</a:t>
+            </a:r>
+          </a:p>
+          <a:p>
+            <a:pPr algn="ctr"/>
+            <a:r>
+              <a:rPr lang="en-IN" sz="3200" dirty="0">
+                <a:solidFill>
+                  <a:srgbClr val="FE1212"/>
+                </a:solidFill>
+                <a:latin typeface="Segoe Print" panose="02000600000000000000" pitchFamily="2" charset="0"/>
+              </a:rPr>
+              <a:t>Learn as if you were to live forever"</a:t>
+            </a:r>
+          </a:p>
+        </p:txBody>
+      </p:sp>
+    </p:spTree>
+    <p:extLst>
+      <p:ext uri="{BB962C8B-B14F-4D97-AF65-F5344CB8AC3E}">
+        <p14:creationId xmlns:p14="http://schemas.microsoft.com/office/powerpoint/2010/main" val="1148130326"/>
+      </p:ext>
+    </p:extLst>
+  </p:cSld>
+  <p:clrMapOvr>
+    <a:masterClrMapping/>
+  </p:clrMapOvr>
+  <p:timing>
+    <p:tnLst>
+      <p:par>
+        <p:cTn id="1" dur="indefinite" restart="never" nodeType="tmRoot"/>
+      </p:par>
+    </p:tnLst>
+  </p:timing>
+</p:sld>
+</file>
+
+<file path=ppt/slides/slide71.xml><?xml version="1.0" encoding="utf-8"?>
+<p:sld xmlns:a="http://schemas.openxmlformats.org/drawingml/2006/main" xmlns:r="http://schemas.openxmlformats.org/officeDocument/2006/relationships" xmlns:p="http://schemas.openxmlformats.org/presentationml/2006/main">
+  <p:cSld>
+    <p:spTree>
+      <p:nvGrpSpPr>
+        <p:cNvPr id="1" name=""/>
+        <p:cNvGrpSpPr/>
+        <p:nvPr/>
+      </p:nvGrpSpPr>
+      <p:grpSpPr>
+        <a:xfrm>
+          <a:off x="0" y="0"/>
+          <a:ext cx="0" cy="0"/>
+          <a:chOff x="0" y="0"/>
+          <a:chExt cx="0" cy="0"/>
+        </a:xfrm>
+      </p:grpSpPr>
       <p:sp>
         <p:nvSpPr>
           <p:cNvPr id="3" name="Rectangle 2"/>
@@ -18714,7 +19086,7 @@
 </p:sld>
 </file>
 
-<file path=ppt/slides/slide71.xml><?xml version="1.0" encoding="utf-8"?>
+<file path=ppt/slides/slide72.xml><?xml version="1.0" encoding="utf-8"?>
 <p:sld xmlns:a="http://schemas.openxmlformats.org/drawingml/2006/main" xmlns:r="http://schemas.openxmlformats.org/officeDocument/2006/relationships" xmlns:p="http://schemas.openxmlformats.org/presentationml/2006/main">
   <p:cSld>
     <p:spTree>

--- a/MongoDB.pptx
+++ b/MongoDB.pptx
@@ -7743,6 +7743,8 @@
                 <a:solidFill>
                   <a:srgbClr val="FC6F0D"/>
                 </a:solidFill>
+                <a:latin typeface="Calibri" panose="020F0502020204030204" pitchFamily="34" charset="0"/>
+                <a:cs typeface="Calibri" panose="020F0502020204030204" pitchFamily="34" charset="0"/>
               </a:rPr>
               <a:t>db.emp.find({ job: {$not: {$eq</a:t>
             </a:r>
@@ -7751,6 +7753,8 @@
                 <a:solidFill>
                   <a:srgbClr val="FC6F0D"/>
                 </a:solidFill>
+                <a:latin typeface="Calibri" panose="020F0502020204030204" pitchFamily="34" charset="0"/>
+                <a:cs typeface="Calibri" panose="020F0502020204030204" pitchFamily="34" charset="0"/>
               </a:rPr>
               <a:t>: 'MANAGER</a:t>
             </a:r>
@@ -7759,6 +7763,8 @@
                 <a:solidFill>
                   <a:srgbClr val="FC6F0D"/>
                 </a:solidFill>
+                <a:latin typeface="Calibri" panose="020F0502020204030204" pitchFamily="34" charset="0"/>
+                <a:cs typeface="Calibri" panose="020F0502020204030204" pitchFamily="34" charset="0"/>
               </a:rPr>
               <a:t>'}}})</a:t>
             </a:r>
@@ -7791,6 +7797,8 @@
                 <a:solidFill>
                   <a:srgbClr val="FC6F0D"/>
                 </a:solidFill>
+                <a:latin typeface="Calibri" panose="020F0502020204030204" pitchFamily="34" charset="0"/>
+                <a:cs typeface="Calibri" panose="020F0502020204030204" pitchFamily="34" charset="0"/>
               </a:rPr>
               <a:t>db.emp.find({$or: [{job</a:t>
             </a:r>
@@ -7799,6 +7807,8 @@
                 <a:solidFill>
                   <a:srgbClr val="FC6F0D"/>
                 </a:solidFill>
+                <a:latin typeface="Calibri" panose="020F0502020204030204" pitchFamily="34" charset="0"/>
+                <a:cs typeface="Calibri" panose="020F0502020204030204" pitchFamily="34" charset="0"/>
               </a:rPr>
               <a:t>: 'manager</a:t>
             </a:r>
@@ -7807,6 +7817,8 @@
                 <a:solidFill>
                   <a:srgbClr val="FC6F0D"/>
                 </a:solidFill>
+                <a:latin typeface="Calibri" panose="020F0502020204030204" pitchFamily="34" charset="0"/>
+                <a:cs typeface="Calibri" panose="020F0502020204030204" pitchFamily="34" charset="0"/>
               </a:rPr>
               <a:t>'}, {job</a:t>
             </a:r>
@@ -7815,6 +7827,8 @@
                 <a:solidFill>
                   <a:srgbClr val="FC6F0D"/>
                 </a:solidFill>
+                <a:latin typeface="Calibri" panose="020F0502020204030204" pitchFamily="34" charset="0"/>
+                <a:cs typeface="Calibri" panose="020F0502020204030204" pitchFamily="34" charset="0"/>
               </a:rPr>
               <a:t>: 'salesman</a:t>
             </a:r>
@@ -7823,6 +7837,8 @@
                 <a:solidFill>
                   <a:srgbClr val="FC6F0D"/>
                 </a:solidFill>
+                <a:latin typeface="Calibri" panose="020F0502020204030204" pitchFamily="34" charset="0"/>
+                <a:cs typeface="Calibri" panose="020F0502020204030204" pitchFamily="34" charset="0"/>
               </a:rPr>
               <a:t>'}]})</a:t>
             </a:r>
@@ -7855,6 +7871,8 @@
                 <a:solidFill>
                   <a:srgbClr val="FC6F0D"/>
                 </a:solidFill>
+                <a:latin typeface="Calibri" panose="020F0502020204030204" pitchFamily="34" charset="0"/>
+                <a:cs typeface="Calibri" panose="020F0502020204030204" pitchFamily="34" charset="0"/>
               </a:rPr>
               <a:t>db.emp.find({$and: [{job:'manager'}, {sal:3400}]})</a:t>
             </a:r>
@@ -8153,15 +8171,15 @@
         </p:nvSpPr>
         <p:spPr>
           <a:xfrm>
-            <a:off x="304800" y="1383966"/>
-            <a:ext cx="1957587" cy="646331"/>
-          </a:xfrm>
-          <a:prstGeom prst="rect">
-            <a:avLst/>
-          </a:prstGeom>
-        </p:spPr>
-        <p:txBody>
-          <a:bodyPr wrap="none">
+            <a:off x="149188" y="1383966"/>
+            <a:ext cx="8845624" cy="369332"/>
+          </a:xfrm>
+          <a:prstGeom prst="rect">
+            <a:avLst/>
+          </a:prstGeom>
+        </p:spPr>
+        <p:txBody>
+          <a:bodyPr wrap="square">
             <a:spAutoFit/>
           </a:bodyPr>
           <a:lstStyle/>
@@ -8174,20 +8192,199 @@
                 <a:latin typeface="Consolas" panose="020B0609020204030204" pitchFamily="49" charset="0"/>
                 <a:cs typeface="Calibri" panose="020F0502020204030204" pitchFamily="34" charset="0"/>
               </a:rPr>
-              <a:t>show dbs</a:t>
-            </a:r>
-          </a:p>
-          <a:p>
-            <a:r>
-              <a:rPr lang="en-US" dirty="0">
+              <a:t>show </a:t>
+            </a:r>
+            <a:r>
+              <a:rPr lang="en-US" dirty="0" smtClean="0">
                 <a:solidFill>
                   <a:srgbClr val="049DC8"/>
                 </a:solidFill>
                 <a:latin typeface="Consolas" panose="020B0609020204030204" pitchFamily="49" charset="0"/>
                 <a:cs typeface="Calibri" panose="020F0502020204030204" pitchFamily="34" charset="0"/>
               </a:rPr>
+              <a:t> { dbs | databases }</a:t>
+            </a:r>
+            <a:endParaRPr lang="en-US" dirty="0">
+              <a:solidFill>
+                <a:srgbClr val="049DC8"/>
+              </a:solidFill>
+              <a:latin typeface="Consolas" panose="020B0609020204030204" pitchFamily="49" charset="0"/>
+              <a:cs typeface="Calibri" panose="020F0502020204030204" pitchFamily="34" charset="0"/>
+            </a:endParaRPr>
+          </a:p>
+        </p:txBody>
+      </p:sp>
+      <p:sp>
+        <p:nvSpPr>
+          <p:cNvPr id="8" name="Rectangle 7"/>
+          <p:cNvSpPr/>
+          <p:nvPr/>
+        </p:nvSpPr>
+        <p:spPr>
+          <a:xfrm>
+            <a:off x="2374477" y="3953910"/>
+            <a:ext cx="5158437" cy="369332"/>
+          </a:xfrm>
+          <a:prstGeom prst="rect">
+            <a:avLst/>
+          </a:prstGeom>
+        </p:spPr>
+        <p:txBody>
+          <a:bodyPr wrap="square">
+            <a:spAutoFit/>
+          </a:bodyPr>
+          <a:lstStyle/>
+          <a:p>
+            <a:r>
+              <a:rPr lang="en-US" dirty="0" smtClean="0">
+                <a:solidFill>
+                  <a:srgbClr val="00B050"/>
+                </a:solidFill>
+                <a:latin typeface="Consolas" panose="020B0609020204030204" pitchFamily="49" charset="0"/>
+                <a:cs typeface="Calibri" panose="020F0502020204030204" pitchFamily="34" charset="0"/>
+              </a:rPr>
+              <a:t>// </a:t>
+            </a:r>
+            <a:r>
+              <a:rPr lang="en-US" dirty="0">
+                <a:solidFill>
+                  <a:srgbClr val="00B050"/>
+                </a:solidFill>
+                <a:latin typeface="Consolas" panose="020B0609020204030204" pitchFamily="49" charset="0"/>
+                <a:cs typeface="Calibri" panose="020F0502020204030204" pitchFamily="34" charset="0"/>
+              </a:rPr>
+              <a:t>Returns: the current database name.</a:t>
+            </a:r>
+          </a:p>
+        </p:txBody>
+      </p:sp>
+      <p:sp>
+        <p:nvSpPr>
+          <p:cNvPr id="9" name="Rectangle 8"/>
+          <p:cNvSpPr/>
+          <p:nvPr/>
+        </p:nvSpPr>
+        <p:spPr>
+          <a:xfrm>
+            <a:off x="149188" y="1835382"/>
+            <a:ext cx="8551223" cy="892552"/>
+          </a:xfrm>
+          <a:prstGeom prst="rect">
+            <a:avLst/>
+          </a:prstGeom>
+        </p:spPr>
+        <p:txBody>
+          <a:bodyPr wrap="square">
+            <a:spAutoFit/>
+          </a:bodyPr>
+          <a:lstStyle/>
+          <a:p>
+            <a:r>
+              <a:rPr lang="en-US" sz="2200" dirty="0" smtClean="0">
+                <a:solidFill>
+                  <a:srgbClr val="FC6F0D"/>
+                </a:solidFill>
+                <a:latin typeface="Calibri" panose="020F0502020204030204" pitchFamily="34" charset="0"/>
+                <a:cs typeface="Calibri" panose="020F0502020204030204" pitchFamily="34" charset="0"/>
+              </a:rPr>
+              <a:t>show dbs</a:t>
+            </a:r>
+          </a:p>
+          <a:p>
+            <a:endParaRPr lang="en-US" sz="800" dirty="0" smtClean="0">
+              <a:solidFill>
+                <a:srgbClr val="FC6F0D"/>
+              </a:solidFill>
+              <a:latin typeface="Calibri" panose="020F0502020204030204" pitchFamily="34" charset="0"/>
+              <a:cs typeface="Calibri" panose="020F0502020204030204" pitchFamily="34" charset="0"/>
+            </a:endParaRPr>
+          </a:p>
+          <a:p>
+            <a:r>
+              <a:rPr lang="en-US" sz="2200" dirty="0" smtClean="0">
+                <a:solidFill>
+                  <a:srgbClr val="FC6F0D"/>
+                </a:solidFill>
+                <a:latin typeface="Calibri" panose="020F0502020204030204" pitchFamily="34" charset="0"/>
+                <a:cs typeface="Calibri" panose="020F0502020204030204" pitchFamily="34" charset="0"/>
+              </a:rPr>
               <a:t>show databases</a:t>
             </a:r>
+          </a:p>
+        </p:txBody>
+      </p:sp>
+      <p:sp>
+        <p:nvSpPr>
+          <p:cNvPr id="10" name="Rectangle 9"/>
+          <p:cNvSpPr/>
+          <p:nvPr/>
+        </p:nvSpPr>
+        <p:spPr>
+          <a:xfrm>
+            <a:off x="149188" y="3288268"/>
+            <a:ext cx="8845624" cy="369332"/>
+          </a:xfrm>
+          <a:prstGeom prst="rect">
+            <a:avLst/>
+          </a:prstGeom>
+        </p:spPr>
+        <p:txBody>
+          <a:bodyPr wrap="square">
+            <a:spAutoFit/>
+          </a:bodyPr>
+          <a:lstStyle/>
+          <a:p>
+            <a:r>
+              <a:rPr lang="en-US" dirty="0">
+                <a:solidFill>
+                  <a:srgbClr val="049DC8"/>
+                </a:solidFill>
+                <a:latin typeface="Consolas" panose="020B0609020204030204" pitchFamily="49" charset="0"/>
+                <a:cs typeface="Calibri" panose="020F0502020204030204" pitchFamily="34" charset="0"/>
+              </a:rPr>
+              <a:t>db.getName()</a:t>
+            </a:r>
+          </a:p>
+        </p:txBody>
+      </p:sp>
+      <p:sp>
+        <p:nvSpPr>
+          <p:cNvPr id="2" name="Rectangle 1"/>
+          <p:cNvSpPr/>
+          <p:nvPr/>
+        </p:nvSpPr>
+        <p:spPr>
+          <a:xfrm>
+            <a:off x="149188" y="3785851"/>
+            <a:ext cx="2225289" cy="430887"/>
+          </a:xfrm>
+          <a:prstGeom prst="rect">
+            <a:avLst/>
+          </a:prstGeom>
+        </p:spPr>
+        <p:txBody>
+          <a:bodyPr wrap="square">
+            <a:spAutoFit/>
+          </a:bodyPr>
+          <a:lstStyle/>
+          <a:p>
+            <a:r>
+              <a:rPr lang="en-US" sz="2200" dirty="0" smtClean="0">
+                <a:solidFill>
+                  <a:srgbClr val="FC6F0D"/>
+                </a:solidFill>
+                <a:latin typeface="Calibri" panose="020F0502020204030204" pitchFamily="34" charset="0"/>
+                <a:cs typeface="Calibri" panose="020F0502020204030204" pitchFamily="34" charset="0"/>
+              </a:rPr>
+              <a:t>db.getName()</a:t>
+            </a:r>
+            <a:endParaRPr lang="en-US" sz="2200" dirty="0">
+              <a:solidFill>
+                <a:srgbClr val="FC6F0D"/>
+              </a:solidFill>
+              <a:latin typeface="Calibri" panose="020F0502020204030204" pitchFamily="34" charset="0"/>
+              <a:cs typeface="Calibri" panose="020F0502020204030204" pitchFamily="34" charset="0"/>
+            </a:endParaRPr>
           </a:p>
         </p:txBody>
       </p:sp>
@@ -8513,7 +8710,7 @@
         <p:spPr>
           <a:xfrm>
             <a:off x="287977" y="2560766"/>
-            <a:ext cx="8856023" cy="430887"/>
+            <a:ext cx="8551223" cy="430887"/>
           </a:xfrm>
           <a:prstGeom prst="rect">
             <a:avLst/>
@@ -8526,18 +8723,15 @@
           <a:lstStyle/>
           <a:p>
             <a:r>
-              <a:rPr lang="en-US" sz="2200" dirty="0" smtClean="0">
+              <a:rPr lang="en-US" sz="2200" dirty="0">
                 <a:solidFill>
                   <a:srgbClr val="FC6F0D"/>
                 </a:solidFill>
+                <a:latin typeface="Calibri" panose="020F0502020204030204" pitchFamily="34" charset="0"/>
+                <a:cs typeface="Calibri" panose="020F0502020204030204" pitchFamily="34" charset="0"/>
               </a:rPr>
               <a:t>use db1</a:t>
             </a:r>
-            <a:endParaRPr lang="en-US" sz="2200" dirty="0">
-              <a:solidFill>
-                <a:srgbClr val="FC6F0D"/>
-              </a:solidFill>
-            </a:endParaRPr>
           </a:p>
         </p:txBody>
       </p:sp>
@@ -8757,8 +8951,12 @@
           </a:lstStyle>
           <a:p>
             <a:r>
+              <a:rPr lang="en-IN" dirty="0"/>
+              <a:t>db.getCollectionNames</a:t>
+            </a:r>
+            <a:r>
               <a:rPr lang="en-IN" dirty="0" smtClean="0"/>
-              <a:t>list all collections</a:t>
+              <a:t>()</a:t>
             </a:r>
             <a:endParaRPr lang="en-US" dirty="0"/>
           </a:p>
@@ -8881,24 +9079,14 @@
               </a:spcBef>
             </a:pPr>
             <a:r>
-              <a:rPr lang="en-IN" sz="3200" b="1" i="1" dirty="0" smtClean="0">
+              <a:rPr lang="en-IN" sz="3200" b="1" i="1" dirty="0">
                 <a:solidFill>
                   <a:srgbClr val="FFFF00"/>
                 </a:solidFill>
                 <a:latin typeface="Arial" pitchFamily="34" charset="0"/>
                 <a:cs typeface="Arial" pitchFamily="34" charset="0"/>
               </a:rPr>
-              <a:t>collection</a:t>
-            </a:r>
-            <a:r>
-              <a:rPr lang="en-IN" sz="3200" b="1" i="1" dirty="0">
-                <a:solidFill>
-                  <a:srgbClr val="FFFF00"/>
-                </a:solidFill>
-                <a:latin typeface="Arial" pitchFamily="34" charset="0"/>
-                <a:cs typeface="Arial" pitchFamily="34" charset="0"/>
-              </a:rPr>
-              <a:t> </a:t>
+              <a:t>db.getCollectionNames() </a:t>
             </a:r>
           </a:p>
         </p:txBody>
@@ -8926,7 +9114,7 @@
           <a:p>
             <a:r>
               <a:rPr lang="en-US" dirty="0"/>
-              <a:t>Print a list of all collections for current database.</a:t>
+              <a:t>Returns an array containing the names of all collections in the current database.</a:t>
             </a:r>
             <a:endParaRPr lang="en-IN" dirty="0"/>
           </a:p>
@@ -8940,15 +9128,15 @@
         </p:nvSpPr>
         <p:spPr>
           <a:xfrm>
-            <a:off x="304800" y="1383966"/>
-            <a:ext cx="3097323" cy="646331"/>
-          </a:xfrm>
-          <a:prstGeom prst="rect">
-            <a:avLst/>
-          </a:prstGeom>
-        </p:spPr>
-        <p:txBody>
-          <a:bodyPr wrap="none">
+            <a:off x="149188" y="1383966"/>
+            <a:ext cx="8845624" cy="646331"/>
+          </a:xfrm>
+          <a:prstGeom prst="rect">
+            <a:avLst/>
+          </a:prstGeom>
+        </p:spPr>
+        <p:txBody>
+          <a:bodyPr wrap="square">
             <a:spAutoFit/>
           </a:bodyPr>
           <a:lstStyle/>
@@ -8973,7 +9161,89 @@
                 <a:latin typeface="Consolas" panose="020B0609020204030204" pitchFamily="49" charset="0"/>
                 <a:cs typeface="Calibri" panose="020F0502020204030204" pitchFamily="34" charset="0"/>
               </a:rPr>
-              <a:t>db.getCollectionNames()</a:t>
+              <a:t>db.getCollectionNames</a:t>
+            </a:r>
+            <a:r>
+              <a:rPr lang="en-US" dirty="0" smtClean="0">
+                <a:solidFill>
+                  <a:srgbClr val="049DC8"/>
+                </a:solidFill>
+                <a:latin typeface="Consolas" panose="020B0609020204030204" pitchFamily="49" charset="0"/>
+                <a:cs typeface="Calibri" panose="020F0502020204030204" pitchFamily="34" charset="0"/>
+              </a:rPr>
+              <a:t>()</a:t>
+            </a:r>
+            <a:endParaRPr lang="en-US" dirty="0">
+              <a:solidFill>
+                <a:srgbClr val="049DC8"/>
+              </a:solidFill>
+              <a:latin typeface="Consolas" panose="020B0609020204030204" pitchFamily="49" charset="0"/>
+              <a:cs typeface="Calibri" panose="020F0502020204030204" pitchFamily="34" charset="0"/>
+            </a:endParaRPr>
+          </a:p>
+        </p:txBody>
+      </p:sp>
+      <p:sp>
+        <p:nvSpPr>
+          <p:cNvPr id="2" name="Rectangle 1"/>
+          <p:cNvSpPr/>
+          <p:nvPr/>
+        </p:nvSpPr>
+        <p:spPr>
+          <a:xfrm>
+            <a:off x="149188" y="2438400"/>
+            <a:ext cx="8845624" cy="892552"/>
+          </a:xfrm>
+          <a:prstGeom prst="rect">
+            <a:avLst/>
+          </a:prstGeom>
+        </p:spPr>
+        <p:txBody>
+          <a:bodyPr wrap="square">
+            <a:spAutoFit/>
+          </a:bodyPr>
+          <a:lstStyle/>
+          <a:p>
+            <a:r>
+              <a:rPr lang="en-US" sz="2200" dirty="0" smtClean="0">
+                <a:solidFill>
+                  <a:srgbClr val="FC6F0D"/>
+                </a:solidFill>
+                <a:latin typeface="Calibri" panose="020F0502020204030204" pitchFamily="34" charset="0"/>
+                <a:cs typeface="Calibri" panose="020F0502020204030204" pitchFamily="34" charset="0"/>
+              </a:rPr>
+              <a:t>show collection</a:t>
+            </a:r>
+          </a:p>
+          <a:p>
+            <a:endParaRPr lang="en-US" sz="800" dirty="0">
+              <a:solidFill>
+                <a:srgbClr val="FC6F0D"/>
+              </a:solidFill>
+              <a:latin typeface="Calibri" panose="020F0502020204030204" pitchFamily="34" charset="0"/>
+              <a:cs typeface="Calibri" panose="020F0502020204030204" pitchFamily="34" charset="0"/>
+            </a:endParaRPr>
+          </a:p>
+          <a:p>
+            <a:r>
+              <a:rPr lang="en-US" sz="2200" dirty="0" smtClean="0">
+                <a:solidFill>
+                  <a:srgbClr val="FC6F0D"/>
+                </a:solidFill>
+                <a:latin typeface="Calibri" panose="020F0502020204030204" pitchFamily="34" charset="0"/>
+                <a:cs typeface="Calibri" panose="020F0502020204030204" pitchFamily="34" charset="0"/>
+              </a:rPr>
+              <a:t>db.getCollectionNames</a:t>
+            </a:r>
+            <a:r>
+              <a:rPr lang="en-US" sz="2200" dirty="0">
+                <a:solidFill>
+                  <a:srgbClr val="FC6F0D"/>
+                </a:solidFill>
+                <a:latin typeface="Calibri" panose="020F0502020204030204" pitchFamily="34" charset="0"/>
+                <a:cs typeface="Calibri" panose="020F0502020204030204" pitchFamily="34" charset="0"/>
+              </a:rPr>
+              <a:t>();</a:t>
             </a:r>
           </a:p>
         </p:txBody>
@@ -9056,7 +9326,11 @@
           <a:p>
             <a:r>
               <a:rPr lang="en-IN" dirty="0" smtClean="0"/>
-              <a:t>find</a:t>
+              <a:t>db.collection.find</a:t>
+            </a:r>
+            <a:r>
+              <a:rPr lang="en-IN" dirty="0" smtClean="0"/>
+              <a:t>()</a:t>
             </a:r>
             <a:endParaRPr lang="en-US" dirty="0"/>
           </a:p>
@@ -9670,7 +9944,7 @@
         <p:spPr>
           <a:xfrm>
             <a:off x="149188" y="2329696"/>
-            <a:ext cx="8845624" cy="3647152"/>
+            <a:ext cx="8845624" cy="3200876"/>
           </a:xfrm>
           <a:prstGeom prst="rect">
             <a:avLst/>
@@ -9682,16 +9956,13 @@
           </a:bodyPr>
           <a:lstStyle/>
           <a:p>
-            <a:pPr>
-              <a:lnSpc>
-                <a:spcPct val="150000"/>
-              </a:lnSpc>
-            </a:pPr>
             <a:r>
               <a:rPr lang="en-US" sz="2200" dirty="0">
                 <a:solidFill>
                   <a:srgbClr val="FC6F0D"/>
                 </a:solidFill>
+                <a:latin typeface="Calibri" panose="020F0502020204030204" pitchFamily="34" charset="0"/>
+                <a:cs typeface="Calibri" panose="020F0502020204030204" pitchFamily="34" charset="0"/>
               </a:rPr>
               <a:t>db.emp.find</a:t>
             </a:r>
@@ -9700,229 +9971,297 @@
                 <a:solidFill>
                   <a:srgbClr val="FC6F0D"/>
                 </a:solidFill>
+                <a:latin typeface="Calibri" panose="020F0502020204030204" pitchFamily="34" charset="0"/>
+                <a:cs typeface="Calibri" panose="020F0502020204030204" pitchFamily="34" charset="0"/>
               </a:rPr>
               <a:t>();</a:t>
             </a:r>
           </a:p>
           <a:p>
-            <a:pPr>
-              <a:lnSpc>
-                <a:spcPct val="150000"/>
-              </a:lnSpc>
-            </a:pPr>
-            <a:r>
-              <a:rPr lang="en-US" sz="2200" dirty="0">
-                <a:solidFill>
-                  <a:srgbClr val="FC6F0D"/>
-                </a:solidFill>
-              </a:rPr>
-              <a:t>db ['emp'].find ()</a:t>
-            </a:r>
-          </a:p>
-          <a:p>
-            <a:pPr>
-              <a:lnSpc>
-                <a:spcPct val="150000"/>
-              </a:lnSpc>
-            </a:pPr>
-            <a:r>
-              <a:rPr lang="en-US" sz="2200" dirty="0">
-                <a:solidFill>
-                  <a:srgbClr val="FC6F0D"/>
-                </a:solidFill>
-              </a:rPr>
-              <a:t>db.emp.find</a:t>
-            </a:r>
-            <a:r>
-              <a:rPr lang="en-US" sz="2200" dirty="0" smtClean="0">
-                <a:solidFill>
-                  <a:srgbClr val="FC6F0D"/>
-                </a:solidFill>
-              </a:rPr>
-              <a:t>({job: 'manager'})</a:t>
-            </a:r>
-          </a:p>
-          <a:p>
-            <a:pPr>
-              <a:lnSpc>
-                <a:spcPct val="150000"/>
-              </a:lnSpc>
-            </a:pPr>
-            <a:r>
-              <a:rPr lang="en-US" sz="2200" dirty="0">
-                <a:solidFill>
-                  <a:srgbClr val="FC6F0D"/>
-                </a:solidFill>
-              </a:rPr>
-              <a:t>db.emp.find({}, </a:t>
-            </a:r>
-            <a:r>
-              <a:rPr lang="en-US" sz="2200" dirty="0" smtClean="0">
-                <a:solidFill>
-                  <a:srgbClr val="FC6F0D"/>
-                </a:solidFill>
-              </a:rPr>
-              <a:t>{ename:1</a:t>
-            </a:r>
-            <a:r>
-              <a:rPr lang="en-US" sz="2200" dirty="0">
-                <a:solidFill>
-                  <a:srgbClr val="FC6F0D"/>
-                </a:solidFill>
-              </a:rPr>
-              <a:t>, </a:t>
-            </a:r>
-            <a:r>
-              <a:rPr lang="en-US" sz="2200" dirty="0" smtClean="0">
-                <a:solidFill>
-                  <a:srgbClr val="FC6F0D"/>
-                </a:solidFill>
-              </a:rPr>
-              <a:t>job: true});</a:t>
-            </a:r>
-          </a:p>
-          <a:p>
-            <a:pPr>
-              <a:lnSpc>
-                <a:spcPct val="150000"/>
-              </a:lnSpc>
-            </a:pPr>
-            <a:r>
-              <a:rPr lang="en-US" sz="2200" dirty="0">
-                <a:solidFill>
-                  <a:srgbClr val="FC6F0D"/>
-                </a:solidFill>
-              </a:rPr>
-              <a:t>db.collection.find</a:t>
-            </a:r>
-            <a:r>
-              <a:rPr lang="en-US" sz="2200" dirty="0" smtClean="0">
-                <a:solidFill>
-                  <a:srgbClr val="FC6F0D"/>
-                </a:solidFill>
-              </a:rPr>
-              <a:t>({sal:{ </a:t>
-            </a:r>
-            <a:r>
-              <a:rPr lang="en-US" sz="2200" dirty="0">
-                <a:solidFill>
-                  <a:srgbClr val="FC6F0D"/>
-                </a:solidFill>
-              </a:rPr>
-              <a:t>$</a:t>
-            </a:r>
-            <a:r>
-              <a:rPr lang="en-US" sz="2200" dirty="0" smtClean="0">
-                <a:solidFill>
-                  <a:srgbClr val="FC6F0D"/>
-                </a:solidFill>
-              </a:rPr>
-              <a:t>gt:4}})</a:t>
-            </a:r>
-            <a:endParaRPr lang="en-US" sz="2200" dirty="0">
+            <a:endParaRPr lang="en-US" sz="800" dirty="0" smtClean="0">
               <a:solidFill>
                 <a:srgbClr val="FC6F0D"/>
               </a:solidFill>
+              <a:latin typeface="Calibri" panose="020F0502020204030204" pitchFamily="34" charset="0"/>
+              <a:cs typeface="Calibri" panose="020F0502020204030204" pitchFamily="34" charset="0"/>
             </a:endParaRPr>
           </a:p>
           <a:p>
-            <a:pPr>
-              <a:lnSpc>
-                <a:spcPct val="150000"/>
-              </a:lnSpc>
-            </a:pPr>
+            <a:r>
+              <a:rPr lang="en-US" sz="2200" dirty="0">
+                <a:solidFill>
+                  <a:srgbClr val="FC6F0D"/>
+                </a:solidFill>
+                <a:latin typeface="Calibri" panose="020F0502020204030204" pitchFamily="34" charset="0"/>
+                <a:cs typeface="Calibri" panose="020F0502020204030204" pitchFamily="34" charset="0"/>
+              </a:rPr>
+              <a:t>db ['emp'].find </a:t>
+            </a:r>
             <a:r>
               <a:rPr lang="en-US" sz="2200" dirty="0" smtClean="0">
                 <a:solidFill>
                   <a:srgbClr val="FC6F0D"/>
                 </a:solidFill>
-              </a:rPr>
-              <a:t>db.emp.find</a:t>
-            </a:r>
-            <a:r>
-              <a:rPr lang="en-US" sz="2200" dirty="0">
-                <a:solidFill>
-                  <a:srgbClr val="FC6F0D"/>
-                </a:solidFill>
-              </a:rPr>
-              <a:t>({job:'manager</a:t>
-            </a:r>
-            <a:r>
-              <a:rPr lang="en-US" sz="2200" dirty="0" smtClean="0">
-                <a:solidFill>
-                  <a:srgbClr val="FC6F0D"/>
-                </a:solidFill>
-              </a:rPr>
-              <a:t>'}, {</a:t>
-            </a:r>
-            <a:r>
-              <a:rPr lang="en-US" sz="2200" dirty="0">
-                <a:solidFill>
-                  <a:srgbClr val="FC6F0D"/>
-                </a:solidFill>
-              </a:rPr>
-              <a:t>ename:true, job:true</a:t>
-            </a:r>
-            <a:r>
-              <a:rPr lang="en-US" sz="2200" dirty="0" smtClean="0">
-                <a:solidFill>
-                  <a:srgbClr val="FC6F0D"/>
-                </a:solidFill>
-              </a:rPr>
-              <a:t>})</a:t>
-            </a:r>
-          </a:p>
-          <a:p>
-            <a:pPr>
-              <a:lnSpc>
-                <a:spcPct val="150000"/>
-              </a:lnSpc>
-            </a:pPr>
-            <a:r>
-              <a:rPr lang="en-US" sz="2200" dirty="0" smtClean="0">
-                <a:solidFill>
-                  <a:srgbClr val="FC6F0D"/>
-                </a:solidFill>
-              </a:rPr>
-              <a:t>db.emp.find</a:t>
-            </a:r>
-            <a:r>
-              <a:rPr lang="en-US" sz="2200" dirty="0">
-                <a:solidFill>
-                  <a:srgbClr val="FC6F0D"/>
-                </a:solidFill>
-              </a:rPr>
-              <a:t>({job:'manager'}, </a:t>
-            </a:r>
-            <a:r>
-              <a:rPr lang="en-US" sz="2200" dirty="0" smtClean="0">
-                <a:solidFill>
-                  <a:srgbClr val="FC6F0D"/>
-                </a:solidFill>
-              </a:rPr>
-              <a:t>{_id:false, ename:true</a:t>
-            </a:r>
-            <a:r>
-              <a:rPr lang="en-US" sz="2200" dirty="0">
-                <a:solidFill>
-                  <a:srgbClr val="FC6F0D"/>
-                </a:solidFill>
-              </a:rPr>
-              <a:t>, job:true</a:t>
-            </a:r>
-            <a:r>
-              <a:rPr lang="en-US" sz="2200" dirty="0" smtClean="0">
-                <a:solidFill>
-                  <a:srgbClr val="FC6F0D"/>
-                </a:solidFill>
-              </a:rPr>
-              <a:t>})</a:t>
-            </a:r>
-            <a:endParaRPr lang="en-US" sz="2200" dirty="0" smtClean="0">
+                <a:latin typeface="Calibri" panose="020F0502020204030204" pitchFamily="34" charset="0"/>
+                <a:cs typeface="Calibri" panose="020F0502020204030204" pitchFamily="34" charset="0"/>
+              </a:rPr>
+              <a:t>()</a:t>
+            </a:r>
+          </a:p>
+          <a:p>
+            <a:endParaRPr lang="en-US" sz="800" dirty="0">
               <a:solidFill>
                 <a:srgbClr val="FC6F0D"/>
               </a:solidFill>
+              <a:latin typeface="Calibri" panose="020F0502020204030204" pitchFamily="34" charset="0"/>
+              <a:cs typeface="Calibri" panose="020F0502020204030204" pitchFamily="34" charset="0"/>
             </a:endParaRPr>
+          </a:p>
+          <a:p>
+            <a:r>
+              <a:rPr lang="en-US" sz="2200" dirty="0">
+                <a:solidFill>
+                  <a:srgbClr val="FC6F0D"/>
+                </a:solidFill>
+                <a:latin typeface="Calibri" panose="020F0502020204030204" pitchFamily="34" charset="0"/>
+                <a:cs typeface="Calibri" panose="020F0502020204030204" pitchFamily="34" charset="0"/>
+              </a:rPr>
+              <a:t>db.emp.find</a:t>
+            </a:r>
+            <a:r>
+              <a:rPr lang="en-US" sz="2200" dirty="0" smtClean="0">
+                <a:solidFill>
+                  <a:srgbClr val="FC6F0D"/>
+                </a:solidFill>
+                <a:latin typeface="Calibri" panose="020F0502020204030204" pitchFamily="34" charset="0"/>
+                <a:cs typeface="Calibri" panose="020F0502020204030204" pitchFamily="34" charset="0"/>
+              </a:rPr>
+              <a:t>({job: 'manager'})</a:t>
+            </a:r>
+          </a:p>
+          <a:p>
+            <a:endParaRPr lang="en-US" sz="800" dirty="0" smtClean="0">
+              <a:solidFill>
+                <a:srgbClr val="FC6F0D"/>
+              </a:solidFill>
+              <a:latin typeface="Calibri" panose="020F0502020204030204" pitchFamily="34" charset="0"/>
+              <a:cs typeface="Calibri" panose="020F0502020204030204" pitchFamily="34" charset="0"/>
+            </a:endParaRPr>
+          </a:p>
+          <a:p>
+            <a:r>
+              <a:rPr lang="en-US" sz="2200" dirty="0">
+                <a:solidFill>
+                  <a:srgbClr val="FC6F0D"/>
+                </a:solidFill>
+                <a:latin typeface="Calibri" panose="020F0502020204030204" pitchFamily="34" charset="0"/>
+                <a:cs typeface="Calibri" panose="020F0502020204030204" pitchFamily="34" charset="0"/>
+              </a:rPr>
+              <a:t>db.emp.find({}, </a:t>
+            </a:r>
+            <a:r>
+              <a:rPr lang="en-US" sz="2200" dirty="0" smtClean="0">
+                <a:solidFill>
+                  <a:srgbClr val="FC6F0D"/>
+                </a:solidFill>
+                <a:latin typeface="Calibri" panose="020F0502020204030204" pitchFamily="34" charset="0"/>
+                <a:cs typeface="Calibri" panose="020F0502020204030204" pitchFamily="34" charset="0"/>
+              </a:rPr>
+              <a:t>{ename:1</a:t>
+            </a:r>
+            <a:r>
+              <a:rPr lang="en-US" sz="2200" dirty="0">
+                <a:solidFill>
+                  <a:srgbClr val="FC6F0D"/>
+                </a:solidFill>
+                <a:latin typeface="Calibri" panose="020F0502020204030204" pitchFamily="34" charset="0"/>
+                <a:cs typeface="Calibri" panose="020F0502020204030204" pitchFamily="34" charset="0"/>
+              </a:rPr>
+              <a:t>, </a:t>
+            </a:r>
+            <a:r>
+              <a:rPr lang="en-US" sz="2200" dirty="0" smtClean="0">
+                <a:solidFill>
+                  <a:srgbClr val="FC6F0D"/>
+                </a:solidFill>
+                <a:latin typeface="Calibri" panose="020F0502020204030204" pitchFamily="34" charset="0"/>
+                <a:cs typeface="Calibri" panose="020F0502020204030204" pitchFamily="34" charset="0"/>
+              </a:rPr>
+              <a:t>job: true});</a:t>
+            </a:r>
+          </a:p>
+          <a:p>
+            <a:endParaRPr lang="en-US" sz="800" dirty="0" smtClean="0">
+              <a:solidFill>
+                <a:srgbClr val="FC6F0D"/>
+              </a:solidFill>
+              <a:latin typeface="Calibri" panose="020F0502020204030204" pitchFamily="34" charset="0"/>
+              <a:cs typeface="Calibri" panose="020F0502020204030204" pitchFamily="34" charset="0"/>
+            </a:endParaRPr>
+          </a:p>
+          <a:p>
+            <a:r>
+              <a:rPr lang="en-US" sz="2200" dirty="0">
+                <a:solidFill>
+                  <a:srgbClr val="FC6F0D"/>
+                </a:solidFill>
+                <a:latin typeface="Calibri" panose="020F0502020204030204" pitchFamily="34" charset="0"/>
+                <a:cs typeface="Calibri" panose="020F0502020204030204" pitchFamily="34" charset="0"/>
+              </a:rPr>
+              <a:t>db.collection.find</a:t>
+            </a:r>
+            <a:r>
+              <a:rPr lang="en-US" sz="2200" dirty="0" smtClean="0">
+                <a:solidFill>
+                  <a:srgbClr val="FC6F0D"/>
+                </a:solidFill>
+                <a:latin typeface="Calibri" panose="020F0502020204030204" pitchFamily="34" charset="0"/>
+                <a:cs typeface="Calibri" panose="020F0502020204030204" pitchFamily="34" charset="0"/>
+              </a:rPr>
+              <a:t>({sal:{ </a:t>
+            </a:r>
+            <a:r>
+              <a:rPr lang="en-US" sz="2200" dirty="0">
+                <a:solidFill>
+                  <a:srgbClr val="FC6F0D"/>
+                </a:solidFill>
+                <a:latin typeface="Calibri" panose="020F0502020204030204" pitchFamily="34" charset="0"/>
+                <a:cs typeface="Calibri" panose="020F0502020204030204" pitchFamily="34" charset="0"/>
+              </a:rPr>
+              <a:t>$</a:t>
+            </a:r>
+            <a:r>
+              <a:rPr lang="en-US" sz="2200" dirty="0" smtClean="0">
+                <a:solidFill>
+                  <a:srgbClr val="FC6F0D"/>
+                </a:solidFill>
+                <a:latin typeface="Calibri" panose="020F0502020204030204" pitchFamily="34" charset="0"/>
+                <a:cs typeface="Calibri" panose="020F0502020204030204" pitchFamily="34" charset="0"/>
+              </a:rPr>
+              <a:t>gt:4}})</a:t>
+            </a:r>
+          </a:p>
+          <a:p>
+            <a:endParaRPr lang="en-US" sz="800" dirty="0">
+              <a:solidFill>
+                <a:srgbClr val="FC6F0D"/>
+              </a:solidFill>
+              <a:latin typeface="Calibri" panose="020F0502020204030204" pitchFamily="34" charset="0"/>
+              <a:cs typeface="Calibri" panose="020F0502020204030204" pitchFamily="34" charset="0"/>
+            </a:endParaRPr>
+          </a:p>
+          <a:p>
+            <a:r>
+              <a:rPr lang="en-US" sz="2200" dirty="0" smtClean="0">
+                <a:solidFill>
+                  <a:srgbClr val="FC6F0D"/>
+                </a:solidFill>
+                <a:latin typeface="Calibri" panose="020F0502020204030204" pitchFamily="34" charset="0"/>
+                <a:cs typeface="Calibri" panose="020F0502020204030204" pitchFamily="34" charset="0"/>
+              </a:rPr>
+              <a:t>db.emp.find</a:t>
+            </a:r>
+            <a:r>
+              <a:rPr lang="en-US" sz="2200" dirty="0">
+                <a:solidFill>
+                  <a:srgbClr val="FC6F0D"/>
+                </a:solidFill>
+                <a:latin typeface="Calibri" panose="020F0502020204030204" pitchFamily="34" charset="0"/>
+                <a:cs typeface="Calibri" panose="020F0502020204030204" pitchFamily="34" charset="0"/>
+              </a:rPr>
+              <a:t>({job:'manager</a:t>
+            </a:r>
+            <a:r>
+              <a:rPr lang="en-US" sz="2200" dirty="0" smtClean="0">
+                <a:solidFill>
+                  <a:srgbClr val="FC6F0D"/>
+                </a:solidFill>
+                <a:latin typeface="Calibri" panose="020F0502020204030204" pitchFamily="34" charset="0"/>
+                <a:cs typeface="Calibri" panose="020F0502020204030204" pitchFamily="34" charset="0"/>
+              </a:rPr>
+              <a:t>'}, {</a:t>
+            </a:r>
+            <a:r>
+              <a:rPr lang="en-US" sz="2200" dirty="0">
+                <a:solidFill>
+                  <a:srgbClr val="FC6F0D"/>
+                </a:solidFill>
+                <a:latin typeface="Calibri" panose="020F0502020204030204" pitchFamily="34" charset="0"/>
+                <a:cs typeface="Calibri" panose="020F0502020204030204" pitchFamily="34" charset="0"/>
+              </a:rPr>
+              <a:t>ename:true, job:true</a:t>
+            </a:r>
+            <a:r>
+              <a:rPr lang="en-US" sz="2200" dirty="0" smtClean="0">
+                <a:solidFill>
+                  <a:srgbClr val="FC6F0D"/>
+                </a:solidFill>
+                <a:latin typeface="Calibri" panose="020F0502020204030204" pitchFamily="34" charset="0"/>
+                <a:cs typeface="Calibri" panose="020F0502020204030204" pitchFamily="34" charset="0"/>
+              </a:rPr>
+              <a:t>})</a:t>
+            </a:r>
+          </a:p>
+          <a:p>
+            <a:endParaRPr lang="en-US" sz="800" dirty="0" smtClean="0">
+              <a:solidFill>
+                <a:srgbClr val="FC6F0D"/>
+              </a:solidFill>
+              <a:latin typeface="Calibri" panose="020F0502020204030204" pitchFamily="34" charset="0"/>
+              <a:cs typeface="Calibri" panose="020F0502020204030204" pitchFamily="34" charset="0"/>
+            </a:endParaRPr>
+          </a:p>
+          <a:p>
+            <a:r>
+              <a:rPr lang="en-US" sz="2200" dirty="0" smtClean="0">
+                <a:solidFill>
+                  <a:srgbClr val="FC6F0D"/>
+                </a:solidFill>
+                <a:latin typeface="Calibri" panose="020F0502020204030204" pitchFamily="34" charset="0"/>
+                <a:cs typeface="Calibri" panose="020F0502020204030204" pitchFamily="34" charset="0"/>
+              </a:rPr>
+              <a:t>db.emp.find</a:t>
+            </a:r>
+            <a:r>
+              <a:rPr lang="en-US" sz="2200" dirty="0">
+                <a:solidFill>
+                  <a:srgbClr val="FC6F0D"/>
+                </a:solidFill>
+                <a:latin typeface="Calibri" panose="020F0502020204030204" pitchFamily="34" charset="0"/>
+                <a:cs typeface="Calibri" panose="020F0502020204030204" pitchFamily="34" charset="0"/>
+              </a:rPr>
+              <a:t>({job:'manager'}, </a:t>
+            </a:r>
+            <a:r>
+              <a:rPr lang="en-US" sz="2200" dirty="0" smtClean="0">
+                <a:solidFill>
+                  <a:srgbClr val="FC6F0D"/>
+                </a:solidFill>
+                <a:latin typeface="Calibri" panose="020F0502020204030204" pitchFamily="34" charset="0"/>
+                <a:cs typeface="Calibri" panose="020F0502020204030204" pitchFamily="34" charset="0"/>
+              </a:rPr>
+              <a:t>{_id:false, ename:true</a:t>
+            </a:r>
+            <a:r>
+              <a:rPr lang="en-US" sz="2200" dirty="0">
+                <a:solidFill>
+                  <a:srgbClr val="FC6F0D"/>
+                </a:solidFill>
+                <a:latin typeface="Calibri" panose="020F0502020204030204" pitchFamily="34" charset="0"/>
+                <a:cs typeface="Calibri" panose="020F0502020204030204" pitchFamily="34" charset="0"/>
+              </a:rPr>
+              <a:t>, job:true</a:t>
+            </a:r>
+            <a:r>
+              <a:rPr lang="en-US" sz="2200" dirty="0" smtClean="0">
+                <a:solidFill>
+                  <a:srgbClr val="FC6F0D"/>
+                </a:solidFill>
+                <a:latin typeface="Calibri" panose="020F0502020204030204" pitchFamily="34" charset="0"/>
+                <a:cs typeface="Calibri" panose="020F0502020204030204" pitchFamily="34" charset="0"/>
+              </a:rPr>
+              <a:t>})</a:t>
+            </a:r>
           </a:p>
         </p:txBody>
       </p:sp>
@@ -10048,26 +10387,16 @@
                 <a:latin typeface="Arial" pitchFamily="34" charset="0"/>
                 <a:cs typeface="Arial" pitchFamily="34" charset="0"/>
               </a:rPr>
-              <a:t>db.collection.find</a:t>
-            </a:r>
-            <a:r>
-              <a:rPr lang="en-IN" sz="3200" b="1" i="1" dirty="0" smtClean="0">
+              <a:t>db.collection.find()[&lt;index_number&gt;]</a:t>
+            </a:r>
+            <a:r>
+              <a:rPr lang="en-IN" sz="3200" b="1" i="1" dirty="0">
                 <a:solidFill>
                   <a:srgbClr val="FFFF00"/>
                 </a:solidFill>
                 <a:latin typeface="Arial" pitchFamily="34" charset="0"/>
                 <a:cs typeface="Arial" pitchFamily="34" charset="0"/>
               </a:rPr>
-              <a:t>()[ &lt;index_number&gt;]</a:t>
-            </a:r>
-            <a:r>
-              <a:rPr lang="en-IN" sz="3200" b="1" i="1" dirty="0">
-                <a:solidFill>
-                  <a:srgbClr val="FFFF00"/>
-                </a:solidFill>
-                <a:latin typeface="Arial" pitchFamily="34" charset="0"/>
-                <a:cs typeface="Arial" pitchFamily="34" charset="0"/>
-              </a:rPr>
               <a:t> </a:t>
             </a:r>
           </a:p>
@@ -10111,7 +10440,7 @@
         <p:spPr>
           <a:xfrm>
             <a:off x="149188" y="2650240"/>
-            <a:ext cx="8845624" cy="1107996"/>
+            <a:ext cx="8845624" cy="1354217"/>
           </a:xfrm>
           <a:prstGeom prst="rect">
             <a:avLst/>
@@ -10123,16 +10452,13 @@
           </a:bodyPr>
           <a:lstStyle/>
           <a:p>
-            <a:pPr>
-              <a:lnSpc>
-                <a:spcPct val="150000"/>
-              </a:lnSpc>
-            </a:pPr>
             <a:r>
               <a:rPr lang="en-US" sz="2200" dirty="0">
                 <a:solidFill>
                   <a:srgbClr val="FC6F0D"/>
                 </a:solidFill>
+                <a:latin typeface="Calibri" panose="020F0502020204030204" pitchFamily="34" charset="0"/>
+                <a:cs typeface="Calibri" panose="020F0502020204030204" pitchFamily="34" charset="0"/>
               </a:rPr>
               <a:t>db.emp.find</a:t>
             </a:r>
@@ -10141,37 +10467,63 @@
                 <a:solidFill>
                   <a:srgbClr val="FC6F0D"/>
                 </a:solidFill>
+                <a:latin typeface="Calibri" panose="020F0502020204030204" pitchFamily="34" charset="0"/>
+                <a:cs typeface="Calibri" panose="020F0502020204030204" pitchFamily="34" charset="0"/>
               </a:rPr>
               <a:t>()[0];</a:t>
             </a:r>
           </a:p>
           <a:p>
-            <a:pPr>
-              <a:lnSpc>
-                <a:spcPct val="150000"/>
-              </a:lnSpc>
-            </a:pPr>
-            <a:r>
-              <a:rPr lang="en-US" sz="2200" dirty="0">
-                <a:solidFill>
-                  <a:srgbClr val="FC6F0D"/>
-                </a:solidFill>
-              </a:rPr>
-              <a:t>db.emp.find()[0</a:t>
-            </a:r>
-            <a:r>
-              <a:rPr lang="en-US" sz="2200" dirty="0" smtClean="0">
-                <a:solidFill>
-                  <a:srgbClr val="FC6F0D"/>
-                </a:solidFill>
-              </a:rPr>
-              <a:t>].ename;</a:t>
-            </a:r>
-            <a:endParaRPr lang="en-US" sz="2200" dirty="0">
+            <a:endParaRPr lang="en-US" sz="800" dirty="0" smtClean="0">
               <a:solidFill>
                 <a:srgbClr val="FC6F0D"/>
               </a:solidFill>
+              <a:latin typeface="Calibri" panose="020F0502020204030204" pitchFamily="34" charset="0"/>
+              <a:cs typeface="Calibri" panose="020F0502020204030204" pitchFamily="34" charset="0"/>
             </a:endParaRPr>
+          </a:p>
+          <a:p>
+            <a:r>
+              <a:rPr lang="en-US" sz="2200" dirty="0">
+                <a:solidFill>
+                  <a:srgbClr val="FC6F0D"/>
+                </a:solidFill>
+                <a:latin typeface="Calibri" panose="020F0502020204030204" pitchFamily="34" charset="0"/>
+                <a:cs typeface="Calibri" panose="020F0502020204030204" pitchFamily="34" charset="0"/>
+              </a:rPr>
+              <a:t>db.emp.find()[0</a:t>
+            </a:r>
+            <a:r>
+              <a:rPr lang="en-US" sz="2200" dirty="0" smtClean="0">
+                <a:solidFill>
+                  <a:srgbClr val="FC6F0D"/>
+                </a:solidFill>
+                <a:latin typeface="Calibri" panose="020F0502020204030204" pitchFamily="34" charset="0"/>
+                <a:cs typeface="Calibri" panose="020F0502020204030204" pitchFamily="34" charset="0"/>
+              </a:rPr>
+              <a:t>].ename;</a:t>
+            </a:r>
+          </a:p>
+          <a:p>
+            <a:endParaRPr lang="en-US" sz="800" dirty="0" smtClean="0">
+              <a:solidFill>
+                <a:srgbClr val="FC6F0D"/>
+              </a:solidFill>
+              <a:latin typeface="Calibri" panose="020F0502020204030204" pitchFamily="34" charset="0"/>
+              <a:cs typeface="Calibri" panose="020F0502020204030204" pitchFamily="34" charset="0"/>
+            </a:endParaRPr>
+          </a:p>
+          <a:p>
+            <a:r>
+              <a:rPr lang="en-US" sz="2200" dirty="0">
+                <a:solidFill>
+                  <a:srgbClr val="FC6F0D"/>
+                </a:solidFill>
+                <a:latin typeface="Calibri" panose="020F0502020204030204" pitchFamily="34" charset="0"/>
+                <a:cs typeface="Calibri" panose="020F0502020204030204" pitchFamily="34" charset="0"/>
+              </a:rPr>
+              <a:t>db.emp.find()[db.emp.find().count()-1]</a:t>
+            </a:r>
           </a:p>
         </p:txBody>
       </p:sp>
@@ -10214,27 +10566,7 @@
                 <a:latin typeface="Consolas" panose="020B0609020204030204" pitchFamily="49" charset="0"/>
                 <a:cs typeface="Calibri" panose="020F0502020204030204" pitchFamily="34" charset="0"/>
               </a:rPr>
-              <a:t>)[&lt;</a:t>
-            </a:r>
-            <a:r>
-              <a:rPr lang="en-US" dirty="0" smtClean="0">
-                <a:solidFill>
-                  <a:srgbClr val="049DC8"/>
-                </a:solidFill>
-                <a:latin typeface="Consolas" panose="020B0609020204030204" pitchFamily="49" charset="0"/>
-                <a:cs typeface="Calibri" panose="020F0502020204030204" pitchFamily="34" charset="0"/>
-              </a:rPr>
-              <a:t>document_index_number</a:t>
-            </a:r>
-            <a:r>
-              <a:rPr lang="en-US" dirty="0" smtClean="0">
-                <a:solidFill>
-                  <a:srgbClr val="049DC8"/>
-                </a:solidFill>
-                <a:latin typeface="Consolas" panose="020B0609020204030204" pitchFamily="49" charset="0"/>
-                <a:cs typeface="Calibri" panose="020F0502020204030204" pitchFamily="34" charset="0"/>
-              </a:rPr>
-              <a:t>&gt;[.field] ]</a:t>
+              <a:t>)[&lt;document_index_number&gt;[.field] ]</a:t>
             </a:r>
             <a:endParaRPr lang="en-US" dirty="0">
               <a:solidFill>
@@ -10253,17 +10585,7 @@
                 <a:latin typeface="Consolas" panose="020B0609020204030204" pitchFamily="49" charset="0"/>
                 <a:cs typeface="Calibri" panose="020F0502020204030204" pitchFamily="34" charset="0"/>
               </a:rPr>
-              <a:t>db.collection.find(query, projection</a:t>
-            </a:r>
-            <a:r>
-              <a:rPr lang="en-US" dirty="0">
-                <a:solidFill>
-                  <a:srgbClr val="049DC8"/>
-                </a:solidFill>
-                <a:latin typeface="Consolas" panose="020B0609020204030204" pitchFamily="49" charset="0"/>
-                <a:cs typeface="Calibri" panose="020F0502020204030204" pitchFamily="34" charset="0"/>
-              </a:rPr>
-              <a:t>) [&lt;document_index_number</a:t>
+              <a:t>db.collection.find(query, projection) [&lt;document_index_number</a:t>
             </a:r>
             <a:r>
               <a:rPr lang="en-US" dirty="0" smtClean="0">
@@ -10510,7 +10832,7 @@
         <p:spPr>
           <a:xfrm>
             <a:off x="224432" y="3048000"/>
-            <a:ext cx="8770379" cy="1045223"/>
+            <a:ext cx="8770379" cy="769441"/>
           </a:xfrm>
           <a:prstGeom prst="rect">
             <a:avLst/>
@@ -10522,31 +10844,25 @@
           </a:bodyPr>
           <a:lstStyle/>
           <a:p>
-            <a:pPr>
-              <a:lnSpc>
-                <a:spcPct val="150000"/>
-              </a:lnSpc>
-            </a:pPr>
             <a:r>
               <a:rPr lang="en-US" sz="2200" dirty="0">
                 <a:solidFill>
                   <a:srgbClr val="FC6F0D"/>
                 </a:solidFill>
+                <a:latin typeface="Calibri" panose="020F0502020204030204" pitchFamily="34" charset="0"/>
+                <a:cs typeface="Calibri" panose="020F0502020204030204" pitchFamily="34" charset="0"/>
               </a:rPr>
               <a:t>var x = db ['emp'].find ()</a:t>
             </a:r>
           </a:p>
           <a:p>
-            <a:pPr>
-              <a:lnSpc>
-                <a:spcPct val="150000"/>
-              </a:lnSpc>
-            </a:pPr>
             <a:r>
               <a:rPr lang="en-US" sz="2200" dirty="0">
                 <a:solidFill>
                   <a:srgbClr val="FC6F0D"/>
                 </a:solidFill>
+                <a:latin typeface="Calibri" panose="020F0502020204030204" pitchFamily="34" charset="0"/>
+                <a:cs typeface="Calibri" panose="020F0502020204030204" pitchFamily="34" charset="0"/>
               </a:rPr>
               <a:t>x.forEach(printjson)</a:t>
             </a:r>
@@ -10998,7 +11314,7 @@
         <p:spPr>
           <a:xfrm>
             <a:off x="160072" y="3768804"/>
-            <a:ext cx="8823853" cy="1107996"/>
+            <a:ext cx="8823853" cy="892552"/>
           </a:xfrm>
           <a:prstGeom prst="rect">
             <a:avLst/>
@@ -11010,16 +11326,13 @@
           </a:bodyPr>
           <a:lstStyle/>
           <a:p>
-            <a:pPr>
-              <a:lnSpc>
-                <a:spcPct val="150000"/>
-              </a:lnSpc>
-            </a:pPr>
             <a:r>
               <a:rPr lang="en-US" sz="2200" dirty="0">
                 <a:solidFill>
                   <a:srgbClr val="FC6F0D"/>
                 </a:solidFill>
+                <a:latin typeface="Calibri" panose="020F0502020204030204" pitchFamily="34" charset="0"/>
+                <a:cs typeface="Calibri" panose="020F0502020204030204" pitchFamily="34" charset="0"/>
               </a:rPr>
               <a:t>db['emp'].find({},{ename:true}).sort({ename:1</a:t>
             </a:r>
@@ -11028,21 +11341,29 @@
                 <a:solidFill>
                   <a:srgbClr val="FC6F0D"/>
                 </a:solidFill>
+                <a:latin typeface="Calibri" panose="020F0502020204030204" pitchFamily="34" charset="0"/>
+                <a:cs typeface="Calibri" panose="020F0502020204030204" pitchFamily="34" charset="0"/>
               </a:rPr>
               <a:t>});</a:t>
             </a:r>
           </a:p>
           <a:p>
-            <a:pPr>
-              <a:lnSpc>
-                <a:spcPct val="150000"/>
-              </a:lnSpc>
-            </a:pPr>
+            <a:endParaRPr lang="en-US" sz="800" dirty="0" smtClean="0">
+              <a:solidFill>
+                <a:srgbClr val="FC6F0D"/>
+              </a:solidFill>
+              <a:latin typeface="Calibri" panose="020F0502020204030204" pitchFamily="34" charset="0"/>
+              <a:cs typeface="Calibri" panose="020F0502020204030204" pitchFamily="34" charset="0"/>
+            </a:endParaRPr>
+          </a:p>
+          <a:p>
             <a:r>
               <a:rPr lang="en-US" sz="2200" dirty="0">
                 <a:solidFill>
                   <a:srgbClr val="FC6F0D"/>
                 </a:solidFill>
+                <a:latin typeface="Calibri" panose="020F0502020204030204" pitchFamily="34" charset="0"/>
+                <a:cs typeface="Calibri" panose="020F0502020204030204" pitchFamily="34" charset="0"/>
               </a:rPr>
               <a:t>db['emp'].find({},{ename:true}).sort({ename</a:t>
             </a:r>
@@ -11051,6 +11372,8 @@
                 <a:solidFill>
                   <a:srgbClr val="FC6F0D"/>
                 </a:solidFill>
+                <a:latin typeface="Calibri" panose="020F0502020204030204" pitchFamily="34" charset="0"/>
+                <a:cs typeface="Calibri" panose="020F0502020204030204" pitchFamily="34" charset="0"/>
               </a:rPr>
               <a:t>:-1</a:t>
             </a:r>
@@ -11059,6 +11382,8 @@
                 <a:solidFill>
                   <a:srgbClr val="FC6F0D"/>
                 </a:solidFill>
+                <a:latin typeface="Calibri" panose="020F0502020204030204" pitchFamily="34" charset="0"/>
+                <a:cs typeface="Calibri" panose="020F0502020204030204" pitchFamily="34" charset="0"/>
               </a:rPr>
               <a:t>});</a:t>
             </a:r>
@@ -11661,7 +11986,7 @@
         <p:spPr>
           <a:xfrm>
             <a:off x="149188" y="2676436"/>
-            <a:ext cx="8845624" cy="1107996"/>
+            <a:ext cx="8845624" cy="892552"/>
           </a:xfrm>
           <a:prstGeom prst="rect">
             <a:avLst/>
@@ -11673,16 +11998,13 @@
           </a:bodyPr>
           <a:lstStyle/>
           <a:p>
-            <a:pPr>
-              <a:lnSpc>
-                <a:spcPct val="150000"/>
-              </a:lnSpc>
-            </a:pPr>
             <a:r>
               <a:rPr lang="en-US" sz="2200" dirty="0">
                 <a:solidFill>
                   <a:srgbClr val="FC6F0D"/>
                 </a:solidFill>
+                <a:latin typeface="Calibri" panose="020F0502020204030204" pitchFamily="34" charset="0"/>
+                <a:cs typeface="Calibri" panose="020F0502020204030204" pitchFamily="34" charset="0"/>
               </a:rPr>
               <a:t>db['emp'].find({},{ename:true}).</a:t>
             </a:r>
@@ -11691,6 +12013,8 @@
                 <a:solidFill>
                   <a:srgbClr val="FC6F0D"/>
                 </a:solidFill>
+                <a:latin typeface="Calibri" panose="020F0502020204030204" pitchFamily="34" charset="0"/>
+                <a:cs typeface="Calibri" panose="020F0502020204030204" pitchFamily="34" charset="0"/>
               </a:rPr>
               <a:t>limit(0);	</a:t>
             </a:r>
@@ -11699,21 +12023,29 @@
                 <a:solidFill>
                   <a:srgbClr val="00B050"/>
                 </a:solidFill>
+                <a:latin typeface="Calibri" panose="020F0502020204030204" pitchFamily="34" charset="0"/>
+                <a:cs typeface="Calibri" panose="020F0502020204030204" pitchFamily="34" charset="0"/>
               </a:rPr>
               <a:t>// all documents</a:t>
             </a:r>
           </a:p>
           <a:p>
-            <a:pPr>
-              <a:lnSpc>
-                <a:spcPct val="150000"/>
-              </a:lnSpc>
-            </a:pPr>
+            <a:endParaRPr lang="en-US" sz="800" dirty="0" smtClean="0">
+              <a:solidFill>
+                <a:srgbClr val="00B050"/>
+              </a:solidFill>
+              <a:latin typeface="Calibri" panose="020F0502020204030204" pitchFamily="34" charset="0"/>
+              <a:cs typeface="Calibri" panose="020F0502020204030204" pitchFamily="34" charset="0"/>
+            </a:endParaRPr>
+          </a:p>
+          <a:p>
             <a:r>
               <a:rPr lang="en-US" sz="2200" dirty="0">
                 <a:solidFill>
                   <a:srgbClr val="FC6F0D"/>
                 </a:solidFill>
+                <a:latin typeface="Calibri" panose="020F0502020204030204" pitchFamily="34" charset="0"/>
+                <a:cs typeface="Calibri" panose="020F0502020204030204" pitchFamily="34" charset="0"/>
               </a:rPr>
               <a:t>db['emp'].find({},{ename:true}).limit(2</a:t>
             </a:r>
@@ -11722,6 +12054,8 @@
                 <a:solidFill>
                   <a:srgbClr val="FC6F0D"/>
                 </a:solidFill>
+                <a:latin typeface="Calibri" panose="020F0502020204030204" pitchFamily="34" charset="0"/>
+                <a:cs typeface="Calibri" panose="020F0502020204030204" pitchFamily="34" charset="0"/>
               </a:rPr>
               <a:t>);</a:t>
             </a:r>
@@ -11729,6 +12063,8 @@
               <a:solidFill>
                 <a:srgbClr val="FC6F0D"/>
               </a:solidFill>
+              <a:latin typeface="Calibri" panose="020F0502020204030204" pitchFamily="34" charset="0"/>
+              <a:cs typeface="Calibri" panose="020F0502020204030204" pitchFamily="34" charset="0"/>
             </a:endParaRPr>
           </a:p>
         </p:txBody>
@@ -12198,7 +12534,7 @@
         <p:spPr>
           <a:xfrm>
             <a:off x="160074" y="2918936"/>
-            <a:ext cx="8834738" cy="600164"/>
+            <a:ext cx="8834738" cy="430887"/>
           </a:xfrm>
           <a:prstGeom prst="rect">
             <a:avLst/>
@@ -12210,16 +12546,13 @@
           </a:bodyPr>
           <a:lstStyle/>
           <a:p>
-            <a:pPr>
-              <a:lnSpc>
-                <a:spcPct val="150000"/>
-              </a:lnSpc>
-            </a:pPr>
             <a:r>
               <a:rPr lang="en-US" sz="2200" dirty="0">
                 <a:solidFill>
                   <a:srgbClr val="FC6F0D"/>
                 </a:solidFill>
+                <a:latin typeface="Calibri" panose="020F0502020204030204" pitchFamily="34" charset="0"/>
+                <a:cs typeface="Calibri" panose="020F0502020204030204" pitchFamily="34" charset="0"/>
               </a:rPr>
               <a:t>db.emp.find().skip(4);</a:t>
             </a:r>
@@ -12619,7 +12952,7 @@
         <p:spPr>
           <a:xfrm>
             <a:off x="149188" y="3429000"/>
-            <a:ext cx="8845624" cy="1107996"/>
+            <a:ext cx="8845624" cy="892552"/>
           </a:xfrm>
           <a:prstGeom prst="rect">
             <a:avLst/>
@@ -12631,31 +12964,44 @@
           </a:bodyPr>
           <a:lstStyle/>
           <a:p>
-            <a:pPr>
-              <a:lnSpc>
-                <a:spcPct val="150000"/>
-              </a:lnSpc>
-            </a:pPr>
             <a:r>
               <a:rPr lang="en-US" sz="2200" dirty="0">
                 <a:solidFill>
                   <a:srgbClr val="FC6F0D"/>
                 </a:solidFill>
-              </a:rPr>
-              <a:t>db.emp.find().count();</a:t>
-            </a:r>
-          </a:p>
-          <a:p>
-            <a:pPr>
-              <a:lnSpc>
-                <a:spcPct val="150000"/>
-              </a:lnSpc>
-            </a:pPr>
+                <a:latin typeface="Calibri" panose="020F0502020204030204" pitchFamily="34" charset="0"/>
+                <a:cs typeface="Calibri" panose="020F0502020204030204" pitchFamily="34" charset="0"/>
+              </a:rPr>
+              <a:t>db.emp.find().count</a:t>
+            </a:r>
+            <a:r>
+              <a:rPr lang="en-US" sz="2200" dirty="0" smtClean="0">
+                <a:solidFill>
+                  <a:srgbClr val="FC6F0D"/>
+                </a:solidFill>
+                <a:latin typeface="Calibri" panose="020F0502020204030204" pitchFamily="34" charset="0"/>
+                <a:cs typeface="Calibri" panose="020F0502020204030204" pitchFamily="34" charset="0"/>
+              </a:rPr>
+              <a:t>();</a:t>
+            </a:r>
+          </a:p>
+          <a:p>
+            <a:endParaRPr lang="en-US" sz="800" dirty="0">
+              <a:solidFill>
+                <a:srgbClr val="FC6F0D"/>
+              </a:solidFill>
+              <a:latin typeface="Calibri" panose="020F0502020204030204" pitchFamily="34" charset="0"/>
+              <a:cs typeface="Calibri" panose="020F0502020204030204" pitchFamily="34" charset="0"/>
+            </a:endParaRPr>
+          </a:p>
+          <a:p>
             <a:r>
               <a:rPr lang="en-US" sz="2200" dirty="0">
                 <a:solidFill>
                   <a:srgbClr val="FC6F0D"/>
                 </a:solidFill>
+                <a:latin typeface="Calibri" panose="020F0502020204030204" pitchFamily="34" charset="0"/>
+                <a:cs typeface="Calibri" panose="020F0502020204030204" pitchFamily="34" charset="0"/>
               </a:rPr>
               <a:t>db.emp.find({job:'manager'}).count();</a:t>
             </a:r>
@@ -12902,7 +13248,7 @@
         <p:spPr>
           <a:xfrm>
             <a:off x="149188" y="762000"/>
-            <a:ext cx="8845624" cy="923330"/>
+            <a:ext cx="8845624" cy="1200329"/>
           </a:xfrm>
           <a:prstGeom prst="rect">
             <a:avLst/>
@@ -12915,8 +13261,28 @@
           <a:lstStyle/>
           <a:p>
             <a:r>
+              <a:rPr lang="en-US" b="1" i="1" dirty="0">
+                <a:solidFill>
+                  <a:srgbClr val="036883"/>
+                </a:solidFill>
+              </a:rPr>
+              <a:t>findOne() </a:t>
+            </a:r>
+            <a:r>
+              <a:rPr lang="en-US" dirty="0" smtClean="0"/>
+              <a:t>returns </a:t>
+            </a:r>
+            <a:r>
               <a:rPr lang="en-US" dirty="0"/>
-              <a:t>Returns one document that satisfies the specified query criteria on the collection. If multiple documents satisfy the query, this method returns the first document according to the order in which order the documents are stored in the disk.</a:t>
+              <a:t>one document that satisfies the specified query criteria on the collection. If multiple documents satisfy the query, this method returns the first document according to the order in which order the documents are stored in the disk</a:t>
+            </a:r>
+            <a:r>
+              <a:rPr lang="en-US" dirty="0" smtClean="0"/>
+              <a:t>. </a:t>
+            </a:r>
+            <a:r>
+              <a:rPr lang="en-US" dirty="0"/>
+              <a:t>If no document satisfies the query, the method returns null.</a:t>
             </a:r>
             <a:endParaRPr lang="en-IN" dirty="0"/>
           </a:p>
@@ -12930,7 +13296,7 @@
         </p:nvSpPr>
         <p:spPr>
           <a:xfrm>
-            <a:off x="154136" y="1868269"/>
+            <a:off x="154136" y="2173069"/>
             <a:ext cx="5250155" cy="646331"/>
           </a:xfrm>
           <a:prstGeom prst="rect">
@@ -13007,7 +13373,7 @@
         <p:spPr>
           <a:xfrm>
             <a:off x="149188" y="2971800"/>
-            <a:ext cx="8845624" cy="1045223"/>
+            <a:ext cx="8845624" cy="892552"/>
           </a:xfrm>
           <a:prstGeom prst="rect">
             <a:avLst/>
@@ -13019,47 +13385,44 @@
           </a:bodyPr>
           <a:lstStyle/>
           <a:p>
-            <a:pPr>
-              <a:lnSpc>
-                <a:spcPct val="150000"/>
-              </a:lnSpc>
-            </a:pPr>
+            <a:r>
+              <a:rPr lang="en-US" sz="2200" dirty="0" smtClean="0">
+                <a:solidFill>
+                  <a:srgbClr val="FC6F0D"/>
+                </a:solidFill>
+                <a:latin typeface="Calibri" panose="020F0502020204030204" pitchFamily="34" charset="0"/>
+                <a:cs typeface="Calibri" panose="020F0502020204030204" pitchFamily="34" charset="0"/>
+              </a:rPr>
+              <a:t>db.emp.findOne();</a:t>
+            </a:r>
+          </a:p>
+          <a:p>
+            <a:endParaRPr lang="en-US" sz="800" dirty="0" smtClean="0">
+              <a:solidFill>
+                <a:srgbClr val="FC6F0D"/>
+              </a:solidFill>
+              <a:latin typeface="Calibri" panose="020F0502020204030204" pitchFamily="34" charset="0"/>
+              <a:cs typeface="Calibri" panose="020F0502020204030204" pitchFamily="34" charset="0"/>
+            </a:endParaRPr>
+          </a:p>
+          <a:p>
             <a:r>
               <a:rPr lang="en-US" sz="2200" dirty="0">
                 <a:solidFill>
                   <a:srgbClr val="FC6F0D"/>
                 </a:solidFill>
-              </a:rPr>
-              <a:t>db.emp.findOne</a:t>
+                <a:latin typeface="Calibri" panose="020F0502020204030204" pitchFamily="34" charset="0"/>
+                <a:cs typeface="Calibri" panose="020F0502020204030204" pitchFamily="34" charset="0"/>
+              </a:rPr>
+              <a:t>db.emp.findOne({job:'manager</a:t>
             </a:r>
             <a:r>
               <a:rPr lang="en-US" sz="2200" dirty="0" smtClean="0">
                 <a:solidFill>
                   <a:srgbClr val="FC6F0D"/>
                 </a:solidFill>
-              </a:rPr>
-              <a:t>({job:'manager'});</a:t>
-            </a:r>
-          </a:p>
-          <a:p>
-            <a:pPr>
-              <a:lnSpc>
-                <a:spcPct val="150000"/>
-              </a:lnSpc>
-            </a:pPr>
-            <a:r>
-              <a:rPr lang="en-US" sz="2200" dirty="0">
-                <a:solidFill>
-                  <a:srgbClr val="FC6F0D"/>
-                </a:solidFill>
-              </a:rPr>
-              <a:t>db.emp.findOne({job:'manager</a:t>
-            </a:r>
-            <a:r>
-              <a:rPr lang="en-US" sz="2200" dirty="0" smtClean="0">
-                <a:solidFill>
-                  <a:srgbClr val="FC6F0D"/>
-                </a:solidFill>
+                <a:latin typeface="Calibri" panose="020F0502020204030204" pitchFamily="34" charset="0"/>
+                <a:cs typeface="Calibri" panose="020F0502020204030204" pitchFamily="34" charset="0"/>
               </a:rPr>
               <a:t>'});</a:t>
             </a:r>
@@ -13067,6 +13430,8 @@
               <a:solidFill>
                 <a:srgbClr val="FC6F0D"/>
               </a:solidFill>
+              <a:latin typeface="Calibri" panose="020F0502020204030204" pitchFamily="34" charset="0"/>
+              <a:cs typeface="Calibri" panose="020F0502020204030204" pitchFamily="34" charset="0"/>
             </a:endParaRPr>
           </a:p>
         </p:txBody>

--- a/MongoDB.pptx
+++ b/MongoDB.pptx
@@ -5,7 +5,7 @@
     <p:sldMasterId id="2147483720" r:id="rId1"/>
   </p:sldMasterIdLst>
   <p:notesMasterIdLst>
-    <p:notesMasterId r:id="rId74"/>
+    <p:notesMasterId r:id="rId76"/>
   </p:notesMasterIdLst>
   <p:sldIdLst>
     <p:sldId id="497" r:id="rId2"/>
@@ -27,59 +27,61 @@
     <p:sldId id="1137" r:id="rId18"/>
     <p:sldId id="1138" r:id="rId19"/>
     <p:sldId id="1139" r:id="rId20"/>
-    <p:sldId id="1140" r:id="rId21"/>
-    <p:sldId id="1141" r:id="rId22"/>
-    <p:sldId id="1142" r:id="rId23"/>
-    <p:sldId id="1143" r:id="rId24"/>
-    <p:sldId id="1144" r:id="rId25"/>
-    <p:sldId id="1156" r:id="rId26"/>
-    <p:sldId id="1145" r:id="rId27"/>
-    <p:sldId id="1146" r:id="rId28"/>
-    <p:sldId id="1147" r:id="rId29"/>
-    <p:sldId id="1148" r:id="rId30"/>
-    <p:sldId id="1149" r:id="rId31"/>
-    <p:sldId id="1150" r:id="rId32"/>
-    <p:sldId id="1151" r:id="rId33"/>
-    <p:sldId id="1152" r:id="rId34"/>
-    <p:sldId id="1153" r:id="rId35"/>
-    <p:sldId id="1154" r:id="rId36"/>
-    <p:sldId id="1155" r:id="rId37"/>
-    <p:sldId id="1098" r:id="rId38"/>
-    <p:sldId id="1090" r:id="rId39"/>
-    <p:sldId id="1099" r:id="rId40"/>
-    <p:sldId id="1092" r:id="rId41"/>
-    <p:sldId id="1102" r:id="rId42"/>
-    <p:sldId id="1103" r:id="rId43"/>
-    <p:sldId id="1104" r:id="rId44"/>
-    <p:sldId id="1105" r:id="rId45"/>
-    <p:sldId id="1106" r:id="rId46"/>
-    <p:sldId id="1107" r:id="rId47"/>
-    <p:sldId id="1108" r:id="rId48"/>
-    <p:sldId id="1109" r:id="rId49"/>
-    <p:sldId id="1110" r:id="rId50"/>
-    <p:sldId id="1111" r:id="rId51"/>
-    <p:sldId id="1112" r:id="rId52"/>
-    <p:sldId id="1113" r:id="rId53"/>
-    <p:sldId id="1114" r:id="rId54"/>
-    <p:sldId id="1115" r:id="rId55"/>
-    <p:sldId id="1116" r:id="rId56"/>
-    <p:sldId id="1117" r:id="rId57"/>
-    <p:sldId id="1118" r:id="rId58"/>
-    <p:sldId id="1119" r:id="rId59"/>
-    <p:sldId id="1120" r:id="rId60"/>
-    <p:sldId id="1121" r:id="rId61"/>
-    <p:sldId id="1122" r:id="rId62"/>
-    <p:sldId id="1123" r:id="rId63"/>
-    <p:sldId id="1124" r:id="rId64"/>
-    <p:sldId id="1125" r:id="rId65"/>
-    <p:sldId id="1126" r:id="rId66"/>
-    <p:sldId id="1127" r:id="rId67"/>
-    <p:sldId id="1128" r:id="rId68"/>
-    <p:sldId id="1129" r:id="rId69"/>
-    <p:sldId id="954" r:id="rId70"/>
-    <p:sldId id="788" r:id="rId71"/>
-    <p:sldId id="1071" r:id="rId72"/>
-    <p:sldId id="1087" r:id="rId73"/>
+    <p:sldId id="1157" r:id="rId21"/>
+    <p:sldId id="1158" r:id="rId22"/>
+    <p:sldId id="1140" r:id="rId23"/>
+    <p:sldId id="1141" r:id="rId24"/>
+    <p:sldId id="1142" r:id="rId25"/>
+    <p:sldId id="1143" r:id="rId26"/>
+    <p:sldId id="1144" r:id="rId27"/>
+    <p:sldId id="1156" r:id="rId28"/>
+    <p:sldId id="1145" r:id="rId29"/>
+    <p:sldId id="1146" r:id="rId30"/>
+    <p:sldId id="1147" r:id="rId31"/>
+    <p:sldId id="1148" r:id="rId32"/>
+    <p:sldId id="1149" r:id="rId33"/>
+    <p:sldId id="1150" r:id="rId34"/>
+    <p:sldId id="1151" r:id="rId35"/>
+    <p:sldId id="1152" r:id="rId36"/>
+    <p:sldId id="1153" r:id="rId37"/>
+    <p:sldId id="1154" r:id="rId38"/>
+    <p:sldId id="1155" r:id="rId39"/>
+    <p:sldId id="1098" r:id="rId40"/>
+    <p:sldId id="1090" r:id="rId41"/>
+    <p:sldId id="1099" r:id="rId42"/>
+    <p:sldId id="1092" r:id="rId43"/>
+    <p:sldId id="1102" r:id="rId44"/>
+    <p:sldId id="1103" r:id="rId45"/>
+    <p:sldId id="1104" r:id="rId46"/>
+    <p:sldId id="1105" r:id="rId47"/>
+    <p:sldId id="1106" r:id="rId48"/>
+    <p:sldId id="1107" r:id="rId49"/>
+    <p:sldId id="1108" r:id="rId50"/>
+    <p:sldId id="1109" r:id="rId51"/>
+    <p:sldId id="1110" r:id="rId52"/>
+    <p:sldId id="1111" r:id="rId53"/>
+    <p:sldId id="1112" r:id="rId54"/>
+    <p:sldId id="1113" r:id="rId55"/>
+    <p:sldId id="1114" r:id="rId56"/>
+    <p:sldId id="1115" r:id="rId57"/>
+    <p:sldId id="1116" r:id="rId58"/>
+    <p:sldId id="1117" r:id="rId59"/>
+    <p:sldId id="1118" r:id="rId60"/>
+    <p:sldId id="1119" r:id="rId61"/>
+    <p:sldId id="1120" r:id="rId62"/>
+    <p:sldId id="1121" r:id="rId63"/>
+    <p:sldId id="1122" r:id="rId64"/>
+    <p:sldId id="1123" r:id="rId65"/>
+    <p:sldId id="1124" r:id="rId66"/>
+    <p:sldId id="1125" r:id="rId67"/>
+    <p:sldId id="1126" r:id="rId68"/>
+    <p:sldId id="1127" r:id="rId69"/>
+    <p:sldId id="1128" r:id="rId70"/>
+    <p:sldId id="1129" r:id="rId71"/>
+    <p:sldId id="954" r:id="rId72"/>
+    <p:sldId id="788" r:id="rId73"/>
+    <p:sldId id="1071" r:id="rId74"/>
+    <p:sldId id="1087" r:id="rId75"/>
   </p:sldIdLst>
   <p:sldSz cx="9144000" cy="6858000" type="screen4x3"/>
   <p:notesSz cx="6858000" cy="9144000"/>
@@ -8951,12 +8953,8 @@
           </a:lstStyle>
           <a:p>
             <a:r>
-              <a:rPr lang="en-IN" dirty="0"/>
-              <a:t>db.getCollectionNames</a:t>
-            </a:r>
-            <a:r>
               <a:rPr lang="en-IN" dirty="0" smtClean="0"/>
-              <a:t>()</a:t>
+              <a:t>db.getCollection ()</a:t>
             </a:r>
             <a:endParaRPr lang="en-US" dirty="0"/>
           </a:p>
@@ -9005,18 +9003,18 @@
     </p:spTree>
     <p:extLst>
       <p:ext uri="{BB962C8B-B14F-4D97-AF65-F5344CB8AC3E}">
-        <p14:creationId xmlns:p14="http://schemas.microsoft.com/office/powerpoint/2010/main" val="3323673451"/>
+        <p14:creationId xmlns:p14="http://schemas.microsoft.com/office/powerpoint/2010/main" val="4144951502"/>
       </p:ext>
     </p:extLst>
   </p:cSld>
   <p:clrMapOvr>
     <a:masterClrMapping/>
   </p:clrMapOvr>
-  <mc:AlternateContent xmlns:mc="http://schemas.openxmlformats.org/markup-compatibility/2006" xmlns:p14="http://schemas.microsoft.com/office/powerpoint/2010/main">
-    <mc:Choice Requires="p14">
+  <mc:AlternateContent xmlns:mc="http://schemas.openxmlformats.org/markup-compatibility/2006">
+    <mc:Choice xmlns:p14="http://schemas.microsoft.com/office/powerpoint/2010/main" Requires="p14">
       <p:transition spd="slow" p14:dur="2000"/>
     </mc:Choice>
-    <mc:Fallback xmlns="">
+    <mc:Fallback>
       <p:transition spd="slow"/>
     </mc:Fallback>
   </mc:AlternateContent>
@@ -9079,14 +9077,24 @@
               </a:spcBef>
             </a:pPr>
             <a:r>
-              <a:rPr lang="en-IN" sz="3200" b="1" i="1" dirty="0">
+              <a:rPr lang="en-IN" sz="3200" b="1" i="1" dirty="0" smtClean="0">
                 <a:solidFill>
                   <a:srgbClr val="FFFF00"/>
                 </a:solidFill>
                 <a:latin typeface="Arial" pitchFamily="34" charset="0"/>
                 <a:cs typeface="Arial" pitchFamily="34" charset="0"/>
               </a:rPr>
-              <a:t>db.getCollectionNames() </a:t>
+              <a:t>db.getCollection()</a:t>
+            </a:r>
+            <a:r>
+              <a:rPr lang="en-IN" sz="3200" b="1" i="1" dirty="0">
+                <a:solidFill>
+                  <a:srgbClr val="FFFF00"/>
+                </a:solidFill>
+                <a:latin typeface="Arial" pitchFamily="34" charset="0"/>
+                <a:cs typeface="Arial" pitchFamily="34" charset="0"/>
+              </a:rPr>
+              <a:t> </a:t>
             </a:r>
           </a:p>
         </p:txBody>
@@ -9129,7 +9137,7 @@
         <p:spPr>
           <a:xfrm>
             <a:off x="149188" y="1383966"/>
-            <a:ext cx="8845624" cy="646331"/>
+            <a:ext cx="8845624" cy="369332"/>
           </a:xfrm>
           <a:prstGeom prst="rect">
             <a:avLst/>
@@ -9142,6 +9150,16 @@
           <a:lstStyle/>
           <a:p>
             <a:r>
+              <a:rPr lang="en-US" dirty="0" smtClean="0">
+                <a:solidFill>
+                  <a:srgbClr val="049DC8"/>
+                </a:solidFill>
+                <a:latin typeface="Consolas" panose="020B0609020204030204" pitchFamily="49" charset="0"/>
+                <a:cs typeface="Calibri" panose="020F0502020204030204" pitchFamily="34" charset="0"/>
+              </a:rPr>
+              <a:t>db.getCollection(</a:t>
+            </a:r>
+            <a:r>
               <a:rPr lang="en-US" dirty="0">
                 <a:solidFill>
                   <a:srgbClr val="049DC8"/>
@@ -9149,10 +9167,18 @@
                 <a:latin typeface="Consolas" panose="020B0609020204030204" pitchFamily="49" charset="0"/>
                 <a:cs typeface="Calibri" panose="020F0502020204030204" pitchFamily="34" charset="0"/>
               </a:rPr>
-              <a:t>show collection</a:t>
-            </a:r>
-          </a:p>
-          <a:p>
+              <a:t>'</a:t>
+            </a:r>
+            <a:r>
+              <a:rPr lang="en-US" dirty="0" smtClean="0">
+                <a:solidFill>
+                  <a:srgbClr val="049DC8"/>
+                </a:solidFill>
+                <a:latin typeface="Consolas" panose="020B0609020204030204" pitchFamily="49" charset="0"/>
+                <a:cs typeface="Calibri" panose="020F0502020204030204" pitchFamily="34" charset="0"/>
+              </a:rPr>
+              <a:t>name</a:t>
+            </a:r>
             <a:r>
               <a:rPr lang="en-US" dirty="0">
                 <a:solidFill>
@@ -9161,17 +9187,7 @@
                 <a:latin typeface="Consolas" panose="020B0609020204030204" pitchFamily="49" charset="0"/>
                 <a:cs typeface="Calibri" panose="020F0502020204030204" pitchFamily="34" charset="0"/>
               </a:rPr>
-              <a:t>db.getCollectionNames</a:t>
-            </a:r>
-            <a:r>
-              <a:rPr lang="en-US" dirty="0" smtClean="0">
-                <a:solidFill>
-                  <a:srgbClr val="049DC8"/>
-                </a:solidFill>
-                <a:latin typeface="Consolas" panose="020B0609020204030204" pitchFamily="49" charset="0"/>
-                <a:cs typeface="Calibri" panose="020F0502020204030204" pitchFamily="34" charset="0"/>
-              </a:rPr>
-              <a:t>()</a:t>
+              <a:t>')</a:t>
             </a:r>
             <a:endParaRPr lang="en-US" dirty="0">
               <a:solidFill>
@@ -9192,7 +9208,7 @@
         <p:spPr>
           <a:xfrm>
             <a:off x="149188" y="2438400"/>
-            <a:ext cx="8845624" cy="892552"/>
+            <a:ext cx="8845624" cy="430887"/>
           </a:xfrm>
           <a:prstGeom prst="rect">
             <a:avLst/>
@@ -9205,18 +9221,36 @@
           <a:lstStyle/>
           <a:p>
             <a:r>
-              <a:rPr lang="en-US" sz="2200" dirty="0" smtClean="0">
+              <a:rPr lang="en-US" sz="2200" dirty="0">
                 <a:solidFill>
                   <a:srgbClr val="FC6F0D"/>
                 </a:solidFill>
                 <a:latin typeface="Calibri" panose="020F0502020204030204" pitchFamily="34" charset="0"/>
                 <a:cs typeface="Calibri" panose="020F0502020204030204" pitchFamily="34" charset="0"/>
               </a:rPr>
-              <a:t>show collection</a:t>
-            </a:r>
-          </a:p>
-          <a:p>
-            <a:endParaRPr lang="en-US" sz="800" dirty="0">
+              <a:t>db.getCollection(</a:t>
+            </a:r>
+            <a:r>
+              <a:rPr lang="en-US" sz="2200" dirty="0">
+                <a:solidFill>
+                  <a:srgbClr val="FC6F0D"/>
+                </a:solidFill>
+                <a:latin typeface="Calibri" panose="020F0502020204030204" pitchFamily="34" charset="0"/>
+                <a:cs typeface="Calibri" panose="020F0502020204030204" pitchFamily="34" charset="0"/>
+              </a:rPr>
+              <a:t>'emp'</a:t>
+            </a:r>
+            <a:r>
+              <a:rPr lang="en-US" sz="2200" dirty="0">
+                <a:solidFill>
+                  <a:srgbClr val="FC6F0D"/>
+                </a:solidFill>
+                <a:latin typeface="Calibri" panose="020F0502020204030204" pitchFamily="34" charset="0"/>
+                <a:cs typeface="Calibri" panose="020F0502020204030204" pitchFamily="34" charset="0"/>
+              </a:rPr>
+              <a:t>).find();</a:t>
+            </a:r>
+            <a:endParaRPr lang="en-US" sz="2200" dirty="0">
               <a:solidFill>
                 <a:srgbClr val="FC6F0D"/>
               </a:solidFill>
@@ -9224,34 +9258,12 @@
               <a:cs typeface="Calibri" panose="020F0502020204030204" pitchFamily="34" charset="0"/>
             </a:endParaRPr>
           </a:p>
-          <a:p>
-            <a:r>
-              <a:rPr lang="en-US" sz="2200" dirty="0" smtClean="0">
-                <a:solidFill>
-                  <a:srgbClr val="FC6F0D"/>
-                </a:solidFill>
-                <a:latin typeface="Calibri" panose="020F0502020204030204" pitchFamily="34" charset="0"/>
-                <a:cs typeface="Calibri" panose="020F0502020204030204" pitchFamily="34" charset="0"/>
-              </a:rPr>
-              <a:t>db.getCollectionNames</a:t>
-            </a:r>
-            <a:r>
-              <a:rPr lang="en-US" sz="2200" dirty="0">
-                <a:solidFill>
-                  <a:srgbClr val="FC6F0D"/>
-                </a:solidFill>
-                <a:latin typeface="Calibri" panose="020F0502020204030204" pitchFamily="34" charset="0"/>
-                <a:cs typeface="Calibri" panose="020F0502020204030204" pitchFamily="34" charset="0"/>
-              </a:rPr>
-              <a:t>();</a:t>
-            </a:r>
-          </a:p>
         </p:txBody>
       </p:sp>
     </p:spTree>
     <p:extLst>
       <p:ext uri="{BB962C8B-B14F-4D97-AF65-F5344CB8AC3E}">
-        <p14:creationId xmlns:p14="http://schemas.microsoft.com/office/powerpoint/2010/main" val="1066355711"/>
+        <p14:creationId xmlns:p14="http://schemas.microsoft.com/office/powerpoint/2010/main" val="3739239595"/>
       </p:ext>
     </p:extLst>
   </p:cSld>
@@ -9325,8 +9337,8 @@
           </a:lstStyle>
           <a:p>
             <a:r>
-              <a:rPr lang="en-IN" dirty="0" smtClean="0"/>
-              <a:t>db.collection.find</a:t>
+              <a:rPr lang="en-IN" dirty="0"/>
+              <a:t>db.getCollectionNames</a:t>
             </a:r>
             <a:r>
               <a:rPr lang="en-IN" dirty="0" smtClean="0"/>
@@ -9345,7 +9357,7 @@
         <p:spPr>
           <a:xfrm>
             <a:off x="419100" y="2861953"/>
-            <a:ext cx="8305800" cy="646331"/>
+            <a:ext cx="8305800" cy="369332"/>
           </a:xfrm>
           <a:prstGeom prst="rect">
             <a:avLst/>
@@ -9364,30 +9376,22 @@
           <a:lstStyle/>
           <a:p>
             <a:r>
-              <a:rPr lang="en-US" dirty="0">
+              <a:rPr lang="en-US" dirty="0" smtClean="0">
                 <a:solidFill>
                   <a:srgbClr val="222222"/>
                 </a:solidFill>
                 <a:latin typeface="arial" panose="020B0604020202020204" pitchFamily="34" charset="0"/>
               </a:rPr>
-              <a:t>The find() method always returns the _id field unless you specify _id: 0 to suppress the field</a:t>
-            </a:r>
-            <a:r>
-              <a:rPr lang="en-US" dirty="0" smtClean="0">
-                <a:solidFill>
-                  <a:srgbClr val="222222"/>
-                </a:solidFill>
-                <a:latin typeface="arial" panose="020B0604020202020204" pitchFamily="34" charset="0"/>
-              </a:rPr>
-              <a:t>.</a:t>
-            </a:r>
+              <a:t>TODO</a:t>
+            </a:r>
+            <a:endParaRPr lang="en-US" dirty="0"/>
           </a:p>
         </p:txBody>
       </p:sp>
     </p:spTree>
     <p:extLst>
       <p:ext uri="{BB962C8B-B14F-4D97-AF65-F5344CB8AC3E}">
-        <p14:creationId xmlns:p14="http://schemas.microsoft.com/office/powerpoint/2010/main" val="3237465807"/>
+        <p14:creationId xmlns:p14="http://schemas.microsoft.com/office/powerpoint/2010/main" val="3323673451"/>
       </p:ext>
     </p:extLst>
   </p:cSld>
@@ -9461,24 +9465,14 @@
               </a:spcBef>
             </a:pPr>
             <a:r>
-              <a:rPr lang="en-IN" sz="3200" b="1" i="1" dirty="0" smtClean="0">
+              <a:rPr lang="en-IN" sz="3200" b="1" i="1" dirty="0">
                 <a:solidFill>
                   <a:srgbClr val="FFFF00"/>
                 </a:solidFill>
                 <a:latin typeface="Arial" pitchFamily="34" charset="0"/>
                 <a:cs typeface="Arial" pitchFamily="34" charset="0"/>
               </a:rPr>
-              <a:t>db.collection.find()</a:t>
-            </a:r>
-            <a:r>
-              <a:rPr lang="en-IN" sz="3200" b="1" i="1" dirty="0">
-                <a:solidFill>
-                  <a:srgbClr val="FFFF00"/>
-                </a:solidFill>
-                <a:latin typeface="Arial" pitchFamily="34" charset="0"/>
-                <a:cs typeface="Arial" pitchFamily="34" charset="0"/>
-              </a:rPr>
-              <a:t> </a:t>
+              <a:t>db.getCollectionNames() </a:t>
             </a:r>
           </a:p>
         </p:txBody>
@@ -9505,56 +9499,10 @@
           <a:lstStyle/>
           <a:p>
             <a:r>
-              <a:rPr lang="en-US" dirty="0" smtClean="0"/>
-              <a:t>TODO</a:t>
+              <a:rPr lang="en-US" dirty="0"/>
+              <a:t>Returns an array containing the names of all collections in the current database.</a:t>
             </a:r>
             <a:endParaRPr lang="en-IN" dirty="0"/>
-          </a:p>
-        </p:txBody>
-      </p:sp>
-      <p:sp>
-        <p:nvSpPr>
-          <p:cNvPr id="4" name="Rectangle 3"/>
-          <p:cNvSpPr/>
-          <p:nvPr/>
-        </p:nvSpPr>
-        <p:spPr>
-          <a:xfrm>
-            <a:off x="154136" y="1563469"/>
-            <a:ext cx="4870244" cy="646331"/>
-          </a:xfrm>
-          <a:prstGeom prst="rect">
-            <a:avLst/>
-          </a:prstGeom>
-        </p:spPr>
-        <p:txBody>
-          <a:bodyPr wrap="none">
-            <a:spAutoFit/>
-          </a:bodyPr>
-          <a:lstStyle/>
-          <a:p>
-            <a:r>
-              <a:rPr lang="en-US" dirty="0">
-                <a:solidFill>
-                  <a:srgbClr val="049DC8"/>
-                </a:solidFill>
-                <a:latin typeface="Consolas" panose="020B0609020204030204" pitchFamily="49" charset="0"/>
-                <a:cs typeface="Calibri" panose="020F0502020204030204" pitchFamily="34" charset="0"/>
-              </a:rPr>
-              <a:t>db ['emp'].find (query, projection) </a:t>
-            </a:r>
-          </a:p>
-          <a:p>
-            <a:r>
-              <a:rPr lang="en-US" dirty="0">
-                <a:solidFill>
-                  <a:srgbClr val="049DC8"/>
-                </a:solidFill>
-                <a:latin typeface="Consolas" panose="020B0609020204030204" pitchFamily="49" charset="0"/>
-                <a:cs typeface="Calibri" panose="020F0502020204030204" pitchFamily="34" charset="0"/>
-              </a:rPr>
-              <a:t>db.collection.find(query, projection)</a:t>
-            </a:r>
           </a:p>
         </p:txBody>
       </p:sp>
@@ -9566,8 +9514,8 @@
         </p:nvSpPr>
         <p:spPr>
           <a:xfrm>
-            <a:off x="178876" y="2535217"/>
-            <a:ext cx="8845624" cy="1477328"/>
+            <a:off x="149188" y="1383966"/>
+            <a:ext cx="8845624" cy="646331"/>
           </a:xfrm>
           <a:prstGeom prst="rect">
             <a:avLst/>
@@ -9580,126 +9528,57 @@
           <a:lstStyle/>
           <a:p>
             <a:r>
-              <a:rPr lang="en-US" b="1" i="1" dirty="0">
-                <a:solidFill>
-                  <a:srgbClr val="036883"/>
-                </a:solidFill>
-              </a:rPr>
-              <a:t>query</a:t>
-            </a:r>
-            <a:r>
-              <a:rPr lang="en-US" dirty="0" smtClean="0"/>
-              <a:t>: Specifies </a:t>
-            </a:r>
-            <a:r>
-              <a:rPr lang="en-US" dirty="0"/>
-              <a:t>selection filter using query operators. To return all documents in a collection, omit this parameter or pass an empty document ({}).</a:t>
-            </a:r>
-          </a:p>
-          <a:p>
-            <a:endParaRPr lang="en-US" dirty="0"/>
-          </a:p>
-          <a:p>
-            <a:r>
-              <a:rPr lang="en-US" b="1" i="1" dirty="0">
-                <a:solidFill>
-                  <a:srgbClr val="036883"/>
-                </a:solidFill>
-              </a:rPr>
-              <a:t>projection</a:t>
-            </a:r>
-            <a:r>
-              <a:rPr lang="en-US" dirty="0" smtClean="0"/>
-              <a:t>: Specifies </a:t>
-            </a:r>
-            <a:r>
-              <a:rPr lang="en-US" dirty="0"/>
-              <a:t>the fields to return in the documents that match the query filter. To return all fields in the matching documents, omit this parameter.</a:t>
-            </a:r>
-          </a:p>
-        </p:txBody>
-      </p:sp>
-      <p:sp>
-        <p:nvSpPr>
-          <p:cNvPr id="12" name="Rectangle 11"/>
-          <p:cNvSpPr/>
-          <p:nvPr/>
-        </p:nvSpPr>
-        <p:spPr>
-          <a:xfrm>
-            <a:off x="178876" y="4226831"/>
-            <a:ext cx="1210588" cy="369332"/>
-          </a:xfrm>
-          <a:prstGeom prst="rect">
-            <a:avLst/>
-          </a:prstGeom>
-        </p:spPr>
-        <p:txBody>
-          <a:bodyPr wrap="none">
-            <a:spAutoFit/>
-          </a:bodyPr>
-          <a:lstStyle/>
-          <a:p>
+              <a:rPr lang="en-US" dirty="0">
+                <a:solidFill>
+                  <a:srgbClr val="049DC8"/>
+                </a:solidFill>
+                <a:latin typeface="Consolas" panose="020B0609020204030204" pitchFamily="49" charset="0"/>
+                <a:cs typeface="Calibri" panose="020F0502020204030204" pitchFamily="34" charset="0"/>
+              </a:rPr>
+              <a:t>show collection</a:t>
+            </a:r>
+          </a:p>
+          <a:p>
+            <a:r>
+              <a:rPr lang="en-US" dirty="0">
+                <a:solidFill>
+                  <a:srgbClr val="049DC8"/>
+                </a:solidFill>
+                <a:latin typeface="Consolas" panose="020B0609020204030204" pitchFamily="49" charset="0"/>
+                <a:cs typeface="Calibri" panose="020F0502020204030204" pitchFamily="34" charset="0"/>
+              </a:rPr>
+              <a:t>db.getCollectionNames</a:t>
+            </a:r>
             <a:r>
               <a:rPr lang="en-US" dirty="0" smtClean="0">
                 <a:solidFill>
-                  <a:srgbClr val="C00000"/>
-                </a:solidFill>
-              </a:rPr>
-              <a:t>Projection</a:t>
+                  <a:srgbClr val="049DC8"/>
+                </a:solidFill>
+                <a:latin typeface="Consolas" panose="020B0609020204030204" pitchFamily="49" charset="0"/>
+                <a:cs typeface="Calibri" panose="020F0502020204030204" pitchFamily="34" charset="0"/>
+              </a:rPr>
+              <a:t>()</a:t>
             </a:r>
             <a:endParaRPr lang="en-US" dirty="0">
               <a:solidFill>
-                <a:srgbClr val="C00000"/>
+                <a:srgbClr val="049DC8"/>
               </a:solidFill>
+              <a:latin typeface="Consolas" panose="020B0609020204030204" pitchFamily="49" charset="0"/>
+              <a:cs typeface="Calibri" panose="020F0502020204030204" pitchFamily="34" charset="0"/>
             </a:endParaRPr>
           </a:p>
         </p:txBody>
       </p:sp>
       <p:sp>
         <p:nvSpPr>
-          <p:cNvPr id="13" name="Rectangle 12"/>
+          <p:cNvPr id="2" name="Rectangle 1"/>
           <p:cNvSpPr/>
           <p:nvPr/>
         </p:nvSpPr>
         <p:spPr>
           <a:xfrm>
-            <a:off x="178876" y="4625783"/>
-            <a:ext cx="5250155" cy="369332"/>
-          </a:xfrm>
-          <a:prstGeom prst="rect">
-            <a:avLst/>
-          </a:prstGeom>
-        </p:spPr>
-        <p:txBody>
-          <a:bodyPr wrap="none">
-            <a:spAutoFit/>
-          </a:bodyPr>
-          <a:lstStyle/>
-          <a:p>
-            <a:r>
-              <a:rPr lang="en-US" dirty="0">
-                <a:solidFill>
-                  <a:srgbClr val="049DC8"/>
-                </a:solidFill>
-                <a:latin typeface="Consolas" panose="020B0609020204030204" pitchFamily="49" charset="0"/>
-                <a:cs typeface="Calibri" panose="020F0502020204030204" pitchFamily="34" charset="0"/>
-              </a:rPr>
-              <a:t>{ field1: &lt;value&gt;, field2: &lt;value&gt; ... }</a:t>
-            </a:r>
-          </a:p>
-        </p:txBody>
-      </p:sp>
-      <p:sp>
-        <p:nvSpPr>
-          <p:cNvPr id="14" name="Rectangle 13"/>
-          <p:cNvSpPr/>
-          <p:nvPr/>
-        </p:nvSpPr>
-        <p:spPr>
-          <a:xfrm>
-            <a:off x="173928" y="5096470"/>
-            <a:ext cx="8820884" cy="923330"/>
+            <a:off x="149188" y="2438400"/>
+            <a:ext cx="8845624" cy="892552"/>
           </a:xfrm>
           <a:prstGeom prst="rect">
             <a:avLst/>
@@ -9711,106 +9590,46 @@
           </a:bodyPr>
           <a:lstStyle/>
           <a:p>
-            <a:pPr marL="285750" indent="-285750">
-              <a:lnSpc>
-                <a:spcPct val="150000"/>
-              </a:lnSpc>
-              <a:buFont typeface="Arial" panose="020B0604020202020204" pitchFamily="34" charset="0"/>
-              <a:buChar char="•"/>
-            </a:pPr>
-            <a:r>
-              <a:rPr lang="en-US" b="1" i="1" dirty="0">
-                <a:solidFill>
-                  <a:srgbClr val="036883"/>
-                </a:solidFill>
-              </a:rPr>
-              <a:t>1</a:t>
-            </a:r>
-            <a:r>
-              <a:rPr lang="en-US" dirty="0"/>
-              <a:t> or </a:t>
-            </a:r>
-            <a:r>
-              <a:rPr lang="en-US" b="1" i="1" dirty="0">
-                <a:solidFill>
-                  <a:srgbClr val="036883"/>
-                </a:solidFill>
-              </a:rPr>
-              <a:t>true</a:t>
-            </a:r>
-            <a:r>
-              <a:rPr lang="en-US" dirty="0"/>
-              <a:t> to include the field in the return documents.</a:t>
-            </a:r>
-          </a:p>
-          <a:p>
-            <a:pPr marL="285750" indent="-285750">
-              <a:lnSpc>
-                <a:spcPct val="150000"/>
-              </a:lnSpc>
-              <a:buFont typeface="Arial" panose="020B0604020202020204" pitchFamily="34" charset="0"/>
-              <a:buChar char="•"/>
-            </a:pPr>
-            <a:r>
-              <a:rPr lang="en-US" b="1" i="1" dirty="0">
-                <a:solidFill>
-                  <a:srgbClr val="036883"/>
-                </a:solidFill>
-              </a:rPr>
-              <a:t>0</a:t>
-            </a:r>
-            <a:r>
-              <a:rPr lang="en-US" dirty="0"/>
-              <a:t> or </a:t>
-            </a:r>
-            <a:r>
-              <a:rPr lang="en-US" b="1" i="1" dirty="0">
-                <a:solidFill>
-                  <a:srgbClr val="036883"/>
-                </a:solidFill>
-              </a:rPr>
-              <a:t>false</a:t>
-            </a:r>
-            <a:r>
-              <a:rPr lang="en-US" dirty="0"/>
-              <a:t> to exclude the field.</a:t>
-            </a:r>
-          </a:p>
-        </p:txBody>
-      </p:sp>
-      <p:sp>
-        <p:nvSpPr>
-          <p:cNvPr id="15" name="Rectangle 14"/>
-          <p:cNvSpPr/>
-          <p:nvPr/>
-        </p:nvSpPr>
-        <p:spPr>
-          <a:xfrm>
-            <a:off x="4888676" y="619526"/>
-            <a:ext cx="4219700" cy="877163"/>
-          </a:xfrm>
-          <a:prstGeom prst="rect">
-            <a:avLst/>
-          </a:prstGeom>
-          <a:solidFill>
-            <a:srgbClr val="90E183"/>
-          </a:solidFill>
-        </p:spPr>
-        <p:txBody>
-          <a:bodyPr wrap="square">
-            <a:spAutoFit/>
-          </a:bodyPr>
-          <a:lstStyle/>
-          <a:p>
-            <a:r>
-              <a:rPr lang="en-US" sz="1700" dirty="0">
-                <a:solidFill>
-                  <a:schemeClr val="bg2">
-                    <a:lumMod val="25000"/>
-                  </a:schemeClr>
-                </a:solidFill>
-              </a:rPr>
-              <a:t>A projection cannot contain both include and exclude specifications, except for the exclusion of the _id field. </a:t>
+            <a:r>
+              <a:rPr lang="en-US" sz="2200" dirty="0" smtClean="0">
+                <a:solidFill>
+                  <a:srgbClr val="FC6F0D"/>
+                </a:solidFill>
+                <a:latin typeface="Calibri" panose="020F0502020204030204" pitchFamily="34" charset="0"/>
+                <a:cs typeface="Calibri" panose="020F0502020204030204" pitchFamily="34" charset="0"/>
+              </a:rPr>
+              <a:t>show collection</a:t>
+            </a:r>
+          </a:p>
+          <a:p>
+            <a:endParaRPr lang="en-US" sz="800" dirty="0">
+              <a:solidFill>
+                <a:srgbClr val="FC6F0D"/>
+              </a:solidFill>
+              <a:latin typeface="Calibri" panose="020F0502020204030204" pitchFamily="34" charset="0"/>
+              <a:cs typeface="Calibri" panose="020F0502020204030204" pitchFamily="34" charset="0"/>
+            </a:endParaRPr>
+          </a:p>
+          <a:p>
+            <a:r>
+              <a:rPr lang="en-US" sz="2200" dirty="0" smtClean="0">
+                <a:solidFill>
+                  <a:srgbClr val="FC6F0D"/>
+                </a:solidFill>
+                <a:latin typeface="Calibri" panose="020F0502020204030204" pitchFamily="34" charset="0"/>
+                <a:cs typeface="Calibri" panose="020F0502020204030204" pitchFamily="34" charset="0"/>
+              </a:rPr>
+              <a:t>db.getCollectionNames</a:t>
+            </a:r>
+            <a:r>
+              <a:rPr lang="en-US" sz="2200" dirty="0">
+                <a:solidFill>
+                  <a:srgbClr val="FC6F0D"/>
+                </a:solidFill>
+                <a:latin typeface="Calibri" panose="020F0502020204030204" pitchFamily="34" charset="0"/>
+                <a:cs typeface="Calibri" panose="020F0502020204030204" pitchFamily="34" charset="0"/>
+              </a:rPr>
+              <a:t>();</a:t>
             </a:r>
           </a:p>
         </p:txBody>
@@ -9818,7 +9637,7 @@
     </p:spTree>
     <p:extLst>
       <p:ext uri="{BB962C8B-B14F-4D97-AF65-F5344CB8AC3E}">
-        <p14:creationId xmlns:p14="http://schemas.microsoft.com/office/powerpoint/2010/main" val="639887221"/>
+        <p14:creationId xmlns:p14="http://schemas.microsoft.com/office/powerpoint/2010/main" val="1066355711"/>
       </p:ext>
     </p:extLst>
   </p:cSld>
@@ -9854,21 +9673,69 @@
       </p:grpSpPr>
       <p:sp>
         <p:nvSpPr>
-          <p:cNvPr id="6" name="Rectangle 5"/>
+          <p:cNvPr id="2" name="Title 1"/>
+          <p:cNvSpPr txBox="1">
+            <a:spLocks/>
+          </p:cNvSpPr>
+          <p:nvPr/>
+        </p:nvSpPr>
+        <p:spPr>
+          <a:xfrm>
+            <a:off x="152400" y="2057400"/>
+            <a:ext cx="8839200" cy="838200"/>
+          </a:xfrm>
+          <a:prstGeom prst="rect">
+            <a:avLst/>
+          </a:prstGeom>
+        </p:spPr>
+        <p:txBody>
+          <a:bodyPr>
+            <a:noAutofit/>
+          </a:bodyPr>
+          <a:lstStyle>
+            <a:defPPr>
+              <a:defRPr lang="en-US"/>
+            </a:defPPr>
+            <a:lvl1pPr lvl="0" algn="ctr">
+              <a:spcBef>
+                <a:spcPct val="0"/>
+              </a:spcBef>
+              <a:defRPr sz="4800">
+                <a:solidFill>
+                  <a:srgbClr val="7EEEE3"/>
+                </a:solidFill>
+                <a:latin typeface="Segoe UI Light" panose="020B0502040204020203" pitchFamily="34" charset="0"/>
+                <a:cs typeface="Segoe UI Light" panose="020B0502040204020203" pitchFamily="34" charset="0"/>
+              </a:defRPr>
+            </a:lvl1pPr>
+          </a:lstStyle>
+          <a:p>
+            <a:r>
+              <a:rPr lang="en-IN" dirty="0" smtClean="0"/>
+              <a:t>db.collection.find()</a:t>
+            </a:r>
+            <a:endParaRPr lang="en-US" dirty="0"/>
+          </a:p>
+        </p:txBody>
+      </p:sp>
+      <p:sp>
+        <p:nvSpPr>
+          <p:cNvPr id="3" name="Rectangle 2"/>
           <p:cNvSpPr/>
           <p:nvPr/>
         </p:nvSpPr>
         <p:spPr>
           <a:xfrm>
-            <a:off x="0" y="0"/>
-            <a:ext cx="9144000" cy="584775"/>
+            <a:off x="419100" y="2861953"/>
+            <a:ext cx="8305800" cy="646331"/>
           </a:xfrm>
           <a:prstGeom prst="rect">
             <a:avLst/>
           </a:prstGeom>
           <a:solidFill>
-            <a:schemeClr val="accent4">
-              <a:lumMod val="75000"/>
+            <a:schemeClr val="accent6">
+              <a:lumMod val="20000"/>
+              <a:lumOff val="80000"/>
             </a:schemeClr>
           </a:solidFill>
         </p:spPr>
@@ -9878,435 +9745,23 @@
           </a:bodyPr>
           <a:lstStyle/>
           <a:p>
-            <a:pPr algn="r">
-              <a:spcBef>
-                <a:spcPct val="0"/>
-              </a:spcBef>
-            </a:pPr>
-            <a:r>
-              <a:rPr lang="en-IN" sz="3200" b="1" i="1" dirty="0" smtClean="0">
-                <a:solidFill>
-                  <a:srgbClr val="FFFF00"/>
-                </a:solidFill>
-                <a:latin typeface="Arial" pitchFamily="34" charset="0"/>
-                <a:cs typeface="Arial" pitchFamily="34" charset="0"/>
-              </a:rPr>
-              <a:t>db.collection.find()</a:t>
-            </a:r>
-            <a:r>
-              <a:rPr lang="en-IN" sz="3200" b="1" i="1" dirty="0">
-                <a:solidFill>
-                  <a:srgbClr val="FFFF00"/>
-                </a:solidFill>
-                <a:latin typeface="Arial" pitchFamily="34" charset="0"/>
-                <a:cs typeface="Arial" pitchFamily="34" charset="0"/>
-              </a:rPr>
-              <a:t> </a:t>
-            </a:r>
-          </a:p>
-        </p:txBody>
-      </p:sp>
-      <p:sp>
-        <p:nvSpPr>
-          <p:cNvPr id="7" name="Rectangle 6"/>
-          <p:cNvSpPr/>
-          <p:nvPr/>
-        </p:nvSpPr>
-        <p:spPr>
-          <a:xfrm>
-            <a:off x="149188" y="762000"/>
-            <a:ext cx="8845624" cy="369332"/>
-          </a:xfrm>
-          <a:prstGeom prst="rect">
-            <a:avLst/>
-          </a:prstGeom>
-        </p:spPr>
-        <p:txBody>
-          <a:bodyPr wrap="square">
-            <a:spAutoFit/>
-          </a:bodyPr>
-          <a:lstStyle/>
-          <a:p>
-            <a:r>
-              <a:rPr lang="en-US" dirty="0" smtClean="0"/>
-              <a:t>TODO</a:t>
-            </a:r>
-            <a:endParaRPr lang="en-IN" dirty="0"/>
-          </a:p>
-        </p:txBody>
-      </p:sp>
-      <p:sp>
-        <p:nvSpPr>
-          <p:cNvPr id="9" name="Rectangle 8"/>
-          <p:cNvSpPr/>
-          <p:nvPr/>
-        </p:nvSpPr>
-        <p:spPr>
-          <a:xfrm>
-            <a:off x="149188" y="2329696"/>
-            <a:ext cx="8845624" cy="3200876"/>
-          </a:xfrm>
-          <a:prstGeom prst="rect">
-            <a:avLst/>
-          </a:prstGeom>
-        </p:spPr>
-        <p:txBody>
-          <a:bodyPr wrap="square">
-            <a:spAutoFit/>
-          </a:bodyPr>
-          <a:lstStyle/>
-          <a:p>
-            <a:r>
-              <a:rPr lang="en-US" sz="2200" dirty="0">
-                <a:solidFill>
-                  <a:srgbClr val="FC6F0D"/>
-                </a:solidFill>
-                <a:latin typeface="Calibri" panose="020F0502020204030204" pitchFamily="34" charset="0"/>
-                <a:cs typeface="Calibri" panose="020F0502020204030204" pitchFamily="34" charset="0"/>
-              </a:rPr>
-              <a:t>db.emp.find</a:t>
-            </a:r>
-            <a:r>
-              <a:rPr lang="en-US" sz="2200" dirty="0" smtClean="0">
-                <a:solidFill>
-                  <a:srgbClr val="FC6F0D"/>
-                </a:solidFill>
-                <a:latin typeface="Calibri" panose="020F0502020204030204" pitchFamily="34" charset="0"/>
-                <a:cs typeface="Calibri" panose="020F0502020204030204" pitchFamily="34" charset="0"/>
-              </a:rPr>
-              <a:t>();</a:t>
-            </a:r>
-          </a:p>
-          <a:p>
-            <a:endParaRPr lang="en-US" sz="800" dirty="0" smtClean="0">
-              <a:solidFill>
-                <a:srgbClr val="FC6F0D"/>
-              </a:solidFill>
-              <a:latin typeface="Calibri" panose="020F0502020204030204" pitchFamily="34" charset="0"/>
-              <a:cs typeface="Calibri" panose="020F0502020204030204" pitchFamily="34" charset="0"/>
-            </a:endParaRPr>
-          </a:p>
-          <a:p>
-            <a:r>
-              <a:rPr lang="en-US" sz="2200" dirty="0">
-                <a:solidFill>
-                  <a:srgbClr val="FC6F0D"/>
-                </a:solidFill>
-                <a:latin typeface="Calibri" panose="020F0502020204030204" pitchFamily="34" charset="0"/>
-                <a:cs typeface="Calibri" panose="020F0502020204030204" pitchFamily="34" charset="0"/>
-              </a:rPr>
-              <a:t>db ['emp'].find </a:t>
-            </a:r>
-            <a:r>
-              <a:rPr lang="en-US" sz="2200" dirty="0" smtClean="0">
-                <a:solidFill>
-                  <a:srgbClr val="FC6F0D"/>
-                </a:solidFill>
-                <a:latin typeface="Calibri" panose="020F0502020204030204" pitchFamily="34" charset="0"/>
-                <a:cs typeface="Calibri" panose="020F0502020204030204" pitchFamily="34" charset="0"/>
-              </a:rPr>
-              <a:t>()</a:t>
-            </a:r>
-          </a:p>
-          <a:p>
-            <a:endParaRPr lang="en-US" sz="800" dirty="0">
-              <a:solidFill>
-                <a:srgbClr val="FC6F0D"/>
-              </a:solidFill>
-              <a:latin typeface="Calibri" panose="020F0502020204030204" pitchFamily="34" charset="0"/>
-              <a:cs typeface="Calibri" panose="020F0502020204030204" pitchFamily="34" charset="0"/>
-            </a:endParaRPr>
-          </a:p>
-          <a:p>
-            <a:r>
-              <a:rPr lang="en-US" sz="2200" dirty="0">
-                <a:solidFill>
-                  <a:srgbClr val="FC6F0D"/>
-                </a:solidFill>
-                <a:latin typeface="Calibri" panose="020F0502020204030204" pitchFamily="34" charset="0"/>
-                <a:cs typeface="Calibri" panose="020F0502020204030204" pitchFamily="34" charset="0"/>
-              </a:rPr>
-              <a:t>db.emp.find</a:t>
-            </a:r>
-            <a:r>
-              <a:rPr lang="en-US" sz="2200" dirty="0" smtClean="0">
-                <a:solidFill>
-                  <a:srgbClr val="FC6F0D"/>
-                </a:solidFill>
-                <a:latin typeface="Calibri" panose="020F0502020204030204" pitchFamily="34" charset="0"/>
-                <a:cs typeface="Calibri" panose="020F0502020204030204" pitchFamily="34" charset="0"/>
-              </a:rPr>
-              <a:t>({job: 'manager'})</a:t>
-            </a:r>
-          </a:p>
-          <a:p>
-            <a:endParaRPr lang="en-US" sz="800" dirty="0" smtClean="0">
-              <a:solidFill>
-                <a:srgbClr val="FC6F0D"/>
-              </a:solidFill>
-              <a:latin typeface="Calibri" panose="020F0502020204030204" pitchFamily="34" charset="0"/>
-              <a:cs typeface="Calibri" panose="020F0502020204030204" pitchFamily="34" charset="0"/>
-            </a:endParaRPr>
-          </a:p>
-          <a:p>
-            <a:r>
-              <a:rPr lang="en-US" sz="2200" dirty="0">
-                <a:solidFill>
-                  <a:srgbClr val="FC6F0D"/>
-                </a:solidFill>
-                <a:latin typeface="Calibri" panose="020F0502020204030204" pitchFamily="34" charset="0"/>
-                <a:cs typeface="Calibri" panose="020F0502020204030204" pitchFamily="34" charset="0"/>
-              </a:rPr>
-              <a:t>db.emp.find({}, </a:t>
-            </a:r>
-            <a:r>
-              <a:rPr lang="en-US" sz="2200" dirty="0" smtClean="0">
-                <a:solidFill>
-                  <a:srgbClr val="FC6F0D"/>
-                </a:solidFill>
-                <a:latin typeface="Calibri" panose="020F0502020204030204" pitchFamily="34" charset="0"/>
-                <a:cs typeface="Calibri" panose="020F0502020204030204" pitchFamily="34" charset="0"/>
-              </a:rPr>
-              <a:t>{ename:1</a:t>
-            </a:r>
-            <a:r>
-              <a:rPr lang="en-US" sz="2200" dirty="0">
-                <a:solidFill>
-                  <a:srgbClr val="FC6F0D"/>
-                </a:solidFill>
-                <a:latin typeface="Calibri" panose="020F0502020204030204" pitchFamily="34" charset="0"/>
-                <a:cs typeface="Calibri" panose="020F0502020204030204" pitchFamily="34" charset="0"/>
-              </a:rPr>
-              <a:t>, </a:t>
-            </a:r>
-            <a:r>
-              <a:rPr lang="en-US" sz="2200" dirty="0" smtClean="0">
-                <a:solidFill>
-                  <a:srgbClr val="FC6F0D"/>
-                </a:solidFill>
-                <a:latin typeface="Calibri" panose="020F0502020204030204" pitchFamily="34" charset="0"/>
-                <a:cs typeface="Calibri" panose="020F0502020204030204" pitchFamily="34" charset="0"/>
-              </a:rPr>
-              <a:t>job: true});</a:t>
-            </a:r>
-          </a:p>
-          <a:p>
-            <a:endParaRPr lang="en-US" sz="800" dirty="0" smtClean="0">
-              <a:solidFill>
-                <a:srgbClr val="FC6F0D"/>
-              </a:solidFill>
-              <a:latin typeface="Calibri" panose="020F0502020204030204" pitchFamily="34" charset="0"/>
-              <a:cs typeface="Calibri" panose="020F0502020204030204" pitchFamily="34" charset="0"/>
-            </a:endParaRPr>
-          </a:p>
-          <a:p>
-            <a:r>
-              <a:rPr lang="en-US" sz="2200" dirty="0">
-                <a:solidFill>
-                  <a:srgbClr val="FC6F0D"/>
-                </a:solidFill>
-                <a:latin typeface="Calibri" panose="020F0502020204030204" pitchFamily="34" charset="0"/>
-                <a:cs typeface="Calibri" panose="020F0502020204030204" pitchFamily="34" charset="0"/>
-              </a:rPr>
-              <a:t>db.collection.find</a:t>
-            </a:r>
-            <a:r>
-              <a:rPr lang="en-US" sz="2200" dirty="0" smtClean="0">
-                <a:solidFill>
-                  <a:srgbClr val="FC6F0D"/>
-                </a:solidFill>
-                <a:latin typeface="Calibri" panose="020F0502020204030204" pitchFamily="34" charset="0"/>
-                <a:cs typeface="Calibri" panose="020F0502020204030204" pitchFamily="34" charset="0"/>
-              </a:rPr>
-              <a:t>({sal:{ </a:t>
-            </a:r>
-            <a:r>
-              <a:rPr lang="en-US" sz="2200" dirty="0">
-                <a:solidFill>
-                  <a:srgbClr val="FC6F0D"/>
-                </a:solidFill>
-                <a:latin typeface="Calibri" panose="020F0502020204030204" pitchFamily="34" charset="0"/>
-                <a:cs typeface="Calibri" panose="020F0502020204030204" pitchFamily="34" charset="0"/>
-              </a:rPr>
-              <a:t>$</a:t>
-            </a:r>
-            <a:r>
-              <a:rPr lang="en-US" sz="2200" dirty="0" smtClean="0">
-                <a:solidFill>
-                  <a:srgbClr val="FC6F0D"/>
-                </a:solidFill>
-                <a:latin typeface="Calibri" panose="020F0502020204030204" pitchFamily="34" charset="0"/>
-                <a:cs typeface="Calibri" panose="020F0502020204030204" pitchFamily="34" charset="0"/>
-              </a:rPr>
-              <a:t>gt:4}})</a:t>
-            </a:r>
-          </a:p>
-          <a:p>
-            <a:endParaRPr lang="en-US" sz="800" dirty="0">
-              <a:solidFill>
-                <a:srgbClr val="FC6F0D"/>
-              </a:solidFill>
-              <a:latin typeface="Calibri" panose="020F0502020204030204" pitchFamily="34" charset="0"/>
-              <a:cs typeface="Calibri" panose="020F0502020204030204" pitchFamily="34" charset="0"/>
-            </a:endParaRPr>
-          </a:p>
-          <a:p>
-            <a:r>
-              <a:rPr lang="en-US" sz="2200" dirty="0" smtClean="0">
-                <a:solidFill>
-                  <a:srgbClr val="FC6F0D"/>
-                </a:solidFill>
-                <a:latin typeface="Calibri" panose="020F0502020204030204" pitchFamily="34" charset="0"/>
-                <a:cs typeface="Calibri" panose="020F0502020204030204" pitchFamily="34" charset="0"/>
-              </a:rPr>
-              <a:t>db.emp.find</a:t>
-            </a:r>
-            <a:r>
-              <a:rPr lang="en-US" sz="2200" dirty="0">
-                <a:solidFill>
-                  <a:srgbClr val="FC6F0D"/>
-                </a:solidFill>
-                <a:latin typeface="Calibri" panose="020F0502020204030204" pitchFamily="34" charset="0"/>
-                <a:cs typeface="Calibri" panose="020F0502020204030204" pitchFamily="34" charset="0"/>
-              </a:rPr>
-              <a:t>({job:'manager</a:t>
-            </a:r>
-            <a:r>
-              <a:rPr lang="en-US" sz="2200" dirty="0" smtClean="0">
-                <a:solidFill>
-                  <a:srgbClr val="FC6F0D"/>
-                </a:solidFill>
-                <a:latin typeface="Calibri" panose="020F0502020204030204" pitchFamily="34" charset="0"/>
-                <a:cs typeface="Calibri" panose="020F0502020204030204" pitchFamily="34" charset="0"/>
-              </a:rPr>
-              <a:t>'}, {</a:t>
-            </a:r>
-            <a:r>
-              <a:rPr lang="en-US" sz="2200" dirty="0">
-                <a:solidFill>
-                  <a:srgbClr val="FC6F0D"/>
-                </a:solidFill>
-                <a:latin typeface="Calibri" panose="020F0502020204030204" pitchFamily="34" charset="0"/>
-                <a:cs typeface="Calibri" panose="020F0502020204030204" pitchFamily="34" charset="0"/>
-              </a:rPr>
-              <a:t>ename:true, job:true</a:t>
-            </a:r>
-            <a:r>
-              <a:rPr lang="en-US" sz="2200" dirty="0" smtClean="0">
-                <a:solidFill>
-                  <a:srgbClr val="FC6F0D"/>
-                </a:solidFill>
-                <a:latin typeface="Calibri" panose="020F0502020204030204" pitchFamily="34" charset="0"/>
-                <a:cs typeface="Calibri" panose="020F0502020204030204" pitchFamily="34" charset="0"/>
-              </a:rPr>
-              <a:t>})</a:t>
-            </a:r>
-          </a:p>
-          <a:p>
-            <a:endParaRPr lang="en-US" sz="800" dirty="0" smtClean="0">
-              <a:solidFill>
-                <a:srgbClr val="FC6F0D"/>
-              </a:solidFill>
-              <a:latin typeface="Calibri" panose="020F0502020204030204" pitchFamily="34" charset="0"/>
-              <a:cs typeface="Calibri" panose="020F0502020204030204" pitchFamily="34" charset="0"/>
-            </a:endParaRPr>
-          </a:p>
-          <a:p>
-            <a:r>
-              <a:rPr lang="en-US" sz="2200" dirty="0" smtClean="0">
-                <a:solidFill>
-                  <a:srgbClr val="FC6F0D"/>
-                </a:solidFill>
-                <a:latin typeface="Calibri" panose="020F0502020204030204" pitchFamily="34" charset="0"/>
-                <a:cs typeface="Calibri" panose="020F0502020204030204" pitchFamily="34" charset="0"/>
-              </a:rPr>
-              <a:t>db.emp.find</a:t>
-            </a:r>
-            <a:r>
-              <a:rPr lang="en-US" sz="2200" dirty="0">
-                <a:solidFill>
-                  <a:srgbClr val="FC6F0D"/>
-                </a:solidFill>
-                <a:latin typeface="Calibri" panose="020F0502020204030204" pitchFamily="34" charset="0"/>
-                <a:cs typeface="Calibri" panose="020F0502020204030204" pitchFamily="34" charset="0"/>
-              </a:rPr>
-              <a:t>({job:'manager'}, </a:t>
-            </a:r>
-            <a:r>
-              <a:rPr lang="en-US" sz="2200" dirty="0" smtClean="0">
-                <a:solidFill>
-                  <a:srgbClr val="FC6F0D"/>
-                </a:solidFill>
-                <a:latin typeface="Calibri" panose="020F0502020204030204" pitchFamily="34" charset="0"/>
-                <a:cs typeface="Calibri" panose="020F0502020204030204" pitchFamily="34" charset="0"/>
-              </a:rPr>
-              <a:t>{_id:false, ename:true</a:t>
-            </a:r>
-            <a:r>
-              <a:rPr lang="en-US" sz="2200" dirty="0">
-                <a:solidFill>
-                  <a:srgbClr val="FC6F0D"/>
-                </a:solidFill>
-                <a:latin typeface="Calibri" panose="020F0502020204030204" pitchFamily="34" charset="0"/>
-                <a:cs typeface="Calibri" panose="020F0502020204030204" pitchFamily="34" charset="0"/>
-              </a:rPr>
-              <a:t>, job:true</a:t>
-            </a:r>
-            <a:r>
-              <a:rPr lang="en-US" sz="2200" dirty="0" smtClean="0">
-                <a:solidFill>
-                  <a:srgbClr val="FC6F0D"/>
-                </a:solidFill>
-                <a:latin typeface="Calibri" panose="020F0502020204030204" pitchFamily="34" charset="0"/>
-                <a:cs typeface="Calibri" panose="020F0502020204030204" pitchFamily="34" charset="0"/>
-              </a:rPr>
-              <a:t>})</a:t>
-            </a:r>
-          </a:p>
-        </p:txBody>
-      </p:sp>
-      <p:sp>
-        <p:nvSpPr>
-          <p:cNvPr id="8" name="Rectangle 7"/>
-          <p:cNvSpPr/>
-          <p:nvPr/>
-        </p:nvSpPr>
-        <p:spPr>
-          <a:xfrm>
-            <a:off x="154136" y="1563469"/>
-            <a:ext cx="4870244" cy="646331"/>
-          </a:xfrm>
-          <a:prstGeom prst="rect">
-            <a:avLst/>
-          </a:prstGeom>
-        </p:spPr>
-        <p:txBody>
-          <a:bodyPr wrap="none">
-            <a:spAutoFit/>
-          </a:bodyPr>
-          <a:lstStyle/>
-          <a:p>
             <a:r>
               <a:rPr lang="en-US" dirty="0">
                 <a:solidFill>
-                  <a:srgbClr val="049DC8"/>
-                </a:solidFill>
-                <a:latin typeface="Consolas" panose="020B0609020204030204" pitchFamily="49" charset="0"/>
-                <a:cs typeface="Calibri" panose="020F0502020204030204" pitchFamily="34" charset="0"/>
-              </a:rPr>
-              <a:t>db ['emp'].find (query, projection) </a:t>
-            </a:r>
-          </a:p>
-          <a:p>
-            <a:r>
-              <a:rPr lang="en-US" dirty="0">
-                <a:solidFill>
-                  <a:srgbClr val="049DC8"/>
-                </a:solidFill>
-                <a:latin typeface="Consolas" panose="020B0609020204030204" pitchFamily="49" charset="0"/>
-                <a:cs typeface="Calibri" panose="020F0502020204030204" pitchFamily="34" charset="0"/>
-              </a:rPr>
-              <a:t>db.collection.find(query, projection)</a:t>
+                  <a:srgbClr val="222222"/>
+                </a:solidFill>
+                <a:latin typeface="arial" panose="020B0604020202020204" pitchFamily="34" charset="0"/>
+              </a:rPr>
+              <a:t>The find() method always returns the _id field unless you specify _id: 0 to suppress the field</a:t>
+            </a:r>
+            <a:r>
+              <a:rPr lang="en-US" dirty="0" smtClean="0">
+                <a:solidFill>
+                  <a:srgbClr val="222222"/>
+                </a:solidFill>
+                <a:latin typeface="arial" panose="020B0604020202020204" pitchFamily="34" charset="0"/>
+              </a:rPr>
+              <a:t>.</a:t>
             </a:r>
           </a:p>
         </p:txBody>
@@ -10314,13 +9769,21 @@
     </p:spTree>
     <p:extLst>
       <p:ext uri="{BB962C8B-B14F-4D97-AF65-F5344CB8AC3E}">
-        <p14:creationId xmlns:p14="http://schemas.microsoft.com/office/powerpoint/2010/main" val="635217269"/>
+        <p14:creationId xmlns:p14="http://schemas.microsoft.com/office/powerpoint/2010/main" val="3237465807"/>
       </p:ext>
     </p:extLst>
   </p:cSld>
   <p:clrMapOvr>
     <a:masterClrMapping/>
   </p:clrMapOvr>
+  <mc:AlternateContent xmlns:mc="http://schemas.openxmlformats.org/markup-compatibility/2006" xmlns:p14="http://schemas.microsoft.com/office/powerpoint/2010/main">
+    <mc:Choice Requires="p14">
+      <p:transition spd="slow" p14:dur="2000"/>
+    </mc:Choice>
+    <mc:Fallback xmlns="">
+      <p:transition spd="slow"/>
+    </mc:Fallback>
+  </mc:AlternateContent>
   <p:timing>
     <p:tnLst>
       <p:par>
@@ -10387,7 +9850,7 @@
                 <a:latin typeface="Arial" pitchFamily="34" charset="0"/>
                 <a:cs typeface="Arial" pitchFamily="34" charset="0"/>
               </a:rPr>
-              <a:t>db.collection.find()[&lt;index_number&gt;]</a:t>
+              <a:t>db.collection.find()</a:t>
             </a:r>
             <a:r>
               <a:rPr lang="en-IN" sz="3200" b="1" i="1" dirty="0">
@@ -10433,121 +9896,35 @@
       </p:sp>
       <p:sp>
         <p:nvSpPr>
-          <p:cNvPr id="9" name="Rectangle 8"/>
+          <p:cNvPr id="4" name="Rectangle 3"/>
           <p:cNvSpPr/>
           <p:nvPr/>
         </p:nvSpPr>
         <p:spPr>
           <a:xfrm>
-            <a:off x="149188" y="2650240"/>
-            <a:ext cx="8845624" cy="1354217"/>
-          </a:xfrm>
-          <a:prstGeom prst="rect">
-            <a:avLst/>
-          </a:prstGeom>
-        </p:spPr>
-        <p:txBody>
-          <a:bodyPr wrap="square">
+            <a:off x="154136" y="1563469"/>
+            <a:ext cx="6516528" cy="923330"/>
+          </a:xfrm>
+          <a:prstGeom prst="rect">
+            <a:avLst/>
+          </a:prstGeom>
+        </p:spPr>
+        <p:txBody>
+          <a:bodyPr wrap="none">
             <a:spAutoFit/>
           </a:bodyPr>
           <a:lstStyle/>
           <a:p>
             <a:r>
-              <a:rPr lang="en-US" sz="2200" dirty="0">
-                <a:solidFill>
-                  <a:srgbClr val="FC6F0D"/>
-                </a:solidFill>
-                <a:latin typeface="Calibri" panose="020F0502020204030204" pitchFamily="34" charset="0"/>
-                <a:cs typeface="Calibri" panose="020F0502020204030204" pitchFamily="34" charset="0"/>
-              </a:rPr>
-              <a:t>db.emp.find</a:t>
-            </a:r>
-            <a:r>
-              <a:rPr lang="en-US" sz="2200" dirty="0" smtClean="0">
-                <a:solidFill>
-                  <a:srgbClr val="FC6F0D"/>
-                </a:solidFill>
-                <a:latin typeface="Calibri" panose="020F0502020204030204" pitchFamily="34" charset="0"/>
-                <a:cs typeface="Calibri" panose="020F0502020204030204" pitchFamily="34" charset="0"/>
-              </a:rPr>
-              <a:t>()[0];</a:t>
-            </a:r>
-          </a:p>
-          <a:p>
-            <a:endParaRPr lang="en-US" sz="800" dirty="0" smtClean="0">
-              <a:solidFill>
-                <a:srgbClr val="FC6F0D"/>
-              </a:solidFill>
-              <a:latin typeface="Calibri" panose="020F0502020204030204" pitchFamily="34" charset="0"/>
-              <a:cs typeface="Calibri" panose="020F0502020204030204" pitchFamily="34" charset="0"/>
-            </a:endParaRPr>
-          </a:p>
-          <a:p>
-            <a:r>
-              <a:rPr lang="en-US" sz="2200" dirty="0">
-                <a:solidFill>
-                  <a:srgbClr val="FC6F0D"/>
-                </a:solidFill>
-                <a:latin typeface="Calibri" panose="020F0502020204030204" pitchFamily="34" charset="0"/>
-                <a:cs typeface="Calibri" panose="020F0502020204030204" pitchFamily="34" charset="0"/>
-              </a:rPr>
-              <a:t>db.emp.find()[0</a:t>
-            </a:r>
-            <a:r>
-              <a:rPr lang="en-US" sz="2200" dirty="0" smtClean="0">
-                <a:solidFill>
-                  <a:srgbClr val="FC6F0D"/>
-                </a:solidFill>
-                <a:latin typeface="Calibri" panose="020F0502020204030204" pitchFamily="34" charset="0"/>
-                <a:cs typeface="Calibri" panose="020F0502020204030204" pitchFamily="34" charset="0"/>
-              </a:rPr>
-              <a:t>].ename;</a:t>
-            </a:r>
-          </a:p>
-          <a:p>
-            <a:endParaRPr lang="en-US" sz="800" dirty="0" smtClean="0">
-              <a:solidFill>
-                <a:srgbClr val="FC6F0D"/>
-              </a:solidFill>
-              <a:latin typeface="Calibri" panose="020F0502020204030204" pitchFamily="34" charset="0"/>
-              <a:cs typeface="Calibri" panose="020F0502020204030204" pitchFamily="34" charset="0"/>
-            </a:endParaRPr>
-          </a:p>
-          <a:p>
-            <a:r>
-              <a:rPr lang="en-US" sz="2200" dirty="0">
-                <a:solidFill>
-                  <a:srgbClr val="FC6F0D"/>
-                </a:solidFill>
-                <a:latin typeface="Calibri" panose="020F0502020204030204" pitchFamily="34" charset="0"/>
-                <a:cs typeface="Calibri" panose="020F0502020204030204" pitchFamily="34" charset="0"/>
-              </a:rPr>
-              <a:t>db.emp.find()[db.emp.find().count()-1]</a:t>
-            </a:r>
-          </a:p>
-        </p:txBody>
-      </p:sp>
-      <p:sp>
-        <p:nvSpPr>
-          <p:cNvPr id="8" name="Rectangle 7"/>
-          <p:cNvSpPr/>
-          <p:nvPr/>
-        </p:nvSpPr>
-        <p:spPr>
-          <a:xfrm>
-            <a:off x="149188" y="1563469"/>
-            <a:ext cx="8845624" cy="923330"/>
-          </a:xfrm>
-          <a:prstGeom prst="rect">
-            <a:avLst/>
-          </a:prstGeom>
-        </p:spPr>
-        <p:txBody>
-          <a:bodyPr wrap="square">
-            <a:spAutoFit/>
-          </a:bodyPr>
-          <a:lstStyle/>
-          <a:p>
+              <a:rPr lang="en-US" dirty="0" smtClean="0">
+                <a:solidFill>
+                  <a:srgbClr val="049DC8"/>
+                </a:solidFill>
+                <a:latin typeface="Consolas" panose="020B0609020204030204" pitchFamily="49" charset="0"/>
+                <a:cs typeface="Calibri" panose="020F0502020204030204" pitchFamily="34" charset="0"/>
+              </a:rPr>
+              <a:t>db </a:t>
+            </a:r>
             <a:r>
               <a:rPr lang="en-US" dirty="0">
                 <a:solidFill>
@@ -10556,7 +9933,39 @@
                 <a:latin typeface="Consolas" panose="020B0609020204030204" pitchFamily="49" charset="0"/>
                 <a:cs typeface="Calibri" panose="020F0502020204030204" pitchFamily="34" charset="0"/>
               </a:rPr>
-              <a:t>db ['emp'].find (query, projection</a:t>
+              <a:t>[</a:t>
+            </a:r>
+            <a:r>
+              <a:rPr lang="en-US" dirty="0">
+                <a:solidFill>
+                  <a:srgbClr val="049DC8"/>
+                </a:solidFill>
+                <a:latin typeface="Consolas" panose="020B0609020204030204" pitchFamily="49" charset="0"/>
+                <a:cs typeface="Calibri" panose="020F0502020204030204" pitchFamily="34" charset="0"/>
+              </a:rPr>
+              <a:t>'collection'].</a:t>
+            </a:r>
+            <a:r>
+              <a:rPr lang="en-US" dirty="0">
+                <a:solidFill>
+                  <a:srgbClr val="049DC8"/>
+                </a:solidFill>
+                <a:latin typeface="Consolas" panose="020B0609020204030204" pitchFamily="49" charset="0"/>
+                <a:cs typeface="Calibri" panose="020F0502020204030204" pitchFamily="34" charset="0"/>
+              </a:rPr>
+              <a:t>find (query, projection) </a:t>
+            </a:r>
+          </a:p>
+          <a:p>
+            <a:r>
+              <a:rPr lang="en-US" dirty="0">
+                <a:solidFill>
+                  <a:srgbClr val="049DC8"/>
+                </a:solidFill>
+                <a:latin typeface="Consolas" panose="020B0609020204030204" pitchFamily="49" charset="0"/>
+                <a:cs typeface="Calibri" panose="020F0502020204030204" pitchFamily="34" charset="0"/>
+              </a:rPr>
+              <a:t>db.collection.find(query, projection</a:t>
             </a:r>
             <a:r>
               <a:rPr lang="en-US" dirty="0" smtClean="0">
@@ -10566,7 +9975,29 @@
                 <a:latin typeface="Consolas" panose="020B0609020204030204" pitchFamily="49" charset="0"/>
                 <a:cs typeface="Calibri" panose="020F0502020204030204" pitchFamily="34" charset="0"/>
               </a:rPr>
-              <a:t>)[&lt;document_index_number&gt;[.field] ]</a:t>
+              <a:t>)</a:t>
+            </a:r>
+          </a:p>
+          <a:p>
+            <a:r>
+              <a:rPr lang="en-US" dirty="0">
+                <a:solidFill>
+                  <a:srgbClr val="049DC8"/>
+                </a:solidFill>
+                <a:latin typeface="Consolas" panose="020B0609020204030204" pitchFamily="49" charset="0"/>
+                <a:cs typeface="Calibri" panose="020F0502020204030204" pitchFamily="34" charset="0"/>
+              </a:rPr>
+              <a:t>db.getCollection('name') .find (query, projection</a:t>
+            </a:r>
+            <a:r>
+              <a:rPr lang="en-US" dirty="0" smtClean="0">
+                <a:solidFill>
+                  <a:srgbClr val="049DC8"/>
+                </a:solidFill>
+                <a:latin typeface="Consolas" panose="020B0609020204030204" pitchFamily="49" charset="0"/>
+                <a:cs typeface="Calibri" panose="020F0502020204030204" pitchFamily="34" charset="0"/>
+              </a:rPr>
+              <a:t>)</a:t>
             </a:r>
             <a:endParaRPr lang="en-US" dirty="0">
               <a:solidFill>
@@ -10576,61 +10007,269 @@
               <a:cs typeface="Calibri" panose="020F0502020204030204" pitchFamily="34" charset="0"/>
             </a:endParaRPr>
           </a:p>
-          <a:p>
-            <a:r>
-              <a:rPr lang="en-US" dirty="0">
-                <a:solidFill>
-                  <a:srgbClr val="049DC8"/>
-                </a:solidFill>
-                <a:latin typeface="Consolas" panose="020B0609020204030204" pitchFamily="49" charset="0"/>
-                <a:cs typeface="Calibri" panose="020F0502020204030204" pitchFamily="34" charset="0"/>
-              </a:rPr>
-              <a:t>db.collection.find(query, projection) [&lt;document_index_number</a:t>
-            </a:r>
+        </p:txBody>
+      </p:sp>
+      <p:sp>
+        <p:nvSpPr>
+          <p:cNvPr id="8" name="Rectangle 7"/>
+          <p:cNvSpPr/>
+          <p:nvPr/>
+        </p:nvSpPr>
+        <p:spPr>
+          <a:xfrm>
+            <a:off x="178876" y="2535217"/>
+            <a:ext cx="8845624" cy="1477328"/>
+          </a:xfrm>
+          <a:prstGeom prst="rect">
+            <a:avLst/>
+          </a:prstGeom>
+        </p:spPr>
+        <p:txBody>
+          <a:bodyPr wrap="square">
+            <a:spAutoFit/>
+          </a:bodyPr>
+          <a:lstStyle/>
+          <a:p>
+            <a:r>
+              <a:rPr lang="en-US" b="1" i="1" dirty="0">
+                <a:solidFill>
+                  <a:srgbClr val="036883"/>
+                </a:solidFill>
+              </a:rPr>
+              <a:t>query</a:t>
+            </a:r>
+            <a:r>
+              <a:rPr lang="en-US" dirty="0" smtClean="0"/>
+              <a:t>: Specifies </a:t>
+            </a:r>
+            <a:r>
+              <a:rPr lang="en-US" dirty="0"/>
+              <a:t>selection filter using query operators. To return all documents in a collection, omit this parameter or pass an empty document ({}).</a:t>
+            </a:r>
+          </a:p>
+          <a:p>
+            <a:endParaRPr lang="en-US" dirty="0"/>
+          </a:p>
+          <a:p>
+            <a:r>
+              <a:rPr lang="en-US" b="1" i="1" dirty="0">
+                <a:solidFill>
+                  <a:srgbClr val="036883"/>
+                </a:solidFill>
+              </a:rPr>
+              <a:t>projection</a:t>
+            </a:r>
+            <a:r>
+              <a:rPr lang="en-US" dirty="0" smtClean="0"/>
+              <a:t>: Specifies </a:t>
+            </a:r>
+            <a:r>
+              <a:rPr lang="en-US" dirty="0"/>
+              <a:t>the fields to return in the documents that match the query filter. To return all fields in the matching documents, omit this parameter.</a:t>
+            </a:r>
+          </a:p>
+        </p:txBody>
+      </p:sp>
+      <p:sp>
+        <p:nvSpPr>
+          <p:cNvPr id="12" name="Rectangle 11"/>
+          <p:cNvSpPr/>
+          <p:nvPr/>
+        </p:nvSpPr>
+        <p:spPr>
+          <a:xfrm>
+            <a:off x="178876" y="4226831"/>
+            <a:ext cx="1210588" cy="369332"/>
+          </a:xfrm>
+          <a:prstGeom prst="rect">
+            <a:avLst/>
+          </a:prstGeom>
+        </p:spPr>
+        <p:txBody>
+          <a:bodyPr wrap="none">
+            <a:spAutoFit/>
+          </a:bodyPr>
+          <a:lstStyle/>
+          <a:p>
             <a:r>
               <a:rPr lang="en-US" dirty="0" smtClean="0">
                 <a:solidFill>
-                  <a:srgbClr val="049DC8"/>
-                </a:solidFill>
-                <a:latin typeface="Consolas" panose="020B0609020204030204" pitchFamily="49" charset="0"/>
-                <a:cs typeface="Calibri" panose="020F0502020204030204" pitchFamily="34" charset="0"/>
-              </a:rPr>
-              <a:t>&gt; [.</a:t>
-            </a:r>
-            <a:r>
-              <a:rPr lang="en-US" dirty="0">
-                <a:solidFill>
-                  <a:srgbClr val="049DC8"/>
-                </a:solidFill>
-                <a:latin typeface="Consolas" panose="020B0609020204030204" pitchFamily="49" charset="0"/>
-                <a:cs typeface="Calibri" panose="020F0502020204030204" pitchFamily="34" charset="0"/>
-              </a:rPr>
-              <a:t>field</a:t>
-            </a:r>
-            <a:r>
-              <a:rPr lang="en-US" dirty="0" smtClean="0">
-                <a:solidFill>
-                  <a:srgbClr val="049DC8"/>
-                </a:solidFill>
-                <a:latin typeface="Consolas" panose="020B0609020204030204" pitchFamily="49" charset="0"/>
-                <a:cs typeface="Calibri" panose="020F0502020204030204" pitchFamily="34" charset="0"/>
-              </a:rPr>
-              <a:t>] ]</a:t>
+                  <a:srgbClr val="C00000"/>
+                </a:solidFill>
+              </a:rPr>
+              <a:t>Projection</a:t>
             </a:r>
             <a:endParaRPr lang="en-US" dirty="0">
               <a:solidFill>
-                <a:srgbClr val="049DC8"/>
+                <a:srgbClr val="C00000"/>
               </a:solidFill>
-              <a:latin typeface="Consolas" panose="020B0609020204030204" pitchFamily="49" charset="0"/>
-              <a:cs typeface="Calibri" panose="020F0502020204030204" pitchFamily="34" charset="0"/>
             </a:endParaRPr>
+          </a:p>
+        </p:txBody>
+      </p:sp>
+      <p:sp>
+        <p:nvSpPr>
+          <p:cNvPr id="13" name="Rectangle 12"/>
+          <p:cNvSpPr/>
+          <p:nvPr/>
+        </p:nvSpPr>
+        <p:spPr>
+          <a:xfrm>
+            <a:off x="178876" y="4625783"/>
+            <a:ext cx="5250155" cy="369332"/>
+          </a:xfrm>
+          <a:prstGeom prst="rect">
+            <a:avLst/>
+          </a:prstGeom>
+        </p:spPr>
+        <p:txBody>
+          <a:bodyPr wrap="none">
+            <a:spAutoFit/>
+          </a:bodyPr>
+          <a:lstStyle/>
+          <a:p>
+            <a:r>
+              <a:rPr lang="en-US" dirty="0">
+                <a:solidFill>
+                  <a:srgbClr val="049DC8"/>
+                </a:solidFill>
+                <a:latin typeface="Consolas" panose="020B0609020204030204" pitchFamily="49" charset="0"/>
+                <a:cs typeface="Calibri" panose="020F0502020204030204" pitchFamily="34" charset="0"/>
+              </a:rPr>
+              <a:t>{ field1: &lt;value&gt;, field2: &lt;value&gt; ... }</a:t>
+            </a:r>
+          </a:p>
+        </p:txBody>
+      </p:sp>
+      <p:sp>
+        <p:nvSpPr>
+          <p:cNvPr id="14" name="Rectangle 13"/>
+          <p:cNvSpPr/>
+          <p:nvPr/>
+        </p:nvSpPr>
+        <p:spPr>
+          <a:xfrm>
+            <a:off x="173928" y="5096470"/>
+            <a:ext cx="8820884" cy="923330"/>
+          </a:xfrm>
+          <a:prstGeom prst="rect">
+            <a:avLst/>
+          </a:prstGeom>
+        </p:spPr>
+        <p:txBody>
+          <a:bodyPr wrap="square">
+            <a:spAutoFit/>
+          </a:bodyPr>
+          <a:lstStyle/>
+          <a:p>
+            <a:pPr marL="285750" indent="-285750">
+              <a:lnSpc>
+                <a:spcPct val="150000"/>
+              </a:lnSpc>
+              <a:buFont typeface="Arial" panose="020B0604020202020204" pitchFamily="34" charset="0"/>
+              <a:buChar char="•"/>
+            </a:pPr>
+            <a:r>
+              <a:rPr lang="en-US" b="1" i="1" dirty="0">
+                <a:solidFill>
+                  <a:srgbClr val="036883"/>
+                </a:solidFill>
+              </a:rPr>
+              <a:t>1</a:t>
+            </a:r>
+            <a:r>
+              <a:rPr lang="en-US" dirty="0"/>
+              <a:t> or </a:t>
+            </a:r>
+            <a:r>
+              <a:rPr lang="en-US" b="1" i="1" dirty="0">
+                <a:solidFill>
+                  <a:srgbClr val="036883"/>
+                </a:solidFill>
+              </a:rPr>
+              <a:t>true</a:t>
+            </a:r>
+            <a:r>
+              <a:rPr lang="en-US" dirty="0"/>
+              <a:t> to include the field in the return documents.</a:t>
+            </a:r>
+          </a:p>
+          <a:p>
+            <a:pPr marL="285750" indent="-285750">
+              <a:lnSpc>
+                <a:spcPct val="150000"/>
+              </a:lnSpc>
+              <a:buFont typeface="Arial" panose="020B0604020202020204" pitchFamily="34" charset="0"/>
+              <a:buChar char="•"/>
+            </a:pPr>
+            <a:r>
+              <a:rPr lang="en-US" b="1" i="1" dirty="0">
+                <a:solidFill>
+                  <a:srgbClr val="036883"/>
+                </a:solidFill>
+              </a:rPr>
+              <a:t>0</a:t>
+            </a:r>
+            <a:r>
+              <a:rPr lang="en-US" dirty="0"/>
+              <a:t> or </a:t>
+            </a:r>
+            <a:r>
+              <a:rPr lang="en-US" b="1" i="1" dirty="0">
+                <a:solidFill>
+                  <a:srgbClr val="036883"/>
+                </a:solidFill>
+              </a:rPr>
+              <a:t>false</a:t>
+            </a:r>
+            <a:r>
+              <a:rPr lang="en-US" dirty="0"/>
+              <a:t> to exclude the field.</a:t>
+            </a:r>
+          </a:p>
+        </p:txBody>
+      </p:sp>
+      <p:sp>
+        <p:nvSpPr>
+          <p:cNvPr id="15" name="Rectangle 14"/>
+          <p:cNvSpPr/>
+          <p:nvPr/>
+        </p:nvSpPr>
+        <p:spPr>
+          <a:xfrm>
+            <a:off x="4888676" y="619526"/>
+            <a:ext cx="4219700" cy="877163"/>
+          </a:xfrm>
+          <a:prstGeom prst="rect">
+            <a:avLst/>
+          </a:prstGeom>
+          <a:solidFill>
+            <a:srgbClr val="90E183"/>
+          </a:solidFill>
+        </p:spPr>
+        <p:txBody>
+          <a:bodyPr wrap="square">
+            <a:spAutoFit/>
+          </a:bodyPr>
+          <a:lstStyle/>
+          <a:p>
+            <a:r>
+              <a:rPr lang="en-US" sz="1700" dirty="0">
+                <a:solidFill>
+                  <a:schemeClr val="bg2">
+                    <a:lumMod val="25000"/>
+                  </a:schemeClr>
+                </a:solidFill>
+              </a:rPr>
+              <a:t>A projection cannot contain both include and exclude specifications, except for the exclusion of the _id field. </a:t>
+            </a:r>
           </a:p>
         </p:txBody>
       </p:sp>
     </p:spTree>
     <p:extLst>
       <p:ext uri="{BB962C8B-B14F-4D97-AF65-F5344CB8AC3E}">
-        <p14:creationId xmlns:p14="http://schemas.microsoft.com/office/powerpoint/2010/main" val="2762672699"/>
+        <p14:creationId xmlns:p14="http://schemas.microsoft.com/office/powerpoint/2010/main" val="639887221"/>
       </p:ext>
     </p:extLst>
   </p:cSld>
@@ -10703,7 +10342,7 @@
                 <a:latin typeface="Arial" pitchFamily="34" charset="0"/>
                 <a:cs typeface="Arial" pitchFamily="34" charset="0"/>
               </a:rPr>
-              <a:t>cursor with db.collection.find()</a:t>
+              <a:t>db.collection.find()</a:t>
             </a:r>
             <a:r>
               <a:rPr lang="en-IN" sz="3200" b="1" i="1" dirty="0">
@@ -10727,7 +10366,7 @@
         <p:spPr>
           <a:xfrm>
             <a:off x="149188" y="762000"/>
-            <a:ext cx="8845624" cy="923330"/>
+            <a:ext cx="8845624" cy="369332"/>
           </a:xfrm>
           <a:prstGeom prst="rect">
             <a:avLst/>
@@ -10740,8 +10379,8 @@
           <a:lstStyle/>
           <a:p>
             <a:r>
-              <a:rPr lang="en-US" dirty="0"/>
-              <a:t>In the mongo shell, if the returned cursor is not assigned to a variable using the var keyword, the cursor is automatically iterated to access up to the first 20 documents that match the query.</a:t>
+              <a:rPr lang="en-US" dirty="0" smtClean="0"/>
+              <a:t>TODO</a:t>
             </a:r>
             <a:endParaRPr lang="en-IN" dirty="0"/>
           </a:p>
@@ -10749,14 +10388,422 @@
       </p:sp>
       <p:sp>
         <p:nvSpPr>
-          <p:cNvPr id="4" name="Rectangle 3"/>
+          <p:cNvPr id="9" name="Rectangle 8"/>
           <p:cNvSpPr/>
           <p:nvPr/>
         </p:nvSpPr>
         <p:spPr>
           <a:xfrm>
-            <a:off x="154136" y="1840468"/>
-            <a:ext cx="7402989" cy="369332"/>
+            <a:off x="149188" y="2329696"/>
+            <a:ext cx="8845624" cy="3662541"/>
+          </a:xfrm>
+          <a:prstGeom prst="rect">
+            <a:avLst/>
+          </a:prstGeom>
+        </p:spPr>
+        <p:txBody>
+          <a:bodyPr wrap="square">
+            <a:spAutoFit/>
+          </a:bodyPr>
+          <a:lstStyle/>
+          <a:p>
+            <a:r>
+              <a:rPr lang="en-US" sz="2200" dirty="0">
+                <a:solidFill>
+                  <a:srgbClr val="FC6F0D"/>
+                </a:solidFill>
+                <a:latin typeface="Calibri" panose="020F0502020204030204" pitchFamily="34" charset="0"/>
+                <a:cs typeface="Calibri" panose="020F0502020204030204" pitchFamily="34" charset="0"/>
+              </a:rPr>
+              <a:t>db.emp.find</a:t>
+            </a:r>
+            <a:r>
+              <a:rPr lang="en-US" sz="2200" dirty="0" smtClean="0">
+                <a:solidFill>
+                  <a:srgbClr val="FC6F0D"/>
+                </a:solidFill>
+                <a:latin typeface="Calibri" panose="020F0502020204030204" pitchFamily="34" charset="0"/>
+                <a:cs typeface="Calibri" panose="020F0502020204030204" pitchFamily="34" charset="0"/>
+              </a:rPr>
+              <a:t>();</a:t>
+            </a:r>
+          </a:p>
+          <a:p>
+            <a:endParaRPr lang="en-US" sz="800" dirty="0" smtClean="0">
+              <a:solidFill>
+                <a:srgbClr val="FC6F0D"/>
+              </a:solidFill>
+              <a:latin typeface="Calibri" panose="020F0502020204030204" pitchFamily="34" charset="0"/>
+              <a:cs typeface="Calibri" panose="020F0502020204030204" pitchFamily="34" charset="0"/>
+            </a:endParaRPr>
+          </a:p>
+          <a:p>
+            <a:r>
+              <a:rPr lang="en-US" sz="2200" dirty="0">
+                <a:solidFill>
+                  <a:srgbClr val="FC6F0D"/>
+                </a:solidFill>
+                <a:latin typeface="Calibri" panose="020F0502020204030204" pitchFamily="34" charset="0"/>
+                <a:cs typeface="Calibri" panose="020F0502020204030204" pitchFamily="34" charset="0"/>
+              </a:rPr>
+              <a:t>db ['emp'].find </a:t>
+            </a:r>
+            <a:r>
+              <a:rPr lang="en-US" sz="2200" dirty="0" smtClean="0">
+                <a:solidFill>
+                  <a:srgbClr val="FC6F0D"/>
+                </a:solidFill>
+                <a:latin typeface="Calibri" panose="020F0502020204030204" pitchFamily="34" charset="0"/>
+                <a:cs typeface="Calibri" panose="020F0502020204030204" pitchFamily="34" charset="0"/>
+              </a:rPr>
+              <a:t>()</a:t>
+            </a:r>
+          </a:p>
+          <a:p>
+            <a:endParaRPr lang="en-US" sz="800" dirty="0">
+              <a:solidFill>
+                <a:srgbClr val="FC6F0D"/>
+              </a:solidFill>
+              <a:latin typeface="Calibri" panose="020F0502020204030204" pitchFamily="34" charset="0"/>
+              <a:cs typeface="Calibri" panose="020F0502020204030204" pitchFamily="34" charset="0"/>
+            </a:endParaRPr>
+          </a:p>
+          <a:p>
+            <a:r>
+              <a:rPr lang="en-US" sz="2200" dirty="0" smtClean="0">
+                <a:solidFill>
+                  <a:srgbClr val="FC6F0D"/>
+                </a:solidFill>
+                <a:latin typeface="Calibri" panose="020F0502020204030204" pitchFamily="34" charset="0"/>
+                <a:cs typeface="Calibri" panose="020F0502020204030204" pitchFamily="34" charset="0"/>
+              </a:rPr>
+              <a:t>db.getCollection</a:t>
+            </a:r>
+            <a:r>
+              <a:rPr lang="en-US" sz="2200" dirty="0">
+                <a:solidFill>
+                  <a:srgbClr val="FC6F0D"/>
+                </a:solidFill>
+                <a:latin typeface="Calibri" panose="020F0502020204030204" pitchFamily="34" charset="0"/>
+                <a:cs typeface="Calibri" panose="020F0502020204030204" pitchFamily="34" charset="0"/>
+              </a:rPr>
+              <a:t>(</a:t>
+            </a:r>
+            <a:r>
+              <a:rPr lang="en-US" sz="2200" dirty="0" smtClean="0">
+                <a:solidFill>
+                  <a:srgbClr val="FC6F0D"/>
+                </a:solidFill>
+                <a:latin typeface="Calibri" panose="020F0502020204030204" pitchFamily="34" charset="0"/>
+                <a:cs typeface="Calibri" panose="020F0502020204030204" pitchFamily="34" charset="0"/>
+              </a:rPr>
+              <a:t>'emp</a:t>
+            </a:r>
+            <a:r>
+              <a:rPr lang="en-US" sz="2200" dirty="0">
+                <a:solidFill>
+                  <a:srgbClr val="FC6F0D"/>
+                </a:solidFill>
+                <a:latin typeface="Calibri" panose="020F0502020204030204" pitchFamily="34" charset="0"/>
+                <a:cs typeface="Calibri" panose="020F0502020204030204" pitchFamily="34" charset="0"/>
+              </a:rPr>
+              <a:t>'</a:t>
+            </a:r>
+            <a:r>
+              <a:rPr lang="en-US" sz="2200" dirty="0" smtClean="0">
+                <a:solidFill>
+                  <a:srgbClr val="FC6F0D"/>
+                </a:solidFill>
+                <a:latin typeface="Calibri" panose="020F0502020204030204" pitchFamily="34" charset="0"/>
+                <a:cs typeface="Calibri" panose="020F0502020204030204" pitchFamily="34" charset="0"/>
+              </a:rPr>
+              <a:t>).find();</a:t>
+            </a:r>
+            <a:endParaRPr lang="en-US" sz="2200" dirty="0" smtClean="0">
+              <a:solidFill>
+                <a:srgbClr val="FC6F0D"/>
+              </a:solidFill>
+              <a:latin typeface="Calibri" panose="020F0502020204030204" pitchFamily="34" charset="0"/>
+              <a:cs typeface="Calibri" panose="020F0502020204030204" pitchFamily="34" charset="0"/>
+            </a:endParaRPr>
+          </a:p>
+          <a:p>
+            <a:endParaRPr lang="en-US" sz="800" dirty="0">
+              <a:solidFill>
+                <a:srgbClr val="FC6F0D"/>
+              </a:solidFill>
+              <a:latin typeface="Calibri" panose="020F0502020204030204" pitchFamily="34" charset="0"/>
+              <a:cs typeface="Calibri" panose="020F0502020204030204" pitchFamily="34" charset="0"/>
+            </a:endParaRPr>
+          </a:p>
+          <a:p>
+            <a:r>
+              <a:rPr lang="en-US" sz="2200" dirty="0">
+                <a:solidFill>
+                  <a:srgbClr val="FC6F0D"/>
+                </a:solidFill>
+                <a:latin typeface="Calibri" panose="020F0502020204030204" pitchFamily="34" charset="0"/>
+                <a:cs typeface="Calibri" panose="020F0502020204030204" pitchFamily="34" charset="0"/>
+              </a:rPr>
+              <a:t>db.emp.find</a:t>
+            </a:r>
+            <a:r>
+              <a:rPr lang="en-US" sz="2200" dirty="0" smtClean="0">
+                <a:solidFill>
+                  <a:srgbClr val="FC6F0D"/>
+                </a:solidFill>
+                <a:latin typeface="Calibri" panose="020F0502020204030204" pitchFamily="34" charset="0"/>
+                <a:cs typeface="Calibri" panose="020F0502020204030204" pitchFamily="34" charset="0"/>
+              </a:rPr>
+              <a:t>({job: 'manager'})</a:t>
+            </a:r>
+          </a:p>
+          <a:p>
+            <a:endParaRPr lang="en-US" sz="800" dirty="0" smtClean="0">
+              <a:solidFill>
+                <a:srgbClr val="FC6F0D"/>
+              </a:solidFill>
+              <a:latin typeface="Calibri" panose="020F0502020204030204" pitchFamily="34" charset="0"/>
+              <a:cs typeface="Calibri" panose="020F0502020204030204" pitchFamily="34" charset="0"/>
+            </a:endParaRPr>
+          </a:p>
+          <a:p>
+            <a:r>
+              <a:rPr lang="en-US" sz="2200" dirty="0">
+                <a:solidFill>
+                  <a:srgbClr val="FC6F0D"/>
+                </a:solidFill>
+                <a:latin typeface="Calibri" panose="020F0502020204030204" pitchFamily="34" charset="0"/>
+                <a:cs typeface="Calibri" panose="020F0502020204030204" pitchFamily="34" charset="0"/>
+              </a:rPr>
+              <a:t>db.emp.find({}, </a:t>
+            </a:r>
+            <a:r>
+              <a:rPr lang="en-US" sz="2200" dirty="0" smtClean="0">
+                <a:solidFill>
+                  <a:srgbClr val="FC6F0D"/>
+                </a:solidFill>
+                <a:latin typeface="Calibri" panose="020F0502020204030204" pitchFamily="34" charset="0"/>
+                <a:cs typeface="Calibri" panose="020F0502020204030204" pitchFamily="34" charset="0"/>
+              </a:rPr>
+              <a:t>{ename:1</a:t>
+            </a:r>
+            <a:r>
+              <a:rPr lang="en-US" sz="2200" dirty="0">
+                <a:solidFill>
+                  <a:srgbClr val="FC6F0D"/>
+                </a:solidFill>
+                <a:latin typeface="Calibri" panose="020F0502020204030204" pitchFamily="34" charset="0"/>
+                <a:cs typeface="Calibri" panose="020F0502020204030204" pitchFamily="34" charset="0"/>
+              </a:rPr>
+              <a:t>, </a:t>
+            </a:r>
+            <a:r>
+              <a:rPr lang="en-US" sz="2200" dirty="0" smtClean="0">
+                <a:solidFill>
+                  <a:srgbClr val="FC6F0D"/>
+                </a:solidFill>
+                <a:latin typeface="Calibri" panose="020F0502020204030204" pitchFamily="34" charset="0"/>
+                <a:cs typeface="Calibri" panose="020F0502020204030204" pitchFamily="34" charset="0"/>
+              </a:rPr>
+              <a:t>job: true});</a:t>
+            </a:r>
+          </a:p>
+          <a:p>
+            <a:endParaRPr lang="en-US" sz="800" dirty="0" smtClean="0">
+              <a:solidFill>
+                <a:srgbClr val="FC6F0D"/>
+              </a:solidFill>
+              <a:latin typeface="Calibri" panose="020F0502020204030204" pitchFamily="34" charset="0"/>
+              <a:cs typeface="Calibri" panose="020F0502020204030204" pitchFamily="34" charset="0"/>
+            </a:endParaRPr>
+          </a:p>
+          <a:p>
+            <a:r>
+              <a:rPr lang="en-US" sz="2200" dirty="0" smtClean="0">
+                <a:solidFill>
+                  <a:srgbClr val="FC6F0D"/>
+                </a:solidFill>
+                <a:latin typeface="Calibri" panose="020F0502020204030204" pitchFamily="34" charset="0"/>
+                <a:cs typeface="Calibri" panose="020F0502020204030204" pitchFamily="34" charset="0"/>
+              </a:rPr>
+              <a:t>db</a:t>
+            </a:r>
+            <a:r>
+              <a:rPr lang="en-US" sz="2200" dirty="0" smtClean="0">
+                <a:solidFill>
+                  <a:srgbClr val="FC6F0D"/>
+                </a:solidFill>
+                <a:latin typeface="Calibri" panose="020F0502020204030204" pitchFamily="34" charset="0"/>
+                <a:cs typeface="Calibri" panose="020F0502020204030204" pitchFamily="34" charset="0"/>
+              </a:rPr>
+              <a:t>.emp.find</a:t>
+            </a:r>
+            <a:r>
+              <a:rPr lang="en-US" sz="2200" dirty="0" smtClean="0">
+                <a:solidFill>
+                  <a:srgbClr val="FC6F0D"/>
+                </a:solidFill>
+                <a:latin typeface="Calibri" panose="020F0502020204030204" pitchFamily="34" charset="0"/>
+                <a:cs typeface="Calibri" panose="020F0502020204030204" pitchFamily="34" charset="0"/>
+              </a:rPr>
+              <a:t>({sal:{ </a:t>
+            </a:r>
+            <a:r>
+              <a:rPr lang="en-US" sz="2200" dirty="0">
+                <a:solidFill>
+                  <a:srgbClr val="FC6F0D"/>
+                </a:solidFill>
+                <a:latin typeface="Calibri" panose="020F0502020204030204" pitchFamily="34" charset="0"/>
+                <a:cs typeface="Calibri" panose="020F0502020204030204" pitchFamily="34" charset="0"/>
+              </a:rPr>
+              <a:t>$</a:t>
+            </a:r>
+            <a:r>
+              <a:rPr lang="en-US" sz="2200" dirty="0" smtClean="0">
+                <a:solidFill>
+                  <a:srgbClr val="FC6F0D"/>
+                </a:solidFill>
+                <a:latin typeface="Calibri" panose="020F0502020204030204" pitchFamily="34" charset="0"/>
+                <a:cs typeface="Calibri" panose="020F0502020204030204" pitchFamily="34" charset="0"/>
+              </a:rPr>
+              <a:t>gt:4}})</a:t>
+            </a:r>
+          </a:p>
+          <a:p>
+            <a:endParaRPr lang="en-US" sz="800" dirty="0">
+              <a:solidFill>
+                <a:srgbClr val="FC6F0D"/>
+              </a:solidFill>
+              <a:latin typeface="Calibri" panose="020F0502020204030204" pitchFamily="34" charset="0"/>
+              <a:cs typeface="Calibri" panose="020F0502020204030204" pitchFamily="34" charset="0"/>
+            </a:endParaRPr>
+          </a:p>
+          <a:p>
+            <a:r>
+              <a:rPr lang="en-US" sz="2200" dirty="0" smtClean="0">
+                <a:solidFill>
+                  <a:srgbClr val="FC6F0D"/>
+                </a:solidFill>
+                <a:latin typeface="Calibri" panose="020F0502020204030204" pitchFamily="34" charset="0"/>
+                <a:cs typeface="Calibri" panose="020F0502020204030204" pitchFamily="34" charset="0"/>
+              </a:rPr>
+              <a:t>db.emp.find</a:t>
+            </a:r>
+            <a:r>
+              <a:rPr lang="en-US" sz="2200" dirty="0">
+                <a:solidFill>
+                  <a:srgbClr val="FC6F0D"/>
+                </a:solidFill>
+                <a:latin typeface="Calibri" panose="020F0502020204030204" pitchFamily="34" charset="0"/>
+                <a:cs typeface="Calibri" panose="020F0502020204030204" pitchFamily="34" charset="0"/>
+              </a:rPr>
+              <a:t>({job:'manager</a:t>
+            </a:r>
+            <a:r>
+              <a:rPr lang="en-US" sz="2200" dirty="0" smtClean="0">
+                <a:solidFill>
+                  <a:srgbClr val="FC6F0D"/>
+                </a:solidFill>
+                <a:latin typeface="Calibri" panose="020F0502020204030204" pitchFamily="34" charset="0"/>
+                <a:cs typeface="Calibri" panose="020F0502020204030204" pitchFamily="34" charset="0"/>
+              </a:rPr>
+              <a:t>'}, {</a:t>
+            </a:r>
+            <a:r>
+              <a:rPr lang="en-US" sz="2200" dirty="0">
+                <a:solidFill>
+                  <a:srgbClr val="FC6F0D"/>
+                </a:solidFill>
+                <a:latin typeface="Calibri" panose="020F0502020204030204" pitchFamily="34" charset="0"/>
+                <a:cs typeface="Calibri" panose="020F0502020204030204" pitchFamily="34" charset="0"/>
+              </a:rPr>
+              <a:t>ename:true, job:true</a:t>
+            </a:r>
+            <a:r>
+              <a:rPr lang="en-US" sz="2200" dirty="0" smtClean="0">
+                <a:solidFill>
+                  <a:srgbClr val="FC6F0D"/>
+                </a:solidFill>
+                <a:latin typeface="Calibri" panose="020F0502020204030204" pitchFamily="34" charset="0"/>
+                <a:cs typeface="Calibri" panose="020F0502020204030204" pitchFamily="34" charset="0"/>
+              </a:rPr>
+              <a:t>})</a:t>
+            </a:r>
+          </a:p>
+          <a:p>
+            <a:endParaRPr lang="en-US" sz="800" dirty="0" smtClean="0">
+              <a:solidFill>
+                <a:srgbClr val="FC6F0D"/>
+              </a:solidFill>
+              <a:latin typeface="Calibri" panose="020F0502020204030204" pitchFamily="34" charset="0"/>
+              <a:cs typeface="Calibri" panose="020F0502020204030204" pitchFamily="34" charset="0"/>
+            </a:endParaRPr>
+          </a:p>
+          <a:p>
+            <a:r>
+              <a:rPr lang="en-US" sz="2200" dirty="0" smtClean="0">
+                <a:solidFill>
+                  <a:srgbClr val="FC6F0D"/>
+                </a:solidFill>
+                <a:latin typeface="Calibri" panose="020F0502020204030204" pitchFamily="34" charset="0"/>
+                <a:cs typeface="Calibri" panose="020F0502020204030204" pitchFamily="34" charset="0"/>
+              </a:rPr>
+              <a:t>db.emp.find</a:t>
+            </a:r>
+            <a:r>
+              <a:rPr lang="en-US" sz="2200" dirty="0">
+                <a:solidFill>
+                  <a:srgbClr val="FC6F0D"/>
+                </a:solidFill>
+                <a:latin typeface="Calibri" panose="020F0502020204030204" pitchFamily="34" charset="0"/>
+                <a:cs typeface="Calibri" panose="020F0502020204030204" pitchFamily="34" charset="0"/>
+              </a:rPr>
+              <a:t>({job:'manager'}, </a:t>
+            </a:r>
+            <a:r>
+              <a:rPr lang="en-US" sz="2200" dirty="0" smtClean="0">
+                <a:solidFill>
+                  <a:srgbClr val="FC6F0D"/>
+                </a:solidFill>
+                <a:latin typeface="Calibri" panose="020F0502020204030204" pitchFamily="34" charset="0"/>
+                <a:cs typeface="Calibri" panose="020F0502020204030204" pitchFamily="34" charset="0"/>
+              </a:rPr>
+              <a:t>{_id:false, ename:true</a:t>
+            </a:r>
+            <a:r>
+              <a:rPr lang="en-US" sz="2200" dirty="0">
+                <a:solidFill>
+                  <a:srgbClr val="FC6F0D"/>
+                </a:solidFill>
+                <a:latin typeface="Calibri" panose="020F0502020204030204" pitchFamily="34" charset="0"/>
+                <a:cs typeface="Calibri" panose="020F0502020204030204" pitchFamily="34" charset="0"/>
+              </a:rPr>
+              <a:t>, job:true</a:t>
+            </a:r>
+            <a:r>
+              <a:rPr lang="en-US" sz="2200" dirty="0" smtClean="0">
+                <a:solidFill>
+                  <a:srgbClr val="FC6F0D"/>
+                </a:solidFill>
+                <a:latin typeface="Calibri" panose="020F0502020204030204" pitchFamily="34" charset="0"/>
+                <a:cs typeface="Calibri" panose="020F0502020204030204" pitchFamily="34" charset="0"/>
+              </a:rPr>
+              <a:t>})</a:t>
+            </a:r>
+          </a:p>
+        </p:txBody>
+      </p:sp>
+      <p:sp>
+        <p:nvSpPr>
+          <p:cNvPr id="10" name="Rectangle 9"/>
+          <p:cNvSpPr/>
+          <p:nvPr/>
+        </p:nvSpPr>
+        <p:spPr>
+          <a:xfrm>
+            <a:off x="154136" y="1371600"/>
+            <a:ext cx="6516528" cy="923330"/>
           </a:xfrm>
           <a:prstGeom prst="rect">
             <a:avLst/>
@@ -10776,7 +10823,7 @@
                 <a:latin typeface="Consolas" panose="020B0609020204030204" pitchFamily="49" charset="0"/>
                 <a:cs typeface="Calibri" panose="020F0502020204030204" pitchFamily="34" charset="0"/>
               </a:rPr>
-              <a:t>var variable_name = db.collection.find(query</a:t>
+              <a:t>db </a:t>
             </a:r>
             <a:r>
               <a:rPr lang="en-US" dirty="0">
@@ -10786,93 +10833,86 @@
                 <a:latin typeface="Consolas" panose="020B0609020204030204" pitchFamily="49" charset="0"/>
                 <a:cs typeface="Calibri" panose="020F0502020204030204" pitchFamily="34" charset="0"/>
               </a:rPr>
-              <a:t>, projection)</a:t>
-            </a:r>
-          </a:p>
-        </p:txBody>
-      </p:sp>
-      <p:sp>
-        <p:nvSpPr>
-          <p:cNvPr id="12" name="Rectangle 11"/>
-          <p:cNvSpPr/>
-          <p:nvPr/>
-        </p:nvSpPr>
-        <p:spPr>
-          <a:xfrm>
-            <a:off x="178876" y="2526268"/>
-            <a:ext cx="3736985" cy="369332"/>
-          </a:xfrm>
-          <a:prstGeom prst="rect">
-            <a:avLst/>
-          </a:prstGeom>
-        </p:spPr>
-        <p:txBody>
-          <a:bodyPr wrap="none">
-            <a:spAutoFit/>
-          </a:bodyPr>
-          <a:lstStyle/>
-          <a:p>
+              <a:t>[</a:t>
+            </a:r>
             <a:r>
               <a:rPr lang="en-US" dirty="0">
                 <a:solidFill>
-                  <a:srgbClr val="C00000"/>
-                </a:solidFill>
-              </a:rPr>
-              <a:t>The find() method returns a cursor.</a:t>
-            </a:r>
-          </a:p>
-        </p:txBody>
-      </p:sp>
-      <p:sp>
-        <p:nvSpPr>
-          <p:cNvPr id="3" name="Rectangle 2"/>
-          <p:cNvSpPr/>
-          <p:nvPr/>
-        </p:nvSpPr>
-        <p:spPr>
-          <a:xfrm>
-            <a:off x="224432" y="3048000"/>
-            <a:ext cx="8770379" cy="769441"/>
-          </a:xfrm>
-          <a:prstGeom prst="rect">
-            <a:avLst/>
-          </a:prstGeom>
-        </p:spPr>
-        <p:txBody>
-          <a:bodyPr wrap="square">
-            <a:spAutoFit/>
-          </a:bodyPr>
-          <a:lstStyle/>
-          <a:p>
-            <a:r>
-              <a:rPr lang="en-US" sz="2200" dirty="0">
-                <a:solidFill>
-                  <a:srgbClr val="FC6F0D"/>
-                </a:solidFill>
-                <a:latin typeface="Calibri" panose="020F0502020204030204" pitchFamily="34" charset="0"/>
-                <a:cs typeface="Calibri" panose="020F0502020204030204" pitchFamily="34" charset="0"/>
-              </a:rPr>
-              <a:t>var x = db ['emp'].find ()</a:t>
-            </a:r>
-          </a:p>
-          <a:p>
-            <a:r>
-              <a:rPr lang="en-US" sz="2200" dirty="0">
-                <a:solidFill>
-                  <a:srgbClr val="FC6F0D"/>
-                </a:solidFill>
-                <a:latin typeface="Calibri" panose="020F0502020204030204" pitchFamily="34" charset="0"/>
-                <a:cs typeface="Calibri" panose="020F0502020204030204" pitchFamily="34" charset="0"/>
-              </a:rPr>
-              <a:t>x.forEach(printjson)</a:t>
-            </a:r>
+                  <a:srgbClr val="049DC8"/>
+                </a:solidFill>
+                <a:latin typeface="Consolas" panose="020B0609020204030204" pitchFamily="49" charset="0"/>
+                <a:cs typeface="Calibri" panose="020F0502020204030204" pitchFamily="34" charset="0"/>
+              </a:rPr>
+              <a:t>'collection'].</a:t>
+            </a:r>
+            <a:r>
+              <a:rPr lang="en-US" dirty="0">
+                <a:solidFill>
+                  <a:srgbClr val="049DC8"/>
+                </a:solidFill>
+                <a:latin typeface="Consolas" panose="020B0609020204030204" pitchFamily="49" charset="0"/>
+                <a:cs typeface="Calibri" panose="020F0502020204030204" pitchFamily="34" charset="0"/>
+              </a:rPr>
+              <a:t>find (query, projection) </a:t>
+            </a:r>
+          </a:p>
+          <a:p>
+            <a:r>
+              <a:rPr lang="en-US" dirty="0">
+                <a:solidFill>
+                  <a:srgbClr val="049DC8"/>
+                </a:solidFill>
+                <a:latin typeface="Consolas" panose="020B0609020204030204" pitchFamily="49" charset="0"/>
+                <a:cs typeface="Calibri" panose="020F0502020204030204" pitchFamily="34" charset="0"/>
+              </a:rPr>
+              <a:t>db.collection.find(query, projection</a:t>
+            </a:r>
+            <a:r>
+              <a:rPr lang="en-US" dirty="0" smtClean="0">
+                <a:solidFill>
+                  <a:srgbClr val="049DC8"/>
+                </a:solidFill>
+                <a:latin typeface="Consolas" panose="020B0609020204030204" pitchFamily="49" charset="0"/>
+                <a:cs typeface="Calibri" panose="020F0502020204030204" pitchFamily="34" charset="0"/>
+              </a:rPr>
+              <a:t>)</a:t>
+            </a:r>
+          </a:p>
+          <a:p>
+            <a:r>
+              <a:rPr lang="en-US" dirty="0">
+                <a:solidFill>
+                  <a:srgbClr val="049DC8"/>
+                </a:solidFill>
+                <a:latin typeface="Consolas" panose="020B0609020204030204" pitchFamily="49" charset="0"/>
+                <a:cs typeface="Calibri" panose="020F0502020204030204" pitchFamily="34" charset="0"/>
+              </a:rPr>
+              <a:t>db.getCollection('name') .find (query, projection</a:t>
+            </a:r>
+            <a:r>
+              <a:rPr lang="en-US" dirty="0" smtClean="0">
+                <a:solidFill>
+                  <a:srgbClr val="049DC8"/>
+                </a:solidFill>
+                <a:latin typeface="Consolas" panose="020B0609020204030204" pitchFamily="49" charset="0"/>
+                <a:cs typeface="Calibri" panose="020F0502020204030204" pitchFamily="34" charset="0"/>
+              </a:rPr>
+              <a:t>)</a:t>
+            </a:r>
+            <a:endParaRPr lang="en-US" dirty="0">
+              <a:solidFill>
+                <a:srgbClr val="049DC8"/>
+              </a:solidFill>
+              <a:latin typeface="Consolas" panose="020B0609020204030204" pitchFamily="49" charset="0"/>
+              <a:cs typeface="Calibri" panose="020F0502020204030204" pitchFamily="34" charset="0"/>
+            </a:endParaRPr>
           </a:p>
         </p:txBody>
       </p:sp>
     </p:spTree>
     <p:extLst>
       <p:ext uri="{BB962C8B-B14F-4D97-AF65-F5344CB8AC3E}">
-        <p14:creationId xmlns:p14="http://schemas.microsoft.com/office/powerpoint/2010/main" val="1504006984"/>
+        <p14:creationId xmlns:p14="http://schemas.microsoft.com/office/powerpoint/2010/main" val="635217269"/>
       </p:ext>
     </p:extLst>
   </p:cSld>
@@ -10908,71 +10948,72 @@
       </p:grpSpPr>
       <p:sp>
         <p:nvSpPr>
-          <p:cNvPr id="2" name="Title 1"/>
-          <p:cNvSpPr txBox="1">
-            <a:spLocks/>
-          </p:cNvSpPr>
-          <p:nvPr/>
-        </p:nvSpPr>
-        <p:spPr>
-          <a:xfrm>
-            <a:off x="152400" y="2057400"/>
-            <a:ext cx="8839200" cy="838200"/>
-          </a:xfrm>
-          <a:prstGeom prst="rect">
-            <a:avLst/>
-          </a:prstGeom>
-        </p:spPr>
-        <p:txBody>
-          <a:bodyPr>
-            <a:noAutofit/>
+          <p:cNvPr id="6" name="Rectangle 5"/>
+          <p:cNvSpPr/>
+          <p:nvPr/>
+        </p:nvSpPr>
+        <p:spPr>
+          <a:xfrm>
+            <a:off x="0" y="0"/>
+            <a:ext cx="9144000" cy="584775"/>
+          </a:xfrm>
+          <a:prstGeom prst="rect">
+            <a:avLst/>
+          </a:prstGeom>
+          <a:solidFill>
+            <a:schemeClr val="accent4">
+              <a:lumMod val="75000"/>
+            </a:schemeClr>
+          </a:solidFill>
+        </p:spPr>
+        <p:txBody>
+          <a:bodyPr wrap="square">
+            <a:spAutoFit/>
           </a:bodyPr>
-          <a:lstStyle>
-            <a:defPPr>
-              <a:defRPr lang="en-US"/>
-            </a:defPPr>
-            <a:lvl1pPr lvl="0" algn="ctr">
+          <a:lstStyle/>
+          <a:p>
+            <a:pPr algn="r">
               <a:spcBef>
                 <a:spcPct val="0"/>
               </a:spcBef>
-              <a:defRPr sz="4800">
-                <a:solidFill>
-                  <a:srgbClr val="7EEEE3"/>
-                </a:solidFill>
-                <a:latin typeface="Segoe UI Light" panose="020B0502040204020203" pitchFamily="34" charset="0"/>
-                <a:cs typeface="Segoe UI Light" panose="020B0502040204020203" pitchFamily="34" charset="0"/>
-              </a:defRPr>
-            </a:lvl1pPr>
-          </a:lstStyle>
-          <a:p>
-            <a:r>
-              <a:rPr lang="en-IN" dirty="0" smtClean="0"/>
-              <a:t>sort</a:t>
-            </a:r>
-            <a:endParaRPr lang="en-US" dirty="0"/>
-          </a:p>
-        </p:txBody>
-      </p:sp>
-      <p:sp>
-        <p:nvSpPr>
-          <p:cNvPr id="3" name="Rectangle 2"/>
+            </a:pPr>
+            <a:r>
+              <a:rPr lang="en-IN" sz="3200" b="1" i="1" dirty="0" smtClean="0">
+                <a:solidFill>
+                  <a:srgbClr val="FFFF00"/>
+                </a:solidFill>
+                <a:latin typeface="Arial" pitchFamily="34" charset="0"/>
+                <a:cs typeface="Arial" pitchFamily="34" charset="0"/>
+              </a:rPr>
+              <a:t>db.collection.find()[&lt;index_number&gt;]</a:t>
+            </a:r>
+            <a:r>
+              <a:rPr lang="en-IN" sz="3200" b="1" i="1" dirty="0">
+                <a:solidFill>
+                  <a:srgbClr val="FFFF00"/>
+                </a:solidFill>
+                <a:latin typeface="Arial" pitchFamily="34" charset="0"/>
+                <a:cs typeface="Arial" pitchFamily="34" charset="0"/>
+              </a:rPr>
+              <a:t> </a:t>
+            </a:r>
+          </a:p>
+        </p:txBody>
+      </p:sp>
+      <p:sp>
+        <p:nvSpPr>
+          <p:cNvPr id="7" name="Rectangle 6"/>
           <p:cNvSpPr/>
           <p:nvPr/>
         </p:nvSpPr>
         <p:spPr>
           <a:xfrm>
-            <a:off x="419100" y="2861953"/>
-            <a:ext cx="8305800" cy="369332"/>
-          </a:xfrm>
-          <a:prstGeom prst="rect">
-            <a:avLst/>
-          </a:prstGeom>
-          <a:solidFill>
-            <a:schemeClr val="accent6">
-              <a:lumMod val="20000"/>
-              <a:lumOff val="80000"/>
-            </a:schemeClr>
-          </a:solidFill>
+            <a:off x="149188" y="762000"/>
+            <a:ext cx="8845624" cy="369332"/>
+          </a:xfrm>
+          <a:prstGeom prst="rect">
+            <a:avLst/>
+          </a:prstGeom>
         </p:spPr>
         <p:txBody>
           <a:bodyPr wrap="square">
@@ -10981,35 +11022,419 @@
           <a:lstStyle/>
           <a:p>
             <a:r>
+              <a:rPr lang="en-US" dirty="0" smtClean="0"/>
+              <a:t>TODO</a:t>
+            </a:r>
+            <a:endParaRPr lang="en-IN" dirty="0"/>
+          </a:p>
+        </p:txBody>
+      </p:sp>
+      <p:sp>
+        <p:nvSpPr>
+          <p:cNvPr id="9" name="Rectangle 8"/>
+          <p:cNvSpPr/>
+          <p:nvPr/>
+        </p:nvSpPr>
+        <p:spPr>
+          <a:xfrm>
+            <a:off x="149188" y="3657600"/>
+            <a:ext cx="8845624" cy="1815882"/>
+          </a:xfrm>
+          <a:prstGeom prst="rect">
+            <a:avLst/>
+          </a:prstGeom>
+        </p:spPr>
+        <p:txBody>
+          <a:bodyPr wrap="square">
+            <a:spAutoFit/>
+          </a:bodyPr>
+          <a:lstStyle/>
+          <a:p>
+            <a:r>
+              <a:rPr lang="en-US" sz="2200" dirty="0">
+                <a:solidFill>
+                  <a:srgbClr val="FC6F0D"/>
+                </a:solidFill>
+                <a:latin typeface="Calibri" panose="020F0502020204030204" pitchFamily="34" charset="0"/>
+                <a:cs typeface="Calibri" panose="020F0502020204030204" pitchFamily="34" charset="0"/>
+              </a:rPr>
+              <a:t>db.emp.find</a:t>
+            </a:r>
+            <a:r>
+              <a:rPr lang="en-US" sz="2200" dirty="0" smtClean="0">
+                <a:solidFill>
+                  <a:srgbClr val="FC6F0D"/>
+                </a:solidFill>
+                <a:latin typeface="Calibri" panose="020F0502020204030204" pitchFamily="34" charset="0"/>
+                <a:cs typeface="Calibri" panose="020F0502020204030204" pitchFamily="34" charset="0"/>
+              </a:rPr>
+              <a:t>()[0];</a:t>
+            </a:r>
+          </a:p>
+          <a:p>
+            <a:endParaRPr lang="en-US" sz="800" dirty="0" smtClean="0">
+              <a:solidFill>
+                <a:srgbClr val="FC6F0D"/>
+              </a:solidFill>
+              <a:latin typeface="Calibri" panose="020F0502020204030204" pitchFamily="34" charset="0"/>
+              <a:cs typeface="Calibri" panose="020F0502020204030204" pitchFamily="34" charset="0"/>
+            </a:endParaRPr>
+          </a:p>
+          <a:p>
+            <a:r>
+              <a:rPr lang="en-US" sz="2200" dirty="0">
+                <a:solidFill>
+                  <a:srgbClr val="FC6F0D"/>
+                </a:solidFill>
+                <a:latin typeface="Calibri" panose="020F0502020204030204" pitchFamily="34" charset="0"/>
+                <a:cs typeface="Calibri" panose="020F0502020204030204" pitchFamily="34" charset="0"/>
+              </a:rPr>
+              <a:t>db.emp.find()[0</a:t>
+            </a:r>
+            <a:r>
+              <a:rPr lang="en-US" sz="2200" dirty="0" smtClean="0">
+                <a:solidFill>
+                  <a:srgbClr val="FC6F0D"/>
+                </a:solidFill>
+                <a:latin typeface="Calibri" panose="020F0502020204030204" pitchFamily="34" charset="0"/>
+                <a:cs typeface="Calibri" panose="020F0502020204030204" pitchFamily="34" charset="0"/>
+              </a:rPr>
+              <a:t>].ename</a:t>
+            </a:r>
+            <a:r>
+              <a:rPr lang="en-US" sz="2200" dirty="0" smtClean="0">
+                <a:solidFill>
+                  <a:srgbClr val="FC6F0D"/>
+                </a:solidFill>
+                <a:latin typeface="Calibri" panose="020F0502020204030204" pitchFamily="34" charset="0"/>
+                <a:cs typeface="Calibri" panose="020F0502020204030204" pitchFamily="34" charset="0"/>
+              </a:rPr>
+              <a:t>;</a:t>
+            </a:r>
+          </a:p>
+          <a:p>
+            <a:endParaRPr lang="en-US" sz="800" dirty="0" smtClean="0">
+              <a:solidFill>
+                <a:srgbClr val="FC6F0D"/>
+              </a:solidFill>
+              <a:latin typeface="Calibri" panose="020F0502020204030204" pitchFamily="34" charset="0"/>
+              <a:cs typeface="Calibri" panose="020F0502020204030204" pitchFamily="34" charset="0"/>
+            </a:endParaRPr>
+          </a:p>
+          <a:p>
+            <a:r>
+              <a:rPr lang="en-US" sz="2200" dirty="0">
+                <a:solidFill>
+                  <a:srgbClr val="FC6F0D"/>
+                </a:solidFill>
+                <a:latin typeface="Calibri" panose="020F0502020204030204" pitchFamily="34" charset="0"/>
+                <a:cs typeface="Calibri" panose="020F0502020204030204" pitchFamily="34" charset="0"/>
+              </a:rPr>
+              <a:t>db.getCollection('emp').find</a:t>
+            </a:r>
+            <a:r>
+              <a:rPr lang="en-US" sz="2200" dirty="0" smtClean="0">
+                <a:solidFill>
+                  <a:srgbClr val="FC6F0D"/>
+                </a:solidFill>
+                <a:latin typeface="Calibri" panose="020F0502020204030204" pitchFamily="34" charset="0"/>
+                <a:cs typeface="Calibri" panose="020F0502020204030204" pitchFamily="34" charset="0"/>
+              </a:rPr>
+              <a:t>()</a:t>
+            </a:r>
+            <a:r>
+              <a:rPr lang="en-US" sz="2200" dirty="0">
+                <a:solidFill>
+                  <a:srgbClr val="FC6F0D"/>
+                </a:solidFill>
+                <a:latin typeface="Calibri" panose="020F0502020204030204" pitchFamily="34" charset="0"/>
+                <a:cs typeface="Calibri" panose="020F0502020204030204" pitchFamily="34" charset="0"/>
+              </a:rPr>
+              <a:t> [0]</a:t>
+            </a:r>
+            <a:r>
+              <a:rPr lang="en-US" sz="2200" dirty="0" smtClean="0">
+                <a:solidFill>
+                  <a:srgbClr val="FC6F0D"/>
+                </a:solidFill>
+                <a:latin typeface="Calibri" panose="020F0502020204030204" pitchFamily="34" charset="0"/>
+                <a:cs typeface="Calibri" panose="020F0502020204030204" pitchFamily="34" charset="0"/>
+              </a:rPr>
+              <a:t>;</a:t>
+            </a:r>
+            <a:endParaRPr lang="en-US" sz="2200" dirty="0" smtClean="0">
+              <a:solidFill>
+                <a:srgbClr val="FC6F0D"/>
+              </a:solidFill>
+              <a:latin typeface="Calibri" panose="020F0502020204030204" pitchFamily="34" charset="0"/>
+              <a:cs typeface="Calibri" panose="020F0502020204030204" pitchFamily="34" charset="0"/>
+            </a:endParaRPr>
+          </a:p>
+          <a:p>
+            <a:endParaRPr lang="en-US" sz="800" dirty="0" smtClean="0">
+              <a:solidFill>
+                <a:srgbClr val="FC6F0D"/>
+              </a:solidFill>
+              <a:latin typeface="Calibri" panose="020F0502020204030204" pitchFamily="34" charset="0"/>
+              <a:cs typeface="Calibri" panose="020F0502020204030204" pitchFamily="34" charset="0"/>
+            </a:endParaRPr>
+          </a:p>
+          <a:p>
+            <a:r>
+              <a:rPr lang="en-US" sz="2200" dirty="0">
+                <a:solidFill>
+                  <a:srgbClr val="FC6F0D"/>
+                </a:solidFill>
+                <a:latin typeface="Calibri" panose="020F0502020204030204" pitchFamily="34" charset="0"/>
+                <a:cs typeface="Calibri" panose="020F0502020204030204" pitchFamily="34" charset="0"/>
+              </a:rPr>
+              <a:t>db.emp.find()[db.emp.find().count()-1]</a:t>
+            </a:r>
+          </a:p>
+        </p:txBody>
+      </p:sp>
+      <p:sp>
+        <p:nvSpPr>
+          <p:cNvPr id="8" name="Rectangle 7"/>
+          <p:cNvSpPr/>
+          <p:nvPr/>
+        </p:nvSpPr>
+        <p:spPr>
+          <a:xfrm>
+            <a:off x="149188" y="1563469"/>
+            <a:ext cx="8845624" cy="923330"/>
+          </a:xfrm>
+          <a:prstGeom prst="rect">
+            <a:avLst/>
+          </a:prstGeom>
+        </p:spPr>
+        <p:txBody>
+          <a:bodyPr wrap="square">
+            <a:spAutoFit/>
+          </a:bodyPr>
+          <a:lstStyle/>
+          <a:p>
+            <a:r>
+              <a:rPr lang="en-US" dirty="0">
+                <a:solidFill>
+                  <a:srgbClr val="049DC8"/>
+                </a:solidFill>
+                <a:latin typeface="Consolas" panose="020B0609020204030204" pitchFamily="49" charset="0"/>
+                <a:cs typeface="Calibri" panose="020F0502020204030204" pitchFamily="34" charset="0"/>
+              </a:rPr>
+              <a:t>db [</a:t>
+            </a:r>
+            <a:r>
+              <a:rPr lang="en-US" dirty="0">
+                <a:solidFill>
+                  <a:srgbClr val="049DC8"/>
+                </a:solidFill>
+                <a:latin typeface="Consolas" panose="020B0609020204030204" pitchFamily="49" charset="0"/>
+                <a:cs typeface="Calibri" panose="020F0502020204030204" pitchFamily="34" charset="0"/>
+              </a:rPr>
+              <a:t>'collection'].</a:t>
+            </a:r>
+            <a:r>
+              <a:rPr lang="en-US" dirty="0">
+                <a:solidFill>
+                  <a:srgbClr val="049DC8"/>
+                </a:solidFill>
+                <a:latin typeface="Consolas" panose="020B0609020204030204" pitchFamily="49" charset="0"/>
+                <a:cs typeface="Calibri" panose="020F0502020204030204" pitchFamily="34" charset="0"/>
+              </a:rPr>
+              <a:t>find (query, projection</a:t>
+            </a:r>
+            <a:r>
               <a:rPr lang="en-US" dirty="0" smtClean="0">
                 <a:solidFill>
-                  <a:srgbClr val="222222"/>
-                </a:solidFill>
-                <a:latin typeface="arial" panose="020B0604020202020204" pitchFamily="34" charset="0"/>
-              </a:rPr>
-              <a:t>TODO</a:t>
-            </a:r>
+                  <a:srgbClr val="049DC8"/>
+                </a:solidFill>
+                <a:latin typeface="Consolas" panose="020B0609020204030204" pitchFamily="49" charset="0"/>
+                <a:cs typeface="Calibri" panose="020F0502020204030204" pitchFamily="34" charset="0"/>
+              </a:rPr>
+              <a:t>) [&lt;index&gt; [.</a:t>
+            </a:r>
+            <a:r>
+              <a:rPr lang="en-US" dirty="0" smtClean="0">
+                <a:solidFill>
+                  <a:srgbClr val="049DC8"/>
+                </a:solidFill>
+                <a:latin typeface="Consolas" panose="020B0609020204030204" pitchFamily="49" charset="0"/>
+                <a:cs typeface="Calibri" panose="020F0502020204030204" pitchFamily="34" charset="0"/>
+              </a:rPr>
+              <a:t>field] ]</a:t>
+            </a:r>
+            <a:endParaRPr lang="en-US" dirty="0">
+              <a:solidFill>
+                <a:srgbClr val="049DC8"/>
+              </a:solidFill>
+              <a:latin typeface="Consolas" panose="020B0609020204030204" pitchFamily="49" charset="0"/>
+              <a:cs typeface="Calibri" panose="020F0502020204030204" pitchFamily="34" charset="0"/>
+            </a:endParaRPr>
+          </a:p>
+          <a:p>
+            <a:r>
+              <a:rPr lang="en-US" dirty="0" smtClean="0">
+                <a:solidFill>
+                  <a:srgbClr val="049DC8"/>
+                </a:solidFill>
+                <a:latin typeface="Consolas" panose="020B0609020204030204" pitchFamily="49" charset="0"/>
+                <a:cs typeface="Calibri" panose="020F0502020204030204" pitchFamily="34" charset="0"/>
+              </a:rPr>
+              <a:t>db.collection.find(query</a:t>
+            </a:r>
+            <a:r>
+              <a:rPr lang="en-US" dirty="0">
+                <a:solidFill>
+                  <a:srgbClr val="049DC8"/>
+                </a:solidFill>
+                <a:latin typeface="Consolas" panose="020B0609020204030204" pitchFamily="49" charset="0"/>
+                <a:cs typeface="Calibri" panose="020F0502020204030204" pitchFamily="34" charset="0"/>
+              </a:rPr>
+              <a:t>, projection) </a:t>
+            </a:r>
+            <a:r>
+              <a:rPr lang="en-US" dirty="0" smtClean="0">
+                <a:solidFill>
+                  <a:srgbClr val="049DC8"/>
+                </a:solidFill>
+                <a:latin typeface="Consolas" panose="020B0609020204030204" pitchFamily="49" charset="0"/>
+                <a:cs typeface="Calibri" panose="020F0502020204030204" pitchFamily="34" charset="0"/>
+              </a:rPr>
+              <a:t>[&lt;index&gt; </a:t>
+            </a:r>
+            <a:r>
+              <a:rPr lang="en-US" dirty="0" smtClean="0">
+                <a:solidFill>
+                  <a:srgbClr val="049DC8"/>
+                </a:solidFill>
+                <a:latin typeface="Consolas" panose="020B0609020204030204" pitchFamily="49" charset="0"/>
+                <a:cs typeface="Calibri" panose="020F0502020204030204" pitchFamily="34" charset="0"/>
+              </a:rPr>
+              <a:t>[.</a:t>
+            </a:r>
+            <a:r>
+              <a:rPr lang="en-US" dirty="0">
+                <a:solidFill>
+                  <a:srgbClr val="049DC8"/>
+                </a:solidFill>
+                <a:latin typeface="Consolas" panose="020B0609020204030204" pitchFamily="49" charset="0"/>
+                <a:cs typeface="Calibri" panose="020F0502020204030204" pitchFamily="34" charset="0"/>
+              </a:rPr>
+              <a:t>field</a:t>
+            </a:r>
+            <a:r>
+              <a:rPr lang="en-US" dirty="0" smtClean="0">
+                <a:solidFill>
+                  <a:srgbClr val="049DC8"/>
+                </a:solidFill>
+                <a:latin typeface="Consolas" panose="020B0609020204030204" pitchFamily="49" charset="0"/>
+                <a:cs typeface="Calibri" panose="020F0502020204030204" pitchFamily="34" charset="0"/>
+              </a:rPr>
+              <a:t>] </a:t>
+            </a:r>
+            <a:r>
+              <a:rPr lang="en-US" dirty="0" smtClean="0">
+                <a:solidFill>
+                  <a:srgbClr val="049DC8"/>
+                </a:solidFill>
+                <a:latin typeface="Consolas" panose="020B0609020204030204" pitchFamily="49" charset="0"/>
+                <a:cs typeface="Calibri" panose="020F0502020204030204" pitchFamily="34" charset="0"/>
+              </a:rPr>
+              <a:t>]</a:t>
+            </a:r>
+          </a:p>
+          <a:p>
+            <a:r>
+              <a:rPr lang="en-US" dirty="0" smtClean="0">
+                <a:solidFill>
+                  <a:srgbClr val="049DC8"/>
+                </a:solidFill>
+                <a:latin typeface="Consolas" panose="020B0609020204030204" pitchFamily="49" charset="0"/>
+                <a:cs typeface="Calibri" panose="020F0502020204030204" pitchFamily="34" charset="0"/>
+              </a:rPr>
+              <a:t>db.getCollection</a:t>
+            </a:r>
+            <a:r>
+              <a:rPr lang="en-US" dirty="0">
+                <a:solidFill>
+                  <a:srgbClr val="049DC8"/>
+                </a:solidFill>
+                <a:latin typeface="Consolas" panose="020B0609020204030204" pitchFamily="49" charset="0"/>
+                <a:cs typeface="Calibri" panose="020F0502020204030204" pitchFamily="34" charset="0"/>
+              </a:rPr>
+              <a:t>('name</a:t>
+            </a:r>
+            <a:r>
+              <a:rPr lang="en-US" dirty="0" smtClean="0">
+                <a:solidFill>
+                  <a:srgbClr val="049DC8"/>
+                </a:solidFill>
+                <a:latin typeface="Consolas" panose="020B0609020204030204" pitchFamily="49" charset="0"/>
+                <a:cs typeface="Calibri" panose="020F0502020204030204" pitchFamily="34" charset="0"/>
+              </a:rPr>
+              <a:t>').</a:t>
+            </a:r>
+            <a:r>
+              <a:rPr lang="en-US" dirty="0">
+                <a:solidFill>
+                  <a:srgbClr val="049DC8"/>
+                </a:solidFill>
+                <a:latin typeface="Consolas" panose="020B0609020204030204" pitchFamily="49" charset="0"/>
+                <a:cs typeface="Calibri" panose="020F0502020204030204" pitchFamily="34" charset="0"/>
+              </a:rPr>
+              <a:t>find (query, projection</a:t>
+            </a:r>
+            <a:r>
+              <a:rPr lang="en-US" dirty="0" smtClean="0">
+                <a:solidFill>
+                  <a:srgbClr val="049DC8"/>
+                </a:solidFill>
+                <a:latin typeface="Consolas" panose="020B0609020204030204" pitchFamily="49" charset="0"/>
+                <a:cs typeface="Calibri" panose="020F0502020204030204" pitchFamily="34" charset="0"/>
+              </a:rPr>
+              <a:t>) [&lt;index&gt; </a:t>
+            </a:r>
+            <a:r>
+              <a:rPr lang="en-US" dirty="0">
+                <a:solidFill>
+                  <a:srgbClr val="049DC8"/>
+                </a:solidFill>
+                <a:latin typeface="Consolas" panose="020B0609020204030204" pitchFamily="49" charset="0"/>
+                <a:cs typeface="Calibri" panose="020F0502020204030204" pitchFamily="34" charset="0"/>
+              </a:rPr>
+              <a:t>[.field] </a:t>
+            </a:r>
+            <a:r>
+              <a:rPr lang="en-US" dirty="0" smtClean="0">
+                <a:solidFill>
+                  <a:srgbClr val="049DC8"/>
+                </a:solidFill>
+                <a:latin typeface="Consolas" panose="020B0609020204030204" pitchFamily="49" charset="0"/>
+                <a:cs typeface="Calibri" panose="020F0502020204030204" pitchFamily="34" charset="0"/>
+              </a:rPr>
+              <a:t>]</a:t>
+            </a:r>
+            <a:endParaRPr lang="en-US" dirty="0">
+              <a:solidFill>
+                <a:srgbClr val="049DC8"/>
+              </a:solidFill>
+              <a:latin typeface="Consolas" panose="020B0609020204030204" pitchFamily="49" charset="0"/>
+              <a:cs typeface="Calibri" panose="020F0502020204030204" pitchFamily="34" charset="0"/>
+            </a:endParaRPr>
           </a:p>
         </p:txBody>
       </p:sp>
     </p:spTree>
     <p:extLst>
       <p:ext uri="{BB962C8B-B14F-4D97-AF65-F5344CB8AC3E}">
-        <p14:creationId xmlns:p14="http://schemas.microsoft.com/office/powerpoint/2010/main" val="1275689109"/>
+        <p14:creationId xmlns:p14="http://schemas.microsoft.com/office/powerpoint/2010/main" val="2762672699"/>
       </p:ext>
     </p:extLst>
   </p:cSld>
   <p:clrMapOvr>
     <a:masterClrMapping/>
   </p:clrMapOvr>
-  <mc:AlternateContent xmlns:mc="http://schemas.openxmlformats.org/markup-compatibility/2006" xmlns:p14="http://schemas.microsoft.com/office/powerpoint/2010/main">
-    <mc:Choice Requires="p14">
-      <p:transition spd="slow" p14:dur="2000"/>
-    </mc:Choice>
-    <mc:Fallback xmlns="">
-      <p:transition spd="slow"/>
-    </mc:Fallback>
-  </mc:AlternateContent>
   <p:timing>
     <p:tnLst>
       <p:par>
@@ -11076,15 +11501,18 @@
                 <a:latin typeface="Arial" pitchFamily="34" charset="0"/>
                 <a:cs typeface="Arial" pitchFamily="34" charset="0"/>
               </a:rPr>
-              <a:t>db.collection.find().sort({ })</a:t>
-            </a:r>
-            <a:endParaRPr lang="en-IN" sz="3200" b="1" i="1" dirty="0">
-              <a:solidFill>
-                <a:srgbClr val="FFFF00"/>
-              </a:solidFill>
-              <a:latin typeface="Arial" pitchFamily="34" charset="0"/>
-              <a:cs typeface="Arial" pitchFamily="34" charset="0"/>
-            </a:endParaRPr>
+              <a:t>cursor with db.collection.find()</a:t>
+            </a:r>
+            <a:r>
+              <a:rPr lang="en-IN" sz="3200" b="1" i="1" dirty="0">
+                <a:solidFill>
+                  <a:srgbClr val="FFFF00"/>
+                </a:solidFill>
+                <a:latin typeface="Arial" pitchFamily="34" charset="0"/>
+                <a:cs typeface="Arial" pitchFamily="34" charset="0"/>
+              </a:rPr>
+              <a:t> </a:t>
+            </a:r>
           </a:p>
         </p:txBody>
       </p:sp>
@@ -11097,7 +11525,7 @@
         <p:spPr>
           <a:xfrm>
             <a:off x="149188" y="762000"/>
-            <a:ext cx="8845624" cy="646331"/>
+            <a:ext cx="8845624" cy="923330"/>
           </a:xfrm>
           <a:prstGeom prst="rect">
             <a:avLst/>
@@ -11111,19 +11539,7 @@
           <a:p>
             <a:r>
               <a:rPr lang="en-US" dirty="0"/>
-              <a:t>Specifies the order in which the query returns matching documents. You must apply </a:t>
-            </a:r>
-            <a:r>
-              <a:rPr lang="en-US" b="1" i="1" dirty="0">
-                <a:solidFill>
-                  <a:srgbClr val="036883"/>
-                </a:solidFill>
-              </a:rPr>
-              <a:t>sort() </a:t>
-            </a:r>
-            <a:r>
-              <a:rPr lang="en-US" dirty="0"/>
-              <a:t>to the cursor before retrieving any documents from the database.</a:t>
+              <a:t>In the mongo shell, if the returned cursor is not assigned to a variable using the var keyword, the cursor is automatically iterated to access up to the first 20 documents that match the query.</a:t>
             </a:r>
             <a:endParaRPr lang="en-IN" dirty="0"/>
           </a:p>
@@ -11137,8 +11553,84 @@
         </p:nvSpPr>
         <p:spPr>
           <a:xfrm>
-            <a:off x="154136" y="1563469"/>
-            <a:ext cx="8840676" cy="923330"/>
+            <a:off x="154136" y="1840468"/>
+            <a:ext cx="7402989" cy="369332"/>
+          </a:xfrm>
+          <a:prstGeom prst="rect">
+            <a:avLst/>
+          </a:prstGeom>
+        </p:spPr>
+        <p:txBody>
+          <a:bodyPr wrap="none">
+            <a:spAutoFit/>
+          </a:bodyPr>
+          <a:lstStyle/>
+          <a:p>
+            <a:r>
+              <a:rPr lang="en-US" dirty="0" smtClean="0">
+                <a:solidFill>
+                  <a:srgbClr val="049DC8"/>
+                </a:solidFill>
+                <a:latin typeface="Consolas" panose="020B0609020204030204" pitchFamily="49" charset="0"/>
+                <a:cs typeface="Calibri" panose="020F0502020204030204" pitchFamily="34" charset="0"/>
+              </a:rPr>
+              <a:t>var variable_name = db.collection.find(query</a:t>
+            </a:r>
+            <a:r>
+              <a:rPr lang="en-US" dirty="0">
+                <a:solidFill>
+                  <a:srgbClr val="049DC8"/>
+                </a:solidFill>
+                <a:latin typeface="Consolas" panose="020B0609020204030204" pitchFamily="49" charset="0"/>
+                <a:cs typeface="Calibri" panose="020F0502020204030204" pitchFamily="34" charset="0"/>
+              </a:rPr>
+              <a:t>, projection)</a:t>
+            </a:r>
+          </a:p>
+        </p:txBody>
+      </p:sp>
+      <p:sp>
+        <p:nvSpPr>
+          <p:cNvPr id="12" name="Rectangle 11"/>
+          <p:cNvSpPr/>
+          <p:nvPr/>
+        </p:nvSpPr>
+        <p:spPr>
+          <a:xfrm>
+            <a:off x="178876" y="2526268"/>
+            <a:ext cx="3736985" cy="369332"/>
+          </a:xfrm>
+          <a:prstGeom prst="rect">
+            <a:avLst/>
+          </a:prstGeom>
+        </p:spPr>
+        <p:txBody>
+          <a:bodyPr wrap="none">
+            <a:spAutoFit/>
+          </a:bodyPr>
+          <a:lstStyle/>
+          <a:p>
+            <a:r>
+              <a:rPr lang="en-US" dirty="0">
+                <a:solidFill>
+                  <a:srgbClr val="C00000"/>
+                </a:solidFill>
+              </a:rPr>
+              <a:t>The find() method returns a cursor.</a:t>
+            </a:r>
+          </a:p>
+        </p:txBody>
+      </p:sp>
+      <p:sp>
+        <p:nvSpPr>
+          <p:cNvPr id="3" name="Rectangle 2"/>
+          <p:cNvSpPr/>
+          <p:nvPr/>
+        </p:nvSpPr>
+        <p:spPr>
+          <a:xfrm>
+            <a:off x="224432" y="3048000"/>
+            <a:ext cx="8770379" cy="769441"/>
           </a:xfrm>
           <a:prstGeom prst="rect">
             <a:avLst/>
@@ -11151,182 +11643,6 @@
           <a:lstStyle/>
           <a:p>
             <a:r>
-              <a:rPr lang="en-US" dirty="0">
-                <a:solidFill>
-                  <a:srgbClr val="049DC8"/>
-                </a:solidFill>
-                <a:latin typeface="Consolas" panose="020B0609020204030204" pitchFamily="49" charset="0"/>
-                <a:cs typeface="Calibri" panose="020F0502020204030204" pitchFamily="34" charset="0"/>
-              </a:rPr>
-              <a:t>cursor.sort</a:t>
-            </a:r>
-            <a:r>
-              <a:rPr lang="en-US" dirty="0" smtClean="0">
-                <a:solidFill>
-                  <a:srgbClr val="049DC8"/>
-                </a:solidFill>
-                <a:latin typeface="Consolas" panose="020B0609020204030204" pitchFamily="49" charset="0"/>
-                <a:cs typeface="Calibri" panose="020F0502020204030204" pitchFamily="34" charset="0"/>
-              </a:rPr>
-              <a:t>(</a:t>
-            </a:r>
-            <a:r>
-              <a:rPr lang="en-US" dirty="0">
-                <a:solidFill>
-                  <a:srgbClr val="049DC8"/>
-                </a:solidFill>
-                <a:latin typeface="Consolas" panose="020B0609020204030204" pitchFamily="49" charset="0"/>
-                <a:cs typeface="Calibri" panose="020F0502020204030204" pitchFamily="34" charset="0"/>
-              </a:rPr>
-              <a:t>{ field: value }</a:t>
-            </a:r>
-            <a:r>
-              <a:rPr lang="en-US" dirty="0" smtClean="0">
-                <a:solidFill>
-                  <a:srgbClr val="049DC8"/>
-                </a:solidFill>
-                <a:latin typeface="Consolas" panose="020B0609020204030204" pitchFamily="49" charset="0"/>
-                <a:cs typeface="Calibri" panose="020F0502020204030204" pitchFamily="34" charset="0"/>
-              </a:rPr>
-              <a:t>)</a:t>
-            </a:r>
-            <a:endParaRPr lang="en-US" dirty="0">
-              <a:solidFill>
-                <a:srgbClr val="049DC8"/>
-              </a:solidFill>
-              <a:latin typeface="Consolas" panose="020B0609020204030204" pitchFamily="49" charset="0"/>
-              <a:cs typeface="Calibri" panose="020F0502020204030204" pitchFamily="34" charset="0"/>
-            </a:endParaRPr>
-          </a:p>
-          <a:p>
-            <a:r>
-              <a:rPr lang="en-US" dirty="0" smtClean="0">
-                <a:solidFill>
-                  <a:srgbClr val="049DC8"/>
-                </a:solidFill>
-                <a:latin typeface="Consolas" panose="020B0609020204030204" pitchFamily="49" charset="0"/>
-                <a:cs typeface="Calibri" panose="020F0502020204030204" pitchFamily="34" charset="0"/>
-              </a:rPr>
-              <a:t>db </a:t>
-            </a:r>
-            <a:r>
-              <a:rPr lang="en-US" dirty="0">
-                <a:solidFill>
-                  <a:srgbClr val="049DC8"/>
-                </a:solidFill>
-                <a:latin typeface="Consolas" panose="020B0609020204030204" pitchFamily="49" charset="0"/>
-                <a:cs typeface="Calibri" panose="020F0502020204030204" pitchFamily="34" charset="0"/>
-              </a:rPr>
-              <a:t>['emp'].find (query, projection</a:t>
-            </a:r>
-            <a:r>
-              <a:rPr lang="en-US" dirty="0" smtClean="0">
-                <a:solidFill>
-                  <a:srgbClr val="049DC8"/>
-                </a:solidFill>
-                <a:latin typeface="Consolas" panose="020B0609020204030204" pitchFamily="49" charset="0"/>
-                <a:cs typeface="Calibri" panose="020F0502020204030204" pitchFamily="34" charset="0"/>
-              </a:rPr>
-              <a:t>).</a:t>
-            </a:r>
-            <a:r>
-              <a:rPr lang="en-US" dirty="0">
-                <a:solidFill>
-                  <a:srgbClr val="049DC8"/>
-                </a:solidFill>
-                <a:latin typeface="Consolas" panose="020B0609020204030204" pitchFamily="49" charset="0"/>
-                <a:cs typeface="Calibri" panose="020F0502020204030204" pitchFamily="34" charset="0"/>
-              </a:rPr>
-              <a:t>sort({ field: value }) </a:t>
-            </a:r>
-          </a:p>
-          <a:p>
-            <a:r>
-              <a:rPr lang="en-US" dirty="0">
-                <a:solidFill>
-                  <a:srgbClr val="049DC8"/>
-                </a:solidFill>
-                <a:latin typeface="Consolas" panose="020B0609020204030204" pitchFamily="49" charset="0"/>
-                <a:cs typeface="Calibri" panose="020F0502020204030204" pitchFamily="34" charset="0"/>
-              </a:rPr>
-              <a:t>db.collection.find(query, projection</a:t>
-            </a:r>
-            <a:r>
-              <a:rPr lang="en-US" dirty="0" smtClean="0">
-                <a:solidFill>
-                  <a:srgbClr val="049DC8"/>
-                </a:solidFill>
-                <a:latin typeface="Consolas" panose="020B0609020204030204" pitchFamily="49" charset="0"/>
-                <a:cs typeface="Calibri" panose="020F0502020204030204" pitchFamily="34" charset="0"/>
-              </a:rPr>
-              <a:t>).</a:t>
-            </a:r>
-            <a:r>
-              <a:rPr lang="en-US" dirty="0">
-                <a:solidFill>
-                  <a:srgbClr val="049DC8"/>
-                </a:solidFill>
-                <a:latin typeface="Consolas" panose="020B0609020204030204" pitchFamily="49" charset="0"/>
-                <a:cs typeface="Calibri" panose="020F0502020204030204" pitchFamily="34" charset="0"/>
-              </a:rPr>
-              <a:t>sort({ field: value })</a:t>
-            </a:r>
-          </a:p>
-        </p:txBody>
-      </p:sp>
-      <p:sp>
-        <p:nvSpPr>
-          <p:cNvPr id="3" name="Rectangle 2"/>
-          <p:cNvSpPr/>
-          <p:nvPr/>
-        </p:nvSpPr>
-        <p:spPr>
-          <a:xfrm>
-            <a:off x="160073" y="2782669"/>
-            <a:ext cx="8823853" cy="646331"/>
-          </a:xfrm>
-          <a:prstGeom prst="rect">
-            <a:avLst/>
-          </a:prstGeom>
-          <a:solidFill>
-            <a:srgbClr val="DFE100"/>
-          </a:solidFill>
-        </p:spPr>
-        <p:txBody>
-          <a:bodyPr wrap="square">
-            <a:spAutoFit/>
-          </a:bodyPr>
-          <a:lstStyle/>
-          <a:p>
-            <a:r>
-              <a:rPr lang="en-US" dirty="0"/>
-              <a:t>Specify in the sort parameter  1 or -1 to specify an ascending or descending sort respectively.</a:t>
-            </a:r>
-          </a:p>
-        </p:txBody>
-      </p:sp>
-      <p:sp>
-        <p:nvSpPr>
-          <p:cNvPr id="5" name="Rectangle 4"/>
-          <p:cNvSpPr/>
-          <p:nvPr/>
-        </p:nvSpPr>
-        <p:spPr>
-          <a:xfrm>
-            <a:off x="160072" y="3768804"/>
-            <a:ext cx="8823853" cy="892552"/>
-          </a:xfrm>
-          <a:prstGeom prst="rect">
-            <a:avLst/>
-          </a:prstGeom>
-        </p:spPr>
-        <p:txBody>
-          <a:bodyPr wrap="square">
-            <a:spAutoFit/>
-          </a:bodyPr>
-          <a:lstStyle/>
-          <a:p>
-            <a:r>
               <a:rPr lang="en-US" sz="2200" dirty="0">
                 <a:solidFill>
                   <a:srgbClr val="FC6F0D"/>
@@ -11334,58 +11650,19 @@
                 <a:latin typeface="Calibri" panose="020F0502020204030204" pitchFamily="34" charset="0"/>
                 <a:cs typeface="Calibri" panose="020F0502020204030204" pitchFamily="34" charset="0"/>
               </a:rPr>
-              <a:t>db['emp'].find({},{ename:true}).sort({ename:1</a:t>
-            </a:r>
-            <a:r>
-              <a:rPr lang="en-US" sz="2200" dirty="0" smtClean="0">
+              <a:t>var x = db ['emp'].find ()</a:t>
+            </a:r>
+          </a:p>
+          <a:p>
+            <a:r>
+              <a:rPr lang="en-US" sz="2200" dirty="0">
                 <a:solidFill>
                   <a:srgbClr val="FC6F0D"/>
                 </a:solidFill>
                 <a:latin typeface="Calibri" panose="020F0502020204030204" pitchFamily="34" charset="0"/>
                 <a:cs typeface="Calibri" panose="020F0502020204030204" pitchFamily="34" charset="0"/>
               </a:rPr>
-              <a:t>});</a:t>
-            </a:r>
-          </a:p>
-          <a:p>
-            <a:endParaRPr lang="en-US" sz="800" dirty="0" smtClean="0">
-              <a:solidFill>
-                <a:srgbClr val="FC6F0D"/>
-              </a:solidFill>
-              <a:latin typeface="Calibri" panose="020F0502020204030204" pitchFamily="34" charset="0"/>
-              <a:cs typeface="Calibri" panose="020F0502020204030204" pitchFamily="34" charset="0"/>
-            </a:endParaRPr>
-          </a:p>
-          <a:p>
-            <a:r>
-              <a:rPr lang="en-US" sz="2200" dirty="0">
-                <a:solidFill>
-                  <a:srgbClr val="FC6F0D"/>
-                </a:solidFill>
-                <a:latin typeface="Calibri" panose="020F0502020204030204" pitchFamily="34" charset="0"/>
-                <a:cs typeface="Calibri" panose="020F0502020204030204" pitchFamily="34" charset="0"/>
-              </a:rPr>
-              <a:t>db['emp'].find({},{ename:true}).sort({ename</a:t>
-            </a:r>
-            <a:r>
-              <a:rPr lang="en-US" sz="2200" dirty="0" smtClean="0">
-                <a:solidFill>
-                  <a:srgbClr val="FC6F0D"/>
-                </a:solidFill>
-                <a:latin typeface="Calibri" panose="020F0502020204030204" pitchFamily="34" charset="0"/>
-                <a:cs typeface="Calibri" panose="020F0502020204030204" pitchFamily="34" charset="0"/>
-              </a:rPr>
-              <a:t>:-1</a:t>
-            </a:r>
-            <a:r>
-              <a:rPr lang="en-US" sz="2200" dirty="0">
-                <a:solidFill>
-                  <a:srgbClr val="FC6F0D"/>
-                </a:solidFill>
-                <a:latin typeface="Calibri" panose="020F0502020204030204" pitchFamily="34" charset="0"/>
-                <a:cs typeface="Calibri" panose="020F0502020204030204" pitchFamily="34" charset="0"/>
-              </a:rPr>
-              <a:t>});</a:t>
+              <a:t>x.forEach(printjson)</a:t>
             </a:r>
           </a:p>
         </p:txBody>
@@ -11393,7 +11670,7 @@
     </p:spTree>
     <p:extLst>
       <p:ext uri="{BB962C8B-B14F-4D97-AF65-F5344CB8AC3E}">
-        <p14:creationId xmlns:p14="http://schemas.microsoft.com/office/powerpoint/2010/main" val="3558721917"/>
+        <p14:creationId xmlns:p14="http://schemas.microsoft.com/office/powerpoint/2010/main" val="1504006984"/>
       </p:ext>
     </p:extLst>
   </p:cSld>
@@ -11468,7 +11745,7 @@
           <a:p>
             <a:r>
               <a:rPr lang="en-IN" dirty="0" smtClean="0"/>
-              <a:t>limit</a:t>
+              <a:t>sort</a:t>
             </a:r>
             <a:endParaRPr lang="en-US" dirty="0"/>
           </a:p>
@@ -11516,7 +11793,7 @@
     </p:spTree>
     <p:extLst>
       <p:ext uri="{BB962C8B-B14F-4D97-AF65-F5344CB8AC3E}">
-        <p14:creationId xmlns:p14="http://schemas.microsoft.com/office/powerpoint/2010/main" val="2279083902"/>
+        <p14:creationId xmlns:p14="http://schemas.microsoft.com/office/powerpoint/2010/main" val="1275689109"/>
       </p:ext>
     </p:extLst>
   </p:cSld>
@@ -11755,7 +12032,7 @@
                 <a:latin typeface="Arial" pitchFamily="34" charset="0"/>
                 <a:cs typeface="Arial" pitchFamily="34" charset="0"/>
               </a:rPr>
-              <a:t>db.collection.find().limit()</a:t>
+              <a:t>db.collection.find().sort({ })</a:t>
             </a:r>
             <a:endParaRPr lang="en-IN" sz="3200" b="1" i="1" dirty="0">
               <a:solidFill>
@@ -11790,7 +12067,7 @@
           <a:p>
             <a:r>
               <a:rPr lang="en-US" dirty="0"/>
-              <a:t>Use the </a:t>
+              <a:t>Specifies the order in which the query returns matching documents. You must apply </a:t>
             </a:r>
             <a:r>
               <a:rPr lang="en-US" b="1" i="1" dirty="0">
@@ -11798,11 +12075,11 @@
                   <a:srgbClr val="036883"/>
                 </a:solidFill>
               </a:rPr>
-              <a:t>limit()</a:t>
+              <a:t>sort() </a:t>
             </a:r>
             <a:r>
               <a:rPr lang="en-US" dirty="0"/>
-              <a:t> method to specify the maximum number of documents the cursor will return.</a:t>
+              <a:t>to the cursor before retrieving any documents from the database.</a:t>
             </a:r>
             <a:endParaRPr lang="en-IN" dirty="0"/>
           </a:p>
@@ -11830,6 +12107,16 @@
           <a:lstStyle/>
           <a:p>
             <a:r>
+              <a:rPr lang="en-US" dirty="0">
+                <a:solidFill>
+                  <a:srgbClr val="049DC8"/>
+                </a:solidFill>
+                <a:latin typeface="Consolas" panose="020B0609020204030204" pitchFamily="49" charset="0"/>
+                <a:cs typeface="Calibri" panose="020F0502020204030204" pitchFamily="34" charset="0"/>
+              </a:rPr>
+              <a:t>cursor.sort</a:t>
+            </a:r>
+            <a:r>
               <a:rPr lang="en-US" dirty="0" smtClean="0">
                 <a:solidFill>
                   <a:srgbClr val="049DC8"/>
@@ -11837,7 +12124,7 @@
                 <a:latin typeface="Consolas" panose="020B0609020204030204" pitchFamily="49" charset="0"/>
                 <a:cs typeface="Calibri" panose="020F0502020204030204" pitchFamily="34" charset="0"/>
               </a:rPr>
-              <a:t>cursor.limit(</a:t>
+              <a:t>(</a:t>
             </a:r>
             <a:r>
               <a:rPr lang="en-US" dirty="0">
@@ -11847,7 +12134,7 @@
                 <a:latin typeface="Consolas" panose="020B0609020204030204" pitchFamily="49" charset="0"/>
                 <a:cs typeface="Calibri" panose="020F0502020204030204" pitchFamily="34" charset="0"/>
               </a:rPr>
-              <a:t>&lt;number&gt;</a:t>
+              <a:t>{ field: value }</a:t>
             </a:r>
             <a:r>
               <a:rPr lang="en-US" dirty="0" smtClean="0">
@@ -11886,7 +12173,27 @@
                 <a:latin typeface="Consolas" panose="020B0609020204030204" pitchFamily="49" charset="0"/>
                 <a:cs typeface="Calibri" panose="020F0502020204030204" pitchFamily="34" charset="0"/>
               </a:rPr>
-              <a:t>['emp'].find (query, projection</a:t>
+              <a:t>[</a:t>
+            </a:r>
+            <a:r>
+              <a:rPr lang="en-US" dirty="0">
+                <a:solidFill>
+                  <a:srgbClr val="049DC8"/>
+                </a:solidFill>
+                <a:latin typeface="Consolas" panose="020B0609020204030204" pitchFamily="49" charset="0"/>
+                <a:cs typeface="Calibri" panose="020F0502020204030204" pitchFamily="34" charset="0"/>
+              </a:rPr>
+              <a:t>'collection'].</a:t>
+            </a:r>
+            <a:r>
+              <a:rPr lang="en-US" dirty="0">
+                <a:solidFill>
+                  <a:srgbClr val="049DC8"/>
+                </a:solidFill>
+                <a:latin typeface="Consolas" panose="020B0609020204030204" pitchFamily="49" charset="0"/>
+                <a:cs typeface="Calibri" panose="020F0502020204030204" pitchFamily="34" charset="0"/>
+              </a:rPr>
+              <a:t>find (query, projection</a:t>
             </a:r>
             <a:r>
               <a:rPr lang="en-US" dirty="0" smtClean="0">
@@ -11896,17 +12203,8 @@
                 <a:latin typeface="Consolas" panose="020B0609020204030204" pitchFamily="49" charset="0"/>
                 <a:cs typeface="Calibri" panose="020F0502020204030204" pitchFamily="34" charset="0"/>
               </a:rPr>
-              <a:t>).limit(&lt;number&gt;) </a:t>
-            </a:r>
-            <a:endParaRPr lang="en-US" dirty="0">
-              <a:solidFill>
-                <a:srgbClr val="049DC8"/>
-              </a:solidFill>
-              <a:latin typeface="Consolas" panose="020B0609020204030204" pitchFamily="49" charset="0"/>
-              <a:cs typeface="Calibri" panose="020F0502020204030204" pitchFamily="34" charset="0"/>
-            </a:endParaRPr>
-          </a:p>
-          <a:p>
+              <a:t>).</a:t>
+            </a:r>
             <a:r>
               <a:rPr lang="en-US" dirty="0">
                 <a:solidFill>
@@ -11915,6 +12213,18 @@
                 <a:latin typeface="Consolas" panose="020B0609020204030204" pitchFamily="49" charset="0"/>
                 <a:cs typeface="Calibri" panose="020F0502020204030204" pitchFamily="34" charset="0"/>
               </a:rPr>
+              <a:t>sort({ field: value }) </a:t>
+            </a:r>
+          </a:p>
+          <a:p>
+            <a:r>
+              <a:rPr lang="en-US" dirty="0">
+                <a:solidFill>
+                  <a:srgbClr val="049DC8"/>
+                </a:solidFill>
+                <a:latin typeface="Consolas" panose="020B0609020204030204" pitchFamily="49" charset="0"/>
+                <a:cs typeface="Calibri" panose="020F0502020204030204" pitchFamily="34" charset="0"/>
+              </a:rPr>
               <a:t>db.collection.find(query, projection</a:t>
             </a:r>
             <a:r>
@@ -11935,62 +12245,28 @@
                 <a:latin typeface="Consolas" panose="020B0609020204030204" pitchFamily="49" charset="0"/>
                 <a:cs typeface="Calibri" panose="020F0502020204030204" pitchFamily="34" charset="0"/>
               </a:rPr>
-              <a:t>limit</a:t>
-            </a:r>
-            <a:r>
-              <a:rPr lang="en-US" dirty="0" smtClean="0">
-                <a:solidFill>
-                  <a:srgbClr val="049DC8"/>
-                </a:solidFill>
-                <a:latin typeface="Consolas" panose="020B0609020204030204" pitchFamily="49" charset="0"/>
-                <a:cs typeface="Calibri" panose="020F0502020204030204" pitchFamily="34" charset="0"/>
-              </a:rPr>
-              <a:t>(</a:t>
-            </a:r>
-            <a:r>
-              <a:rPr lang="en-US" dirty="0">
-                <a:solidFill>
-                  <a:srgbClr val="049DC8"/>
-                </a:solidFill>
-                <a:latin typeface="Consolas" panose="020B0609020204030204" pitchFamily="49" charset="0"/>
-                <a:cs typeface="Calibri" panose="020F0502020204030204" pitchFamily="34" charset="0"/>
-              </a:rPr>
-              <a:t>&lt;number&gt;</a:t>
-            </a:r>
-            <a:r>
-              <a:rPr lang="en-US" dirty="0" smtClean="0">
-                <a:solidFill>
-                  <a:srgbClr val="049DC8"/>
-                </a:solidFill>
-                <a:latin typeface="Consolas" panose="020B0609020204030204" pitchFamily="49" charset="0"/>
-                <a:cs typeface="Calibri" panose="020F0502020204030204" pitchFamily="34" charset="0"/>
-              </a:rPr>
-              <a:t>)</a:t>
-            </a:r>
-            <a:endParaRPr lang="en-US" dirty="0">
-              <a:solidFill>
-                <a:srgbClr val="049DC8"/>
-              </a:solidFill>
-              <a:latin typeface="Consolas" panose="020B0609020204030204" pitchFamily="49" charset="0"/>
-              <a:cs typeface="Calibri" panose="020F0502020204030204" pitchFamily="34" charset="0"/>
-            </a:endParaRPr>
-          </a:p>
-        </p:txBody>
-      </p:sp>
-      <p:sp>
-        <p:nvSpPr>
-          <p:cNvPr id="2" name="Rectangle 1"/>
+              <a:t>sort({ field: value })</a:t>
+            </a:r>
+          </a:p>
+        </p:txBody>
+      </p:sp>
+      <p:sp>
+        <p:nvSpPr>
+          <p:cNvPr id="3" name="Rectangle 2"/>
           <p:cNvSpPr/>
           <p:nvPr/>
         </p:nvSpPr>
         <p:spPr>
           <a:xfrm>
-            <a:off x="149188" y="2676436"/>
-            <a:ext cx="8845624" cy="892552"/>
-          </a:xfrm>
-          <a:prstGeom prst="rect">
-            <a:avLst/>
-          </a:prstGeom>
+            <a:off x="160073" y="2782669"/>
+            <a:ext cx="8823853" cy="646331"/>
+          </a:xfrm>
+          <a:prstGeom prst="rect">
+            <a:avLst/>
+          </a:prstGeom>
+          <a:solidFill>
+            <a:srgbClr val="DFE100"/>
+          </a:solidFill>
         </p:spPr>
         <p:txBody>
           <a:bodyPr wrap="square">
@@ -11999,6 +12275,34 @@
           <a:lstStyle/>
           <a:p>
             <a:r>
+              <a:rPr lang="en-US" dirty="0"/>
+              <a:t>Specify in the sort parameter  1 or -1 to specify an ascending or descending sort respectively.</a:t>
+            </a:r>
+          </a:p>
+        </p:txBody>
+      </p:sp>
+      <p:sp>
+        <p:nvSpPr>
+          <p:cNvPr id="5" name="Rectangle 4"/>
+          <p:cNvSpPr/>
+          <p:nvPr/>
+        </p:nvSpPr>
+        <p:spPr>
+          <a:xfrm>
+            <a:off x="160072" y="3768804"/>
+            <a:ext cx="8823853" cy="892552"/>
+          </a:xfrm>
+          <a:prstGeom prst="rect">
+            <a:avLst/>
+          </a:prstGeom>
+        </p:spPr>
+        <p:txBody>
+          <a:bodyPr wrap="square">
+            <a:spAutoFit/>
+          </a:bodyPr>
+          <a:lstStyle/>
+          <a:p>
+            <a:r>
               <a:rPr lang="en-US" sz="2200" dirty="0">
                 <a:solidFill>
                   <a:srgbClr val="FC6F0D"/>
@@ -12006,7 +12310,7 @@
                 <a:latin typeface="Calibri" panose="020F0502020204030204" pitchFamily="34" charset="0"/>
                 <a:cs typeface="Calibri" panose="020F0502020204030204" pitchFamily="34" charset="0"/>
               </a:rPr>
-              <a:t>db['emp'].find({},{ename:true}).</a:t>
+              <a:t>db['emp'].find({},{ename:true}).sort({ename:1</a:t>
             </a:r>
             <a:r>
               <a:rPr lang="en-US" sz="2200" dirty="0" smtClean="0">
@@ -12016,50 +12320,11 @@
                 <a:latin typeface="Calibri" panose="020F0502020204030204" pitchFamily="34" charset="0"/>
                 <a:cs typeface="Calibri" panose="020F0502020204030204" pitchFamily="34" charset="0"/>
               </a:rPr>
-              <a:t>limit(0);	</a:t>
-            </a:r>
-            <a:r>
-              <a:rPr lang="en-US" sz="2200" dirty="0" smtClean="0">
-                <a:solidFill>
-                  <a:srgbClr val="00B050"/>
-                </a:solidFill>
-                <a:latin typeface="Calibri" panose="020F0502020204030204" pitchFamily="34" charset="0"/>
-                <a:cs typeface="Calibri" panose="020F0502020204030204" pitchFamily="34" charset="0"/>
-              </a:rPr>
-              <a:t>// all documents</a:t>
+              <a:t>});</a:t>
             </a:r>
           </a:p>
           <a:p>
             <a:endParaRPr lang="en-US" sz="800" dirty="0" smtClean="0">
-              <a:solidFill>
-                <a:srgbClr val="00B050"/>
-              </a:solidFill>
-              <a:latin typeface="Calibri" panose="020F0502020204030204" pitchFamily="34" charset="0"/>
-              <a:cs typeface="Calibri" panose="020F0502020204030204" pitchFamily="34" charset="0"/>
-            </a:endParaRPr>
-          </a:p>
-          <a:p>
-            <a:r>
-              <a:rPr lang="en-US" sz="2200" dirty="0">
-                <a:solidFill>
-                  <a:srgbClr val="FC6F0D"/>
-                </a:solidFill>
-                <a:latin typeface="Calibri" panose="020F0502020204030204" pitchFamily="34" charset="0"/>
-                <a:cs typeface="Calibri" panose="020F0502020204030204" pitchFamily="34" charset="0"/>
-              </a:rPr>
-              <a:t>db['emp'].find({},{ename:true}).limit(2</a:t>
-            </a:r>
-            <a:r>
-              <a:rPr lang="en-US" sz="2200" dirty="0" smtClean="0">
-                <a:solidFill>
-                  <a:srgbClr val="FC6F0D"/>
-                </a:solidFill>
-                <a:latin typeface="Calibri" panose="020F0502020204030204" pitchFamily="34" charset="0"/>
-                <a:cs typeface="Calibri" panose="020F0502020204030204" pitchFamily="34" charset="0"/>
-              </a:rPr>
-              <a:t>);</a:t>
-            </a:r>
-            <a:endParaRPr lang="en-US" sz="2200" dirty="0">
               <a:solidFill>
                 <a:srgbClr val="FC6F0D"/>
               </a:solidFill>
@@ -12067,41 +12332,36 @@
               <a:cs typeface="Calibri" panose="020F0502020204030204" pitchFamily="34" charset="0"/>
             </a:endParaRPr>
           </a:p>
-        </p:txBody>
-      </p:sp>
-      <p:sp>
-        <p:nvSpPr>
-          <p:cNvPr id="3" name="Rectangle 2"/>
-          <p:cNvSpPr/>
-          <p:nvPr/>
-        </p:nvSpPr>
-        <p:spPr>
-          <a:xfrm>
-            <a:off x="31667" y="49975"/>
-            <a:ext cx="3432212" cy="646331"/>
-          </a:xfrm>
-          <a:prstGeom prst="rect">
-            <a:avLst/>
-          </a:prstGeom>
-          <a:solidFill>
-            <a:srgbClr val="90E183"/>
-          </a:solidFill>
-        </p:spPr>
-        <p:txBody>
-          <a:bodyPr wrap="square">
-            <a:spAutoFit/>
-          </a:bodyPr>
-          <a:lstStyle/>
-          <a:p>
-            <a:r>
-              <a:rPr lang="en-US" dirty="0">
-                <a:solidFill>
-                  <a:schemeClr val="bg2">
-                    <a:lumMod val="25000"/>
-                  </a:schemeClr>
-                </a:solidFill>
-              </a:rPr>
-              <a:t>A limit() value of 0 (i.e. .limit(0)) is equivalent to setting no limit.</a:t>
+          <a:p>
+            <a:r>
+              <a:rPr lang="en-US" sz="2200" dirty="0">
+                <a:solidFill>
+                  <a:srgbClr val="FC6F0D"/>
+                </a:solidFill>
+                <a:latin typeface="Calibri" panose="020F0502020204030204" pitchFamily="34" charset="0"/>
+                <a:cs typeface="Calibri" panose="020F0502020204030204" pitchFamily="34" charset="0"/>
+              </a:rPr>
+              <a:t>db['emp'].find({},{ename:true}).sort({ename</a:t>
+            </a:r>
+            <a:r>
+              <a:rPr lang="en-US" sz="2200" dirty="0" smtClean="0">
+                <a:solidFill>
+                  <a:srgbClr val="FC6F0D"/>
+                </a:solidFill>
+                <a:latin typeface="Calibri" panose="020F0502020204030204" pitchFamily="34" charset="0"/>
+                <a:cs typeface="Calibri" panose="020F0502020204030204" pitchFamily="34" charset="0"/>
+              </a:rPr>
+              <a:t>:-1</a:t>
+            </a:r>
+            <a:r>
+              <a:rPr lang="en-US" sz="2200" dirty="0">
+                <a:solidFill>
+                  <a:srgbClr val="FC6F0D"/>
+                </a:solidFill>
+                <a:latin typeface="Calibri" panose="020F0502020204030204" pitchFamily="34" charset="0"/>
+                <a:cs typeface="Calibri" panose="020F0502020204030204" pitchFamily="34" charset="0"/>
+              </a:rPr>
+              <a:t>});</a:t>
             </a:r>
           </a:p>
         </p:txBody>
@@ -12109,7 +12369,7 @@
     </p:spTree>
     <p:extLst>
       <p:ext uri="{BB962C8B-B14F-4D97-AF65-F5344CB8AC3E}">
-        <p14:creationId xmlns:p14="http://schemas.microsoft.com/office/powerpoint/2010/main" val="1180999377"/>
+        <p14:creationId xmlns:p14="http://schemas.microsoft.com/office/powerpoint/2010/main" val="3558721917"/>
       </p:ext>
     </p:extLst>
   </p:cSld>
@@ -12184,7 +12444,7 @@
           <a:p>
             <a:r>
               <a:rPr lang="en-IN" dirty="0" smtClean="0"/>
-              <a:t>skip</a:t>
+              <a:t>limit</a:t>
             </a:r>
             <a:endParaRPr lang="en-US" dirty="0"/>
           </a:p>
@@ -12232,7 +12492,7 @@
     </p:spTree>
     <p:extLst>
       <p:ext uri="{BB962C8B-B14F-4D97-AF65-F5344CB8AC3E}">
-        <p14:creationId xmlns:p14="http://schemas.microsoft.com/office/powerpoint/2010/main" val="3719784492"/>
+        <p14:creationId xmlns:p14="http://schemas.microsoft.com/office/powerpoint/2010/main" val="2279083902"/>
       </p:ext>
     </p:extLst>
   </p:cSld>
@@ -12313,7 +12573,7 @@
                 <a:latin typeface="Arial" pitchFamily="34" charset="0"/>
                 <a:cs typeface="Arial" pitchFamily="34" charset="0"/>
               </a:rPr>
-              <a:t>db.collection.find().skip()</a:t>
+              <a:t>db.collection.find().limit()</a:t>
             </a:r>
             <a:endParaRPr lang="en-IN" sz="3200" b="1" i="1" dirty="0">
               <a:solidFill>
@@ -12348,7 +12608,7 @@
           <a:p>
             <a:r>
               <a:rPr lang="en-US" dirty="0"/>
-              <a:t>The </a:t>
+              <a:t>Use the </a:t>
             </a:r>
             <a:r>
               <a:rPr lang="en-US" b="1" i="1" dirty="0">
@@ -12356,11 +12616,11 @@
                   <a:srgbClr val="036883"/>
                 </a:solidFill>
               </a:rPr>
-              <a:t>skip()</a:t>
+              <a:t>limit()</a:t>
             </a:r>
             <a:r>
               <a:rPr lang="en-US" dirty="0"/>
-              <a:t> method is used for skipping the given number of documents in the Query result.</a:t>
+              <a:t> method to specify the maximum number of documents the cursor will return.</a:t>
             </a:r>
             <a:endParaRPr lang="en-IN" dirty="0"/>
           </a:p>
@@ -12388,6 +12648,16 @@
           <a:lstStyle/>
           <a:p>
             <a:r>
+              <a:rPr lang="en-US" dirty="0" smtClean="0">
+                <a:solidFill>
+                  <a:srgbClr val="049DC8"/>
+                </a:solidFill>
+                <a:latin typeface="Consolas" panose="020B0609020204030204" pitchFamily="49" charset="0"/>
+                <a:cs typeface="Calibri" panose="020F0502020204030204" pitchFamily="34" charset="0"/>
+              </a:rPr>
+              <a:t>cursor.limit(</a:t>
+            </a:r>
+            <a:r>
               <a:rPr lang="en-US" dirty="0">
                 <a:solidFill>
                   <a:srgbClr val="049DC8"/>
@@ -12395,7 +12665,7 @@
                 <a:latin typeface="Consolas" panose="020B0609020204030204" pitchFamily="49" charset="0"/>
                 <a:cs typeface="Calibri" panose="020F0502020204030204" pitchFamily="34" charset="0"/>
               </a:rPr>
-              <a:t>cursor.skip</a:t>
+              <a:t>&lt;number&gt;</a:t>
             </a:r>
             <a:r>
               <a:rPr lang="en-US" dirty="0" smtClean="0">
@@ -12405,7 +12675,7 @@
                 <a:latin typeface="Consolas" panose="020B0609020204030204" pitchFamily="49" charset="0"/>
                 <a:cs typeface="Calibri" panose="020F0502020204030204" pitchFamily="34" charset="0"/>
               </a:rPr>
-              <a:t>(&lt;offset_number&gt;)</a:t>
+              <a:t>)</a:t>
             </a:r>
             <a:endParaRPr lang="en-US" dirty="0">
               <a:solidFill>
@@ -12434,7 +12704,27 @@
                 <a:latin typeface="Consolas" panose="020B0609020204030204" pitchFamily="49" charset="0"/>
                 <a:cs typeface="Calibri" panose="020F0502020204030204" pitchFamily="34" charset="0"/>
               </a:rPr>
-              <a:t>['emp'].find (query, projection</a:t>
+              <a:t>[</a:t>
+            </a:r>
+            <a:r>
+              <a:rPr lang="en-US" dirty="0">
+                <a:solidFill>
+                  <a:srgbClr val="049DC8"/>
+                </a:solidFill>
+                <a:latin typeface="Consolas" panose="020B0609020204030204" pitchFamily="49" charset="0"/>
+                <a:cs typeface="Calibri" panose="020F0502020204030204" pitchFamily="34" charset="0"/>
+              </a:rPr>
+              <a:t>'collection'].</a:t>
+            </a:r>
+            <a:r>
+              <a:rPr lang="en-US" dirty="0">
+                <a:solidFill>
+                  <a:srgbClr val="049DC8"/>
+                </a:solidFill>
+                <a:latin typeface="Consolas" panose="020B0609020204030204" pitchFamily="49" charset="0"/>
+                <a:cs typeface="Calibri" panose="020F0502020204030204" pitchFamily="34" charset="0"/>
+              </a:rPr>
+              <a:t>find (query, projection</a:t>
             </a:r>
             <a:r>
               <a:rPr lang="en-US" dirty="0" smtClean="0">
@@ -12444,27 +12734,7 @@
                 <a:latin typeface="Consolas" panose="020B0609020204030204" pitchFamily="49" charset="0"/>
                 <a:cs typeface="Calibri" panose="020F0502020204030204" pitchFamily="34" charset="0"/>
               </a:rPr>
-              <a:t>).</a:t>
-            </a:r>
-            <a:r>
-              <a:rPr lang="en-US" dirty="0">
-                <a:solidFill>
-                  <a:srgbClr val="049DC8"/>
-                </a:solidFill>
-                <a:latin typeface="Consolas" panose="020B0609020204030204" pitchFamily="49" charset="0"/>
-                <a:cs typeface="Calibri" panose="020F0502020204030204" pitchFamily="34" charset="0"/>
-              </a:rPr>
-              <a:t>skip(&lt;</a:t>
-            </a:r>
-            <a:r>
-              <a:rPr lang="en-US" dirty="0" smtClean="0">
-                <a:solidFill>
-                  <a:srgbClr val="049DC8"/>
-                </a:solidFill>
-                <a:latin typeface="Consolas" panose="020B0609020204030204" pitchFamily="49" charset="0"/>
-                <a:cs typeface="Calibri" panose="020F0502020204030204" pitchFamily="34" charset="0"/>
-              </a:rPr>
-              <a:t>offset_number&gt;) </a:t>
+              <a:t>).limit(&lt;number&gt;) </a:t>
             </a:r>
             <a:endParaRPr lang="en-US" dirty="0">
               <a:solidFill>
@@ -12503,7 +12773,7 @@
                 <a:latin typeface="Consolas" panose="020B0609020204030204" pitchFamily="49" charset="0"/>
                 <a:cs typeface="Calibri" panose="020F0502020204030204" pitchFamily="34" charset="0"/>
               </a:rPr>
-              <a:t>skip(&lt;</a:t>
+              <a:t>limit</a:t>
             </a:r>
             <a:r>
               <a:rPr lang="en-US" dirty="0" smtClean="0">
@@ -12513,7 +12783,27 @@
                 <a:latin typeface="Consolas" panose="020B0609020204030204" pitchFamily="49" charset="0"/>
                 <a:cs typeface="Calibri" panose="020F0502020204030204" pitchFamily="34" charset="0"/>
               </a:rPr>
-              <a:t>offset_number&gt;)</a:t>
+              <a:t>(</a:t>
+            </a:r>
+            <a:r>
+              <a:rPr lang="en-US" dirty="0">
+                <a:solidFill>
+                  <a:srgbClr val="049DC8"/>
+                </a:solidFill>
+                <a:latin typeface="Consolas" panose="020B0609020204030204" pitchFamily="49" charset="0"/>
+                <a:cs typeface="Calibri" panose="020F0502020204030204" pitchFamily="34" charset="0"/>
+              </a:rPr>
+              <a:t>&lt;number&gt;</a:t>
+            </a:r>
+            <a:r>
+              <a:rPr lang="en-US" dirty="0" smtClean="0">
+                <a:solidFill>
+                  <a:srgbClr val="049DC8"/>
+                </a:solidFill>
+                <a:latin typeface="Consolas" panose="020B0609020204030204" pitchFamily="49" charset="0"/>
+                <a:cs typeface="Calibri" panose="020F0502020204030204" pitchFamily="34" charset="0"/>
+              </a:rPr>
+              <a:t>)</a:t>
             </a:r>
             <a:endParaRPr lang="en-US" dirty="0">
               <a:solidFill>
@@ -12533,8 +12823,8 @@
         </p:nvSpPr>
         <p:spPr>
           <a:xfrm>
-            <a:off x="160074" y="2918936"/>
-            <a:ext cx="8834738" cy="430887"/>
+            <a:off x="149188" y="2676436"/>
+            <a:ext cx="8845624" cy="892552"/>
           </a:xfrm>
           <a:prstGeom prst="rect">
             <a:avLst/>
@@ -12554,7 +12844,102 @@
                 <a:latin typeface="Calibri" panose="020F0502020204030204" pitchFamily="34" charset="0"/>
                 <a:cs typeface="Calibri" panose="020F0502020204030204" pitchFamily="34" charset="0"/>
               </a:rPr>
-              <a:t>db.emp.find().skip(4);</a:t>
+              <a:t>db['emp'].find({},{ename:true}).</a:t>
+            </a:r>
+            <a:r>
+              <a:rPr lang="en-US" sz="2200" dirty="0" smtClean="0">
+                <a:solidFill>
+                  <a:srgbClr val="FC6F0D"/>
+                </a:solidFill>
+                <a:latin typeface="Calibri" panose="020F0502020204030204" pitchFamily="34" charset="0"/>
+                <a:cs typeface="Calibri" panose="020F0502020204030204" pitchFamily="34" charset="0"/>
+              </a:rPr>
+              <a:t>limit(0);	</a:t>
+            </a:r>
+            <a:r>
+              <a:rPr lang="en-US" sz="2200" dirty="0" smtClean="0">
+                <a:solidFill>
+                  <a:srgbClr val="00B050"/>
+                </a:solidFill>
+                <a:latin typeface="Calibri" panose="020F0502020204030204" pitchFamily="34" charset="0"/>
+                <a:cs typeface="Calibri" panose="020F0502020204030204" pitchFamily="34" charset="0"/>
+              </a:rPr>
+              <a:t>// all documents</a:t>
+            </a:r>
+          </a:p>
+          <a:p>
+            <a:endParaRPr lang="en-US" sz="800" dirty="0" smtClean="0">
+              <a:solidFill>
+                <a:srgbClr val="00B050"/>
+              </a:solidFill>
+              <a:latin typeface="Calibri" panose="020F0502020204030204" pitchFamily="34" charset="0"/>
+              <a:cs typeface="Calibri" panose="020F0502020204030204" pitchFamily="34" charset="0"/>
+            </a:endParaRPr>
+          </a:p>
+          <a:p>
+            <a:r>
+              <a:rPr lang="en-US" sz="2200" dirty="0">
+                <a:solidFill>
+                  <a:srgbClr val="FC6F0D"/>
+                </a:solidFill>
+                <a:latin typeface="Calibri" panose="020F0502020204030204" pitchFamily="34" charset="0"/>
+                <a:cs typeface="Calibri" panose="020F0502020204030204" pitchFamily="34" charset="0"/>
+              </a:rPr>
+              <a:t>db['emp'].find({},{ename:true}).limit(2</a:t>
+            </a:r>
+            <a:r>
+              <a:rPr lang="en-US" sz="2200" dirty="0" smtClean="0">
+                <a:solidFill>
+                  <a:srgbClr val="FC6F0D"/>
+                </a:solidFill>
+                <a:latin typeface="Calibri" panose="020F0502020204030204" pitchFamily="34" charset="0"/>
+                <a:cs typeface="Calibri" panose="020F0502020204030204" pitchFamily="34" charset="0"/>
+              </a:rPr>
+              <a:t>);</a:t>
+            </a:r>
+            <a:endParaRPr lang="en-US" sz="2200" dirty="0">
+              <a:solidFill>
+                <a:srgbClr val="FC6F0D"/>
+              </a:solidFill>
+              <a:latin typeface="Calibri" panose="020F0502020204030204" pitchFamily="34" charset="0"/>
+              <a:cs typeface="Calibri" panose="020F0502020204030204" pitchFamily="34" charset="0"/>
+            </a:endParaRPr>
+          </a:p>
+        </p:txBody>
+      </p:sp>
+      <p:sp>
+        <p:nvSpPr>
+          <p:cNvPr id="3" name="Rectangle 2"/>
+          <p:cNvSpPr/>
+          <p:nvPr/>
+        </p:nvSpPr>
+        <p:spPr>
+          <a:xfrm>
+            <a:off x="31667" y="49975"/>
+            <a:ext cx="3432212" cy="646331"/>
+          </a:xfrm>
+          <a:prstGeom prst="rect">
+            <a:avLst/>
+          </a:prstGeom>
+          <a:solidFill>
+            <a:srgbClr val="90E183"/>
+          </a:solidFill>
+        </p:spPr>
+        <p:txBody>
+          <a:bodyPr wrap="square">
+            <a:spAutoFit/>
+          </a:bodyPr>
+          <a:lstStyle/>
+          <a:p>
+            <a:r>
+              <a:rPr lang="en-US" dirty="0">
+                <a:solidFill>
+                  <a:schemeClr val="bg2">
+                    <a:lumMod val="25000"/>
+                  </a:schemeClr>
+                </a:solidFill>
+              </a:rPr>
+              <a:t>A limit() value of 0 (i.e. .limit(0)) is equivalent to setting no limit.</a:t>
             </a:r>
           </a:p>
         </p:txBody>
@@ -12562,7 +12947,7 @@
     </p:spTree>
     <p:extLst>
       <p:ext uri="{BB962C8B-B14F-4D97-AF65-F5344CB8AC3E}">
-        <p14:creationId xmlns:p14="http://schemas.microsoft.com/office/powerpoint/2010/main" val="1547012814"/>
+        <p14:creationId xmlns:p14="http://schemas.microsoft.com/office/powerpoint/2010/main" val="1180999377"/>
       </p:ext>
     </p:extLst>
   </p:cSld>
@@ -12637,7 +13022,7 @@
           <a:p>
             <a:r>
               <a:rPr lang="en-IN" dirty="0" smtClean="0"/>
-              <a:t>count</a:t>
+              <a:t>skip</a:t>
             </a:r>
             <a:endParaRPr lang="en-US" dirty="0"/>
           </a:p>
@@ -12685,7 +13070,7 @@
     </p:spTree>
     <p:extLst>
       <p:ext uri="{BB962C8B-B14F-4D97-AF65-F5344CB8AC3E}">
-        <p14:creationId xmlns:p14="http://schemas.microsoft.com/office/powerpoint/2010/main" val="887710447"/>
+        <p14:creationId xmlns:p14="http://schemas.microsoft.com/office/powerpoint/2010/main" val="3719784492"/>
       </p:ext>
     </p:extLst>
   </p:cSld>
@@ -12766,7 +13151,7 @@
                 <a:latin typeface="Arial" pitchFamily="34" charset="0"/>
                 <a:cs typeface="Arial" pitchFamily="34" charset="0"/>
               </a:rPr>
-              <a:t>db.collection.find().count()</a:t>
+              <a:t>db.collection.find().skip()</a:t>
             </a:r>
             <a:endParaRPr lang="en-IN" sz="3200" b="1" i="1" dirty="0">
               <a:solidFill>
@@ -12787,7 +13172,7 @@
         <p:spPr>
           <a:xfrm>
             <a:off x="149188" y="762000"/>
-            <a:ext cx="8845624" cy="1200329"/>
+            <a:ext cx="8845624" cy="646331"/>
           </a:xfrm>
           <a:prstGeom prst="rect">
             <a:avLst/>
@@ -12801,7 +13186,7 @@
           <a:p>
             <a:r>
               <a:rPr lang="en-US" dirty="0"/>
-              <a:t>Counts the number of documents referenced by a cursor. Append the </a:t>
+              <a:t>The </a:t>
             </a:r>
             <a:r>
               <a:rPr lang="en-US" b="1" i="1" dirty="0">
@@ -12809,23 +13194,11 @@
                   <a:srgbClr val="036883"/>
                 </a:solidFill>
               </a:rPr>
-              <a:t>count() </a:t>
+              <a:t>skip()</a:t>
             </a:r>
             <a:r>
               <a:rPr lang="en-US" dirty="0"/>
-              <a:t>method to a </a:t>
-            </a:r>
-            <a:r>
-              <a:rPr lang="en-US" b="1" i="1" dirty="0">
-                <a:solidFill>
-                  <a:srgbClr val="036883"/>
-                </a:solidFill>
-              </a:rPr>
-              <a:t>find() </a:t>
-            </a:r>
-            <a:r>
-              <a:rPr lang="en-US" dirty="0"/>
-              <a:t>query to return the number of matching documents. The operation does not perform the query but instead counts the results that would be returned by the query.</a:t>
+              <a:t> method is used for skipping the given number of documents in the Query result.</a:t>
             </a:r>
             <a:endParaRPr lang="en-IN" dirty="0"/>
           </a:p>
@@ -12839,7 +13212,7 @@
         </p:nvSpPr>
         <p:spPr>
           <a:xfrm>
-            <a:off x="154136" y="2048470"/>
+            <a:off x="154136" y="1563469"/>
             <a:ext cx="8840676" cy="923330"/>
           </a:xfrm>
           <a:prstGeom prst="rect">
@@ -12860,17 +13233,8 @@
                 <a:latin typeface="Consolas" panose="020B0609020204030204" pitchFamily="49" charset="0"/>
                 <a:cs typeface="Calibri" panose="020F0502020204030204" pitchFamily="34" charset="0"/>
               </a:rPr>
-              <a:t>cursor.count()</a:t>
-            </a:r>
-            <a:endParaRPr lang="en-US" dirty="0" smtClean="0">
-              <a:solidFill>
-                <a:srgbClr val="049DC8"/>
-              </a:solidFill>
-              <a:latin typeface="Consolas" panose="020B0609020204030204" pitchFamily="49" charset="0"/>
-              <a:cs typeface="Calibri" panose="020F0502020204030204" pitchFamily="34" charset="0"/>
-            </a:endParaRPr>
-          </a:p>
-          <a:p>
+              <a:t>cursor.skip</a:t>
+            </a:r>
             <a:r>
               <a:rPr lang="en-US" dirty="0" smtClean="0">
                 <a:solidFill>
@@ -12879,59 +13243,7 @@
                 <a:latin typeface="Consolas" panose="020B0609020204030204" pitchFamily="49" charset="0"/>
                 <a:cs typeface="Calibri" panose="020F0502020204030204" pitchFamily="34" charset="0"/>
               </a:rPr>
-              <a:t>db.collection.find</a:t>
-            </a:r>
-            <a:r>
-              <a:rPr lang="en-US" dirty="0">
-                <a:solidFill>
-                  <a:srgbClr val="049DC8"/>
-                </a:solidFill>
-                <a:latin typeface="Consolas" panose="020B0609020204030204" pitchFamily="49" charset="0"/>
-                <a:cs typeface="Calibri" panose="020F0502020204030204" pitchFamily="34" charset="0"/>
-              </a:rPr>
-              <a:t>(&lt;query&gt;).count()</a:t>
-            </a:r>
-          </a:p>
-          <a:p>
-            <a:r>
-              <a:rPr lang="en-US" dirty="0">
-                <a:solidFill>
-                  <a:srgbClr val="049DC8"/>
-                </a:solidFill>
-                <a:latin typeface="Consolas" panose="020B0609020204030204" pitchFamily="49" charset="0"/>
-                <a:cs typeface="Calibri" panose="020F0502020204030204" pitchFamily="34" charset="0"/>
-              </a:rPr>
-              <a:t>db ['</a:t>
-            </a:r>
-            <a:r>
-              <a:rPr lang="en-US" dirty="0" smtClean="0">
-                <a:solidFill>
-                  <a:srgbClr val="049DC8"/>
-                </a:solidFill>
-                <a:latin typeface="Consolas" panose="020B0609020204030204" pitchFamily="49" charset="0"/>
-                <a:cs typeface="Calibri" panose="020F0502020204030204" pitchFamily="34" charset="0"/>
-              </a:rPr>
-              <a:t>collection_name'].find(&lt;</a:t>
-            </a:r>
-            <a:r>
-              <a:rPr lang="en-US" dirty="0">
-                <a:solidFill>
-                  <a:srgbClr val="049DC8"/>
-                </a:solidFill>
-                <a:latin typeface="Consolas" panose="020B0609020204030204" pitchFamily="49" charset="0"/>
-                <a:cs typeface="Calibri" panose="020F0502020204030204" pitchFamily="34" charset="0"/>
-              </a:rPr>
-              <a:t>query&gt;).count</a:t>
-            </a:r>
-            <a:r>
-              <a:rPr lang="en-US" dirty="0" smtClean="0">
-                <a:solidFill>
-                  <a:srgbClr val="049DC8"/>
-                </a:solidFill>
-                <a:latin typeface="Consolas" panose="020B0609020204030204" pitchFamily="49" charset="0"/>
-                <a:cs typeface="Calibri" panose="020F0502020204030204" pitchFamily="34" charset="0"/>
-              </a:rPr>
-              <a:t>()</a:t>
+              <a:t>(&lt;offset_number&gt;)</a:t>
             </a:r>
             <a:endParaRPr lang="en-US" dirty="0">
               <a:solidFill>
@@ -12941,6 +13253,114 @@
               <a:cs typeface="Calibri" panose="020F0502020204030204" pitchFamily="34" charset="0"/>
             </a:endParaRPr>
           </a:p>
+          <a:p>
+            <a:r>
+              <a:rPr lang="en-US" dirty="0" smtClean="0">
+                <a:solidFill>
+                  <a:srgbClr val="049DC8"/>
+                </a:solidFill>
+                <a:latin typeface="Consolas" panose="020B0609020204030204" pitchFamily="49" charset="0"/>
+                <a:cs typeface="Calibri" panose="020F0502020204030204" pitchFamily="34" charset="0"/>
+              </a:rPr>
+              <a:t>db </a:t>
+            </a:r>
+            <a:r>
+              <a:rPr lang="en-US" dirty="0">
+                <a:solidFill>
+                  <a:srgbClr val="049DC8"/>
+                </a:solidFill>
+                <a:latin typeface="Consolas" panose="020B0609020204030204" pitchFamily="49" charset="0"/>
+                <a:cs typeface="Calibri" panose="020F0502020204030204" pitchFamily="34" charset="0"/>
+              </a:rPr>
+              <a:t>['emp'].find (query, projection</a:t>
+            </a:r>
+            <a:r>
+              <a:rPr lang="en-US" dirty="0" smtClean="0">
+                <a:solidFill>
+                  <a:srgbClr val="049DC8"/>
+                </a:solidFill>
+                <a:latin typeface="Consolas" panose="020B0609020204030204" pitchFamily="49" charset="0"/>
+                <a:cs typeface="Calibri" panose="020F0502020204030204" pitchFamily="34" charset="0"/>
+              </a:rPr>
+              <a:t>).</a:t>
+            </a:r>
+            <a:r>
+              <a:rPr lang="en-US" dirty="0">
+                <a:solidFill>
+                  <a:srgbClr val="049DC8"/>
+                </a:solidFill>
+                <a:latin typeface="Consolas" panose="020B0609020204030204" pitchFamily="49" charset="0"/>
+                <a:cs typeface="Calibri" panose="020F0502020204030204" pitchFamily="34" charset="0"/>
+              </a:rPr>
+              <a:t>skip(&lt;</a:t>
+            </a:r>
+            <a:r>
+              <a:rPr lang="en-US" dirty="0" smtClean="0">
+                <a:solidFill>
+                  <a:srgbClr val="049DC8"/>
+                </a:solidFill>
+                <a:latin typeface="Consolas" panose="020B0609020204030204" pitchFamily="49" charset="0"/>
+                <a:cs typeface="Calibri" panose="020F0502020204030204" pitchFamily="34" charset="0"/>
+              </a:rPr>
+              <a:t>offset_number&gt;) </a:t>
+            </a:r>
+            <a:endParaRPr lang="en-US" dirty="0">
+              <a:solidFill>
+                <a:srgbClr val="049DC8"/>
+              </a:solidFill>
+              <a:latin typeface="Consolas" panose="020B0609020204030204" pitchFamily="49" charset="0"/>
+              <a:cs typeface="Calibri" panose="020F0502020204030204" pitchFamily="34" charset="0"/>
+            </a:endParaRPr>
+          </a:p>
+          <a:p>
+            <a:r>
+              <a:rPr lang="en-US" dirty="0">
+                <a:solidFill>
+                  <a:srgbClr val="049DC8"/>
+                </a:solidFill>
+                <a:latin typeface="Consolas" panose="020B0609020204030204" pitchFamily="49" charset="0"/>
+                <a:cs typeface="Calibri" panose="020F0502020204030204" pitchFamily="34" charset="0"/>
+              </a:rPr>
+              <a:t>db.collection.find(query, projection</a:t>
+            </a:r>
+            <a:r>
+              <a:rPr lang="en-US" dirty="0" smtClean="0">
+                <a:solidFill>
+                  <a:srgbClr val="049DC8"/>
+                </a:solidFill>
+                <a:latin typeface="Consolas" panose="020B0609020204030204" pitchFamily="49" charset="0"/>
+                <a:cs typeface="Calibri" panose="020F0502020204030204" pitchFamily="34" charset="0"/>
+              </a:rPr>
+              <a:t>).</a:t>
+            </a:r>
+            <a:r>
+              <a:rPr lang="en-US" dirty="0">
+                <a:solidFill>
+                  <a:srgbClr val="049DC8"/>
+                </a:solidFill>
+                <a:latin typeface="Consolas" panose="020B0609020204030204" pitchFamily="49" charset="0"/>
+                <a:cs typeface="Calibri" panose="020F0502020204030204" pitchFamily="34" charset="0"/>
+              </a:rPr>
+              <a:t>skip(&lt;</a:t>
+            </a:r>
+            <a:r>
+              <a:rPr lang="en-US" dirty="0" smtClean="0">
+                <a:solidFill>
+                  <a:srgbClr val="049DC8"/>
+                </a:solidFill>
+                <a:latin typeface="Consolas" panose="020B0609020204030204" pitchFamily="49" charset="0"/>
+                <a:cs typeface="Calibri" panose="020F0502020204030204" pitchFamily="34" charset="0"/>
+              </a:rPr>
+              <a:t>offset_number&gt;)</a:t>
+            </a:r>
+            <a:endParaRPr lang="en-US" dirty="0">
+              <a:solidFill>
+                <a:srgbClr val="049DC8"/>
+              </a:solidFill>
+              <a:latin typeface="Consolas" panose="020B0609020204030204" pitchFamily="49" charset="0"/>
+              <a:cs typeface="Calibri" panose="020F0502020204030204" pitchFamily="34" charset="0"/>
+            </a:endParaRPr>
+          </a:p>
         </p:txBody>
       </p:sp>
       <p:sp>
@@ -12951,8 +13371,8 @@
         </p:nvSpPr>
         <p:spPr>
           <a:xfrm>
-            <a:off x="149188" y="3429000"/>
-            <a:ext cx="8845624" cy="892552"/>
+            <a:off x="160074" y="2918936"/>
+            <a:ext cx="8834738" cy="430887"/>
           </a:xfrm>
           <a:prstGeom prst="rect">
             <a:avLst/>
@@ -12972,38 +13392,7 @@
                 <a:latin typeface="Calibri" panose="020F0502020204030204" pitchFamily="34" charset="0"/>
                 <a:cs typeface="Calibri" panose="020F0502020204030204" pitchFamily="34" charset="0"/>
               </a:rPr>
-              <a:t>db.emp.find().count</a:t>
-            </a:r>
-            <a:r>
-              <a:rPr lang="en-US" sz="2200" dirty="0" smtClean="0">
-                <a:solidFill>
-                  <a:srgbClr val="FC6F0D"/>
-                </a:solidFill>
-                <a:latin typeface="Calibri" panose="020F0502020204030204" pitchFamily="34" charset="0"/>
-                <a:cs typeface="Calibri" panose="020F0502020204030204" pitchFamily="34" charset="0"/>
-              </a:rPr>
-              <a:t>();</a:t>
-            </a:r>
-          </a:p>
-          <a:p>
-            <a:endParaRPr lang="en-US" sz="800" dirty="0">
-              <a:solidFill>
-                <a:srgbClr val="FC6F0D"/>
-              </a:solidFill>
-              <a:latin typeface="Calibri" panose="020F0502020204030204" pitchFamily="34" charset="0"/>
-              <a:cs typeface="Calibri" panose="020F0502020204030204" pitchFamily="34" charset="0"/>
-            </a:endParaRPr>
-          </a:p>
-          <a:p>
-            <a:r>
-              <a:rPr lang="en-US" sz="2200" dirty="0">
-                <a:solidFill>
-                  <a:srgbClr val="FC6F0D"/>
-                </a:solidFill>
-                <a:latin typeface="Calibri" panose="020F0502020204030204" pitchFamily="34" charset="0"/>
-                <a:cs typeface="Calibri" panose="020F0502020204030204" pitchFamily="34" charset="0"/>
-              </a:rPr>
-              <a:t>db.emp.find({job:'manager'}).count();</a:t>
+              <a:t>db.emp.find().skip(4);</a:t>
             </a:r>
           </a:p>
         </p:txBody>
@@ -13011,7 +13400,7 @@
     </p:spTree>
     <p:extLst>
       <p:ext uri="{BB962C8B-B14F-4D97-AF65-F5344CB8AC3E}">
-        <p14:creationId xmlns:p14="http://schemas.microsoft.com/office/powerpoint/2010/main" val="690466655"/>
+        <p14:creationId xmlns:p14="http://schemas.microsoft.com/office/powerpoint/2010/main" val="1547012814"/>
       </p:ext>
     </p:extLst>
   </p:cSld>
@@ -13086,7 +13475,7 @@
           <a:p>
             <a:r>
               <a:rPr lang="en-IN" dirty="0" smtClean="0"/>
-              <a:t>findOne</a:t>
+              <a:t>count</a:t>
             </a:r>
             <a:endParaRPr lang="en-US" dirty="0"/>
           </a:p>
@@ -13101,7 +13490,7 @@
         <p:spPr>
           <a:xfrm>
             <a:off x="419100" y="2861953"/>
-            <a:ext cx="8305800" cy="646331"/>
+            <a:ext cx="8305800" cy="369332"/>
           </a:xfrm>
           <a:prstGeom prst="rect">
             <a:avLst/>
@@ -13120,22 +13509,13 @@
           <a:lstStyle/>
           <a:p>
             <a:r>
-              <a:rPr lang="en-US" dirty="0">
+              <a:rPr lang="en-US" dirty="0" smtClean="0">
                 <a:solidFill>
                   <a:srgbClr val="222222"/>
                 </a:solidFill>
                 <a:latin typeface="arial" panose="020B0604020202020204" pitchFamily="34" charset="0"/>
               </a:rPr>
-              <a:t>The find() method always returns the _id field unless you specify _id: 0 to suppress the field</a:t>
-            </a:r>
-            <a:r>
-              <a:rPr lang="en-US" dirty="0" smtClean="0">
-                <a:solidFill>
-                  <a:srgbClr val="222222"/>
-                </a:solidFill>
-                <a:latin typeface="arial" panose="020B0604020202020204" pitchFamily="34" charset="0"/>
-              </a:rPr>
-              <a:t>.</a:t>
+              <a:t>TODO</a:t>
             </a:r>
           </a:p>
         </p:txBody>
@@ -13143,7 +13523,7 @@
     </p:spTree>
     <p:extLst>
       <p:ext uri="{BB962C8B-B14F-4D97-AF65-F5344CB8AC3E}">
-        <p14:creationId xmlns:p14="http://schemas.microsoft.com/office/powerpoint/2010/main" val="2476936322"/>
+        <p14:creationId xmlns:p14="http://schemas.microsoft.com/office/powerpoint/2010/main" val="887710447"/>
       </p:ext>
     </p:extLst>
   </p:cSld>
@@ -13224,18 +13604,15 @@
                 <a:latin typeface="Arial" pitchFamily="34" charset="0"/>
                 <a:cs typeface="Arial" pitchFamily="34" charset="0"/>
               </a:rPr>
-              <a:t>db.collection.findOne()</a:t>
-            </a:r>
-            <a:r>
-              <a:rPr lang="en-IN" sz="3200" b="1" i="1" dirty="0">
-                <a:solidFill>
-                  <a:srgbClr val="FFFF00"/>
-                </a:solidFill>
-                <a:latin typeface="Arial" pitchFamily="34" charset="0"/>
-                <a:cs typeface="Arial" pitchFamily="34" charset="0"/>
-              </a:rPr>
-              <a:t> </a:t>
-            </a:r>
+              <a:t>db.collection.find().count()</a:t>
+            </a:r>
+            <a:endParaRPr lang="en-IN" sz="3200" b="1" i="1" dirty="0">
+              <a:solidFill>
+                <a:srgbClr val="FFFF00"/>
+              </a:solidFill>
+              <a:latin typeface="Arial" pitchFamily="34" charset="0"/>
+              <a:cs typeface="Arial" pitchFamily="34" charset="0"/>
+            </a:endParaRPr>
           </a:p>
         </p:txBody>
       </p:sp>
@@ -13261,28 +13638,32 @@
           <a:lstStyle/>
           <a:p>
             <a:r>
+              <a:rPr lang="en-US" dirty="0"/>
+              <a:t>Counts the number of documents referenced by a cursor. Append the </a:t>
+            </a:r>
+            <a:r>
               <a:rPr lang="en-US" b="1" i="1" dirty="0">
                 <a:solidFill>
                   <a:srgbClr val="036883"/>
                 </a:solidFill>
               </a:rPr>
-              <a:t>findOne() </a:t>
-            </a:r>
-            <a:r>
-              <a:rPr lang="en-US" dirty="0" smtClean="0"/>
-              <a:t>returns </a:t>
+              <a:t>count() </a:t>
             </a:r>
             <a:r>
               <a:rPr lang="en-US" dirty="0"/>
-              <a:t>one document that satisfies the specified query criteria on the collection. If multiple documents satisfy the query, this method returns the first document according to the order in which order the documents are stored in the disk</a:t>
-            </a:r>
-            <a:r>
-              <a:rPr lang="en-US" dirty="0" smtClean="0"/>
-              <a:t>. </a:t>
+              <a:t>method to a </a:t>
+            </a:r>
+            <a:r>
+              <a:rPr lang="en-US" b="1" i="1" dirty="0">
+                <a:solidFill>
+                  <a:srgbClr val="036883"/>
+                </a:solidFill>
+              </a:rPr>
+              <a:t>find() </a:t>
             </a:r>
             <a:r>
               <a:rPr lang="en-US" dirty="0"/>
-              <a:t>If no document satisfies the query, the method returns null.</a:t>
+              <a:t>query to return the number of matching documents. The operation does not perform the query but instead counts the results that would be returned by the query.</a:t>
             </a:r>
             <a:endParaRPr lang="en-IN" dirty="0"/>
           </a:p>
@@ -13296,84 +13677,8 @@
         </p:nvSpPr>
         <p:spPr>
           <a:xfrm>
-            <a:off x="154136" y="2173069"/>
-            <a:ext cx="5250155" cy="646331"/>
-          </a:xfrm>
-          <a:prstGeom prst="rect">
-            <a:avLst/>
-          </a:prstGeom>
-        </p:spPr>
-        <p:txBody>
-          <a:bodyPr wrap="none">
-            <a:spAutoFit/>
-          </a:bodyPr>
-          <a:lstStyle/>
-          <a:p>
-            <a:r>
-              <a:rPr lang="en-US" dirty="0">
-                <a:solidFill>
-                  <a:srgbClr val="049DC8"/>
-                </a:solidFill>
-                <a:latin typeface="Consolas" panose="020B0609020204030204" pitchFamily="49" charset="0"/>
-                <a:cs typeface="Calibri" panose="020F0502020204030204" pitchFamily="34" charset="0"/>
-              </a:rPr>
-              <a:t>db ['emp'].</a:t>
-            </a:r>
-            <a:r>
-              <a:rPr lang="en-US" dirty="0" smtClean="0">
-                <a:solidFill>
-                  <a:srgbClr val="049DC8"/>
-                </a:solidFill>
-                <a:latin typeface="Consolas" panose="020B0609020204030204" pitchFamily="49" charset="0"/>
-                <a:cs typeface="Calibri" panose="020F0502020204030204" pitchFamily="34" charset="0"/>
-              </a:rPr>
-              <a:t>findOne(query</a:t>
-            </a:r>
-            <a:r>
-              <a:rPr lang="en-US" dirty="0">
-                <a:solidFill>
-                  <a:srgbClr val="049DC8"/>
-                </a:solidFill>
-                <a:latin typeface="Consolas" panose="020B0609020204030204" pitchFamily="49" charset="0"/>
-                <a:cs typeface="Calibri" panose="020F0502020204030204" pitchFamily="34" charset="0"/>
-              </a:rPr>
-              <a:t>, projection) </a:t>
-            </a:r>
-          </a:p>
-          <a:p>
-            <a:r>
-              <a:rPr lang="en-US" dirty="0" smtClean="0">
-                <a:solidFill>
-                  <a:srgbClr val="049DC8"/>
-                </a:solidFill>
-                <a:latin typeface="Consolas" panose="020B0609020204030204" pitchFamily="49" charset="0"/>
-                <a:cs typeface="Calibri" panose="020F0502020204030204" pitchFamily="34" charset="0"/>
-              </a:rPr>
-              <a:t>db.collection.findOne(query</a:t>
-            </a:r>
-            <a:r>
-              <a:rPr lang="en-US" dirty="0">
-                <a:solidFill>
-                  <a:srgbClr val="049DC8"/>
-                </a:solidFill>
-                <a:latin typeface="Consolas" panose="020B0609020204030204" pitchFamily="49" charset="0"/>
-                <a:cs typeface="Calibri" panose="020F0502020204030204" pitchFamily="34" charset="0"/>
-              </a:rPr>
-              <a:t>, projection)</a:t>
-            </a:r>
-          </a:p>
-        </p:txBody>
-      </p:sp>
-      <p:sp>
-        <p:nvSpPr>
-          <p:cNvPr id="2" name="Rectangle 1"/>
-          <p:cNvSpPr/>
-          <p:nvPr/>
-        </p:nvSpPr>
-        <p:spPr>
-          <a:xfrm>
-            <a:off x="149188" y="2971800"/>
-            <a:ext cx="8845624" cy="892552"/>
+            <a:off x="154136" y="2048470"/>
+            <a:ext cx="8840676" cy="923330"/>
           </a:xfrm>
           <a:prstGeom prst="rect">
             <a:avLst/>
@@ -13386,6 +13691,128 @@
           <a:lstStyle/>
           <a:p>
             <a:r>
+              <a:rPr lang="en-US" dirty="0">
+                <a:solidFill>
+                  <a:srgbClr val="049DC8"/>
+                </a:solidFill>
+                <a:latin typeface="Consolas" panose="020B0609020204030204" pitchFamily="49" charset="0"/>
+                <a:cs typeface="Calibri" panose="020F0502020204030204" pitchFamily="34" charset="0"/>
+              </a:rPr>
+              <a:t>cursor.count()</a:t>
+            </a:r>
+            <a:endParaRPr lang="en-US" dirty="0" smtClean="0">
+              <a:solidFill>
+                <a:srgbClr val="049DC8"/>
+              </a:solidFill>
+              <a:latin typeface="Consolas" panose="020B0609020204030204" pitchFamily="49" charset="0"/>
+              <a:cs typeface="Calibri" panose="020F0502020204030204" pitchFamily="34" charset="0"/>
+            </a:endParaRPr>
+          </a:p>
+          <a:p>
+            <a:r>
+              <a:rPr lang="en-US" dirty="0" smtClean="0">
+                <a:solidFill>
+                  <a:srgbClr val="049DC8"/>
+                </a:solidFill>
+                <a:latin typeface="Consolas" panose="020B0609020204030204" pitchFamily="49" charset="0"/>
+                <a:cs typeface="Calibri" panose="020F0502020204030204" pitchFamily="34" charset="0"/>
+              </a:rPr>
+              <a:t>db.collection.find</a:t>
+            </a:r>
+            <a:r>
+              <a:rPr lang="en-US" dirty="0">
+                <a:solidFill>
+                  <a:srgbClr val="049DC8"/>
+                </a:solidFill>
+                <a:latin typeface="Consolas" panose="020B0609020204030204" pitchFamily="49" charset="0"/>
+                <a:cs typeface="Calibri" panose="020F0502020204030204" pitchFamily="34" charset="0"/>
+              </a:rPr>
+              <a:t>(&lt;query&gt;).count()</a:t>
+            </a:r>
+          </a:p>
+          <a:p>
+            <a:r>
+              <a:rPr lang="en-US" dirty="0">
+                <a:solidFill>
+                  <a:srgbClr val="049DC8"/>
+                </a:solidFill>
+                <a:latin typeface="Consolas" panose="020B0609020204030204" pitchFamily="49" charset="0"/>
+                <a:cs typeface="Calibri" panose="020F0502020204030204" pitchFamily="34" charset="0"/>
+              </a:rPr>
+              <a:t>db ['</a:t>
+            </a:r>
+            <a:r>
+              <a:rPr lang="en-US" dirty="0" smtClean="0">
+                <a:solidFill>
+                  <a:srgbClr val="049DC8"/>
+                </a:solidFill>
+                <a:latin typeface="Consolas" panose="020B0609020204030204" pitchFamily="49" charset="0"/>
+                <a:cs typeface="Calibri" panose="020F0502020204030204" pitchFamily="34" charset="0"/>
+              </a:rPr>
+              <a:t>collection_name'].find(&lt;</a:t>
+            </a:r>
+            <a:r>
+              <a:rPr lang="en-US" dirty="0">
+                <a:solidFill>
+                  <a:srgbClr val="049DC8"/>
+                </a:solidFill>
+                <a:latin typeface="Consolas" panose="020B0609020204030204" pitchFamily="49" charset="0"/>
+                <a:cs typeface="Calibri" panose="020F0502020204030204" pitchFamily="34" charset="0"/>
+              </a:rPr>
+              <a:t>query&gt;).count</a:t>
+            </a:r>
+            <a:r>
+              <a:rPr lang="en-US" dirty="0" smtClean="0">
+                <a:solidFill>
+                  <a:srgbClr val="049DC8"/>
+                </a:solidFill>
+                <a:latin typeface="Consolas" panose="020B0609020204030204" pitchFamily="49" charset="0"/>
+                <a:cs typeface="Calibri" panose="020F0502020204030204" pitchFamily="34" charset="0"/>
+              </a:rPr>
+              <a:t>()</a:t>
+            </a:r>
+            <a:endParaRPr lang="en-US" dirty="0">
+              <a:solidFill>
+                <a:srgbClr val="049DC8"/>
+              </a:solidFill>
+              <a:latin typeface="Consolas" panose="020B0609020204030204" pitchFamily="49" charset="0"/>
+              <a:cs typeface="Calibri" panose="020F0502020204030204" pitchFamily="34" charset="0"/>
+            </a:endParaRPr>
+          </a:p>
+        </p:txBody>
+      </p:sp>
+      <p:sp>
+        <p:nvSpPr>
+          <p:cNvPr id="2" name="Rectangle 1"/>
+          <p:cNvSpPr/>
+          <p:nvPr/>
+        </p:nvSpPr>
+        <p:spPr>
+          <a:xfrm>
+            <a:off x="149188" y="3429000"/>
+            <a:ext cx="8845624" cy="892552"/>
+          </a:xfrm>
+          <a:prstGeom prst="rect">
+            <a:avLst/>
+          </a:prstGeom>
+        </p:spPr>
+        <p:txBody>
+          <a:bodyPr wrap="square">
+            <a:spAutoFit/>
+          </a:bodyPr>
+          <a:lstStyle/>
+          <a:p>
+            <a:r>
+              <a:rPr lang="en-US" sz="2200" dirty="0">
+                <a:solidFill>
+                  <a:srgbClr val="FC6F0D"/>
+                </a:solidFill>
+                <a:latin typeface="Calibri" panose="020F0502020204030204" pitchFamily="34" charset="0"/>
+                <a:cs typeface="Calibri" panose="020F0502020204030204" pitchFamily="34" charset="0"/>
+              </a:rPr>
+              <a:t>db.emp.find().count</a:t>
+            </a:r>
+            <a:r>
               <a:rPr lang="en-US" sz="2200" dirty="0" smtClean="0">
                 <a:solidFill>
                   <a:srgbClr val="FC6F0D"/>
@@ -13393,11 +13820,11 @@
                 <a:latin typeface="Calibri" panose="020F0502020204030204" pitchFamily="34" charset="0"/>
                 <a:cs typeface="Calibri" panose="020F0502020204030204" pitchFamily="34" charset="0"/>
               </a:rPr>
-              <a:t>db.emp.findOne();</a:t>
-            </a:r>
-          </a:p>
-          <a:p>
-            <a:endParaRPr lang="en-US" sz="800" dirty="0" smtClean="0">
+              <a:t>();</a:t>
+            </a:r>
+          </a:p>
+          <a:p>
+            <a:endParaRPr lang="en-US" sz="800" dirty="0">
               <a:solidFill>
                 <a:srgbClr val="FC6F0D"/>
               </a:solidFill>
@@ -13414,32 +13841,15 @@
                 <a:latin typeface="Calibri" panose="020F0502020204030204" pitchFamily="34" charset="0"/>
                 <a:cs typeface="Calibri" panose="020F0502020204030204" pitchFamily="34" charset="0"/>
               </a:rPr>
-              <a:t>db.emp.findOne({job:'manager</a:t>
-            </a:r>
-            <a:r>
-              <a:rPr lang="en-US" sz="2200" dirty="0" smtClean="0">
-                <a:solidFill>
-                  <a:srgbClr val="FC6F0D"/>
-                </a:solidFill>
-                <a:latin typeface="Calibri" panose="020F0502020204030204" pitchFamily="34" charset="0"/>
-                <a:cs typeface="Calibri" panose="020F0502020204030204" pitchFamily="34" charset="0"/>
-              </a:rPr>
-              <a:t>'});</a:t>
-            </a:r>
-            <a:endParaRPr lang="en-US" sz="2200" dirty="0">
-              <a:solidFill>
-                <a:srgbClr val="FC6F0D"/>
-              </a:solidFill>
-              <a:latin typeface="Calibri" panose="020F0502020204030204" pitchFamily="34" charset="0"/>
-              <a:cs typeface="Calibri" panose="020F0502020204030204" pitchFamily="34" charset="0"/>
-            </a:endParaRPr>
+              <a:t>db.emp.find({job:'manager'}).count();</a:t>
+            </a:r>
           </a:p>
         </p:txBody>
       </p:sp>
     </p:spTree>
     <p:extLst>
       <p:ext uri="{BB962C8B-B14F-4D97-AF65-F5344CB8AC3E}">
-        <p14:creationId xmlns:p14="http://schemas.microsoft.com/office/powerpoint/2010/main" val="611755139"/>
+        <p14:creationId xmlns:p14="http://schemas.microsoft.com/office/powerpoint/2010/main" val="690466655"/>
       </p:ext>
     </p:extLst>
   </p:cSld>
@@ -13514,7 +13924,7 @@
           <a:p>
             <a:r>
               <a:rPr lang="en-IN" dirty="0" smtClean="0"/>
-              <a:t>document</a:t>
+              <a:t>findOne</a:t>
             </a:r>
             <a:endParaRPr lang="en-US" dirty="0"/>
           </a:p>
@@ -13554,16 +13964,24 @@
                 </a:solidFill>
                 <a:latin typeface="arial" panose="020B0604020202020204" pitchFamily="34" charset="0"/>
               </a:rPr>
-              <a:t>MongoDB stores data as BSON documents. BSON is a binary representation of JSON documents.</a:t>
-            </a:r>
-            <a:endParaRPr lang="en-US" dirty="0"/>
+              <a:t>The find() method always returns the _id field unless you specify _id: 0 to suppress the field</a:t>
+            </a:r>
+            <a:r>
+              <a:rPr lang="en-US" dirty="0" smtClean="0">
+                <a:solidFill>
+                  <a:srgbClr val="222222"/>
+                </a:solidFill>
+                <a:latin typeface="arial" panose="020B0604020202020204" pitchFamily="34" charset="0"/>
+              </a:rPr>
+              <a:t>.</a:t>
+            </a:r>
           </a:p>
         </p:txBody>
       </p:sp>
     </p:spTree>
     <p:extLst>
       <p:ext uri="{BB962C8B-B14F-4D97-AF65-F5344CB8AC3E}">
-        <p14:creationId xmlns:p14="http://schemas.microsoft.com/office/powerpoint/2010/main" val="316225766"/>
+        <p14:creationId xmlns:p14="http://schemas.microsoft.com/office/powerpoint/2010/main" val="2476936322"/>
       </p:ext>
     </p:extLst>
   </p:cSld>
@@ -13644,7 +14062,7 @@
                 <a:latin typeface="Arial" pitchFamily="34" charset="0"/>
                 <a:cs typeface="Arial" pitchFamily="34" charset="0"/>
               </a:rPr>
-              <a:t>document</a:t>
+              <a:t>db.collection.findOne()</a:t>
             </a:r>
             <a:r>
               <a:rPr lang="en-IN" sz="3200" b="1" i="1" dirty="0">
@@ -13668,7 +14086,7 @@
         <p:spPr>
           <a:xfrm>
             <a:off x="149188" y="762000"/>
-            <a:ext cx="8845624" cy="923330"/>
+            <a:ext cx="8845624" cy="1200329"/>
           </a:xfrm>
           <a:prstGeom prst="rect">
             <a:avLst/>
@@ -13681,22 +14099,106 @@
           <a:lstStyle/>
           <a:p>
             <a:r>
+              <a:rPr lang="en-US" b="1" i="1" dirty="0">
+                <a:solidFill>
+                  <a:srgbClr val="036883"/>
+                </a:solidFill>
+              </a:rPr>
+              <a:t>findOne() </a:t>
+            </a:r>
+            <a:r>
+              <a:rPr lang="en-US" dirty="0" smtClean="0"/>
+              <a:t>returns </a:t>
+            </a:r>
+            <a:r>
               <a:rPr lang="en-US" dirty="0"/>
-              <a:t>MongoDB documents are composed of </a:t>
-            </a:r>
-            <a:r>
-              <a:rPr lang="en-US" b="1" i="1" dirty="0">
-                <a:solidFill>
-                  <a:srgbClr val="036883"/>
-                </a:solidFill>
-              </a:rPr>
-              <a:t>field-and-value</a:t>
+              <a:t>one document that satisfies the specified query criteria on the collection. If multiple documents satisfy the query, this method returns the first document according to the order in which order the documents are stored in the disk</a:t>
+            </a:r>
+            <a:r>
+              <a:rPr lang="en-US" dirty="0" smtClean="0"/>
+              <a:t>. </a:t>
             </a:r>
             <a:r>
               <a:rPr lang="en-US" dirty="0"/>
-              <a:t> pairs. The value of a field can be any of the BSON data types, including other documents, arrays, and arrays of documents.</a:t>
+              <a:t>If no document satisfies the query, the method returns null.</a:t>
             </a:r>
             <a:endParaRPr lang="en-IN" dirty="0"/>
+          </a:p>
+        </p:txBody>
+      </p:sp>
+      <p:sp>
+        <p:nvSpPr>
+          <p:cNvPr id="4" name="Rectangle 3"/>
+          <p:cNvSpPr/>
+          <p:nvPr/>
+        </p:nvSpPr>
+        <p:spPr>
+          <a:xfrm>
+            <a:off x="154136" y="2173069"/>
+            <a:ext cx="5250155" cy="646331"/>
+          </a:xfrm>
+          <a:prstGeom prst="rect">
+            <a:avLst/>
+          </a:prstGeom>
+        </p:spPr>
+        <p:txBody>
+          <a:bodyPr wrap="none">
+            <a:spAutoFit/>
+          </a:bodyPr>
+          <a:lstStyle/>
+          <a:p>
+            <a:r>
+              <a:rPr lang="en-US" dirty="0">
+                <a:solidFill>
+                  <a:srgbClr val="049DC8"/>
+                </a:solidFill>
+                <a:latin typeface="Consolas" panose="020B0609020204030204" pitchFamily="49" charset="0"/>
+                <a:cs typeface="Calibri" panose="020F0502020204030204" pitchFamily="34" charset="0"/>
+              </a:rPr>
+              <a:t>db ['emp'].</a:t>
+            </a:r>
+            <a:r>
+              <a:rPr lang="en-US" dirty="0" smtClean="0">
+                <a:solidFill>
+                  <a:srgbClr val="049DC8"/>
+                </a:solidFill>
+                <a:latin typeface="Consolas" panose="020B0609020204030204" pitchFamily="49" charset="0"/>
+                <a:cs typeface="Calibri" panose="020F0502020204030204" pitchFamily="34" charset="0"/>
+              </a:rPr>
+              <a:t>findOne(query</a:t>
+            </a:r>
+            <a:r>
+              <a:rPr lang="en-US" dirty="0">
+                <a:solidFill>
+                  <a:srgbClr val="049DC8"/>
+                </a:solidFill>
+                <a:latin typeface="Consolas" panose="020B0609020204030204" pitchFamily="49" charset="0"/>
+                <a:cs typeface="Calibri" panose="020F0502020204030204" pitchFamily="34" charset="0"/>
+              </a:rPr>
+              <a:t>, projection) </a:t>
+            </a:r>
+          </a:p>
+          <a:p>
+            <a:r>
+              <a:rPr lang="en-US" dirty="0" smtClean="0">
+                <a:solidFill>
+                  <a:srgbClr val="049DC8"/>
+                </a:solidFill>
+                <a:latin typeface="Consolas" panose="020B0609020204030204" pitchFamily="49" charset="0"/>
+                <a:cs typeface="Calibri" panose="020F0502020204030204" pitchFamily="34" charset="0"/>
+              </a:rPr>
+              <a:t>db.collection.findOne(query</a:t>
+            </a:r>
+            <a:r>
+              <a:rPr lang="en-US" dirty="0">
+                <a:solidFill>
+                  <a:srgbClr val="049DC8"/>
+                </a:solidFill>
+                <a:latin typeface="Consolas" panose="020B0609020204030204" pitchFamily="49" charset="0"/>
+                <a:cs typeface="Calibri" panose="020F0502020204030204" pitchFamily="34" charset="0"/>
+              </a:rPr>
+              <a:t>, projection)</a:t>
+            </a:r>
           </a:p>
         </p:txBody>
       </p:sp>
@@ -13708,8 +14210,8 @@
         </p:nvSpPr>
         <p:spPr>
           <a:xfrm>
-            <a:off x="149188" y="1875420"/>
-            <a:ext cx="8845624" cy="646331"/>
+            <a:off x="149188" y="2971800"/>
+            <a:ext cx="8845624" cy="892552"/>
           </a:xfrm>
           <a:prstGeom prst="rect">
             <a:avLst/>
@@ -13722,162 +14224,60 @@
           <a:lstStyle/>
           <a:p>
             <a:r>
-              <a:rPr lang="en-US" dirty="0"/>
-              <a:t>The </a:t>
-            </a:r>
-            <a:r>
-              <a:rPr lang="en-US" b="1" i="1" dirty="0">
-                <a:solidFill>
-                  <a:srgbClr val="036883"/>
-                </a:solidFill>
-              </a:rPr>
-              <a:t>field name</a:t>
-            </a:r>
-            <a:r>
-              <a:rPr lang="en-US" dirty="0"/>
-              <a:t> </a:t>
-            </a:r>
-            <a:r>
-              <a:rPr lang="en-US" b="1" i="1" dirty="0">
-                <a:solidFill>
-                  <a:srgbClr val="C00000"/>
-                </a:solidFill>
-              </a:rPr>
-              <a:t>_</a:t>
-            </a:r>
-            <a:r>
-              <a:rPr lang="en-US" b="1" dirty="0">
-                <a:solidFill>
-                  <a:srgbClr val="C00000"/>
-                </a:solidFill>
-              </a:rPr>
-              <a:t>id</a:t>
-            </a:r>
-            <a:r>
-              <a:rPr lang="en-US" b="1" i="1" dirty="0">
-                <a:solidFill>
-                  <a:srgbClr val="C00000"/>
-                </a:solidFill>
-              </a:rPr>
-              <a:t> </a:t>
-            </a:r>
-            <a:r>
-              <a:rPr lang="en-US" dirty="0"/>
-              <a:t>is reserved for use as a primary key; its value must be unique in the collection, is immutable, and may be of any type other than an array.</a:t>
-            </a:r>
-          </a:p>
-        </p:txBody>
-      </p:sp>
-      <p:sp>
-        <p:nvSpPr>
-          <p:cNvPr id="3" name="Rectangle 2"/>
-          <p:cNvSpPr/>
-          <p:nvPr/>
-        </p:nvSpPr>
-        <p:spPr>
-          <a:xfrm>
-            <a:off x="184814" y="2971800"/>
-            <a:ext cx="2464136" cy="2031325"/>
-          </a:xfrm>
-          <a:prstGeom prst="rect">
-            <a:avLst/>
-          </a:prstGeom>
-        </p:spPr>
-        <p:txBody>
-          <a:bodyPr wrap="none">
-            <a:spAutoFit/>
-          </a:bodyPr>
-          <a:lstStyle/>
-          <a:p>
-            <a:r>
-              <a:rPr lang="en-US" dirty="0">
-                <a:solidFill>
-                  <a:srgbClr val="049DC8"/>
-                </a:solidFill>
-                <a:latin typeface="Consolas" panose="020B0609020204030204" pitchFamily="49" charset="0"/>
-                <a:cs typeface="Calibri" panose="020F0502020204030204" pitchFamily="34" charset="0"/>
-              </a:rPr>
-              <a:t>{</a:t>
-            </a:r>
-          </a:p>
-          <a:p>
-            <a:r>
-              <a:rPr lang="en-US" dirty="0">
-                <a:solidFill>
-                  <a:srgbClr val="049DC8"/>
-                </a:solidFill>
-                <a:latin typeface="Consolas" panose="020B0609020204030204" pitchFamily="49" charset="0"/>
-                <a:cs typeface="Calibri" panose="020F0502020204030204" pitchFamily="34" charset="0"/>
-              </a:rPr>
-              <a:t>   field1: value1,</a:t>
-            </a:r>
-          </a:p>
-          <a:p>
-            <a:r>
-              <a:rPr lang="en-US" dirty="0">
-                <a:solidFill>
-                  <a:srgbClr val="049DC8"/>
-                </a:solidFill>
-                <a:latin typeface="Consolas" panose="020B0609020204030204" pitchFamily="49" charset="0"/>
-                <a:cs typeface="Calibri" panose="020F0502020204030204" pitchFamily="34" charset="0"/>
-              </a:rPr>
-              <a:t>   field2: value2,</a:t>
-            </a:r>
-          </a:p>
-          <a:p>
-            <a:r>
-              <a:rPr lang="en-US" dirty="0">
-                <a:solidFill>
-                  <a:srgbClr val="049DC8"/>
-                </a:solidFill>
-                <a:latin typeface="Consolas" panose="020B0609020204030204" pitchFamily="49" charset="0"/>
-                <a:cs typeface="Calibri" panose="020F0502020204030204" pitchFamily="34" charset="0"/>
-              </a:rPr>
-              <a:t>   field3: value3,</a:t>
-            </a:r>
-          </a:p>
-          <a:p>
-            <a:r>
-              <a:rPr lang="en-US" dirty="0">
-                <a:solidFill>
-                  <a:srgbClr val="049DC8"/>
-                </a:solidFill>
-                <a:latin typeface="Consolas" panose="020B0609020204030204" pitchFamily="49" charset="0"/>
-                <a:cs typeface="Calibri" panose="020F0502020204030204" pitchFamily="34" charset="0"/>
-              </a:rPr>
-              <a:t>   ...</a:t>
-            </a:r>
-          </a:p>
-          <a:p>
-            <a:r>
-              <a:rPr lang="en-US" dirty="0">
-                <a:solidFill>
-                  <a:srgbClr val="049DC8"/>
-                </a:solidFill>
-                <a:latin typeface="Consolas" panose="020B0609020204030204" pitchFamily="49" charset="0"/>
-                <a:cs typeface="Calibri" panose="020F0502020204030204" pitchFamily="34" charset="0"/>
-              </a:rPr>
-              <a:t>   fieldN: valueN</a:t>
-            </a:r>
-          </a:p>
-          <a:p>
-            <a:r>
-              <a:rPr lang="en-US" dirty="0">
-                <a:solidFill>
-                  <a:srgbClr val="049DC8"/>
-                </a:solidFill>
-                <a:latin typeface="Consolas" panose="020B0609020204030204" pitchFamily="49" charset="0"/>
-                <a:cs typeface="Calibri" panose="020F0502020204030204" pitchFamily="34" charset="0"/>
-              </a:rPr>
-              <a:t>}</a:t>
-            </a:r>
+              <a:rPr lang="en-US" sz="2200" dirty="0" smtClean="0">
+                <a:solidFill>
+                  <a:srgbClr val="FC6F0D"/>
+                </a:solidFill>
+                <a:latin typeface="Calibri" panose="020F0502020204030204" pitchFamily="34" charset="0"/>
+                <a:cs typeface="Calibri" panose="020F0502020204030204" pitchFamily="34" charset="0"/>
+              </a:rPr>
+              <a:t>db.emp.findOne();</a:t>
+            </a:r>
+          </a:p>
+          <a:p>
+            <a:endParaRPr lang="en-US" sz="800" dirty="0" smtClean="0">
+              <a:solidFill>
+                <a:srgbClr val="FC6F0D"/>
+              </a:solidFill>
+              <a:latin typeface="Calibri" panose="020F0502020204030204" pitchFamily="34" charset="0"/>
+              <a:cs typeface="Calibri" panose="020F0502020204030204" pitchFamily="34" charset="0"/>
+            </a:endParaRPr>
+          </a:p>
+          <a:p>
+            <a:r>
+              <a:rPr lang="en-US" sz="2200" dirty="0">
+                <a:solidFill>
+                  <a:srgbClr val="FC6F0D"/>
+                </a:solidFill>
+                <a:latin typeface="Calibri" panose="020F0502020204030204" pitchFamily="34" charset="0"/>
+                <a:cs typeface="Calibri" panose="020F0502020204030204" pitchFamily="34" charset="0"/>
+              </a:rPr>
+              <a:t>db.emp.findOne({job:'manager</a:t>
+            </a:r>
+            <a:r>
+              <a:rPr lang="en-US" sz="2200" dirty="0" smtClean="0">
+                <a:solidFill>
+                  <a:srgbClr val="FC6F0D"/>
+                </a:solidFill>
+                <a:latin typeface="Calibri" panose="020F0502020204030204" pitchFamily="34" charset="0"/>
+                <a:cs typeface="Calibri" panose="020F0502020204030204" pitchFamily="34" charset="0"/>
+              </a:rPr>
+              <a:t>'});</a:t>
+            </a:r>
+            <a:endParaRPr lang="en-US" sz="2200" dirty="0">
+              <a:solidFill>
+                <a:srgbClr val="FC6F0D"/>
+              </a:solidFill>
+              <a:latin typeface="Calibri" panose="020F0502020204030204" pitchFamily="34" charset="0"/>
+              <a:cs typeface="Calibri" panose="020F0502020204030204" pitchFamily="34" charset="0"/>
+            </a:endParaRPr>
           </a:p>
         </p:txBody>
       </p:sp>
     </p:spTree>
     <p:extLst>
       <p:ext uri="{BB962C8B-B14F-4D97-AF65-F5344CB8AC3E}">
-        <p14:creationId xmlns:p14="http://schemas.microsoft.com/office/powerpoint/2010/main" val="1707159998"/>
+        <p14:creationId xmlns:p14="http://schemas.microsoft.com/office/powerpoint/2010/main" val="611755139"/>
       </p:ext>
     </p:extLst>
   </p:cSld>
@@ -13913,21 +14313,69 @@
       </p:grpSpPr>
       <p:sp>
         <p:nvSpPr>
-          <p:cNvPr id="6" name="Rectangle 5"/>
+          <p:cNvPr id="2" name="Title 1"/>
+          <p:cNvSpPr txBox="1">
+            <a:spLocks/>
+          </p:cNvSpPr>
+          <p:nvPr/>
+        </p:nvSpPr>
+        <p:spPr>
+          <a:xfrm>
+            <a:off x="152400" y="2057400"/>
+            <a:ext cx="8839200" cy="838200"/>
+          </a:xfrm>
+          <a:prstGeom prst="rect">
+            <a:avLst/>
+          </a:prstGeom>
+        </p:spPr>
+        <p:txBody>
+          <a:bodyPr>
+            <a:noAutofit/>
+          </a:bodyPr>
+          <a:lstStyle>
+            <a:defPPr>
+              <a:defRPr lang="en-US"/>
+            </a:defPPr>
+            <a:lvl1pPr lvl="0" algn="ctr">
+              <a:spcBef>
+                <a:spcPct val="0"/>
+              </a:spcBef>
+              <a:defRPr sz="4800">
+                <a:solidFill>
+                  <a:srgbClr val="7EEEE3"/>
+                </a:solidFill>
+                <a:latin typeface="Segoe UI Light" panose="020B0502040204020203" pitchFamily="34" charset="0"/>
+                <a:cs typeface="Segoe UI Light" panose="020B0502040204020203" pitchFamily="34" charset="0"/>
+              </a:defRPr>
+            </a:lvl1pPr>
+          </a:lstStyle>
+          <a:p>
+            <a:r>
+              <a:rPr lang="en-IN" dirty="0" smtClean="0"/>
+              <a:t>document</a:t>
+            </a:r>
+            <a:endParaRPr lang="en-US" dirty="0"/>
+          </a:p>
+        </p:txBody>
+      </p:sp>
+      <p:sp>
+        <p:nvSpPr>
+          <p:cNvPr id="3" name="Rectangle 2"/>
           <p:cNvSpPr/>
           <p:nvPr/>
         </p:nvSpPr>
         <p:spPr>
           <a:xfrm>
-            <a:off x="0" y="0"/>
-            <a:ext cx="9144000" cy="584775"/>
+            <a:off x="419100" y="2861953"/>
+            <a:ext cx="8305800" cy="646331"/>
           </a:xfrm>
           <a:prstGeom prst="rect">
             <a:avLst/>
           </a:prstGeom>
           <a:solidFill>
-            <a:schemeClr val="accent4">
-              <a:lumMod val="75000"/>
+            <a:schemeClr val="accent6">
+              <a:lumMod val="20000"/>
+              <a:lumOff val="80000"/>
             </a:schemeClr>
           </a:solidFill>
         </p:spPr>
@@ -13937,73 +14385,37 @@
           </a:bodyPr>
           <a:lstStyle/>
           <a:p>
-            <a:pPr algn="r">
-              <a:spcBef>
-                <a:spcPct val="0"/>
-              </a:spcBef>
-            </a:pPr>
-            <a:r>
-              <a:rPr lang="en-IN" sz="3200" b="1" i="1" dirty="0" smtClean="0">
-                <a:solidFill>
-                  <a:srgbClr val="FFFF00"/>
-                </a:solidFill>
-                <a:latin typeface="Arial" pitchFamily="34" charset="0"/>
-                <a:cs typeface="Arial" pitchFamily="34" charset="0"/>
-              </a:rPr>
-              <a:t>document</a:t>
-            </a:r>
-            <a:r>
-              <a:rPr lang="en-IN" sz="3200" b="1" i="1" dirty="0">
-                <a:solidFill>
-                  <a:srgbClr val="FFFF00"/>
-                </a:solidFill>
-                <a:latin typeface="Arial" pitchFamily="34" charset="0"/>
-                <a:cs typeface="Arial" pitchFamily="34" charset="0"/>
-              </a:rPr>
-              <a:t> </a:t>
-            </a:r>
-          </a:p>
-        </p:txBody>
-      </p:sp>
-      <p:sp>
-        <p:nvSpPr>
-          <p:cNvPr id="7" name="Rectangle 6"/>
-          <p:cNvSpPr/>
-          <p:nvPr/>
-        </p:nvSpPr>
-        <p:spPr>
-          <a:xfrm>
-            <a:off x="149188" y="762000"/>
-            <a:ext cx="8845624" cy="369332"/>
-          </a:xfrm>
-          <a:prstGeom prst="rect">
-            <a:avLst/>
-          </a:prstGeom>
-        </p:spPr>
-        <p:txBody>
-          <a:bodyPr wrap="square">
-            <a:spAutoFit/>
-          </a:bodyPr>
-          <a:lstStyle/>
-          <a:p>
-            <a:r>
-              <a:rPr lang="en-US" dirty="0" smtClean="0"/>
-              <a:t>TODO</a:t>
-            </a:r>
-            <a:endParaRPr lang="en-IN" dirty="0"/>
+            <a:r>
+              <a:rPr lang="en-US" dirty="0">
+                <a:solidFill>
+                  <a:srgbClr val="222222"/>
+                </a:solidFill>
+                <a:latin typeface="arial" panose="020B0604020202020204" pitchFamily="34" charset="0"/>
+              </a:rPr>
+              <a:t>MongoDB stores data as BSON documents. BSON is a binary representation of JSON documents.</a:t>
+            </a:r>
+            <a:endParaRPr lang="en-US" dirty="0"/>
           </a:p>
         </p:txBody>
       </p:sp>
     </p:spTree>
     <p:extLst>
       <p:ext uri="{BB962C8B-B14F-4D97-AF65-F5344CB8AC3E}">
-        <p14:creationId xmlns:p14="http://schemas.microsoft.com/office/powerpoint/2010/main" val="3587670722"/>
+        <p14:creationId xmlns:p14="http://schemas.microsoft.com/office/powerpoint/2010/main" val="316225766"/>
       </p:ext>
     </p:extLst>
   </p:cSld>
   <p:clrMapOvr>
     <a:masterClrMapping/>
   </p:clrMapOvr>
+  <mc:AlternateContent xmlns:mc="http://schemas.openxmlformats.org/markup-compatibility/2006" xmlns:p14="http://schemas.microsoft.com/office/powerpoint/2010/main">
+    <mc:Choice Requires="p14">
+      <p:transition spd="slow" p14:dur="2000"/>
+    </mc:Choice>
+    <mc:Fallback xmlns="">
+      <p:transition spd="slow"/>
+    </mc:Fallback>
+  </mc:AlternateContent>
   <p:timing>
     <p:tnLst>
       <p:par>
@@ -14316,26 +14728,16 @@
                 <a:latin typeface="Arial" pitchFamily="34" charset="0"/>
                 <a:cs typeface="Arial" pitchFamily="34" charset="0"/>
               </a:rPr>
-              <a:t>MongoDB</a:t>
-            </a:r>
-            <a:r>
-              <a:rPr lang="en-US" sz="3200" b="1" i="1" dirty="0" smtClean="0">
+              <a:t>document</a:t>
+            </a:r>
+            <a:r>
+              <a:rPr lang="en-IN" sz="3200" b="1" i="1" dirty="0">
                 <a:solidFill>
                   <a:srgbClr val="FFFF00"/>
                 </a:solidFill>
                 <a:latin typeface="Arial" pitchFamily="34" charset="0"/>
                 <a:cs typeface="Arial" pitchFamily="34" charset="0"/>
               </a:rPr>
-              <a:t> </a:t>
-            </a:r>
-            <a:r>
-              <a:rPr lang="en-IN" sz="3200" b="1" i="1" dirty="0">
-                <a:solidFill>
-                  <a:srgbClr val="FFFF00"/>
-                </a:solidFill>
-                <a:latin typeface="Arial" pitchFamily="34" charset="0"/>
-                <a:cs typeface="Arial" pitchFamily="34" charset="0"/>
-              </a:rPr>
               <a:t> </a:t>
             </a:r>
           </a:p>
@@ -14350,7 +14752,7 @@
         <p:spPr>
           <a:xfrm>
             <a:off x="149188" y="762000"/>
-            <a:ext cx="8845624" cy="369332"/>
+            <a:ext cx="8845624" cy="923330"/>
           </a:xfrm>
           <a:prstGeom prst="rect">
             <a:avLst/>
@@ -14363,17 +14765,203 @@
           <a:lstStyle/>
           <a:p>
             <a:r>
-              <a:rPr lang="en-US" dirty="0" smtClean="0"/>
-              <a:t>TODO</a:t>
+              <a:rPr lang="en-US" dirty="0"/>
+              <a:t>MongoDB documents are composed of </a:t>
+            </a:r>
+            <a:r>
+              <a:rPr lang="en-US" b="1" i="1" dirty="0">
+                <a:solidFill>
+                  <a:srgbClr val="036883"/>
+                </a:solidFill>
+              </a:rPr>
+              <a:t>field-and-value</a:t>
+            </a:r>
+            <a:r>
+              <a:rPr lang="en-US" dirty="0"/>
+              <a:t> pairs. The value of a field can be any of the BSON data types, including other documents, arrays, and arrays of documents.</a:t>
             </a:r>
             <a:endParaRPr lang="en-IN" dirty="0"/>
+          </a:p>
+        </p:txBody>
+      </p:sp>
+      <p:sp>
+        <p:nvSpPr>
+          <p:cNvPr id="2" name="Rectangle 1"/>
+          <p:cNvSpPr/>
+          <p:nvPr/>
+        </p:nvSpPr>
+        <p:spPr>
+          <a:xfrm>
+            <a:off x="149188" y="1875420"/>
+            <a:ext cx="8845624" cy="646331"/>
+          </a:xfrm>
+          <a:prstGeom prst="rect">
+            <a:avLst/>
+          </a:prstGeom>
+        </p:spPr>
+        <p:txBody>
+          <a:bodyPr wrap="square">
+            <a:spAutoFit/>
+          </a:bodyPr>
+          <a:lstStyle/>
+          <a:p>
+            <a:r>
+              <a:rPr lang="en-US" dirty="0"/>
+              <a:t>The </a:t>
+            </a:r>
+            <a:r>
+              <a:rPr lang="en-US" b="1" i="1" dirty="0">
+                <a:solidFill>
+                  <a:srgbClr val="036883"/>
+                </a:solidFill>
+              </a:rPr>
+              <a:t>field name</a:t>
+            </a:r>
+            <a:r>
+              <a:rPr lang="en-US" dirty="0"/>
+              <a:t> </a:t>
+            </a:r>
+            <a:r>
+              <a:rPr lang="en-US" b="1" i="1" dirty="0">
+                <a:solidFill>
+                  <a:srgbClr val="C00000"/>
+                </a:solidFill>
+              </a:rPr>
+              <a:t>_</a:t>
+            </a:r>
+            <a:r>
+              <a:rPr lang="en-US" b="1" dirty="0">
+                <a:solidFill>
+                  <a:srgbClr val="C00000"/>
+                </a:solidFill>
+              </a:rPr>
+              <a:t>id</a:t>
+            </a:r>
+            <a:r>
+              <a:rPr lang="en-US" b="1" i="1" dirty="0">
+                <a:solidFill>
+                  <a:srgbClr val="C00000"/>
+                </a:solidFill>
+              </a:rPr>
+              <a:t> </a:t>
+            </a:r>
+            <a:r>
+              <a:rPr lang="en-US" dirty="0"/>
+              <a:t>is reserved for use as a primary key; its value must be unique in the collection, is immutable, and may be of any type other than an array.</a:t>
+            </a:r>
+          </a:p>
+        </p:txBody>
+      </p:sp>
+      <p:sp>
+        <p:nvSpPr>
+          <p:cNvPr id="3" name="Rectangle 2"/>
+          <p:cNvSpPr/>
+          <p:nvPr/>
+        </p:nvSpPr>
+        <p:spPr>
+          <a:xfrm>
+            <a:off x="184814" y="2971800"/>
+            <a:ext cx="2464136" cy="2031325"/>
+          </a:xfrm>
+          <a:prstGeom prst="rect">
+            <a:avLst/>
+          </a:prstGeom>
+        </p:spPr>
+        <p:txBody>
+          <a:bodyPr wrap="none">
+            <a:spAutoFit/>
+          </a:bodyPr>
+          <a:lstStyle/>
+          <a:p>
+            <a:r>
+              <a:rPr lang="en-US" dirty="0">
+                <a:solidFill>
+                  <a:srgbClr val="049DC8"/>
+                </a:solidFill>
+                <a:latin typeface="Consolas" panose="020B0609020204030204" pitchFamily="49" charset="0"/>
+                <a:cs typeface="Calibri" panose="020F0502020204030204" pitchFamily="34" charset="0"/>
+              </a:rPr>
+              <a:t>{</a:t>
+            </a:r>
+          </a:p>
+          <a:p>
+            <a:r>
+              <a:rPr lang="en-US" dirty="0">
+                <a:solidFill>
+                  <a:srgbClr val="049DC8"/>
+                </a:solidFill>
+                <a:latin typeface="Consolas" panose="020B0609020204030204" pitchFamily="49" charset="0"/>
+                <a:cs typeface="Calibri" panose="020F0502020204030204" pitchFamily="34" charset="0"/>
+              </a:rPr>
+              <a:t>   field1: value1,</a:t>
+            </a:r>
+          </a:p>
+          <a:p>
+            <a:r>
+              <a:rPr lang="en-US" dirty="0">
+                <a:solidFill>
+                  <a:srgbClr val="049DC8"/>
+                </a:solidFill>
+                <a:latin typeface="Consolas" panose="020B0609020204030204" pitchFamily="49" charset="0"/>
+                <a:cs typeface="Calibri" panose="020F0502020204030204" pitchFamily="34" charset="0"/>
+              </a:rPr>
+              <a:t>   field2: value2,</a:t>
+            </a:r>
+          </a:p>
+          <a:p>
+            <a:r>
+              <a:rPr lang="en-US" dirty="0">
+                <a:solidFill>
+                  <a:srgbClr val="049DC8"/>
+                </a:solidFill>
+                <a:latin typeface="Consolas" panose="020B0609020204030204" pitchFamily="49" charset="0"/>
+                <a:cs typeface="Calibri" panose="020F0502020204030204" pitchFamily="34" charset="0"/>
+              </a:rPr>
+              <a:t>   field3: value3,</a:t>
+            </a:r>
+          </a:p>
+          <a:p>
+            <a:r>
+              <a:rPr lang="en-US" dirty="0">
+                <a:solidFill>
+                  <a:srgbClr val="049DC8"/>
+                </a:solidFill>
+                <a:latin typeface="Consolas" panose="020B0609020204030204" pitchFamily="49" charset="0"/>
+                <a:cs typeface="Calibri" panose="020F0502020204030204" pitchFamily="34" charset="0"/>
+              </a:rPr>
+              <a:t>   ...</a:t>
+            </a:r>
+          </a:p>
+          <a:p>
+            <a:r>
+              <a:rPr lang="en-US" dirty="0">
+                <a:solidFill>
+                  <a:srgbClr val="049DC8"/>
+                </a:solidFill>
+                <a:latin typeface="Consolas" panose="020B0609020204030204" pitchFamily="49" charset="0"/>
+                <a:cs typeface="Calibri" panose="020F0502020204030204" pitchFamily="34" charset="0"/>
+              </a:rPr>
+              <a:t>   fieldN: valueN</a:t>
+            </a:r>
+          </a:p>
+          <a:p>
+            <a:r>
+              <a:rPr lang="en-US" dirty="0">
+                <a:solidFill>
+                  <a:srgbClr val="049DC8"/>
+                </a:solidFill>
+                <a:latin typeface="Consolas" panose="020B0609020204030204" pitchFamily="49" charset="0"/>
+                <a:cs typeface="Calibri" panose="020F0502020204030204" pitchFamily="34" charset="0"/>
+              </a:rPr>
+              <a:t>}</a:t>
+            </a:r>
           </a:p>
         </p:txBody>
       </p:sp>
     </p:spTree>
     <p:extLst>
       <p:ext uri="{BB962C8B-B14F-4D97-AF65-F5344CB8AC3E}">
-        <p14:creationId xmlns:p14="http://schemas.microsoft.com/office/powerpoint/2010/main" val="250252946"/>
+        <p14:creationId xmlns:p14="http://schemas.microsoft.com/office/powerpoint/2010/main" val="1707159998"/>
       </p:ext>
     </p:extLst>
   </p:cSld>
@@ -14446,17 +15034,7 @@
                 <a:latin typeface="Arial" pitchFamily="34" charset="0"/>
                 <a:cs typeface="Arial" pitchFamily="34" charset="0"/>
               </a:rPr>
-              <a:t>MongoDB</a:t>
-            </a:r>
-            <a:r>
-              <a:rPr lang="en-US" sz="3200" b="1" i="1" dirty="0" smtClean="0">
-                <a:solidFill>
-                  <a:srgbClr val="FFFF00"/>
-                </a:solidFill>
-                <a:latin typeface="Arial" pitchFamily="34" charset="0"/>
-                <a:cs typeface="Arial" pitchFamily="34" charset="0"/>
-              </a:rPr>
-              <a:t> </a:t>
+              <a:t>document</a:t>
             </a:r>
             <a:r>
               <a:rPr lang="en-IN" sz="3200" b="1" i="1" dirty="0">
@@ -14503,7 +15081,7 @@
     </p:spTree>
     <p:extLst>
       <p:ext uri="{BB962C8B-B14F-4D97-AF65-F5344CB8AC3E}">
-        <p14:creationId xmlns:p14="http://schemas.microsoft.com/office/powerpoint/2010/main" val="895975297"/>
+        <p14:creationId xmlns:p14="http://schemas.microsoft.com/office/powerpoint/2010/main" val="3587670722"/>
       </p:ext>
     </p:extLst>
   </p:cSld>
@@ -14633,7 +15211,7 @@
     </p:spTree>
     <p:extLst>
       <p:ext uri="{BB962C8B-B14F-4D97-AF65-F5344CB8AC3E}">
-        <p14:creationId xmlns:p14="http://schemas.microsoft.com/office/powerpoint/2010/main" val="1785036271"/>
+        <p14:creationId xmlns:p14="http://schemas.microsoft.com/office/powerpoint/2010/main" val="250252946"/>
       </p:ext>
     </p:extLst>
   </p:cSld>
@@ -14763,7 +15341,7 @@
     </p:spTree>
     <p:extLst>
       <p:ext uri="{BB962C8B-B14F-4D97-AF65-F5344CB8AC3E}">
-        <p14:creationId xmlns:p14="http://schemas.microsoft.com/office/powerpoint/2010/main" val="2324753550"/>
+        <p14:creationId xmlns:p14="http://schemas.microsoft.com/office/powerpoint/2010/main" val="895975297"/>
       </p:ext>
     </p:extLst>
   </p:cSld>
@@ -14893,7 +15471,7 @@
     </p:spTree>
     <p:extLst>
       <p:ext uri="{BB962C8B-B14F-4D97-AF65-F5344CB8AC3E}">
-        <p14:creationId xmlns:p14="http://schemas.microsoft.com/office/powerpoint/2010/main" val="159175200"/>
+        <p14:creationId xmlns:p14="http://schemas.microsoft.com/office/powerpoint/2010/main" val="1785036271"/>
       </p:ext>
     </p:extLst>
   </p:cSld>
@@ -15023,7 +15601,7 @@
     </p:spTree>
     <p:extLst>
       <p:ext uri="{BB962C8B-B14F-4D97-AF65-F5344CB8AC3E}">
-        <p14:creationId xmlns:p14="http://schemas.microsoft.com/office/powerpoint/2010/main" val="4200858574"/>
+        <p14:creationId xmlns:p14="http://schemas.microsoft.com/office/powerpoint/2010/main" val="2324753550"/>
       </p:ext>
     </p:extLst>
   </p:cSld>
@@ -15153,7 +15731,7 @@
     </p:spTree>
     <p:extLst>
       <p:ext uri="{BB962C8B-B14F-4D97-AF65-F5344CB8AC3E}">
-        <p14:creationId xmlns:p14="http://schemas.microsoft.com/office/powerpoint/2010/main" val="2535387021"/>
+        <p14:creationId xmlns:p14="http://schemas.microsoft.com/office/powerpoint/2010/main" val="159175200"/>
       </p:ext>
     </p:extLst>
   </p:cSld>
@@ -15283,7 +15861,7 @@
     </p:spTree>
     <p:extLst>
       <p:ext uri="{BB962C8B-B14F-4D97-AF65-F5344CB8AC3E}">
-        <p14:creationId xmlns:p14="http://schemas.microsoft.com/office/powerpoint/2010/main" val="3372373110"/>
+        <p14:creationId xmlns:p14="http://schemas.microsoft.com/office/powerpoint/2010/main" val="4200858574"/>
       </p:ext>
     </p:extLst>
   </p:cSld>
@@ -15413,7 +15991,7 @@
     </p:spTree>
     <p:extLst>
       <p:ext uri="{BB962C8B-B14F-4D97-AF65-F5344CB8AC3E}">
-        <p14:creationId xmlns:p14="http://schemas.microsoft.com/office/powerpoint/2010/main" val="1298561359"/>
+        <p14:creationId xmlns:p14="http://schemas.microsoft.com/office/powerpoint/2010/main" val="2535387021"/>
       </p:ext>
     </p:extLst>
   </p:cSld>
@@ -15543,7 +16121,7 @@
     </p:spTree>
     <p:extLst>
       <p:ext uri="{BB962C8B-B14F-4D97-AF65-F5344CB8AC3E}">
-        <p14:creationId xmlns:p14="http://schemas.microsoft.com/office/powerpoint/2010/main" val="2767122750"/>
+        <p14:creationId xmlns:p14="http://schemas.microsoft.com/office/powerpoint/2010/main" val="3372373110"/>
       </p:ext>
     </p:extLst>
   </p:cSld>
@@ -16217,7 +16795,7 @@
     </p:spTree>
     <p:extLst>
       <p:ext uri="{BB962C8B-B14F-4D97-AF65-F5344CB8AC3E}">
-        <p14:creationId xmlns:p14="http://schemas.microsoft.com/office/powerpoint/2010/main" val="3923222660"/>
+        <p14:creationId xmlns:p14="http://schemas.microsoft.com/office/powerpoint/2010/main" val="1298561359"/>
       </p:ext>
     </p:extLst>
   </p:cSld>
@@ -16347,7 +16925,7 @@
     </p:spTree>
     <p:extLst>
       <p:ext uri="{BB962C8B-B14F-4D97-AF65-F5344CB8AC3E}">
-        <p14:creationId xmlns:p14="http://schemas.microsoft.com/office/powerpoint/2010/main" val="166747101"/>
+        <p14:creationId xmlns:p14="http://schemas.microsoft.com/office/powerpoint/2010/main" val="2767122750"/>
       </p:ext>
     </p:extLst>
   </p:cSld>
@@ -16477,7 +17055,7 @@
     </p:spTree>
     <p:extLst>
       <p:ext uri="{BB962C8B-B14F-4D97-AF65-F5344CB8AC3E}">
-        <p14:creationId xmlns:p14="http://schemas.microsoft.com/office/powerpoint/2010/main" val="924942284"/>
+        <p14:creationId xmlns:p14="http://schemas.microsoft.com/office/powerpoint/2010/main" val="3923222660"/>
       </p:ext>
     </p:extLst>
   </p:cSld>
@@ -16607,7 +17185,7 @@
     </p:spTree>
     <p:extLst>
       <p:ext uri="{BB962C8B-B14F-4D97-AF65-F5344CB8AC3E}">
-        <p14:creationId xmlns:p14="http://schemas.microsoft.com/office/powerpoint/2010/main" val="3259065627"/>
+        <p14:creationId xmlns:p14="http://schemas.microsoft.com/office/powerpoint/2010/main" val="166747101"/>
       </p:ext>
     </p:extLst>
   </p:cSld>
@@ -16737,7 +17315,7 @@
     </p:spTree>
     <p:extLst>
       <p:ext uri="{BB962C8B-B14F-4D97-AF65-F5344CB8AC3E}">
-        <p14:creationId xmlns:p14="http://schemas.microsoft.com/office/powerpoint/2010/main" val="3171492564"/>
+        <p14:creationId xmlns:p14="http://schemas.microsoft.com/office/powerpoint/2010/main" val="924942284"/>
       </p:ext>
     </p:extLst>
   </p:cSld>
@@ -16867,7 +17445,7 @@
     </p:spTree>
     <p:extLst>
       <p:ext uri="{BB962C8B-B14F-4D97-AF65-F5344CB8AC3E}">
-        <p14:creationId xmlns:p14="http://schemas.microsoft.com/office/powerpoint/2010/main" val="2780407736"/>
+        <p14:creationId xmlns:p14="http://schemas.microsoft.com/office/powerpoint/2010/main" val="3259065627"/>
       </p:ext>
     </p:extLst>
   </p:cSld>
@@ -16997,7 +17575,7 @@
     </p:spTree>
     <p:extLst>
       <p:ext uri="{BB962C8B-B14F-4D97-AF65-F5344CB8AC3E}">
-        <p14:creationId xmlns:p14="http://schemas.microsoft.com/office/powerpoint/2010/main" val="848474725"/>
+        <p14:creationId xmlns:p14="http://schemas.microsoft.com/office/powerpoint/2010/main" val="3171492564"/>
       </p:ext>
     </p:extLst>
   </p:cSld>
@@ -17127,7 +17705,7 @@
     </p:spTree>
     <p:extLst>
       <p:ext uri="{BB962C8B-B14F-4D97-AF65-F5344CB8AC3E}">
-        <p14:creationId xmlns:p14="http://schemas.microsoft.com/office/powerpoint/2010/main" val="4030158449"/>
+        <p14:creationId xmlns:p14="http://schemas.microsoft.com/office/powerpoint/2010/main" val="2780407736"/>
       </p:ext>
     </p:extLst>
   </p:cSld>
@@ -17257,7 +17835,7 @@
     </p:spTree>
     <p:extLst>
       <p:ext uri="{BB962C8B-B14F-4D97-AF65-F5344CB8AC3E}">
-        <p14:creationId xmlns:p14="http://schemas.microsoft.com/office/powerpoint/2010/main" val="1708605334"/>
+        <p14:creationId xmlns:p14="http://schemas.microsoft.com/office/powerpoint/2010/main" val="848474725"/>
       </p:ext>
     </p:extLst>
   </p:cSld>
@@ -17387,7 +17965,7 @@
     </p:spTree>
     <p:extLst>
       <p:ext uri="{BB962C8B-B14F-4D97-AF65-F5344CB8AC3E}">
-        <p14:creationId xmlns:p14="http://schemas.microsoft.com/office/powerpoint/2010/main" val="1478242473"/>
+        <p14:creationId xmlns:p14="http://schemas.microsoft.com/office/powerpoint/2010/main" val="4030158449"/>
       </p:ext>
     </p:extLst>
   </p:cSld>
@@ -17713,7 +18291,7 @@
     </p:spTree>
     <p:extLst>
       <p:ext uri="{BB962C8B-B14F-4D97-AF65-F5344CB8AC3E}">
-        <p14:creationId xmlns:p14="http://schemas.microsoft.com/office/powerpoint/2010/main" val="2136286712"/>
+        <p14:creationId xmlns:p14="http://schemas.microsoft.com/office/powerpoint/2010/main" val="1708605334"/>
       </p:ext>
     </p:extLst>
   </p:cSld>
@@ -17843,7 +18421,7 @@
     </p:spTree>
     <p:extLst>
       <p:ext uri="{BB962C8B-B14F-4D97-AF65-F5344CB8AC3E}">
-        <p14:creationId xmlns:p14="http://schemas.microsoft.com/office/powerpoint/2010/main" val="160110094"/>
+        <p14:creationId xmlns:p14="http://schemas.microsoft.com/office/powerpoint/2010/main" val="1478242473"/>
       </p:ext>
     </p:extLst>
   </p:cSld>
@@ -17973,7 +18551,7 @@
     </p:spTree>
     <p:extLst>
       <p:ext uri="{BB962C8B-B14F-4D97-AF65-F5344CB8AC3E}">
-        <p14:creationId xmlns:p14="http://schemas.microsoft.com/office/powerpoint/2010/main" val="1060267809"/>
+        <p14:creationId xmlns:p14="http://schemas.microsoft.com/office/powerpoint/2010/main" val="2136286712"/>
       </p:ext>
     </p:extLst>
   </p:cSld>
@@ -18103,7 +18681,7 @@
     </p:spTree>
     <p:extLst>
       <p:ext uri="{BB962C8B-B14F-4D97-AF65-F5344CB8AC3E}">
-        <p14:creationId xmlns:p14="http://schemas.microsoft.com/office/powerpoint/2010/main" val="1137647517"/>
+        <p14:creationId xmlns:p14="http://schemas.microsoft.com/office/powerpoint/2010/main" val="160110094"/>
       </p:ext>
     </p:extLst>
   </p:cSld>
@@ -18233,7 +18811,7 @@
     </p:spTree>
     <p:extLst>
       <p:ext uri="{BB962C8B-B14F-4D97-AF65-F5344CB8AC3E}">
-        <p14:creationId xmlns:p14="http://schemas.microsoft.com/office/powerpoint/2010/main" val="3052086859"/>
+        <p14:creationId xmlns:p14="http://schemas.microsoft.com/office/powerpoint/2010/main" val="1060267809"/>
       </p:ext>
     </p:extLst>
   </p:cSld>
@@ -18363,7 +18941,7 @@
     </p:spTree>
     <p:extLst>
       <p:ext uri="{BB962C8B-B14F-4D97-AF65-F5344CB8AC3E}">
-        <p14:creationId xmlns:p14="http://schemas.microsoft.com/office/powerpoint/2010/main" val="1097272351"/>
+        <p14:creationId xmlns:p14="http://schemas.microsoft.com/office/powerpoint/2010/main" val="1137647517"/>
       </p:ext>
     </p:extLst>
   </p:cSld>
@@ -18493,7 +19071,7 @@
     </p:spTree>
     <p:extLst>
       <p:ext uri="{BB962C8B-B14F-4D97-AF65-F5344CB8AC3E}">
-        <p14:creationId xmlns:p14="http://schemas.microsoft.com/office/powerpoint/2010/main" val="1587220367"/>
+        <p14:creationId xmlns:p14="http://schemas.microsoft.com/office/powerpoint/2010/main" val="3052086859"/>
       </p:ext>
     </p:extLst>
   </p:cSld>
@@ -18623,7 +19201,7 @@
     </p:spTree>
     <p:extLst>
       <p:ext uri="{BB962C8B-B14F-4D97-AF65-F5344CB8AC3E}">
-        <p14:creationId xmlns:p14="http://schemas.microsoft.com/office/powerpoint/2010/main" val="1863467568"/>
+        <p14:creationId xmlns:p14="http://schemas.microsoft.com/office/powerpoint/2010/main" val="1097272351"/>
       </p:ext>
     </p:extLst>
   </p:cSld>
@@ -18753,7 +19331,7 @@
     </p:spTree>
     <p:extLst>
       <p:ext uri="{BB962C8B-B14F-4D97-AF65-F5344CB8AC3E}">
-        <p14:creationId xmlns:p14="http://schemas.microsoft.com/office/powerpoint/2010/main" val="1971192509"/>
+        <p14:creationId xmlns:p14="http://schemas.microsoft.com/office/powerpoint/2010/main" val="1587220367"/>
       </p:ext>
     </p:extLst>
   </p:cSld>
@@ -18789,7 +19367,7 @@
       </p:grpSpPr>
       <p:sp>
         <p:nvSpPr>
-          <p:cNvPr id="4" name="Rectangle 3"/>
+          <p:cNvPr id="6" name="Rectangle 5"/>
           <p:cNvSpPr/>
           <p:nvPr/>
         </p:nvSpPr>
@@ -18802,8 +19380,8 @@
             <a:avLst/>
           </a:prstGeom>
           <a:solidFill>
-            <a:schemeClr val="bg2">
-              <a:lumMod val="10000"/>
+            <a:schemeClr val="accent4">
+              <a:lumMod val="75000"/>
             </a:schemeClr>
           </a:solidFill>
         </p:spPr>
@@ -18813,7 +19391,11 @@
           </a:bodyPr>
           <a:lstStyle/>
           <a:p>
-            <a:pPr algn="r"/>
+            <a:pPr algn="r">
+              <a:spcBef>
+                <a:spcPct val="0"/>
+              </a:spcBef>
+            </a:pPr>
             <a:r>
               <a:rPr lang="en-IN" sz="3200" b="1" i="1" dirty="0" smtClean="0">
                 <a:solidFill>
@@ -18822,27 +19404,40 @@
                 <a:latin typeface="Arial" pitchFamily="34" charset="0"/>
                 <a:cs typeface="Arial" pitchFamily="34" charset="0"/>
               </a:rPr>
-              <a:t>IMP</a:t>
-            </a:r>
-            <a:endParaRPr lang="en-IN" sz="3200" b="1" i="1" dirty="0">
-              <a:solidFill>
-                <a:srgbClr val="FFFF00"/>
-              </a:solidFill>
-              <a:latin typeface="Arial" pitchFamily="34" charset="0"/>
-              <a:cs typeface="Arial" pitchFamily="34" charset="0"/>
-            </a:endParaRPr>
-          </a:p>
-        </p:txBody>
-      </p:sp>
-      <p:sp>
-        <p:nvSpPr>
-          <p:cNvPr id="2" name="Rectangle 1"/>
+              <a:t>MongoDB</a:t>
+            </a:r>
+            <a:r>
+              <a:rPr lang="en-US" sz="3200" b="1" i="1" dirty="0" smtClean="0">
+                <a:solidFill>
+                  <a:srgbClr val="FFFF00"/>
+                </a:solidFill>
+                <a:latin typeface="Arial" pitchFamily="34" charset="0"/>
+                <a:cs typeface="Arial" pitchFamily="34" charset="0"/>
+              </a:rPr>
+              <a:t> </a:t>
+            </a:r>
+            <a:r>
+              <a:rPr lang="en-IN" sz="3200" b="1" i="1" dirty="0">
+                <a:solidFill>
+                  <a:srgbClr val="FFFF00"/>
+                </a:solidFill>
+                <a:latin typeface="Arial" pitchFamily="34" charset="0"/>
+                <a:cs typeface="Arial" pitchFamily="34" charset="0"/>
+              </a:rPr>
+              <a:t> </a:t>
+            </a:r>
+          </a:p>
+        </p:txBody>
+      </p:sp>
+      <p:sp>
+        <p:nvSpPr>
+          <p:cNvPr id="7" name="Rectangle 6"/>
           <p:cNvSpPr/>
           <p:nvPr/>
         </p:nvSpPr>
         <p:spPr>
           <a:xfrm>
-            <a:off x="145976" y="849264"/>
+            <a:off x="149188" y="762000"/>
             <a:ext cx="8845624" cy="369332"/>
           </a:xfrm>
           <a:prstGeom prst="rect">
@@ -18856,153 +19451,17 @@
           <a:lstStyle/>
           <a:p>
             <a:r>
-              <a:rPr lang="en-IN" dirty="0" smtClean="0">
-                <a:solidFill>
-                  <a:srgbClr val="222222"/>
-                </a:solidFill>
-                <a:latin typeface="Verdana" panose="020B0604030504040204" pitchFamily="34" charset="0"/>
-              </a:rPr>
-              <a:t>1. Think </a:t>
-            </a:r>
-            <a:r>
-              <a:rPr lang="en-IN" dirty="0">
-                <a:solidFill>
-                  <a:srgbClr val="222222"/>
-                </a:solidFill>
-                <a:latin typeface="Verdana" panose="020B0604030504040204" pitchFamily="34" charset="0"/>
-              </a:rPr>
-              <a:t>about how multiplication can be done without actually </a:t>
-            </a:r>
-            <a:r>
-              <a:rPr lang="en-IN" dirty="0" smtClean="0">
-                <a:solidFill>
-                  <a:srgbClr val="222222"/>
-                </a:solidFill>
-                <a:latin typeface="Verdana" panose="020B0604030504040204" pitchFamily="34" charset="0"/>
-              </a:rPr>
-              <a:t>multiplying </a:t>
+              <a:rPr lang="en-US" dirty="0" smtClean="0"/>
+              <a:t>TODO</a:t>
             </a:r>
             <a:endParaRPr lang="en-IN" dirty="0"/>
           </a:p>
         </p:txBody>
       </p:sp>
-      <p:sp>
-        <p:nvSpPr>
-          <p:cNvPr id="3" name="TextBox 2"/>
-          <p:cNvSpPr txBox="1"/>
-          <p:nvPr/>
-        </p:nvSpPr>
-        <p:spPr>
-          <a:xfrm>
-            <a:off x="990600" y="2514600"/>
-            <a:ext cx="184731" cy="369332"/>
-          </a:xfrm>
-          <a:prstGeom prst="rect">
-            <a:avLst/>
-          </a:prstGeom>
-          <a:noFill/>
-        </p:spPr>
-        <p:txBody>
-          <a:bodyPr wrap="none" rtlCol="0">
-            <a:spAutoFit/>
-          </a:bodyPr>
-          <a:lstStyle/>
-          <a:p>
-            <a:endParaRPr lang="en-IN" dirty="0"/>
-          </a:p>
-        </p:txBody>
-      </p:sp>
-      <p:pic>
-        <p:nvPicPr>
-          <p:cNvPr id="5" name="Picture 4"/>
-          <p:cNvPicPr>
-            <a:picLocks noChangeAspect="1"/>
-          </p:cNvPicPr>
-          <p:nvPr/>
-        </p:nvPicPr>
-        <p:blipFill>
-          <a:blip r:embed="rId2"/>
-          <a:stretch>
-            <a:fillRect/>
-          </a:stretch>
-        </p:blipFill>
-        <p:spPr>
-          <a:xfrm>
-            <a:off x="304800" y="3700361"/>
-            <a:ext cx="4648200" cy="2471839"/>
-          </a:xfrm>
-          <a:prstGeom prst="rect">
-            <a:avLst/>
-          </a:prstGeom>
-        </p:spPr>
-      </p:pic>
-      <p:sp>
-        <p:nvSpPr>
-          <p:cNvPr id="6" name="Rectangle 5"/>
-          <p:cNvSpPr/>
-          <p:nvPr/>
-        </p:nvSpPr>
-        <p:spPr>
-          <a:xfrm>
-            <a:off x="145976" y="3243552"/>
-            <a:ext cx="1317990" cy="369332"/>
-          </a:xfrm>
-          <a:prstGeom prst="rect">
-            <a:avLst/>
-          </a:prstGeom>
-        </p:spPr>
-        <p:txBody>
-          <a:bodyPr wrap="none">
-            <a:spAutoFit/>
-          </a:bodyPr>
-          <a:lstStyle/>
-          <a:p>
-            <a:r>
-              <a:rPr lang="en-IN" dirty="0" smtClean="0">
-                <a:solidFill>
-                  <a:srgbClr val="222222"/>
-                </a:solidFill>
-                <a:latin typeface="Verdana" panose="020B0604030504040204" pitchFamily="34" charset="0"/>
-              </a:rPr>
-              <a:t>2. Square</a:t>
-            </a:r>
-            <a:endParaRPr lang="en-IN" dirty="0">
-              <a:solidFill>
-                <a:srgbClr val="222222"/>
-              </a:solidFill>
-              <a:latin typeface="Verdana" panose="020B0604030504040204" pitchFamily="34" charset="0"/>
-            </a:endParaRPr>
-          </a:p>
-        </p:txBody>
-      </p:sp>
-      <p:pic>
-        <p:nvPicPr>
-          <p:cNvPr id="8" name="Picture 7"/>
-          <p:cNvPicPr>
-            <a:picLocks noChangeAspect="1"/>
-          </p:cNvPicPr>
-          <p:nvPr/>
-        </p:nvPicPr>
-        <p:blipFill>
-          <a:blip r:embed="rId3"/>
-          <a:stretch>
-            <a:fillRect/>
-          </a:stretch>
-        </p:blipFill>
-        <p:spPr>
-          <a:xfrm>
-            <a:off x="533400" y="1250647"/>
-            <a:ext cx="4495800" cy="1883657"/>
-          </a:xfrm>
-          <a:prstGeom prst="rect">
-            <a:avLst/>
-          </a:prstGeom>
-        </p:spPr>
-      </p:pic>
     </p:spTree>
     <p:extLst>
       <p:ext uri="{BB962C8B-B14F-4D97-AF65-F5344CB8AC3E}">
-        <p14:creationId xmlns:p14="http://schemas.microsoft.com/office/powerpoint/2010/main" val="3391323119"/>
+        <p14:creationId xmlns:p14="http://schemas.microsoft.com/office/powerpoint/2010/main" val="1863467568"/>
       </p:ext>
     </p:extLst>
   </p:cSld>
@@ -19243,61 +19702,25 @@
           <a:chExt cx="0" cy="0"/>
         </a:xfrm>
       </p:grpSpPr>
-      <p:pic>
-        <p:nvPicPr>
-          <p:cNvPr id="1026" name="Picture 2" descr="http://www.bvctch.vn/vnt_upload/weblink/thks.jpg"/>
-          <p:cNvPicPr>
-            <a:picLocks noChangeAspect="1" noChangeArrowheads="1"/>
-          </p:cNvPicPr>
-          <p:nvPr/>
-        </p:nvPicPr>
-        <p:blipFill>
-          <a:blip r:embed="rId2">
-            <a:extLst>
-              <a:ext uri="{28A0092B-C50C-407E-A947-70E740481C1C}">
-                <a14:useLocalDpi xmlns:a14="http://schemas.microsoft.com/office/drawing/2010/main" val="0"/>
-              </a:ext>
-            </a:extLst>
-          </a:blip>
-          <a:srcRect/>
-          <a:stretch>
-            <a:fillRect/>
-          </a:stretch>
-        </p:blipFill>
-        <p:spPr bwMode="auto">
-          <a:xfrm>
-            <a:off x="2895600" y="757237"/>
-            <a:ext cx="3124200" cy="4881563"/>
-          </a:xfrm>
-          <a:prstGeom prst="rect">
-            <a:avLst/>
-          </a:prstGeom>
-          <a:noFill/>
-          <a:extLst>
-            <a:ext uri="{909E8E84-426E-40DD-AFC4-6F175D3DCCD1}">
-              <a14:hiddenFill xmlns:a14="http://schemas.microsoft.com/office/drawing/2010/main">
-                <a:solidFill>
-                  <a:srgbClr val="FFFFFF"/>
-                </a:solidFill>
-              </a14:hiddenFill>
-            </a:ext>
-          </a:extLst>
-        </p:spPr>
-      </p:pic>
-      <p:sp>
-        <p:nvSpPr>
-          <p:cNvPr id="3" name="Rectangle 2"/>
+      <p:sp>
+        <p:nvSpPr>
+          <p:cNvPr id="6" name="Rectangle 5"/>
           <p:cNvSpPr/>
           <p:nvPr/>
         </p:nvSpPr>
         <p:spPr>
           <a:xfrm>
-            <a:off x="304800" y="5105400"/>
-            <a:ext cx="8610600" cy="1077218"/>
-          </a:xfrm>
-          <a:prstGeom prst="rect">
-            <a:avLst/>
-          </a:prstGeom>
+            <a:off x="0" y="0"/>
+            <a:ext cx="9144000" cy="584775"/>
+          </a:xfrm>
+          <a:prstGeom prst="rect">
+            <a:avLst/>
+          </a:prstGeom>
+          <a:solidFill>
+            <a:schemeClr val="accent4">
+              <a:lumMod val="75000"/>
+            </a:schemeClr>
+          </a:solidFill>
         </p:spPr>
         <p:txBody>
           <a:bodyPr wrap="square">
@@ -19305,35 +19728,77 @@
           </a:bodyPr>
           <a:lstStyle/>
           <a:p>
-            <a:pPr algn="ctr"/>
-            <a:r>
-              <a:rPr lang="en-IN" sz="3200" dirty="0">
-                <a:solidFill>
-                  <a:srgbClr val="FE1212"/>
-                </a:solidFill>
-                <a:latin typeface="Segoe Print" panose="02000600000000000000" pitchFamily="2" charset="0"/>
-              </a:rPr>
-              <a:t>"Live as if you were to die tomorrow.</a:t>
-            </a:r>
-          </a:p>
-          <a:p>
-            <a:pPr algn="ctr"/>
-            <a:r>
-              <a:rPr lang="en-IN" sz="3200" dirty="0">
-                <a:solidFill>
-                  <a:srgbClr val="FE1212"/>
-                </a:solidFill>
-                <a:latin typeface="Segoe Print" panose="02000600000000000000" pitchFamily="2" charset="0"/>
-              </a:rPr>
-              <a:t>Learn as if you were to live forever"</a:t>
-            </a:r>
+            <a:pPr algn="r">
+              <a:spcBef>
+                <a:spcPct val="0"/>
+              </a:spcBef>
+            </a:pPr>
+            <a:r>
+              <a:rPr lang="en-IN" sz="3200" b="1" i="1" dirty="0" smtClean="0">
+                <a:solidFill>
+                  <a:srgbClr val="FFFF00"/>
+                </a:solidFill>
+                <a:latin typeface="Arial" pitchFamily="34" charset="0"/>
+                <a:cs typeface="Arial" pitchFamily="34" charset="0"/>
+              </a:rPr>
+              <a:t>MongoDB</a:t>
+            </a:r>
+            <a:r>
+              <a:rPr lang="en-US" sz="3200" b="1" i="1" dirty="0" smtClean="0">
+                <a:solidFill>
+                  <a:srgbClr val="FFFF00"/>
+                </a:solidFill>
+                <a:latin typeface="Arial" pitchFamily="34" charset="0"/>
+                <a:cs typeface="Arial" pitchFamily="34" charset="0"/>
+              </a:rPr>
+              <a:t> </a:t>
+            </a:r>
+            <a:r>
+              <a:rPr lang="en-IN" sz="3200" b="1" i="1" dirty="0">
+                <a:solidFill>
+                  <a:srgbClr val="FFFF00"/>
+                </a:solidFill>
+                <a:latin typeface="Arial" pitchFamily="34" charset="0"/>
+                <a:cs typeface="Arial" pitchFamily="34" charset="0"/>
+              </a:rPr>
+              <a:t> </a:t>
+            </a:r>
+          </a:p>
+        </p:txBody>
+      </p:sp>
+      <p:sp>
+        <p:nvSpPr>
+          <p:cNvPr id="7" name="Rectangle 6"/>
+          <p:cNvSpPr/>
+          <p:nvPr/>
+        </p:nvSpPr>
+        <p:spPr>
+          <a:xfrm>
+            <a:off x="149188" y="762000"/>
+            <a:ext cx="8845624" cy="369332"/>
+          </a:xfrm>
+          <a:prstGeom prst="rect">
+            <a:avLst/>
+          </a:prstGeom>
+        </p:spPr>
+        <p:txBody>
+          <a:bodyPr wrap="square">
+            <a:spAutoFit/>
+          </a:bodyPr>
+          <a:lstStyle/>
+          <a:p>
+            <a:r>
+              <a:rPr lang="en-US" dirty="0" smtClean="0"/>
+              <a:t>TODO</a:t>
+            </a:r>
+            <a:endParaRPr lang="en-IN" dirty="0"/>
           </a:p>
         </p:txBody>
       </p:sp>
     </p:spTree>
     <p:extLst>
       <p:ext uri="{BB962C8B-B14F-4D97-AF65-F5344CB8AC3E}">
-        <p14:creationId xmlns:p14="http://schemas.microsoft.com/office/powerpoint/2010/main" val="1148130326"/>
+        <p14:creationId xmlns:p14="http://schemas.microsoft.com/office/powerpoint/2010/main" val="1971192509"/>
       </p:ext>
     </p:extLst>
   </p:cSld>
@@ -19369,6 +19834,379 @@
       </p:grpSpPr>
       <p:sp>
         <p:nvSpPr>
+          <p:cNvPr id="4" name="Rectangle 3"/>
+          <p:cNvSpPr/>
+          <p:nvPr/>
+        </p:nvSpPr>
+        <p:spPr>
+          <a:xfrm>
+            <a:off x="0" y="0"/>
+            <a:ext cx="9144000" cy="584775"/>
+          </a:xfrm>
+          <a:prstGeom prst="rect">
+            <a:avLst/>
+          </a:prstGeom>
+          <a:solidFill>
+            <a:schemeClr val="bg2">
+              <a:lumMod val="10000"/>
+            </a:schemeClr>
+          </a:solidFill>
+        </p:spPr>
+        <p:txBody>
+          <a:bodyPr wrap="square">
+            <a:spAutoFit/>
+          </a:bodyPr>
+          <a:lstStyle/>
+          <a:p>
+            <a:pPr algn="r"/>
+            <a:r>
+              <a:rPr lang="en-IN" sz="3200" b="1" i="1" dirty="0" smtClean="0">
+                <a:solidFill>
+                  <a:srgbClr val="FFFF00"/>
+                </a:solidFill>
+                <a:latin typeface="Arial" pitchFamily="34" charset="0"/>
+                <a:cs typeface="Arial" pitchFamily="34" charset="0"/>
+              </a:rPr>
+              <a:t>IMP</a:t>
+            </a:r>
+            <a:endParaRPr lang="en-IN" sz="3200" b="1" i="1" dirty="0">
+              <a:solidFill>
+                <a:srgbClr val="FFFF00"/>
+              </a:solidFill>
+              <a:latin typeface="Arial" pitchFamily="34" charset="0"/>
+              <a:cs typeface="Arial" pitchFamily="34" charset="0"/>
+            </a:endParaRPr>
+          </a:p>
+        </p:txBody>
+      </p:sp>
+      <p:sp>
+        <p:nvSpPr>
+          <p:cNvPr id="2" name="Rectangle 1"/>
+          <p:cNvSpPr/>
+          <p:nvPr/>
+        </p:nvSpPr>
+        <p:spPr>
+          <a:xfrm>
+            <a:off x="145976" y="849264"/>
+            <a:ext cx="8845624" cy="369332"/>
+          </a:xfrm>
+          <a:prstGeom prst="rect">
+            <a:avLst/>
+          </a:prstGeom>
+        </p:spPr>
+        <p:txBody>
+          <a:bodyPr wrap="square">
+            <a:spAutoFit/>
+          </a:bodyPr>
+          <a:lstStyle/>
+          <a:p>
+            <a:r>
+              <a:rPr lang="en-IN" dirty="0" smtClean="0">
+                <a:solidFill>
+                  <a:srgbClr val="222222"/>
+                </a:solidFill>
+                <a:latin typeface="Verdana" panose="020B0604030504040204" pitchFamily="34" charset="0"/>
+              </a:rPr>
+              <a:t>1. Think </a:t>
+            </a:r>
+            <a:r>
+              <a:rPr lang="en-IN" dirty="0">
+                <a:solidFill>
+                  <a:srgbClr val="222222"/>
+                </a:solidFill>
+                <a:latin typeface="Verdana" panose="020B0604030504040204" pitchFamily="34" charset="0"/>
+              </a:rPr>
+              <a:t>about how multiplication can be done without actually </a:t>
+            </a:r>
+            <a:r>
+              <a:rPr lang="en-IN" dirty="0" smtClean="0">
+                <a:solidFill>
+                  <a:srgbClr val="222222"/>
+                </a:solidFill>
+                <a:latin typeface="Verdana" panose="020B0604030504040204" pitchFamily="34" charset="0"/>
+              </a:rPr>
+              <a:t>multiplying </a:t>
+            </a:r>
+            <a:endParaRPr lang="en-IN" dirty="0"/>
+          </a:p>
+        </p:txBody>
+      </p:sp>
+      <p:sp>
+        <p:nvSpPr>
+          <p:cNvPr id="3" name="TextBox 2"/>
+          <p:cNvSpPr txBox="1"/>
+          <p:nvPr/>
+        </p:nvSpPr>
+        <p:spPr>
+          <a:xfrm>
+            <a:off x="990600" y="2514600"/>
+            <a:ext cx="184731" cy="369332"/>
+          </a:xfrm>
+          <a:prstGeom prst="rect">
+            <a:avLst/>
+          </a:prstGeom>
+          <a:noFill/>
+        </p:spPr>
+        <p:txBody>
+          <a:bodyPr wrap="none" rtlCol="0">
+            <a:spAutoFit/>
+          </a:bodyPr>
+          <a:lstStyle/>
+          <a:p>
+            <a:endParaRPr lang="en-IN" dirty="0"/>
+          </a:p>
+        </p:txBody>
+      </p:sp>
+      <p:pic>
+        <p:nvPicPr>
+          <p:cNvPr id="5" name="Picture 4"/>
+          <p:cNvPicPr>
+            <a:picLocks noChangeAspect="1"/>
+          </p:cNvPicPr>
+          <p:nvPr/>
+        </p:nvPicPr>
+        <p:blipFill>
+          <a:blip r:embed="rId2"/>
+          <a:stretch>
+            <a:fillRect/>
+          </a:stretch>
+        </p:blipFill>
+        <p:spPr>
+          <a:xfrm>
+            <a:off x="304800" y="3700361"/>
+            <a:ext cx="4648200" cy="2471839"/>
+          </a:xfrm>
+          <a:prstGeom prst="rect">
+            <a:avLst/>
+          </a:prstGeom>
+        </p:spPr>
+      </p:pic>
+      <p:sp>
+        <p:nvSpPr>
+          <p:cNvPr id="6" name="Rectangle 5"/>
+          <p:cNvSpPr/>
+          <p:nvPr/>
+        </p:nvSpPr>
+        <p:spPr>
+          <a:xfrm>
+            <a:off x="145976" y="3243552"/>
+            <a:ext cx="1317990" cy="369332"/>
+          </a:xfrm>
+          <a:prstGeom prst="rect">
+            <a:avLst/>
+          </a:prstGeom>
+        </p:spPr>
+        <p:txBody>
+          <a:bodyPr wrap="none">
+            <a:spAutoFit/>
+          </a:bodyPr>
+          <a:lstStyle/>
+          <a:p>
+            <a:r>
+              <a:rPr lang="en-IN" dirty="0" smtClean="0">
+                <a:solidFill>
+                  <a:srgbClr val="222222"/>
+                </a:solidFill>
+                <a:latin typeface="Verdana" panose="020B0604030504040204" pitchFamily="34" charset="0"/>
+              </a:rPr>
+              <a:t>2. Square</a:t>
+            </a:r>
+            <a:endParaRPr lang="en-IN" dirty="0">
+              <a:solidFill>
+                <a:srgbClr val="222222"/>
+              </a:solidFill>
+              <a:latin typeface="Verdana" panose="020B0604030504040204" pitchFamily="34" charset="0"/>
+            </a:endParaRPr>
+          </a:p>
+        </p:txBody>
+      </p:sp>
+      <p:pic>
+        <p:nvPicPr>
+          <p:cNvPr id="8" name="Picture 7"/>
+          <p:cNvPicPr>
+            <a:picLocks noChangeAspect="1"/>
+          </p:cNvPicPr>
+          <p:nvPr/>
+        </p:nvPicPr>
+        <p:blipFill>
+          <a:blip r:embed="rId3"/>
+          <a:stretch>
+            <a:fillRect/>
+          </a:stretch>
+        </p:blipFill>
+        <p:spPr>
+          <a:xfrm>
+            <a:off x="533400" y="1250647"/>
+            <a:ext cx="4495800" cy="1883657"/>
+          </a:xfrm>
+          <a:prstGeom prst="rect">
+            <a:avLst/>
+          </a:prstGeom>
+        </p:spPr>
+      </p:pic>
+    </p:spTree>
+    <p:extLst>
+      <p:ext uri="{BB962C8B-B14F-4D97-AF65-F5344CB8AC3E}">
+        <p14:creationId xmlns:p14="http://schemas.microsoft.com/office/powerpoint/2010/main" val="3391323119"/>
+      </p:ext>
+    </p:extLst>
+  </p:cSld>
+  <p:clrMapOvr>
+    <a:masterClrMapping/>
+  </p:clrMapOvr>
+  <p:timing>
+    <p:tnLst>
+      <p:par>
+        <p:cTn id="1" dur="indefinite" restart="never" nodeType="tmRoot"/>
+      </p:par>
+    </p:tnLst>
+  </p:timing>
+</p:sld>
+</file>
+
+<file path=ppt/slides/slide72.xml><?xml version="1.0" encoding="utf-8"?>
+<p:sld xmlns:a="http://schemas.openxmlformats.org/drawingml/2006/main" xmlns:r="http://schemas.openxmlformats.org/officeDocument/2006/relationships" xmlns:p="http://schemas.openxmlformats.org/presentationml/2006/main">
+  <p:cSld>
+    <p:spTree>
+      <p:nvGrpSpPr>
+        <p:cNvPr id="1" name=""/>
+        <p:cNvGrpSpPr/>
+        <p:nvPr/>
+      </p:nvGrpSpPr>
+      <p:grpSpPr>
+        <a:xfrm>
+          <a:off x="0" y="0"/>
+          <a:ext cx="0" cy="0"/>
+          <a:chOff x="0" y="0"/>
+          <a:chExt cx="0" cy="0"/>
+        </a:xfrm>
+      </p:grpSpPr>
+      <p:pic>
+        <p:nvPicPr>
+          <p:cNvPr id="1026" name="Picture 2" descr="http://www.bvctch.vn/vnt_upload/weblink/thks.jpg"/>
+          <p:cNvPicPr>
+            <a:picLocks noChangeAspect="1" noChangeArrowheads="1"/>
+          </p:cNvPicPr>
+          <p:nvPr/>
+        </p:nvPicPr>
+        <p:blipFill>
+          <a:blip r:embed="rId2">
+            <a:extLst>
+              <a:ext uri="{28A0092B-C50C-407E-A947-70E740481C1C}">
+                <a14:useLocalDpi xmlns:a14="http://schemas.microsoft.com/office/drawing/2010/main" val="0"/>
+              </a:ext>
+            </a:extLst>
+          </a:blip>
+          <a:srcRect/>
+          <a:stretch>
+            <a:fillRect/>
+          </a:stretch>
+        </p:blipFill>
+        <p:spPr bwMode="auto">
+          <a:xfrm>
+            <a:off x="2895600" y="757237"/>
+            <a:ext cx="3124200" cy="4881563"/>
+          </a:xfrm>
+          <a:prstGeom prst="rect">
+            <a:avLst/>
+          </a:prstGeom>
+          <a:noFill/>
+          <a:extLst>
+            <a:ext uri="{909E8E84-426E-40DD-AFC4-6F175D3DCCD1}">
+              <a14:hiddenFill xmlns:a14="http://schemas.microsoft.com/office/drawing/2010/main">
+                <a:solidFill>
+                  <a:srgbClr val="FFFFFF"/>
+                </a:solidFill>
+              </a14:hiddenFill>
+            </a:ext>
+          </a:extLst>
+        </p:spPr>
+      </p:pic>
+      <p:sp>
+        <p:nvSpPr>
+          <p:cNvPr id="3" name="Rectangle 2"/>
+          <p:cNvSpPr/>
+          <p:nvPr/>
+        </p:nvSpPr>
+        <p:spPr>
+          <a:xfrm>
+            <a:off x="304800" y="5105400"/>
+            <a:ext cx="8610600" cy="1077218"/>
+          </a:xfrm>
+          <a:prstGeom prst="rect">
+            <a:avLst/>
+          </a:prstGeom>
+        </p:spPr>
+        <p:txBody>
+          <a:bodyPr wrap="square">
+            <a:spAutoFit/>
+          </a:bodyPr>
+          <a:lstStyle/>
+          <a:p>
+            <a:pPr algn="ctr"/>
+            <a:r>
+              <a:rPr lang="en-IN" sz="3200" dirty="0">
+                <a:solidFill>
+                  <a:srgbClr val="FE1212"/>
+                </a:solidFill>
+                <a:latin typeface="Segoe Print" panose="02000600000000000000" pitchFamily="2" charset="0"/>
+              </a:rPr>
+              <a:t>"Live as if you were to die tomorrow.</a:t>
+            </a:r>
+          </a:p>
+          <a:p>
+            <a:pPr algn="ctr"/>
+            <a:r>
+              <a:rPr lang="en-IN" sz="3200" dirty="0">
+                <a:solidFill>
+                  <a:srgbClr val="FE1212"/>
+                </a:solidFill>
+                <a:latin typeface="Segoe Print" panose="02000600000000000000" pitchFamily="2" charset="0"/>
+              </a:rPr>
+              <a:t>Learn as if you were to live forever"</a:t>
+            </a:r>
+          </a:p>
+        </p:txBody>
+      </p:sp>
+    </p:spTree>
+    <p:extLst>
+      <p:ext uri="{BB962C8B-B14F-4D97-AF65-F5344CB8AC3E}">
+        <p14:creationId xmlns:p14="http://schemas.microsoft.com/office/powerpoint/2010/main" val="1148130326"/>
+      </p:ext>
+    </p:extLst>
+  </p:cSld>
+  <p:clrMapOvr>
+    <a:masterClrMapping/>
+  </p:clrMapOvr>
+  <p:timing>
+    <p:tnLst>
+      <p:par>
+        <p:cTn id="1" dur="indefinite" restart="never" nodeType="tmRoot"/>
+      </p:par>
+    </p:tnLst>
+  </p:timing>
+</p:sld>
+</file>
+
+<file path=ppt/slides/slide73.xml><?xml version="1.0" encoding="utf-8"?>
+<p:sld xmlns:a="http://schemas.openxmlformats.org/drawingml/2006/main" xmlns:r="http://schemas.openxmlformats.org/officeDocument/2006/relationships" xmlns:p="http://schemas.openxmlformats.org/presentationml/2006/main">
+  <p:cSld>
+    <p:spTree>
+      <p:nvGrpSpPr>
+        <p:cNvPr id="1" name=""/>
+        <p:cNvGrpSpPr/>
+        <p:nvPr/>
+      </p:nvGrpSpPr>
+      <p:grpSpPr>
+        <a:xfrm>
+          <a:off x="0" y="0"/>
+          <a:ext cx="0" cy="0"/>
+          <a:chOff x="0" y="0"/>
+          <a:chExt cx="0" cy="0"/>
+        </a:xfrm>
+      </p:grpSpPr>
+      <p:sp>
+        <p:nvSpPr>
           <p:cNvPr id="3" name="Rectangle 2"/>
           <p:cNvSpPr/>
           <p:nvPr/>
@@ -19451,7 +20289,7 @@
 </p:sld>
 </file>
 
-<file path=ppt/slides/slide72.xml><?xml version="1.0" encoding="utf-8"?>
+<file path=ppt/slides/slide74.xml><?xml version="1.0" encoding="utf-8"?>
 <p:sld xmlns:a="http://schemas.openxmlformats.org/drawingml/2006/main" xmlns:r="http://schemas.openxmlformats.org/officeDocument/2006/relationships" xmlns:p="http://schemas.openxmlformats.org/presentationml/2006/main">
   <p:cSld>
     <p:spTree>
